--- a/课程ppt/第11讲 微信支付与Oauth授权.pptx
+++ b/课程ppt/第11讲 微信支付与Oauth授权.pptx
@@ -9,10 +9,10 @@
     <p:sldMasterId id="2147483691" r:id="rId5"/>
   </p:sldMasterIdLst>
   <p:notesMasterIdLst>
-    <p:notesMasterId r:id="rId37"/>
+    <p:notesMasterId r:id="rId28"/>
   </p:notesMasterIdLst>
   <p:handoutMasterIdLst>
-    <p:handoutMasterId r:id="rId38"/>
+    <p:handoutMasterId r:id="rId29"/>
   </p:handoutMasterIdLst>
   <p:sldIdLst>
     <p:sldId id="257" r:id="rId6"/>
@@ -20,37 +20,28 @@
     <p:sldId id="454" r:id="rId8"/>
     <p:sldId id="451" r:id="rId9"/>
     <p:sldId id="481" r:id="rId10"/>
-    <p:sldId id="485" r:id="rId11"/>
-    <p:sldId id="482" r:id="rId12"/>
-    <p:sldId id="466" r:id="rId13"/>
-    <p:sldId id="483" r:id="rId14"/>
-    <p:sldId id="484" r:id="rId15"/>
-    <p:sldId id="460" r:id="rId16"/>
-    <p:sldId id="480" r:id="rId17"/>
-    <p:sldId id="439" r:id="rId18"/>
-    <p:sldId id="456" r:id="rId19"/>
-    <p:sldId id="440" r:id="rId20"/>
-    <p:sldId id="467" r:id="rId21"/>
-    <p:sldId id="468" r:id="rId22"/>
-    <p:sldId id="474" r:id="rId23"/>
-    <p:sldId id="475" r:id="rId24"/>
-    <p:sldId id="470" r:id="rId25"/>
-    <p:sldId id="471" r:id="rId26"/>
-    <p:sldId id="452" r:id="rId27"/>
-    <p:sldId id="473" r:id="rId28"/>
-    <p:sldId id="472" r:id="rId29"/>
-    <p:sldId id="469" r:id="rId30"/>
-    <p:sldId id="457" r:id="rId31"/>
-    <p:sldId id="435" r:id="rId32"/>
-    <p:sldId id="476" r:id="rId33"/>
-    <p:sldId id="477" r:id="rId34"/>
-    <p:sldId id="478" r:id="rId35"/>
-    <p:sldId id="311" r:id="rId36"/>
+    <p:sldId id="486" r:id="rId11"/>
+    <p:sldId id="485" r:id="rId12"/>
+    <p:sldId id="482" r:id="rId13"/>
+    <p:sldId id="466" r:id="rId14"/>
+    <p:sldId id="483" r:id="rId15"/>
+    <p:sldId id="484" r:id="rId16"/>
+    <p:sldId id="460" r:id="rId17"/>
+    <p:sldId id="480" r:id="rId18"/>
+    <p:sldId id="440" r:id="rId19"/>
+    <p:sldId id="439" r:id="rId20"/>
+    <p:sldId id="456" r:id="rId21"/>
+    <p:sldId id="452" r:id="rId22"/>
+    <p:sldId id="473" r:id="rId23"/>
+    <p:sldId id="472" r:id="rId24"/>
+    <p:sldId id="469" r:id="rId25"/>
+    <p:sldId id="477" r:id="rId26"/>
+    <p:sldId id="311" r:id="rId27"/>
   </p:sldIdLst>
   <p:sldSz cx="12192000" cy="6858000"/>
   <p:notesSz cx="6858000" cy="9144000"/>
   <p:custDataLst>
-    <p:tags r:id="rId39"/>
+    <p:tags r:id="rId30"/>
   </p:custDataLst>
   <p:defaultTextStyle>
     <a:defPPr>
@@ -195,6 +186,10 @@
 </p:cmAuthorLst>
 </file>
 
+<file path=ppt/revisionInfo.xml><?xml version="1.0" encoding="utf-8"?>
+<p1510:revInfo xmlns:a="http://schemas.openxmlformats.org/drawingml/2006/main" xmlns:r="http://schemas.openxmlformats.org/officeDocument/2006/relationships" xmlns:p1510="http://schemas.microsoft.com/office/powerpoint/2015/10/main"/>
+</file>
+
 <file path=ppt/handoutMasters/handoutMaster1.xml><?xml version="1.0" encoding="utf-8"?>
 <p:handoutMaster xmlns:a="http://schemas.openxmlformats.org/drawingml/2006/main" xmlns:r="http://schemas.openxmlformats.org/officeDocument/2006/relationships" xmlns:p="http://schemas.openxmlformats.org/presentationml/2006/main">
   <p:cSld>
@@ -277,7 +272,7 @@
           <a:p>
             <a:fld id="{2B71C804-97F5-4B36-A7AC-EEEC7F44F6C2}" type="datetimeFigureOut">
               <a:rPr lang="zh-CN" altLang="en-US" smtClean="0"/>
-              <a:t>2017/8/17</a:t>
+              <a:t>2017/9/1</a:t>
             </a:fld>
             <a:endParaRPr lang="zh-CN" altLang="en-US"/>
           </a:p>
@@ -443,7 +438,7 @@
           <a:p>
             <a:fld id="{0568D9C6-D8DC-4CC3-8480-E0C4DBA1CC07}" type="datetimeFigureOut">
               <a:rPr lang="zh-CN" altLang="en-US" smtClean="0"/>
-              <a:t>2017/8/17</a:t>
+              <a:t>2017/9/1</a:t>
             </a:fld>
             <a:endParaRPr lang="zh-CN" altLang="en-US"/>
           </a:p>
@@ -954,7 +949,7 @@
                 <a:ea typeface="宋体" charset="-122"/>
               </a:rPr>
               <a:pPr algn="r" eaLnBrk="1" hangingPunct="1"/>
-              <a:t>31</a:t>
+              <a:t>22</a:t>
             </a:fld>
             <a:endParaRPr lang="zh-CN" altLang="en-US" sz="1200">
               <a:latin typeface="Calibri" pitchFamily="34" charset="0"/>
@@ -1056,7 +1051,7 @@
           <a:p>
             <a:fld id="{DB9D664F-4C68-42D2-B189-678958EFAFDA}" type="datetime1">
               <a:rPr lang="zh-CN" altLang="en-US" smtClean="0"/>
-              <a:t>2017/8/17</a:t>
+              <a:t>2017/9/1</a:t>
             </a:fld>
             <a:endParaRPr lang="zh-CN" altLang="en-US"/>
           </a:p>
@@ -2038,7 +2033,7 @@
           <a:p>
             <a:fld id="{ED5513C8-E3A4-4D78-B249-887659A958FF}" type="datetime1">
               <a:rPr lang="en-US" altLang="zh-CN" smtClean="0"/>
-              <a:t>8/17/2017</a:t>
+              <a:t>9/1/2017</a:t>
             </a:fld>
             <a:endParaRPr lang="en-US"/>
           </a:p>
@@ -2216,7 +2211,7 @@
           <a:p>
             <a:fld id="{EBEDA52C-3EEE-4289-818C-901C0A7814FE}" type="datetime1">
               <a:rPr lang="en-US" altLang="zh-CN" smtClean="0"/>
-              <a:t>8/17/2017</a:t>
+              <a:t>9/1/2017</a:t>
             </a:fld>
             <a:endParaRPr lang="en-US"/>
           </a:p>
@@ -2470,7 +2465,7 @@
           <a:p>
             <a:fld id="{09EF5D7F-EA15-485C-85DD-8FDC010A62D4}" type="datetime1">
               <a:rPr lang="en-US" altLang="zh-CN" smtClean="0"/>
-              <a:t>8/17/2017</a:t>
+              <a:t>9/1/2017</a:t>
             </a:fld>
             <a:endParaRPr lang="en-US"/>
           </a:p>
@@ -2710,7 +2705,7 @@
           <a:p>
             <a:fld id="{9541C2B2-0BAB-4CD4-83EE-25F1A7138896}" type="datetime1">
               <a:rPr lang="en-US" altLang="zh-CN" smtClean="0"/>
-              <a:t>8/17/2017</a:t>
+              <a:t>9/1/2017</a:t>
             </a:fld>
             <a:endParaRPr lang="en-US"/>
           </a:p>
@@ -3085,7 +3080,7 @@
           <a:p>
             <a:fld id="{7DEA23E7-D0FC-41DC-8745-BE6FC447B182}" type="datetime1">
               <a:rPr lang="en-US" altLang="zh-CN" smtClean="0"/>
-              <a:t>8/17/2017</a:t>
+              <a:t>9/1/2017</a:t>
             </a:fld>
             <a:endParaRPr lang="en-US"/>
           </a:p>
@@ -3870,7 +3865,7 @@
           <a:p>
             <a:fld id="{5DEA8378-5F33-490B-8120-8DE6B7EE2781}" type="datetime1">
               <a:rPr lang="en-US" altLang="zh-CN" smtClean="0"/>
-              <a:t>8/17/2017</a:t>
+              <a:t>9/1/2017</a:t>
             </a:fld>
             <a:endParaRPr lang="en-US"/>
           </a:p>
@@ -4124,7 +4119,7 @@
           <a:p>
             <a:fld id="{38DD30CF-78A7-4C73-91B4-38D3E3317745}" type="datetime1">
               <a:rPr lang="en-US" altLang="zh-CN" smtClean="0"/>
-              <a:t>8/17/2017</a:t>
+              <a:t>9/1/2017</a:t>
             </a:fld>
             <a:endParaRPr lang="en-US"/>
           </a:p>
@@ -4227,7 +4222,7 @@
           <a:p>
             <a:fld id="{A1BE0A72-8501-4974-A7B7-5BD248ABBAFC}" type="datetime1">
               <a:rPr lang="zh-CN" altLang="en-US" smtClean="0"/>
-              <a:t>2017/8/17</a:t>
+              <a:t>2017/9/1</a:t>
             </a:fld>
             <a:endParaRPr lang="zh-CN" altLang="en-US"/>
           </a:p>
@@ -4488,7 +4483,7 @@
           <a:p>
             <a:fld id="{0B7E01DD-16D0-4DBA-9C1A-51468BA0B73A}" type="datetime1">
               <a:rPr lang="en-US" altLang="zh-CN" smtClean="0"/>
-              <a:t>8/17/2017</a:t>
+              <a:t>9/1/2017</a:t>
             </a:fld>
             <a:endParaRPr lang="en-US"/>
           </a:p>
@@ -4666,7 +4661,7 @@
           <a:p>
             <a:fld id="{B587E63F-0E62-4A50-901F-E071D77F7634}" type="datetime1">
               <a:rPr lang="en-US" altLang="zh-CN" smtClean="0"/>
-              <a:t>8/17/2017</a:t>
+              <a:t>9/1/2017</a:t>
             </a:fld>
             <a:endParaRPr lang="en-US"/>
           </a:p>
@@ -4854,7 +4849,7 @@
           <a:p>
             <a:fld id="{BD8521E8-9297-400B-AD8C-0A4D05699D33}" type="datetime1">
               <a:rPr lang="en-US" altLang="zh-CN" smtClean="0"/>
-              <a:t>8/17/2017</a:t>
+              <a:t>9/1/2017</a:t>
             </a:fld>
             <a:endParaRPr lang="en-US"/>
           </a:p>
@@ -5085,7 +5080,7 @@
           <a:p>
             <a:fld id="{ED5513C8-E3A4-4D78-B249-887659A958FF}" type="datetime1">
               <a:rPr lang="en-US" altLang="zh-CN" smtClean="0"/>
-              <a:t>8/17/2017</a:t>
+              <a:t>9/1/2017</a:t>
             </a:fld>
             <a:endParaRPr lang="en-US"/>
           </a:p>
@@ -5263,7 +5258,7 @@
           <a:p>
             <a:fld id="{EBEDA52C-3EEE-4289-818C-901C0A7814FE}" type="datetime1">
               <a:rPr lang="en-US" altLang="zh-CN" smtClean="0"/>
-              <a:t>8/17/2017</a:t>
+              <a:t>9/1/2017</a:t>
             </a:fld>
             <a:endParaRPr lang="en-US"/>
           </a:p>
@@ -5517,7 +5512,7 @@
           <a:p>
             <a:fld id="{09EF5D7F-EA15-485C-85DD-8FDC010A62D4}" type="datetime1">
               <a:rPr lang="en-US" altLang="zh-CN" smtClean="0"/>
-              <a:t>8/17/2017</a:t>
+              <a:t>9/1/2017</a:t>
             </a:fld>
             <a:endParaRPr lang="en-US"/>
           </a:p>
@@ -5757,7 +5752,7 @@
           <a:p>
             <a:fld id="{9541C2B2-0BAB-4CD4-83EE-25F1A7138896}" type="datetime1">
               <a:rPr lang="en-US" altLang="zh-CN" smtClean="0"/>
-              <a:t>8/17/2017</a:t>
+              <a:t>9/1/2017</a:t>
             </a:fld>
             <a:endParaRPr lang="en-US"/>
           </a:p>
@@ -6132,7 +6127,7 @@
           <a:p>
             <a:fld id="{7DEA23E7-D0FC-41DC-8745-BE6FC447B182}" type="datetime1">
               <a:rPr lang="en-US" altLang="zh-CN" smtClean="0"/>
-              <a:t>8/17/2017</a:t>
+              <a:t>9/1/2017</a:t>
             </a:fld>
             <a:endParaRPr lang="en-US"/>
           </a:p>
@@ -6917,7 +6912,7 @@
           <a:p>
             <a:fld id="{A1BE0A72-8501-4974-A7B7-5BD248ABBAFC}" type="datetime1">
               <a:rPr lang="zh-CN" altLang="en-US" smtClean="0"/>
-              <a:t>2017/8/17</a:t>
+              <a:t>2017/9/1</a:t>
             </a:fld>
             <a:endParaRPr lang="zh-CN" altLang="en-US"/>
           </a:p>
@@ -6970,7 +6965,7 @@
           <a:p>
             <a:fld id="{5DEA8378-5F33-490B-8120-8DE6B7EE2781}" type="datetime1">
               <a:rPr lang="en-US" altLang="zh-CN" smtClean="0"/>
-              <a:t>8/17/2017</a:t>
+              <a:t>9/1/2017</a:t>
             </a:fld>
             <a:endParaRPr lang="en-US"/>
           </a:p>
@@ -7224,7 +7219,7 @@
           <a:p>
             <a:fld id="{38DD30CF-78A7-4C73-91B4-38D3E3317745}" type="datetime1">
               <a:rPr lang="en-US" altLang="zh-CN" smtClean="0"/>
-              <a:t>8/17/2017</a:t>
+              <a:t>9/1/2017</a:t>
             </a:fld>
             <a:endParaRPr lang="en-US"/>
           </a:p>
@@ -7489,7 +7484,7 @@
           <a:p>
             <a:fld id="{0B7E01DD-16D0-4DBA-9C1A-51468BA0B73A}" type="datetime1">
               <a:rPr lang="en-US" altLang="zh-CN" smtClean="0"/>
-              <a:t>8/17/2017</a:t>
+              <a:t>9/1/2017</a:t>
             </a:fld>
             <a:endParaRPr lang="en-US"/>
           </a:p>
@@ -7667,7 +7662,7 @@
           <a:p>
             <a:fld id="{B587E63F-0E62-4A50-901F-E071D77F7634}" type="datetime1">
               <a:rPr lang="en-US" altLang="zh-CN" smtClean="0"/>
-              <a:t>8/17/2017</a:t>
+              <a:t>9/1/2017</a:t>
             </a:fld>
             <a:endParaRPr lang="en-US"/>
           </a:p>
@@ -7855,7 +7850,7 @@
           <a:p>
             <a:fld id="{BD8521E8-9297-400B-AD8C-0A4D05699D33}" type="datetime1">
               <a:rPr lang="en-US" altLang="zh-CN" smtClean="0"/>
-              <a:t>8/17/2017</a:t>
+              <a:t>9/1/2017</a:t>
             </a:fld>
             <a:endParaRPr lang="en-US"/>
           </a:p>
@@ -7958,7 +7953,7 @@
           <a:p>
             <a:fld id="{EF452D9C-F9EB-4417-9C3A-C876C2AF9415}" type="datetime1">
               <a:rPr lang="zh-CN" altLang="en-US" smtClean="0"/>
-              <a:t>2017/8/17</a:t>
+              <a:t>2017/9/1</a:t>
             </a:fld>
             <a:endParaRPr lang="zh-CN" altLang="en-US"/>
           </a:p>
@@ -8144,7 +8139,7 @@
           <a:p>
             <a:fld id="{2F2E9289-9B4C-49AE-BDDA-70D6EDC89D17}" type="datetime1">
               <a:rPr lang="zh-CN" altLang="en-US" smtClean="0"/>
-              <a:t>2017/8/17</a:t>
+              <a:t>2017/9/1</a:t>
             </a:fld>
             <a:endParaRPr lang="zh-CN" altLang="en-US"/>
           </a:p>
@@ -8314,7 +8309,7 @@
           <a:p>
             <a:fld id="{2F2E9289-9B4C-49AE-BDDA-70D6EDC89D17}" type="datetime1">
               <a:rPr lang="zh-CN" altLang="en-US" smtClean="0"/>
-              <a:t>2017/8/17</a:t>
+              <a:t>2017/9/1</a:t>
             </a:fld>
             <a:endParaRPr lang="zh-CN" altLang="en-US"/>
           </a:p>
@@ -8550,7 +8545,7 @@
           <a:p>
             <a:fld id="{8C5BA751-A251-47D6-8494-C134D9EBED5F}" type="datetime1">
               <a:rPr lang="zh-CN" altLang="en-US" smtClean="0"/>
-              <a:t>2017/8/17</a:t>
+              <a:t>2017/9/1</a:t>
             </a:fld>
             <a:endParaRPr lang="zh-CN" altLang="en-US"/>
           </a:p>
@@ -8906,7 +8901,7 @@
           <a:p>
             <a:fld id="{C46E2078-F302-4651-A2A2-2FC6C4E1A3F1}" type="datetime1">
               <a:rPr lang="zh-CN" altLang="en-US" smtClean="0"/>
-              <a:t>2017/8/17</a:t>
+              <a:t>2017/9/1</a:t>
             </a:fld>
             <a:endParaRPr lang="zh-CN" altLang="en-US"/>
           </a:p>
@@ -9028,7 +9023,7 @@
               <a:pPr>
                 <a:defRPr/>
               </a:pPr>
-              <a:t>2017/8/17</a:t>
+              <a:t>2017/9/1</a:t>
             </a:fld>
             <a:endParaRPr lang="zh-CN" altLang="en-US"/>
           </a:p>
@@ -9176,7 +9171,7 @@
           <a:p>
             <a:fld id="{A1BE0A72-8501-4974-A7B7-5BD248ABBAFC}" type="datetime1">
               <a:rPr lang="zh-CN" altLang="en-US" smtClean="0"/>
-              <a:t>2017/8/17</a:t>
+              <a:t>2017/9/1</a:t>
             </a:fld>
             <a:endParaRPr lang="zh-CN" altLang="en-US"/>
           </a:p>
@@ -9690,7 +9685,7 @@
           <a:p>
             <a:fld id="{A1BE0A72-8501-4974-A7B7-5BD248ABBAFC}" type="datetime1">
               <a:rPr lang="zh-CN" altLang="en-US" smtClean="0"/>
-              <a:t>2017/8/17</a:t>
+              <a:t>2017/9/1</a:t>
             </a:fld>
             <a:endParaRPr lang="zh-CN" altLang="en-US"/>
           </a:p>
@@ -10296,7 +10291,7 @@
           <a:p>
             <a:fld id="{7A78726F-0AD2-4A20-BC72-263D2D3F3A2F}" type="datetime1">
               <a:rPr lang="en-US" altLang="zh-CN" smtClean="0"/>
-              <a:t>8/17/2017</a:t>
+              <a:t>9/1/2017</a:t>
             </a:fld>
             <a:endParaRPr lang="en-US"/>
           </a:p>
@@ -11277,7 +11272,7 @@
           <a:p>
             <a:fld id="{A1BE0A72-8501-4974-A7B7-5BD248ABBAFC}" type="datetime1">
               <a:rPr lang="zh-CN" altLang="en-US" smtClean="0"/>
-              <a:t>2017/8/17</a:t>
+              <a:t>2017/9/1</a:t>
             </a:fld>
             <a:endParaRPr lang="zh-CN" altLang="en-US"/>
           </a:p>
@@ -11883,7 +11878,7 @@
           <a:p>
             <a:fld id="{7A78726F-0AD2-4A20-BC72-263D2D3F3A2F}" type="datetime1">
               <a:rPr lang="en-US" altLang="zh-CN" smtClean="0"/>
-              <a:t>8/17/2017</a:t>
+              <a:t>9/1/2017</a:t>
             </a:fld>
             <a:endParaRPr lang="en-US"/>
           </a:p>
@@ -12754,34 +12749,25 @@
           <a:lstStyle/>
           <a:p>
             <a:r>
-              <a:rPr lang="zh-CN" altLang="en-US" dirty="0" smtClean="0"/>
+              <a:rPr lang="zh-CN" altLang="en-US" dirty="0"/>
               <a:t>第</a:t>
             </a:r>
             <a:r>
-              <a:rPr lang="en-US" altLang="zh-CN" dirty="0" smtClean="0"/>
+              <a:rPr lang="en-US" altLang="zh-CN" dirty="0"/>
               <a:t>11</a:t>
             </a:r>
             <a:r>
-              <a:rPr lang="zh-CN" altLang="en-US" dirty="0" smtClean="0"/>
-              <a:t>讲 </a:t>
-            </a:r>
-            <a:r>
               <a:rPr lang="zh-CN" altLang="en-US" dirty="0"/>
-              <a:t>微信</a:t>
-            </a:r>
-            <a:r>
-              <a:rPr lang="zh-CN" altLang="en-US" dirty="0" smtClean="0"/>
-              <a:t>支付与</a:t>
-            </a:r>
-            <a:r>
-              <a:rPr lang="en-US" altLang="zh-CN" dirty="0" err="1" smtClean="0"/>
+              <a:t>讲 微信支付与</a:t>
+            </a:r>
+            <a:r>
+              <a:rPr lang="en-US" altLang="zh-CN" dirty="0" err="1"/>
               <a:t>Oauth</a:t>
             </a:r>
             <a:r>
-              <a:rPr lang="zh-CN" altLang="en-US" dirty="0" smtClean="0"/>
+              <a:rPr lang="zh-CN" altLang="en-US" dirty="0"/>
               <a:t>授权</a:t>
             </a:r>
-            <a:endParaRPr lang="zh-CN" altLang="en-US" dirty="0"/>
           </a:p>
         </p:txBody>
       </p:sp>
@@ -12834,13 +12820,6 @@
   <p:clrMapOvr>
     <a:masterClrMapping/>
   </p:clrMapOvr>
-  <p:timing>
-    <p:tnLst>
-      <p:par>
-        <p:cTn id="1" dur="indefinite" restart="never" nodeType="tmRoot"/>
-      </p:par>
-    </p:tnLst>
-  </p:timing>
 </p:sld>
 </file>
 
@@ -12882,17 +12861,16 @@
           <a:lstStyle/>
           <a:p>
             <a:r>
-              <a:rPr lang="zh-CN" altLang="en-US" b="0" dirty="0" smtClean="0"/>
-              <a:t>支付参数签名算法</a:t>
-            </a:r>
-            <a:endParaRPr lang="zh-CN" altLang="en-US" b="0" dirty="0"/>
+              <a:rPr lang="zh-CN" altLang="en-US" b="0" dirty="0"/>
+              <a:t>微信内网页支付</a:t>
+            </a:r>
           </a:p>
         </p:txBody>
       </p:sp>
     </p:spTree>
     <p:extLst>
       <p:ext uri="{BB962C8B-B14F-4D97-AF65-F5344CB8AC3E}">
-        <p14:creationId xmlns:p14="http://schemas.microsoft.com/office/powerpoint/2010/main" val="1067076184"/>
+        <p14:creationId xmlns:p14="http://schemas.microsoft.com/office/powerpoint/2010/main" val="636796483"/>
       </p:ext>
     </p:extLst>
   </p:cSld>
@@ -12929,178 +12907,27 @@
             <p:ph sz="quarter" idx="13"/>
           </p:nvPr>
         </p:nvSpPr>
-        <p:spPr/>
+        <p:spPr>
+          <a:xfrm>
+            <a:off x="1054099" y="543636"/>
+            <a:ext cx="5375275" cy="685800"/>
+          </a:xfrm>
+        </p:spPr>
         <p:txBody>
           <a:bodyPr/>
           <a:lstStyle/>
           <a:p>
             <a:r>
-              <a:rPr lang="zh-CN" altLang="en-US" dirty="0" smtClean="0"/>
-              <a:t>第二讲</a:t>
-            </a:r>
-            <a:endParaRPr lang="zh-CN" altLang="en-US" dirty="0"/>
-          </a:p>
-        </p:txBody>
-      </p:sp>
-      <p:sp>
-        <p:nvSpPr>
-          <p:cNvPr id="5" name="文本框 4"/>
-          <p:cNvSpPr txBox="1"/>
-          <p:nvPr/>
-        </p:nvSpPr>
-        <p:spPr>
-          <a:xfrm>
-            <a:off x="4058444" y="2343152"/>
-            <a:ext cx="5385594" cy="2062103"/>
-          </a:xfrm>
-          <a:prstGeom prst="rect">
-            <a:avLst/>
-          </a:prstGeom>
-          <a:noFill/>
-        </p:spPr>
-        <p:txBody>
-          <a:bodyPr wrap="square" rtlCol="0">
-            <a:spAutoFit/>
-          </a:bodyPr>
-          <a:lstStyle/>
-          <a:p>
-            <a:pPr marL="514350" indent="-514350">
-              <a:lnSpc>
-                <a:spcPct val="200000"/>
-              </a:lnSpc>
-              <a:buFont typeface="+mj-ea"/>
-              <a:buAutoNum type="ea1JpnChsDbPeriod"/>
-            </a:pPr>
-            <a:r>
-              <a:rPr lang="zh-CN" altLang="en-US" sz="2000" dirty="0">
-                <a:solidFill>
-                  <a:schemeClr val="tx1">
-                    <a:lumMod val="65000"/>
-                    <a:lumOff val="35000"/>
-                  </a:schemeClr>
-                </a:solidFill>
-                <a:latin typeface="微软雅黑" panose="020B0503020204020204" pitchFamily="34" charset="-122"/>
-                <a:ea typeface="微软雅黑" panose="020B0503020204020204" pitchFamily="34" charset="-122"/>
-              </a:rPr>
-              <a:t>微信</a:t>
-            </a:r>
-            <a:r>
-              <a:rPr lang="zh-CN" altLang="en-US" sz="2000" dirty="0">
-                <a:solidFill>
-                  <a:schemeClr val="tx1">
-                    <a:lumMod val="65000"/>
-                    <a:lumOff val="35000"/>
-                  </a:schemeClr>
-                </a:solidFill>
-                <a:latin typeface="微软雅黑" panose="020B0503020204020204" pitchFamily="34" charset="-122"/>
-                <a:ea typeface="微软雅黑" panose="020B0503020204020204" pitchFamily="34" charset="-122"/>
-              </a:rPr>
-              <a:t>支付分类与流程</a:t>
-            </a:r>
-            <a:endParaRPr lang="en-US" altLang="zh-CN" sz="2000" dirty="0">
-              <a:solidFill>
-                <a:schemeClr val="tx1">
-                  <a:lumMod val="65000"/>
-                  <a:lumOff val="35000"/>
-                </a:schemeClr>
-              </a:solidFill>
-              <a:latin typeface="微软雅黑" panose="020B0503020204020204" pitchFamily="34" charset="-122"/>
-              <a:ea typeface="微软雅黑" panose="020B0503020204020204" pitchFamily="34" charset="-122"/>
-            </a:endParaRPr>
-          </a:p>
-          <a:p>
-            <a:pPr marL="514350" indent="-514350">
-              <a:lnSpc>
-                <a:spcPct val="200000"/>
-              </a:lnSpc>
-              <a:buFont typeface="+mj-ea"/>
-              <a:buAutoNum type="ea1JpnChsDbPeriod"/>
-            </a:pPr>
-            <a:r>
-              <a:rPr lang="en-US" altLang="zh-CN" sz="2400" dirty="0" err="1">
-                <a:solidFill>
-                  <a:schemeClr val="accent6">
-                    <a:lumMod val="75000"/>
-                  </a:schemeClr>
-                </a:solidFill>
-                <a:latin typeface="微软雅黑" panose="020B0503020204020204" pitchFamily="34" charset="-122"/>
-                <a:ea typeface="微软雅黑" panose="020B0503020204020204" pitchFamily="34" charset="-122"/>
-              </a:rPr>
-              <a:t>Oauth</a:t>
-            </a:r>
-            <a:r>
-              <a:rPr lang="zh-CN" altLang="en-US" sz="2400" dirty="0">
-                <a:solidFill>
-                  <a:schemeClr val="accent6">
-                    <a:lumMod val="75000"/>
-                  </a:schemeClr>
-                </a:solidFill>
-                <a:latin typeface="微软雅黑" panose="020B0503020204020204" pitchFamily="34" charset="-122"/>
-                <a:ea typeface="微软雅黑" panose="020B0503020204020204" pitchFamily="34" charset="-122"/>
-              </a:rPr>
-              <a:t>协议基础</a:t>
-            </a:r>
-            <a:endParaRPr lang="en-US" altLang="zh-CN" sz="2400" dirty="0">
-              <a:solidFill>
-                <a:schemeClr val="accent6">
-                  <a:lumMod val="75000"/>
-                </a:schemeClr>
-              </a:solidFill>
-              <a:latin typeface="微软雅黑" panose="020B0503020204020204" pitchFamily="34" charset="-122"/>
-              <a:ea typeface="微软雅黑" panose="020B0503020204020204" pitchFamily="34" charset="-122"/>
-            </a:endParaRPr>
-          </a:p>
-          <a:p>
-            <a:pPr marL="514350" indent="-514350">
-              <a:lnSpc>
-                <a:spcPct val="200000"/>
-              </a:lnSpc>
-              <a:buFont typeface="+mj-ea"/>
-              <a:buAutoNum type="ea1JpnChsDbPeriod"/>
-            </a:pPr>
-            <a:r>
-              <a:rPr lang="zh-CN" altLang="en-US" sz="2000" dirty="0">
-                <a:solidFill>
-                  <a:schemeClr val="tx1">
-                    <a:lumMod val="65000"/>
-                    <a:lumOff val="35000"/>
-                  </a:schemeClr>
-                </a:solidFill>
-                <a:latin typeface="微软雅黑" panose="020B0503020204020204" pitchFamily="34" charset="-122"/>
-                <a:ea typeface="微软雅黑" panose="020B0503020204020204" pitchFamily="34" charset="-122"/>
-              </a:rPr>
-              <a:t>微</a:t>
-            </a:r>
-            <a:r>
-              <a:rPr lang="zh-CN" altLang="en-US" sz="2000" dirty="0" smtClean="0">
-                <a:solidFill>
-                  <a:schemeClr val="tx1">
-                    <a:lumMod val="65000"/>
-                    <a:lumOff val="35000"/>
-                  </a:schemeClr>
-                </a:solidFill>
-                <a:latin typeface="微软雅黑" panose="020B0503020204020204" pitchFamily="34" charset="-122"/>
-                <a:ea typeface="微软雅黑" panose="020B0503020204020204" pitchFamily="34" charset="-122"/>
-              </a:rPr>
-              <a:t>信网页授权</a:t>
-            </a:r>
-            <a:endParaRPr lang="en-US" altLang="zh-CN" sz="2000" dirty="0">
-              <a:solidFill>
-                <a:schemeClr val="tx1">
-                  <a:lumMod val="65000"/>
-                  <a:lumOff val="35000"/>
-                </a:schemeClr>
-              </a:solidFill>
-              <a:latin typeface="微软雅黑" panose="020B0503020204020204" pitchFamily="34" charset="-122"/>
-              <a:ea typeface="微软雅黑" panose="020B0503020204020204" pitchFamily="34" charset="-122"/>
-            </a:endParaRPr>
+              <a:rPr lang="zh-CN" altLang="en-US" b="0" dirty="0"/>
+              <a:t>支付参数签名算法</a:t>
+            </a:r>
           </a:p>
         </p:txBody>
       </p:sp>
     </p:spTree>
     <p:extLst>
       <p:ext uri="{BB962C8B-B14F-4D97-AF65-F5344CB8AC3E}">
-        <p14:creationId xmlns:p14="http://schemas.microsoft.com/office/powerpoint/2010/main" val="2999457395"/>
+        <p14:creationId xmlns:p14="http://schemas.microsoft.com/office/powerpoint/2010/main" val="1067076184"/>
       </p:ext>
     </p:extLst>
   </p:cSld>
@@ -13143,21 +12970,145 @@
           <a:lstStyle/>
           <a:p>
             <a:r>
-              <a:rPr lang="en-US" altLang="zh-CN" b="0" dirty="0" smtClean="0"/>
-              <a:t>JS-SDK</a:t>
-            </a:r>
-            <a:r>
-              <a:rPr lang="zh-CN" altLang="en-US" b="0" dirty="0" smtClean="0"/>
-              <a:t>介绍</a:t>
-            </a:r>
-            <a:endParaRPr lang="zh-CN" altLang="en-US" b="0" dirty="0"/>
+              <a:rPr lang="zh-CN" altLang="en-US" b="0" dirty="0"/>
+              <a:t>第二讲</a:t>
+            </a:r>
+          </a:p>
+        </p:txBody>
+      </p:sp>
+      <p:sp>
+        <p:nvSpPr>
+          <p:cNvPr id="5" name="文本框 4"/>
+          <p:cNvSpPr txBox="1"/>
+          <p:nvPr/>
+        </p:nvSpPr>
+        <p:spPr>
+          <a:xfrm>
+            <a:off x="4058444" y="2343152"/>
+            <a:ext cx="5385594" cy="2062103"/>
+          </a:xfrm>
+          <a:prstGeom prst="rect">
+            <a:avLst/>
+          </a:prstGeom>
+          <a:noFill/>
+        </p:spPr>
+        <p:txBody>
+          <a:bodyPr wrap="square" rtlCol="0">
+            <a:spAutoFit/>
+          </a:bodyPr>
+          <a:lstStyle/>
+          <a:p>
+            <a:pPr marL="514350" indent="-514350">
+              <a:lnSpc>
+                <a:spcPct val="200000"/>
+              </a:lnSpc>
+              <a:buFont typeface="+mj-ea"/>
+              <a:buAutoNum type="ea1JpnChsDbPeriod"/>
+            </a:pPr>
+            <a:r>
+              <a:rPr lang="zh-CN" altLang="en-US" sz="2000" dirty="0">
+                <a:solidFill>
+                  <a:schemeClr val="tx1">
+                    <a:lumMod val="65000"/>
+                    <a:lumOff val="35000"/>
+                  </a:schemeClr>
+                </a:solidFill>
+                <a:latin typeface="微软雅黑" panose="020B0503020204020204" pitchFamily="34" charset="-122"/>
+                <a:ea typeface="微软雅黑" panose="020B0503020204020204" pitchFamily="34" charset="-122"/>
+              </a:rPr>
+              <a:t>微信支付分类与流程</a:t>
+            </a:r>
+            <a:endParaRPr lang="en-US" altLang="zh-CN" sz="2000" dirty="0">
+              <a:solidFill>
+                <a:schemeClr val="tx1">
+                  <a:lumMod val="65000"/>
+                  <a:lumOff val="35000"/>
+                </a:schemeClr>
+              </a:solidFill>
+              <a:latin typeface="微软雅黑" panose="020B0503020204020204" pitchFamily="34" charset="-122"/>
+              <a:ea typeface="微软雅黑" panose="020B0503020204020204" pitchFamily="34" charset="-122"/>
+            </a:endParaRPr>
+          </a:p>
+          <a:p>
+            <a:pPr marL="514350" indent="-514350">
+              <a:lnSpc>
+                <a:spcPct val="200000"/>
+              </a:lnSpc>
+              <a:buFont typeface="+mj-ea"/>
+              <a:buAutoNum type="ea1JpnChsDbPeriod"/>
+            </a:pPr>
+            <a:r>
+              <a:rPr lang="en-US" altLang="zh-CN" sz="2400" dirty="0" err="1">
+                <a:solidFill>
+                  <a:schemeClr val="accent6">
+                    <a:lumMod val="75000"/>
+                  </a:schemeClr>
+                </a:solidFill>
+                <a:latin typeface="微软雅黑" panose="020B0503020204020204" pitchFamily="34" charset="-122"/>
+                <a:ea typeface="微软雅黑" panose="020B0503020204020204" pitchFamily="34" charset="-122"/>
+              </a:rPr>
+              <a:t>Oauth</a:t>
+            </a:r>
+            <a:r>
+              <a:rPr lang="zh-CN" altLang="en-US" sz="2400" dirty="0">
+                <a:solidFill>
+                  <a:schemeClr val="accent6">
+                    <a:lumMod val="75000"/>
+                  </a:schemeClr>
+                </a:solidFill>
+                <a:latin typeface="微软雅黑" panose="020B0503020204020204" pitchFamily="34" charset="-122"/>
+                <a:ea typeface="微软雅黑" panose="020B0503020204020204" pitchFamily="34" charset="-122"/>
+              </a:rPr>
+              <a:t>协议基础</a:t>
+            </a:r>
+            <a:endParaRPr lang="en-US" altLang="zh-CN" sz="2400" dirty="0">
+              <a:solidFill>
+                <a:schemeClr val="accent6">
+                  <a:lumMod val="75000"/>
+                </a:schemeClr>
+              </a:solidFill>
+              <a:latin typeface="微软雅黑" panose="020B0503020204020204" pitchFamily="34" charset="-122"/>
+              <a:ea typeface="微软雅黑" panose="020B0503020204020204" pitchFamily="34" charset="-122"/>
+            </a:endParaRPr>
+          </a:p>
+          <a:p>
+            <a:pPr marL="514350" indent="-514350">
+              <a:lnSpc>
+                <a:spcPct val="200000"/>
+              </a:lnSpc>
+              <a:buFont typeface="+mj-ea"/>
+              <a:buAutoNum type="ea1JpnChsDbPeriod"/>
+            </a:pPr>
+            <a:r>
+              <a:rPr lang="zh-CN" altLang="en-US" sz="2000" dirty="0">
+                <a:solidFill>
+                  <a:schemeClr val="tx1">
+                    <a:lumMod val="65000"/>
+                    <a:lumOff val="35000"/>
+                  </a:schemeClr>
+                </a:solidFill>
+                <a:latin typeface="微软雅黑" panose="020B0503020204020204" pitchFamily="34" charset="-122"/>
+                <a:ea typeface="微软雅黑" panose="020B0503020204020204" pitchFamily="34" charset="-122"/>
+              </a:rPr>
+              <a:t>微信网页授权</a:t>
+            </a:r>
+            <a:endParaRPr lang="en-US" altLang="zh-CN" sz="2000" dirty="0">
+              <a:solidFill>
+                <a:schemeClr val="tx1">
+                  <a:lumMod val="65000"/>
+                  <a:lumOff val="35000"/>
+                </a:schemeClr>
+              </a:solidFill>
+              <a:latin typeface="微软雅黑" panose="020B0503020204020204" pitchFamily="34" charset="-122"/>
+              <a:ea typeface="微软雅黑" panose="020B0503020204020204" pitchFamily="34" charset="-122"/>
+            </a:endParaRPr>
           </a:p>
         </p:txBody>
       </p:sp>
     </p:spTree>
     <p:extLst>
       <p:ext uri="{BB962C8B-B14F-4D97-AF65-F5344CB8AC3E}">
-        <p14:creationId xmlns:p14="http://schemas.microsoft.com/office/powerpoint/2010/main" val="2699412093"/>
+        <p14:creationId xmlns:p14="http://schemas.microsoft.com/office/powerpoint/2010/main" val="2999457395"/>
       </p:ext>
     </p:extLst>
   </p:cSld>
@@ -13186,405 +13137,44 @@
       </p:grpSpPr>
       <p:sp>
         <p:nvSpPr>
-          <p:cNvPr id="3" name="内容占位符 2"/>
-          <p:cNvSpPr>
-            <a:spLocks noGrp="1"/>
-          </p:cNvSpPr>
-          <p:nvPr>
-            <p:ph sz="quarter" idx="15"/>
-          </p:nvPr>
-        </p:nvSpPr>
-        <p:spPr>
-          <a:xfrm>
-            <a:off x="917621" y="516340"/>
-            <a:ext cx="7011941" cy="685800"/>
-          </a:xfrm>
-        </p:spPr>
+          <p:cNvPr id="2" name="内容占位符 1"/>
+          <p:cNvSpPr>
+            <a:spLocks noGrp="1"/>
+          </p:cNvSpPr>
+          <p:nvPr>
+            <p:ph sz="quarter" idx="13"/>
+          </p:nvPr>
+        </p:nvSpPr>
+        <p:spPr/>
         <p:txBody>
           <a:bodyPr/>
           <a:lstStyle/>
           <a:p>
             <a:r>
-              <a:rPr lang="en-US" altLang="zh-CN" b="0" dirty="0" smtClean="0"/>
-              <a:t>JS-SDK</a:t>
-            </a:r>
-            <a:r>
-              <a:rPr lang="zh-CN" altLang="en-US" b="0" dirty="0" smtClean="0"/>
-              <a:t>使用步骤</a:t>
-            </a:r>
-            <a:endParaRPr lang="zh-CN" altLang="en-US" b="0" dirty="0"/>
-          </a:p>
-        </p:txBody>
-      </p:sp>
-      <p:sp>
-        <p:nvSpPr>
-          <p:cNvPr id="2" name="文本框 1"/>
-          <p:cNvSpPr txBox="1"/>
-          <p:nvPr/>
-        </p:nvSpPr>
-        <p:spPr>
-          <a:xfrm>
-            <a:off x="917621" y="1628774"/>
-            <a:ext cx="10012317" cy="3785652"/>
-          </a:xfrm>
-          <a:prstGeom prst="rect">
-            <a:avLst/>
-          </a:prstGeom>
-          <a:noFill/>
-        </p:spPr>
-        <p:txBody>
-          <a:bodyPr wrap="square" rtlCol="0">
-            <a:spAutoFit/>
-          </a:bodyPr>
-          <a:lstStyle/>
-          <a:p>
-            <a:pPr marL="342900" indent="-342900">
-              <a:lnSpc>
-                <a:spcPct val="150000"/>
-              </a:lnSpc>
-              <a:buFont typeface="Arial" panose="020B0604020202020204" pitchFamily="34" charset="0"/>
-              <a:buChar char="•"/>
-            </a:pPr>
-            <a:r>
-              <a:rPr lang="en-US" altLang="zh-CN" sz="2000" dirty="0" smtClean="0">
-                <a:latin typeface="微软雅黑" panose="020B0503020204020204" pitchFamily="34" charset="-122"/>
-                <a:ea typeface="微软雅黑" panose="020B0503020204020204" pitchFamily="34" charset="-122"/>
-              </a:rPr>
-              <a:t>CURL</a:t>
-            </a:r>
-            <a:r>
-              <a:rPr lang="zh-CN" altLang="en-US" sz="2000" dirty="0">
-                <a:latin typeface="微软雅黑" panose="020B0503020204020204" pitchFamily="34" charset="-122"/>
-                <a:ea typeface="微软雅黑" panose="020B0503020204020204" pitchFamily="34" charset="-122"/>
-              </a:rPr>
-              <a:t>能够连接通讯各种服务器、使用各种</a:t>
-            </a:r>
-            <a:r>
-              <a:rPr lang="zh-CN" altLang="en-US" sz="2000" dirty="0" smtClean="0">
-                <a:latin typeface="微软雅黑" panose="020B0503020204020204" pitchFamily="34" charset="-122"/>
-                <a:ea typeface="微软雅黑" panose="020B0503020204020204" pitchFamily="34" charset="-122"/>
-              </a:rPr>
-              <a:t>协议。</a:t>
-            </a:r>
-            <a:r>
-              <a:rPr lang="zh-CN" altLang="en-US" sz="2000" dirty="0">
-                <a:latin typeface="微软雅黑" panose="020B0503020204020204" pitchFamily="34" charset="-122"/>
-                <a:ea typeface="微软雅黑" panose="020B0503020204020204" pitchFamily="34" charset="-122"/>
-              </a:rPr>
-              <a:t>目前支持的协议有 </a:t>
-            </a:r>
-            <a:r>
-              <a:rPr lang="en-US" altLang="zh-CN" sz="2000" dirty="0">
-                <a:latin typeface="微软雅黑" panose="020B0503020204020204" pitchFamily="34" charset="-122"/>
-                <a:ea typeface="微软雅黑" panose="020B0503020204020204" pitchFamily="34" charset="-122"/>
-              </a:rPr>
-              <a:t>http</a:t>
-            </a:r>
-            <a:r>
-              <a:rPr lang="zh-CN" altLang="en-US" sz="2000" dirty="0">
-                <a:latin typeface="微软雅黑" panose="020B0503020204020204" pitchFamily="34" charset="-122"/>
-                <a:ea typeface="微软雅黑" panose="020B0503020204020204" pitchFamily="34" charset="-122"/>
-              </a:rPr>
-              <a:t>、</a:t>
-            </a:r>
-            <a:r>
-              <a:rPr lang="en-US" altLang="zh-CN" sz="2000" dirty="0">
-                <a:latin typeface="微软雅黑" panose="020B0503020204020204" pitchFamily="34" charset="-122"/>
-                <a:ea typeface="微软雅黑" panose="020B0503020204020204" pitchFamily="34" charset="-122"/>
-              </a:rPr>
-              <a:t>https</a:t>
-            </a:r>
-            <a:r>
-              <a:rPr lang="zh-CN" altLang="en-US" sz="2000" dirty="0">
-                <a:latin typeface="微软雅黑" panose="020B0503020204020204" pitchFamily="34" charset="-122"/>
-                <a:ea typeface="微软雅黑" panose="020B0503020204020204" pitchFamily="34" charset="-122"/>
-              </a:rPr>
-              <a:t>、</a:t>
-            </a:r>
-            <a:r>
-              <a:rPr lang="en-US" altLang="zh-CN" sz="2000" dirty="0">
-                <a:latin typeface="微软雅黑" panose="020B0503020204020204" pitchFamily="34" charset="-122"/>
-                <a:ea typeface="微软雅黑" panose="020B0503020204020204" pitchFamily="34" charset="-122"/>
-              </a:rPr>
-              <a:t>ftp</a:t>
-            </a:r>
-            <a:r>
-              <a:rPr lang="zh-CN" altLang="en-US" sz="2000" dirty="0" smtClean="0">
-                <a:latin typeface="微软雅黑" panose="020B0503020204020204" pitchFamily="34" charset="-122"/>
-                <a:ea typeface="微软雅黑" panose="020B0503020204020204" pitchFamily="34" charset="-122"/>
-              </a:rPr>
-              <a:t>、</a:t>
-            </a:r>
-            <a:r>
-              <a:rPr lang="en-US" altLang="zh-CN" sz="2000" dirty="0" smtClean="0">
-                <a:latin typeface="微软雅黑" panose="020B0503020204020204" pitchFamily="34" charset="-122"/>
-                <a:ea typeface="微软雅黑" panose="020B0503020204020204" pitchFamily="34" charset="-122"/>
-              </a:rPr>
-              <a:t>telnet</a:t>
-            </a:r>
-            <a:r>
-              <a:rPr lang="zh-CN" altLang="en-US" sz="2000" dirty="0" smtClean="0">
-                <a:latin typeface="微软雅黑" panose="020B0503020204020204" pitchFamily="34" charset="-122"/>
-                <a:ea typeface="微软雅黑" panose="020B0503020204020204" pitchFamily="34" charset="-122"/>
-              </a:rPr>
-              <a:t>等。</a:t>
-            </a:r>
-            <a:endParaRPr lang="en-US" altLang="zh-CN" sz="2000" dirty="0" smtClean="0">
-              <a:latin typeface="微软雅黑" panose="020B0503020204020204" pitchFamily="34" charset="-122"/>
-              <a:ea typeface="微软雅黑" panose="020B0503020204020204" pitchFamily="34" charset="-122"/>
-            </a:endParaRPr>
-          </a:p>
-          <a:p>
-            <a:pPr marL="342900" indent="-342900">
-              <a:lnSpc>
-                <a:spcPct val="150000"/>
-              </a:lnSpc>
-              <a:buFont typeface="Arial" panose="020B0604020202020204" pitchFamily="34" charset="0"/>
-              <a:buChar char="•"/>
-            </a:pPr>
-            <a:r>
-              <a:rPr lang="en-US" altLang="zh-CN" sz="2000" dirty="0" smtClean="0">
-                <a:latin typeface="微软雅黑" panose="020B0503020204020204" pitchFamily="34" charset="-122"/>
-                <a:ea typeface="微软雅黑" panose="020B0503020204020204" pitchFamily="34" charset="-122"/>
-              </a:rPr>
-              <a:t>PHP</a:t>
-            </a:r>
-            <a:r>
-              <a:rPr lang="zh-CN" altLang="en-US" sz="2000" dirty="0" smtClean="0">
-                <a:latin typeface="微软雅黑" panose="020B0503020204020204" pitchFamily="34" charset="-122"/>
-                <a:ea typeface="微软雅黑" panose="020B0503020204020204" pitchFamily="34" charset="-122"/>
-              </a:rPr>
-              <a:t>使用</a:t>
-            </a:r>
-            <a:r>
-              <a:rPr lang="en-US" altLang="zh-CN" sz="2000" dirty="0" smtClean="0">
-                <a:latin typeface="微软雅黑" panose="020B0503020204020204" pitchFamily="34" charset="-122"/>
-                <a:ea typeface="微软雅黑" panose="020B0503020204020204" pitchFamily="34" charset="-122"/>
-              </a:rPr>
-              <a:t>curl</a:t>
-            </a:r>
-            <a:r>
-              <a:rPr lang="zh-CN" altLang="en-US" sz="2000" dirty="0" smtClean="0">
-                <a:latin typeface="微软雅黑" panose="020B0503020204020204" pitchFamily="34" charset="-122"/>
-                <a:ea typeface="微软雅黑" panose="020B0503020204020204" pitchFamily="34" charset="-122"/>
-              </a:rPr>
-              <a:t>发起</a:t>
-            </a:r>
-            <a:r>
-              <a:rPr lang="en-US" altLang="zh-CN" sz="2000" dirty="0" smtClean="0">
-                <a:latin typeface="微软雅黑" panose="020B0503020204020204" pitchFamily="34" charset="-122"/>
-                <a:ea typeface="微软雅黑" panose="020B0503020204020204" pitchFamily="34" charset="-122"/>
-              </a:rPr>
-              <a:t>http</a:t>
-            </a:r>
-            <a:r>
-              <a:rPr lang="zh-CN" altLang="en-US" sz="2000" dirty="0" smtClean="0">
-                <a:latin typeface="微软雅黑" panose="020B0503020204020204" pitchFamily="34" charset="-122"/>
-                <a:ea typeface="微软雅黑" panose="020B0503020204020204" pitchFamily="34" charset="-122"/>
-              </a:rPr>
-              <a:t>请求。</a:t>
-            </a:r>
-            <a:endParaRPr lang="en-US" altLang="zh-CN" sz="2000" dirty="0" smtClean="0">
-              <a:latin typeface="微软雅黑" panose="020B0503020204020204" pitchFamily="34" charset="-122"/>
-              <a:ea typeface="微软雅黑" panose="020B0503020204020204" pitchFamily="34" charset="-122"/>
-            </a:endParaRPr>
-          </a:p>
-          <a:p>
-            <a:pPr marL="342900" indent="-342900">
-              <a:lnSpc>
-                <a:spcPct val="150000"/>
-              </a:lnSpc>
-              <a:buFont typeface="Arial" panose="020B0604020202020204" pitchFamily="34" charset="0"/>
-              <a:buChar char="•"/>
-            </a:pPr>
-            <a:r>
-              <a:rPr lang="en-US" altLang="zh-CN" sz="2000" dirty="0" smtClean="0">
-                <a:latin typeface="微软雅黑" panose="020B0503020204020204" pitchFamily="34" charset="-122"/>
-                <a:ea typeface="微软雅黑" panose="020B0503020204020204" pitchFamily="34" charset="-122"/>
-              </a:rPr>
-              <a:t>PHP</a:t>
-            </a:r>
-            <a:r>
-              <a:rPr lang="zh-CN" altLang="en-US" sz="2000" dirty="0" smtClean="0">
-                <a:latin typeface="微软雅黑" panose="020B0503020204020204" pitchFamily="34" charset="-122"/>
-                <a:ea typeface="微软雅黑" panose="020B0503020204020204" pitchFamily="34" charset="-122"/>
-              </a:rPr>
-              <a:t>调用微信接口需要使用</a:t>
-            </a:r>
-            <a:r>
-              <a:rPr lang="en-US" altLang="zh-CN" sz="2000" dirty="0" smtClean="0">
-                <a:latin typeface="微软雅黑" panose="020B0503020204020204" pitchFamily="34" charset="-122"/>
-                <a:ea typeface="微软雅黑" panose="020B0503020204020204" pitchFamily="34" charset="-122"/>
-              </a:rPr>
-              <a:t>curl</a:t>
-            </a:r>
-            <a:r>
-              <a:rPr lang="zh-CN" altLang="en-US" sz="2000" dirty="0" smtClean="0">
-                <a:latin typeface="微软雅黑" panose="020B0503020204020204" pitchFamily="34" charset="-122"/>
-                <a:ea typeface="微软雅黑" panose="020B0503020204020204" pitchFamily="34" charset="-122"/>
-              </a:rPr>
-              <a:t>扩展或是基于</a:t>
-            </a:r>
-            <a:r>
-              <a:rPr lang="en-US" altLang="zh-CN" sz="2000" dirty="0" smtClean="0">
-                <a:latin typeface="微软雅黑" panose="020B0503020204020204" pitchFamily="34" charset="-122"/>
-                <a:ea typeface="微软雅黑" panose="020B0503020204020204" pitchFamily="34" charset="-122"/>
-              </a:rPr>
-              <a:t>curl</a:t>
-            </a:r>
-            <a:r>
-              <a:rPr lang="zh-CN" altLang="en-US" sz="2000" dirty="0" smtClean="0">
-                <a:latin typeface="微软雅黑" panose="020B0503020204020204" pitchFamily="34" charset="-122"/>
-                <a:ea typeface="微软雅黑" panose="020B0503020204020204" pitchFamily="34" charset="-122"/>
-              </a:rPr>
-              <a:t>的第三方库。</a:t>
-            </a:r>
-            <a:endParaRPr lang="en-US" altLang="zh-CN" sz="2000" dirty="0" smtClean="0">
-              <a:latin typeface="微软雅黑" panose="020B0503020204020204" pitchFamily="34" charset="-122"/>
-              <a:ea typeface="微软雅黑" panose="020B0503020204020204" pitchFamily="34" charset="-122"/>
-            </a:endParaRPr>
-          </a:p>
-          <a:p>
-            <a:pPr marL="342900" indent="-342900">
-              <a:lnSpc>
-                <a:spcPct val="150000"/>
-              </a:lnSpc>
-              <a:buFont typeface="Arial" panose="020B0604020202020204" pitchFamily="34" charset="0"/>
-              <a:buChar char="•"/>
-            </a:pPr>
-            <a:r>
-              <a:rPr lang="zh-CN" altLang="en-US" sz="2000" dirty="0" smtClean="0">
-                <a:latin typeface="微软雅黑" panose="020B0503020204020204" pitchFamily="34" charset="-122"/>
-                <a:ea typeface="微软雅黑" panose="020B0503020204020204" pitchFamily="34" charset="-122"/>
-              </a:rPr>
-              <a:t>使用</a:t>
-            </a:r>
-            <a:r>
-              <a:rPr lang="en-US" altLang="zh-CN" sz="2000" dirty="0" smtClean="0">
-                <a:latin typeface="微软雅黑" panose="020B0503020204020204" pitchFamily="34" charset="-122"/>
-                <a:ea typeface="微软雅黑" panose="020B0503020204020204" pitchFamily="34" charset="-122"/>
-              </a:rPr>
-              <a:t>CURL</a:t>
-            </a:r>
-            <a:r>
-              <a:rPr lang="zh-CN" altLang="en-US" sz="2000" dirty="0" smtClean="0">
-                <a:latin typeface="微软雅黑" panose="020B0503020204020204" pitchFamily="34" charset="-122"/>
-                <a:ea typeface="微软雅黑" panose="020B0503020204020204" pitchFamily="34" charset="-122"/>
-              </a:rPr>
-              <a:t>与浏览器访问网站：</a:t>
-            </a:r>
-            <a:endParaRPr lang="en-US" altLang="zh-CN" sz="2000" dirty="0" smtClean="0">
-              <a:latin typeface="微软雅黑" panose="020B0503020204020204" pitchFamily="34" charset="-122"/>
-              <a:ea typeface="微软雅黑" panose="020B0503020204020204" pitchFamily="34" charset="-122"/>
-            </a:endParaRPr>
-          </a:p>
-          <a:p>
-            <a:pPr lvl="1">
-              <a:lnSpc>
-                <a:spcPct val="150000"/>
-              </a:lnSpc>
-            </a:pPr>
-            <a:r>
-              <a:rPr lang="zh-CN" altLang="en-US" sz="2000" dirty="0" smtClean="0">
-                <a:latin typeface="微软雅黑" panose="020B0503020204020204" pitchFamily="34" charset="-122"/>
-                <a:ea typeface="微软雅黑" panose="020B0503020204020204" pitchFamily="34" charset="-122"/>
-              </a:rPr>
-              <a:t>在</a:t>
-            </a:r>
-            <a:r>
-              <a:rPr lang="zh-CN" altLang="en-US" sz="2000" dirty="0">
-                <a:latin typeface="微软雅黑" panose="020B0503020204020204" pitchFamily="34" charset="-122"/>
-                <a:ea typeface="微软雅黑" panose="020B0503020204020204" pitchFamily="34" charset="-122"/>
-              </a:rPr>
-              <a:t>浏览器</a:t>
-            </a:r>
-            <a:r>
-              <a:rPr lang="zh-CN" altLang="en-US" sz="2000" dirty="0" smtClean="0">
-                <a:latin typeface="微软雅黑" panose="020B0503020204020204" pitchFamily="34" charset="-122"/>
-                <a:ea typeface="微软雅黑" panose="020B0503020204020204" pitchFamily="34" charset="-122"/>
-              </a:rPr>
-              <a:t>上输入网址后，是浏览器发起的</a:t>
-            </a:r>
-            <a:r>
-              <a:rPr lang="en-US" altLang="zh-CN" sz="2000" dirty="0" smtClean="0">
-                <a:latin typeface="微软雅黑" panose="020B0503020204020204" pitchFamily="34" charset="-122"/>
-                <a:ea typeface="微软雅黑" panose="020B0503020204020204" pitchFamily="34" charset="-122"/>
-              </a:rPr>
-              <a:t>http</a:t>
-            </a:r>
-            <a:r>
-              <a:rPr lang="zh-CN" altLang="en-US" sz="2000" dirty="0" smtClean="0">
-                <a:latin typeface="微软雅黑" panose="020B0503020204020204" pitchFamily="34" charset="-122"/>
-                <a:ea typeface="微软雅黑" panose="020B0503020204020204" pitchFamily="34" charset="-122"/>
-              </a:rPr>
-              <a:t>请求获取数据，现在进行微信接口调用，无法使用浏览器实现，需要程序发起</a:t>
-            </a:r>
-            <a:r>
-              <a:rPr lang="en-US" altLang="zh-CN" sz="2000" dirty="0" smtClean="0">
-                <a:latin typeface="微软雅黑" panose="020B0503020204020204" pitchFamily="34" charset="-122"/>
-                <a:ea typeface="微软雅黑" panose="020B0503020204020204" pitchFamily="34" charset="-122"/>
-              </a:rPr>
-              <a:t>http</a:t>
-            </a:r>
-            <a:r>
-              <a:rPr lang="zh-CN" altLang="en-US" sz="2000" dirty="0" smtClean="0">
-                <a:latin typeface="微软雅黑" panose="020B0503020204020204" pitchFamily="34" charset="-122"/>
-                <a:ea typeface="微软雅黑" panose="020B0503020204020204" pitchFamily="34" charset="-122"/>
-              </a:rPr>
-              <a:t>请求获取数据，此时</a:t>
-            </a:r>
-            <a:r>
-              <a:rPr lang="en-US" altLang="zh-CN" sz="2000" dirty="0" smtClean="0">
-                <a:latin typeface="微软雅黑" panose="020B0503020204020204" pitchFamily="34" charset="-122"/>
-                <a:ea typeface="微软雅黑" panose="020B0503020204020204" pitchFamily="34" charset="-122"/>
-              </a:rPr>
-              <a:t>CURL</a:t>
-            </a:r>
-            <a:r>
-              <a:rPr lang="zh-CN" altLang="en-US" sz="2000" dirty="0" smtClean="0">
-                <a:latin typeface="微软雅黑" panose="020B0503020204020204" pitchFamily="34" charset="-122"/>
-                <a:ea typeface="微软雅黑" panose="020B0503020204020204" pitchFamily="34" charset="-122"/>
-              </a:rPr>
-              <a:t>就像是浏览器，提供了</a:t>
-            </a:r>
-            <a:r>
-              <a:rPr lang="en-US" altLang="zh-CN" sz="2000" dirty="0" smtClean="0">
-                <a:latin typeface="微软雅黑" panose="020B0503020204020204" pitchFamily="34" charset="-122"/>
-                <a:ea typeface="微软雅黑" panose="020B0503020204020204" pitchFamily="34" charset="-122"/>
-              </a:rPr>
-              <a:t>http</a:t>
-            </a:r>
-            <a:r>
-              <a:rPr lang="zh-CN" altLang="en-US" sz="2000" dirty="0" smtClean="0">
-                <a:latin typeface="微软雅黑" panose="020B0503020204020204" pitchFamily="34" charset="-122"/>
-                <a:ea typeface="微软雅黑" panose="020B0503020204020204" pitchFamily="34" charset="-122"/>
-              </a:rPr>
-              <a:t>请求的支持。</a:t>
-            </a:r>
-            <a:endParaRPr lang="en-US" altLang="zh-CN" sz="2000" dirty="0">
-              <a:latin typeface="微软雅黑" panose="020B0503020204020204" pitchFamily="34" charset="-122"/>
-              <a:ea typeface="微软雅黑" panose="020B0503020204020204" pitchFamily="34" charset="-122"/>
-            </a:endParaRPr>
+              <a:rPr lang="zh-CN" altLang="en-US" b="0" dirty="0"/>
+              <a:t>什么是</a:t>
+            </a:r>
+            <a:r>
+              <a:rPr lang="en-US" altLang="zh-CN" b="0" dirty="0" err="1"/>
+              <a:t>Oauth</a:t>
+            </a:r>
+            <a:r>
+              <a:rPr lang="zh-CN" altLang="en-US" b="0" dirty="0"/>
+              <a:t>协议</a:t>
+            </a:r>
           </a:p>
         </p:txBody>
       </p:sp>
     </p:spTree>
     <p:extLst>
       <p:ext uri="{BB962C8B-B14F-4D97-AF65-F5344CB8AC3E}">
-        <p14:creationId xmlns:p14="http://schemas.microsoft.com/office/powerpoint/2010/main" val="3481064266"/>
+        <p14:creationId xmlns:p14="http://schemas.microsoft.com/office/powerpoint/2010/main" val="2699412093"/>
       </p:ext>
     </p:extLst>
   </p:cSld>
   <p:clrMapOvr>
     <a:masterClrMapping/>
   </p:clrMapOvr>
-  <p:timing>
-    <p:tnLst>
-      <p:par>
-        <p:cTn id="1" dur="indefinite" restart="never" nodeType="tmRoot"/>
-      </p:par>
-    </p:tnLst>
-  </p:timing>
 </p:sld>
 </file>
 
@@ -13617,8 +13207,8 @@
         </p:nvSpPr>
         <p:spPr>
           <a:xfrm>
-            <a:off x="1054100" y="543636"/>
-            <a:ext cx="5818188" cy="685800"/>
+            <a:off x="1054099" y="543636"/>
+            <a:ext cx="7032626" cy="685800"/>
           </a:xfrm>
         </p:spPr>
         <p:txBody>
@@ -13626,21 +13216,20 @@
           <a:lstStyle/>
           <a:p>
             <a:r>
+              <a:rPr lang="en-US" altLang="zh-CN" b="0" dirty="0" err="1"/>
+              <a:t>Oauth</a:t>
+            </a:r>
+            <a:r>
               <a:rPr lang="zh-CN" altLang="en-US" b="0" dirty="0"/>
-              <a:t>绑定</a:t>
-            </a:r>
-            <a:r>
-              <a:rPr lang="zh-CN" altLang="en-US" b="0" dirty="0" smtClean="0"/>
-              <a:t>域名与引入文件</a:t>
-            </a:r>
-            <a:endParaRPr lang="zh-CN" altLang="en-US" b="0" dirty="0"/>
+              <a:t>优点</a:t>
+            </a:r>
           </a:p>
         </p:txBody>
       </p:sp>
     </p:spTree>
     <p:extLst>
       <p:ext uri="{BB962C8B-B14F-4D97-AF65-F5344CB8AC3E}">
-        <p14:creationId xmlns:p14="http://schemas.microsoft.com/office/powerpoint/2010/main" val="2902273865"/>
+        <p14:creationId xmlns:p14="http://schemas.microsoft.com/office/powerpoint/2010/main" val="3020456092"/>
       </p:ext>
     </p:extLst>
   </p:cSld>
@@ -13669,18 +13258,18 @@
       </p:grpSpPr>
       <p:sp>
         <p:nvSpPr>
-          <p:cNvPr id="2" name="内容占位符 1"/>
-          <p:cNvSpPr>
-            <a:spLocks noGrp="1"/>
-          </p:cNvSpPr>
-          <p:nvPr>
-            <p:ph sz="quarter" idx="13"/>
+          <p:cNvPr id="3" name="内容占位符 2"/>
+          <p:cNvSpPr>
+            <a:spLocks noGrp="1"/>
+          </p:cNvSpPr>
+          <p:nvPr>
+            <p:ph sz="quarter" idx="15"/>
           </p:nvPr>
         </p:nvSpPr>
         <p:spPr>
           <a:xfrm>
-            <a:off x="1054099" y="543636"/>
-            <a:ext cx="7032626" cy="685800"/>
+            <a:off x="917621" y="516340"/>
+            <a:ext cx="7011941" cy="685800"/>
           </a:xfrm>
         </p:spPr>
         <p:txBody>
@@ -13688,30 +13277,22 @@
           <a:lstStyle/>
           <a:p>
             <a:r>
-              <a:rPr lang="zh-CN" altLang="en-US" b="0" dirty="0" smtClean="0"/>
-              <a:t>初始化配置</a:t>
-            </a:r>
-            <a:endParaRPr lang="zh-CN" altLang="en-US" b="0" dirty="0"/>
+              <a:rPr lang="zh-CN" altLang="en-US" b="0" dirty="0"/>
+              <a:t>基本处理流程</a:t>
+            </a:r>
           </a:p>
         </p:txBody>
       </p:sp>
     </p:spTree>
     <p:extLst>
       <p:ext uri="{BB962C8B-B14F-4D97-AF65-F5344CB8AC3E}">
-        <p14:creationId xmlns:p14="http://schemas.microsoft.com/office/powerpoint/2010/main" val="3020456092"/>
+        <p14:creationId xmlns:p14="http://schemas.microsoft.com/office/powerpoint/2010/main" val="3481064266"/>
       </p:ext>
     </p:extLst>
   </p:cSld>
   <p:clrMapOvr>
     <a:masterClrMapping/>
   </p:clrMapOvr>
-  <p:timing>
-    <p:tnLst>
-      <p:par>
-        <p:cTn id="1" dur="indefinite" restart="never" nodeType="tmRoot"/>
-      </p:par>
-    </p:tnLst>
-  </p:timing>
 </p:sld>
 </file>
 
@@ -13742,27 +13323,27 @@
             <p:ph sz="quarter" idx="13"/>
           </p:nvPr>
         </p:nvSpPr>
-        <p:spPr/>
+        <p:spPr>
+          <a:xfrm>
+            <a:off x="1054100" y="543636"/>
+            <a:ext cx="5818188" cy="685800"/>
+          </a:xfrm>
+        </p:spPr>
         <p:txBody>
           <a:bodyPr/>
           <a:lstStyle/>
           <a:p>
             <a:r>
               <a:rPr lang="zh-CN" altLang="en-US" b="0" dirty="0"/>
-              <a:t>接口</a:t>
-            </a:r>
-            <a:r>
-              <a:rPr lang="zh-CN" altLang="en-US" b="0" dirty="0" smtClean="0"/>
-              <a:t>参数说明</a:t>
-            </a:r>
-            <a:endParaRPr lang="zh-CN" altLang="en-US" b="0" dirty="0"/>
+              <a:t>实际应用</a:t>
+            </a:r>
           </a:p>
         </p:txBody>
       </p:sp>
     </p:spTree>
     <p:extLst>
       <p:ext uri="{BB962C8B-B14F-4D97-AF65-F5344CB8AC3E}">
-        <p14:creationId xmlns:p14="http://schemas.microsoft.com/office/powerpoint/2010/main" val="1047478514"/>
+        <p14:creationId xmlns:p14="http://schemas.microsoft.com/office/powerpoint/2010/main" val="2902273865"/>
       </p:ext>
     </p:extLst>
   </p:cSld>
@@ -13802,7 +13383,7 @@
         <p:spPr>
           <a:xfrm>
             <a:off x="1054100" y="543636"/>
-            <a:ext cx="6961188" cy="685800"/>
+            <a:ext cx="7304088" cy="685800"/>
           </a:xfrm>
         </p:spPr>
         <p:txBody>
@@ -13810,30 +13391,152 @@
           <a:lstStyle/>
           <a:p>
             <a:r>
-              <a:rPr lang="zh-CN" altLang="en-US" b="0" dirty="0" smtClean="0"/>
-              <a:t>判断当前版本是否支持接口</a:t>
-            </a:r>
-            <a:endParaRPr lang="zh-CN" altLang="en-US" b="0" dirty="0"/>
+              <a:rPr lang="zh-CN" altLang="en-US" b="0" dirty="0"/>
+              <a:t>第三讲</a:t>
+            </a:r>
+          </a:p>
+        </p:txBody>
+      </p:sp>
+      <p:sp>
+        <p:nvSpPr>
+          <p:cNvPr id="4" name="文本框 3"/>
+          <p:cNvSpPr txBox="1"/>
+          <p:nvPr/>
+        </p:nvSpPr>
+        <p:spPr>
+          <a:xfrm>
+            <a:off x="4058444" y="2343152"/>
+            <a:ext cx="5385594" cy="2062103"/>
+          </a:xfrm>
+          <a:prstGeom prst="rect">
+            <a:avLst/>
+          </a:prstGeom>
+          <a:noFill/>
+        </p:spPr>
+        <p:txBody>
+          <a:bodyPr wrap="square" rtlCol="0">
+            <a:spAutoFit/>
+          </a:bodyPr>
+          <a:lstStyle/>
+          <a:p>
+            <a:pPr marL="514350" indent="-514350">
+              <a:lnSpc>
+                <a:spcPct val="200000"/>
+              </a:lnSpc>
+              <a:buFont typeface="+mj-ea"/>
+              <a:buAutoNum type="ea1JpnChsDbPeriod"/>
+            </a:pPr>
+            <a:r>
+              <a:rPr lang="zh-CN" altLang="en-US" sz="2000" dirty="0">
+                <a:solidFill>
+                  <a:schemeClr val="tx1">
+                    <a:lumMod val="65000"/>
+                    <a:lumOff val="35000"/>
+                  </a:schemeClr>
+                </a:solidFill>
+                <a:latin typeface="微软雅黑" panose="020B0503020204020204" pitchFamily="34" charset="-122"/>
+                <a:ea typeface="微软雅黑" panose="020B0503020204020204" pitchFamily="34" charset="-122"/>
+              </a:rPr>
+              <a:t>微信支付分类与流程</a:t>
+            </a:r>
+            <a:endParaRPr lang="en-US" altLang="zh-CN" sz="2000" dirty="0">
+              <a:solidFill>
+                <a:schemeClr val="tx1">
+                  <a:lumMod val="65000"/>
+                  <a:lumOff val="35000"/>
+                </a:schemeClr>
+              </a:solidFill>
+              <a:latin typeface="微软雅黑" panose="020B0503020204020204" pitchFamily="34" charset="-122"/>
+              <a:ea typeface="微软雅黑" panose="020B0503020204020204" pitchFamily="34" charset="-122"/>
+            </a:endParaRPr>
+          </a:p>
+          <a:p>
+            <a:pPr marL="514350" indent="-514350">
+              <a:lnSpc>
+                <a:spcPct val="200000"/>
+              </a:lnSpc>
+              <a:buFont typeface="+mj-ea"/>
+              <a:buAutoNum type="ea1JpnChsDbPeriod"/>
+            </a:pPr>
+            <a:r>
+              <a:rPr lang="en-US" altLang="zh-CN" sz="2000" dirty="0" err="1">
+                <a:solidFill>
+                  <a:schemeClr val="tx1">
+                    <a:lumMod val="65000"/>
+                    <a:lumOff val="35000"/>
+                  </a:schemeClr>
+                </a:solidFill>
+                <a:latin typeface="微软雅黑" panose="020B0503020204020204" pitchFamily="34" charset="-122"/>
+                <a:ea typeface="微软雅黑" panose="020B0503020204020204" pitchFamily="34" charset="-122"/>
+              </a:rPr>
+              <a:t>Oauth</a:t>
+            </a:r>
+            <a:r>
+              <a:rPr lang="zh-CN" altLang="en-US" sz="2000" dirty="0">
+                <a:solidFill>
+                  <a:schemeClr val="tx1">
+                    <a:lumMod val="65000"/>
+                    <a:lumOff val="35000"/>
+                  </a:schemeClr>
+                </a:solidFill>
+                <a:latin typeface="微软雅黑" panose="020B0503020204020204" pitchFamily="34" charset="-122"/>
+                <a:ea typeface="微软雅黑" panose="020B0503020204020204" pitchFamily="34" charset="-122"/>
+              </a:rPr>
+              <a:t>协议基础</a:t>
+            </a:r>
+            <a:endParaRPr lang="en-US" altLang="zh-CN" sz="2000" dirty="0">
+              <a:solidFill>
+                <a:schemeClr val="tx1">
+                  <a:lumMod val="65000"/>
+                  <a:lumOff val="35000"/>
+                </a:schemeClr>
+              </a:solidFill>
+              <a:latin typeface="微软雅黑" panose="020B0503020204020204" pitchFamily="34" charset="-122"/>
+              <a:ea typeface="微软雅黑" panose="020B0503020204020204" pitchFamily="34" charset="-122"/>
+            </a:endParaRPr>
+          </a:p>
+          <a:p>
+            <a:pPr marL="514350" indent="-514350">
+              <a:lnSpc>
+                <a:spcPct val="200000"/>
+              </a:lnSpc>
+              <a:buFont typeface="+mj-ea"/>
+              <a:buAutoNum type="ea1JpnChsDbPeriod"/>
+            </a:pPr>
+            <a:r>
+              <a:rPr lang="zh-CN" altLang="en-US" sz="2400" dirty="0">
+                <a:solidFill>
+                  <a:schemeClr val="accent6">
+                    <a:lumMod val="75000"/>
+                  </a:schemeClr>
+                </a:solidFill>
+                <a:latin typeface="微软雅黑" panose="020B0503020204020204" pitchFamily="34" charset="-122"/>
+                <a:ea typeface="微软雅黑" panose="020B0503020204020204" pitchFamily="34" charset="-122"/>
+              </a:rPr>
+              <a:t>微信网页授权</a:t>
+            </a:r>
+            <a:endParaRPr lang="en-US" altLang="zh-CN" sz="2400" dirty="0">
+              <a:solidFill>
+                <a:schemeClr val="accent6">
+                  <a:lumMod val="75000"/>
+                </a:schemeClr>
+              </a:solidFill>
+              <a:latin typeface="微软雅黑" panose="020B0503020204020204" pitchFamily="34" charset="-122"/>
+              <a:ea typeface="微软雅黑" panose="020B0503020204020204" pitchFamily="34" charset="-122"/>
+            </a:endParaRPr>
           </a:p>
         </p:txBody>
       </p:sp>
     </p:spTree>
     <p:extLst>
       <p:ext uri="{BB962C8B-B14F-4D97-AF65-F5344CB8AC3E}">
-        <p14:creationId xmlns:p14="http://schemas.microsoft.com/office/powerpoint/2010/main" val="3609406795"/>
+        <p14:creationId xmlns:p14="http://schemas.microsoft.com/office/powerpoint/2010/main" val="1928010297"/>
       </p:ext>
     </p:extLst>
   </p:cSld>
   <p:clrMapOvr>
     <a:masterClrMapping/>
   </p:clrMapOvr>
-  <p:timing>
-    <p:tnLst>
-      <p:par>
-        <p:cTn id="1" dur="indefinite" restart="never" nodeType="tmRoot"/>
-      </p:par>
-    </p:tnLst>
-  </p:timing>
 </p:sld>
 </file>
 
@@ -13864,28 +13567,22 @@
             <p:ph sz="quarter" idx="13"/>
           </p:nvPr>
         </p:nvSpPr>
-        <p:spPr>
-          <a:xfrm>
-            <a:off x="1054099" y="543636"/>
-            <a:ext cx="5889625" cy="685800"/>
-          </a:xfrm>
-        </p:spPr>
+        <p:spPr/>
         <p:txBody>
           <a:bodyPr/>
           <a:lstStyle/>
           <a:p>
             <a:r>
-              <a:rPr lang="zh-CN" altLang="en-US" b="0" dirty="0" smtClean="0"/>
-              <a:t>获取地理位置</a:t>
-            </a:r>
-            <a:endParaRPr lang="zh-CN" altLang="en-US" b="0" dirty="0"/>
+              <a:rPr lang="zh-CN" altLang="en-US" b="0" dirty="0"/>
+              <a:t>如何配置</a:t>
+            </a:r>
           </a:p>
         </p:txBody>
       </p:sp>
     </p:spTree>
     <p:extLst>
       <p:ext uri="{BB962C8B-B14F-4D97-AF65-F5344CB8AC3E}">
-        <p14:creationId xmlns:p14="http://schemas.microsoft.com/office/powerpoint/2010/main" val="921697031"/>
+        <p14:creationId xmlns:p14="http://schemas.microsoft.com/office/powerpoint/2010/main" val="1256594085"/>
       </p:ext>
     </p:extLst>
   </p:cSld>
@@ -13922,28 +13619,22 @@
             <p:ph sz="quarter" idx="13"/>
           </p:nvPr>
         </p:nvSpPr>
-        <p:spPr>
-          <a:xfrm>
-            <a:off x="1054100" y="543636"/>
-            <a:ext cx="6432550" cy="685800"/>
-          </a:xfrm>
-        </p:spPr>
+        <p:spPr/>
         <p:txBody>
           <a:bodyPr/>
           <a:lstStyle/>
           <a:p>
             <a:r>
-              <a:rPr lang="zh-CN" altLang="en-US" b="0" dirty="0" smtClean="0"/>
-              <a:t>分享接口</a:t>
-            </a:r>
-            <a:endParaRPr lang="zh-CN" altLang="en-US" b="0" dirty="0"/>
+              <a:rPr lang="zh-CN" altLang="en-US" b="0" dirty="0"/>
+              <a:t>微信授权处理流程</a:t>
+            </a:r>
           </a:p>
         </p:txBody>
       </p:sp>
     </p:spTree>
     <p:extLst>
       <p:ext uri="{BB962C8B-B14F-4D97-AF65-F5344CB8AC3E}">
-        <p14:creationId xmlns:p14="http://schemas.microsoft.com/office/powerpoint/2010/main" val="3632675253"/>
+        <p14:creationId xmlns:p14="http://schemas.microsoft.com/office/powerpoint/2010/main" val="3923890876"/>
       </p:ext>
     </p:extLst>
   </p:cSld>
@@ -13986,10 +13677,9 @@
           <a:lstStyle/>
           <a:p>
             <a:r>
-              <a:rPr lang="zh-CN" altLang="en-US" b="0" dirty="0" smtClean="0"/>
+              <a:rPr lang="zh-CN" altLang="en-US" b="0" dirty="0"/>
               <a:t>本次课程目录</a:t>
             </a:r>
-            <a:endParaRPr lang="zh-CN" altLang="en-US" b="0" dirty="0"/>
           </a:p>
         </p:txBody>
       </p:sp>
@@ -14033,20 +13723,7 @@
                 <a:latin typeface="微软雅黑" panose="020B0503020204020204" pitchFamily="34" charset="-122"/>
                 <a:ea typeface="微软雅黑" panose="020B0503020204020204" pitchFamily="34" charset="-122"/>
               </a:rPr>
-              <a:t>微信</a:t>
-            </a:r>
-            <a:r>
-              <a:rPr lang="zh-CN" altLang="en-US" sz="2400" dirty="0" smtClean="0">
-                <a:solidFill>
-                  <a:schemeClr val="tx1">
-                    <a:lumMod val="65000"/>
-                    <a:lumOff val="35000"/>
-                  </a:schemeClr>
-                </a:solidFill>
-                <a:latin typeface="微软雅黑" panose="020B0503020204020204" pitchFamily="34" charset="-122"/>
-                <a:ea typeface="微软雅黑" panose="020B0503020204020204" pitchFamily="34" charset="-122"/>
-              </a:rPr>
-              <a:t>支付分类与流程</a:t>
+              <a:t>微信支付分类与流程</a:t>
             </a:r>
             <a:endParaRPr lang="en-US" altLang="zh-CN" sz="2400" dirty="0">
               <a:solidFill>
@@ -14068,7 +13745,7 @@
               <a:buAutoNum type="ea1JpnChsDbPeriod"/>
             </a:pPr>
             <a:r>
-              <a:rPr lang="en-US" altLang="zh-CN" sz="2400" dirty="0" err="1" smtClean="0">
+              <a:rPr lang="en-US" altLang="zh-CN" sz="2400" dirty="0" err="1">
                 <a:solidFill>
                   <a:schemeClr val="tx1">
                     <a:lumMod val="65000"/>
@@ -14081,7 +13758,7 @@
               <a:t>Oauth</a:t>
             </a:r>
             <a:r>
-              <a:rPr lang="zh-CN" altLang="en-US" sz="2400" dirty="0" smtClean="0">
+              <a:rPr lang="zh-CN" altLang="en-US" sz="2400" dirty="0">
                 <a:solidFill>
                   <a:schemeClr val="tx1">
                     <a:lumMod val="65000"/>
@@ -14123,20 +13800,7 @@
                 <a:latin typeface="微软雅黑" panose="020B0503020204020204" pitchFamily="34" charset="-122"/>
                 <a:ea typeface="微软雅黑" panose="020B0503020204020204" pitchFamily="34" charset="-122"/>
               </a:rPr>
-              <a:t>微</a:t>
-            </a:r>
-            <a:r>
-              <a:rPr lang="zh-CN" altLang="en-US" sz="2400" dirty="0" smtClean="0">
-                <a:solidFill>
-                  <a:schemeClr val="tx1">
-                    <a:lumMod val="65000"/>
-                    <a:lumOff val="35000"/>
-                  </a:schemeClr>
-                </a:solidFill>
-                <a:latin typeface="微软雅黑" panose="020B0503020204020204" pitchFamily="34" charset="-122"/>
-                <a:ea typeface="微软雅黑" panose="020B0503020204020204" pitchFamily="34" charset="-122"/>
-              </a:rPr>
-              <a:t>信网页授权</a:t>
+              <a:t>微信网页授权</a:t>
             </a:r>
             <a:endParaRPr lang="en-US" altLang="zh-CN" sz="2400" dirty="0">
               <a:solidFill>
@@ -14161,13 +13825,6 @@
   <p:clrMapOvr>
     <a:masterClrMapping/>
   </p:clrMapOvr>
-  <p:timing>
-    <p:tnLst>
-      <p:par>
-        <p:cTn id="1" dur="indefinite" restart="never" nodeType="tmRoot"/>
-      </p:par>
-    </p:tnLst>
-  </p:timing>
 </p:sld>
 </file>
 
@@ -14198,14 +13855,19 @@
             <p:ph sz="quarter" idx="13"/>
           </p:nvPr>
         </p:nvSpPr>
-        <p:spPr/>
+        <p:spPr>
+          <a:xfrm>
+            <a:off x="1054099" y="543636"/>
+            <a:ext cx="6003925" cy="685800"/>
+          </a:xfrm>
+        </p:spPr>
         <p:txBody>
           <a:bodyPr/>
           <a:lstStyle/>
           <a:p>
             <a:r>
               <a:rPr lang="zh-CN" altLang="en-US" b="0" dirty="0"/>
-              <a:t>语音接口</a:t>
+              <a:t>微信授权接口</a:t>
             </a:r>
           </a:p>
         </p:txBody>
@@ -14213,20 +13875,13 @@
     </p:spTree>
     <p:extLst>
       <p:ext uri="{BB962C8B-B14F-4D97-AF65-F5344CB8AC3E}">
-        <p14:creationId xmlns:p14="http://schemas.microsoft.com/office/powerpoint/2010/main" val="2100823401"/>
+        <p14:creationId xmlns:p14="http://schemas.microsoft.com/office/powerpoint/2010/main" val="3631587936"/>
       </p:ext>
     </p:extLst>
   </p:cSld>
   <p:clrMapOvr>
     <a:masterClrMapping/>
   </p:clrMapOvr>
-  <p:timing>
-    <p:tnLst>
-      <p:par>
-        <p:cTn id="1" dur="indefinite" restart="never" nodeType="tmRoot"/>
-      </p:par>
-    </p:tnLst>
-  </p:timing>
 </p:sld>
 </file>
 
@@ -14260,2187 +13915,6 @@
         <p:spPr>
           <a:xfrm>
             <a:off x="1054099" y="543636"/>
-            <a:ext cx="5846763" cy="685800"/>
-          </a:xfrm>
-        </p:spPr>
-        <p:txBody>
-          <a:bodyPr/>
-          <a:lstStyle/>
-          <a:p>
-            <a:r>
-              <a:rPr lang="zh-CN" altLang="en-US" b="0" dirty="0" smtClean="0"/>
-              <a:t>扫码接口</a:t>
-            </a:r>
-            <a:endParaRPr lang="zh-CN" altLang="en-US" b="0" dirty="0"/>
-          </a:p>
-        </p:txBody>
-      </p:sp>
-    </p:spTree>
-    <p:extLst>
-      <p:ext uri="{BB962C8B-B14F-4D97-AF65-F5344CB8AC3E}">
-        <p14:creationId xmlns:p14="http://schemas.microsoft.com/office/powerpoint/2010/main" val="134963268"/>
-      </p:ext>
-    </p:extLst>
-  </p:cSld>
-  <p:clrMapOvr>
-    <a:masterClrMapping/>
-  </p:clrMapOvr>
-  <p:timing>
-    <p:tnLst>
-      <p:par>
-        <p:cTn id="1" dur="indefinite" restart="never" nodeType="tmRoot"/>
-      </p:par>
-    </p:tnLst>
-  </p:timing>
-</p:sld>
-</file>
-
-<file path=ppt/slides/slide22.xml><?xml version="1.0" encoding="utf-8"?>
-<p:sld xmlns:a="http://schemas.openxmlformats.org/drawingml/2006/main" xmlns:r="http://schemas.openxmlformats.org/officeDocument/2006/relationships" xmlns:p="http://schemas.openxmlformats.org/presentationml/2006/main">
-  <p:cSld>
-    <p:spTree>
-      <p:nvGrpSpPr>
-        <p:cNvPr id="1" name=""/>
-        <p:cNvGrpSpPr/>
-        <p:nvPr/>
-      </p:nvGrpSpPr>
-      <p:grpSpPr>
-        <a:xfrm>
-          <a:off x="0" y="0"/>
-          <a:ext cx="0" cy="0"/>
-          <a:chOff x="0" y="0"/>
-          <a:chExt cx="0" cy="0"/>
-        </a:xfrm>
-      </p:grpSpPr>
-      <p:sp>
-        <p:nvSpPr>
-          <p:cNvPr id="2" name="内容占位符 1"/>
-          <p:cNvSpPr>
-            <a:spLocks noGrp="1"/>
-          </p:cNvSpPr>
-          <p:nvPr>
-            <p:ph sz="quarter" idx="13"/>
-          </p:nvPr>
-        </p:nvSpPr>
-        <p:spPr>
-          <a:xfrm>
-            <a:off x="1054100" y="543636"/>
-            <a:ext cx="7304088" cy="685800"/>
-          </a:xfrm>
-        </p:spPr>
-        <p:txBody>
-          <a:bodyPr/>
-          <a:lstStyle/>
-          <a:p>
-            <a:r>
-              <a:rPr lang="zh-CN" altLang="en-US" dirty="0" smtClean="0"/>
-              <a:t>第三讲</a:t>
-            </a:r>
-            <a:endParaRPr lang="zh-CN" altLang="en-US" dirty="0"/>
-          </a:p>
-        </p:txBody>
-      </p:sp>
-      <p:sp>
-        <p:nvSpPr>
-          <p:cNvPr id="4" name="文本框 3"/>
-          <p:cNvSpPr txBox="1"/>
-          <p:nvPr/>
-        </p:nvSpPr>
-        <p:spPr>
-          <a:xfrm>
-            <a:off x="4058444" y="2343152"/>
-            <a:ext cx="5385594" cy="2062103"/>
-          </a:xfrm>
-          <a:prstGeom prst="rect">
-            <a:avLst/>
-          </a:prstGeom>
-          <a:noFill/>
-        </p:spPr>
-        <p:txBody>
-          <a:bodyPr wrap="square" rtlCol="0">
-            <a:spAutoFit/>
-          </a:bodyPr>
-          <a:lstStyle/>
-          <a:p>
-            <a:pPr marL="514350" indent="-514350">
-              <a:lnSpc>
-                <a:spcPct val="200000"/>
-              </a:lnSpc>
-              <a:buFont typeface="+mj-ea"/>
-              <a:buAutoNum type="ea1JpnChsDbPeriod"/>
-            </a:pPr>
-            <a:r>
-              <a:rPr lang="zh-CN" altLang="en-US" sz="2000" dirty="0">
-                <a:solidFill>
-                  <a:schemeClr val="tx1">
-                    <a:lumMod val="65000"/>
-                    <a:lumOff val="35000"/>
-                  </a:schemeClr>
-                </a:solidFill>
-                <a:latin typeface="微软雅黑" panose="020B0503020204020204" pitchFamily="34" charset="-122"/>
-                <a:ea typeface="微软雅黑" panose="020B0503020204020204" pitchFamily="34" charset="-122"/>
-              </a:rPr>
-              <a:t>微信</a:t>
-            </a:r>
-            <a:r>
-              <a:rPr lang="zh-CN" altLang="en-US" sz="2000" dirty="0">
-                <a:solidFill>
-                  <a:schemeClr val="tx1">
-                    <a:lumMod val="65000"/>
-                    <a:lumOff val="35000"/>
-                  </a:schemeClr>
-                </a:solidFill>
-                <a:latin typeface="微软雅黑" panose="020B0503020204020204" pitchFamily="34" charset="-122"/>
-                <a:ea typeface="微软雅黑" panose="020B0503020204020204" pitchFamily="34" charset="-122"/>
-              </a:rPr>
-              <a:t>支付分类与流程</a:t>
-            </a:r>
-            <a:endParaRPr lang="en-US" altLang="zh-CN" sz="2000" dirty="0">
-              <a:solidFill>
-                <a:schemeClr val="tx1">
-                  <a:lumMod val="65000"/>
-                  <a:lumOff val="35000"/>
-                </a:schemeClr>
-              </a:solidFill>
-              <a:latin typeface="微软雅黑" panose="020B0503020204020204" pitchFamily="34" charset="-122"/>
-              <a:ea typeface="微软雅黑" panose="020B0503020204020204" pitchFamily="34" charset="-122"/>
-            </a:endParaRPr>
-          </a:p>
-          <a:p>
-            <a:pPr marL="514350" indent="-514350">
-              <a:lnSpc>
-                <a:spcPct val="200000"/>
-              </a:lnSpc>
-              <a:buFont typeface="+mj-ea"/>
-              <a:buAutoNum type="ea1JpnChsDbPeriod"/>
-            </a:pPr>
-            <a:r>
-              <a:rPr lang="en-US" altLang="zh-CN" sz="2000" dirty="0" err="1" smtClean="0">
-                <a:solidFill>
-                  <a:schemeClr val="tx1">
-                    <a:lumMod val="65000"/>
-                    <a:lumOff val="35000"/>
-                  </a:schemeClr>
-                </a:solidFill>
-                <a:latin typeface="微软雅黑" panose="020B0503020204020204" pitchFamily="34" charset="-122"/>
-                <a:ea typeface="微软雅黑" panose="020B0503020204020204" pitchFamily="34" charset="-122"/>
-              </a:rPr>
-              <a:t>Oauth</a:t>
-            </a:r>
-            <a:r>
-              <a:rPr lang="zh-CN" altLang="en-US" sz="2000" dirty="0" smtClean="0">
-                <a:solidFill>
-                  <a:schemeClr val="tx1">
-                    <a:lumMod val="65000"/>
-                    <a:lumOff val="35000"/>
-                  </a:schemeClr>
-                </a:solidFill>
-                <a:latin typeface="微软雅黑" panose="020B0503020204020204" pitchFamily="34" charset="-122"/>
-                <a:ea typeface="微软雅黑" panose="020B0503020204020204" pitchFamily="34" charset="-122"/>
-              </a:rPr>
-              <a:t>协议基础</a:t>
-            </a:r>
-            <a:endParaRPr lang="en-US" altLang="zh-CN" sz="2000" dirty="0">
-              <a:solidFill>
-                <a:schemeClr val="tx1">
-                  <a:lumMod val="65000"/>
-                  <a:lumOff val="35000"/>
-                </a:schemeClr>
-              </a:solidFill>
-              <a:latin typeface="微软雅黑" panose="020B0503020204020204" pitchFamily="34" charset="-122"/>
-              <a:ea typeface="微软雅黑" panose="020B0503020204020204" pitchFamily="34" charset="-122"/>
-            </a:endParaRPr>
-          </a:p>
-          <a:p>
-            <a:pPr marL="514350" indent="-514350">
-              <a:lnSpc>
-                <a:spcPct val="200000"/>
-              </a:lnSpc>
-              <a:buFont typeface="+mj-ea"/>
-              <a:buAutoNum type="ea1JpnChsDbPeriod"/>
-            </a:pPr>
-            <a:r>
-              <a:rPr lang="zh-CN" altLang="en-US" sz="2400" dirty="0">
-                <a:solidFill>
-                  <a:schemeClr val="accent6">
-                    <a:lumMod val="75000"/>
-                  </a:schemeClr>
-                </a:solidFill>
-                <a:latin typeface="微软雅黑" panose="020B0503020204020204" pitchFamily="34" charset="-122"/>
-                <a:ea typeface="微软雅黑" panose="020B0503020204020204" pitchFamily="34" charset="-122"/>
-              </a:rPr>
-              <a:t>微</a:t>
-            </a:r>
-            <a:r>
-              <a:rPr lang="zh-CN" altLang="en-US" sz="2400" dirty="0">
-                <a:solidFill>
-                  <a:schemeClr val="accent6">
-                    <a:lumMod val="75000"/>
-                  </a:schemeClr>
-                </a:solidFill>
-                <a:latin typeface="微软雅黑" panose="020B0503020204020204" pitchFamily="34" charset="-122"/>
-                <a:ea typeface="微软雅黑" panose="020B0503020204020204" pitchFamily="34" charset="-122"/>
-              </a:rPr>
-              <a:t>信网页授权</a:t>
-            </a:r>
-            <a:endParaRPr lang="en-US" altLang="zh-CN" sz="2400" dirty="0">
-              <a:solidFill>
-                <a:schemeClr val="accent6">
-                  <a:lumMod val="75000"/>
-                </a:schemeClr>
-              </a:solidFill>
-              <a:latin typeface="微软雅黑" panose="020B0503020204020204" pitchFamily="34" charset="-122"/>
-              <a:ea typeface="微软雅黑" panose="020B0503020204020204" pitchFamily="34" charset="-122"/>
-            </a:endParaRPr>
-          </a:p>
-        </p:txBody>
-      </p:sp>
-    </p:spTree>
-    <p:extLst>
-      <p:ext uri="{BB962C8B-B14F-4D97-AF65-F5344CB8AC3E}">
-        <p14:creationId xmlns:p14="http://schemas.microsoft.com/office/powerpoint/2010/main" val="1928010297"/>
-      </p:ext>
-    </p:extLst>
-  </p:cSld>
-  <p:clrMapOvr>
-    <a:masterClrMapping/>
-  </p:clrMapOvr>
-</p:sld>
-</file>
-
-<file path=ppt/slides/slide23.xml><?xml version="1.0" encoding="utf-8"?>
-<p:sld xmlns:a="http://schemas.openxmlformats.org/drawingml/2006/main" xmlns:r="http://schemas.openxmlformats.org/officeDocument/2006/relationships" xmlns:p="http://schemas.openxmlformats.org/presentationml/2006/main">
-  <p:cSld>
-    <p:spTree>
-      <p:nvGrpSpPr>
-        <p:cNvPr id="1" name=""/>
-        <p:cNvGrpSpPr/>
-        <p:nvPr/>
-      </p:nvGrpSpPr>
-      <p:grpSpPr>
-        <a:xfrm>
-          <a:off x="0" y="0"/>
-          <a:ext cx="0" cy="0"/>
-          <a:chOff x="0" y="0"/>
-          <a:chExt cx="0" cy="0"/>
-        </a:xfrm>
-      </p:grpSpPr>
-      <p:sp>
-        <p:nvSpPr>
-          <p:cNvPr id="2" name="内容占位符 1"/>
-          <p:cNvSpPr>
-            <a:spLocks noGrp="1"/>
-          </p:cNvSpPr>
-          <p:nvPr>
-            <p:ph sz="quarter" idx="13"/>
-          </p:nvPr>
-        </p:nvSpPr>
-        <p:spPr/>
-        <p:txBody>
-          <a:bodyPr/>
-          <a:lstStyle/>
-          <a:p>
-            <a:r>
-              <a:rPr lang="en-US" altLang="zh-CN" dirty="0" smtClean="0"/>
-              <a:t>IP</a:t>
-            </a:r>
-            <a:r>
-              <a:rPr lang="zh-CN" altLang="en-US" dirty="0" smtClean="0"/>
-              <a:t>白名单</a:t>
-            </a:r>
-            <a:endParaRPr lang="zh-CN" altLang="en-US" dirty="0"/>
-          </a:p>
-        </p:txBody>
-      </p:sp>
-      <p:sp>
-        <p:nvSpPr>
-          <p:cNvPr id="4" name="文本框 3"/>
-          <p:cNvSpPr txBox="1"/>
-          <p:nvPr/>
-        </p:nvSpPr>
-        <p:spPr>
-          <a:xfrm>
-            <a:off x="1054100" y="1857375"/>
-            <a:ext cx="9861550" cy="1938992"/>
-          </a:xfrm>
-          <a:prstGeom prst="rect">
-            <a:avLst/>
-          </a:prstGeom>
-          <a:noFill/>
-        </p:spPr>
-        <p:txBody>
-          <a:bodyPr wrap="square" rtlCol="0">
-            <a:spAutoFit/>
-          </a:bodyPr>
-          <a:lstStyle/>
-          <a:p>
-            <a:pPr marL="285750" indent="-285750">
-              <a:lnSpc>
-                <a:spcPct val="150000"/>
-              </a:lnSpc>
-              <a:buFont typeface="Arial" panose="020B0604020202020204" pitchFamily="34" charset="0"/>
-              <a:buChar char="•"/>
-            </a:pPr>
-            <a:r>
-              <a:rPr lang="zh-CN" altLang="en-US" sz="2000" dirty="0" smtClean="0">
-                <a:latin typeface="微软雅黑" panose="020B0503020204020204" pitchFamily="34" charset="-122"/>
-                <a:ea typeface="微软雅黑" panose="020B0503020204020204" pitchFamily="34" charset="-122"/>
-              </a:rPr>
-              <a:t>调用接口以前需要先把开发者服务器的</a:t>
-            </a:r>
-            <a:r>
-              <a:rPr lang="en-US" altLang="zh-CN" sz="2000" dirty="0" smtClean="0">
-                <a:latin typeface="微软雅黑" panose="020B0503020204020204" pitchFamily="34" charset="-122"/>
-                <a:ea typeface="微软雅黑" panose="020B0503020204020204" pitchFamily="34" charset="-122"/>
-              </a:rPr>
-              <a:t>IP</a:t>
-            </a:r>
-            <a:r>
-              <a:rPr lang="zh-CN" altLang="en-US" sz="2000" dirty="0" smtClean="0">
-                <a:latin typeface="微软雅黑" panose="020B0503020204020204" pitchFamily="34" charset="-122"/>
-                <a:ea typeface="微软雅黑" panose="020B0503020204020204" pitchFamily="34" charset="-122"/>
-              </a:rPr>
-              <a:t>地址加入白名单列表</a:t>
-            </a:r>
-            <a:endParaRPr lang="en-US" altLang="zh-CN" sz="2000" dirty="0" smtClean="0">
-              <a:latin typeface="微软雅黑" panose="020B0503020204020204" pitchFamily="34" charset="-122"/>
-              <a:ea typeface="微软雅黑" panose="020B0503020204020204" pitchFamily="34" charset="-122"/>
-            </a:endParaRPr>
-          </a:p>
-          <a:p>
-            <a:pPr marL="285750" indent="-285750">
-              <a:lnSpc>
-                <a:spcPct val="150000"/>
-              </a:lnSpc>
-              <a:buFont typeface="Arial" panose="020B0604020202020204" pitchFamily="34" charset="0"/>
-              <a:buChar char="•"/>
-            </a:pPr>
-            <a:r>
-              <a:rPr lang="zh-CN" altLang="en-US" sz="2000" dirty="0" smtClean="0">
-                <a:latin typeface="微软雅黑" panose="020B0503020204020204" pitchFamily="34" charset="-122"/>
-                <a:ea typeface="微软雅黑" panose="020B0503020204020204" pitchFamily="34" charset="-122"/>
-              </a:rPr>
-              <a:t>如果在本地测试，则把本地所在公网</a:t>
-            </a:r>
-            <a:r>
-              <a:rPr lang="en-US" altLang="zh-CN" sz="2000" dirty="0" smtClean="0">
-                <a:latin typeface="微软雅黑" panose="020B0503020204020204" pitchFamily="34" charset="-122"/>
-                <a:ea typeface="微软雅黑" panose="020B0503020204020204" pitchFamily="34" charset="-122"/>
-              </a:rPr>
-              <a:t>IP</a:t>
-            </a:r>
-            <a:r>
-              <a:rPr lang="zh-CN" altLang="en-US" sz="2000" dirty="0" smtClean="0">
-                <a:latin typeface="微软雅黑" panose="020B0503020204020204" pitchFamily="34" charset="-122"/>
-                <a:ea typeface="微软雅黑" panose="020B0503020204020204" pitchFamily="34" charset="-122"/>
-              </a:rPr>
-              <a:t>也加入到白名单</a:t>
-            </a:r>
-            <a:endParaRPr lang="en-US" altLang="zh-CN" sz="2000" dirty="0" smtClean="0">
-              <a:latin typeface="微软雅黑" panose="020B0503020204020204" pitchFamily="34" charset="-122"/>
-              <a:ea typeface="微软雅黑" panose="020B0503020204020204" pitchFamily="34" charset="-122"/>
-            </a:endParaRPr>
-          </a:p>
-          <a:p>
-            <a:pPr marL="285750" indent="-285750">
-              <a:lnSpc>
-                <a:spcPct val="150000"/>
-              </a:lnSpc>
-              <a:buFont typeface="Arial" panose="020B0604020202020204" pitchFamily="34" charset="0"/>
-              <a:buChar char="•"/>
-            </a:pPr>
-            <a:r>
-              <a:rPr lang="zh-CN" altLang="en-US" sz="2000" dirty="0">
-                <a:latin typeface="微软雅黑" panose="020B0503020204020204" pitchFamily="34" charset="-122"/>
-                <a:ea typeface="微软雅黑" panose="020B0503020204020204" pitchFamily="34" charset="-122"/>
-              </a:rPr>
-              <a:t>不</a:t>
-            </a:r>
-            <a:r>
-              <a:rPr lang="zh-CN" altLang="en-US" sz="2000" dirty="0" smtClean="0">
-                <a:latin typeface="微软雅黑" panose="020B0503020204020204" pitchFamily="34" charset="-122"/>
-                <a:ea typeface="微软雅黑" panose="020B0503020204020204" pitchFamily="34" charset="-122"/>
-              </a:rPr>
-              <a:t>加入白名单，调用接口会失败</a:t>
-            </a:r>
-            <a:endParaRPr lang="en-US" altLang="zh-CN" sz="2000" dirty="0" smtClean="0">
-              <a:latin typeface="微软雅黑" panose="020B0503020204020204" pitchFamily="34" charset="-122"/>
-              <a:ea typeface="微软雅黑" panose="020B0503020204020204" pitchFamily="34" charset="-122"/>
-            </a:endParaRPr>
-          </a:p>
-          <a:p>
-            <a:pPr marL="285750" indent="-285750">
-              <a:lnSpc>
-                <a:spcPct val="150000"/>
-              </a:lnSpc>
-              <a:buFont typeface="Arial" panose="020B0604020202020204" pitchFamily="34" charset="0"/>
-              <a:buChar char="•"/>
-            </a:pPr>
-            <a:r>
-              <a:rPr lang="zh-CN" altLang="en-US" sz="2000" dirty="0">
-                <a:latin typeface="微软雅黑" panose="020B0503020204020204" pitchFamily="34" charset="-122"/>
-                <a:ea typeface="微软雅黑" panose="020B0503020204020204" pitchFamily="34" charset="-122"/>
-              </a:rPr>
-              <a:t>白名单</a:t>
-            </a:r>
-            <a:r>
-              <a:rPr lang="zh-CN" altLang="en-US" sz="2000" dirty="0" smtClean="0">
-                <a:latin typeface="微软雅黑" panose="020B0503020204020204" pitchFamily="34" charset="-122"/>
-                <a:ea typeface="微软雅黑" panose="020B0503020204020204" pitchFamily="34" charset="-122"/>
-              </a:rPr>
-              <a:t>机制是为了安全性考虑</a:t>
-            </a:r>
-            <a:endParaRPr lang="en-US" altLang="zh-CN" sz="2000" dirty="0" smtClean="0">
-              <a:latin typeface="微软雅黑" panose="020B0503020204020204" pitchFamily="34" charset="-122"/>
-              <a:ea typeface="微软雅黑" panose="020B0503020204020204" pitchFamily="34" charset="-122"/>
-            </a:endParaRPr>
-          </a:p>
-        </p:txBody>
-      </p:sp>
-    </p:spTree>
-    <p:extLst>
-      <p:ext uri="{BB962C8B-B14F-4D97-AF65-F5344CB8AC3E}">
-        <p14:creationId xmlns:p14="http://schemas.microsoft.com/office/powerpoint/2010/main" val="1256594085"/>
-      </p:ext>
-    </p:extLst>
-  </p:cSld>
-  <p:clrMapOvr>
-    <a:masterClrMapping/>
-  </p:clrMapOvr>
-</p:sld>
-</file>
-
-<file path=ppt/slides/slide24.xml><?xml version="1.0" encoding="utf-8"?>
-<p:sld xmlns:a="http://schemas.openxmlformats.org/drawingml/2006/main" xmlns:r="http://schemas.openxmlformats.org/officeDocument/2006/relationships" xmlns:p="http://schemas.openxmlformats.org/presentationml/2006/main">
-  <p:cSld>
-    <p:spTree>
-      <p:nvGrpSpPr>
-        <p:cNvPr id="1" name=""/>
-        <p:cNvGrpSpPr/>
-        <p:nvPr/>
-      </p:nvGrpSpPr>
-      <p:grpSpPr>
-        <a:xfrm>
-          <a:off x="0" y="0"/>
-          <a:ext cx="0" cy="0"/>
-          <a:chOff x="0" y="0"/>
-          <a:chExt cx="0" cy="0"/>
-        </a:xfrm>
-      </p:grpSpPr>
-      <p:sp>
-        <p:nvSpPr>
-          <p:cNvPr id="2" name="内容占位符 1"/>
-          <p:cNvSpPr>
-            <a:spLocks noGrp="1"/>
-          </p:cNvSpPr>
-          <p:nvPr>
-            <p:ph sz="quarter" idx="13"/>
-          </p:nvPr>
-        </p:nvSpPr>
-        <p:spPr/>
-        <p:txBody>
-          <a:bodyPr/>
-          <a:lstStyle/>
-          <a:p>
-            <a:r>
-              <a:rPr lang="en-US" altLang="zh-CN" dirty="0" err="1"/>
-              <a:t>a</a:t>
-            </a:r>
-            <a:r>
-              <a:rPr lang="en-US" altLang="zh-CN" dirty="0" err="1" smtClean="0"/>
-              <a:t>ccess_token</a:t>
-            </a:r>
-            <a:endParaRPr lang="zh-CN" altLang="en-US" dirty="0"/>
-          </a:p>
-        </p:txBody>
-      </p:sp>
-      <p:sp>
-        <p:nvSpPr>
-          <p:cNvPr id="4" name="文本框 3"/>
-          <p:cNvSpPr txBox="1"/>
-          <p:nvPr/>
-        </p:nvSpPr>
-        <p:spPr>
-          <a:xfrm>
-            <a:off x="1157288" y="1814513"/>
-            <a:ext cx="10372725" cy="2346283"/>
-          </a:xfrm>
-          <a:prstGeom prst="rect">
-            <a:avLst/>
-          </a:prstGeom>
-          <a:noFill/>
-        </p:spPr>
-        <p:txBody>
-          <a:bodyPr wrap="square" rtlCol="0">
-            <a:spAutoFit/>
-          </a:bodyPr>
-          <a:lstStyle/>
-          <a:p>
-            <a:pPr marL="285750" indent="-285750">
-              <a:lnSpc>
-                <a:spcPct val="150000"/>
-              </a:lnSpc>
-              <a:buFont typeface="Arial" panose="020B0604020202020204" pitchFamily="34" charset="0"/>
-              <a:buChar char="•"/>
-            </a:pPr>
-            <a:r>
-              <a:rPr lang="en-US" altLang="zh-CN" sz="2000" dirty="0">
-                <a:latin typeface="微软雅黑" panose="020B0503020204020204" pitchFamily="34" charset="-122"/>
-                <a:ea typeface="微软雅黑" panose="020B0503020204020204" pitchFamily="34" charset="-122"/>
-              </a:rPr>
-              <a:t>access_token</a:t>
-            </a:r>
-            <a:r>
-              <a:rPr lang="zh-CN" altLang="en-US" sz="2000" dirty="0">
-                <a:latin typeface="微软雅黑" panose="020B0503020204020204" pitchFamily="34" charset="-122"/>
-                <a:ea typeface="微软雅黑" panose="020B0503020204020204" pitchFamily="34" charset="-122"/>
-              </a:rPr>
-              <a:t>是公众号的全局唯一接口调用凭据，公众号调用各接口时都需使用</a:t>
-            </a:r>
-            <a:r>
-              <a:rPr lang="en-US" altLang="zh-CN" sz="2000" dirty="0">
-                <a:latin typeface="微软雅黑" panose="020B0503020204020204" pitchFamily="34" charset="-122"/>
-                <a:ea typeface="微软雅黑" panose="020B0503020204020204" pitchFamily="34" charset="-122"/>
-              </a:rPr>
-              <a:t>access_token</a:t>
-            </a:r>
-            <a:r>
-              <a:rPr lang="zh-CN" altLang="en-US" sz="2000" dirty="0" smtClean="0">
-                <a:latin typeface="微软雅黑" panose="020B0503020204020204" pitchFamily="34" charset="-122"/>
-                <a:ea typeface="微软雅黑" panose="020B0503020204020204" pitchFamily="34" charset="-122"/>
-              </a:rPr>
-              <a:t>。</a:t>
-            </a:r>
-            <a:endParaRPr lang="en-US" altLang="zh-CN" sz="2000" dirty="0" smtClean="0">
-              <a:latin typeface="微软雅黑" panose="020B0503020204020204" pitchFamily="34" charset="-122"/>
-              <a:ea typeface="微软雅黑" panose="020B0503020204020204" pitchFamily="34" charset="-122"/>
-            </a:endParaRPr>
-          </a:p>
-          <a:p>
-            <a:pPr marL="285750" indent="-285750">
-              <a:lnSpc>
-                <a:spcPct val="150000"/>
-              </a:lnSpc>
-              <a:buFont typeface="Arial" panose="020B0604020202020204" pitchFamily="34" charset="0"/>
-              <a:buChar char="•"/>
-            </a:pPr>
-            <a:r>
-              <a:rPr lang="en-US" altLang="zh-CN" sz="2000" dirty="0">
-                <a:latin typeface="微软雅黑" panose="020B0503020204020204" pitchFamily="34" charset="-122"/>
-                <a:ea typeface="微软雅黑" panose="020B0503020204020204" pitchFamily="34" charset="-122"/>
-              </a:rPr>
-              <a:t>access_token</a:t>
-            </a:r>
-            <a:r>
-              <a:rPr lang="zh-CN" altLang="en-US" sz="2000" dirty="0">
-                <a:latin typeface="微软雅黑" panose="020B0503020204020204" pitchFamily="34" charset="-122"/>
-                <a:ea typeface="微软雅黑" panose="020B0503020204020204" pitchFamily="34" charset="-122"/>
-              </a:rPr>
-              <a:t>的存储至少要保留</a:t>
-            </a:r>
-            <a:r>
-              <a:rPr lang="en-US" altLang="zh-CN" sz="2000" dirty="0">
-                <a:latin typeface="微软雅黑" panose="020B0503020204020204" pitchFamily="34" charset="-122"/>
-                <a:ea typeface="微软雅黑" panose="020B0503020204020204" pitchFamily="34" charset="-122"/>
-              </a:rPr>
-              <a:t>512</a:t>
-            </a:r>
-            <a:r>
-              <a:rPr lang="zh-CN" altLang="en-US" sz="2000" dirty="0">
-                <a:latin typeface="微软雅黑" panose="020B0503020204020204" pitchFamily="34" charset="-122"/>
-                <a:ea typeface="微软雅黑" panose="020B0503020204020204" pitchFamily="34" charset="-122"/>
-              </a:rPr>
-              <a:t>个字符空间</a:t>
-            </a:r>
-            <a:r>
-              <a:rPr lang="zh-CN" altLang="en-US" sz="2000" dirty="0" smtClean="0">
-                <a:latin typeface="微软雅黑" panose="020B0503020204020204" pitchFamily="34" charset="-122"/>
-                <a:ea typeface="微软雅黑" panose="020B0503020204020204" pitchFamily="34" charset="-122"/>
-              </a:rPr>
-              <a:t>。</a:t>
-            </a:r>
-            <a:endParaRPr lang="en-US" altLang="zh-CN" sz="2000" dirty="0" smtClean="0">
-              <a:latin typeface="微软雅黑" panose="020B0503020204020204" pitchFamily="34" charset="-122"/>
-              <a:ea typeface="微软雅黑" panose="020B0503020204020204" pitchFamily="34" charset="-122"/>
-            </a:endParaRPr>
-          </a:p>
-          <a:p>
-            <a:pPr marL="285750" indent="-285750">
-              <a:lnSpc>
-                <a:spcPct val="150000"/>
-              </a:lnSpc>
-              <a:buFont typeface="Arial" panose="020B0604020202020204" pitchFamily="34" charset="0"/>
-              <a:buChar char="•"/>
-            </a:pPr>
-            <a:r>
-              <a:rPr lang="en-US" altLang="zh-CN" sz="2000" dirty="0" smtClean="0">
-                <a:latin typeface="微软雅黑" panose="020B0503020204020204" pitchFamily="34" charset="-122"/>
-                <a:ea typeface="微软雅黑" panose="020B0503020204020204" pitchFamily="34" charset="-122"/>
-              </a:rPr>
-              <a:t>access_token</a:t>
-            </a:r>
-            <a:r>
-              <a:rPr lang="zh-CN" altLang="en-US" sz="2000" dirty="0">
-                <a:latin typeface="微软雅黑" panose="020B0503020204020204" pitchFamily="34" charset="-122"/>
-                <a:ea typeface="微软雅黑" panose="020B0503020204020204" pitchFamily="34" charset="-122"/>
-              </a:rPr>
-              <a:t>的有效期目前为</a:t>
-            </a:r>
-            <a:r>
-              <a:rPr lang="en-US" altLang="zh-CN" sz="2000" dirty="0">
-                <a:latin typeface="微软雅黑" panose="020B0503020204020204" pitchFamily="34" charset="-122"/>
-                <a:ea typeface="微软雅黑" panose="020B0503020204020204" pitchFamily="34" charset="-122"/>
-              </a:rPr>
-              <a:t>2</a:t>
-            </a:r>
-            <a:r>
-              <a:rPr lang="zh-CN" altLang="en-US" sz="2000" dirty="0">
-                <a:latin typeface="微软雅黑" panose="020B0503020204020204" pitchFamily="34" charset="-122"/>
-                <a:ea typeface="微软雅黑" panose="020B0503020204020204" pitchFamily="34" charset="-122"/>
-              </a:rPr>
-              <a:t>个小时，需定时</a:t>
-            </a:r>
-            <a:r>
-              <a:rPr lang="zh-CN" altLang="en-US" sz="2000" dirty="0" smtClean="0">
-                <a:latin typeface="微软雅黑" panose="020B0503020204020204" pitchFamily="34" charset="-122"/>
-                <a:ea typeface="微软雅黑" panose="020B0503020204020204" pitchFamily="34" charset="-122"/>
-              </a:rPr>
-              <a:t>刷新。</a:t>
-            </a:r>
-            <a:endParaRPr lang="en-US" altLang="zh-CN" sz="2000" dirty="0" smtClean="0">
-              <a:latin typeface="微软雅黑" panose="020B0503020204020204" pitchFamily="34" charset="-122"/>
-              <a:ea typeface="微软雅黑" panose="020B0503020204020204" pitchFamily="34" charset="-122"/>
-            </a:endParaRPr>
-          </a:p>
-          <a:p>
-            <a:pPr marL="285750" indent="-285750">
-              <a:lnSpc>
-                <a:spcPct val="150000"/>
-              </a:lnSpc>
-              <a:buFont typeface="Arial" panose="020B0604020202020204" pitchFamily="34" charset="0"/>
-              <a:buChar char="•"/>
-            </a:pPr>
-            <a:r>
-              <a:rPr lang="zh-CN" altLang="en-US" sz="2000" dirty="0" smtClean="0">
-                <a:latin typeface="微软雅黑" panose="020B0503020204020204" pitchFamily="34" charset="-122"/>
-                <a:ea typeface="微软雅黑" panose="020B0503020204020204" pitchFamily="34" charset="-122"/>
-              </a:rPr>
-              <a:t>重复</a:t>
-            </a:r>
-            <a:r>
-              <a:rPr lang="zh-CN" altLang="en-US" sz="2000" dirty="0">
-                <a:latin typeface="微软雅黑" panose="020B0503020204020204" pitchFamily="34" charset="-122"/>
-                <a:ea typeface="微软雅黑" panose="020B0503020204020204" pitchFamily="34" charset="-122"/>
-              </a:rPr>
-              <a:t>获取将导致上次获取的</a:t>
-            </a:r>
-            <a:r>
-              <a:rPr lang="en-US" altLang="zh-CN" sz="2000" dirty="0">
-                <a:latin typeface="微软雅黑" panose="020B0503020204020204" pitchFamily="34" charset="-122"/>
-                <a:ea typeface="微软雅黑" panose="020B0503020204020204" pitchFamily="34" charset="-122"/>
-              </a:rPr>
-              <a:t>access_token</a:t>
-            </a:r>
-            <a:r>
-              <a:rPr lang="zh-CN" altLang="en-US" sz="2000" dirty="0">
-                <a:latin typeface="微软雅黑" panose="020B0503020204020204" pitchFamily="34" charset="-122"/>
-                <a:ea typeface="微软雅黑" panose="020B0503020204020204" pitchFamily="34" charset="-122"/>
-              </a:rPr>
-              <a:t>失效。</a:t>
-            </a:r>
-          </a:p>
-        </p:txBody>
-      </p:sp>
-    </p:spTree>
-    <p:extLst>
-      <p:ext uri="{BB962C8B-B14F-4D97-AF65-F5344CB8AC3E}">
-        <p14:creationId xmlns:p14="http://schemas.microsoft.com/office/powerpoint/2010/main" val="3923890876"/>
-      </p:ext>
-    </p:extLst>
-  </p:cSld>
-  <p:clrMapOvr>
-    <a:masterClrMapping/>
-  </p:clrMapOvr>
-</p:sld>
-</file>
-
-<file path=ppt/slides/slide25.xml><?xml version="1.0" encoding="utf-8"?>
-<p:sld xmlns:a="http://schemas.openxmlformats.org/drawingml/2006/main" xmlns:r="http://schemas.openxmlformats.org/officeDocument/2006/relationships" xmlns:p="http://schemas.openxmlformats.org/presentationml/2006/main">
-  <p:cSld>
-    <p:spTree>
-      <p:nvGrpSpPr>
-        <p:cNvPr id="1" name=""/>
-        <p:cNvGrpSpPr/>
-        <p:nvPr/>
-      </p:nvGrpSpPr>
-      <p:grpSpPr>
-        <a:xfrm>
-          <a:off x="0" y="0"/>
-          <a:ext cx="0" cy="0"/>
-          <a:chOff x="0" y="0"/>
-          <a:chExt cx="0" cy="0"/>
-        </a:xfrm>
-      </p:grpSpPr>
-      <p:sp>
-        <p:nvSpPr>
-          <p:cNvPr id="2" name="内容占位符 1"/>
-          <p:cNvSpPr>
-            <a:spLocks noGrp="1"/>
-          </p:cNvSpPr>
-          <p:nvPr>
-            <p:ph sz="quarter" idx="13"/>
-          </p:nvPr>
-        </p:nvSpPr>
-        <p:spPr>
-          <a:xfrm>
-            <a:off x="1054099" y="543636"/>
-            <a:ext cx="6003925" cy="685800"/>
-          </a:xfrm>
-        </p:spPr>
-        <p:txBody>
-          <a:bodyPr/>
-          <a:lstStyle/>
-          <a:p>
-            <a:r>
-              <a:rPr lang="zh-CN" altLang="en-US" dirty="0" smtClean="0"/>
-              <a:t>调用微信接口的凭据</a:t>
-            </a:r>
-            <a:endParaRPr lang="zh-CN" altLang="en-US" dirty="0"/>
-          </a:p>
-        </p:txBody>
-      </p:sp>
-      <p:sp>
-        <p:nvSpPr>
-          <p:cNvPr id="4" name="文本框 3"/>
-          <p:cNvSpPr txBox="1"/>
-          <p:nvPr/>
-        </p:nvSpPr>
-        <p:spPr>
-          <a:xfrm>
-            <a:off x="1054099" y="1685925"/>
-            <a:ext cx="10372725" cy="2862322"/>
-          </a:xfrm>
-          <a:prstGeom prst="rect">
-            <a:avLst/>
-          </a:prstGeom>
-          <a:noFill/>
-        </p:spPr>
-        <p:txBody>
-          <a:bodyPr wrap="square" rtlCol="0">
-            <a:spAutoFit/>
-          </a:bodyPr>
-          <a:lstStyle/>
-          <a:p>
-            <a:pPr marL="285750" indent="-285750">
-              <a:lnSpc>
-                <a:spcPct val="150000"/>
-              </a:lnSpc>
-              <a:buFont typeface="Arial" panose="020B0604020202020204" pitchFamily="34" charset="0"/>
-              <a:buChar char="•"/>
-            </a:pPr>
-            <a:r>
-              <a:rPr lang="zh-CN" altLang="en-US" sz="2000" dirty="0">
-                <a:latin typeface="微软雅黑" panose="020B0503020204020204" pitchFamily="34" charset="-122"/>
-                <a:ea typeface="微软雅黑" panose="020B0503020204020204" pitchFamily="34" charset="-122"/>
-              </a:rPr>
-              <a:t>开发者</a:t>
-            </a:r>
-            <a:r>
-              <a:rPr lang="en-US" altLang="zh-CN" sz="2000" dirty="0" smtClean="0">
-                <a:latin typeface="微软雅黑" panose="020B0503020204020204" pitchFamily="34" charset="-122"/>
-                <a:ea typeface="微软雅黑" panose="020B0503020204020204" pitchFamily="34" charset="-122"/>
-              </a:rPr>
-              <a:t>ID</a:t>
-            </a:r>
-            <a:r>
-              <a:rPr lang="zh-CN" altLang="en-US" sz="2000" dirty="0" smtClean="0">
-                <a:latin typeface="微软雅黑" panose="020B0503020204020204" pitchFamily="34" charset="-122"/>
-                <a:ea typeface="微软雅黑" panose="020B0503020204020204" pitchFamily="34" charset="-122"/>
-              </a:rPr>
-              <a:t>（</a:t>
-            </a:r>
-            <a:r>
-              <a:rPr lang="en-US" altLang="zh-CN" sz="2000" dirty="0" smtClean="0">
-                <a:latin typeface="微软雅黑" panose="020B0503020204020204" pitchFamily="34" charset="-122"/>
-                <a:ea typeface="微软雅黑" panose="020B0503020204020204" pitchFamily="34" charset="-122"/>
-              </a:rPr>
-              <a:t>AppId</a:t>
-            </a:r>
-            <a:r>
-              <a:rPr lang="zh-CN" altLang="en-US" sz="2000" dirty="0" smtClean="0">
-                <a:latin typeface="微软雅黑" panose="020B0503020204020204" pitchFamily="34" charset="-122"/>
-                <a:ea typeface="微软雅黑" panose="020B0503020204020204" pitchFamily="34" charset="-122"/>
-              </a:rPr>
-              <a:t>）：申请微信公众号产生的唯一</a:t>
-            </a:r>
-            <a:r>
-              <a:rPr lang="en-US" altLang="zh-CN" sz="2000" dirty="0" smtClean="0">
-                <a:latin typeface="微软雅黑" panose="020B0503020204020204" pitchFamily="34" charset="-122"/>
-                <a:ea typeface="微软雅黑" panose="020B0503020204020204" pitchFamily="34" charset="-122"/>
-              </a:rPr>
-              <a:t>ID</a:t>
-            </a:r>
-            <a:r>
-              <a:rPr lang="zh-CN" altLang="en-US" sz="2000" dirty="0" smtClean="0">
-                <a:latin typeface="微软雅黑" panose="020B0503020204020204" pitchFamily="34" charset="-122"/>
-                <a:ea typeface="微软雅黑" panose="020B0503020204020204" pitchFamily="34" charset="-122"/>
-              </a:rPr>
-              <a:t>标识</a:t>
-            </a:r>
-            <a:endParaRPr lang="en-US" altLang="zh-CN" sz="2000" dirty="0" smtClean="0">
-              <a:latin typeface="微软雅黑" panose="020B0503020204020204" pitchFamily="34" charset="-122"/>
-              <a:ea typeface="微软雅黑" panose="020B0503020204020204" pitchFamily="34" charset="-122"/>
-            </a:endParaRPr>
-          </a:p>
-          <a:p>
-            <a:pPr marL="285750" indent="-285750">
-              <a:lnSpc>
-                <a:spcPct val="150000"/>
-              </a:lnSpc>
-              <a:buFont typeface="Arial" panose="020B0604020202020204" pitchFamily="34" charset="0"/>
-              <a:buChar char="•"/>
-            </a:pPr>
-            <a:r>
-              <a:rPr lang="zh-CN" altLang="en-US" sz="2000" dirty="0">
-                <a:latin typeface="微软雅黑" panose="020B0503020204020204" pitchFamily="34" charset="-122"/>
-                <a:ea typeface="微软雅黑" panose="020B0503020204020204" pitchFamily="34" charset="-122"/>
-              </a:rPr>
-              <a:t>开发者</a:t>
-            </a:r>
-            <a:r>
-              <a:rPr lang="zh-CN" altLang="en-US" sz="2000" dirty="0" smtClean="0">
-                <a:latin typeface="微软雅黑" panose="020B0503020204020204" pitchFamily="34" charset="-122"/>
-                <a:ea typeface="微软雅黑" panose="020B0503020204020204" pitchFamily="34" charset="-122"/>
-              </a:rPr>
-              <a:t>密码（</a:t>
-            </a:r>
-            <a:r>
-              <a:rPr lang="en-US" altLang="zh-CN" sz="2000" dirty="0" smtClean="0">
-                <a:latin typeface="微软雅黑" panose="020B0503020204020204" pitchFamily="34" charset="-122"/>
-                <a:ea typeface="微软雅黑" panose="020B0503020204020204" pitchFamily="34" charset="-122"/>
-              </a:rPr>
-              <a:t>AppSecret</a:t>
-            </a:r>
-            <a:r>
-              <a:rPr lang="zh-CN" altLang="en-US" sz="2000" dirty="0" smtClean="0">
-                <a:latin typeface="微软雅黑" panose="020B0503020204020204" pitchFamily="34" charset="-122"/>
-                <a:ea typeface="微软雅黑" panose="020B0503020204020204" pitchFamily="34" charset="-122"/>
-              </a:rPr>
-              <a:t>）：</a:t>
-            </a:r>
-            <a:r>
-              <a:rPr lang="zh-CN" altLang="en-US" sz="2000" dirty="0">
-                <a:latin typeface="微软雅黑" panose="020B0503020204020204" pitchFamily="34" charset="-122"/>
-                <a:ea typeface="微软雅黑" panose="020B0503020204020204" pitchFamily="34" charset="-122"/>
-              </a:rPr>
-              <a:t>开发者密码是校验公众号开发者身份的密码</a:t>
-            </a:r>
-            <a:endParaRPr lang="en-US" altLang="zh-CN" sz="2000" dirty="0" smtClean="0">
-              <a:latin typeface="微软雅黑" panose="020B0503020204020204" pitchFamily="34" charset="-122"/>
-              <a:ea typeface="微软雅黑" panose="020B0503020204020204" pitchFamily="34" charset="-122"/>
-            </a:endParaRPr>
-          </a:p>
-          <a:p>
-            <a:pPr marL="285750" indent="-285750">
-              <a:lnSpc>
-                <a:spcPct val="150000"/>
-              </a:lnSpc>
-              <a:buFont typeface="Arial" panose="020B0604020202020204" pitchFamily="34" charset="0"/>
-              <a:buChar char="•"/>
-            </a:pPr>
-            <a:r>
-              <a:rPr lang="en-US" altLang="zh-CN" sz="2000" dirty="0" err="1">
-                <a:latin typeface="微软雅黑" panose="020B0503020204020204" pitchFamily="34" charset="-122"/>
-                <a:ea typeface="微软雅黑" panose="020B0503020204020204" pitchFamily="34" charset="-122"/>
-              </a:rPr>
-              <a:t>a</a:t>
-            </a:r>
-            <a:r>
-              <a:rPr lang="en-US" altLang="zh-CN" sz="2000" dirty="0" err="1" smtClean="0">
-                <a:latin typeface="微软雅黑" panose="020B0503020204020204" pitchFamily="34" charset="-122"/>
-                <a:ea typeface="微软雅黑" panose="020B0503020204020204" pitchFamily="34" charset="-122"/>
-              </a:rPr>
-              <a:t>ccess_token</a:t>
-            </a:r>
-            <a:r>
-              <a:rPr lang="zh-CN" altLang="en-US" sz="2000" dirty="0" smtClean="0">
-                <a:latin typeface="微软雅黑" panose="020B0503020204020204" pitchFamily="34" charset="-122"/>
-                <a:ea typeface="微软雅黑" panose="020B0503020204020204" pitchFamily="34" charset="-122"/>
-              </a:rPr>
-              <a:t>：每次由获取</a:t>
-            </a:r>
-            <a:r>
-              <a:rPr lang="en-US" altLang="zh-CN" sz="2000" dirty="0" err="1" smtClean="0">
-                <a:latin typeface="微软雅黑" panose="020B0503020204020204" pitchFamily="34" charset="-122"/>
-                <a:ea typeface="微软雅黑" panose="020B0503020204020204" pitchFamily="34" charset="-122"/>
-              </a:rPr>
-              <a:t>access_token</a:t>
-            </a:r>
-            <a:r>
-              <a:rPr lang="zh-CN" altLang="en-US" sz="2000" dirty="0" smtClean="0">
-                <a:latin typeface="微软雅黑" panose="020B0503020204020204" pitchFamily="34" charset="-122"/>
-                <a:ea typeface="微软雅黑" panose="020B0503020204020204" pitchFamily="34" charset="-122"/>
-              </a:rPr>
-              <a:t>接口获取后保存并用于其他接口的调用</a:t>
-            </a:r>
-            <a:endParaRPr lang="en-US" altLang="zh-CN" sz="2000" dirty="0" smtClean="0">
-              <a:latin typeface="微软雅黑" panose="020B0503020204020204" pitchFamily="34" charset="-122"/>
-              <a:ea typeface="微软雅黑" panose="020B0503020204020204" pitchFamily="34" charset="-122"/>
-            </a:endParaRPr>
-          </a:p>
-          <a:p>
-            <a:pPr marL="285750" indent="-285750">
-              <a:lnSpc>
-                <a:spcPct val="150000"/>
-              </a:lnSpc>
-              <a:buFont typeface="Arial" panose="020B0604020202020204" pitchFamily="34" charset="0"/>
-              <a:buChar char="•"/>
-            </a:pPr>
-            <a:r>
-              <a:rPr lang="zh-CN" altLang="en-US" sz="2000" dirty="0" smtClean="0">
-                <a:latin typeface="微软雅黑" panose="020B0503020204020204" pitchFamily="34" charset="-122"/>
-                <a:ea typeface="微软雅黑" panose="020B0503020204020204" pitchFamily="34" charset="-122"/>
-              </a:rPr>
-              <a:t>除</a:t>
-            </a:r>
-            <a:r>
-              <a:rPr lang="en-US" altLang="zh-CN" sz="2000" dirty="0" err="1" smtClean="0">
-                <a:latin typeface="微软雅黑" panose="020B0503020204020204" pitchFamily="34" charset="-122"/>
-                <a:ea typeface="微软雅黑" panose="020B0503020204020204" pitchFamily="34" charset="-122"/>
-              </a:rPr>
-              <a:t>access_token</a:t>
-            </a:r>
-            <a:r>
-              <a:rPr lang="zh-CN" altLang="en-US" sz="2000" dirty="0" smtClean="0">
-                <a:latin typeface="微软雅黑" panose="020B0503020204020204" pitchFamily="34" charset="-122"/>
-                <a:ea typeface="微软雅黑" panose="020B0503020204020204" pitchFamily="34" charset="-122"/>
-              </a:rPr>
-              <a:t>接口以外，其他接口的调用流程：</a:t>
-            </a:r>
-            <a:endParaRPr lang="en-US" altLang="zh-CN" sz="2000" dirty="0" smtClean="0">
-              <a:latin typeface="微软雅黑" panose="020B0503020204020204" pitchFamily="34" charset="-122"/>
-              <a:ea typeface="微软雅黑" panose="020B0503020204020204" pitchFamily="34" charset="-122"/>
-            </a:endParaRPr>
-          </a:p>
-          <a:p>
-            <a:pPr marL="914400" lvl="1" indent="-457200">
-              <a:lnSpc>
-                <a:spcPct val="150000"/>
-              </a:lnSpc>
-              <a:buFont typeface="+mj-lt"/>
-              <a:buAutoNum type="arabicPeriod"/>
-            </a:pPr>
-            <a:r>
-              <a:rPr lang="zh-CN" altLang="en-US" sz="2000" dirty="0" smtClean="0">
-                <a:latin typeface="微软雅黑" panose="020B0503020204020204" pitchFamily="34" charset="-122"/>
-                <a:ea typeface="微软雅黑" panose="020B0503020204020204" pitchFamily="34" charset="-122"/>
-              </a:rPr>
-              <a:t>先使用</a:t>
-            </a:r>
-            <a:r>
-              <a:rPr lang="en-US" altLang="zh-CN" sz="2000" dirty="0" smtClean="0">
-                <a:latin typeface="微软雅黑" panose="020B0503020204020204" pitchFamily="34" charset="-122"/>
-                <a:ea typeface="微软雅黑" panose="020B0503020204020204" pitchFamily="34" charset="-122"/>
-              </a:rPr>
-              <a:t>AppId</a:t>
-            </a:r>
-            <a:r>
-              <a:rPr lang="zh-CN" altLang="en-US" sz="2000" dirty="0" smtClean="0">
-                <a:latin typeface="微软雅黑" panose="020B0503020204020204" pitchFamily="34" charset="-122"/>
-                <a:ea typeface="微软雅黑" panose="020B0503020204020204" pitchFamily="34" charset="-122"/>
-              </a:rPr>
-              <a:t>与</a:t>
-            </a:r>
-            <a:r>
-              <a:rPr lang="en-US" altLang="zh-CN" sz="2000" dirty="0" smtClean="0">
-                <a:latin typeface="微软雅黑" panose="020B0503020204020204" pitchFamily="34" charset="-122"/>
-                <a:ea typeface="微软雅黑" panose="020B0503020204020204" pitchFamily="34" charset="-122"/>
-              </a:rPr>
-              <a:t>AppSecret</a:t>
-            </a:r>
-            <a:r>
-              <a:rPr lang="zh-CN" altLang="en-US" sz="2000" dirty="0" smtClean="0">
-                <a:latin typeface="微软雅黑" panose="020B0503020204020204" pitchFamily="34" charset="-122"/>
-                <a:ea typeface="微软雅黑" panose="020B0503020204020204" pitchFamily="34" charset="-122"/>
-              </a:rPr>
-              <a:t>获取有效的</a:t>
-            </a:r>
-            <a:r>
-              <a:rPr lang="en-US" altLang="zh-CN" sz="2000" dirty="0" err="1" smtClean="0">
-                <a:latin typeface="微软雅黑" panose="020B0503020204020204" pitchFamily="34" charset="-122"/>
-                <a:ea typeface="微软雅黑" panose="020B0503020204020204" pitchFamily="34" charset="-122"/>
-              </a:rPr>
-              <a:t>access_token</a:t>
-            </a:r>
-            <a:endParaRPr lang="en-US" altLang="zh-CN" sz="2000" dirty="0" smtClean="0">
-              <a:latin typeface="微软雅黑" panose="020B0503020204020204" pitchFamily="34" charset="-122"/>
-              <a:ea typeface="微软雅黑" panose="020B0503020204020204" pitchFamily="34" charset="-122"/>
-            </a:endParaRPr>
-          </a:p>
-          <a:p>
-            <a:pPr marL="914400" lvl="1" indent="-457200">
-              <a:lnSpc>
-                <a:spcPct val="150000"/>
-              </a:lnSpc>
-              <a:buFont typeface="+mj-lt"/>
-              <a:buAutoNum type="arabicPeriod"/>
-            </a:pPr>
-            <a:r>
-              <a:rPr lang="zh-CN" altLang="en-US" sz="2000" dirty="0" smtClean="0">
-                <a:latin typeface="微软雅黑" panose="020B0503020204020204" pitchFamily="34" charset="-122"/>
-                <a:ea typeface="微软雅黑" panose="020B0503020204020204" pitchFamily="34" charset="-122"/>
-              </a:rPr>
-              <a:t>之后要通过</a:t>
-            </a:r>
-            <a:r>
-              <a:rPr lang="en-US" altLang="zh-CN" sz="2000" dirty="0" err="1" smtClean="0">
-                <a:latin typeface="微软雅黑" panose="020B0503020204020204" pitchFamily="34" charset="-122"/>
-                <a:ea typeface="微软雅黑" panose="020B0503020204020204" pitchFamily="34" charset="-122"/>
-              </a:rPr>
-              <a:t>access_token</a:t>
-            </a:r>
-            <a:r>
-              <a:rPr lang="zh-CN" altLang="en-US" sz="2000" dirty="0" smtClean="0">
-                <a:latin typeface="微软雅黑" panose="020B0503020204020204" pitchFamily="34" charset="-122"/>
-                <a:ea typeface="微软雅黑" panose="020B0503020204020204" pitchFamily="34" charset="-122"/>
-              </a:rPr>
-              <a:t>与其他参数调用接口</a:t>
-            </a:r>
-            <a:endParaRPr lang="zh-CN" altLang="en-US" sz="2000" dirty="0">
-              <a:latin typeface="微软雅黑" panose="020B0503020204020204" pitchFamily="34" charset="-122"/>
-              <a:ea typeface="微软雅黑" panose="020B0503020204020204" pitchFamily="34" charset="-122"/>
-            </a:endParaRPr>
-          </a:p>
-        </p:txBody>
-      </p:sp>
-    </p:spTree>
-    <p:extLst>
-      <p:ext uri="{BB962C8B-B14F-4D97-AF65-F5344CB8AC3E}">
-        <p14:creationId xmlns:p14="http://schemas.microsoft.com/office/powerpoint/2010/main" val="3631587936"/>
-      </p:ext>
-    </p:extLst>
-  </p:cSld>
-  <p:clrMapOvr>
-    <a:masterClrMapping/>
-  </p:clrMapOvr>
-</p:sld>
-</file>
-
-<file path=ppt/slides/slide26.xml><?xml version="1.0" encoding="utf-8"?>
-<p:sld xmlns:a="http://schemas.openxmlformats.org/drawingml/2006/main" xmlns:r="http://schemas.openxmlformats.org/officeDocument/2006/relationships" xmlns:p="http://schemas.openxmlformats.org/presentationml/2006/main">
-  <p:cSld>
-    <p:spTree>
-      <p:nvGrpSpPr>
-        <p:cNvPr id="1" name=""/>
-        <p:cNvGrpSpPr/>
-        <p:nvPr/>
-      </p:nvGrpSpPr>
-      <p:grpSpPr>
-        <a:xfrm>
-          <a:off x="0" y="0"/>
-          <a:ext cx="0" cy="0"/>
-          <a:chOff x="0" y="0"/>
-          <a:chExt cx="0" cy="0"/>
-        </a:xfrm>
-      </p:grpSpPr>
-      <p:sp>
-        <p:nvSpPr>
-          <p:cNvPr id="2" name="内容占位符 1"/>
-          <p:cNvSpPr>
-            <a:spLocks noGrp="1"/>
-          </p:cNvSpPr>
-          <p:nvPr>
-            <p:ph sz="quarter" idx="13"/>
-          </p:nvPr>
-        </p:nvSpPr>
-        <p:spPr>
-          <a:xfrm>
-            <a:off x="1054100" y="543636"/>
-            <a:ext cx="6546850" cy="685800"/>
-          </a:xfrm>
-        </p:spPr>
-        <p:txBody>
-          <a:bodyPr/>
-          <a:lstStyle/>
-          <a:p>
-            <a:r>
-              <a:rPr lang="zh-CN" altLang="en-US" dirty="0" smtClean="0"/>
-              <a:t>获取</a:t>
-            </a:r>
-            <a:r>
-              <a:rPr lang="en-US" altLang="zh-CN" dirty="0" err="1" smtClean="0"/>
-              <a:t>access_token</a:t>
-            </a:r>
-            <a:endParaRPr lang="zh-CN" altLang="en-US" dirty="0"/>
-          </a:p>
-        </p:txBody>
-      </p:sp>
-      <p:sp>
-        <p:nvSpPr>
-          <p:cNvPr id="4" name="文本框 3"/>
-          <p:cNvSpPr txBox="1"/>
-          <p:nvPr/>
-        </p:nvSpPr>
-        <p:spPr>
-          <a:xfrm>
-            <a:off x="1157288" y="1757363"/>
-            <a:ext cx="10515600" cy="4555093"/>
-          </a:xfrm>
-          <a:prstGeom prst="rect">
-            <a:avLst/>
-          </a:prstGeom>
-          <a:noFill/>
-        </p:spPr>
-        <p:txBody>
-          <a:bodyPr wrap="square" rtlCol="0">
-            <a:spAutoFit/>
-          </a:bodyPr>
-          <a:lstStyle/>
-          <a:p>
-            <a:pPr marL="285750" indent="-285750">
-              <a:lnSpc>
-                <a:spcPct val="150000"/>
-              </a:lnSpc>
-              <a:buFont typeface="Arial" panose="020B0604020202020204" pitchFamily="34" charset="0"/>
-              <a:buChar char="•"/>
-            </a:pPr>
-            <a:r>
-              <a:rPr lang="zh-CN" altLang="en-US" sz="2000" dirty="0" smtClean="0">
-                <a:latin typeface="微软雅黑" panose="020B0503020204020204" pitchFamily="34" charset="-122"/>
-                <a:ea typeface="微软雅黑" panose="020B0503020204020204" pitchFamily="34" charset="-122"/>
-              </a:rPr>
-              <a:t>调用微信接口，获取</a:t>
-            </a:r>
-            <a:r>
-              <a:rPr lang="en-US" altLang="zh-CN" sz="2000" dirty="0" err="1" smtClean="0">
-                <a:latin typeface="微软雅黑" panose="020B0503020204020204" pitchFamily="34" charset="-122"/>
-                <a:ea typeface="微软雅黑" panose="020B0503020204020204" pitchFamily="34" charset="-122"/>
-              </a:rPr>
-              <a:t>access_token</a:t>
-            </a:r>
-            <a:endParaRPr lang="en-US" altLang="zh-CN" sz="2000" dirty="0" smtClean="0">
-              <a:latin typeface="微软雅黑" panose="020B0503020204020204" pitchFamily="34" charset="-122"/>
-              <a:ea typeface="微软雅黑" panose="020B0503020204020204" pitchFamily="34" charset="-122"/>
-            </a:endParaRPr>
-          </a:p>
-          <a:p>
-            <a:pPr lvl="1">
-              <a:lnSpc>
-                <a:spcPts val="2400"/>
-              </a:lnSpc>
-            </a:pPr>
-            <a:r>
-              <a:rPr lang="en-US" altLang="zh-CN" sz="2000" dirty="0"/>
-              <a:t>$</a:t>
-            </a:r>
-            <a:r>
-              <a:rPr lang="en-US" altLang="zh-CN" sz="2000" dirty="0" err="1"/>
-              <a:t>appid</a:t>
-            </a:r>
-            <a:r>
-              <a:rPr lang="en-US" altLang="zh-CN" sz="2000" dirty="0" smtClean="0"/>
-              <a:t>=‘wx02935b5sj83ca898’;//</a:t>
-            </a:r>
-            <a:r>
-              <a:rPr lang="zh-CN" altLang="en-US" sz="2000" dirty="0" smtClean="0"/>
-              <a:t>公众号</a:t>
-            </a:r>
-            <a:r>
-              <a:rPr lang="en-US" altLang="zh-CN" sz="2000" dirty="0" err="1"/>
-              <a:t>A</a:t>
-            </a:r>
-            <a:r>
-              <a:rPr lang="en-US" altLang="zh-CN" sz="2000" dirty="0" err="1" smtClean="0"/>
-              <a:t>ppID</a:t>
-            </a:r>
-            <a:endParaRPr lang="en-US" altLang="zh-CN" sz="2000" dirty="0"/>
-          </a:p>
-          <a:p>
-            <a:pPr lvl="1">
-              <a:lnSpc>
-                <a:spcPts val="2400"/>
-              </a:lnSpc>
-            </a:pPr>
-            <a:r>
-              <a:rPr lang="en-US" altLang="zh-CN" sz="2000" dirty="0"/>
-              <a:t>$secret</a:t>
-            </a:r>
-            <a:r>
-              <a:rPr lang="en-US" altLang="zh-CN" sz="2000" dirty="0" smtClean="0"/>
-              <a:t>=‘xa7060168afdd5410293c8as0e6b07f1’;//</a:t>
-            </a:r>
-            <a:r>
-              <a:rPr lang="zh-CN" altLang="en-US" sz="2000" dirty="0" smtClean="0"/>
-              <a:t>公众号 </a:t>
-            </a:r>
-            <a:r>
-              <a:rPr lang="en-US" altLang="zh-CN" sz="2000" dirty="0" smtClean="0"/>
-              <a:t>AppSecret</a:t>
-            </a:r>
-            <a:endParaRPr lang="en-US" altLang="zh-CN" sz="2000" dirty="0"/>
-          </a:p>
-          <a:p>
-            <a:pPr lvl="1">
-              <a:lnSpc>
-                <a:spcPts val="2400"/>
-              </a:lnSpc>
-            </a:pPr>
-            <a:r>
-              <a:rPr lang="en-US" altLang="zh-CN" sz="2000" dirty="0"/>
-              <a:t>$</a:t>
-            </a:r>
-            <a:r>
-              <a:rPr lang="en-US" altLang="zh-CN" sz="2000" dirty="0" err="1"/>
-              <a:t>url</a:t>
-            </a:r>
-            <a:r>
-              <a:rPr lang="en-US" altLang="zh-CN" sz="2000" dirty="0"/>
-              <a:t> = 'https://api.weixin.qq.com/</a:t>
-            </a:r>
-            <a:r>
-              <a:rPr lang="en-US" altLang="zh-CN" sz="2000" dirty="0" err="1"/>
-              <a:t>cgi</a:t>
-            </a:r>
-            <a:r>
-              <a:rPr lang="en-US" altLang="zh-CN" sz="2000" dirty="0"/>
-              <a:t>-bin/</a:t>
-            </a:r>
-            <a:r>
-              <a:rPr lang="en-US" altLang="zh-CN" sz="2000" dirty="0" err="1"/>
-              <a:t>token?grant_type</a:t>
-            </a:r>
-            <a:r>
-              <a:rPr lang="en-US" altLang="zh-CN" sz="2000" dirty="0"/>
-              <a:t>=</a:t>
-            </a:r>
-            <a:r>
-              <a:rPr lang="en-US" altLang="zh-CN" sz="2000" dirty="0" err="1"/>
-              <a:t>client_credential&amp;appid</a:t>
-            </a:r>
-            <a:r>
-              <a:rPr lang="en-US" altLang="zh-CN" sz="2000" dirty="0"/>
-              <a:t>='.</a:t>
-            </a:r>
-          </a:p>
-          <a:p>
-            <a:pPr lvl="1">
-              <a:lnSpc>
-                <a:spcPts val="2400"/>
-              </a:lnSpc>
-            </a:pPr>
-            <a:r>
-              <a:rPr lang="en-US" altLang="zh-CN" sz="2000" dirty="0" smtClean="0"/>
-              <a:t>$</a:t>
-            </a:r>
-            <a:r>
-              <a:rPr lang="en-US" altLang="zh-CN" sz="2000" dirty="0" err="1"/>
-              <a:t>appid</a:t>
-            </a:r>
-            <a:r>
-              <a:rPr lang="en-US" altLang="zh-CN" sz="2000" dirty="0"/>
-              <a:t>.'&amp;secret='.$secret</a:t>
-            </a:r>
-            <a:r>
-              <a:rPr lang="en-US" altLang="zh-CN" sz="2000" dirty="0" smtClean="0"/>
-              <a:t>;</a:t>
-            </a:r>
-            <a:endParaRPr lang="en-US" altLang="zh-CN" sz="2000" dirty="0"/>
-          </a:p>
-          <a:p>
-            <a:pPr lvl="1">
-              <a:lnSpc>
-                <a:spcPts val="2400"/>
-              </a:lnSpc>
-            </a:pPr>
-            <a:r>
-              <a:rPr lang="en-US" altLang="zh-CN" sz="2000" dirty="0"/>
-              <a:t>$c = </a:t>
-            </a:r>
-            <a:r>
-              <a:rPr lang="en-US" altLang="zh-CN" sz="2000" dirty="0" err="1"/>
-              <a:t>curl_init</a:t>
-            </a:r>
-            <a:r>
-              <a:rPr lang="en-US" altLang="zh-CN" sz="2000" dirty="0"/>
-              <a:t>($</a:t>
-            </a:r>
-            <a:r>
-              <a:rPr lang="en-US" altLang="zh-CN" sz="2000" dirty="0" err="1"/>
-              <a:t>url</a:t>
-            </a:r>
-            <a:r>
-              <a:rPr lang="en-US" altLang="zh-CN" sz="2000" dirty="0"/>
-              <a:t>);</a:t>
-            </a:r>
-          </a:p>
-          <a:p>
-            <a:pPr lvl="1">
-              <a:lnSpc>
-                <a:spcPts val="2400"/>
-              </a:lnSpc>
-            </a:pPr>
-            <a:r>
-              <a:rPr lang="en-US" altLang="zh-CN" sz="2000" dirty="0"/>
-              <a:t>if(!$c){</a:t>
-            </a:r>
-          </a:p>
-          <a:p>
-            <a:pPr lvl="1">
-              <a:lnSpc>
-                <a:spcPts val="2400"/>
-              </a:lnSpc>
-            </a:pPr>
-            <a:r>
-              <a:rPr lang="en-US" altLang="zh-CN" sz="2000" dirty="0"/>
-              <a:t>  </a:t>
-            </a:r>
-            <a:r>
-              <a:rPr lang="en-US" altLang="zh-CN" sz="2000" dirty="0" smtClean="0"/>
-              <a:t>  exit</a:t>
-            </a:r>
-            <a:r>
-              <a:rPr lang="en-US" altLang="zh-CN" sz="2000" dirty="0"/>
-              <a:t>("failed to open </a:t>
-            </a:r>
-            <a:r>
-              <a:rPr lang="en-US" altLang="zh-CN" sz="2000" dirty="0" err="1"/>
-              <a:t>url</a:t>
-            </a:r>
-            <a:r>
-              <a:rPr lang="en-US" altLang="zh-CN" sz="2000" dirty="0"/>
-              <a:t>");</a:t>
-            </a:r>
-          </a:p>
-          <a:p>
-            <a:pPr lvl="1">
-              <a:lnSpc>
-                <a:spcPts val="2400"/>
-              </a:lnSpc>
-            </a:pPr>
-            <a:r>
-              <a:rPr lang="en-US" altLang="zh-CN" sz="2000" dirty="0"/>
-              <a:t>}</a:t>
-            </a:r>
-          </a:p>
-          <a:p>
-            <a:pPr lvl="1">
-              <a:lnSpc>
-                <a:spcPts val="2400"/>
-              </a:lnSpc>
-            </a:pPr>
-            <a:r>
-              <a:rPr lang="en-US" altLang="zh-CN" sz="2000" dirty="0" err="1"/>
-              <a:t>curl_setopt</a:t>
-            </a:r>
-            <a:r>
-              <a:rPr lang="en-US" altLang="zh-CN" sz="2000" dirty="0"/>
-              <a:t>($</a:t>
-            </a:r>
-            <a:r>
-              <a:rPr lang="en-US" altLang="zh-CN" sz="2000" dirty="0" err="1"/>
-              <a:t>c,CURLOPT_RETURNTRANSFER,true</a:t>
-            </a:r>
-            <a:r>
-              <a:rPr lang="en-US" altLang="zh-CN" sz="2000" dirty="0"/>
-              <a:t>);</a:t>
-            </a:r>
-          </a:p>
-          <a:p>
-            <a:pPr lvl="1">
-              <a:lnSpc>
-                <a:spcPts val="2400"/>
-              </a:lnSpc>
-            </a:pPr>
-            <a:r>
-              <a:rPr lang="en-US" altLang="zh-CN" sz="2000" dirty="0" err="1"/>
-              <a:t>curl_setopt</a:t>
-            </a:r>
-            <a:r>
-              <a:rPr lang="en-US" altLang="zh-CN" sz="2000" dirty="0"/>
-              <a:t>($</a:t>
-            </a:r>
-            <a:r>
-              <a:rPr lang="en-US" altLang="zh-CN" sz="2000" dirty="0" err="1"/>
-              <a:t>c,CURLOPT_SSL_VERIFYPEER,false</a:t>
-            </a:r>
-            <a:r>
-              <a:rPr lang="en-US" altLang="zh-CN" sz="2000" dirty="0"/>
-              <a:t>);</a:t>
-            </a:r>
-          </a:p>
-          <a:p>
-            <a:pPr lvl="1">
-              <a:lnSpc>
-                <a:spcPts val="2400"/>
-              </a:lnSpc>
-            </a:pPr>
-            <a:r>
-              <a:rPr lang="en-US" altLang="zh-CN" sz="2000" dirty="0"/>
-              <a:t>$ret = </a:t>
-            </a:r>
-            <a:r>
-              <a:rPr lang="en-US" altLang="zh-CN" sz="2000" dirty="0" err="1"/>
-              <a:t>curl_exec</a:t>
-            </a:r>
-            <a:r>
-              <a:rPr lang="en-US" altLang="zh-CN" sz="2000" dirty="0"/>
-              <a:t>($c);</a:t>
-            </a:r>
-          </a:p>
-          <a:p>
-            <a:pPr lvl="1">
-              <a:lnSpc>
-                <a:spcPts val="2400"/>
-              </a:lnSpc>
-            </a:pPr>
-            <a:r>
-              <a:rPr lang="en-US" altLang="zh-CN" sz="2000" dirty="0" err="1"/>
-              <a:t>curl_close</a:t>
-            </a:r>
-            <a:r>
-              <a:rPr lang="en-US" altLang="zh-CN" sz="2000" dirty="0"/>
-              <a:t>($c);</a:t>
-            </a:r>
-          </a:p>
-          <a:p>
-            <a:pPr lvl="1">
-              <a:lnSpc>
-                <a:spcPts val="2400"/>
-              </a:lnSpc>
-            </a:pPr>
-            <a:r>
-              <a:rPr lang="en-US" altLang="zh-CN" sz="2000" dirty="0"/>
-              <a:t>echo $ret;</a:t>
-            </a:r>
-            <a:endParaRPr lang="en-US" altLang="zh-CN" sz="2000" dirty="0" smtClean="0"/>
-          </a:p>
-        </p:txBody>
-      </p:sp>
-    </p:spTree>
-    <p:extLst>
-      <p:ext uri="{BB962C8B-B14F-4D97-AF65-F5344CB8AC3E}">
-        <p14:creationId xmlns:p14="http://schemas.microsoft.com/office/powerpoint/2010/main" val="3188514249"/>
-      </p:ext>
-    </p:extLst>
-  </p:cSld>
-  <p:clrMapOvr>
-    <a:masterClrMapping/>
-  </p:clrMapOvr>
-  <p:timing>
-    <p:tnLst>
-      <p:par>
-        <p:cTn id="1" dur="indefinite" restart="never" nodeType="tmRoot"/>
-      </p:par>
-    </p:tnLst>
-  </p:timing>
-</p:sld>
-</file>
-
-<file path=ppt/slides/slide27.xml><?xml version="1.0" encoding="utf-8"?>
-<p:sld xmlns:a="http://schemas.openxmlformats.org/drawingml/2006/main" xmlns:r="http://schemas.openxmlformats.org/officeDocument/2006/relationships" xmlns:p="http://schemas.openxmlformats.org/presentationml/2006/main">
-  <p:cSld>
-    <p:spTree>
-      <p:nvGrpSpPr>
-        <p:cNvPr id="1" name=""/>
-        <p:cNvGrpSpPr/>
-        <p:nvPr/>
-      </p:nvGrpSpPr>
-      <p:grpSpPr>
-        <a:xfrm>
-          <a:off x="0" y="0"/>
-          <a:ext cx="0" cy="0"/>
-          <a:chOff x="0" y="0"/>
-          <a:chExt cx="0" cy="0"/>
-        </a:xfrm>
-      </p:grpSpPr>
-      <p:sp>
-        <p:nvSpPr>
-          <p:cNvPr id="3" name="内容占位符 2"/>
-          <p:cNvSpPr>
-            <a:spLocks noGrp="1"/>
-          </p:cNvSpPr>
-          <p:nvPr>
-            <p:ph sz="quarter" idx="15"/>
-          </p:nvPr>
-        </p:nvSpPr>
-        <p:spPr/>
-        <p:txBody>
-          <a:bodyPr/>
-          <a:lstStyle/>
-          <a:p>
-            <a:r>
-              <a:rPr lang="zh-CN" altLang="en-US" dirty="0" smtClean="0"/>
-              <a:t>实现自定义</a:t>
-            </a:r>
-            <a:r>
-              <a:rPr lang="zh-CN" altLang="en-US" dirty="0"/>
-              <a:t>菜单</a:t>
-            </a:r>
-          </a:p>
-        </p:txBody>
-      </p:sp>
-      <p:sp>
-        <p:nvSpPr>
-          <p:cNvPr id="6" name="文本框 5"/>
-          <p:cNvSpPr txBox="1"/>
-          <p:nvPr/>
-        </p:nvSpPr>
-        <p:spPr>
-          <a:xfrm>
-            <a:off x="917622" y="1603874"/>
-            <a:ext cx="10498455" cy="2862322"/>
-          </a:xfrm>
-          <a:prstGeom prst="rect">
-            <a:avLst/>
-          </a:prstGeom>
-          <a:noFill/>
-        </p:spPr>
-        <p:txBody>
-          <a:bodyPr wrap="square" rtlCol="0">
-            <a:spAutoFit/>
-          </a:bodyPr>
-          <a:lstStyle/>
-          <a:p>
-            <a:pPr marL="342900" indent="-342900">
-              <a:lnSpc>
-                <a:spcPct val="150000"/>
-              </a:lnSpc>
-              <a:buFont typeface="Arial" panose="020B0604020202020204" pitchFamily="34" charset="0"/>
-              <a:buChar char="•"/>
-            </a:pPr>
-            <a:r>
-              <a:rPr lang="zh-CN" altLang="en-US" sz="2000" dirty="0" smtClean="0">
-                <a:latin typeface="微软雅黑" panose="020B0503020204020204" pitchFamily="34" charset="-122"/>
-                <a:ea typeface="微软雅黑" panose="020B0503020204020204" pitchFamily="34" charset="-122"/>
-              </a:rPr>
-              <a:t>在以上代码基础上实现自定义菜单功能：</a:t>
-            </a:r>
-            <a:r>
-              <a:rPr lang="en-US" altLang="zh-CN" sz="2000" dirty="0">
-                <a:latin typeface="微软雅黑" panose="020B0503020204020204" pitchFamily="34" charset="-122"/>
-                <a:ea typeface="微软雅黑" panose="020B0503020204020204" pitchFamily="34" charset="-122"/>
-              </a:rPr>
-              <a:t> </a:t>
-            </a:r>
-            <a:r>
-              <a:rPr lang="en-US" altLang="zh-CN" sz="2000" dirty="0" smtClean="0">
-                <a:latin typeface="微软雅黑" panose="020B0503020204020204" pitchFamily="34" charset="-122"/>
-                <a:ea typeface="微软雅黑" panose="020B0503020204020204" pitchFamily="34" charset="-122"/>
-                <a:hlinkClick r:id="rId2"/>
-              </a:rPr>
-              <a:t>https</a:t>
-            </a:r>
-            <a:r>
-              <a:rPr lang="en-US" altLang="zh-CN" sz="2000" dirty="0">
-                <a:latin typeface="微软雅黑" panose="020B0503020204020204" pitchFamily="34" charset="-122"/>
-                <a:ea typeface="微软雅黑" panose="020B0503020204020204" pitchFamily="34" charset="-122"/>
-                <a:hlinkClick r:id="rId2"/>
-              </a:rPr>
-              <a:t>://</a:t>
-            </a:r>
-            <a:r>
-              <a:rPr lang="en-US" altLang="zh-CN" sz="2000" dirty="0" smtClean="0">
-                <a:latin typeface="微软雅黑" panose="020B0503020204020204" pitchFamily="34" charset="-122"/>
-                <a:ea typeface="微软雅黑" panose="020B0503020204020204" pitchFamily="34" charset="-122"/>
-                <a:hlinkClick r:id="rId2"/>
-              </a:rPr>
-              <a:t>api.weixin.qq.com/cgi-bin/menu/create?access_token=ACCESS_TOKEN</a:t>
-            </a:r>
-            <a:r>
-              <a:rPr lang="zh-CN" altLang="en-US" sz="2000" dirty="0" smtClean="0">
-                <a:latin typeface="微软雅黑" panose="020B0503020204020204" pitchFamily="34" charset="-122"/>
-                <a:ea typeface="微软雅黑" panose="020B0503020204020204" pitchFamily="34" charset="-122"/>
-              </a:rPr>
-              <a:t>是创建自定义菜单的接口，把之前获取到的</a:t>
-            </a:r>
-            <a:r>
-              <a:rPr lang="en-US" altLang="zh-CN" sz="2000" dirty="0" err="1" smtClean="0">
-                <a:latin typeface="微软雅黑" panose="020B0503020204020204" pitchFamily="34" charset="-122"/>
-                <a:ea typeface="微软雅黑" panose="020B0503020204020204" pitchFamily="34" charset="-122"/>
-              </a:rPr>
-              <a:t>access_token</a:t>
-            </a:r>
-            <a:r>
-              <a:rPr lang="zh-CN" altLang="en-US" sz="2000" dirty="0" smtClean="0">
-                <a:latin typeface="微软雅黑" panose="020B0503020204020204" pitchFamily="34" charset="-122"/>
-                <a:ea typeface="微软雅黑" panose="020B0503020204020204" pitchFamily="34" charset="-122"/>
-              </a:rPr>
-              <a:t>作为</a:t>
-            </a:r>
-            <a:r>
-              <a:rPr lang="en-US" altLang="zh-CN" sz="2000" dirty="0" smtClean="0">
-                <a:latin typeface="微软雅黑" panose="020B0503020204020204" pitchFamily="34" charset="-122"/>
-                <a:ea typeface="微软雅黑" panose="020B0503020204020204" pitchFamily="34" charset="-122"/>
-              </a:rPr>
-              <a:t>get</a:t>
-            </a:r>
-            <a:r>
-              <a:rPr lang="zh-CN" altLang="en-US" sz="2000" dirty="0" smtClean="0">
-                <a:latin typeface="微软雅黑" panose="020B0503020204020204" pitchFamily="34" charset="-122"/>
-                <a:ea typeface="微软雅黑" panose="020B0503020204020204" pitchFamily="34" charset="-122"/>
-              </a:rPr>
-              <a:t>参数，</a:t>
-            </a:r>
-            <a:r>
-              <a:rPr lang="en-US" altLang="zh-CN" sz="2000" dirty="0" smtClean="0">
-                <a:latin typeface="微软雅黑" panose="020B0503020204020204" pitchFamily="34" charset="-122"/>
-                <a:ea typeface="微软雅黑" panose="020B0503020204020204" pitchFamily="34" charset="-122"/>
-              </a:rPr>
-              <a:t>JSON</a:t>
-            </a:r>
-            <a:r>
-              <a:rPr lang="zh-CN" altLang="en-US" sz="2000" dirty="0" smtClean="0">
-                <a:latin typeface="微软雅黑" panose="020B0503020204020204" pitchFamily="34" charset="-122"/>
-                <a:ea typeface="微软雅黑" panose="020B0503020204020204" pitchFamily="34" charset="-122"/>
-              </a:rPr>
-              <a:t>格式的文本数据使用</a:t>
-            </a:r>
-            <a:r>
-              <a:rPr lang="en-US" altLang="zh-CN" sz="2000" dirty="0" smtClean="0">
-                <a:latin typeface="微软雅黑" panose="020B0503020204020204" pitchFamily="34" charset="-122"/>
-                <a:ea typeface="微软雅黑" panose="020B0503020204020204" pitchFamily="34" charset="-122"/>
-              </a:rPr>
-              <a:t>POST</a:t>
-            </a:r>
-            <a:r>
-              <a:rPr lang="zh-CN" altLang="en-US" sz="2000" dirty="0" smtClean="0">
-                <a:latin typeface="微软雅黑" panose="020B0503020204020204" pitchFamily="34" charset="-122"/>
-                <a:ea typeface="微软雅黑" panose="020B0503020204020204" pitchFamily="34" charset="-122"/>
-              </a:rPr>
-              <a:t>传递。</a:t>
-            </a:r>
-            <a:endParaRPr lang="en-US" altLang="zh-CN" sz="2000" dirty="0" smtClean="0">
-              <a:latin typeface="微软雅黑" panose="020B0503020204020204" pitchFamily="34" charset="-122"/>
-              <a:ea typeface="微软雅黑" panose="020B0503020204020204" pitchFamily="34" charset="-122"/>
-            </a:endParaRPr>
-          </a:p>
-          <a:p>
-            <a:pPr marL="342900" indent="-342900">
-              <a:lnSpc>
-                <a:spcPct val="150000"/>
-              </a:lnSpc>
-              <a:buFont typeface="Arial" panose="020B0604020202020204" pitchFamily="34" charset="0"/>
-              <a:buChar char="•"/>
-            </a:pPr>
-            <a:r>
-              <a:rPr lang="zh-CN" altLang="en-US" sz="2000" dirty="0">
-                <a:latin typeface="微软雅黑" panose="020B0503020204020204" pitchFamily="34" charset="-122"/>
-                <a:ea typeface="微软雅黑" panose="020B0503020204020204" pitchFamily="34" charset="-122"/>
-              </a:rPr>
-              <a:t>返回</a:t>
-            </a:r>
-            <a:r>
-              <a:rPr lang="zh-CN" altLang="en-US" sz="2000" dirty="0" smtClean="0">
-                <a:latin typeface="微软雅黑" panose="020B0503020204020204" pitchFamily="34" charset="-122"/>
-                <a:ea typeface="微软雅黑" panose="020B0503020204020204" pitchFamily="34" charset="-122"/>
-              </a:rPr>
-              <a:t>值为</a:t>
-            </a:r>
-            <a:r>
-              <a:rPr lang="en-US" altLang="zh-CN" sz="2000" dirty="0" smtClean="0">
-                <a:latin typeface="微软雅黑" panose="020B0503020204020204" pitchFamily="34" charset="-122"/>
-                <a:ea typeface="微软雅黑" panose="020B0503020204020204" pitchFamily="34" charset="-122"/>
-              </a:rPr>
-              <a:t>JSON</a:t>
-            </a:r>
-            <a:r>
-              <a:rPr lang="zh-CN" altLang="en-US" sz="2000" dirty="0" smtClean="0">
-                <a:latin typeface="微软雅黑" panose="020B0503020204020204" pitchFamily="34" charset="-122"/>
-                <a:ea typeface="微软雅黑" panose="020B0503020204020204" pitchFamily="34" charset="-122"/>
-              </a:rPr>
-              <a:t>格式的文本数据：</a:t>
-            </a:r>
-            <a:endParaRPr lang="en-US" altLang="zh-CN" sz="2000" dirty="0" smtClean="0">
-              <a:latin typeface="微软雅黑" panose="020B0503020204020204" pitchFamily="34" charset="-122"/>
-              <a:ea typeface="微软雅黑" panose="020B0503020204020204" pitchFamily="34" charset="-122"/>
-            </a:endParaRPr>
-          </a:p>
-          <a:p>
-            <a:pPr lvl="1">
-              <a:lnSpc>
-                <a:spcPct val="150000"/>
-              </a:lnSpc>
-            </a:pPr>
-            <a:r>
-              <a:rPr lang="zh-CN" altLang="en-US" sz="2000" dirty="0" smtClean="0">
-                <a:latin typeface="微软雅黑" panose="020B0503020204020204" pitchFamily="34" charset="-122"/>
-                <a:ea typeface="微软雅黑" panose="020B0503020204020204" pitchFamily="34" charset="-122"/>
-              </a:rPr>
-              <a:t>正确返回数据格式：</a:t>
-            </a:r>
-            <a:r>
-              <a:rPr lang="en-US" altLang="zh-CN" sz="2000" dirty="0">
-                <a:latin typeface="微软雅黑" panose="020B0503020204020204" pitchFamily="34" charset="-122"/>
-                <a:ea typeface="微软雅黑" panose="020B0503020204020204" pitchFamily="34" charset="-122"/>
-              </a:rPr>
-              <a:t>{"errcode":0,"errmsg":"ok</a:t>
-            </a:r>
-            <a:r>
-              <a:rPr lang="en-US" altLang="zh-CN" sz="2000" dirty="0" smtClean="0">
-                <a:latin typeface="微软雅黑" panose="020B0503020204020204" pitchFamily="34" charset="-122"/>
-                <a:ea typeface="微软雅黑" panose="020B0503020204020204" pitchFamily="34" charset="-122"/>
-              </a:rPr>
-              <a:t>"}</a:t>
-            </a:r>
-          </a:p>
-          <a:p>
-            <a:pPr lvl="1">
-              <a:lnSpc>
-                <a:spcPct val="150000"/>
-              </a:lnSpc>
-            </a:pPr>
-            <a:r>
-              <a:rPr lang="zh-CN" altLang="en-US" sz="2000" dirty="0" smtClean="0">
-                <a:latin typeface="微软雅黑" panose="020B0503020204020204" pitchFamily="34" charset="-122"/>
-                <a:ea typeface="微软雅黑" panose="020B0503020204020204" pitchFamily="34" charset="-122"/>
-              </a:rPr>
-              <a:t>错误返回数据格式：</a:t>
-            </a:r>
-            <a:r>
-              <a:rPr lang="en-US" altLang="zh-CN" sz="2000" dirty="0">
-                <a:latin typeface="微软雅黑" panose="020B0503020204020204" pitchFamily="34" charset="-122"/>
-                <a:ea typeface="微软雅黑" panose="020B0503020204020204" pitchFamily="34" charset="-122"/>
-              </a:rPr>
-              <a:t>{"errcode":40018,"errmsg":"invalid button name size"}</a:t>
-            </a:r>
-            <a:endParaRPr lang="zh-CN" altLang="en-US" sz="2000" dirty="0">
-              <a:latin typeface="微软雅黑" panose="020B0503020204020204" pitchFamily="34" charset="-122"/>
-              <a:ea typeface="微软雅黑" panose="020B0503020204020204" pitchFamily="34" charset="-122"/>
-            </a:endParaRPr>
-          </a:p>
-        </p:txBody>
-      </p:sp>
-    </p:spTree>
-    <p:extLst>
-      <p:ext uri="{BB962C8B-B14F-4D97-AF65-F5344CB8AC3E}">
-        <p14:creationId xmlns:p14="http://schemas.microsoft.com/office/powerpoint/2010/main" val="2026224558"/>
-      </p:ext>
-    </p:extLst>
-  </p:cSld>
-  <p:clrMapOvr>
-    <a:masterClrMapping/>
-  </p:clrMapOvr>
-  <p:timing>
-    <p:tnLst>
-      <p:par>
-        <p:cTn id="1" dur="indefinite" restart="never" nodeType="tmRoot"/>
-      </p:par>
-    </p:tnLst>
-  </p:timing>
-</p:sld>
-</file>
-
-<file path=ppt/slides/slide28.xml><?xml version="1.0" encoding="utf-8"?>
-<p:sld xmlns:a="http://schemas.openxmlformats.org/drawingml/2006/main" xmlns:r="http://schemas.openxmlformats.org/officeDocument/2006/relationships" xmlns:p="http://schemas.openxmlformats.org/presentationml/2006/main">
-  <p:cSld>
-    <p:spTree>
-      <p:nvGrpSpPr>
-        <p:cNvPr id="1" name=""/>
-        <p:cNvGrpSpPr/>
-        <p:nvPr/>
-      </p:nvGrpSpPr>
-      <p:grpSpPr>
-        <a:xfrm>
-          <a:off x="0" y="0"/>
-          <a:ext cx="0" cy="0"/>
-          <a:chOff x="0" y="0"/>
-          <a:chExt cx="0" cy="0"/>
-        </a:xfrm>
-      </p:grpSpPr>
-      <p:sp>
-        <p:nvSpPr>
-          <p:cNvPr id="2" name="内容占位符 1"/>
-          <p:cNvSpPr>
-            <a:spLocks noGrp="1"/>
-          </p:cNvSpPr>
-          <p:nvPr>
-            <p:ph sz="quarter" idx="13"/>
-          </p:nvPr>
-        </p:nvSpPr>
-        <p:spPr>
-          <a:xfrm>
-            <a:off x="1054100" y="543636"/>
-            <a:ext cx="6546850" cy="685800"/>
-          </a:xfrm>
-        </p:spPr>
-        <p:txBody>
-          <a:bodyPr/>
-          <a:lstStyle/>
-          <a:p>
-            <a:r>
-              <a:rPr lang="en-US" altLang="zh-CN" dirty="0" smtClean="0"/>
-              <a:t>JSON</a:t>
-            </a:r>
-            <a:r>
-              <a:rPr lang="zh-CN" altLang="en-US" dirty="0" smtClean="0"/>
-              <a:t>格式的字符串</a:t>
-            </a:r>
-            <a:endParaRPr lang="zh-CN" altLang="en-US" dirty="0"/>
-          </a:p>
-        </p:txBody>
-      </p:sp>
-      <p:sp>
-        <p:nvSpPr>
-          <p:cNvPr id="4" name="文本框 3"/>
-          <p:cNvSpPr txBox="1"/>
-          <p:nvPr/>
-        </p:nvSpPr>
-        <p:spPr>
-          <a:xfrm>
-            <a:off x="2425700" y="1831300"/>
-            <a:ext cx="4960938" cy="4401205"/>
-          </a:xfrm>
-          <a:prstGeom prst="rect">
-            <a:avLst/>
-          </a:prstGeom>
-          <a:noFill/>
-        </p:spPr>
-        <p:txBody>
-          <a:bodyPr wrap="square" rtlCol="0">
-            <a:spAutoFit/>
-          </a:bodyPr>
-          <a:lstStyle/>
-          <a:p>
-            <a:r>
-              <a:rPr lang="en-US" altLang="zh-CN" sz="2000" dirty="0" smtClean="0">
-                <a:latin typeface="微软雅黑" panose="020B0503020204020204" pitchFamily="34" charset="-122"/>
-                <a:ea typeface="微软雅黑" panose="020B0503020204020204" pitchFamily="34" charset="-122"/>
-              </a:rPr>
-              <a:t>'{</a:t>
-            </a:r>
-          </a:p>
-          <a:p>
-            <a:r>
-              <a:rPr lang="en-US" altLang="zh-CN" sz="2000" dirty="0" smtClean="0">
-                <a:latin typeface="微软雅黑" panose="020B0503020204020204" pitchFamily="34" charset="-122"/>
-                <a:ea typeface="微软雅黑" panose="020B0503020204020204" pitchFamily="34" charset="-122"/>
-              </a:rPr>
-              <a:t>  "</a:t>
-            </a:r>
-            <a:r>
-              <a:rPr lang="en-US" altLang="zh-CN" sz="2000" dirty="0">
-                <a:latin typeface="微软雅黑" panose="020B0503020204020204" pitchFamily="34" charset="-122"/>
-                <a:ea typeface="微软雅黑" panose="020B0503020204020204" pitchFamily="34" charset="-122"/>
-              </a:rPr>
-              <a:t>button":[</a:t>
-            </a:r>
-          </a:p>
-          <a:p>
-            <a:r>
-              <a:rPr lang="en-US" altLang="zh-CN" sz="2000" dirty="0">
-                <a:latin typeface="微软雅黑" panose="020B0503020204020204" pitchFamily="34" charset="-122"/>
-                <a:ea typeface="微软雅黑" panose="020B0503020204020204" pitchFamily="34" charset="-122"/>
-              </a:rPr>
-              <a:t>    </a:t>
-            </a:r>
-            <a:r>
-              <a:rPr lang="en-US" altLang="zh-CN" sz="2000" dirty="0" smtClean="0">
-                <a:latin typeface="微软雅黑" panose="020B0503020204020204" pitchFamily="34" charset="-122"/>
-                <a:ea typeface="微软雅黑" panose="020B0503020204020204" pitchFamily="34" charset="-122"/>
-              </a:rPr>
-              <a:t> {</a:t>
-            </a:r>
-          </a:p>
-          <a:p>
-            <a:r>
-              <a:rPr lang="en-US" altLang="zh-CN" sz="2000" dirty="0">
-                <a:latin typeface="微软雅黑" panose="020B0503020204020204" pitchFamily="34" charset="-122"/>
-                <a:ea typeface="微软雅黑" panose="020B0503020204020204" pitchFamily="34" charset="-122"/>
-              </a:rPr>
-              <a:t> </a:t>
-            </a:r>
-            <a:r>
-              <a:rPr lang="en-US" altLang="zh-CN" sz="2000" dirty="0" smtClean="0">
-                <a:latin typeface="微软雅黑" panose="020B0503020204020204" pitchFamily="34" charset="-122"/>
-                <a:ea typeface="微软雅黑" panose="020B0503020204020204" pitchFamily="34" charset="-122"/>
-              </a:rPr>
-              <a:t>        "</a:t>
-            </a:r>
-            <a:r>
-              <a:rPr lang="en-US" altLang="zh-CN" sz="2000" dirty="0">
-                <a:latin typeface="微软雅黑" panose="020B0503020204020204" pitchFamily="34" charset="-122"/>
-                <a:ea typeface="微软雅黑" panose="020B0503020204020204" pitchFamily="34" charset="-122"/>
-              </a:rPr>
-              <a:t>name":"</a:t>
-            </a:r>
-            <a:r>
-              <a:rPr lang="zh-CN" altLang="en-US" sz="2000" dirty="0">
-                <a:latin typeface="微软雅黑" panose="020B0503020204020204" pitchFamily="34" charset="-122"/>
-                <a:ea typeface="微软雅黑" panose="020B0503020204020204" pitchFamily="34" charset="-122"/>
-              </a:rPr>
-              <a:t>搜索</a:t>
-            </a:r>
-            <a:r>
-              <a:rPr lang="en-US" altLang="zh-CN" sz="2000" dirty="0">
-                <a:latin typeface="微软雅黑" panose="020B0503020204020204" pitchFamily="34" charset="-122"/>
-                <a:ea typeface="微软雅黑" panose="020B0503020204020204" pitchFamily="34" charset="-122"/>
-              </a:rPr>
-              <a:t>",</a:t>
-            </a:r>
-          </a:p>
-          <a:p>
-            <a:r>
-              <a:rPr lang="en-US" altLang="zh-CN" sz="2000" dirty="0">
-                <a:latin typeface="微软雅黑" panose="020B0503020204020204" pitchFamily="34" charset="-122"/>
-                <a:ea typeface="微软雅黑" panose="020B0503020204020204" pitchFamily="34" charset="-122"/>
-              </a:rPr>
-              <a:t>      </a:t>
-            </a:r>
-            <a:r>
-              <a:rPr lang="en-US" altLang="zh-CN" sz="2000" dirty="0" smtClean="0">
-                <a:latin typeface="微软雅黑" panose="020B0503020204020204" pitchFamily="34" charset="-122"/>
-                <a:ea typeface="微软雅黑" panose="020B0503020204020204" pitchFamily="34" charset="-122"/>
-              </a:rPr>
-              <a:t>   "</a:t>
-            </a:r>
-            <a:r>
-              <a:rPr lang="en-US" altLang="zh-CN" sz="2000" dirty="0" err="1">
-                <a:latin typeface="微软雅黑" panose="020B0503020204020204" pitchFamily="34" charset="-122"/>
-                <a:ea typeface="微软雅黑" panose="020B0503020204020204" pitchFamily="34" charset="-122"/>
-              </a:rPr>
-              <a:t>sub_button</a:t>
-            </a:r>
-            <a:r>
-              <a:rPr lang="en-US" altLang="zh-CN" sz="2000" dirty="0">
-                <a:latin typeface="微软雅黑" panose="020B0503020204020204" pitchFamily="34" charset="-122"/>
-                <a:ea typeface="微软雅黑" panose="020B0503020204020204" pitchFamily="34" charset="-122"/>
-              </a:rPr>
-              <a:t>":[</a:t>
-            </a:r>
-          </a:p>
-          <a:p>
-            <a:r>
-              <a:rPr lang="en-US" altLang="zh-CN" sz="2000" dirty="0">
-                <a:latin typeface="微软雅黑" panose="020B0503020204020204" pitchFamily="34" charset="-122"/>
-                <a:ea typeface="微软雅黑" panose="020B0503020204020204" pitchFamily="34" charset="-122"/>
-              </a:rPr>
-              <a:t>        </a:t>
-            </a:r>
-            <a:r>
-              <a:rPr lang="en-US" altLang="zh-CN" sz="2000" dirty="0" smtClean="0">
-                <a:latin typeface="微软雅黑" panose="020B0503020204020204" pitchFamily="34" charset="-122"/>
-                <a:ea typeface="微软雅黑" panose="020B0503020204020204" pitchFamily="34" charset="-122"/>
-              </a:rPr>
-              <a:t>     {</a:t>
-            </a:r>
-            <a:endParaRPr lang="en-US" altLang="zh-CN" sz="2000" dirty="0">
-              <a:latin typeface="微软雅黑" panose="020B0503020204020204" pitchFamily="34" charset="-122"/>
-              <a:ea typeface="微软雅黑" panose="020B0503020204020204" pitchFamily="34" charset="-122"/>
-            </a:endParaRPr>
-          </a:p>
-          <a:p>
-            <a:r>
-              <a:rPr lang="en-US" altLang="zh-CN" sz="2000" dirty="0">
-                <a:latin typeface="微软雅黑" panose="020B0503020204020204" pitchFamily="34" charset="-122"/>
-                <a:ea typeface="微软雅黑" panose="020B0503020204020204" pitchFamily="34" charset="-122"/>
-              </a:rPr>
-              <a:t>          </a:t>
-            </a:r>
-            <a:r>
-              <a:rPr lang="en-US" altLang="zh-CN" sz="2000" dirty="0" smtClean="0">
-                <a:latin typeface="微软雅黑" panose="020B0503020204020204" pitchFamily="34" charset="-122"/>
-                <a:ea typeface="微软雅黑" panose="020B0503020204020204" pitchFamily="34" charset="-122"/>
-              </a:rPr>
-              <a:t>      "</a:t>
-            </a:r>
-            <a:r>
-              <a:rPr lang="en-US" altLang="zh-CN" sz="2000" dirty="0" err="1">
-                <a:latin typeface="微软雅黑" panose="020B0503020204020204" pitchFamily="34" charset="-122"/>
-                <a:ea typeface="微软雅黑" panose="020B0503020204020204" pitchFamily="34" charset="-122"/>
-              </a:rPr>
-              <a:t>type":"view</a:t>
-            </a:r>
-            <a:r>
-              <a:rPr lang="en-US" altLang="zh-CN" sz="2000" dirty="0">
-                <a:latin typeface="微软雅黑" panose="020B0503020204020204" pitchFamily="34" charset="-122"/>
-                <a:ea typeface="微软雅黑" panose="020B0503020204020204" pitchFamily="34" charset="-122"/>
-              </a:rPr>
-              <a:t>",</a:t>
-            </a:r>
-          </a:p>
-          <a:p>
-            <a:r>
-              <a:rPr lang="en-US" altLang="zh-CN" sz="2000" dirty="0">
-                <a:latin typeface="微软雅黑" panose="020B0503020204020204" pitchFamily="34" charset="-122"/>
-                <a:ea typeface="微软雅黑" panose="020B0503020204020204" pitchFamily="34" charset="-122"/>
-              </a:rPr>
-              <a:t>          </a:t>
-            </a:r>
-            <a:r>
-              <a:rPr lang="en-US" altLang="zh-CN" sz="2000" dirty="0" smtClean="0">
-                <a:latin typeface="微软雅黑" panose="020B0503020204020204" pitchFamily="34" charset="-122"/>
-                <a:ea typeface="微软雅黑" panose="020B0503020204020204" pitchFamily="34" charset="-122"/>
-              </a:rPr>
-              <a:t>      "</a:t>
-            </a:r>
-            <a:r>
-              <a:rPr lang="en-US" altLang="zh-CN" sz="2000" dirty="0" err="1">
-                <a:latin typeface="微软雅黑" panose="020B0503020204020204" pitchFamily="34" charset="-122"/>
-                <a:ea typeface="微软雅黑" panose="020B0503020204020204" pitchFamily="34" charset="-122"/>
-              </a:rPr>
-              <a:t>name":"Bing</a:t>
-            </a:r>
-            <a:r>
-              <a:rPr lang="en-US" altLang="zh-CN" sz="2000" dirty="0">
-                <a:latin typeface="微软雅黑" panose="020B0503020204020204" pitchFamily="34" charset="-122"/>
-                <a:ea typeface="微软雅黑" panose="020B0503020204020204" pitchFamily="34" charset="-122"/>
-              </a:rPr>
-              <a:t>",</a:t>
-            </a:r>
-          </a:p>
-          <a:p>
-            <a:r>
-              <a:rPr lang="en-US" altLang="zh-CN" sz="2000" dirty="0">
-                <a:latin typeface="微软雅黑" panose="020B0503020204020204" pitchFamily="34" charset="-122"/>
-                <a:ea typeface="微软雅黑" panose="020B0503020204020204" pitchFamily="34" charset="-122"/>
-              </a:rPr>
-              <a:t>          </a:t>
-            </a:r>
-            <a:r>
-              <a:rPr lang="en-US" altLang="zh-CN" sz="2000" dirty="0" smtClean="0">
-                <a:latin typeface="微软雅黑" panose="020B0503020204020204" pitchFamily="34" charset="-122"/>
-                <a:ea typeface="微软雅黑" panose="020B0503020204020204" pitchFamily="34" charset="-122"/>
-              </a:rPr>
-              <a:t>      "</a:t>
-            </a:r>
-            <a:r>
-              <a:rPr lang="en-US" altLang="zh-CN" sz="2000" dirty="0" err="1">
-                <a:latin typeface="微软雅黑" panose="020B0503020204020204" pitchFamily="34" charset="-122"/>
-                <a:ea typeface="微软雅黑" panose="020B0503020204020204" pitchFamily="34" charset="-122"/>
-              </a:rPr>
-              <a:t>url</a:t>
-            </a:r>
-            <a:r>
-              <a:rPr lang="en-US" altLang="zh-CN" sz="2000" dirty="0">
-                <a:latin typeface="微软雅黑" panose="020B0503020204020204" pitchFamily="34" charset="-122"/>
-                <a:ea typeface="微软雅黑" panose="020B0503020204020204" pitchFamily="34" charset="-122"/>
-              </a:rPr>
-              <a:t>":"http://cn.bing.com/"</a:t>
-            </a:r>
-          </a:p>
-          <a:p>
-            <a:r>
-              <a:rPr lang="en-US" altLang="zh-CN" sz="2000" dirty="0">
-                <a:latin typeface="微软雅黑" panose="020B0503020204020204" pitchFamily="34" charset="-122"/>
-                <a:ea typeface="微软雅黑" panose="020B0503020204020204" pitchFamily="34" charset="-122"/>
-              </a:rPr>
-              <a:t>        </a:t>
-            </a:r>
-            <a:r>
-              <a:rPr lang="en-US" altLang="zh-CN" sz="2000" dirty="0" smtClean="0">
-                <a:latin typeface="微软雅黑" panose="020B0503020204020204" pitchFamily="34" charset="-122"/>
-                <a:ea typeface="微软雅黑" panose="020B0503020204020204" pitchFamily="34" charset="-122"/>
-              </a:rPr>
-              <a:t>     }</a:t>
-            </a:r>
-          </a:p>
-          <a:p>
-            <a:r>
-              <a:rPr lang="en-US" altLang="zh-CN" sz="2000" dirty="0">
-                <a:latin typeface="微软雅黑" panose="020B0503020204020204" pitchFamily="34" charset="-122"/>
-                <a:ea typeface="微软雅黑" panose="020B0503020204020204" pitchFamily="34" charset="-122"/>
-              </a:rPr>
-              <a:t> </a:t>
-            </a:r>
-            <a:r>
-              <a:rPr lang="en-US" altLang="zh-CN" sz="2000" dirty="0" smtClean="0">
-                <a:latin typeface="微软雅黑" panose="020B0503020204020204" pitchFamily="34" charset="-122"/>
-                <a:ea typeface="微软雅黑" panose="020B0503020204020204" pitchFamily="34" charset="-122"/>
-              </a:rPr>
-              <a:t>        ]</a:t>
-            </a:r>
-            <a:endParaRPr lang="en-US" altLang="zh-CN" sz="2000" dirty="0">
-              <a:latin typeface="微软雅黑" panose="020B0503020204020204" pitchFamily="34" charset="-122"/>
-              <a:ea typeface="微软雅黑" panose="020B0503020204020204" pitchFamily="34" charset="-122"/>
-            </a:endParaRPr>
-          </a:p>
-          <a:p>
-            <a:r>
-              <a:rPr lang="en-US" altLang="zh-CN" sz="2000" dirty="0">
-                <a:latin typeface="微软雅黑" panose="020B0503020204020204" pitchFamily="34" charset="-122"/>
-                <a:ea typeface="微软雅黑" panose="020B0503020204020204" pitchFamily="34" charset="-122"/>
-              </a:rPr>
-              <a:t>    </a:t>
-            </a:r>
-            <a:r>
-              <a:rPr lang="en-US" altLang="zh-CN" sz="2000" dirty="0" smtClean="0">
-                <a:latin typeface="微软雅黑" panose="020B0503020204020204" pitchFamily="34" charset="-122"/>
-                <a:ea typeface="微软雅黑" panose="020B0503020204020204" pitchFamily="34" charset="-122"/>
-              </a:rPr>
-              <a:t> },</a:t>
-            </a:r>
-            <a:endParaRPr lang="en-US" altLang="zh-CN" sz="2000" dirty="0">
-              <a:latin typeface="微软雅黑" panose="020B0503020204020204" pitchFamily="34" charset="-122"/>
-              <a:ea typeface="微软雅黑" panose="020B0503020204020204" pitchFamily="34" charset="-122"/>
-            </a:endParaRPr>
-          </a:p>
-          <a:p>
-            <a:r>
-              <a:rPr lang="en-US" altLang="zh-CN" sz="2000" dirty="0" smtClean="0">
-                <a:latin typeface="微软雅黑" panose="020B0503020204020204" pitchFamily="34" charset="-122"/>
-                <a:ea typeface="微软雅黑" panose="020B0503020204020204" pitchFamily="34" charset="-122"/>
-              </a:rPr>
-              <a:t>  ]</a:t>
-            </a:r>
-          </a:p>
-          <a:p>
-            <a:r>
-              <a:rPr lang="en-US" altLang="zh-CN" sz="2000" dirty="0" smtClean="0">
-                <a:latin typeface="微软雅黑" panose="020B0503020204020204" pitchFamily="34" charset="-122"/>
-                <a:ea typeface="微软雅黑" panose="020B0503020204020204" pitchFamily="34" charset="-122"/>
-              </a:rPr>
-              <a:t>}';</a:t>
-            </a:r>
-            <a:endParaRPr lang="zh-CN" altLang="en-US" sz="2000" dirty="0">
-              <a:latin typeface="微软雅黑" panose="020B0503020204020204" pitchFamily="34" charset="-122"/>
-              <a:ea typeface="微软雅黑" panose="020B0503020204020204" pitchFamily="34" charset="-122"/>
-            </a:endParaRPr>
-          </a:p>
-        </p:txBody>
-      </p:sp>
-    </p:spTree>
-    <p:extLst>
-      <p:ext uri="{BB962C8B-B14F-4D97-AF65-F5344CB8AC3E}">
-        <p14:creationId xmlns:p14="http://schemas.microsoft.com/office/powerpoint/2010/main" val="2456805677"/>
-      </p:ext>
-    </p:extLst>
-  </p:cSld>
-  <p:clrMapOvr>
-    <a:masterClrMapping/>
-  </p:clrMapOvr>
-</p:sld>
-</file>
-
-<file path=ppt/slides/slide29.xml><?xml version="1.0" encoding="utf-8"?>
-<p:sld xmlns:a="http://schemas.openxmlformats.org/drawingml/2006/main" xmlns:r="http://schemas.openxmlformats.org/officeDocument/2006/relationships" xmlns:p="http://schemas.openxmlformats.org/presentationml/2006/main">
-  <p:cSld>
-    <p:spTree>
-      <p:nvGrpSpPr>
-        <p:cNvPr id="1" name=""/>
-        <p:cNvGrpSpPr/>
-        <p:nvPr/>
-      </p:nvGrpSpPr>
-      <p:grpSpPr>
-        <a:xfrm>
-          <a:off x="0" y="0"/>
-          <a:ext cx="0" cy="0"/>
-          <a:chOff x="0" y="0"/>
-          <a:chExt cx="0" cy="0"/>
-        </a:xfrm>
-      </p:grpSpPr>
-      <p:sp>
-        <p:nvSpPr>
-          <p:cNvPr id="2" name="内容占位符 1"/>
-          <p:cNvSpPr>
-            <a:spLocks noGrp="1"/>
-          </p:cNvSpPr>
-          <p:nvPr>
-            <p:ph sz="quarter" idx="13"/>
-          </p:nvPr>
-        </p:nvSpPr>
-        <p:spPr>
-          <a:xfrm>
-            <a:off x="1054099" y="543636"/>
             <a:ext cx="7432676" cy="685800"/>
           </a:xfrm>
         </p:spPr>
@@ -16449,302 +13923,9 @@
           <a:lstStyle/>
           <a:p>
             <a:r>
-              <a:rPr lang="en-US" altLang="zh-CN" dirty="0" smtClean="0"/>
-              <a:t>CURL</a:t>
-            </a:r>
-            <a:r>
-              <a:rPr lang="zh-CN" altLang="en-US" dirty="0" smtClean="0"/>
-              <a:t>调用创建菜单接口</a:t>
-            </a:r>
-            <a:endParaRPr lang="zh-CN" altLang="en-US" dirty="0"/>
-          </a:p>
-        </p:txBody>
-      </p:sp>
-      <p:sp>
-        <p:nvSpPr>
-          <p:cNvPr id="4" name="文本框 3"/>
-          <p:cNvSpPr txBox="1"/>
-          <p:nvPr/>
-        </p:nvSpPr>
-        <p:spPr>
-          <a:xfrm>
-            <a:off x="1054099" y="1657350"/>
-            <a:ext cx="9661525" cy="4708981"/>
-          </a:xfrm>
-          <a:prstGeom prst="rect">
-            <a:avLst/>
-          </a:prstGeom>
-          <a:noFill/>
-        </p:spPr>
-        <p:txBody>
-          <a:bodyPr wrap="square" rtlCol="0">
-            <a:spAutoFit/>
-          </a:bodyPr>
-          <a:lstStyle/>
-          <a:p>
-            <a:r>
-              <a:rPr lang="en-US" altLang="zh-CN" sz="2000" dirty="0"/>
-              <a:t>$</a:t>
-            </a:r>
-            <a:r>
-              <a:rPr lang="en-US" altLang="zh-CN" sz="2000" dirty="0" err="1"/>
-              <a:t>wx_menu_create_api</a:t>
-            </a:r>
-            <a:r>
-              <a:rPr lang="en-US" altLang="zh-CN" sz="2000" dirty="0"/>
-              <a:t>='https://api.weixin.qq.com/</a:t>
-            </a:r>
-            <a:r>
-              <a:rPr lang="en-US" altLang="zh-CN" sz="2000" dirty="0" err="1"/>
-              <a:t>cgi</a:t>
-            </a:r>
-            <a:r>
-              <a:rPr lang="en-US" altLang="zh-CN" sz="2000" dirty="0"/>
-              <a:t>-bin/menu/</a:t>
-            </a:r>
-            <a:r>
-              <a:rPr lang="en-US" altLang="zh-CN" sz="2000" dirty="0" err="1"/>
-              <a:t>create?access_token</a:t>
-            </a:r>
-            <a:r>
-              <a:rPr lang="en-US" altLang="zh-CN" sz="2000" dirty="0"/>
-              <a:t>=';</a:t>
-            </a:r>
-          </a:p>
-          <a:p>
-            <a:r>
-              <a:rPr lang="en-US" altLang="zh-CN" sz="2000" dirty="0"/>
-              <a:t>$</a:t>
-            </a:r>
-            <a:r>
-              <a:rPr lang="en-US" altLang="zh-CN" sz="2000" dirty="0" err="1"/>
-              <a:t>wx_menu_create_api</a:t>
-            </a:r>
-            <a:r>
-              <a:rPr lang="en-US" altLang="zh-CN" sz="2000" dirty="0"/>
-              <a:t> .= $token['</a:t>
-            </a:r>
-            <a:r>
-              <a:rPr lang="en-US" altLang="zh-CN" sz="2000" dirty="0" err="1"/>
-              <a:t>access_token</a:t>
-            </a:r>
-            <a:r>
-              <a:rPr lang="en-US" altLang="zh-CN" sz="2000" dirty="0"/>
-              <a:t>'];</a:t>
-            </a:r>
-          </a:p>
-          <a:p>
-            <a:endParaRPr lang="en-US" altLang="zh-CN" sz="2000" dirty="0"/>
-          </a:p>
-          <a:p>
-            <a:r>
-              <a:rPr lang="en-US" altLang="zh-CN" sz="2000" dirty="0"/>
-              <a:t>$</a:t>
-            </a:r>
-            <a:r>
-              <a:rPr lang="en-US" altLang="zh-CN" sz="2000" dirty="0" err="1"/>
-              <a:t>mch</a:t>
-            </a:r>
-            <a:r>
-              <a:rPr lang="en-US" altLang="zh-CN" sz="2000" dirty="0"/>
-              <a:t> = </a:t>
-            </a:r>
-            <a:r>
-              <a:rPr lang="en-US" altLang="zh-CN" sz="2000" dirty="0" err="1"/>
-              <a:t>curl_init</a:t>
-            </a:r>
-            <a:r>
-              <a:rPr lang="en-US" altLang="zh-CN" sz="2000" dirty="0"/>
-              <a:t>($</a:t>
-            </a:r>
-            <a:r>
-              <a:rPr lang="en-US" altLang="zh-CN" sz="2000" dirty="0" err="1"/>
-              <a:t>wx_menu_create_api</a:t>
-            </a:r>
-            <a:r>
-              <a:rPr lang="en-US" altLang="zh-CN" sz="2000" dirty="0"/>
-              <a:t>);</a:t>
-            </a:r>
-          </a:p>
-          <a:p>
-            <a:r>
-              <a:rPr lang="en-US" altLang="zh-CN" sz="2000" dirty="0"/>
-              <a:t>if(!$</a:t>
-            </a:r>
-            <a:r>
-              <a:rPr lang="en-US" altLang="zh-CN" sz="2000" dirty="0" err="1"/>
-              <a:t>mch</a:t>
-            </a:r>
-            <a:r>
-              <a:rPr lang="en-US" altLang="zh-CN" sz="2000" dirty="0"/>
-              <a:t>){</a:t>
-            </a:r>
-          </a:p>
-          <a:p>
-            <a:r>
-              <a:rPr lang="en-US" altLang="zh-CN" sz="2000" dirty="0"/>
-              <a:t>  exit("failed to open </a:t>
-            </a:r>
-            <a:r>
-              <a:rPr lang="en-US" altLang="zh-CN" sz="2000" dirty="0" err="1"/>
-              <a:t>url</a:t>
-            </a:r>
-            <a:r>
-              <a:rPr lang="en-US" altLang="zh-CN" sz="2000" dirty="0"/>
-              <a:t>");</a:t>
-            </a:r>
-          </a:p>
-          <a:p>
-            <a:r>
-              <a:rPr lang="en-US" altLang="zh-CN" sz="2000" dirty="0"/>
-              <a:t>}</a:t>
-            </a:r>
-          </a:p>
-          <a:p>
-            <a:r>
-              <a:rPr lang="en-US" altLang="zh-CN" sz="2000" dirty="0" err="1"/>
-              <a:t>curl_setopt</a:t>
-            </a:r>
-            <a:r>
-              <a:rPr lang="en-US" altLang="zh-CN" sz="2000" dirty="0"/>
-              <a:t>($</a:t>
-            </a:r>
-            <a:r>
-              <a:rPr lang="en-US" altLang="zh-CN" sz="2000" dirty="0" err="1"/>
-              <a:t>mch,CURLOPT_RETURNTRANSFER,true</a:t>
-            </a:r>
-            <a:r>
-              <a:rPr lang="en-US" altLang="zh-CN" sz="2000" dirty="0"/>
-              <a:t>);</a:t>
-            </a:r>
-          </a:p>
-          <a:p>
-            <a:r>
-              <a:rPr lang="en-US" altLang="zh-CN" sz="2000" dirty="0" err="1"/>
-              <a:t>curl_setopt</a:t>
-            </a:r>
-            <a:r>
-              <a:rPr lang="en-US" altLang="zh-CN" sz="2000" dirty="0"/>
-              <a:t>($</a:t>
-            </a:r>
-            <a:r>
-              <a:rPr lang="en-US" altLang="zh-CN" sz="2000" dirty="0" err="1"/>
-              <a:t>mch,CURLOPT_SSL_VERIFYPEER,false</a:t>
-            </a:r>
-            <a:r>
-              <a:rPr lang="en-US" altLang="zh-CN" sz="2000" dirty="0"/>
-              <a:t>);</a:t>
-            </a:r>
-          </a:p>
-          <a:p>
-            <a:r>
-              <a:rPr lang="en-US" altLang="zh-CN" sz="2000" dirty="0" err="1"/>
-              <a:t>curl_setopt</a:t>
-            </a:r>
-            <a:r>
-              <a:rPr lang="en-US" altLang="zh-CN" sz="2000" dirty="0"/>
-              <a:t>($</a:t>
-            </a:r>
-            <a:r>
-              <a:rPr lang="en-US" altLang="zh-CN" sz="2000" dirty="0" err="1"/>
-              <a:t>mch</a:t>
-            </a:r>
-            <a:r>
-              <a:rPr lang="en-US" altLang="zh-CN" sz="2000" dirty="0"/>
-              <a:t>, CURLOPT_POST, true);</a:t>
-            </a:r>
-          </a:p>
-          <a:p>
-            <a:r>
-              <a:rPr lang="en-US" altLang="zh-CN" sz="2000" dirty="0" err="1"/>
-              <a:t>curl_setopt</a:t>
-            </a:r>
-            <a:r>
-              <a:rPr lang="en-US" altLang="zh-CN" sz="2000" dirty="0"/>
-              <a:t>($</a:t>
-            </a:r>
-            <a:r>
-              <a:rPr lang="en-US" altLang="zh-CN" sz="2000" dirty="0" err="1"/>
-              <a:t>mch</a:t>
-            </a:r>
-            <a:r>
-              <a:rPr lang="en-US" altLang="zh-CN" sz="2000" dirty="0"/>
-              <a:t>, CURLOPT_POSTFIELDS, $</a:t>
-            </a:r>
-            <a:r>
-              <a:rPr lang="en-US" altLang="zh-CN" sz="2000" dirty="0" err="1"/>
-              <a:t>json_menu</a:t>
-            </a:r>
-            <a:r>
-              <a:rPr lang="en-US" altLang="zh-CN" sz="2000" dirty="0"/>
-              <a:t>);</a:t>
-            </a:r>
-          </a:p>
-          <a:p>
-            <a:endParaRPr lang="en-US" altLang="zh-CN" sz="2000" dirty="0"/>
-          </a:p>
-          <a:p>
-            <a:r>
-              <a:rPr lang="en-US" altLang="zh-CN" sz="2000" dirty="0"/>
-              <a:t>$</a:t>
-            </a:r>
-            <a:r>
-              <a:rPr lang="en-US" altLang="zh-CN" sz="2000" dirty="0" err="1"/>
-              <a:t>mr</a:t>
-            </a:r>
-            <a:r>
-              <a:rPr lang="en-US" altLang="zh-CN" sz="2000" dirty="0"/>
-              <a:t>=</a:t>
-            </a:r>
-            <a:r>
-              <a:rPr lang="en-US" altLang="zh-CN" sz="2000" dirty="0" err="1"/>
-              <a:t>curl_exec</a:t>
-            </a:r>
-            <a:r>
-              <a:rPr lang="en-US" altLang="zh-CN" sz="2000" dirty="0"/>
-              <a:t>($</a:t>
-            </a:r>
-            <a:r>
-              <a:rPr lang="en-US" altLang="zh-CN" sz="2000" dirty="0" err="1"/>
-              <a:t>mch</a:t>
-            </a:r>
-            <a:r>
-              <a:rPr lang="en-US" altLang="zh-CN" sz="2000" dirty="0"/>
-              <a:t>);</a:t>
-            </a:r>
-          </a:p>
-          <a:p>
-            <a:r>
-              <a:rPr lang="en-US" altLang="zh-CN" sz="2000" dirty="0" err="1"/>
-              <a:t>curl_close</a:t>
-            </a:r>
-            <a:r>
-              <a:rPr lang="en-US" altLang="zh-CN" sz="2000" dirty="0"/>
-              <a:t>($</a:t>
-            </a:r>
-            <a:r>
-              <a:rPr lang="en-US" altLang="zh-CN" sz="2000" dirty="0" err="1"/>
-              <a:t>mch</a:t>
-            </a:r>
-            <a:r>
-              <a:rPr lang="en-US" altLang="zh-CN" sz="2000" dirty="0"/>
-              <a:t>);</a:t>
-            </a:r>
-          </a:p>
-          <a:p>
-            <a:r>
-              <a:rPr lang="en-US" altLang="zh-CN" sz="2000" dirty="0"/>
-              <a:t>exit($</a:t>
-            </a:r>
-            <a:r>
-              <a:rPr lang="en-US" altLang="zh-CN" sz="2000" dirty="0" err="1"/>
-              <a:t>mr</a:t>
-            </a:r>
-            <a:r>
-              <a:rPr lang="en-US" altLang="zh-CN" sz="2000" dirty="0"/>
-              <a:t>);</a:t>
-            </a:r>
-            <a:endParaRPr lang="zh-CN" altLang="en-US" sz="2000" dirty="0"/>
+              <a:rPr lang="zh-CN" altLang="en-US" b="0" dirty="0"/>
+              <a:t>处理结果</a:t>
+            </a:r>
           </a:p>
         </p:txBody>
       </p:sp>
@@ -16761,626 +13942,7 @@
 </p:sld>
 </file>
 
-<file path=ppt/slides/slide3.xml><?xml version="1.0" encoding="utf-8"?>
-<p:sld xmlns:a="http://schemas.openxmlformats.org/drawingml/2006/main" xmlns:r="http://schemas.openxmlformats.org/officeDocument/2006/relationships" xmlns:p="http://schemas.openxmlformats.org/presentationml/2006/main">
-  <p:cSld>
-    <p:spTree>
-      <p:nvGrpSpPr>
-        <p:cNvPr id="1" name=""/>
-        <p:cNvGrpSpPr/>
-        <p:nvPr/>
-      </p:nvGrpSpPr>
-      <p:grpSpPr>
-        <a:xfrm>
-          <a:off x="0" y="0"/>
-          <a:ext cx="0" cy="0"/>
-          <a:chOff x="0" y="0"/>
-          <a:chExt cx="0" cy="0"/>
-        </a:xfrm>
-      </p:grpSpPr>
-      <p:sp>
-        <p:nvSpPr>
-          <p:cNvPr id="2" name="内容占位符 1"/>
-          <p:cNvSpPr>
-            <a:spLocks noGrp="1"/>
-          </p:cNvSpPr>
-          <p:nvPr>
-            <p:ph sz="quarter" idx="13"/>
-          </p:nvPr>
-        </p:nvSpPr>
-        <p:spPr/>
-        <p:txBody>
-          <a:bodyPr/>
-          <a:lstStyle/>
-          <a:p>
-            <a:r>
-              <a:rPr lang="zh-CN" altLang="en-US" b="0" dirty="0" smtClean="0"/>
-              <a:t>课程概要</a:t>
-            </a:r>
-            <a:endParaRPr lang="zh-CN" altLang="en-US" b="0" dirty="0"/>
-          </a:p>
-        </p:txBody>
-      </p:sp>
-    </p:spTree>
-    <p:extLst>
-      <p:ext uri="{BB962C8B-B14F-4D97-AF65-F5344CB8AC3E}">
-        <p14:creationId xmlns:p14="http://schemas.microsoft.com/office/powerpoint/2010/main" val="947354603"/>
-      </p:ext>
-    </p:extLst>
-  </p:cSld>
-  <p:clrMapOvr>
-    <a:masterClrMapping/>
-  </p:clrMapOvr>
-</p:sld>
-</file>
-
-<file path=ppt/slides/slide30.xml><?xml version="1.0" encoding="utf-8"?>
-<p:sld xmlns:a="http://schemas.openxmlformats.org/drawingml/2006/main" xmlns:r="http://schemas.openxmlformats.org/officeDocument/2006/relationships" xmlns:p="http://schemas.openxmlformats.org/presentationml/2006/main">
-  <p:cSld>
-    <p:spTree>
-      <p:nvGrpSpPr>
-        <p:cNvPr id="1" name=""/>
-        <p:cNvGrpSpPr/>
-        <p:nvPr/>
-      </p:nvGrpSpPr>
-      <p:grpSpPr>
-        <a:xfrm>
-          <a:off x="0" y="0"/>
-          <a:ext cx="0" cy="0"/>
-          <a:chOff x="0" y="0"/>
-          <a:chExt cx="0" cy="0"/>
-        </a:xfrm>
-      </p:grpSpPr>
-      <p:sp>
-        <p:nvSpPr>
-          <p:cNvPr id="2" name="内容占位符 1"/>
-          <p:cNvSpPr>
-            <a:spLocks noGrp="1"/>
-          </p:cNvSpPr>
-          <p:nvPr>
-            <p:ph sz="quarter" idx="13"/>
-          </p:nvPr>
-        </p:nvSpPr>
-        <p:spPr>
-          <a:xfrm>
-            <a:off x="1054099" y="543636"/>
-            <a:ext cx="6975475" cy="685800"/>
-          </a:xfrm>
-        </p:spPr>
-        <p:txBody>
-          <a:bodyPr/>
-          <a:lstStyle/>
-          <a:p>
-            <a:r>
-              <a:rPr lang="en-US" altLang="zh-CN" dirty="0" smtClean="0"/>
-              <a:t>CURL</a:t>
-            </a:r>
-            <a:r>
-              <a:rPr lang="zh-CN" altLang="en-US" dirty="0" smtClean="0"/>
-              <a:t>第三方扩展创建菜单</a:t>
-            </a:r>
-            <a:endParaRPr lang="zh-CN" altLang="en-US" dirty="0"/>
-          </a:p>
-        </p:txBody>
-      </p:sp>
-      <p:sp>
-        <p:nvSpPr>
-          <p:cNvPr id="4" name="文本框 3"/>
-          <p:cNvSpPr txBox="1"/>
-          <p:nvPr/>
-        </p:nvSpPr>
-        <p:spPr>
-          <a:xfrm>
-            <a:off x="1157287" y="1600200"/>
-            <a:ext cx="9043987" cy="4093428"/>
-          </a:xfrm>
-          <a:prstGeom prst="rect">
-            <a:avLst/>
-          </a:prstGeom>
-          <a:noFill/>
-        </p:spPr>
-        <p:txBody>
-          <a:bodyPr wrap="square" rtlCol="0">
-            <a:spAutoFit/>
-          </a:bodyPr>
-          <a:lstStyle/>
-          <a:p>
-            <a:pPr marL="285750" indent="-285750">
-              <a:lnSpc>
-                <a:spcPct val="150000"/>
-              </a:lnSpc>
-              <a:buFont typeface="Arial" panose="020B0604020202020204" pitchFamily="34" charset="0"/>
-              <a:buChar char="•"/>
-            </a:pPr>
-            <a:r>
-              <a:rPr lang="zh-CN" altLang="en-US" sz="2000" dirty="0" smtClean="0">
-                <a:latin typeface="Calibri" panose="020F0502020204030204" pitchFamily="34" charset="0"/>
-                <a:ea typeface="微软雅黑" panose="020B0503020204020204" pitchFamily="34" charset="-122"/>
-                <a:cs typeface="Calibri" panose="020F0502020204030204" pitchFamily="34" charset="0"/>
-              </a:rPr>
-              <a:t>获取</a:t>
-            </a:r>
-            <a:r>
-              <a:rPr lang="en-US" altLang="zh-CN" sz="2000" dirty="0" err="1" smtClean="0">
-                <a:latin typeface="Calibri" panose="020F0502020204030204" pitchFamily="34" charset="0"/>
-                <a:ea typeface="微软雅黑" panose="020B0503020204020204" pitchFamily="34" charset="-122"/>
-                <a:cs typeface="Calibri" panose="020F0502020204030204" pitchFamily="34" charset="0"/>
-              </a:rPr>
-              <a:t>access_token</a:t>
-            </a:r>
-            <a:r>
-              <a:rPr lang="zh-CN" altLang="en-US" sz="2000" dirty="0" smtClean="0">
-                <a:latin typeface="Calibri" panose="020F0502020204030204" pitchFamily="34" charset="0"/>
-                <a:ea typeface="微软雅黑" panose="020B0503020204020204" pitchFamily="34" charset="-122"/>
-                <a:cs typeface="Calibri" panose="020F0502020204030204" pitchFamily="34" charset="0"/>
-              </a:rPr>
-              <a:t>：</a:t>
-            </a:r>
-            <a:endParaRPr lang="en-US" altLang="zh-CN" sz="2000" dirty="0">
-              <a:latin typeface="Calibri" panose="020F0502020204030204" pitchFamily="34" charset="0"/>
-              <a:ea typeface="微软雅黑" panose="020B0503020204020204" pitchFamily="34" charset="-122"/>
-              <a:cs typeface="Calibri" panose="020F0502020204030204" pitchFamily="34" charset="0"/>
-            </a:endParaRPr>
-          </a:p>
-          <a:p>
-            <a:pPr lvl="1"/>
-            <a:r>
-              <a:rPr lang="en-US" altLang="zh-CN" sz="2000" dirty="0">
-                <a:latin typeface="Calibri" panose="020F0502020204030204" pitchFamily="34" charset="0"/>
-                <a:ea typeface="微软雅黑" panose="020B0503020204020204" pitchFamily="34" charset="-122"/>
-                <a:cs typeface="Calibri" panose="020F0502020204030204" pitchFamily="34" charset="0"/>
-              </a:rPr>
-              <a:t>$curl = new </a:t>
-            </a:r>
-            <a:r>
-              <a:rPr lang="en-US" altLang="zh-CN" sz="2000" dirty="0" err="1">
-                <a:latin typeface="Calibri" panose="020F0502020204030204" pitchFamily="34" charset="0"/>
-                <a:ea typeface="微软雅黑" panose="020B0503020204020204" pitchFamily="34" charset="-122"/>
-                <a:cs typeface="Calibri" panose="020F0502020204030204" pitchFamily="34" charset="0"/>
-              </a:rPr>
-              <a:t>anlutro</a:t>
-            </a:r>
-            <a:r>
-              <a:rPr lang="en-US" altLang="zh-CN" sz="2000" dirty="0">
-                <a:latin typeface="Calibri" panose="020F0502020204030204" pitchFamily="34" charset="0"/>
-                <a:ea typeface="微软雅黑" panose="020B0503020204020204" pitchFamily="34" charset="-122"/>
-                <a:cs typeface="Calibri" panose="020F0502020204030204" pitchFamily="34" charset="0"/>
-              </a:rPr>
-              <a:t>\</a:t>
-            </a:r>
-            <a:r>
-              <a:rPr lang="en-US" altLang="zh-CN" sz="2000" dirty="0" err="1">
-                <a:latin typeface="Calibri" panose="020F0502020204030204" pitchFamily="34" charset="0"/>
-                <a:ea typeface="微软雅黑" panose="020B0503020204020204" pitchFamily="34" charset="-122"/>
-                <a:cs typeface="Calibri" panose="020F0502020204030204" pitchFamily="34" charset="0"/>
-              </a:rPr>
-              <a:t>cURL</a:t>
-            </a:r>
-            <a:r>
-              <a:rPr lang="en-US" altLang="zh-CN" sz="2000" dirty="0">
-                <a:latin typeface="Calibri" panose="020F0502020204030204" pitchFamily="34" charset="0"/>
-                <a:ea typeface="微软雅黑" panose="020B0503020204020204" pitchFamily="34" charset="-122"/>
-                <a:cs typeface="Calibri" panose="020F0502020204030204" pitchFamily="34" charset="0"/>
-              </a:rPr>
-              <a:t>\</a:t>
-            </a:r>
-            <a:r>
-              <a:rPr lang="en-US" altLang="zh-CN" sz="2000" dirty="0" err="1">
-                <a:latin typeface="Calibri" panose="020F0502020204030204" pitchFamily="34" charset="0"/>
-                <a:ea typeface="微软雅黑" panose="020B0503020204020204" pitchFamily="34" charset="-122"/>
-                <a:cs typeface="Calibri" panose="020F0502020204030204" pitchFamily="34" charset="0"/>
-              </a:rPr>
-              <a:t>cURL</a:t>
-            </a:r>
-            <a:r>
-              <a:rPr lang="en-US" altLang="zh-CN" sz="2000" dirty="0" smtClean="0">
-                <a:latin typeface="Calibri" panose="020F0502020204030204" pitchFamily="34" charset="0"/>
-                <a:ea typeface="微软雅黑" panose="020B0503020204020204" pitchFamily="34" charset="-122"/>
-                <a:cs typeface="Calibri" panose="020F0502020204030204" pitchFamily="34" charset="0"/>
-              </a:rPr>
-              <a:t>;</a:t>
-            </a:r>
-            <a:endParaRPr lang="en-US" altLang="zh-CN" sz="2000" dirty="0">
-              <a:latin typeface="Calibri" panose="020F0502020204030204" pitchFamily="34" charset="0"/>
-              <a:ea typeface="微软雅黑" panose="020B0503020204020204" pitchFamily="34" charset="-122"/>
-              <a:cs typeface="Calibri" panose="020F0502020204030204" pitchFamily="34" charset="0"/>
-            </a:endParaRPr>
-          </a:p>
-          <a:p>
-            <a:pPr lvl="1"/>
-            <a:r>
-              <a:rPr lang="en-US" altLang="zh-CN" sz="2000" dirty="0">
-                <a:latin typeface="Calibri" panose="020F0502020204030204" pitchFamily="34" charset="0"/>
-                <a:ea typeface="微软雅黑" panose="020B0503020204020204" pitchFamily="34" charset="-122"/>
-                <a:cs typeface="Calibri" panose="020F0502020204030204" pitchFamily="34" charset="0"/>
-              </a:rPr>
-              <a:t>$request = $curl-&gt;</a:t>
-            </a:r>
-            <a:r>
-              <a:rPr lang="en-US" altLang="zh-CN" sz="2000" dirty="0" err="1">
-                <a:latin typeface="Calibri" panose="020F0502020204030204" pitchFamily="34" charset="0"/>
-                <a:ea typeface="微软雅黑" panose="020B0503020204020204" pitchFamily="34" charset="-122"/>
-                <a:cs typeface="Calibri" panose="020F0502020204030204" pitchFamily="34" charset="0"/>
-              </a:rPr>
-              <a:t>newRequest</a:t>
-            </a:r>
-            <a:r>
-              <a:rPr lang="en-US" altLang="zh-CN" sz="2000" dirty="0">
-                <a:latin typeface="Calibri" panose="020F0502020204030204" pitchFamily="34" charset="0"/>
-                <a:ea typeface="微软雅黑" panose="020B0503020204020204" pitchFamily="34" charset="-122"/>
-                <a:cs typeface="Calibri" panose="020F0502020204030204" pitchFamily="34" charset="0"/>
-              </a:rPr>
-              <a:t>('get', $</a:t>
-            </a:r>
-            <a:r>
-              <a:rPr lang="en-US" altLang="zh-CN" sz="2000" dirty="0" err="1">
-                <a:latin typeface="Calibri" panose="020F0502020204030204" pitchFamily="34" charset="0"/>
-                <a:ea typeface="微软雅黑" panose="020B0503020204020204" pitchFamily="34" charset="-122"/>
-                <a:cs typeface="Calibri" panose="020F0502020204030204" pitchFamily="34" charset="0"/>
-              </a:rPr>
-              <a:t>token_api</a:t>
-            </a:r>
-            <a:r>
-              <a:rPr lang="en-US" altLang="zh-CN" sz="2000" dirty="0">
-                <a:latin typeface="Calibri" panose="020F0502020204030204" pitchFamily="34" charset="0"/>
-                <a:ea typeface="微软雅黑" panose="020B0503020204020204" pitchFamily="34" charset="-122"/>
-                <a:cs typeface="Calibri" panose="020F0502020204030204" pitchFamily="34" charset="0"/>
-              </a:rPr>
-              <a:t>,[])</a:t>
-            </a:r>
-          </a:p>
-          <a:p>
-            <a:pPr lvl="1"/>
-            <a:r>
-              <a:rPr lang="en-US" altLang="zh-CN" sz="2000" dirty="0">
-                <a:latin typeface="Calibri" panose="020F0502020204030204" pitchFamily="34" charset="0"/>
-                <a:ea typeface="微软雅黑" panose="020B0503020204020204" pitchFamily="34" charset="-122"/>
-                <a:cs typeface="Calibri" panose="020F0502020204030204" pitchFamily="34" charset="0"/>
-              </a:rPr>
-              <a:t>  </a:t>
-            </a:r>
-            <a:r>
-              <a:rPr lang="en-US" altLang="zh-CN" sz="2000" dirty="0" smtClean="0">
-                <a:latin typeface="Calibri" panose="020F0502020204030204" pitchFamily="34" charset="0"/>
-                <a:ea typeface="微软雅黑" panose="020B0503020204020204" pitchFamily="34" charset="-122"/>
-                <a:cs typeface="Calibri" panose="020F0502020204030204" pitchFamily="34" charset="0"/>
-              </a:rPr>
-              <a:t>  -&gt;</a:t>
-            </a:r>
-            <a:r>
-              <a:rPr lang="en-US" altLang="zh-CN" sz="2000" dirty="0" err="1">
-                <a:latin typeface="Calibri" panose="020F0502020204030204" pitchFamily="34" charset="0"/>
-                <a:ea typeface="微软雅黑" panose="020B0503020204020204" pitchFamily="34" charset="-122"/>
-                <a:cs typeface="Calibri" panose="020F0502020204030204" pitchFamily="34" charset="0"/>
-              </a:rPr>
-              <a:t>setOption</a:t>
-            </a:r>
-            <a:r>
-              <a:rPr lang="en-US" altLang="zh-CN" sz="2000" dirty="0">
-                <a:latin typeface="Calibri" panose="020F0502020204030204" pitchFamily="34" charset="0"/>
-                <a:ea typeface="微软雅黑" panose="020B0503020204020204" pitchFamily="34" charset="-122"/>
-                <a:cs typeface="Calibri" panose="020F0502020204030204" pitchFamily="34" charset="0"/>
-              </a:rPr>
-              <a:t>(CURLOPT_RETURNTRANSFER, true)</a:t>
-            </a:r>
-          </a:p>
-          <a:p>
-            <a:pPr lvl="1"/>
-            <a:r>
-              <a:rPr lang="en-US" altLang="zh-CN" sz="2000">
-                <a:latin typeface="Calibri" panose="020F0502020204030204" pitchFamily="34" charset="0"/>
-                <a:ea typeface="微软雅黑" panose="020B0503020204020204" pitchFamily="34" charset="-122"/>
-                <a:cs typeface="Calibri" panose="020F0502020204030204" pitchFamily="34" charset="0"/>
-              </a:rPr>
-              <a:t>  </a:t>
-            </a:r>
-            <a:r>
-              <a:rPr lang="en-US" altLang="zh-CN" sz="2000" smtClean="0">
-                <a:latin typeface="Calibri" panose="020F0502020204030204" pitchFamily="34" charset="0"/>
-                <a:ea typeface="微软雅黑" panose="020B0503020204020204" pitchFamily="34" charset="-122"/>
-                <a:cs typeface="Calibri" panose="020F0502020204030204" pitchFamily="34" charset="0"/>
-              </a:rPr>
-              <a:t>  -&gt;</a:t>
-            </a:r>
-            <a:r>
-              <a:rPr lang="en-US" altLang="zh-CN" sz="2000" dirty="0" err="1">
-                <a:latin typeface="Calibri" panose="020F0502020204030204" pitchFamily="34" charset="0"/>
-                <a:ea typeface="微软雅黑" panose="020B0503020204020204" pitchFamily="34" charset="-122"/>
-                <a:cs typeface="Calibri" panose="020F0502020204030204" pitchFamily="34" charset="0"/>
-              </a:rPr>
-              <a:t>setOption</a:t>
-            </a:r>
-            <a:r>
-              <a:rPr lang="en-US" altLang="zh-CN" sz="2000" dirty="0">
-                <a:latin typeface="Calibri" panose="020F0502020204030204" pitchFamily="34" charset="0"/>
-                <a:ea typeface="微软雅黑" panose="020B0503020204020204" pitchFamily="34" charset="-122"/>
-                <a:cs typeface="Calibri" panose="020F0502020204030204" pitchFamily="34" charset="0"/>
-              </a:rPr>
-              <a:t>(CURLOPT_SSL_VERIFYPEER, false);</a:t>
-            </a:r>
-          </a:p>
-          <a:p>
-            <a:pPr lvl="1"/>
-            <a:r>
-              <a:rPr lang="en-US" altLang="zh-CN" sz="2000" dirty="0">
-                <a:latin typeface="Calibri" panose="020F0502020204030204" pitchFamily="34" charset="0"/>
-                <a:ea typeface="微软雅黑" panose="020B0503020204020204" pitchFamily="34" charset="-122"/>
-                <a:cs typeface="Calibri" panose="020F0502020204030204" pitchFamily="34" charset="0"/>
-              </a:rPr>
-              <a:t>$</a:t>
-            </a:r>
-            <a:r>
-              <a:rPr lang="en-US" altLang="zh-CN" sz="2000" dirty="0" err="1">
-                <a:latin typeface="Calibri" panose="020F0502020204030204" pitchFamily="34" charset="0"/>
-                <a:ea typeface="微软雅黑" panose="020B0503020204020204" pitchFamily="34" charset="-122"/>
-                <a:cs typeface="Calibri" panose="020F0502020204030204" pitchFamily="34" charset="0"/>
-              </a:rPr>
-              <a:t>token_str</a:t>
-            </a:r>
-            <a:r>
-              <a:rPr lang="en-US" altLang="zh-CN" sz="2000" dirty="0">
-                <a:latin typeface="Calibri" panose="020F0502020204030204" pitchFamily="34" charset="0"/>
-                <a:ea typeface="微软雅黑" panose="020B0503020204020204" pitchFamily="34" charset="-122"/>
-                <a:cs typeface="Calibri" panose="020F0502020204030204" pitchFamily="34" charset="0"/>
-              </a:rPr>
-              <a:t> = $request-&gt;send</a:t>
-            </a:r>
-            <a:r>
-              <a:rPr lang="en-US" altLang="zh-CN" sz="2000" dirty="0" smtClean="0">
-                <a:latin typeface="Calibri" panose="020F0502020204030204" pitchFamily="34" charset="0"/>
-                <a:ea typeface="微软雅黑" panose="020B0503020204020204" pitchFamily="34" charset="-122"/>
-                <a:cs typeface="Calibri" panose="020F0502020204030204" pitchFamily="34" charset="0"/>
-              </a:rPr>
-              <a:t>();</a:t>
-            </a:r>
-            <a:endParaRPr lang="en-US" altLang="zh-CN" sz="2000" dirty="0">
-              <a:latin typeface="Calibri" panose="020F0502020204030204" pitchFamily="34" charset="0"/>
-              <a:ea typeface="微软雅黑" panose="020B0503020204020204" pitchFamily="34" charset="-122"/>
-              <a:cs typeface="Calibri" panose="020F0502020204030204" pitchFamily="34" charset="0"/>
-            </a:endParaRPr>
-          </a:p>
-          <a:p>
-            <a:pPr marL="285750" indent="-285750">
-              <a:lnSpc>
-                <a:spcPct val="150000"/>
-              </a:lnSpc>
-              <a:buFont typeface="Arial" panose="020B0604020202020204" pitchFamily="34" charset="0"/>
-              <a:buChar char="•"/>
-            </a:pPr>
-            <a:r>
-              <a:rPr lang="zh-CN" altLang="en-US" sz="2000" dirty="0" smtClean="0">
-                <a:latin typeface="Calibri" panose="020F0502020204030204" pitchFamily="34" charset="0"/>
-                <a:ea typeface="微软雅黑" panose="020B0503020204020204" pitchFamily="34" charset="-122"/>
-                <a:cs typeface="Calibri" panose="020F0502020204030204" pitchFamily="34" charset="0"/>
-              </a:rPr>
-              <a:t>创建菜单接口：</a:t>
-            </a:r>
-            <a:endParaRPr lang="en-US" altLang="zh-CN" sz="2000" dirty="0" smtClean="0">
-              <a:latin typeface="Calibri" panose="020F0502020204030204" pitchFamily="34" charset="0"/>
-              <a:ea typeface="微软雅黑" panose="020B0503020204020204" pitchFamily="34" charset="-122"/>
-              <a:cs typeface="Calibri" panose="020F0502020204030204" pitchFamily="34" charset="0"/>
-            </a:endParaRPr>
-          </a:p>
-          <a:p>
-            <a:pPr lvl="1"/>
-            <a:r>
-              <a:rPr lang="en-US" altLang="zh-CN" sz="2000" dirty="0">
-                <a:latin typeface="Calibri" panose="020F0502020204030204" pitchFamily="34" charset="0"/>
-                <a:ea typeface="微软雅黑" panose="020B0503020204020204" pitchFamily="34" charset="-122"/>
-                <a:cs typeface="Calibri" panose="020F0502020204030204" pitchFamily="34" charset="0"/>
-              </a:rPr>
-              <a:t>$request = $curl-&gt;</a:t>
-            </a:r>
-            <a:r>
-              <a:rPr lang="en-US" altLang="zh-CN" sz="2000" dirty="0" err="1">
-                <a:latin typeface="Calibri" panose="020F0502020204030204" pitchFamily="34" charset="0"/>
-                <a:ea typeface="微软雅黑" panose="020B0503020204020204" pitchFamily="34" charset="-122"/>
-                <a:cs typeface="Calibri" panose="020F0502020204030204" pitchFamily="34" charset="0"/>
-              </a:rPr>
-              <a:t>newRawRequest</a:t>
-            </a:r>
-            <a:r>
-              <a:rPr lang="en-US" altLang="zh-CN" sz="2000" dirty="0">
-                <a:latin typeface="Calibri" panose="020F0502020204030204" pitchFamily="34" charset="0"/>
-                <a:ea typeface="微软雅黑" panose="020B0503020204020204" pitchFamily="34" charset="-122"/>
-                <a:cs typeface="Calibri" panose="020F0502020204030204" pitchFamily="34" charset="0"/>
-              </a:rPr>
-              <a:t>('post', $</a:t>
-            </a:r>
-            <a:r>
-              <a:rPr lang="en-US" altLang="zh-CN" sz="2000" dirty="0" err="1">
-                <a:latin typeface="Calibri" panose="020F0502020204030204" pitchFamily="34" charset="0"/>
-                <a:ea typeface="微软雅黑" panose="020B0503020204020204" pitchFamily="34" charset="-122"/>
-                <a:cs typeface="Calibri" panose="020F0502020204030204" pitchFamily="34" charset="0"/>
-              </a:rPr>
-              <a:t>wx_menu_create_api</a:t>
-            </a:r>
-            <a:r>
-              <a:rPr lang="en-US" altLang="zh-CN" sz="2000" dirty="0">
-                <a:latin typeface="Calibri" panose="020F0502020204030204" pitchFamily="34" charset="0"/>
-                <a:ea typeface="微软雅黑" panose="020B0503020204020204" pitchFamily="34" charset="-122"/>
-                <a:cs typeface="Calibri" panose="020F0502020204030204" pitchFamily="34" charset="0"/>
-              </a:rPr>
-              <a:t>, $</a:t>
-            </a:r>
-            <a:r>
-              <a:rPr lang="en-US" altLang="zh-CN" sz="2000" dirty="0" err="1">
-                <a:latin typeface="Calibri" panose="020F0502020204030204" pitchFamily="34" charset="0"/>
-                <a:ea typeface="微软雅黑" panose="020B0503020204020204" pitchFamily="34" charset="-122"/>
-                <a:cs typeface="Calibri" panose="020F0502020204030204" pitchFamily="34" charset="0"/>
-              </a:rPr>
-              <a:t>json_menu</a:t>
-            </a:r>
-            <a:r>
-              <a:rPr lang="en-US" altLang="zh-CN" sz="2000" dirty="0">
-                <a:latin typeface="Calibri" panose="020F0502020204030204" pitchFamily="34" charset="0"/>
-                <a:ea typeface="微软雅黑" panose="020B0503020204020204" pitchFamily="34" charset="-122"/>
-                <a:cs typeface="Calibri" panose="020F0502020204030204" pitchFamily="34" charset="0"/>
-              </a:rPr>
-              <a:t>)</a:t>
-            </a:r>
-          </a:p>
-          <a:p>
-            <a:pPr lvl="1"/>
-            <a:r>
-              <a:rPr lang="en-US" altLang="zh-CN" sz="2000" dirty="0">
-                <a:latin typeface="Calibri" panose="020F0502020204030204" pitchFamily="34" charset="0"/>
-                <a:ea typeface="微软雅黑" panose="020B0503020204020204" pitchFamily="34" charset="-122"/>
-                <a:cs typeface="Calibri" panose="020F0502020204030204" pitchFamily="34" charset="0"/>
-              </a:rPr>
-              <a:t>  </a:t>
-            </a:r>
-            <a:r>
-              <a:rPr lang="en-US" altLang="zh-CN" sz="2000" dirty="0" smtClean="0">
-                <a:latin typeface="Calibri" panose="020F0502020204030204" pitchFamily="34" charset="0"/>
-                <a:ea typeface="微软雅黑" panose="020B0503020204020204" pitchFamily="34" charset="-122"/>
-                <a:cs typeface="Calibri" panose="020F0502020204030204" pitchFamily="34" charset="0"/>
-              </a:rPr>
-              <a:t>  -&gt;</a:t>
-            </a:r>
-            <a:r>
-              <a:rPr lang="en-US" altLang="zh-CN" sz="2000" dirty="0" err="1">
-                <a:latin typeface="Calibri" panose="020F0502020204030204" pitchFamily="34" charset="0"/>
-                <a:ea typeface="微软雅黑" panose="020B0503020204020204" pitchFamily="34" charset="-122"/>
-                <a:cs typeface="Calibri" panose="020F0502020204030204" pitchFamily="34" charset="0"/>
-              </a:rPr>
-              <a:t>setOption</a:t>
-            </a:r>
-            <a:r>
-              <a:rPr lang="en-US" altLang="zh-CN" sz="2000" dirty="0">
-                <a:latin typeface="Calibri" panose="020F0502020204030204" pitchFamily="34" charset="0"/>
-                <a:ea typeface="微软雅黑" panose="020B0503020204020204" pitchFamily="34" charset="-122"/>
-                <a:cs typeface="Calibri" panose="020F0502020204030204" pitchFamily="34" charset="0"/>
-              </a:rPr>
-              <a:t>(CURLOPT_RETURNTRANSFER, true)</a:t>
-            </a:r>
-          </a:p>
-          <a:p>
-            <a:pPr lvl="1"/>
-            <a:r>
-              <a:rPr lang="en-US" altLang="zh-CN" sz="2000" dirty="0">
-                <a:latin typeface="Calibri" panose="020F0502020204030204" pitchFamily="34" charset="0"/>
-                <a:ea typeface="微软雅黑" panose="020B0503020204020204" pitchFamily="34" charset="-122"/>
-                <a:cs typeface="Calibri" panose="020F0502020204030204" pitchFamily="34" charset="0"/>
-              </a:rPr>
-              <a:t>  </a:t>
-            </a:r>
-            <a:r>
-              <a:rPr lang="en-US" altLang="zh-CN" sz="2000" dirty="0" smtClean="0">
-                <a:latin typeface="Calibri" panose="020F0502020204030204" pitchFamily="34" charset="0"/>
-                <a:ea typeface="微软雅黑" panose="020B0503020204020204" pitchFamily="34" charset="-122"/>
-                <a:cs typeface="Calibri" panose="020F0502020204030204" pitchFamily="34" charset="0"/>
-              </a:rPr>
-              <a:t>  -&gt;</a:t>
-            </a:r>
-            <a:r>
-              <a:rPr lang="en-US" altLang="zh-CN" sz="2000" dirty="0" err="1">
-                <a:latin typeface="Calibri" panose="020F0502020204030204" pitchFamily="34" charset="0"/>
-                <a:ea typeface="微软雅黑" panose="020B0503020204020204" pitchFamily="34" charset="-122"/>
-                <a:cs typeface="Calibri" panose="020F0502020204030204" pitchFamily="34" charset="0"/>
-              </a:rPr>
-              <a:t>setOption</a:t>
-            </a:r>
-            <a:r>
-              <a:rPr lang="en-US" altLang="zh-CN" sz="2000" dirty="0">
-                <a:latin typeface="Calibri" panose="020F0502020204030204" pitchFamily="34" charset="0"/>
-                <a:ea typeface="微软雅黑" panose="020B0503020204020204" pitchFamily="34" charset="-122"/>
-                <a:cs typeface="Calibri" panose="020F0502020204030204" pitchFamily="34" charset="0"/>
-              </a:rPr>
-              <a:t>(CURLOPT_SSL_VERIFYPEER, false)</a:t>
-            </a:r>
-          </a:p>
-          <a:p>
-            <a:pPr lvl="1"/>
-            <a:r>
-              <a:rPr lang="en-US" altLang="zh-CN" sz="2000" dirty="0">
-                <a:latin typeface="Calibri" panose="020F0502020204030204" pitchFamily="34" charset="0"/>
-                <a:ea typeface="微软雅黑" panose="020B0503020204020204" pitchFamily="34" charset="-122"/>
-                <a:cs typeface="Calibri" panose="020F0502020204030204" pitchFamily="34" charset="0"/>
-              </a:rPr>
-              <a:t>  </a:t>
-            </a:r>
-            <a:r>
-              <a:rPr lang="en-US" altLang="zh-CN" sz="2000" dirty="0" smtClean="0">
-                <a:latin typeface="Calibri" panose="020F0502020204030204" pitchFamily="34" charset="0"/>
-                <a:ea typeface="微软雅黑" panose="020B0503020204020204" pitchFamily="34" charset="-122"/>
-                <a:cs typeface="Calibri" panose="020F0502020204030204" pitchFamily="34" charset="0"/>
-              </a:rPr>
-              <a:t>  -&gt;</a:t>
-            </a:r>
-            <a:r>
-              <a:rPr lang="en-US" altLang="zh-CN" sz="2000" dirty="0" err="1">
-                <a:latin typeface="Calibri" panose="020F0502020204030204" pitchFamily="34" charset="0"/>
-                <a:ea typeface="微软雅黑" panose="020B0503020204020204" pitchFamily="34" charset="-122"/>
-                <a:cs typeface="Calibri" panose="020F0502020204030204" pitchFamily="34" charset="0"/>
-              </a:rPr>
-              <a:t>setOption</a:t>
-            </a:r>
-            <a:r>
-              <a:rPr lang="en-US" altLang="zh-CN" sz="2000" dirty="0">
-                <a:latin typeface="Calibri" panose="020F0502020204030204" pitchFamily="34" charset="0"/>
-                <a:ea typeface="微软雅黑" panose="020B0503020204020204" pitchFamily="34" charset="-122"/>
-                <a:cs typeface="Calibri" panose="020F0502020204030204" pitchFamily="34" charset="0"/>
-              </a:rPr>
-              <a:t>(</a:t>
-            </a:r>
-            <a:r>
-              <a:rPr lang="en-US" altLang="zh-CN" sz="2000" dirty="0" err="1">
-                <a:latin typeface="Calibri" panose="020F0502020204030204" pitchFamily="34" charset="0"/>
-                <a:ea typeface="微软雅黑" panose="020B0503020204020204" pitchFamily="34" charset="-122"/>
-                <a:cs typeface="Calibri" panose="020F0502020204030204" pitchFamily="34" charset="0"/>
-              </a:rPr>
-              <a:t>CURLOPT_POST,true</a:t>
-            </a:r>
-            <a:r>
-              <a:rPr lang="en-US" altLang="zh-CN" sz="2000" dirty="0" smtClean="0">
-                <a:latin typeface="Calibri" panose="020F0502020204030204" pitchFamily="34" charset="0"/>
-                <a:ea typeface="微软雅黑" panose="020B0503020204020204" pitchFamily="34" charset="-122"/>
-                <a:cs typeface="Calibri" panose="020F0502020204030204" pitchFamily="34" charset="0"/>
-              </a:rPr>
-              <a:t>);</a:t>
-            </a:r>
-            <a:endParaRPr lang="en-US" altLang="zh-CN" sz="2000" dirty="0">
-              <a:latin typeface="Calibri" panose="020F0502020204030204" pitchFamily="34" charset="0"/>
-              <a:ea typeface="微软雅黑" panose="020B0503020204020204" pitchFamily="34" charset="-122"/>
-              <a:cs typeface="Calibri" panose="020F0502020204030204" pitchFamily="34" charset="0"/>
-            </a:endParaRPr>
-          </a:p>
-          <a:p>
-            <a:pPr lvl="1"/>
-            <a:r>
-              <a:rPr lang="en-US" altLang="zh-CN" sz="2000" dirty="0">
-                <a:latin typeface="Calibri" panose="020F0502020204030204" pitchFamily="34" charset="0"/>
-                <a:ea typeface="微软雅黑" panose="020B0503020204020204" pitchFamily="34" charset="-122"/>
-                <a:cs typeface="Calibri" panose="020F0502020204030204" pitchFamily="34" charset="0"/>
-              </a:rPr>
-              <a:t>$r = $request-&gt;send</a:t>
-            </a:r>
-            <a:r>
-              <a:rPr lang="en-US" altLang="zh-CN" sz="2000" dirty="0" smtClean="0">
-                <a:latin typeface="Calibri" panose="020F0502020204030204" pitchFamily="34" charset="0"/>
-                <a:ea typeface="微软雅黑" panose="020B0503020204020204" pitchFamily="34" charset="-122"/>
-                <a:cs typeface="Calibri" panose="020F0502020204030204" pitchFamily="34" charset="0"/>
-              </a:rPr>
-              <a:t>();</a:t>
-            </a:r>
-          </a:p>
-        </p:txBody>
-      </p:sp>
-    </p:spTree>
-    <p:extLst>
-      <p:ext uri="{BB962C8B-B14F-4D97-AF65-F5344CB8AC3E}">
-        <p14:creationId xmlns:p14="http://schemas.microsoft.com/office/powerpoint/2010/main" val="815336238"/>
-      </p:ext>
-    </p:extLst>
-  </p:cSld>
-  <p:clrMapOvr>
-    <a:masterClrMapping/>
-  </p:clrMapOvr>
-</p:sld>
-</file>
-
-<file path=ppt/slides/slide31.xml><?xml version="1.0" encoding="utf-8"?>
+<file path=ppt/slides/slide22.xml><?xml version="1.0" encoding="utf-8"?>
 <p:sld xmlns:a="http://schemas.openxmlformats.org/drawingml/2006/main" xmlns:r="http://schemas.openxmlformats.org/officeDocument/2006/relationships" xmlns:p="http://schemas.openxmlformats.org/presentationml/2006/main">
   <p:cSld>
     <p:spTree>
@@ -18078,13 +14640,58 @@
   <p:clrMapOvr>
     <a:masterClrMapping/>
   </p:clrMapOvr>
-  <p:timing>
-    <p:tnLst>
-      <p:par>
-        <p:cTn id="1" dur="indefinite" restart="never" nodeType="tmRoot"/>
-      </p:par>
-    </p:tnLst>
-  </p:timing>
+</p:sld>
+</file>
+
+<file path=ppt/slides/slide3.xml><?xml version="1.0" encoding="utf-8"?>
+<p:sld xmlns:a="http://schemas.openxmlformats.org/drawingml/2006/main" xmlns:r="http://schemas.openxmlformats.org/officeDocument/2006/relationships" xmlns:p="http://schemas.openxmlformats.org/presentationml/2006/main">
+  <p:cSld>
+    <p:spTree>
+      <p:nvGrpSpPr>
+        <p:cNvPr id="1" name=""/>
+        <p:cNvGrpSpPr/>
+        <p:nvPr/>
+      </p:nvGrpSpPr>
+      <p:grpSpPr>
+        <a:xfrm>
+          <a:off x="0" y="0"/>
+          <a:ext cx="0" cy="0"/>
+          <a:chOff x="0" y="0"/>
+          <a:chExt cx="0" cy="0"/>
+        </a:xfrm>
+      </p:grpSpPr>
+      <p:sp>
+        <p:nvSpPr>
+          <p:cNvPr id="2" name="内容占位符 1"/>
+          <p:cNvSpPr>
+            <a:spLocks noGrp="1"/>
+          </p:cNvSpPr>
+          <p:nvPr>
+            <p:ph sz="quarter" idx="13"/>
+          </p:nvPr>
+        </p:nvSpPr>
+        <p:spPr/>
+        <p:txBody>
+          <a:bodyPr/>
+          <a:lstStyle/>
+          <a:p>
+            <a:r>
+              <a:rPr lang="zh-CN" altLang="en-US" b="0" dirty="0"/>
+              <a:t>课程概要</a:t>
+            </a:r>
+          </a:p>
+        </p:txBody>
+      </p:sp>
+    </p:spTree>
+    <p:extLst>
+      <p:ext uri="{BB962C8B-B14F-4D97-AF65-F5344CB8AC3E}">
+        <p14:creationId xmlns:p14="http://schemas.microsoft.com/office/powerpoint/2010/main" val="947354603"/>
+      </p:ext>
+    </p:extLst>
+  </p:cSld>
+  <p:clrMapOvr>
+    <a:masterClrMapping/>
+  </p:clrMapOvr>
 </p:sld>
 </file>
 
@@ -18126,10 +14733,9 @@
           <a:lstStyle/>
           <a:p>
             <a:r>
-              <a:rPr lang="zh-CN" altLang="en-US" b="0" dirty="0" smtClean="0"/>
+              <a:rPr lang="zh-CN" altLang="en-US" b="0" dirty="0"/>
               <a:t>第一节</a:t>
             </a:r>
-            <a:endParaRPr lang="zh-CN" altLang="en-US" b="0" dirty="0"/>
           </a:p>
         </p:txBody>
       </p:sp>
@@ -18172,19 +14778,7 @@
                 <a:latin typeface="微软雅黑" panose="020B0503020204020204" pitchFamily="34" charset="-122"/>
                 <a:ea typeface="微软雅黑" panose="020B0503020204020204" pitchFamily="34" charset="-122"/>
               </a:rPr>
-              <a:t>微信</a:t>
-            </a:r>
-            <a:r>
-              <a:rPr lang="zh-CN" altLang="en-US" sz="2400" dirty="0" smtClean="0">
-                <a:solidFill>
-                  <a:schemeClr val="accent6">
-                    <a:lumMod val="75000"/>
-                  </a:schemeClr>
-                </a:solidFill>
-                <a:latin typeface="微软雅黑" panose="020B0503020204020204" pitchFamily="34" charset="-122"/>
-                <a:ea typeface="微软雅黑" panose="020B0503020204020204" pitchFamily="34" charset="-122"/>
-              </a:rPr>
-              <a:t>支付分类与流程</a:t>
+              <a:t>微信支付分类与流程</a:t>
             </a:r>
             <a:endParaRPr lang="en-US" altLang="zh-CN" sz="2400" dirty="0">
               <a:solidFill>
@@ -18205,7 +14799,7 @@
               <a:buAutoNum type="ea1JpnChsDbPeriod"/>
             </a:pPr>
             <a:r>
-              <a:rPr lang="en-US" altLang="zh-CN" sz="2000" dirty="0" err="1" smtClean="0">
+              <a:rPr lang="en-US" altLang="zh-CN" sz="2000" dirty="0" err="1">
                 <a:solidFill>
                   <a:schemeClr val="tx1">
                     <a:lumMod val="65000"/>
@@ -18218,7 +14812,7 @@
               <a:t>Oauth</a:t>
             </a:r>
             <a:r>
-              <a:rPr lang="zh-CN" altLang="en-US" sz="2000" dirty="0" smtClean="0">
+              <a:rPr lang="zh-CN" altLang="en-US" sz="2000" dirty="0">
                 <a:solidFill>
                   <a:schemeClr val="tx1">
                     <a:lumMod val="65000"/>
@@ -18260,20 +14854,7 @@
                 <a:latin typeface="微软雅黑" panose="020B0503020204020204" pitchFamily="34" charset="-122"/>
                 <a:ea typeface="微软雅黑" panose="020B0503020204020204" pitchFamily="34" charset="-122"/>
               </a:rPr>
-              <a:t>微</a:t>
-            </a:r>
-            <a:r>
-              <a:rPr lang="zh-CN" altLang="en-US" sz="2000" dirty="0" smtClean="0">
-                <a:solidFill>
-                  <a:schemeClr val="tx1">
-                    <a:lumMod val="65000"/>
-                    <a:lumOff val="35000"/>
-                  </a:schemeClr>
-                </a:solidFill>
-                <a:latin typeface="微软雅黑" panose="020B0503020204020204" pitchFamily="34" charset="-122"/>
-                <a:ea typeface="微软雅黑" panose="020B0503020204020204" pitchFamily="34" charset="-122"/>
-              </a:rPr>
-              <a:t>信网页授权</a:t>
+              <a:t>微信网页授权</a:t>
             </a:r>
             <a:endParaRPr lang="en-US" altLang="zh-CN" sz="2000" dirty="0">
               <a:solidFill>
@@ -18335,13 +14916,64 @@
           <a:p>
             <a:r>
               <a:rPr lang="zh-CN" altLang="en-US" b="0" dirty="0"/>
-              <a:t>微</a:t>
-            </a:r>
-            <a:r>
-              <a:rPr lang="zh-CN" altLang="en-US" b="0" dirty="0" smtClean="0"/>
-              <a:t>信支付分类</a:t>
-            </a:r>
-            <a:endParaRPr lang="zh-CN" altLang="en-US" b="0" dirty="0"/>
+              <a:t>前言</a:t>
+            </a:r>
+          </a:p>
+        </p:txBody>
+      </p:sp>
+      <p:sp>
+        <p:nvSpPr>
+          <p:cNvPr id="3" name="文本框 2">
+            <a:extLst>
+              <a:ext uri="{FF2B5EF4-FFF2-40B4-BE49-F238E27FC236}">
+                <a16:creationId xmlns:a16="http://schemas.microsoft.com/office/drawing/2014/main" id="{FC67EA5A-8AF9-45A2-897D-99991F9525A2}"/>
+              </a:ext>
+            </a:extLst>
+          </p:cNvPr>
+          <p:cNvSpPr txBox="1"/>
+          <p:nvPr/>
+        </p:nvSpPr>
+        <p:spPr>
+          <a:xfrm>
+            <a:off x="1189703" y="1779639"/>
+            <a:ext cx="9419303" cy="1291379"/>
+          </a:xfrm>
+          <a:prstGeom prst="rect">
+            <a:avLst/>
+          </a:prstGeom>
+          <a:noFill/>
+        </p:spPr>
+        <p:txBody>
+          <a:bodyPr wrap="square" rtlCol="0">
+            <a:spAutoFit/>
+          </a:bodyPr>
+          <a:lstStyle/>
+          <a:p>
+            <a:pPr marL="285750" indent="-285750">
+              <a:lnSpc>
+                <a:spcPct val="150000"/>
+              </a:lnSpc>
+              <a:buFont typeface="Arial" panose="020B0604020202020204" pitchFamily="34" charset="0"/>
+              <a:buChar char="•"/>
+            </a:pPr>
+            <a:r>
+              <a:rPr lang="zh-CN" altLang="en-US" dirty="0"/>
+              <a:t>本次课程讲解微信支付主要是在理论层面，实际的支付场景是无法实现的，为了能让同学们应对实际的场景而做的一些说明。</a:t>
+            </a:r>
+            <a:endParaRPr lang="en-US" altLang="zh-CN" dirty="0"/>
+          </a:p>
+          <a:p>
+            <a:pPr marL="285750" indent="-285750">
+              <a:lnSpc>
+                <a:spcPct val="150000"/>
+              </a:lnSpc>
+              <a:buFont typeface="Arial" panose="020B0604020202020204" pitchFamily="34" charset="0"/>
+              <a:buChar char="•"/>
+            </a:pPr>
+            <a:r>
+              <a:rPr lang="zh-CN" altLang="en-US" dirty="0"/>
+              <a:t>主要涉及到主要支付方式的流程处理，回调处理，需要注意的问题。</a:t>
+            </a:r>
           </a:p>
         </p:txBody>
       </p:sp>
@@ -18391,17 +15023,16 @@
           <a:lstStyle/>
           <a:p>
             <a:r>
-              <a:rPr lang="zh-CN" altLang="en-US" b="0" dirty="0" smtClean="0"/>
-              <a:t>配置接入微信支付</a:t>
-            </a:r>
-            <a:endParaRPr lang="zh-CN" altLang="en-US" b="0" dirty="0"/>
+              <a:rPr lang="zh-CN" altLang="en-US" b="0" dirty="0"/>
+              <a:t>微信支付分类</a:t>
+            </a:r>
           </a:p>
         </p:txBody>
       </p:sp>
     </p:spTree>
     <p:extLst>
       <p:ext uri="{BB962C8B-B14F-4D97-AF65-F5344CB8AC3E}">
-        <p14:creationId xmlns:p14="http://schemas.microsoft.com/office/powerpoint/2010/main" val="763949270"/>
+        <p14:creationId xmlns:p14="http://schemas.microsoft.com/office/powerpoint/2010/main" val="812504029"/>
       </p:ext>
     </p:extLst>
   </p:cSld>
@@ -18438,32 +15069,22 @@
             <p:ph sz="quarter" idx="13"/>
           </p:nvPr>
         </p:nvSpPr>
-        <p:spPr>
-          <a:xfrm>
-            <a:off x="1054100" y="543636"/>
-            <a:ext cx="5818188" cy="685800"/>
-          </a:xfrm>
-        </p:spPr>
+        <p:spPr/>
         <p:txBody>
           <a:bodyPr/>
           <a:lstStyle/>
           <a:p>
             <a:r>
-              <a:rPr lang="en-US" altLang="zh-CN" b="0" dirty="0" smtClean="0"/>
-              <a:t>PC</a:t>
-            </a:r>
-            <a:r>
-              <a:rPr lang="zh-CN" altLang="en-US" b="0" dirty="0" smtClean="0"/>
-              <a:t>端扫码支付</a:t>
-            </a:r>
-            <a:endParaRPr lang="zh-CN" altLang="en-US" b="0" dirty="0"/>
+              <a:rPr lang="zh-CN" altLang="en-US" b="0" dirty="0"/>
+              <a:t>配置接入微信支付</a:t>
+            </a:r>
           </a:p>
         </p:txBody>
       </p:sp>
     </p:spTree>
     <p:extLst>
       <p:ext uri="{BB962C8B-B14F-4D97-AF65-F5344CB8AC3E}">
-        <p14:creationId xmlns:p14="http://schemas.microsoft.com/office/powerpoint/2010/main" val="2865911590"/>
+        <p14:creationId xmlns:p14="http://schemas.microsoft.com/office/powerpoint/2010/main" val="763949270"/>
       </p:ext>
     </p:extLst>
   </p:cSld>
@@ -18500,27 +15121,31 @@
             <p:ph sz="quarter" idx="13"/>
           </p:nvPr>
         </p:nvSpPr>
-        <p:spPr/>
+        <p:spPr>
+          <a:xfrm>
+            <a:off x="1054100" y="543636"/>
+            <a:ext cx="5818188" cy="685800"/>
+          </a:xfrm>
+        </p:spPr>
         <p:txBody>
           <a:bodyPr/>
           <a:lstStyle/>
           <a:p>
             <a:r>
-              <a:rPr lang="en-US" altLang="zh-CN" b="0" dirty="0" smtClean="0"/>
-              <a:t>H5</a:t>
+              <a:rPr lang="en-US" altLang="zh-CN" b="0" dirty="0"/>
+              <a:t>PC</a:t>
             </a:r>
             <a:r>
               <a:rPr lang="zh-CN" altLang="en-US" b="0" dirty="0"/>
-              <a:t>支付</a:t>
-            </a:r>
-            <a:endParaRPr lang="zh-CN" altLang="en-US" b="0" dirty="0"/>
+              <a:t>端扫码支付</a:t>
+            </a:r>
           </a:p>
         </p:txBody>
       </p:sp>
     </p:spTree>
     <p:extLst>
       <p:ext uri="{BB962C8B-B14F-4D97-AF65-F5344CB8AC3E}">
-        <p14:creationId xmlns:p14="http://schemas.microsoft.com/office/powerpoint/2010/main" val="1236112881"/>
+        <p14:creationId xmlns:p14="http://schemas.microsoft.com/office/powerpoint/2010/main" val="2865911590"/>
       </p:ext>
     </p:extLst>
   </p:cSld>
@@ -18557,32 +15182,26 @@
             <p:ph sz="quarter" idx="13"/>
           </p:nvPr>
         </p:nvSpPr>
-        <p:spPr>
-          <a:xfrm>
-            <a:off x="1054099" y="543636"/>
-            <a:ext cx="5375275" cy="685800"/>
-          </a:xfrm>
-        </p:spPr>
+        <p:spPr/>
         <p:txBody>
           <a:bodyPr/>
           <a:lstStyle/>
           <a:p>
             <a:r>
+              <a:rPr lang="en-US" altLang="zh-CN" b="0" dirty="0"/>
+              <a:t>H5</a:t>
+            </a:r>
+            <a:r>
               <a:rPr lang="zh-CN" altLang="en-US" b="0" dirty="0"/>
-              <a:t>微</a:t>
-            </a:r>
-            <a:r>
-              <a:rPr lang="zh-CN" altLang="en-US" b="0" dirty="0" smtClean="0"/>
-              <a:t>信内网页支付</a:t>
-            </a:r>
-            <a:endParaRPr lang="zh-CN" altLang="en-US" b="0" dirty="0"/>
+              <a:t>支付</a:t>
+            </a:r>
           </a:p>
         </p:txBody>
       </p:sp>
     </p:spTree>
     <p:extLst>
       <p:ext uri="{BB962C8B-B14F-4D97-AF65-F5344CB8AC3E}">
-        <p14:creationId xmlns:p14="http://schemas.microsoft.com/office/powerpoint/2010/main" val="636796483"/>
+        <p14:creationId xmlns:p14="http://schemas.microsoft.com/office/powerpoint/2010/main" val="1236112881"/>
       </p:ext>
     </p:extLst>
   </p:cSld>

--- a/课程ppt/第11讲 微信支付与Oauth授权.pptx
+++ b/课程ppt/第11讲 微信支付与Oauth授权.pptx
@@ -9,10 +9,10 @@
     <p:sldMasterId id="2147483691" r:id="rId5"/>
   </p:sldMasterIdLst>
   <p:notesMasterIdLst>
-    <p:notesMasterId r:id="rId28"/>
+    <p:notesMasterId r:id="rId30"/>
   </p:notesMasterIdLst>
   <p:handoutMasterIdLst>
-    <p:handoutMasterId r:id="rId29"/>
+    <p:handoutMasterId r:id="rId31"/>
   </p:handoutMasterIdLst>
   <p:sldIdLst>
     <p:sldId id="257" r:id="rId6"/>
@@ -33,15 +33,17 @@
     <p:sldId id="456" r:id="rId21"/>
     <p:sldId id="452" r:id="rId22"/>
     <p:sldId id="473" r:id="rId23"/>
-    <p:sldId id="472" r:id="rId24"/>
-    <p:sldId id="469" r:id="rId25"/>
-    <p:sldId id="477" r:id="rId26"/>
-    <p:sldId id="311" r:id="rId27"/>
+    <p:sldId id="477" r:id="rId24"/>
+    <p:sldId id="472" r:id="rId25"/>
+    <p:sldId id="469" r:id="rId26"/>
+    <p:sldId id="487" r:id="rId27"/>
+    <p:sldId id="488" r:id="rId28"/>
+    <p:sldId id="311" r:id="rId29"/>
   </p:sldIdLst>
   <p:sldSz cx="12192000" cy="6858000"/>
   <p:notesSz cx="6858000" cy="9144000"/>
   <p:custDataLst>
-    <p:tags r:id="rId30"/>
+    <p:tags r:id="rId32"/>
   </p:custDataLst>
   <p:defaultTextStyle>
     <a:defPPr>
@@ -272,7 +274,7 @@
           <a:p>
             <a:fld id="{2B71C804-97F5-4B36-A7AC-EEEC7F44F6C2}" type="datetimeFigureOut">
               <a:rPr lang="zh-CN" altLang="en-US" smtClean="0"/>
-              <a:t>2017/9/1</a:t>
+              <a:t>2017/9/5</a:t>
             </a:fld>
             <a:endParaRPr lang="zh-CN" altLang="en-US"/>
           </a:p>
@@ -438,7 +440,7 @@
           <a:p>
             <a:fld id="{0568D9C6-D8DC-4CC3-8480-E0C4DBA1CC07}" type="datetimeFigureOut">
               <a:rPr lang="zh-CN" altLang="en-US" smtClean="0"/>
-              <a:t>2017/9/1</a:t>
+              <a:t>2017/9/4</a:t>
             </a:fld>
             <a:endParaRPr lang="zh-CN" altLang="en-US"/>
           </a:p>
@@ -949,7 +951,7 @@
                 <a:ea typeface="宋体" charset="-122"/>
               </a:rPr>
               <a:pPr algn="r" eaLnBrk="1" hangingPunct="1"/>
-              <a:t>22</a:t>
+              <a:t>24</a:t>
             </a:fld>
             <a:endParaRPr lang="zh-CN" altLang="en-US" sz="1200">
               <a:latin typeface="Calibri" pitchFamily="34" charset="0"/>
@@ -1051,7 +1053,7 @@
           <a:p>
             <a:fld id="{DB9D664F-4C68-42D2-B189-678958EFAFDA}" type="datetime1">
               <a:rPr lang="zh-CN" altLang="en-US" smtClean="0"/>
-              <a:t>2017/9/1</a:t>
+              <a:t>2017/9/4</a:t>
             </a:fld>
             <a:endParaRPr lang="zh-CN" altLang="en-US"/>
           </a:p>
@@ -2033,7 +2035,7 @@
           <a:p>
             <a:fld id="{ED5513C8-E3A4-4D78-B249-887659A958FF}" type="datetime1">
               <a:rPr lang="en-US" altLang="zh-CN" smtClean="0"/>
-              <a:t>9/1/2017</a:t>
+              <a:t>9/4/2017</a:t>
             </a:fld>
             <a:endParaRPr lang="en-US"/>
           </a:p>
@@ -2211,7 +2213,7 @@
           <a:p>
             <a:fld id="{EBEDA52C-3EEE-4289-818C-901C0A7814FE}" type="datetime1">
               <a:rPr lang="en-US" altLang="zh-CN" smtClean="0"/>
-              <a:t>9/1/2017</a:t>
+              <a:t>9/4/2017</a:t>
             </a:fld>
             <a:endParaRPr lang="en-US"/>
           </a:p>
@@ -2465,7 +2467,7 @@
           <a:p>
             <a:fld id="{09EF5D7F-EA15-485C-85DD-8FDC010A62D4}" type="datetime1">
               <a:rPr lang="en-US" altLang="zh-CN" smtClean="0"/>
-              <a:t>9/1/2017</a:t>
+              <a:t>9/4/2017</a:t>
             </a:fld>
             <a:endParaRPr lang="en-US"/>
           </a:p>
@@ -2705,7 +2707,7 @@
           <a:p>
             <a:fld id="{9541C2B2-0BAB-4CD4-83EE-25F1A7138896}" type="datetime1">
               <a:rPr lang="en-US" altLang="zh-CN" smtClean="0"/>
-              <a:t>9/1/2017</a:t>
+              <a:t>9/4/2017</a:t>
             </a:fld>
             <a:endParaRPr lang="en-US"/>
           </a:p>
@@ -3080,7 +3082,7 @@
           <a:p>
             <a:fld id="{7DEA23E7-D0FC-41DC-8745-BE6FC447B182}" type="datetime1">
               <a:rPr lang="en-US" altLang="zh-CN" smtClean="0"/>
-              <a:t>9/1/2017</a:t>
+              <a:t>9/4/2017</a:t>
             </a:fld>
             <a:endParaRPr lang="en-US"/>
           </a:p>
@@ -3865,7 +3867,7 @@
           <a:p>
             <a:fld id="{5DEA8378-5F33-490B-8120-8DE6B7EE2781}" type="datetime1">
               <a:rPr lang="en-US" altLang="zh-CN" smtClean="0"/>
-              <a:t>9/1/2017</a:t>
+              <a:t>9/4/2017</a:t>
             </a:fld>
             <a:endParaRPr lang="en-US"/>
           </a:p>
@@ -4119,7 +4121,7 @@
           <a:p>
             <a:fld id="{38DD30CF-78A7-4C73-91B4-38D3E3317745}" type="datetime1">
               <a:rPr lang="en-US" altLang="zh-CN" smtClean="0"/>
-              <a:t>9/1/2017</a:t>
+              <a:t>9/4/2017</a:t>
             </a:fld>
             <a:endParaRPr lang="en-US"/>
           </a:p>
@@ -4222,7 +4224,7 @@
           <a:p>
             <a:fld id="{A1BE0A72-8501-4974-A7B7-5BD248ABBAFC}" type="datetime1">
               <a:rPr lang="zh-CN" altLang="en-US" smtClean="0"/>
-              <a:t>2017/9/1</a:t>
+              <a:t>2017/9/4</a:t>
             </a:fld>
             <a:endParaRPr lang="zh-CN" altLang="en-US"/>
           </a:p>
@@ -4483,7 +4485,7 @@
           <a:p>
             <a:fld id="{0B7E01DD-16D0-4DBA-9C1A-51468BA0B73A}" type="datetime1">
               <a:rPr lang="en-US" altLang="zh-CN" smtClean="0"/>
-              <a:t>9/1/2017</a:t>
+              <a:t>9/4/2017</a:t>
             </a:fld>
             <a:endParaRPr lang="en-US"/>
           </a:p>
@@ -4661,7 +4663,7 @@
           <a:p>
             <a:fld id="{B587E63F-0E62-4A50-901F-E071D77F7634}" type="datetime1">
               <a:rPr lang="en-US" altLang="zh-CN" smtClean="0"/>
-              <a:t>9/1/2017</a:t>
+              <a:t>9/4/2017</a:t>
             </a:fld>
             <a:endParaRPr lang="en-US"/>
           </a:p>
@@ -4849,7 +4851,7 @@
           <a:p>
             <a:fld id="{BD8521E8-9297-400B-AD8C-0A4D05699D33}" type="datetime1">
               <a:rPr lang="en-US" altLang="zh-CN" smtClean="0"/>
-              <a:t>9/1/2017</a:t>
+              <a:t>9/4/2017</a:t>
             </a:fld>
             <a:endParaRPr lang="en-US"/>
           </a:p>
@@ -5080,7 +5082,7 @@
           <a:p>
             <a:fld id="{ED5513C8-E3A4-4D78-B249-887659A958FF}" type="datetime1">
               <a:rPr lang="en-US" altLang="zh-CN" smtClean="0"/>
-              <a:t>9/1/2017</a:t>
+              <a:t>9/4/2017</a:t>
             </a:fld>
             <a:endParaRPr lang="en-US"/>
           </a:p>
@@ -5258,7 +5260,7 @@
           <a:p>
             <a:fld id="{EBEDA52C-3EEE-4289-818C-901C0A7814FE}" type="datetime1">
               <a:rPr lang="en-US" altLang="zh-CN" smtClean="0"/>
-              <a:t>9/1/2017</a:t>
+              <a:t>9/4/2017</a:t>
             </a:fld>
             <a:endParaRPr lang="en-US"/>
           </a:p>
@@ -5512,7 +5514,7 @@
           <a:p>
             <a:fld id="{09EF5D7F-EA15-485C-85DD-8FDC010A62D4}" type="datetime1">
               <a:rPr lang="en-US" altLang="zh-CN" smtClean="0"/>
-              <a:t>9/1/2017</a:t>
+              <a:t>9/4/2017</a:t>
             </a:fld>
             <a:endParaRPr lang="en-US"/>
           </a:p>
@@ -5752,7 +5754,7 @@
           <a:p>
             <a:fld id="{9541C2B2-0BAB-4CD4-83EE-25F1A7138896}" type="datetime1">
               <a:rPr lang="en-US" altLang="zh-CN" smtClean="0"/>
-              <a:t>9/1/2017</a:t>
+              <a:t>9/4/2017</a:t>
             </a:fld>
             <a:endParaRPr lang="en-US"/>
           </a:p>
@@ -6127,7 +6129,7 @@
           <a:p>
             <a:fld id="{7DEA23E7-D0FC-41DC-8745-BE6FC447B182}" type="datetime1">
               <a:rPr lang="en-US" altLang="zh-CN" smtClean="0"/>
-              <a:t>9/1/2017</a:t>
+              <a:t>9/4/2017</a:t>
             </a:fld>
             <a:endParaRPr lang="en-US"/>
           </a:p>
@@ -6912,7 +6914,7 @@
           <a:p>
             <a:fld id="{A1BE0A72-8501-4974-A7B7-5BD248ABBAFC}" type="datetime1">
               <a:rPr lang="zh-CN" altLang="en-US" smtClean="0"/>
-              <a:t>2017/9/1</a:t>
+              <a:t>2017/9/4</a:t>
             </a:fld>
             <a:endParaRPr lang="zh-CN" altLang="en-US"/>
           </a:p>
@@ -6965,7 +6967,7 @@
           <a:p>
             <a:fld id="{5DEA8378-5F33-490B-8120-8DE6B7EE2781}" type="datetime1">
               <a:rPr lang="en-US" altLang="zh-CN" smtClean="0"/>
-              <a:t>9/1/2017</a:t>
+              <a:t>9/4/2017</a:t>
             </a:fld>
             <a:endParaRPr lang="en-US"/>
           </a:p>
@@ -7219,7 +7221,7 @@
           <a:p>
             <a:fld id="{38DD30CF-78A7-4C73-91B4-38D3E3317745}" type="datetime1">
               <a:rPr lang="en-US" altLang="zh-CN" smtClean="0"/>
-              <a:t>9/1/2017</a:t>
+              <a:t>9/4/2017</a:t>
             </a:fld>
             <a:endParaRPr lang="en-US"/>
           </a:p>
@@ -7484,7 +7486,7 @@
           <a:p>
             <a:fld id="{0B7E01DD-16D0-4DBA-9C1A-51468BA0B73A}" type="datetime1">
               <a:rPr lang="en-US" altLang="zh-CN" smtClean="0"/>
-              <a:t>9/1/2017</a:t>
+              <a:t>9/4/2017</a:t>
             </a:fld>
             <a:endParaRPr lang="en-US"/>
           </a:p>
@@ -7662,7 +7664,7 @@
           <a:p>
             <a:fld id="{B587E63F-0E62-4A50-901F-E071D77F7634}" type="datetime1">
               <a:rPr lang="en-US" altLang="zh-CN" smtClean="0"/>
-              <a:t>9/1/2017</a:t>
+              <a:t>9/4/2017</a:t>
             </a:fld>
             <a:endParaRPr lang="en-US"/>
           </a:p>
@@ -7850,7 +7852,7 @@
           <a:p>
             <a:fld id="{BD8521E8-9297-400B-AD8C-0A4D05699D33}" type="datetime1">
               <a:rPr lang="en-US" altLang="zh-CN" smtClean="0"/>
-              <a:t>9/1/2017</a:t>
+              <a:t>9/4/2017</a:t>
             </a:fld>
             <a:endParaRPr lang="en-US"/>
           </a:p>
@@ -7953,7 +7955,7 @@
           <a:p>
             <a:fld id="{EF452D9C-F9EB-4417-9C3A-C876C2AF9415}" type="datetime1">
               <a:rPr lang="zh-CN" altLang="en-US" smtClean="0"/>
-              <a:t>2017/9/1</a:t>
+              <a:t>2017/9/4</a:t>
             </a:fld>
             <a:endParaRPr lang="zh-CN" altLang="en-US"/>
           </a:p>
@@ -8139,7 +8141,7 @@
           <a:p>
             <a:fld id="{2F2E9289-9B4C-49AE-BDDA-70D6EDC89D17}" type="datetime1">
               <a:rPr lang="zh-CN" altLang="en-US" smtClean="0"/>
-              <a:t>2017/9/1</a:t>
+              <a:t>2017/9/4</a:t>
             </a:fld>
             <a:endParaRPr lang="zh-CN" altLang="en-US"/>
           </a:p>
@@ -8309,7 +8311,7 @@
           <a:p>
             <a:fld id="{2F2E9289-9B4C-49AE-BDDA-70D6EDC89D17}" type="datetime1">
               <a:rPr lang="zh-CN" altLang="en-US" smtClean="0"/>
-              <a:t>2017/9/1</a:t>
+              <a:t>2017/9/4</a:t>
             </a:fld>
             <a:endParaRPr lang="zh-CN" altLang="en-US"/>
           </a:p>
@@ -8545,7 +8547,7 @@
           <a:p>
             <a:fld id="{8C5BA751-A251-47D6-8494-C134D9EBED5F}" type="datetime1">
               <a:rPr lang="zh-CN" altLang="en-US" smtClean="0"/>
-              <a:t>2017/9/1</a:t>
+              <a:t>2017/9/4</a:t>
             </a:fld>
             <a:endParaRPr lang="zh-CN" altLang="en-US"/>
           </a:p>
@@ -8901,7 +8903,7 @@
           <a:p>
             <a:fld id="{C46E2078-F302-4651-A2A2-2FC6C4E1A3F1}" type="datetime1">
               <a:rPr lang="zh-CN" altLang="en-US" smtClean="0"/>
-              <a:t>2017/9/1</a:t>
+              <a:t>2017/9/4</a:t>
             </a:fld>
             <a:endParaRPr lang="zh-CN" altLang="en-US"/>
           </a:p>
@@ -9023,7 +9025,7 @@
               <a:pPr>
                 <a:defRPr/>
               </a:pPr>
-              <a:t>2017/9/1</a:t>
+              <a:t>2017/9/4</a:t>
             </a:fld>
             <a:endParaRPr lang="zh-CN" altLang="en-US"/>
           </a:p>
@@ -9171,7 +9173,7 @@
           <a:p>
             <a:fld id="{A1BE0A72-8501-4974-A7B7-5BD248ABBAFC}" type="datetime1">
               <a:rPr lang="zh-CN" altLang="en-US" smtClean="0"/>
-              <a:t>2017/9/1</a:t>
+              <a:t>2017/9/4</a:t>
             </a:fld>
             <a:endParaRPr lang="zh-CN" altLang="en-US"/>
           </a:p>
@@ -9685,7 +9687,7 @@
           <a:p>
             <a:fld id="{A1BE0A72-8501-4974-A7B7-5BD248ABBAFC}" type="datetime1">
               <a:rPr lang="zh-CN" altLang="en-US" smtClean="0"/>
-              <a:t>2017/9/1</a:t>
+              <a:t>2017/9/4</a:t>
             </a:fld>
             <a:endParaRPr lang="zh-CN" altLang="en-US"/>
           </a:p>
@@ -10291,7 +10293,7 @@
           <a:p>
             <a:fld id="{7A78726F-0AD2-4A20-BC72-263D2D3F3A2F}" type="datetime1">
               <a:rPr lang="en-US" altLang="zh-CN" smtClean="0"/>
-              <a:t>9/1/2017</a:t>
+              <a:t>9/4/2017</a:t>
             </a:fld>
             <a:endParaRPr lang="en-US"/>
           </a:p>
@@ -11272,7 +11274,7 @@
           <a:p>
             <a:fld id="{A1BE0A72-8501-4974-A7B7-5BD248ABBAFC}" type="datetime1">
               <a:rPr lang="zh-CN" altLang="en-US" smtClean="0"/>
-              <a:t>2017/9/1</a:t>
+              <a:t>2017/9/4</a:t>
             </a:fld>
             <a:endParaRPr lang="zh-CN" altLang="en-US"/>
           </a:p>
@@ -11878,7 +11880,7 @@
           <a:p>
             <a:fld id="{7A78726F-0AD2-4A20-BC72-263D2D3F3A2F}" type="datetime1">
               <a:rPr lang="en-US" altLang="zh-CN" smtClean="0"/>
-              <a:t>9/1/2017</a:t>
+              <a:t>9/4/2017</a:t>
             </a:fld>
             <a:endParaRPr lang="en-US"/>
           </a:p>
@@ -13165,6 +13167,105 @@
           </a:p>
         </p:txBody>
       </p:sp>
+      <p:sp>
+        <p:nvSpPr>
+          <p:cNvPr id="3" name="矩形 2">
+            <a:extLst>
+              <a:ext uri="{FF2B5EF4-FFF2-40B4-BE49-F238E27FC236}">
+                <a16:creationId xmlns:a16="http://schemas.microsoft.com/office/drawing/2014/main" id="{CB4C7B03-B8C9-4B0F-9AFF-DF6BEBAB55B5}"/>
+              </a:ext>
+            </a:extLst>
+          </p:cNvPr>
+          <p:cNvSpPr/>
+          <p:nvPr/>
+        </p:nvSpPr>
+        <p:spPr>
+          <a:xfrm>
+            <a:off x="1054099" y="1629300"/>
+            <a:ext cx="8257049" cy="1754326"/>
+          </a:xfrm>
+          <a:prstGeom prst="rect">
+            <a:avLst/>
+          </a:prstGeom>
+        </p:spPr>
+        <p:txBody>
+          <a:bodyPr wrap="square">
+            <a:spAutoFit/>
+          </a:bodyPr>
+          <a:lstStyle/>
+          <a:p>
+            <a:pPr marL="285750" indent="-285750">
+              <a:lnSpc>
+                <a:spcPct val="150000"/>
+              </a:lnSpc>
+              <a:buFont typeface="Arial" panose="020B0604020202020204" pitchFamily="34" charset="0"/>
+              <a:buChar char="•"/>
+            </a:pPr>
+            <a:r>
+              <a:rPr lang="en-US" altLang="zh-CN" dirty="0">
+                <a:latin typeface="微软雅黑" panose="020B0503020204020204" pitchFamily="34" charset="-122"/>
+                <a:ea typeface="微软雅黑" panose="020B0503020204020204" pitchFamily="34" charset="-122"/>
+              </a:rPr>
+              <a:t>OAuth</a:t>
+            </a:r>
+            <a:r>
+              <a:rPr lang="zh-CN" altLang="en-US" dirty="0">
+                <a:latin typeface="微软雅黑" panose="020B0503020204020204" pitchFamily="34" charset="-122"/>
+                <a:ea typeface="微软雅黑" panose="020B0503020204020204" pitchFamily="34" charset="-122"/>
+              </a:rPr>
+              <a:t>（</a:t>
+            </a:r>
+            <a:r>
+              <a:rPr lang="en-US" altLang="zh-CN" dirty="0">
+                <a:latin typeface="微软雅黑" panose="020B0503020204020204" pitchFamily="34" charset="-122"/>
+                <a:ea typeface="微软雅黑" panose="020B0503020204020204" pitchFamily="34" charset="-122"/>
+              </a:rPr>
+              <a:t>Open Authorization</a:t>
+            </a:r>
+            <a:r>
+              <a:rPr lang="zh-CN" altLang="en-US" dirty="0">
+                <a:latin typeface="微软雅黑" panose="020B0503020204020204" pitchFamily="34" charset="-122"/>
+                <a:ea typeface="微软雅黑" panose="020B0503020204020204" pitchFamily="34" charset="-122"/>
+              </a:rPr>
+              <a:t>，开放授权）是为用户资源的授权定义了一个安全、开放及简单的标准，第三方无需知道用户的账号及密码，就可获取到用户的授权信息，并且这是安全的。</a:t>
+            </a:r>
+            <a:endParaRPr lang="en-US" altLang="zh-CN" dirty="0">
+              <a:latin typeface="微软雅黑" panose="020B0503020204020204" pitchFamily="34" charset="-122"/>
+              <a:ea typeface="微软雅黑" panose="020B0503020204020204" pitchFamily="34" charset="-122"/>
+            </a:endParaRPr>
+          </a:p>
+          <a:p>
+            <a:pPr marL="285750" indent="-285750">
+              <a:lnSpc>
+                <a:spcPct val="150000"/>
+              </a:lnSpc>
+              <a:buFont typeface="Arial" panose="020B0604020202020204" pitchFamily="34" charset="0"/>
+              <a:buChar char="•"/>
+            </a:pPr>
+            <a:r>
+              <a:rPr lang="zh-CN" altLang="en-US" dirty="0">
+                <a:latin typeface="微软雅黑" panose="020B0503020204020204" pitchFamily="34" charset="-122"/>
+                <a:ea typeface="微软雅黑" panose="020B0503020204020204" pitchFamily="34" charset="-122"/>
+              </a:rPr>
+              <a:t>目前的版本是</a:t>
+            </a:r>
+            <a:r>
+              <a:rPr lang="en-US" altLang="zh-CN" dirty="0">
+                <a:latin typeface="微软雅黑" panose="020B0503020204020204" pitchFamily="34" charset="-122"/>
+                <a:ea typeface="微软雅黑" panose="020B0503020204020204" pitchFamily="34" charset="-122"/>
+              </a:rPr>
+              <a:t>2.0</a:t>
+            </a:r>
+            <a:r>
+              <a:rPr lang="zh-CN" altLang="en-US" dirty="0">
+                <a:latin typeface="微软雅黑" panose="020B0503020204020204" pitchFamily="34" charset="-122"/>
+                <a:ea typeface="微软雅黑" panose="020B0503020204020204" pitchFamily="34" charset="-122"/>
+              </a:rPr>
+              <a:t>。</a:t>
+            </a:r>
+          </a:p>
+        </p:txBody>
+      </p:sp>
     </p:spTree>
     <p:extLst>
       <p:ext uri="{BB962C8B-B14F-4D97-AF65-F5344CB8AC3E}">
@@ -13579,6 +13680,291 @@
           </a:p>
         </p:txBody>
       </p:sp>
+      <p:sp>
+        <p:nvSpPr>
+          <p:cNvPr id="3" name="矩形 2">
+            <a:extLst>
+              <a:ext uri="{FF2B5EF4-FFF2-40B4-BE49-F238E27FC236}">
+                <a16:creationId xmlns:a16="http://schemas.microsoft.com/office/drawing/2014/main" id="{F07CD539-CB08-4949-B223-2C4F27D3CBFD}"/>
+              </a:ext>
+            </a:extLst>
+          </p:cNvPr>
+          <p:cNvSpPr/>
+          <p:nvPr/>
+        </p:nvSpPr>
+        <p:spPr>
+          <a:xfrm>
+            <a:off x="1054100" y="1741353"/>
+            <a:ext cx="10048568" cy="3416320"/>
+          </a:xfrm>
+          <a:prstGeom prst="rect">
+            <a:avLst/>
+          </a:prstGeom>
+        </p:spPr>
+        <p:txBody>
+          <a:bodyPr wrap="square">
+            <a:spAutoFit/>
+          </a:bodyPr>
+          <a:lstStyle/>
+          <a:p>
+            <a:pPr marL="285750" indent="-285750">
+              <a:lnSpc>
+                <a:spcPct val="150000"/>
+              </a:lnSpc>
+              <a:buFont typeface="Arial" panose="020B0604020202020204" pitchFamily="34" charset="0"/>
+              <a:buChar char="•"/>
+            </a:pPr>
+            <a:r>
+              <a:rPr lang="en-US" altLang="zh-CN" dirty="0">
+                <a:latin typeface="微软雅黑" panose="020B0503020204020204" pitchFamily="34" charset="-122"/>
+                <a:ea typeface="微软雅黑" panose="020B0503020204020204" pitchFamily="34" charset="-122"/>
+              </a:rPr>
+              <a:t>1</a:t>
+            </a:r>
+            <a:r>
+              <a:rPr lang="zh-CN" altLang="en-US" dirty="0">
+                <a:latin typeface="微软雅黑" panose="020B0503020204020204" pitchFamily="34" charset="-122"/>
+                <a:ea typeface="微软雅黑" panose="020B0503020204020204" pitchFamily="34" charset="-122"/>
+              </a:rPr>
+              <a:t>、在微信公众号请求用户网页授权之前，开发者需要先到公众平台官网中的“开发 </a:t>
+            </a:r>
+            <a:r>
+              <a:rPr lang="en-US" altLang="zh-CN" dirty="0">
+                <a:latin typeface="微软雅黑" panose="020B0503020204020204" pitchFamily="34" charset="-122"/>
+                <a:ea typeface="微软雅黑" panose="020B0503020204020204" pitchFamily="34" charset="-122"/>
+              </a:rPr>
+              <a:t>- </a:t>
+            </a:r>
+            <a:r>
+              <a:rPr lang="zh-CN" altLang="en-US" dirty="0">
+                <a:latin typeface="微软雅黑" panose="020B0503020204020204" pitchFamily="34" charset="-122"/>
+                <a:ea typeface="微软雅黑" panose="020B0503020204020204" pitchFamily="34" charset="-122"/>
+              </a:rPr>
+              <a:t>接口权限 </a:t>
+            </a:r>
+            <a:r>
+              <a:rPr lang="en-US" altLang="zh-CN" dirty="0">
+                <a:latin typeface="微软雅黑" panose="020B0503020204020204" pitchFamily="34" charset="-122"/>
+                <a:ea typeface="微软雅黑" panose="020B0503020204020204" pitchFamily="34" charset="-122"/>
+              </a:rPr>
+              <a:t>- </a:t>
+            </a:r>
+            <a:r>
+              <a:rPr lang="zh-CN" altLang="en-US" dirty="0">
+                <a:latin typeface="微软雅黑" panose="020B0503020204020204" pitchFamily="34" charset="-122"/>
+                <a:ea typeface="微软雅黑" panose="020B0503020204020204" pitchFamily="34" charset="-122"/>
+              </a:rPr>
+              <a:t>网页服务 </a:t>
+            </a:r>
+            <a:r>
+              <a:rPr lang="en-US" altLang="zh-CN" dirty="0">
+                <a:latin typeface="微软雅黑" panose="020B0503020204020204" pitchFamily="34" charset="-122"/>
+                <a:ea typeface="微软雅黑" panose="020B0503020204020204" pitchFamily="34" charset="-122"/>
+              </a:rPr>
+              <a:t>- </a:t>
+            </a:r>
+            <a:r>
+              <a:rPr lang="zh-CN" altLang="en-US" dirty="0">
+                <a:latin typeface="微软雅黑" panose="020B0503020204020204" pitchFamily="34" charset="-122"/>
+                <a:ea typeface="微软雅黑" panose="020B0503020204020204" pitchFamily="34" charset="-122"/>
+              </a:rPr>
+              <a:t>网页帐号 </a:t>
+            </a:r>
+            <a:r>
+              <a:rPr lang="en-US" altLang="zh-CN" dirty="0">
+                <a:latin typeface="微软雅黑" panose="020B0503020204020204" pitchFamily="34" charset="-122"/>
+                <a:ea typeface="微软雅黑" panose="020B0503020204020204" pitchFamily="34" charset="-122"/>
+              </a:rPr>
+              <a:t>- </a:t>
+            </a:r>
+            <a:r>
+              <a:rPr lang="zh-CN" altLang="en-US" dirty="0">
+                <a:latin typeface="微软雅黑" panose="020B0503020204020204" pitchFamily="34" charset="-122"/>
+                <a:ea typeface="微软雅黑" panose="020B0503020204020204" pitchFamily="34" charset="-122"/>
+              </a:rPr>
+              <a:t>网页授权获取用户基本信息”的配置选项中，修改授权回调域名。请注意，这里填写的是域名（是一个字符串），而不是</a:t>
+            </a:r>
+            <a:r>
+              <a:rPr lang="en-US" altLang="zh-CN" dirty="0">
+                <a:latin typeface="微软雅黑" panose="020B0503020204020204" pitchFamily="34" charset="-122"/>
+                <a:ea typeface="微软雅黑" panose="020B0503020204020204" pitchFamily="34" charset="-122"/>
+              </a:rPr>
+              <a:t>URL</a:t>
+            </a:r>
+            <a:r>
+              <a:rPr lang="zh-CN" altLang="en-US" dirty="0">
+                <a:latin typeface="微软雅黑" panose="020B0503020204020204" pitchFamily="34" charset="-122"/>
+                <a:ea typeface="微软雅黑" panose="020B0503020204020204" pitchFamily="34" charset="-122"/>
+              </a:rPr>
+              <a:t>，因此请勿加 </a:t>
+            </a:r>
+            <a:r>
+              <a:rPr lang="en-US" altLang="zh-CN" dirty="0">
+                <a:latin typeface="微软雅黑" panose="020B0503020204020204" pitchFamily="34" charset="-122"/>
+                <a:ea typeface="微软雅黑" panose="020B0503020204020204" pitchFamily="34" charset="-122"/>
+              </a:rPr>
+              <a:t>http:// </a:t>
+            </a:r>
+            <a:r>
+              <a:rPr lang="zh-CN" altLang="en-US" dirty="0">
+                <a:latin typeface="微软雅黑" panose="020B0503020204020204" pitchFamily="34" charset="-122"/>
+                <a:ea typeface="微软雅黑" panose="020B0503020204020204" pitchFamily="34" charset="-122"/>
+              </a:rPr>
+              <a:t>等协议头。</a:t>
+            </a:r>
+            <a:endParaRPr lang="en-US" altLang="zh-CN" dirty="0">
+              <a:latin typeface="微软雅黑" panose="020B0503020204020204" pitchFamily="34" charset="-122"/>
+              <a:ea typeface="微软雅黑" panose="020B0503020204020204" pitchFamily="34" charset="-122"/>
+            </a:endParaRPr>
+          </a:p>
+          <a:p>
+            <a:pPr>
+              <a:lnSpc>
+                <a:spcPct val="150000"/>
+              </a:lnSpc>
+            </a:pPr>
+            <a:endParaRPr lang="zh-CN" altLang="en-US" dirty="0">
+              <a:latin typeface="微软雅黑" panose="020B0503020204020204" pitchFamily="34" charset="-122"/>
+              <a:ea typeface="微软雅黑" panose="020B0503020204020204" pitchFamily="34" charset="-122"/>
+            </a:endParaRPr>
+          </a:p>
+          <a:p>
+            <a:pPr marL="285750" indent="-285750">
+              <a:lnSpc>
+                <a:spcPct val="150000"/>
+              </a:lnSpc>
+              <a:buFont typeface="Arial" panose="020B0604020202020204" pitchFamily="34" charset="0"/>
+              <a:buChar char="•"/>
+            </a:pPr>
+            <a:r>
+              <a:rPr lang="en-US" altLang="zh-CN" dirty="0">
+                <a:latin typeface="微软雅黑" panose="020B0503020204020204" pitchFamily="34" charset="-122"/>
+                <a:ea typeface="微软雅黑" panose="020B0503020204020204" pitchFamily="34" charset="-122"/>
+              </a:rPr>
+              <a:t>2</a:t>
+            </a:r>
+            <a:r>
+              <a:rPr lang="zh-CN" altLang="en-US" dirty="0">
+                <a:latin typeface="微软雅黑" panose="020B0503020204020204" pitchFamily="34" charset="-122"/>
+                <a:ea typeface="微软雅黑" panose="020B0503020204020204" pitchFamily="34" charset="-122"/>
+              </a:rPr>
+              <a:t>、授权回调域名配置规范为全域名，比如需要网页授权的域名为：</a:t>
+            </a:r>
+            <a:r>
+              <a:rPr lang="en-US" altLang="zh-CN" dirty="0">
+                <a:latin typeface="微软雅黑" panose="020B0503020204020204" pitchFamily="34" charset="-122"/>
+                <a:ea typeface="微软雅黑" panose="020B0503020204020204" pitchFamily="34" charset="-122"/>
+              </a:rPr>
+              <a:t>www.qq.com</a:t>
+            </a:r>
+            <a:r>
+              <a:rPr lang="zh-CN" altLang="en-US" dirty="0">
+                <a:latin typeface="微软雅黑" panose="020B0503020204020204" pitchFamily="34" charset="-122"/>
+                <a:ea typeface="微软雅黑" panose="020B0503020204020204" pitchFamily="34" charset="-122"/>
+              </a:rPr>
+              <a:t>，配置以后此域名下面的页面</a:t>
+            </a:r>
+            <a:r>
+              <a:rPr lang="en-US" altLang="zh-CN" dirty="0">
+                <a:latin typeface="微软雅黑" panose="020B0503020204020204" pitchFamily="34" charset="-122"/>
+                <a:ea typeface="微软雅黑" panose="020B0503020204020204" pitchFamily="34" charset="-122"/>
+              </a:rPr>
+              <a:t>http://www.qq.com/music.html </a:t>
+            </a:r>
+            <a:r>
+              <a:rPr lang="zh-CN" altLang="en-US" dirty="0">
+                <a:latin typeface="微软雅黑" panose="020B0503020204020204" pitchFamily="34" charset="-122"/>
+                <a:ea typeface="微软雅黑" panose="020B0503020204020204" pitchFamily="34" charset="-122"/>
+              </a:rPr>
+              <a:t>、 </a:t>
+            </a:r>
+            <a:r>
+              <a:rPr lang="en-US" altLang="zh-CN" dirty="0">
+                <a:latin typeface="微软雅黑" panose="020B0503020204020204" pitchFamily="34" charset="-122"/>
+                <a:ea typeface="微软雅黑" panose="020B0503020204020204" pitchFamily="34" charset="-122"/>
+              </a:rPr>
+              <a:t>http://www.qq.com/login.html </a:t>
+            </a:r>
+            <a:r>
+              <a:rPr lang="zh-CN" altLang="en-US" dirty="0">
+                <a:latin typeface="微软雅黑" panose="020B0503020204020204" pitchFamily="34" charset="-122"/>
+                <a:ea typeface="微软雅黑" panose="020B0503020204020204" pitchFamily="34" charset="-122"/>
+              </a:rPr>
+              <a:t>都可以进行</a:t>
+            </a:r>
+            <a:r>
+              <a:rPr lang="en-US" altLang="zh-CN" dirty="0">
+                <a:latin typeface="微软雅黑" panose="020B0503020204020204" pitchFamily="34" charset="-122"/>
+                <a:ea typeface="微软雅黑" panose="020B0503020204020204" pitchFamily="34" charset="-122"/>
+              </a:rPr>
+              <a:t>OAuth2.0</a:t>
+            </a:r>
+            <a:r>
+              <a:rPr lang="zh-CN" altLang="en-US" dirty="0">
+                <a:latin typeface="微软雅黑" panose="020B0503020204020204" pitchFamily="34" charset="-122"/>
+                <a:ea typeface="微软雅黑" panose="020B0503020204020204" pitchFamily="34" charset="-122"/>
+              </a:rPr>
+              <a:t>鉴权。但</a:t>
+            </a:r>
+            <a:r>
+              <a:rPr lang="en-US" altLang="zh-CN" dirty="0">
+                <a:latin typeface="微软雅黑" panose="020B0503020204020204" pitchFamily="34" charset="-122"/>
+                <a:ea typeface="微软雅黑" panose="020B0503020204020204" pitchFamily="34" charset="-122"/>
+              </a:rPr>
+              <a:t>http://pay.qq.com </a:t>
+            </a:r>
+            <a:r>
+              <a:rPr lang="zh-CN" altLang="en-US" dirty="0">
+                <a:latin typeface="微软雅黑" panose="020B0503020204020204" pitchFamily="34" charset="-122"/>
+                <a:ea typeface="微软雅黑" panose="020B0503020204020204" pitchFamily="34" charset="-122"/>
+              </a:rPr>
+              <a:t>、 </a:t>
+            </a:r>
+            <a:r>
+              <a:rPr lang="en-US" altLang="zh-CN" dirty="0">
+                <a:latin typeface="微软雅黑" panose="020B0503020204020204" pitchFamily="34" charset="-122"/>
+                <a:ea typeface="微软雅黑" panose="020B0503020204020204" pitchFamily="34" charset="-122"/>
+              </a:rPr>
+              <a:t>http://music.qq.com </a:t>
+            </a:r>
+            <a:r>
+              <a:rPr lang="zh-CN" altLang="en-US" dirty="0">
+                <a:latin typeface="微软雅黑" panose="020B0503020204020204" pitchFamily="34" charset="-122"/>
+                <a:ea typeface="微软雅黑" panose="020B0503020204020204" pitchFamily="34" charset="-122"/>
+              </a:rPr>
+              <a:t>、 </a:t>
+            </a:r>
+            <a:r>
+              <a:rPr lang="en-US" altLang="zh-CN" dirty="0">
+                <a:latin typeface="微软雅黑" panose="020B0503020204020204" pitchFamily="34" charset="-122"/>
+                <a:ea typeface="微软雅黑" panose="020B0503020204020204" pitchFamily="34" charset="-122"/>
+              </a:rPr>
+              <a:t>http://qq.com</a:t>
+            </a:r>
+            <a:r>
+              <a:rPr lang="zh-CN" altLang="en-US" dirty="0">
+                <a:latin typeface="微软雅黑" panose="020B0503020204020204" pitchFamily="34" charset="-122"/>
+                <a:ea typeface="微软雅黑" panose="020B0503020204020204" pitchFamily="34" charset="-122"/>
+              </a:rPr>
+              <a:t>无法进行</a:t>
+            </a:r>
+            <a:r>
+              <a:rPr lang="en-US" altLang="zh-CN" dirty="0">
+                <a:latin typeface="微软雅黑" panose="020B0503020204020204" pitchFamily="34" charset="-122"/>
+                <a:ea typeface="微软雅黑" panose="020B0503020204020204" pitchFamily="34" charset="-122"/>
+              </a:rPr>
+              <a:t>OAuth2.0</a:t>
+            </a:r>
+            <a:r>
+              <a:rPr lang="zh-CN" altLang="en-US" dirty="0">
+                <a:latin typeface="微软雅黑" panose="020B0503020204020204" pitchFamily="34" charset="-122"/>
+                <a:ea typeface="微软雅黑" panose="020B0503020204020204" pitchFamily="34" charset="-122"/>
+              </a:rPr>
+              <a:t>鉴权 。</a:t>
+            </a:r>
+          </a:p>
+        </p:txBody>
+      </p:sp>
     </p:spTree>
     <p:extLst>
       <p:ext uri="{BB962C8B-B14F-4D97-AF65-F5344CB8AC3E}">
@@ -13619,14 +14005,214 @@
             <p:ph sz="quarter" idx="13"/>
           </p:nvPr>
         </p:nvSpPr>
-        <p:spPr/>
+        <p:spPr>
+          <a:xfrm>
+            <a:off x="1054099" y="543636"/>
+            <a:ext cx="7432676" cy="685800"/>
+          </a:xfrm>
+        </p:spPr>
         <p:txBody>
           <a:bodyPr/>
           <a:lstStyle/>
           <a:p>
             <a:r>
               <a:rPr lang="zh-CN" altLang="en-US" b="0" dirty="0"/>
-              <a:t>微信授权处理流程</a:t>
+              <a:t>微信授权类型说明</a:t>
+            </a:r>
+          </a:p>
+        </p:txBody>
+      </p:sp>
+      <p:sp>
+        <p:nvSpPr>
+          <p:cNvPr id="3" name="矩形 2">
+            <a:extLst>
+              <a:ext uri="{FF2B5EF4-FFF2-40B4-BE49-F238E27FC236}">
+                <a16:creationId xmlns:a16="http://schemas.microsoft.com/office/drawing/2014/main" id="{C4A6E60F-D9F3-49EB-8588-B38A2CBB42A5}"/>
+              </a:ext>
+            </a:extLst>
+          </p:cNvPr>
+          <p:cNvSpPr/>
+          <p:nvPr/>
+        </p:nvSpPr>
+        <p:spPr>
+          <a:xfrm>
+            <a:off x="1054098" y="1592173"/>
+            <a:ext cx="10311992" cy="3000821"/>
+          </a:xfrm>
+          <a:prstGeom prst="rect">
+            <a:avLst/>
+          </a:prstGeom>
+        </p:spPr>
+        <p:txBody>
+          <a:bodyPr wrap="square">
+            <a:spAutoFit/>
+          </a:bodyPr>
+          <a:lstStyle/>
+          <a:p>
+            <a:pPr marL="285750" indent="-285750">
+              <a:lnSpc>
+                <a:spcPct val="150000"/>
+              </a:lnSpc>
+              <a:buFont typeface="Arial" panose="020B0604020202020204" pitchFamily="34" charset="0"/>
+              <a:buChar char="•"/>
+            </a:pPr>
+            <a:r>
+              <a:rPr lang="en-US" altLang="zh-CN" dirty="0">
+                <a:latin typeface="微软雅黑" panose="020B0503020204020204" pitchFamily="34" charset="-122"/>
+                <a:ea typeface="微软雅黑" panose="020B0503020204020204" pitchFamily="34" charset="-122"/>
+              </a:rPr>
+              <a:t>1</a:t>
+            </a:r>
+            <a:r>
+              <a:rPr lang="zh-CN" altLang="en-US" dirty="0">
+                <a:latin typeface="微软雅黑" panose="020B0503020204020204" pitchFamily="34" charset="-122"/>
+                <a:ea typeface="微软雅黑" panose="020B0503020204020204" pitchFamily="34" charset="-122"/>
+              </a:rPr>
+              <a:t>、以</a:t>
+            </a:r>
+            <a:r>
+              <a:rPr lang="en-US" altLang="zh-CN" dirty="0" err="1">
+                <a:latin typeface="微软雅黑" panose="020B0503020204020204" pitchFamily="34" charset="-122"/>
+                <a:ea typeface="微软雅黑" panose="020B0503020204020204" pitchFamily="34" charset="-122"/>
+              </a:rPr>
+              <a:t>snsapi_base</a:t>
+            </a:r>
+            <a:r>
+              <a:rPr lang="zh-CN" altLang="en-US" dirty="0">
+                <a:latin typeface="微软雅黑" panose="020B0503020204020204" pitchFamily="34" charset="-122"/>
+                <a:ea typeface="微软雅黑" panose="020B0503020204020204" pitchFamily="34" charset="-122"/>
+              </a:rPr>
+              <a:t>为</a:t>
+            </a:r>
+            <a:r>
+              <a:rPr lang="en-US" altLang="zh-CN" dirty="0">
+                <a:latin typeface="微软雅黑" panose="020B0503020204020204" pitchFamily="34" charset="-122"/>
+                <a:ea typeface="微软雅黑" panose="020B0503020204020204" pitchFamily="34" charset="-122"/>
+              </a:rPr>
+              <a:t>scope</a:t>
+            </a:r>
+            <a:r>
+              <a:rPr lang="zh-CN" altLang="en-US" dirty="0">
+                <a:latin typeface="微软雅黑" panose="020B0503020204020204" pitchFamily="34" charset="-122"/>
+                <a:ea typeface="微软雅黑" panose="020B0503020204020204" pitchFamily="34" charset="-122"/>
+              </a:rPr>
+              <a:t>发起的网页授权，是用来获取进入页面的用户的</a:t>
+            </a:r>
+            <a:r>
+              <a:rPr lang="en-US" altLang="zh-CN" dirty="0" err="1">
+                <a:latin typeface="微软雅黑" panose="020B0503020204020204" pitchFamily="34" charset="-122"/>
+                <a:ea typeface="微软雅黑" panose="020B0503020204020204" pitchFamily="34" charset="-122"/>
+              </a:rPr>
+              <a:t>openid</a:t>
+            </a:r>
+            <a:r>
+              <a:rPr lang="zh-CN" altLang="en-US" dirty="0">
+                <a:latin typeface="微软雅黑" panose="020B0503020204020204" pitchFamily="34" charset="-122"/>
+                <a:ea typeface="微软雅黑" panose="020B0503020204020204" pitchFamily="34" charset="-122"/>
+              </a:rPr>
+              <a:t>的，并且是静默授权并自动跳转到回调页的。用户感知的就是直接进入了回调页（往往是业务页面）</a:t>
+            </a:r>
+          </a:p>
+          <a:p>
+            <a:pPr marL="285750" indent="-285750">
+              <a:lnSpc>
+                <a:spcPct val="150000"/>
+              </a:lnSpc>
+              <a:buFont typeface="Arial" panose="020B0604020202020204" pitchFamily="34" charset="0"/>
+              <a:buChar char="•"/>
+            </a:pPr>
+            <a:r>
+              <a:rPr lang="en-US" altLang="zh-CN" dirty="0">
+                <a:latin typeface="微软雅黑" panose="020B0503020204020204" pitchFamily="34" charset="-122"/>
+                <a:ea typeface="微软雅黑" panose="020B0503020204020204" pitchFamily="34" charset="-122"/>
+              </a:rPr>
+              <a:t>2</a:t>
+            </a:r>
+            <a:r>
+              <a:rPr lang="zh-CN" altLang="en-US" dirty="0">
+                <a:latin typeface="微软雅黑" panose="020B0503020204020204" pitchFamily="34" charset="-122"/>
+                <a:ea typeface="微软雅黑" panose="020B0503020204020204" pitchFamily="34" charset="-122"/>
+              </a:rPr>
+              <a:t>、以</a:t>
+            </a:r>
+            <a:r>
+              <a:rPr lang="en-US" altLang="zh-CN" dirty="0" err="1">
+                <a:latin typeface="微软雅黑" panose="020B0503020204020204" pitchFamily="34" charset="-122"/>
+                <a:ea typeface="微软雅黑" panose="020B0503020204020204" pitchFamily="34" charset="-122"/>
+              </a:rPr>
+              <a:t>snsapi_userinfo</a:t>
+            </a:r>
+            <a:r>
+              <a:rPr lang="zh-CN" altLang="en-US" dirty="0">
+                <a:latin typeface="微软雅黑" panose="020B0503020204020204" pitchFamily="34" charset="-122"/>
+                <a:ea typeface="微软雅黑" panose="020B0503020204020204" pitchFamily="34" charset="-122"/>
+              </a:rPr>
+              <a:t>为</a:t>
+            </a:r>
+            <a:r>
+              <a:rPr lang="en-US" altLang="zh-CN" dirty="0">
+                <a:latin typeface="微软雅黑" panose="020B0503020204020204" pitchFamily="34" charset="-122"/>
+                <a:ea typeface="微软雅黑" panose="020B0503020204020204" pitchFamily="34" charset="-122"/>
+              </a:rPr>
+              <a:t>scope</a:t>
+            </a:r>
+            <a:r>
+              <a:rPr lang="zh-CN" altLang="en-US" dirty="0">
+                <a:latin typeface="微软雅黑" panose="020B0503020204020204" pitchFamily="34" charset="-122"/>
+                <a:ea typeface="微软雅黑" panose="020B0503020204020204" pitchFamily="34" charset="-122"/>
+              </a:rPr>
+              <a:t>发起的网页授权，是用来获取用户的基本信息的。但这种授权需要用户手动同意，并且由于用户同意过，所以无须关注，就可在授权后获取该用户的基本信息。 </a:t>
+            </a:r>
+          </a:p>
+          <a:p>
+            <a:pPr marL="285750" indent="-285750">
+              <a:lnSpc>
+                <a:spcPct val="150000"/>
+              </a:lnSpc>
+              <a:buFont typeface="Arial" panose="020B0604020202020204" pitchFamily="34" charset="0"/>
+              <a:buChar char="•"/>
+            </a:pPr>
+            <a:r>
+              <a:rPr lang="en-US" altLang="zh-CN" dirty="0">
+                <a:latin typeface="微软雅黑" panose="020B0503020204020204" pitchFamily="34" charset="-122"/>
+                <a:ea typeface="微软雅黑" panose="020B0503020204020204" pitchFamily="34" charset="-122"/>
+              </a:rPr>
+              <a:t>3</a:t>
+            </a:r>
+            <a:r>
+              <a:rPr lang="zh-CN" altLang="en-US" dirty="0">
+                <a:latin typeface="微软雅黑" panose="020B0503020204020204" pitchFamily="34" charset="-122"/>
+                <a:ea typeface="微软雅黑" panose="020B0503020204020204" pitchFamily="34" charset="-122"/>
+              </a:rPr>
+              <a:t>、用户管理类接口中的“获取用户基本信息接口”，是在用户和公众号产生消息交互或关注后事件推送后，才能根据用户</a:t>
+            </a:r>
+            <a:r>
+              <a:rPr lang="en-US" altLang="zh-CN" dirty="0">
+                <a:latin typeface="微软雅黑" panose="020B0503020204020204" pitchFamily="34" charset="-122"/>
+                <a:ea typeface="微软雅黑" panose="020B0503020204020204" pitchFamily="34" charset="-122"/>
+              </a:rPr>
+              <a:t>OpenID</a:t>
+            </a:r>
+            <a:r>
+              <a:rPr lang="zh-CN" altLang="en-US" dirty="0">
+                <a:latin typeface="微软雅黑" panose="020B0503020204020204" pitchFamily="34" charset="-122"/>
+                <a:ea typeface="微软雅黑" panose="020B0503020204020204" pitchFamily="34" charset="-122"/>
+              </a:rPr>
+              <a:t>来获取用户基本信息。这个接口，包括其他微信接口，都是需要该用户（即</a:t>
+            </a:r>
+            <a:r>
+              <a:rPr lang="en-US" altLang="zh-CN" dirty="0" err="1">
+                <a:latin typeface="微软雅黑" panose="020B0503020204020204" pitchFamily="34" charset="-122"/>
+                <a:ea typeface="微软雅黑" panose="020B0503020204020204" pitchFamily="34" charset="-122"/>
+              </a:rPr>
+              <a:t>openid</a:t>
+            </a:r>
+            <a:r>
+              <a:rPr lang="zh-CN" altLang="en-US" dirty="0">
+                <a:latin typeface="微软雅黑" panose="020B0503020204020204" pitchFamily="34" charset="-122"/>
+                <a:ea typeface="微软雅黑" panose="020B0503020204020204" pitchFamily="34" charset="-122"/>
+              </a:rPr>
+              <a:t>）关注了公众号后，才能调用成功的。 </a:t>
             </a:r>
           </a:p>
         </p:txBody>
@@ -13634,7 +14220,7 @@
     </p:spTree>
     <p:extLst>
       <p:ext uri="{BB962C8B-B14F-4D97-AF65-F5344CB8AC3E}">
-        <p14:creationId xmlns:p14="http://schemas.microsoft.com/office/powerpoint/2010/main" val="3923890876"/>
+        <p14:creationId xmlns:p14="http://schemas.microsoft.com/office/powerpoint/2010/main" val="449583257"/>
       </p:ext>
     </p:extLst>
   </p:cSld>
@@ -13855,19 +14441,14 @@
             <p:ph sz="quarter" idx="13"/>
           </p:nvPr>
         </p:nvSpPr>
-        <p:spPr>
-          <a:xfrm>
-            <a:off x="1054099" y="543636"/>
-            <a:ext cx="6003925" cy="685800"/>
-          </a:xfrm>
-        </p:spPr>
+        <p:spPr/>
         <p:txBody>
           <a:bodyPr/>
           <a:lstStyle/>
           <a:p>
             <a:r>
               <a:rPr lang="zh-CN" altLang="en-US" b="0" dirty="0"/>
-              <a:t>微信授权接口</a:t>
+              <a:t>微信授权处理流程</a:t>
             </a:r>
           </a:p>
         </p:txBody>
@@ -13875,7 +14456,7 @@
     </p:spTree>
     <p:extLst>
       <p:ext uri="{BB962C8B-B14F-4D97-AF65-F5344CB8AC3E}">
-        <p14:creationId xmlns:p14="http://schemas.microsoft.com/office/powerpoint/2010/main" val="3631587936"/>
+        <p14:creationId xmlns:p14="http://schemas.microsoft.com/office/powerpoint/2010/main" val="3923890876"/>
       </p:ext>
     </p:extLst>
   </p:cSld>
@@ -13915,7 +14496,7 @@
         <p:spPr>
           <a:xfrm>
             <a:off x="1054099" y="543636"/>
-            <a:ext cx="7432676" cy="685800"/>
+            <a:ext cx="6003925" cy="685800"/>
           </a:xfrm>
         </p:spPr>
         <p:txBody>
@@ -13924,7 +14505,7 @@
           <a:p>
             <a:r>
               <a:rPr lang="zh-CN" altLang="en-US" b="0" dirty="0"/>
-              <a:t>处理结果</a:t>
+              <a:t>微信授权接口</a:t>
             </a:r>
           </a:p>
         </p:txBody>
@@ -13932,7 +14513,7 @@
     </p:spTree>
     <p:extLst>
       <p:ext uri="{BB962C8B-B14F-4D97-AF65-F5344CB8AC3E}">
-        <p14:creationId xmlns:p14="http://schemas.microsoft.com/office/powerpoint/2010/main" val="449583257"/>
+        <p14:creationId xmlns:p14="http://schemas.microsoft.com/office/powerpoint/2010/main" val="3631587936"/>
       </p:ext>
     </p:extLst>
   </p:cSld>
@@ -13943,6 +14524,120 @@
 </file>
 
 <file path=ppt/slides/slide22.xml><?xml version="1.0" encoding="utf-8"?>
+<p:sld xmlns:a="http://schemas.openxmlformats.org/drawingml/2006/main" xmlns:r="http://schemas.openxmlformats.org/officeDocument/2006/relationships" xmlns:p="http://schemas.openxmlformats.org/presentationml/2006/main">
+  <p:cSld>
+    <p:spTree>
+      <p:nvGrpSpPr>
+        <p:cNvPr id="1" name=""/>
+        <p:cNvGrpSpPr/>
+        <p:nvPr/>
+      </p:nvGrpSpPr>
+      <p:grpSpPr>
+        <a:xfrm>
+          <a:off x="0" y="0"/>
+          <a:ext cx="0" cy="0"/>
+          <a:chOff x="0" y="0"/>
+          <a:chExt cx="0" cy="0"/>
+        </a:xfrm>
+      </p:grpSpPr>
+      <p:sp>
+        <p:nvSpPr>
+          <p:cNvPr id="2" name="内容占位符 1"/>
+          <p:cNvSpPr>
+            <a:spLocks noGrp="1"/>
+          </p:cNvSpPr>
+          <p:nvPr>
+            <p:ph sz="quarter" idx="13"/>
+          </p:nvPr>
+        </p:nvSpPr>
+        <p:spPr>
+          <a:xfrm>
+            <a:off x="1054099" y="543636"/>
+            <a:ext cx="6003925" cy="685800"/>
+          </a:xfrm>
+        </p:spPr>
+        <p:txBody>
+          <a:bodyPr/>
+          <a:lstStyle/>
+          <a:p>
+            <a:r>
+              <a:rPr lang="zh-CN" altLang="en-US" b="0" dirty="0"/>
+              <a:t>微信授权接口</a:t>
+            </a:r>
+          </a:p>
+        </p:txBody>
+      </p:sp>
+    </p:spTree>
+    <p:extLst>
+      <p:ext uri="{BB962C8B-B14F-4D97-AF65-F5344CB8AC3E}">
+        <p14:creationId xmlns:p14="http://schemas.microsoft.com/office/powerpoint/2010/main" val="395657153"/>
+      </p:ext>
+    </p:extLst>
+  </p:cSld>
+  <p:clrMapOvr>
+    <a:masterClrMapping/>
+  </p:clrMapOvr>
+</p:sld>
+</file>
+
+<file path=ppt/slides/slide23.xml><?xml version="1.0" encoding="utf-8"?>
+<p:sld xmlns:a="http://schemas.openxmlformats.org/drawingml/2006/main" xmlns:r="http://schemas.openxmlformats.org/officeDocument/2006/relationships" xmlns:p="http://schemas.openxmlformats.org/presentationml/2006/main">
+  <p:cSld>
+    <p:spTree>
+      <p:nvGrpSpPr>
+        <p:cNvPr id="1" name=""/>
+        <p:cNvGrpSpPr/>
+        <p:nvPr/>
+      </p:nvGrpSpPr>
+      <p:grpSpPr>
+        <a:xfrm>
+          <a:off x="0" y="0"/>
+          <a:ext cx="0" cy="0"/>
+          <a:chOff x="0" y="0"/>
+          <a:chExt cx="0" cy="0"/>
+        </a:xfrm>
+      </p:grpSpPr>
+      <p:sp>
+        <p:nvSpPr>
+          <p:cNvPr id="2" name="内容占位符 1"/>
+          <p:cNvSpPr>
+            <a:spLocks noGrp="1"/>
+          </p:cNvSpPr>
+          <p:nvPr>
+            <p:ph sz="quarter" idx="13"/>
+          </p:nvPr>
+        </p:nvSpPr>
+        <p:spPr>
+          <a:xfrm>
+            <a:off x="1054099" y="543636"/>
+            <a:ext cx="6003925" cy="685800"/>
+          </a:xfrm>
+        </p:spPr>
+        <p:txBody>
+          <a:bodyPr/>
+          <a:lstStyle/>
+          <a:p>
+            <a:r>
+              <a:rPr lang="zh-CN" altLang="en-US" b="0" dirty="0"/>
+              <a:t>微信授权接口</a:t>
+            </a:r>
+          </a:p>
+        </p:txBody>
+      </p:sp>
+    </p:spTree>
+    <p:extLst>
+      <p:ext uri="{BB962C8B-B14F-4D97-AF65-F5344CB8AC3E}">
+        <p14:creationId xmlns:p14="http://schemas.microsoft.com/office/powerpoint/2010/main" val="804475491"/>
+      </p:ext>
+    </p:extLst>
+  </p:cSld>
+  <p:clrMapOvr>
+    <a:masterClrMapping/>
+  </p:clrMapOvr>
+</p:sld>
+</file>
+
+<file path=ppt/slides/slide24.xml><?xml version="1.0" encoding="utf-8"?>
 <p:sld xmlns:a="http://schemas.openxmlformats.org/drawingml/2006/main" xmlns:r="http://schemas.openxmlformats.org/officeDocument/2006/relationships" xmlns:p="http://schemas.openxmlformats.org/presentationml/2006/main">
   <p:cSld>
     <p:spTree>
@@ -14936,7 +15631,7 @@
         <p:spPr>
           <a:xfrm>
             <a:off x="1189703" y="1779639"/>
-            <a:ext cx="9419303" cy="1291379"/>
+            <a:ext cx="9419303" cy="1754326"/>
           </a:xfrm>
           <a:prstGeom prst="rect">
             <a:avLst/>
@@ -14972,7 +15667,15 @@
             </a:pPr>
             <a:r>
               <a:rPr lang="zh-CN" altLang="en-US" dirty="0"/>
-              <a:t>主要涉及到主要支付方式的流程处理，回调处理，需要注意的问题。</a:t>
+              <a:t>主要涉及到主要支付方式的流程处理，回调处理，需要注意的问题，以及微信支付</a:t>
+            </a:r>
+            <a:r>
+              <a:rPr lang="en-US" altLang="zh-CN" dirty="0"/>
+              <a:t>SDK</a:t>
+            </a:r>
+            <a:r>
+              <a:rPr lang="zh-CN" altLang="en-US" dirty="0"/>
+              <a:t>中存在的问题。</a:t>
             </a:r>
           </a:p>
         </p:txBody>
@@ -15029,6 +15732,42 @@
           </a:p>
         </p:txBody>
       </p:sp>
+      <p:pic>
+        <p:nvPicPr>
+          <p:cNvPr id="4" name="图片 3">
+            <a:extLst>
+              <a:ext uri="{FF2B5EF4-FFF2-40B4-BE49-F238E27FC236}">
+                <a16:creationId xmlns:a16="http://schemas.microsoft.com/office/drawing/2014/main" id="{DC29085C-BBB7-4798-8B4C-E1C024A0BA01}"/>
+              </a:ext>
+            </a:extLst>
+          </p:cNvPr>
+          <p:cNvPicPr>
+            <a:picLocks noChangeAspect="1"/>
+          </p:cNvPicPr>
+          <p:nvPr/>
+        </p:nvPicPr>
+        <p:blipFill>
+          <a:blip r:embed="rId2">
+            <a:extLst>
+              <a:ext uri="{28A0092B-C50C-407E-A947-70E740481C1C}">
+                <a14:useLocalDpi xmlns:a14="http://schemas.microsoft.com/office/drawing/2010/main" val="0"/>
+              </a:ext>
+            </a:extLst>
+          </a:blip>
+          <a:stretch>
+            <a:fillRect/>
+          </a:stretch>
+        </p:blipFill>
+        <p:spPr>
+          <a:xfrm>
+            <a:off x="1054099" y="1534077"/>
+            <a:ext cx="9323363" cy="5132193"/>
+          </a:xfrm>
+          <a:prstGeom prst="rect">
+            <a:avLst/>
+          </a:prstGeom>
+        </p:spPr>
+      </p:pic>
     </p:spTree>
     <p:extLst>
       <p:ext uri="{BB962C8B-B14F-4D97-AF65-F5344CB8AC3E}">
@@ -15138,6 +15877,158 @@
             <a:r>
               <a:rPr lang="zh-CN" altLang="en-US" b="0" dirty="0"/>
               <a:t>端扫码支付</a:t>
+            </a:r>
+          </a:p>
+        </p:txBody>
+      </p:sp>
+      <p:sp>
+        <p:nvSpPr>
+          <p:cNvPr id="3" name="矩形 2">
+            <a:extLst>
+              <a:ext uri="{FF2B5EF4-FFF2-40B4-BE49-F238E27FC236}">
+                <a16:creationId xmlns:a16="http://schemas.microsoft.com/office/drawing/2014/main" id="{7E8A0328-4324-4E1D-916B-7EB5978948BE}"/>
+              </a:ext>
+            </a:extLst>
+          </p:cNvPr>
+          <p:cNvSpPr/>
+          <p:nvPr/>
+        </p:nvSpPr>
+        <p:spPr>
+          <a:xfrm>
+            <a:off x="1054099" y="1688294"/>
+            <a:ext cx="10095682" cy="2120902"/>
+          </a:xfrm>
+          <a:prstGeom prst="rect">
+            <a:avLst/>
+          </a:prstGeom>
+        </p:spPr>
+        <p:txBody>
+          <a:bodyPr wrap="square">
+            <a:spAutoFit/>
+          </a:bodyPr>
+          <a:lstStyle/>
+          <a:p>
+            <a:pPr marL="285750" indent="-285750">
+              <a:lnSpc>
+                <a:spcPct val="150000"/>
+              </a:lnSpc>
+              <a:buFont typeface="Arial" panose="020B0604020202020204" pitchFamily="34" charset="0"/>
+              <a:buChar char="•"/>
+            </a:pPr>
+            <a:r>
+              <a:rPr lang="zh-CN" altLang="en-US" dirty="0">
+                <a:latin typeface="微软雅黑" panose="020B0503020204020204" pitchFamily="34" charset="-122"/>
+                <a:ea typeface="微软雅黑" panose="020B0503020204020204" pitchFamily="34" charset="-122"/>
+              </a:rPr>
+              <a:t>步骤</a:t>
+            </a:r>
+            <a:r>
+              <a:rPr lang="en-US" altLang="zh-CN" dirty="0">
+                <a:latin typeface="微软雅黑" panose="020B0503020204020204" pitchFamily="34" charset="-122"/>
+                <a:ea typeface="微软雅黑" panose="020B0503020204020204" pitchFamily="34" charset="-122"/>
+              </a:rPr>
+              <a:t>1</a:t>
+            </a:r>
+            <a:r>
+              <a:rPr lang="zh-CN" altLang="en-US" dirty="0">
+                <a:latin typeface="微软雅黑" panose="020B0503020204020204" pitchFamily="34" charset="-122"/>
+                <a:ea typeface="微软雅黑" panose="020B0503020204020204" pitchFamily="34" charset="-122"/>
+              </a:rPr>
+              <a:t>：商户根据微信支付的规则，为不同商品生成不同的二维码，展示在各种场景，用于用户扫描购买。</a:t>
+            </a:r>
+          </a:p>
+          <a:p>
+            <a:pPr marL="285750" indent="-285750">
+              <a:lnSpc>
+                <a:spcPct val="150000"/>
+              </a:lnSpc>
+              <a:buFont typeface="Arial" panose="020B0604020202020204" pitchFamily="34" charset="0"/>
+              <a:buChar char="•"/>
+            </a:pPr>
+            <a:r>
+              <a:rPr lang="zh-CN" altLang="en-US" dirty="0">
+                <a:latin typeface="微软雅黑" panose="020B0503020204020204" pitchFamily="34" charset="-122"/>
+                <a:ea typeface="微软雅黑" panose="020B0503020204020204" pitchFamily="34" charset="-122"/>
+              </a:rPr>
+              <a:t>步骤</a:t>
+            </a:r>
+            <a:r>
+              <a:rPr lang="en-US" altLang="zh-CN" dirty="0">
+                <a:latin typeface="微软雅黑" panose="020B0503020204020204" pitchFamily="34" charset="-122"/>
+                <a:ea typeface="微软雅黑" panose="020B0503020204020204" pitchFamily="34" charset="-122"/>
+              </a:rPr>
+              <a:t>2</a:t>
+            </a:r>
+            <a:r>
+              <a:rPr lang="zh-CN" altLang="en-US" dirty="0">
+                <a:latin typeface="微软雅黑" panose="020B0503020204020204" pitchFamily="34" charset="-122"/>
+                <a:ea typeface="微软雅黑" panose="020B0503020204020204" pitchFamily="34" charset="-122"/>
+              </a:rPr>
+              <a:t>：用户使用微信“扫一扫”扫描二维码后，获取商品支付信息，引导用户完成支付。</a:t>
+            </a:r>
+            <a:endParaRPr lang="en-US" altLang="zh-CN" dirty="0">
+              <a:latin typeface="微软雅黑" panose="020B0503020204020204" pitchFamily="34" charset="-122"/>
+              <a:ea typeface="微软雅黑" panose="020B0503020204020204" pitchFamily="34" charset="-122"/>
+            </a:endParaRPr>
+          </a:p>
+          <a:p>
+            <a:pPr marL="285750" indent="-285750">
+              <a:lnSpc>
+                <a:spcPct val="150000"/>
+              </a:lnSpc>
+              <a:buFont typeface="Arial" panose="020B0604020202020204" pitchFamily="34" charset="0"/>
+              <a:buChar char="•"/>
+            </a:pPr>
+            <a:r>
+              <a:rPr lang="zh-CN" altLang="en-US" dirty="0">
+                <a:latin typeface="微软雅黑" panose="020B0503020204020204" pitchFamily="34" charset="-122"/>
+                <a:ea typeface="微软雅黑" panose="020B0503020204020204" pitchFamily="34" charset="-122"/>
+              </a:rPr>
+              <a:t>步骤</a:t>
+            </a:r>
+            <a:r>
+              <a:rPr lang="en-US" altLang="zh-CN" dirty="0">
+                <a:latin typeface="微软雅黑" panose="020B0503020204020204" pitchFamily="34" charset="-122"/>
+                <a:ea typeface="微软雅黑" panose="020B0503020204020204" pitchFamily="34" charset="-122"/>
+              </a:rPr>
+              <a:t>3</a:t>
+            </a:r>
+            <a:r>
+              <a:rPr lang="zh-CN" altLang="en-US" dirty="0">
+                <a:latin typeface="微软雅黑" panose="020B0503020204020204" pitchFamily="34" charset="-122"/>
+                <a:ea typeface="微软雅黑" panose="020B0503020204020204" pitchFamily="34" charset="-122"/>
+              </a:rPr>
+              <a:t>：用户确认支付，输入支付密码。</a:t>
+            </a:r>
+          </a:p>
+          <a:p>
+            <a:pPr marL="285750" indent="-285750">
+              <a:lnSpc>
+                <a:spcPct val="150000"/>
+              </a:lnSpc>
+              <a:buFont typeface="Arial" panose="020B0604020202020204" pitchFamily="34" charset="0"/>
+              <a:buChar char="•"/>
+            </a:pPr>
+            <a:r>
+              <a:rPr lang="zh-CN" altLang="en-US" dirty="0">
+                <a:latin typeface="微软雅黑" panose="020B0503020204020204" pitchFamily="34" charset="-122"/>
+                <a:ea typeface="微软雅黑" panose="020B0503020204020204" pitchFamily="34" charset="-122"/>
+              </a:rPr>
+              <a:t>步骤</a:t>
+            </a:r>
+            <a:r>
+              <a:rPr lang="en-US" altLang="zh-CN" dirty="0">
+                <a:latin typeface="微软雅黑" panose="020B0503020204020204" pitchFamily="34" charset="-122"/>
+                <a:ea typeface="微软雅黑" panose="020B0503020204020204" pitchFamily="34" charset="-122"/>
+              </a:rPr>
+              <a:t>4</a:t>
+            </a:r>
+            <a:r>
+              <a:rPr lang="zh-CN" altLang="en-US" dirty="0">
+                <a:latin typeface="微软雅黑" panose="020B0503020204020204" pitchFamily="34" charset="-122"/>
+                <a:ea typeface="微软雅黑" panose="020B0503020204020204" pitchFamily="34" charset="-122"/>
+              </a:rPr>
+              <a:t>：支付完成后会提示用户支付成功，商户后台得到支付成功的通知，然后进行发货处理。</a:t>
             </a:r>
           </a:p>
         </p:txBody>

--- a/课程ppt/第11讲 微信支付与Oauth授权.pptx
+++ b/课程ppt/第11讲 微信支付与Oauth授权.pptx
@@ -9,10 +9,10 @@
     <p:sldMasterId id="2147483691" r:id="rId5"/>
   </p:sldMasterIdLst>
   <p:notesMasterIdLst>
-    <p:notesMasterId r:id="rId30"/>
+    <p:notesMasterId r:id="rId34"/>
   </p:notesMasterIdLst>
   <p:handoutMasterIdLst>
-    <p:handoutMasterId r:id="rId31"/>
+    <p:handoutMasterId r:id="rId35"/>
   </p:handoutMasterIdLst>
   <p:sldIdLst>
     <p:sldId id="257" r:id="rId6"/>
@@ -24,26 +24,30 @@
     <p:sldId id="485" r:id="rId12"/>
     <p:sldId id="482" r:id="rId13"/>
     <p:sldId id="466" r:id="rId14"/>
-    <p:sldId id="483" r:id="rId15"/>
-    <p:sldId id="484" r:id="rId16"/>
-    <p:sldId id="460" r:id="rId17"/>
-    <p:sldId id="480" r:id="rId18"/>
-    <p:sldId id="440" r:id="rId19"/>
-    <p:sldId id="439" r:id="rId20"/>
-    <p:sldId id="456" r:id="rId21"/>
-    <p:sldId id="452" r:id="rId22"/>
-    <p:sldId id="473" r:id="rId23"/>
-    <p:sldId id="477" r:id="rId24"/>
-    <p:sldId id="472" r:id="rId25"/>
-    <p:sldId id="469" r:id="rId26"/>
-    <p:sldId id="487" r:id="rId27"/>
-    <p:sldId id="488" r:id="rId28"/>
-    <p:sldId id="311" r:id="rId29"/>
+    <p:sldId id="484" r:id="rId15"/>
+    <p:sldId id="489" r:id="rId16"/>
+    <p:sldId id="490" r:id="rId17"/>
+    <p:sldId id="460" r:id="rId18"/>
+    <p:sldId id="480" r:id="rId19"/>
+    <p:sldId id="440" r:id="rId20"/>
+    <p:sldId id="439" r:id="rId21"/>
+    <p:sldId id="456" r:id="rId22"/>
+    <p:sldId id="452" r:id="rId23"/>
+    <p:sldId id="473" r:id="rId24"/>
+    <p:sldId id="477" r:id="rId25"/>
+    <p:sldId id="472" r:id="rId26"/>
+    <p:sldId id="469" r:id="rId27"/>
+    <p:sldId id="491" r:id="rId28"/>
+    <p:sldId id="487" r:id="rId29"/>
+    <p:sldId id="492" r:id="rId30"/>
+    <p:sldId id="488" r:id="rId31"/>
+    <p:sldId id="493" r:id="rId32"/>
+    <p:sldId id="311" r:id="rId33"/>
   </p:sldIdLst>
   <p:sldSz cx="12192000" cy="6858000"/>
   <p:notesSz cx="6858000" cy="9144000"/>
   <p:custDataLst>
-    <p:tags r:id="rId32"/>
+    <p:tags r:id="rId36"/>
   </p:custDataLst>
   <p:defaultTextStyle>
     <a:defPPr>
@@ -440,7 +444,7 @@
           <a:p>
             <a:fld id="{0568D9C6-D8DC-4CC3-8480-E0C4DBA1CC07}" type="datetimeFigureOut">
               <a:rPr lang="zh-CN" altLang="en-US" smtClean="0"/>
-              <a:t>2017/9/4</a:t>
+              <a:t>2017/9/5</a:t>
             </a:fld>
             <a:endParaRPr lang="zh-CN" altLang="en-US"/>
           </a:p>
@@ -951,7 +955,7 @@
                 <a:ea typeface="宋体" charset="-122"/>
               </a:rPr>
               <a:pPr algn="r" eaLnBrk="1" hangingPunct="1"/>
-              <a:t>24</a:t>
+              <a:t>28</a:t>
             </a:fld>
             <a:endParaRPr lang="zh-CN" altLang="en-US" sz="1200">
               <a:latin typeface="Calibri" pitchFamily="34" charset="0"/>
@@ -1053,7 +1057,7 @@
           <a:p>
             <a:fld id="{DB9D664F-4C68-42D2-B189-678958EFAFDA}" type="datetime1">
               <a:rPr lang="zh-CN" altLang="en-US" smtClean="0"/>
-              <a:t>2017/9/4</a:t>
+              <a:t>2017/9/5</a:t>
             </a:fld>
             <a:endParaRPr lang="zh-CN" altLang="en-US"/>
           </a:p>
@@ -2035,7 +2039,7 @@
           <a:p>
             <a:fld id="{ED5513C8-E3A4-4D78-B249-887659A958FF}" type="datetime1">
               <a:rPr lang="en-US" altLang="zh-CN" smtClean="0"/>
-              <a:t>9/4/2017</a:t>
+              <a:t>9/5/2017</a:t>
             </a:fld>
             <a:endParaRPr lang="en-US"/>
           </a:p>
@@ -2213,7 +2217,7 @@
           <a:p>
             <a:fld id="{EBEDA52C-3EEE-4289-818C-901C0A7814FE}" type="datetime1">
               <a:rPr lang="en-US" altLang="zh-CN" smtClean="0"/>
-              <a:t>9/4/2017</a:t>
+              <a:t>9/5/2017</a:t>
             </a:fld>
             <a:endParaRPr lang="en-US"/>
           </a:p>
@@ -2467,7 +2471,7 @@
           <a:p>
             <a:fld id="{09EF5D7F-EA15-485C-85DD-8FDC010A62D4}" type="datetime1">
               <a:rPr lang="en-US" altLang="zh-CN" smtClean="0"/>
-              <a:t>9/4/2017</a:t>
+              <a:t>9/5/2017</a:t>
             </a:fld>
             <a:endParaRPr lang="en-US"/>
           </a:p>
@@ -2707,7 +2711,7 @@
           <a:p>
             <a:fld id="{9541C2B2-0BAB-4CD4-83EE-25F1A7138896}" type="datetime1">
               <a:rPr lang="en-US" altLang="zh-CN" smtClean="0"/>
-              <a:t>9/4/2017</a:t>
+              <a:t>9/5/2017</a:t>
             </a:fld>
             <a:endParaRPr lang="en-US"/>
           </a:p>
@@ -3082,7 +3086,7 @@
           <a:p>
             <a:fld id="{7DEA23E7-D0FC-41DC-8745-BE6FC447B182}" type="datetime1">
               <a:rPr lang="en-US" altLang="zh-CN" smtClean="0"/>
-              <a:t>9/4/2017</a:t>
+              <a:t>9/5/2017</a:t>
             </a:fld>
             <a:endParaRPr lang="en-US"/>
           </a:p>
@@ -3867,7 +3871,7 @@
           <a:p>
             <a:fld id="{5DEA8378-5F33-490B-8120-8DE6B7EE2781}" type="datetime1">
               <a:rPr lang="en-US" altLang="zh-CN" smtClean="0"/>
-              <a:t>9/4/2017</a:t>
+              <a:t>9/5/2017</a:t>
             </a:fld>
             <a:endParaRPr lang="en-US"/>
           </a:p>
@@ -4121,7 +4125,7 @@
           <a:p>
             <a:fld id="{38DD30CF-78A7-4C73-91B4-38D3E3317745}" type="datetime1">
               <a:rPr lang="en-US" altLang="zh-CN" smtClean="0"/>
-              <a:t>9/4/2017</a:t>
+              <a:t>9/5/2017</a:t>
             </a:fld>
             <a:endParaRPr lang="en-US"/>
           </a:p>
@@ -4224,7 +4228,7 @@
           <a:p>
             <a:fld id="{A1BE0A72-8501-4974-A7B7-5BD248ABBAFC}" type="datetime1">
               <a:rPr lang="zh-CN" altLang="en-US" smtClean="0"/>
-              <a:t>2017/9/4</a:t>
+              <a:t>2017/9/5</a:t>
             </a:fld>
             <a:endParaRPr lang="zh-CN" altLang="en-US"/>
           </a:p>
@@ -4485,7 +4489,7 @@
           <a:p>
             <a:fld id="{0B7E01DD-16D0-4DBA-9C1A-51468BA0B73A}" type="datetime1">
               <a:rPr lang="en-US" altLang="zh-CN" smtClean="0"/>
-              <a:t>9/4/2017</a:t>
+              <a:t>9/5/2017</a:t>
             </a:fld>
             <a:endParaRPr lang="en-US"/>
           </a:p>
@@ -4663,7 +4667,7 @@
           <a:p>
             <a:fld id="{B587E63F-0E62-4A50-901F-E071D77F7634}" type="datetime1">
               <a:rPr lang="en-US" altLang="zh-CN" smtClean="0"/>
-              <a:t>9/4/2017</a:t>
+              <a:t>9/5/2017</a:t>
             </a:fld>
             <a:endParaRPr lang="en-US"/>
           </a:p>
@@ -4851,7 +4855,7 @@
           <a:p>
             <a:fld id="{BD8521E8-9297-400B-AD8C-0A4D05699D33}" type="datetime1">
               <a:rPr lang="en-US" altLang="zh-CN" smtClean="0"/>
-              <a:t>9/4/2017</a:t>
+              <a:t>9/5/2017</a:t>
             </a:fld>
             <a:endParaRPr lang="en-US"/>
           </a:p>
@@ -5082,7 +5086,7 @@
           <a:p>
             <a:fld id="{ED5513C8-E3A4-4D78-B249-887659A958FF}" type="datetime1">
               <a:rPr lang="en-US" altLang="zh-CN" smtClean="0"/>
-              <a:t>9/4/2017</a:t>
+              <a:t>9/5/2017</a:t>
             </a:fld>
             <a:endParaRPr lang="en-US"/>
           </a:p>
@@ -5260,7 +5264,7 @@
           <a:p>
             <a:fld id="{EBEDA52C-3EEE-4289-818C-901C0A7814FE}" type="datetime1">
               <a:rPr lang="en-US" altLang="zh-CN" smtClean="0"/>
-              <a:t>9/4/2017</a:t>
+              <a:t>9/5/2017</a:t>
             </a:fld>
             <a:endParaRPr lang="en-US"/>
           </a:p>
@@ -5514,7 +5518,7 @@
           <a:p>
             <a:fld id="{09EF5D7F-EA15-485C-85DD-8FDC010A62D4}" type="datetime1">
               <a:rPr lang="en-US" altLang="zh-CN" smtClean="0"/>
-              <a:t>9/4/2017</a:t>
+              <a:t>9/5/2017</a:t>
             </a:fld>
             <a:endParaRPr lang="en-US"/>
           </a:p>
@@ -5754,7 +5758,7 @@
           <a:p>
             <a:fld id="{9541C2B2-0BAB-4CD4-83EE-25F1A7138896}" type="datetime1">
               <a:rPr lang="en-US" altLang="zh-CN" smtClean="0"/>
-              <a:t>9/4/2017</a:t>
+              <a:t>9/5/2017</a:t>
             </a:fld>
             <a:endParaRPr lang="en-US"/>
           </a:p>
@@ -6129,7 +6133,7 @@
           <a:p>
             <a:fld id="{7DEA23E7-D0FC-41DC-8745-BE6FC447B182}" type="datetime1">
               <a:rPr lang="en-US" altLang="zh-CN" smtClean="0"/>
-              <a:t>9/4/2017</a:t>
+              <a:t>9/5/2017</a:t>
             </a:fld>
             <a:endParaRPr lang="en-US"/>
           </a:p>
@@ -6914,7 +6918,7 @@
           <a:p>
             <a:fld id="{A1BE0A72-8501-4974-A7B7-5BD248ABBAFC}" type="datetime1">
               <a:rPr lang="zh-CN" altLang="en-US" smtClean="0"/>
-              <a:t>2017/9/4</a:t>
+              <a:t>2017/9/5</a:t>
             </a:fld>
             <a:endParaRPr lang="zh-CN" altLang="en-US"/>
           </a:p>
@@ -6967,7 +6971,7 @@
           <a:p>
             <a:fld id="{5DEA8378-5F33-490B-8120-8DE6B7EE2781}" type="datetime1">
               <a:rPr lang="en-US" altLang="zh-CN" smtClean="0"/>
-              <a:t>9/4/2017</a:t>
+              <a:t>9/5/2017</a:t>
             </a:fld>
             <a:endParaRPr lang="en-US"/>
           </a:p>
@@ -7221,7 +7225,7 @@
           <a:p>
             <a:fld id="{38DD30CF-78A7-4C73-91B4-38D3E3317745}" type="datetime1">
               <a:rPr lang="en-US" altLang="zh-CN" smtClean="0"/>
-              <a:t>9/4/2017</a:t>
+              <a:t>9/5/2017</a:t>
             </a:fld>
             <a:endParaRPr lang="en-US"/>
           </a:p>
@@ -7486,7 +7490,7 @@
           <a:p>
             <a:fld id="{0B7E01DD-16D0-4DBA-9C1A-51468BA0B73A}" type="datetime1">
               <a:rPr lang="en-US" altLang="zh-CN" smtClean="0"/>
-              <a:t>9/4/2017</a:t>
+              <a:t>9/5/2017</a:t>
             </a:fld>
             <a:endParaRPr lang="en-US"/>
           </a:p>
@@ -7664,7 +7668,7 @@
           <a:p>
             <a:fld id="{B587E63F-0E62-4A50-901F-E071D77F7634}" type="datetime1">
               <a:rPr lang="en-US" altLang="zh-CN" smtClean="0"/>
-              <a:t>9/4/2017</a:t>
+              <a:t>9/5/2017</a:t>
             </a:fld>
             <a:endParaRPr lang="en-US"/>
           </a:p>
@@ -7852,7 +7856,7 @@
           <a:p>
             <a:fld id="{BD8521E8-9297-400B-AD8C-0A4D05699D33}" type="datetime1">
               <a:rPr lang="en-US" altLang="zh-CN" smtClean="0"/>
-              <a:t>9/4/2017</a:t>
+              <a:t>9/5/2017</a:t>
             </a:fld>
             <a:endParaRPr lang="en-US"/>
           </a:p>
@@ -7955,7 +7959,7 @@
           <a:p>
             <a:fld id="{EF452D9C-F9EB-4417-9C3A-C876C2AF9415}" type="datetime1">
               <a:rPr lang="zh-CN" altLang="en-US" smtClean="0"/>
-              <a:t>2017/9/4</a:t>
+              <a:t>2017/9/5</a:t>
             </a:fld>
             <a:endParaRPr lang="zh-CN" altLang="en-US"/>
           </a:p>
@@ -8141,7 +8145,7 @@
           <a:p>
             <a:fld id="{2F2E9289-9B4C-49AE-BDDA-70D6EDC89D17}" type="datetime1">
               <a:rPr lang="zh-CN" altLang="en-US" smtClean="0"/>
-              <a:t>2017/9/4</a:t>
+              <a:t>2017/9/5</a:t>
             </a:fld>
             <a:endParaRPr lang="zh-CN" altLang="en-US"/>
           </a:p>
@@ -8311,7 +8315,7 @@
           <a:p>
             <a:fld id="{2F2E9289-9B4C-49AE-BDDA-70D6EDC89D17}" type="datetime1">
               <a:rPr lang="zh-CN" altLang="en-US" smtClean="0"/>
-              <a:t>2017/9/4</a:t>
+              <a:t>2017/9/5</a:t>
             </a:fld>
             <a:endParaRPr lang="zh-CN" altLang="en-US"/>
           </a:p>
@@ -8547,7 +8551,7 @@
           <a:p>
             <a:fld id="{8C5BA751-A251-47D6-8494-C134D9EBED5F}" type="datetime1">
               <a:rPr lang="zh-CN" altLang="en-US" smtClean="0"/>
-              <a:t>2017/9/4</a:t>
+              <a:t>2017/9/5</a:t>
             </a:fld>
             <a:endParaRPr lang="zh-CN" altLang="en-US"/>
           </a:p>
@@ -8903,7 +8907,7 @@
           <a:p>
             <a:fld id="{C46E2078-F302-4651-A2A2-2FC6C4E1A3F1}" type="datetime1">
               <a:rPr lang="zh-CN" altLang="en-US" smtClean="0"/>
-              <a:t>2017/9/4</a:t>
+              <a:t>2017/9/5</a:t>
             </a:fld>
             <a:endParaRPr lang="zh-CN" altLang="en-US"/>
           </a:p>
@@ -9025,7 +9029,7 @@
               <a:pPr>
                 <a:defRPr/>
               </a:pPr>
-              <a:t>2017/9/4</a:t>
+              <a:t>2017/9/5</a:t>
             </a:fld>
             <a:endParaRPr lang="zh-CN" altLang="en-US"/>
           </a:p>
@@ -9173,7 +9177,7 @@
           <a:p>
             <a:fld id="{A1BE0A72-8501-4974-A7B7-5BD248ABBAFC}" type="datetime1">
               <a:rPr lang="zh-CN" altLang="en-US" smtClean="0"/>
-              <a:t>2017/9/4</a:t>
+              <a:t>2017/9/5</a:t>
             </a:fld>
             <a:endParaRPr lang="zh-CN" altLang="en-US"/>
           </a:p>
@@ -9687,7 +9691,7 @@
           <a:p>
             <a:fld id="{A1BE0A72-8501-4974-A7B7-5BD248ABBAFC}" type="datetime1">
               <a:rPr lang="zh-CN" altLang="en-US" smtClean="0"/>
-              <a:t>2017/9/4</a:t>
+              <a:t>2017/9/5</a:t>
             </a:fld>
             <a:endParaRPr lang="zh-CN" altLang="en-US"/>
           </a:p>
@@ -10293,7 +10297,7 @@
           <a:p>
             <a:fld id="{7A78726F-0AD2-4A20-BC72-263D2D3F3A2F}" type="datetime1">
               <a:rPr lang="en-US" altLang="zh-CN" smtClean="0"/>
-              <a:t>9/4/2017</a:t>
+              <a:t>9/5/2017</a:t>
             </a:fld>
             <a:endParaRPr lang="en-US"/>
           </a:p>
@@ -11274,7 +11278,7 @@
           <a:p>
             <a:fld id="{A1BE0A72-8501-4974-A7B7-5BD248ABBAFC}" type="datetime1">
               <a:rPr lang="zh-CN" altLang="en-US" smtClean="0"/>
-              <a:t>2017/9/4</a:t>
+              <a:t>2017/9/5</a:t>
             </a:fld>
             <a:endParaRPr lang="zh-CN" altLang="en-US"/>
           </a:p>
@@ -11880,7 +11884,7 @@
           <a:p>
             <a:fld id="{7A78726F-0AD2-4A20-BC72-263D2D3F3A2F}" type="datetime1">
               <a:rPr lang="en-US" altLang="zh-CN" smtClean="0"/>
-              <a:t>9/4/2017</a:t>
+              <a:t>9/5/2017</a:t>
             </a:fld>
             <a:endParaRPr lang="en-US"/>
           </a:p>
@@ -12855,7 +12859,7 @@
         <p:spPr>
           <a:xfrm>
             <a:off x="1054099" y="543636"/>
-            <a:ext cx="5375275" cy="685800"/>
+            <a:ext cx="6379088" cy="685800"/>
           </a:xfrm>
         </p:spPr>
         <p:txBody>
@@ -12864,15 +12868,1282 @@
           <a:p>
             <a:r>
               <a:rPr lang="zh-CN" altLang="en-US" b="0" dirty="0"/>
-              <a:t>微信内网页支付</a:t>
+              <a:t>生成二维码需要的参数</a:t>
             </a:r>
           </a:p>
         </p:txBody>
       </p:sp>
+      <p:graphicFrame>
+        <p:nvGraphicFramePr>
+          <p:cNvPr id="3" name="表格 2">
+            <a:extLst>
+              <a:ext uri="{FF2B5EF4-FFF2-40B4-BE49-F238E27FC236}">
+                <a16:creationId xmlns:a16="http://schemas.microsoft.com/office/drawing/2014/main" id="{8152D2FF-4B27-4C38-9D08-EA388C98D8B7}"/>
+              </a:ext>
+            </a:extLst>
+          </p:cNvPr>
+          <p:cNvGraphicFramePr>
+            <a:graphicFrameLocks noGrp="1"/>
+          </p:cNvGraphicFramePr>
+          <p:nvPr>
+            <p:extLst>
+              <p:ext uri="{D42A27DB-BD31-4B8C-83A1-F6EECF244321}">
+                <p14:modId xmlns:p14="http://schemas.microsoft.com/office/powerpoint/2010/main" val="743398305"/>
+              </p:ext>
+            </p:extLst>
+          </p:nvPr>
+        </p:nvGraphicFramePr>
+        <p:xfrm>
+          <a:off x="1054098" y="1632155"/>
+          <a:ext cx="10646290" cy="4735021"/>
+        </p:xfrm>
+        <a:graphic>
+          <a:graphicData uri="http://schemas.openxmlformats.org/drawingml/2006/table">
+            <a:tbl>
+              <a:tblPr/>
+              <a:tblGrid>
+                <a:gridCol w="1774382">
+                  <a:extLst>
+                    <a:ext uri="{9D8B030D-6E8A-4147-A177-3AD203B41FA5}">
+                      <a16:colId xmlns:a16="http://schemas.microsoft.com/office/drawing/2014/main" val="588467081"/>
+                    </a:ext>
+                  </a:extLst>
+                </a:gridCol>
+                <a:gridCol w="1532424">
+                  <a:extLst>
+                    <a:ext uri="{9D8B030D-6E8A-4147-A177-3AD203B41FA5}">
+                      <a16:colId xmlns:a16="http://schemas.microsoft.com/office/drawing/2014/main" val="2361119409"/>
+                    </a:ext>
+                  </a:extLst>
+                </a:gridCol>
+                <a:gridCol w="1422541">
+                  <a:extLst>
+                    <a:ext uri="{9D8B030D-6E8A-4147-A177-3AD203B41FA5}">
+                      <a16:colId xmlns:a16="http://schemas.microsoft.com/office/drawing/2014/main" val="1054897551"/>
+                    </a:ext>
+                  </a:extLst>
+                </a:gridCol>
+                <a:gridCol w="907127">
+                  <a:extLst>
+                    <a:ext uri="{9D8B030D-6E8A-4147-A177-3AD203B41FA5}">
+                      <a16:colId xmlns:a16="http://schemas.microsoft.com/office/drawing/2014/main" val="1116298717"/>
+                    </a:ext>
+                  </a:extLst>
+                </a:gridCol>
+                <a:gridCol w="2556449">
+                  <a:extLst>
+                    <a:ext uri="{9D8B030D-6E8A-4147-A177-3AD203B41FA5}">
+                      <a16:colId xmlns:a16="http://schemas.microsoft.com/office/drawing/2014/main" val="176165448"/>
+                    </a:ext>
+                  </a:extLst>
+                </a:gridCol>
+                <a:gridCol w="2453367">
+                  <a:extLst>
+                    <a:ext uri="{9D8B030D-6E8A-4147-A177-3AD203B41FA5}">
+                      <a16:colId xmlns:a16="http://schemas.microsoft.com/office/drawing/2014/main" val="1241545254"/>
+                    </a:ext>
+                  </a:extLst>
+                </a:gridCol>
+              </a:tblGrid>
+              <a:tr h="309469">
+                <a:tc>
+                  <a:txBody>
+                    <a:bodyPr/>
+                    <a:lstStyle/>
+                    <a:p>
+                      <a:r>
+                        <a:rPr lang="zh-CN" altLang="en-US" sz="1600" b="1" dirty="0"/>
+                        <a:t>名称</a:t>
+                      </a:r>
+                    </a:p>
+                  </a:txBody>
+                  <a:tcPr marL="71333" marR="71333" marT="35667" marB="35667" anchor="ctr">
+                    <a:lnL>
+                      <a:noFill/>
+                    </a:lnL>
+                    <a:lnR>
+                      <a:noFill/>
+                    </a:lnR>
+                    <a:lnT>
+                      <a:noFill/>
+                    </a:lnT>
+                    <a:lnB>
+                      <a:noFill/>
+                    </a:lnB>
+                  </a:tcPr>
+                </a:tc>
+                <a:tc>
+                  <a:txBody>
+                    <a:bodyPr/>
+                    <a:lstStyle/>
+                    <a:p>
+                      <a:r>
+                        <a:rPr lang="zh-CN" altLang="en-US" sz="1600" b="1"/>
+                        <a:t>变量名</a:t>
+                      </a:r>
+                    </a:p>
+                  </a:txBody>
+                  <a:tcPr marL="71333" marR="71333" marT="35667" marB="35667" anchor="ctr">
+                    <a:lnL>
+                      <a:noFill/>
+                    </a:lnL>
+                    <a:lnR>
+                      <a:noFill/>
+                    </a:lnR>
+                    <a:lnT>
+                      <a:noFill/>
+                    </a:lnT>
+                    <a:lnB>
+                      <a:noFill/>
+                    </a:lnB>
+                  </a:tcPr>
+                </a:tc>
+                <a:tc>
+                  <a:txBody>
+                    <a:bodyPr/>
+                    <a:lstStyle/>
+                    <a:p>
+                      <a:r>
+                        <a:rPr lang="zh-CN" altLang="en-US" sz="1600" b="1"/>
+                        <a:t>类型</a:t>
+                      </a:r>
+                    </a:p>
+                  </a:txBody>
+                  <a:tcPr marL="71333" marR="71333" marT="35667" marB="35667" anchor="ctr">
+                    <a:lnL>
+                      <a:noFill/>
+                    </a:lnL>
+                    <a:lnR>
+                      <a:noFill/>
+                    </a:lnR>
+                    <a:lnT>
+                      <a:noFill/>
+                    </a:lnT>
+                    <a:lnB>
+                      <a:noFill/>
+                    </a:lnB>
+                  </a:tcPr>
+                </a:tc>
+                <a:tc>
+                  <a:txBody>
+                    <a:bodyPr/>
+                    <a:lstStyle/>
+                    <a:p>
+                      <a:r>
+                        <a:rPr lang="zh-CN" altLang="en-US" sz="1600" b="1" dirty="0"/>
+                        <a:t>必填</a:t>
+                      </a:r>
+                    </a:p>
+                  </a:txBody>
+                  <a:tcPr marL="71333" marR="71333" marT="35667" marB="35667" anchor="ctr">
+                    <a:lnL>
+                      <a:noFill/>
+                    </a:lnL>
+                    <a:lnR>
+                      <a:noFill/>
+                    </a:lnR>
+                    <a:lnT>
+                      <a:noFill/>
+                    </a:lnT>
+                    <a:lnB>
+                      <a:noFill/>
+                    </a:lnB>
+                  </a:tcPr>
+                </a:tc>
+                <a:tc>
+                  <a:txBody>
+                    <a:bodyPr/>
+                    <a:lstStyle/>
+                    <a:p>
+                      <a:r>
+                        <a:rPr lang="zh-CN" altLang="en-US" sz="1600" b="1" dirty="0"/>
+                        <a:t>示例值</a:t>
+                      </a:r>
+                    </a:p>
+                  </a:txBody>
+                  <a:tcPr marL="71333" marR="71333" marT="35667" marB="35667" anchor="ctr">
+                    <a:lnL>
+                      <a:noFill/>
+                    </a:lnL>
+                    <a:lnR>
+                      <a:noFill/>
+                    </a:lnR>
+                    <a:lnT>
+                      <a:noFill/>
+                    </a:lnT>
+                    <a:lnB>
+                      <a:noFill/>
+                    </a:lnB>
+                  </a:tcPr>
+                </a:tc>
+                <a:tc>
+                  <a:txBody>
+                    <a:bodyPr/>
+                    <a:lstStyle/>
+                    <a:p>
+                      <a:r>
+                        <a:rPr lang="zh-CN" altLang="en-US" sz="1600" b="1" dirty="0"/>
+                        <a:t>描述</a:t>
+                      </a:r>
+                    </a:p>
+                  </a:txBody>
+                  <a:tcPr marL="71333" marR="71333" marT="35667" marB="35667" anchor="ctr">
+                    <a:lnL>
+                      <a:noFill/>
+                    </a:lnL>
+                    <a:lnR>
+                      <a:noFill/>
+                    </a:lnR>
+                    <a:lnT>
+                      <a:noFill/>
+                    </a:lnT>
+                    <a:lnB>
+                      <a:noFill/>
+                    </a:lnB>
+                  </a:tcPr>
+                </a:tc>
+                <a:extLst>
+                  <a:ext uri="{0D108BD9-81ED-4DB2-BD59-A6C34878D82A}">
+                    <a16:rowId xmlns:a16="http://schemas.microsoft.com/office/drawing/2014/main" val="3811647681"/>
+                  </a:ext>
+                </a:extLst>
+              </a:tr>
+              <a:tr h="542788">
+                <a:tc>
+                  <a:txBody>
+                    <a:bodyPr/>
+                    <a:lstStyle/>
+                    <a:p>
+                      <a:r>
+                        <a:rPr lang="zh-CN" altLang="en-US" sz="1600"/>
+                        <a:t>公众账号</a:t>
+                      </a:r>
+                      <a:r>
+                        <a:rPr lang="en-US" sz="1600"/>
+                        <a:t>ID</a:t>
+                      </a:r>
+                    </a:p>
+                  </a:txBody>
+                  <a:tcPr marL="71333" marR="71333" marT="35667" marB="35667" anchor="ctr">
+                    <a:lnL>
+                      <a:noFill/>
+                    </a:lnL>
+                    <a:lnR>
+                      <a:noFill/>
+                    </a:lnR>
+                    <a:lnT>
+                      <a:noFill/>
+                    </a:lnT>
+                    <a:lnB>
+                      <a:noFill/>
+                    </a:lnB>
+                  </a:tcPr>
+                </a:tc>
+                <a:tc>
+                  <a:txBody>
+                    <a:bodyPr/>
+                    <a:lstStyle/>
+                    <a:p>
+                      <a:r>
+                        <a:rPr lang="en-US" sz="1600"/>
+                        <a:t>appid</a:t>
+                      </a:r>
+                    </a:p>
+                  </a:txBody>
+                  <a:tcPr marL="71333" marR="71333" marT="35667" marB="35667" anchor="ctr">
+                    <a:lnL>
+                      <a:noFill/>
+                    </a:lnL>
+                    <a:lnR>
+                      <a:noFill/>
+                    </a:lnR>
+                    <a:lnT>
+                      <a:noFill/>
+                    </a:lnT>
+                    <a:lnB>
+                      <a:noFill/>
+                    </a:lnB>
+                  </a:tcPr>
+                </a:tc>
+                <a:tc>
+                  <a:txBody>
+                    <a:bodyPr/>
+                    <a:lstStyle/>
+                    <a:p>
+                      <a:r>
+                        <a:rPr lang="en-US" sz="1600"/>
+                        <a:t>String(32)</a:t>
+                      </a:r>
+                    </a:p>
+                  </a:txBody>
+                  <a:tcPr marL="71333" marR="71333" marT="35667" marB="35667" anchor="ctr">
+                    <a:lnL>
+                      <a:noFill/>
+                    </a:lnL>
+                    <a:lnR>
+                      <a:noFill/>
+                    </a:lnR>
+                    <a:lnT>
+                      <a:noFill/>
+                    </a:lnT>
+                    <a:lnB>
+                      <a:noFill/>
+                    </a:lnB>
+                  </a:tcPr>
+                </a:tc>
+                <a:tc>
+                  <a:txBody>
+                    <a:bodyPr/>
+                    <a:lstStyle/>
+                    <a:p>
+                      <a:r>
+                        <a:rPr lang="zh-CN" altLang="en-US" sz="1600"/>
+                        <a:t>是</a:t>
+                      </a:r>
+                    </a:p>
+                  </a:txBody>
+                  <a:tcPr marL="71333" marR="71333" marT="35667" marB="35667" anchor="ctr">
+                    <a:lnL>
+                      <a:noFill/>
+                    </a:lnL>
+                    <a:lnR>
+                      <a:noFill/>
+                    </a:lnR>
+                    <a:lnT>
+                      <a:noFill/>
+                    </a:lnT>
+                    <a:lnB>
+                      <a:noFill/>
+                    </a:lnB>
+                  </a:tcPr>
+                </a:tc>
+                <a:tc>
+                  <a:txBody>
+                    <a:bodyPr/>
+                    <a:lstStyle/>
+                    <a:p>
+                      <a:r>
+                        <a:rPr lang="en-US" sz="1600"/>
+                        <a:t>wx8888888888888888</a:t>
+                      </a:r>
+                    </a:p>
+                  </a:txBody>
+                  <a:tcPr marL="71333" marR="71333" marT="35667" marB="35667" anchor="ctr">
+                    <a:lnL>
+                      <a:noFill/>
+                    </a:lnL>
+                    <a:lnR>
+                      <a:noFill/>
+                    </a:lnR>
+                    <a:lnT>
+                      <a:noFill/>
+                    </a:lnT>
+                    <a:lnB>
+                      <a:noFill/>
+                    </a:lnB>
+                  </a:tcPr>
+                </a:tc>
+                <a:tc>
+                  <a:txBody>
+                    <a:bodyPr/>
+                    <a:lstStyle/>
+                    <a:p>
+                      <a:r>
+                        <a:rPr lang="zh-CN" altLang="en-US" sz="1600" dirty="0"/>
+                        <a:t>微信分配的公众账号</a:t>
+                      </a:r>
+                      <a:r>
+                        <a:rPr lang="en-US" altLang="zh-CN" sz="1600" dirty="0"/>
+                        <a:t>ID</a:t>
+                      </a:r>
+                    </a:p>
+                  </a:txBody>
+                  <a:tcPr marL="71333" marR="71333" marT="35667" marB="35667" anchor="ctr">
+                    <a:lnL>
+                      <a:noFill/>
+                    </a:lnL>
+                    <a:lnR>
+                      <a:noFill/>
+                    </a:lnR>
+                    <a:lnT>
+                      <a:noFill/>
+                    </a:lnT>
+                    <a:lnB>
+                      <a:noFill/>
+                    </a:lnB>
+                  </a:tcPr>
+                </a:tc>
+                <a:extLst>
+                  <a:ext uri="{0D108BD9-81ED-4DB2-BD59-A6C34878D82A}">
+                    <a16:rowId xmlns:a16="http://schemas.microsoft.com/office/drawing/2014/main" val="4237079095"/>
+                  </a:ext>
+                </a:extLst>
+              </a:tr>
+              <a:tr h="542788">
+                <a:tc>
+                  <a:txBody>
+                    <a:bodyPr/>
+                    <a:lstStyle/>
+                    <a:p>
+                      <a:r>
+                        <a:rPr lang="zh-CN" altLang="en-US" sz="1600"/>
+                        <a:t>商户号</a:t>
+                      </a:r>
+                    </a:p>
+                  </a:txBody>
+                  <a:tcPr marL="71333" marR="71333" marT="35667" marB="35667" anchor="ctr">
+                    <a:lnL>
+                      <a:noFill/>
+                    </a:lnL>
+                    <a:lnR>
+                      <a:noFill/>
+                    </a:lnR>
+                    <a:lnT>
+                      <a:noFill/>
+                    </a:lnT>
+                    <a:lnB>
+                      <a:noFill/>
+                    </a:lnB>
+                  </a:tcPr>
+                </a:tc>
+                <a:tc>
+                  <a:txBody>
+                    <a:bodyPr/>
+                    <a:lstStyle/>
+                    <a:p>
+                      <a:r>
+                        <a:rPr lang="en-US" sz="1600"/>
+                        <a:t>mch_id</a:t>
+                      </a:r>
+                    </a:p>
+                  </a:txBody>
+                  <a:tcPr marL="71333" marR="71333" marT="35667" marB="35667" anchor="ctr">
+                    <a:lnL>
+                      <a:noFill/>
+                    </a:lnL>
+                    <a:lnR>
+                      <a:noFill/>
+                    </a:lnR>
+                    <a:lnT>
+                      <a:noFill/>
+                    </a:lnT>
+                    <a:lnB>
+                      <a:noFill/>
+                    </a:lnB>
+                  </a:tcPr>
+                </a:tc>
+                <a:tc>
+                  <a:txBody>
+                    <a:bodyPr/>
+                    <a:lstStyle/>
+                    <a:p>
+                      <a:r>
+                        <a:rPr lang="en-US" sz="1600"/>
+                        <a:t>String(32)</a:t>
+                      </a:r>
+                    </a:p>
+                  </a:txBody>
+                  <a:tcPr marL="71333" marR="71333" marT="35667" marB="35667" anchor="ctr">
+                    <a:lnL>
+                      <a:noFill/>
+                    </a:lnL>
+                    <a:lnR>
+                      <a:noFill/>
+                    </a:lnR>
+                    <a:lnT>
+                      <a:noFill/>
+                    </a:lnT>
+                    <a:lnB>
+                      <a:noFill/>
+                    </a:lnB>
+                  </a:tcPr>
+                </a:tc>
+                <a:tc>
+                  <a:txBody>
+                    <a:bodyPr/>
+                    <a:lstStyle/>
+                    <a:p>
+                      <a:r>
+                        <a:rPr lang="zh-CN" altLang="en-US" sz="1600"/>
+                        <a:t>是</a:t>
+                      </a:r>
+                    </a:p>
+                  </a:txBody>
+                  <a:tcPr marL="71333" marR="71333" marT="35667" marB="35667" anchor="ctr">
+                    <a:lnL>
+                      <a:noFill/>
+                    </a:lnL>
+                    <a:lnR>
+                      <a:noFill/>
+                    </a:lnR>
+                    <a:lnT>
+                      <a:noFill/>
+                    </a:lnT>
+                    <a:lnB>
+                      <a:noFill/>
+                    </a:lnB>
+                  </a:tcPr>
+                </a:tc>
+                <a:tc>
+                  <a:txBody>
+                    <a:bodyPr/>
+                    <a:lstStyle/>
+                    <a:p>
+                      <a:r>
+                        <a:rPr lang="en-US" altLang="zh-CN" sz="1600"/>
+                        <a:t>1900000109</a:t>
+                      </a:r>
+                    </a:p>
+                  </a:txBody>
+                  <a:tcPr marL="71333" marR="71333" marT="35667" marB="35667" anchor="ctr">
+                    <a:lnL>
+                      <a:noFill/>
+                    </a:lnL>
+                    <a:lnR>
+                      <a:noFill/>
+                    </a:lnR>
+                    <a:lnT>
+                      <a:noFill/>
+                    </a:lnT>
+                    <a:lnB>
+                      <a:noFill/>
+                    </a:lnB>
+                  </a:tcPr>
+                </a:tc>
+                <a:tc>
+                  <a:txBody>
+                    <a:bodyPr/>
+                    <a:lstStyle/>
+                    <a:p>
+                      <a:r>
+                        <a:rPr lang="zh-CN" altLang="en-US" sz="1600"/>
+                        <a:t>微信支付分配的商户号</a:t>
+                      </a:r>
+                    </a:p>
+                  </a:txBody>
+                  <a:tcPr marL="71333" marR="71333" marT="35667" marB="35667" anchor="ctr">
+                    <a:lnL>
+                      <a:noFill/>
+                    </a:lnL>
+                    <a:lnR>
+                      <a:noFill/>
+                    </a:lnR>
+                    <a:lnT>
+                      <a:noFill/>
+                    </a:lnT>
+                    <a:lnB>
+                      <a:noFill/>
+                    </a:lnB>
+                  </a:tcPr>
+                </a:tc>
+                <a:extLst>
+                  <a:ext uri="{0D108BD9-81ED-4DB2-BD59-A6C34878D82A}">
+                    <a16:rowId xmlns:a16="http://schemas.microsoft.com/office/drawing/2014/main" val="3637873477"/>
+                  </a:ext>
+                </a:extLst>
+              </a:tr>
+              <a:tr h="775412">
+                <a:tc>
+                  <a:txBody>
+                    <a:bodyPr/>
+                    <a:lstStyle/>
+                    <a:p>
+                      <a:r>
+                        <a:rPr lang="zh-CN" altLang="en-US" sz="1600"/>
+                        <a:t>时间戳</a:t>
+                      </a:r>
+                    </a:p>
+                  </a:txBody>
+                  <a:tcPr marL="71333" marR="71333" marT="35667" marB="35667" anchor="ctr">
+                    <a:lnL>
+                      <a:noFill/>
+                    </a:lnL>
+                    <a:lnR>
+                      <a:noFill/>
+                    </a:lnR>
+                    <a:lnT>
+                      <a:noFill/>
+                    </a:lnT>
+                    <a:lnB>
+                      <a:noFill/>
+                    </a:lnB>
+                  </a:tcPr>
+                </a:tc>
+                <a:tc>
+                  <a:txBody>
+                    <a:bodyPr/>
+                    <a:lstStyle/>
+                    <a:p>
+                      <a:r>
+                        <a:rPr lang="en-US" sz="1600" dirty="0" err="1"/>
+                        <a:t>time_stamp</a:t>
+                      </a:r>
+                      <a:endParaRPr lang="en-US" sz="1600" dirty="0"/>
+                    </a:p>
+                  </a:txBody>
+                  <a:tcPr marL="71333" marR="71333" marT="35667" marB="35667" anchor="ctr">
+                    <a:lnL>
+                      <a:noFill/>
+                    </a:lnL>
+                    <a:lnR>
+                      <a:noFill/>
+                    </a:lnR>
+                    <a:lnT>
+                      <a:noFill/>
+                    </a:lnT>
+                    <a:lnB>
+                      <a:noFill/>
+                    </a:lnB>
+                  </a:tcPr>
+                </a:tc>
+                <a:tc>
+                  <a:txBody>
+                    <a:bodyPr/>
+                    <a:lstStyle/>
+                    <a:p>
+                      <a:r>
+                        <a:rPr lang="en-US" sz="1600"/>
+                        <a:t>String(10)</a:t>
+                      </a:r>
+                    </a:p>
+                  </a:txBody>
+                  <a:tcPr marL="71333" marR="71333" marT="35667" marB="35667" anchor="ctr">
+                    <a:lnL>
+                      <a:noFill/>
+                    </a:lnL>
+                    <a:lnR>
+                      <a:noFill/>
+                    </a:lnR>
+                    <a:lnT>
+                      <a:noFill/>
+                    </a:lnT>
+                    <a:lnB>
+                      <a:noFill/>
+                    </a:lnB>
+                  </a:tcPr>
+                </a:tc>
+                <a:tc>
+                  <a:txBody>
+                    <a:bodyPr/>
+                    <a:lstStyle/>
+                    <a:p>
+                      <a:r>
+                        <a:rPr lang="zh-CN" altLang="en-US" sz="1600"/>
+                        <a:t>是</a:t>
+                      </a:r>
+                    </a:p>
+                  </a:txBody>
+                  <a:tcPr marL="71333" marR="71333" marT="35667" marB="35667" anchor="ctr">
+                    <a:lnL>
+                      <a:noFill/>
+                    </a:lnL>
+                    <a:lnR>
+                      <a:noFill/>
+                    </a:lnR>
+                    <a:lnT>
+                      <a:noFill/>
+                    </a:lnT>
+                    <a:lnB>
+                      <a:noFill/>
+                    </a:lnB>
+                  </a:tcPr>
+                </a:tc>
+                <a:tc>
+                  <a:txBody>
+                    <a:bodyPr/>
+                    <a:lstStyle/>
+                    <a:p>
+                      <a:r>
+                        <a:rPr lang="en-US" altLang="zh-CN" sz="1600"/>
+                        <a:t>1414488825</a:t>
+                      </a:r>
+                    </a:p>
+                  </a:txBody>
+                  <a:tcPr marL="71333" marR="71333" marT="35667" marB="35667" anchor="ctr">
+                    <a:lnL>
+                      <a:noFill/>
+                    </a:lnL>
+                    <a:lnR>
+                      <a:noFill/>
+                    </a:lnR>
+                    <a:lnT>
+                      <a:noFill/>
+                    </a:lnT>
+                    <a:lnB>
+                      <a:noFill/>
+                    </a:lnB>
+                  </a:tcPr>
+                </a:tc>
+                <a:tc>
+                  <a:txBody>
+                    <a:bodyPr/>
+                    <a:lstStyle/>
+                    <a:p>
+                      <a:r>
+                        <a:rPr lang="zh-CN" altLang="en-US" sz="1600"/>
+                        <a:t>系统当前时间，定义规则详见</a:t>
+                      </a:r>
+                      <a:r>
+                        <a:rPr lang="zh-CN" altLang="en-US" sz="1600">
+                          <a:hlinkClick r:id="rId2"/>
+                        </a:rPr>
+                        <a:t>时间戳</a:t>
+                      </a:r>
+                      <a:endParaRPr lang="zh-CN" altLang="en-US" sz="1600"/>
+                    </a:p>
+                  </a:txBody>
+                  <a:tcPr marL="71333" marR="71333" marT="35667" marB="35667" anchor="ctr">
+                    <a:lnL>
+                      <a:noFill/>
+                    </a:lnL>
+                    <a:lnR>
+                      <a:noFill/>
+                    </a:lnR>
+                    <a:lnT>
+                      <a:noFill/>
+                    </a:lnT>
+                    <a:lnB>
+                      <a:noFill/>
+                    </a:lnB>
+                  </a:tcPr>
+                </a:tc>
+                <a:extLst>
+                  <a:ext uri="{0D108BD9-81ED-4DB2-BD59-A6C34878D82A}">
+                    <a16:rowId xmlns:a16="http://schemas.microsoft.com/office/drawing/2014/main" val="1459530735"/>
+                  </a:ext>
+                </a:extLst>
+              </a:tr>
+              <a:tr h="1008035">
+                <a:tc>
+                  <a:txBody>
+                    <a:bodyPr/>
+                    <a:lstStyle/>
+                    <a:p>
+                      <a:r>
+                        <a:rPr lang="zh-CN" altLang="en-US" sz="1600" dirty="0"/>
+                        <a:t>随机字符串</a:t>
+                      </a:r>
+                    </a:p>
+                  </a:txBody>
+                  <a:tcPr marL="71333" marR="71333" marT="35667" marB="35667" anchor="ctr">
+                    <a:lnL>
+                      <a:noFill/>
+                    </a:lnL>
+                    <a:lnR>
+                      <a:noFill/>
+                    </a:lnR>
+                    <a:lnT>
+                      <a:noFill/>
+                    </a:lnT>
+                    <a:lnB>
+                      <a:noFill/>
+                    </a:lnB>
+                  </a:tcPr>
+                </a:tc>
+                <a:tc>
+                  <a:txBody>
+                    <a:bodyPr/>
+                    <a:lstStyle/>
+                    <a:p>
+                      <a:r>
+                        <a:rPr lang="en-US" sz="1600"/>
+                        <a:t>nonce_str</a:t>
+                      </a:r>
+                    </a:p>
+                  </a:txBody>
+                  <a:tcPr marL="71333" marR="71333" marT="35667" marB="35667" anchor="ctr">
+                    <a:lnL>
+                      <a:noFill/>
+                    </a:lnL>
+                    <a:lnR>
+                      <a:noFill/>
+                    </a:lnR>
+                    <a:lnT>
+                      <a:noFill/>
+                    </a:lnT>
+                    <a:lnB>
+                      <a:noFill/>
+                    </a:lnB>
+                  </a:tcPr>
+                </a:tc>
+                <a:tc>
+                  <a:txBody>
+                    <a:bodyPr/>
+                    <a:lstStyle/>
+                    <a:p>
+                      <a:r>
+                        <a:rPr lang="en-US" sz="1600"/>
+                        <a:t>String(32)</a:t>
+                      </a:r>
+                    </a:p>
+                  </a:txBody>
+                  <a:tcPr marL="71333" marR="71333" marT="35667" marB="35667" anchor="ctr">
+                    <a:lnL>
+                      <a:noFill/>
+                    </a:lnL>
+                    <a:lnR>
+                      <a:noFill/>
+                    </a:lnR>
+                    <a:lnT>
+                      <a:noFill/>
+                    </a:lnT>
+                    <a:lnB>
+                      <a:noFill/>
+                    </a:lnB>
+                  </a:tcPr>
+                </a:tc>
+                <a:tc>
+                  <a:txBody>
+                    <a:bodyPr/>
+                    <a:lstStyle/>
+                    <a:p>
+                      <a:r>
+                        <a:rPr lang="zh-CN" altLang="en-US" sz="1600"/>
+                        <a:t>是</a:t>
+                      </a:r>
+                    </a:p>
+                  </a:txBody>
+                  <a:tcPr marL="71333" marR="71333" marT="35667" marB="35667" anchor="ctr">
+                    <a:lnL>
+                      <a:noFill/>
+                    </a:lnL>
+                    <a:lnR>
+                      <a:noFill/>
+                    </a:lnR>
+                    <a:lnT>
+                      <a:noFill/>
+                    </a:lnT>
+                    <a:lnB>
+                      <a:noFill/>
+                    </a:lnB>
+                  </a:tcPr>
+                </a:tc>
+                <a:tc>
+                  <a:txBody>
+                    <a:bodyPr/>
+                    <a:lstStyle/>
+                    <a:p>
+                      <a:r>
+                        <a:rPr lang="en-US" sz="1600"/>
+                        <a:t>5K8264ILTKCH16CQ2502SI8ZNMTM67VS</a:t>
+                      </a:r>
+                    </a:p>
+                  </a:txBody>
+                  <a:tcPr marL="71333" marR="71333" marT="35667" marB="35667" anchor="ctr">
+                    <a:lnL>
+                      <a:noFill/>
+                    </a:lnL>
+                    <a:lnR>
+                      <a:noFill/>
+                    </a:lnR>
+                    <a:lnT>
+                      <a:noFill/>
+                    </a:lnT>
+                    <a:lnB>
+                      <a:noFill/>
+                    </a:lnB>
+                  </a:tcPr>
+                </a:tc>
+                <a:tc>
+                  <a:txBody>
+                    <a:bodyPr/>
+                    <a:lstStyle/>
+                    <a:p>
+                      <a:r>
+                        <a:rPr lang="zh-CN" altLang="en-US" sz="1600"/>
+                        <a:t>随机字符串，不长于</a:t>
+                      </a:r>
+                      <a:r>
+                        <a:rPr lang="en-US" altLang="zh-CN" sz="1600"/>
+                        <a:t>32</a:t>
+                      </a:r>
+                      <a:r>
+                        <a:rPr lang="zh-CN" altLang="en-US" sz="1600"/>
+                        <a:t>位。推荐</a:t>
+                      </a:r>
+                      <a:r>
+                        <a:rPr lang="zh-CN" altLang="en-US" sz="1600">
+                          <a:hlinkClick r:id="rId3"/>
+                        </a:rPr>
+                        <a:t>随机数生成算法</a:t>
+                      </a:r>
+                      <a:endParaRPr lang="zh-CN" altLang="en-US" sz="1600"/>
+                    </a:p>
+                  </a:txBody>
+                  <a:tcPr marL="71333" marR="71333" marT="35667" marB="35667" anchor="ctr">
+                    <a:lnL>
+                      <a:noFill/>
+                    </a:lnL>
+                    <a:lnR>
+                      <a:noFill/>
+                    </a:lnR>
+                    <a:lnT>
+                      <a:noFill/>
+                    </a:lnT>
+                    <a:lnB>
+                      <a:noFill/>
+                    </a:lnB>
+                  </a:tcPr>
+                </a:tc>
+                <a:extLst>
+                  <a:ext uri="{0D108BD9-81ED-4DB2-BD59-A6C34878D82A}">
+                    <a16:rowId xmlns:a16="http://schemas.microsoft.com/office/drawing/2014/main" val="3883591127"/>
+                  </a:ext>
+                </a:extLst>
+              </a:tr>
+              <a:tr h="775412">
+                <a:tc>
+                  <a:txBody>
+                    <a:bodyPr/>
+                    <a:lstStyle/>
+                    <a:p>
+                      <a:r>
+                        <a:rPr lang="zh-CN" altLang="en-US" sz="1600"/>
+                        <a:t>商品</a:t>
+                      </a:r>
+                      <a:r>
+                        <a:rPr lang="en-US" sz="1600"/>
+                        <a:t>ID</a:t>
+                      </a:r>
+                    </a:p>
+                  </a:txBody>
+                  <a:tcPr marL="71333" marR="71333" marT="35667" marB="35667" anchor="ctr">
+                    <a:lnL>
+                      <a:noFill/>
+                    </a:lnL>
+                    <a:lnR>
+                      <a:noFill/>
+                    </a:lnR>
+                    <a:lnT>
+                      <a:noFill/>
+                    </a:lnT>
+                    <a:lnB>
+                      <a:noFill/>
+                    </a:lnB>
+                  </a:tcPr>
+                </a:tc>
+                <a:tc>
+                  <a:txBody>
+                    <a:bodyPr/>
+                    <a:lstStyle/>
+                    <a:p>
+                      <a:r>
+                        <a:rPr lang="en-US" sz="1600"/>
+                        <a:t>product_id</a:t>
+                      </a:r>
+                    </a:p>
+                  </a:txBody>
+                  <a:tcPr marL="71333" marR="71333" marT="35667" marB="35667" anchor="ctr">
+                    <a:lnL>
+                      <a:noFill/>
+                    </a:lnL>
+                    <a:lnR>
+                      <a:noFill/>
+                    </a:lnR>
+                    <a:lnT>
+                      <a:noFill/>
+                    </a:lnT>
+                    <a:lnB>
+                      <a:noFill/>
+                    </a:lnB>
+                  </a:tcPr>
+                </a:tc>
+                <a:tc>
+                  <a:txBody>
+                    <a:bodyPr/>
+                    <a:lstStyle/>
+                    <a:p>
+                      <a:r>
+                        <a:rPr lang="en-US" sz="1600"/>
+                        <a:t>String(32)</a:t>
+                      </a:r>
+                    </a:p>
+                  </a:txBody>
+                  <a:tcPr marL="71333" marR="71333" marT="35667" marB="35667" anchor="ctr">
+                    <a:lnL>
+                      <a:noFill/>
+                    </a:lnL>
+                    <a:lnR>
+                      <a:noFill/>
+                    </a:lnR>
+                    <a:lnT>
+                      <a:noFill/>
+                    </a:lnT>
+                    <a:lnB>
+                      <a:noFill/>
+                    </a:lnB>
+                  </a:tcPr>
+                </a:tc>
+                <a:tc>
+                  <a:txBody>
+                    <a:bodyPr/>
+                    <a:lstStyle/>
+                    <a:p>
+                      <a:r>
+                        <a:rPr lang="zh-CN" altLang="en-US" sz="1600"/>
+                        <a:t>是</a:t>
+                      </a:r>
+                    </a:p>
+                  </a:txBody>
+                  <a:tcPr marL="71333" marR="71333" marT="35667" marB="35667" anchor="ctr">
+                    <a:lnL>
+                      <a:noFill/>
+                    </a:lnL>
+                    <a:lnR>
+                      <a:noFill/>
+                    </a:lnR>
+                    <a:lnT>
+                      <a:noFill/>
+                    </a:lnT>
+                    <a:lnB>
+                      <a:noFill/>
+                    </a:lnB>
+                  </a:tcPr>
+                </a:tc>
+                <a:tc>
+                  <a:txBody>
+                    <a:bodyPr/>
+                    <a:lstStyle/>
+                    <a:p>
+                      <a:r>
+                        <a:rPr lang="en-US" altLang="zh-CN" sz="1600"/>
+                        <a:t>88888</a:t>
+                      </a:r>
+                    </a:p>
+                  </a:txBody>
+                  <a:tcPr marL="71333" marR="71333" marT="35667" marB="35667" anchor="ctr">
+                    <a:lnL>
+                      <a:noFill/>
+                    </a:lnL>
+                    <a:lnR>
+                      <a:noFill/>
+                    </a:lnR>
+                    <a:lnT>
+                      <a:noFill/>
+                    </a:lnT>
+                    <a:lnB>
+                      <a:noFill/>
+                    </a:lnB>
+                  </a:tcPr>
+                </a:tc>
+                <a:tc>
+                  <a:txBody>
+                    <a:bodyPr/>
+                    <a:lstStyle/>
+                    <a:p>
+                      <a:r>
+                        <a:rPr lang="zh-CN" altLang="en-US" sz="1600"/>
+                        <a:t>商户定义的商品</a:t>
+                      </a:r>
+                      <a:r>
+                        <a:rPr lang="en-US" altLang="zh-CN" sz="1600"/>
+                        <a:t>id </a:t>
+                      </a:r>
+                      <a:r>
+                        <a:rPr lang="zh-CN" altLang="en-US" sz="1600"/>
+                        <a:t>或者订单号</a:t>
+                      </a:r>
+                    </a:p>
+                  </a:txBody>
+                  <a:tcPr marL="71333" marR="71333" marT="35667" marB="35667" anchor="ctr">
+                    <a:lnL>
+                      <a:noFill/>
+                    </a:lnL>
+                    <a:lnR>
+                      <a:noFill/>
+                    </a:lnR>
+                    <a:lnT>
+                      <a:noFill/>
+                    </a:lnT>
+                    <a:lnB>
+                      <a:noFill/>
+                    </a:lnB>
+                  </a:tcPr>
+                </a:tc>
+                <a:extLst>
+                  <a:ext uri="{0D108BD9-81ED-4DB2-BD59-A6C34878D82A}">
+                    <a16:rowId xmlns:a16="http://schemas.microsoft.com/office/drawing/2014/main" val="3762630977"/>
+                  </a:ext>
+                </a:extLst>
+              </a:tr>
+              <a:tr h="775412">
+                <a:tc>
+                  <a:txBody>
+                    <a:bodyPr/>
+                    <a:lstStyle/>
+                    <a:p>
+                      <a:r>
+                        <a:rPr lang="zh-CN" altLang="en-US" sz="1600"/>
+                        <a:t>签名</a:t>
+                      </a:r>
+                    </a:p>
+                  </a:txBody>
+                  <a:tcPr marL="71333" marR="71333" marT="35667" marB="35667" anchor="ctr">
+                    <a:lnL>
+                      <a:noFill/>
+                    </a:lnL>
+                    <a:lnR>
+                      <a:noFill/>
+                    </a:lnR>
+                    <a:lnT>
+                      <a:noFill/>
+                    </a:lnT>
+                    <a:lnB>
+                      <a:noFill/>
+                    </a:lnB>
+                  </a:tcPr>
+                </a:tc>
+                <a:tc>
+                  <a:txBody>
+                    <a:bodyPr/>
+                    <a:lstStyle/>
+                    <a:p>
+                      <a:r>
+                        <a:rPr lang="en-US" sz="1600"/>
+                        <a:t>sign</a:t>
+                      </a:r>
+                    </a:p>
+                  </a:txBody>
+                  <a:tcPr marL="71333" marR="71333" marT="35667" marB="35667" anchor="ctr">
+                    <a:lnL>
+                      <a:noFill/>
+                    </a:lnL>
+                    <a:lnR>
+                      <a:noFill/>
+                    </a:lnR>
+                    <a:lnT>
+                      <a:noFill/>
+                    </a:lnT>
+                    <a:lnB>
+                      <a:noFill/>
+                    </a:lnB>
+                  </a:tcPr>
+                </a:tc>
+                <a:tc>
+                  <a:txBody>
+                    <a:bodyPr/>
+                    <a:lstStyle/>
+                    <a:p>
+                      <a:r>
+                        <a:rPr lang="en-US" sz="1600"/>
+                        <a:t>String(32)</a:t>
+                      </a:r>
+                    </a:p>
+                  </a:txBody>
+                  <a:tcPr marL="71333" marR="71333" marT="35667" marB="35667" anchor="ctr">
+                    <a:lnL>
+                      <a:noFill/>
+                    </a:lnL>
+                    <a:lnR>
+                      <a:noFill/>
+                    </a:lnR>
+                    <a:lnT>
+                      <a:noFill/>
+                    </a:lnT>
+                    <a:lnB>
+                      <a:noFill/>
+                    </a:lnB>
+                  </a:tcPr>
+                </a:tc>
+                <a:tc>
+                  <a:txBody>
+                    <a:bodyPr/>
+                    <a:lstStyle/>
+                    <a:p>
+                      <a:r>
+                        <a:rPr lang="zh-CN" altLang="en-US" sz="1600"/>
+                        <a:t>是</a:t>
+                      </a:r>
+                    </a:p>
+                  </a:txBody>
+                  <a:tcPr marL="71333" marR="71333" marT="35667" marB="35667" anchor="ctr">
+                    <a:lnL>
+                      <a:noFill/>
+                    </a:lnL>
+                    <a:lnR>
+                      <a:noFill/>
+                    </a:lnR>
+                    <a:lnT>
+                      <a:noFill/>
+                    </a:lnT>
+                    <a:lnB>
+                      <a:noFill/>
+                    </a:lnB>
+                  </a:tcPr>
+                </a:tc>
+                <a:tc>
+                  <a:txBody>
+                    <a:bodyPr/>
+                    <a:lstStyle/>
+                    <a:p>
+                      <a:r>
+                        <a:rPr lang="en-US" sz="1600"/>
+                        <a:t>C380BEC2BFD727A4B6845133519F3AD6</a:t>
+                      </a:r>
+                    </a:p>
+                  </a:txBody>
+                  <a:tcPr marL="71333" marR="71333" marT="35667" marB="35667" anchor="ctr">
+                    <a:lnL>
+                      <a:noFill/>
+                    </a:lnL>
+                    <a:lnR>
+                      <a:noFill/>
+                    </a:lnR>
+                    <a:lnT>
+                      <a:noFill/>
+                    </a:lnT>
+                    <a:lnB>
+                      <a:noFill/>
+                    </a:lnB>
+                  </a:tcPr>
+                </a:tc>
+                <a:tc>
+                  <a:txBody>
+                    <a:bodyPr/>
+                    <a:lstStyle/>
+                    <a:p>
+                      <a:r>
+                        <a:rPr lang="zh-CN" altLang="en-US" sz="1600" dirty="0"/>
+                        <a:t>签名，详见</a:t>
+                      </a:r>
+                      <a:r>
+                        <a:rPr lang="zh-CN" altLang="en-US" sz="1600" dirty="0">
+                          <a:hlinkClick r:id="rId3"/>
+                        </a:rPr>
+                        <a:t>签名生成算法</a:t>
+                      </a:r>
+                      <a:endParaRPr lang="zh-CN" altLang="en-US" sz="1600" dirty="0"/>
+                    </a:p>
+                  </a:txBody>
+                  <a:tcPr marL="71333" marR="71333" marT="35667" marB="35667" anchor="ctr">
+                    <a:lnL>
+                      <a:noFill/>
+                    </a:lnL>
+                    <a:lnR>
+                      <a:noFill/>
+                    </a:lnR>
+                    <a:lnT>
+                      <a:noFill/>
+                    </a:lnT>
+                    <a:lnB>
+                      <a:noFill/>
+                    </a:lnB>
+                  </a:tcPr>
+                </a:tc>
+                <a:extLst>
+                  <a:ext uri="{0D108BD9-81ED-4DB2-BD59-A6C34878D82A}">
+                    <a16:rowId xmlns:a16="http://schemas.microsoft.com/office/drawing/2014/main" val="3125800467"/>
+                  </a:ext>
+                </a:extLst>
+              </a:tr>
+            </a:tbl>
+          </a:graphicData>
+        </a:graphic>
+      </p:graphicFrame>
     </p:spTree>
     <p:extLst>
       <p:ext uri="{BB962C8B-B14F-4D97-AF65-F5344CB8AC3E}">
-        <p14:creationId xmlns:p14="http://schemas.microsoft.com/office/powerpoint/2010/main" val="636796483"/>
+        <p14:creationId xmlns:p14="http://schemas.microsoft.com/office/powerpoint/2010/main" val="1067076184"/>
       </p:ext>
     </p:extLst>
   </p:cSld>
@@ -12926,10 +14197,380 @@
           </a:p>
         </p:txBody>
       </p:sp>
+      <p:sp>
+        <p:nvSpPr>
+          <p:cNvPr id="3" name="矩形 2">
+            <a:extLst>
+              <a:ext uri="{FF2B5EF4-FFF2-40B4-BE49-F238E27FC236}">
+                <a16:creationId xmlns:a16="http://schemas.microsoft.com/office/drawing/2014/main" id="{CCC04232-B730-4515-ADED-5B4522AEF604}"/>
+              </a:ext>
+            </a:extLst>
+          </p:cNvPr>
+          <p:cNvSpPr/>
+          <p:nvPr/>
+        </p:nvSpPr>
+        <p:spPr>
+          <a:xfrm>
+            <a:off x="1037404" y="1627263"/>
+            <a:ext cx="10783940" cy="4662815"/>
+          </a:xfrm>
+          <a:prstGeom prst="rect">
+            <a:avLst/>
+          </a:prstGeom>
+        </p:spPr>
+        <p:txBody>
+          <a:bodyPr wrap="square">
+            <a:spAutoFit/>
+          </a:bodyPr>
+          <a:lstStyle/>
+          <a:p>
+            <a:pPr marL="285750" indent="-285750">
+              <a:lnSpc>
+                <a:spcPct val="150000"/>
+              </a:lnSpc>
+              <a:buFont typeface="Arial" panose="020B0604020202020204" pitchFamily="34" charset="0"/>
+              <a:buChar char="•"/>
+            </a:pPr>
+            <a:r>
+              <a:rPr lang="zh-CN" altLang="en-US" dirty="0">
+                <a:latin typeface="微软雅黑" panose="020B0503020204020204" pitchFamily="34" charset="-122"/>
+                <a:ea typeface="微软雅黑" panose="020B0503020204020204" pitchFamily="34" charset="-122"/>
+              </a:rPr>
+              <a:t>第一步，设所有发送或者接收到的数据为集合</a:t>
+            </a:r>
+            <a:r>
+              <a:rPr lang="en-US" altLang="zh-CN" dirty="0">
+                <a:latin typeface="微软雅黑" panose="020B0503020204020204" pitchFamily="34" charset="-122"/>
+                <a:ea typeface="微软雅黑" panose="020B0503020204020204" pitchFamily="34" charset="-122"/>
+              </a:rPr>
+              <a:t>M</a:t>
+            </a:r>
+            <a:r>
+              <a:rPr lang="zh-CN" altLang="en-US" dirty="0">
+                <a:latin typeface="微软雅黑" panose="020B0503020204020204" pitchFamily="34" charset="-122"/>
+                <a:ea typeface="微软雅黑" panose="020B0503020204020204" pitchFamily="34" charset="-122"/>
+              </a:rPr>
+              <a:t>，将集合</a:t>
+            </a:r>
+            <a:r>
+              <a:rPr lang="en-US" altLang="zh-CN" dirty="0">
+                <a:latin typeface="微软雅黑" panose="020B0503020204020204" pitchFamily="34" charset="-122"/>
+                <a:ea typeface="微软雅黑" panose="020B0503020204020204" pitchFamily="34" charset="-122"/>
+              </a:rPr>
+              <a:t>M</a:t>
+            </a:r>
+            <a:r>
+              <a:rPr lang="zh-CN" altLang="en-US" dirty="0">
+                <a:latin typeface="微软雅黑" panose="020B0503020204020204" pitchFamily="34" charset="-122"/>
+                <a:ea typeface="微软雅黑" panose="020B0503020204020204" pitchFamily="34" charset="-122"/>
+              </a:rPr>
+              <a:t>内非空参数值的参数按照参数名</a:t>
+            </a:r>
+            <a:r>
+              <a:rPr lang="en-US" altLang="zh-CN" dirty="0">
+                <a:latin typeface="微软雅黑" panose="020B0503020204020204" pitchFamily="34" charset="-122"/>
+                <a:ea typeface="微软雅黑" panose="020B0503020204020204" pitchFamily="34" charset="-122"/>
+              </a:rPr>
+              <a:t>ASCII</a:t>
+            </a:r>
+            <a:r>
+              <a:rPr lang="zh-CN" altLang="en-US" dirty="0">
+                <a:latin typeface="微软雅黑" panose="020B0503020204020204" pitchFamily="34" charset="-122"/>
+                <a:ea typeface="微软雅黑" panose="020B0503020204020204" pitchFamily="34" charset="-122"/>
+              </a:rPr>
+              <a:t>码从小到大排序（字典序），使用</a:t>
+            </a:r>
+            <a:r>
+              <a:rPr lang="en-US" altLang="zh-CN" dirty="0">
+                <a:latin typeface="微软雅黑" panose="020B0503020204020204" pitchFamily="34" charset="-122"/>
+                <a:ea typeface="微软雅黑" panose="020B0503020204020204" pitchFamily="34" charset="-122"/>
+              </a:rPr>
+              <a:t>URL</a:t>
+            </a:r>
+            <a:r>
+              <a:rPr lang="zh-CN" altLang="en-US" dirty="0">
+                <a:latin typeface="微软雅黑" panose="020B0503020204020204" pitchFamily="34" charset="-122"/>
+                <a:ea typeface="微软雅黑" panose="020B0503020204020204" pitchFamily="34" charset="-122"/>
+              </a:rPr>
+              <a:t>键值对的格式（即</a:t>
+            </a:r>
+            <a:r>
+              <a:rPr lang="en-US" altLang="zh-CN" dirty="0">
+                <a:latin typeface="微软雅黑" panose="020B0503020204020204" pitchFamily="34" charset="-122"/>
+                <a:ea typeface="微软雅黑" panose="020B0503020204020204" pitchFamily="34" charset="-122"/>
+              </a:rPr>
+              <a:t>key1=value1&amp;key2=value2…</a:t>
+            </a:r>
+            <a:r>
+              <a:rPr lang="zh-CN" altLang="en-US" dirty="0">
+                <a:latin typeface="微软雅黑" panose="020B0503020204020204" pitchFamily="34" charset="-122"/>
+                <a:ea typeface="微软雅黑" panose="020B0503020204020204" pitchFamily="34" charset="-122"/>
+              </a:rPr>
+              <a:t>）拼接成字符串</a:t>
+            </a:r>
+            <a:r>
+              <a:rPr lang="en-US" altLang="zh-CN" dirty="0" err="1">
+                <a:latin typeface="微软雅黑" panose="020B0503020204020204" pitchFamily="34" charset="-122"/>
+                <a:ea typeface="微软雅黑" panose="020B0503020204020204" pitchFamily="34" charset="-122"/>
+              </a:rPr>
+              <a:t>stringA</a:t>
+            </a:r>
+            <a:r>
+              <a:rPr lang="zh-CN" altLang="en-US" dirty="0">
+                <a:latin typeface="微软雅黑" panose="020B0503020204020204" pitchFamily="34" charset="-122"/>
+                <a:ea typeface="微软雅黑" panose="020B0503020204020204" pitchFamily="34" charset="-122"/>
+              </a:rPr>
+              <a:t>。 特别注意以下重要规则： </a:t>
+            </a:r>
+          </a:p>
+          <a:p>
+            <a:pPr lvl="1">
+              <a:lnSpc>
+                <a:spcPct val="150000"/>
+              </a:lnSpc>
+              <a:buFont typeface="+mj-lt"/>
+              <a:buAutoNum type="arabicPeriod"/>
+            </a:pPr>
+            <a:r>
+              <a:rPr lang="zh-CN" altLang="en-US" dirty="0"/>
+              <a:t>参数名</a:t>
+            </a:r>
+            <a:r>
+              <a:rPr lang="en-US" altLang="zh-CN" dirty="0"/>
+              <a:t>ASCII</a:t>
+            </a:r>
+            <a:r>
+              <a:rPr lang="zh-CN" altLang="en-US" dirty="0"/>
+              <a:t>码从小到大排序（字典序）； </a:t>
+            </a:r>
+          </a:p>
+          <a:p>
+            <a:pPr lvl="1">
+              <a:lnSpc>
+                <a:spcPct val="150000"/>
+              </a:lnSpc>
+              <a:buFont typeface="+mj-lt"/>
+              <a:buAutoNum type="arabicPeriod"/>
+            </a:pPr>
+            <a:r>
+              <a:rPr lang="zh-CN" altLang="en-US" dirty="0"/>
+              <a:t>如果参数的值为空不参与签名； </a:t>
+            </a:r>
+          </a:p>
+          <a:p>
+            <a:pPr lvl="1">
+              <a:lnSpc>
+                <a:spcPct val="150000"/>
+              </a:lnSpc>
+              <a:buFont typeface="+mj-lt"/>
+              <a:buAutoNum type="arabicPeriod"/>
+            </a:pPr>
+            <a:r>
+              <a:rPr lang="zh-CN" altLang="en-US" dirty="0"/>
+              <a:t> 参数名区分大小写； </a:t>
+            </a:r>
+          </a:p>
+          <a:p>
+            <a:pPr lvl="1">
+              <a:lnSpc>
+                <a:spcPct val="150000"/>
+              </a:lnSpc>
+              <a:buFont typeface="+mj-lt"/>
+              <a:buAutoNum type="arabicPeriod"/>
+            </a:pPr>
+            <a:r>
+              <a:rPr lang="zh-CN" altLang="en-US" dirty="0"/>
+              <a:t>验证调用返回或微信主动通知签名时，传送的</a:t>
+            </a:r>
+            <a:r>
+              <a:rPr lang="en-US" altLang="zh-CN" dirty="0"/>
+              <a:t>sign</a:t>
+            </a:r>
+            <a:r>
+              <a:rPr lang="zh-CN" altLang="en-US" dirty="0"/>
+              <a:t>参数不参与签名，将生成的签名与该</a:t>
+            </a:r>
+            <a:r>
+              <a:rPr lang="en-US" altLang="zh-CN" dirty="0"/>
+              <a:t>sign</a:t>
+            </a:r>
+            <a:r>
+              <a:rPr lang="zh-CN" altLang="en-US" dirty="0"/>
+              <a:t>值作校验。 </a:t>
+            </a:r>
+          </a:p>
+          <a:p>
+            <a:pPr lvl="1">
+              <a:lnSpc>
+                <a:spcPct val="150000"/>
+              </a:lnSpc>
+              <a:buFont typeface="+mj-lt"/>
+              <a:buAutoNum type="arabicPeriod"/>
+            </a:pPr>
+            <a:r>
+              <a:rPr lang="zh-CN" altLang="en-US" dirty="0"/>
+              <a:t> 微信接口可能增加字段，验证签名时必须支持增加的扩展字段 </a:t>
+            </a:r>
+          </a:p>
+          <a:p>
+            <a:pPr marL="285750" indent="-285750">
+              <a:lnSpc>
+                <a:spcPct val="150000"/>
+              </a:lnSpc>
+              <a:buFont typeface="Arial" panose="020B0604020202020204" pitchFamily="34" charset="0"/>
+              <a:buChar char="•"/>
+            </a:pPr>
+            <a:r>
+              <a:rPr lang="zh-CN" altLang="en-US" dirty="0">
+                <a:latin typeface="微软雅黑" panose="020B0503020204020204" pitchFamily="34" charset="-122"/>
+                <a:ea typeface="微软雅黑" panose="020B0503020204020204" pitchFamily="34" charset="-122"/>
+              </a:rPr>
+              <a:t>第二步，在</a:t>
+            </a:r>
+            <a:r>
+              <a:rPr lang="en-US" altLang="zh-CN" dirty="0" err="1">
+                <a:latin typeface="微软雅黑" panose="020B0503020204020204" pitchFamily="34" charset="-122"/>
+                <a:ea typeface="微软雅黑" panose="020B0503020204020204" pitchFamily="34" charset="-122"/>
+              </a:rPr>
+              <a:t>stringA</a:t>
+            </a:r>
+            <a:r>
+              <a:rPr lang="zh-CN" altLang="en-US" dirty="0">
+                <a:latin typeface="微软雅黑" panose="020B0503020204020204" pitchFamily="34" charset="-122"/>
+                <a:ea typeface="微软雅黑" panose="020B0503020204020204" pitchFamily="34" charset="-122"/>
+              </a:rPr>
+              <a:t>最后拼接上</a:t>
+            </a:r>
+            <a:r>
+              <a:rPr lang="en-US" altLang="zh-CN" dirty="0">
+                <a:latin typeface="微软雅黑" panose="020B0503020204020204" pitchFamily="34" charset="-122"/>
+                <a:ea typeface="微软雅黑" panose="020B0503020204020204" pitchFamily="34" charset="-122"/>
+              </a:rPr>
+              <a:t>key</a:t>
+            </a:r>
+            <a:r>
+              <a:rPr lang="zh-CN" altLang="en-US" dirty="0">
+                <a:latin typeface="微软雅黑" panose="020B0503020204020204" pitchFamily="34" charset="-122"/>
+                <a:ea typeface="微软雅黑" panose="020B0503020204020204" pitchFamily="34" charset="-122"/>
+              </a:rPr>
+              <a:t>得到</a:t>
+            </a:r>
+            <a:r>
+              <a:rPr lang="en-US" altLang="zh-CN" dirty="0" err="1">
+                <a:latin typeface="微软雅黑" panose="020B0503020204020204" pitchFamily="34" charset="-122"/>
+                <a:ea typeface="微软雅黑" panose="020B0503020204020204" pitchFamily="34" charset="-122"/>
+              </a:rPr>
+              <a:t>stringSignTemp</a:t>
+            </a:r>
+            <a:r>
+              <a:rPr lang="zh-CN" altLang="en-US" dirty="0">
+                <a:latin typeface="微软雅黑" panose="020B0503020204020204" pitchFamily="34" charset="-122"/>
+                <a:ea typeface="微软雅黑" panose="020B0503020204020204" pitchFamily="34" charset="-122"/>
+              </a:rPr>
+              <a:t>字符串，并对</a:t>
+            </a:r>
+            <a:r>
+              <a:rPr lang="en-US" altLang="zh-CN" dirty="0" err="1">
+                <a:latin typeface="微软雅黑" panose="020B0503020204020204" pitchFamily="34" charset="-122"/>
+                <a:ea typeface="微软雅黑" panose="020B0503020204020204" pitchFamily="34" charset="-122"/>
+              </a:rPr>
+              <a:t>stringSignTemp</a:t>
+            </a:r>
+            <a:r>
+              <a:rPr lang="zh-CN" altLang="en-US" dirty="0">
+                <a:latin typeface="微软雅黑" panose="020B0503020204020204" pitchFamily="34" charset="-122"/>
+                <a:ea typeface="微软雅黑" panose="020B0503020204020204" pitchFamily="34" charset="-122"/>
+              </a:rPr>
+              <a:t>进行</a:t>
+            </a:r>
+            <a:r>
+              <a:rPr lang="en-US" altLang="zh-CN" dirty="0">
+                <a:latin typeface="微软雅黑" panose="020B0503020204020204" pitchFamily="34" charset="-122"/>
+                <a:ea typeface="微软雅黑" panose="020B0503020204020204" pitchFamily="34" charset="-122"/>
+              </a:rPr>
+              <a:t>MD5</a:t>
+            </a:r>
+            <a:r>
+              <a:rPr lang="zh-CN" altLang="en-US" dirty="0">
+                <a:latin typeface="微软雅黑" panose="020B0503020204020204" pitchFamily="34" charset="-122"/>
+                <a:ea typeface="微软雅黑" panose="020B0503020204020204" pitchFamily="34" charset="-122"/>
+              </a:rPr>
+              <a:t>运算，再将得到的字符串所有字符转换为大写，得到</a:t>
+            </a:r>
+            <a:r>
+              <a:rPr lang="en-US" altLang="zh-CN" dirty="0">
+                <a:latin typeface="微软雅黑" panose="020B0503020204020204" pitchFamily="34" charset="-122"/>
+                <a:ea typeface="微软雅黑" panose="020B0503020204020204" pitchFamily="34" charset="-122"/>
+              </a:rPr>
+              <a:t>sign</a:t>
+            </a:r>
+            <a:r>
+              <a:rPr lang="zh-CN" altLang="en-US" dirty="0">
+                <a:latin typeface="微软雅黑" panose="020B0503020204020204" pitchFamily="34" charset="-122"/>
+                <a:ea typeface="微软雅黑" panose="020B0503020204020204" pitchFamily="34" charset="-122"/>
+              </a:rPr>
+              <a:t>值</a:t>
+            </a:r>
+            <a:r>
+              <a:rPr lang="en-US" altLang="zh-CN" dirty="0" err="1">
+                <a:latin typeface="微软雅黑" panose="020B0503020204020204" pitchFamily="34" charset="-122"/>
+                <a:ea typeface="微软雅黑" panose="020B0503020204020204" pitchFamily="34" charset="-122"/>
+              </a:rPr>
+              <a:t>signValue</a:t>
+            </a:r>
+            <a:r>
+              <a:rPr lang="zh-CN" altLang="en-US" dirty="0">
+                <a:latin typeface="微软雅黑" panose="020B0503020204020204" pitchFamily="34" charset="-122"/>
+                <a:ea typeface="微软雅黑" panose="020B0503020204020204" pitchFamily="34" charset="-122"/>
+              </a:rPr>
+              <a:t>。</a:t>
+            </a:r>
+          </a:p>
+          <a:p>
+            <a:pPr lvl="1">
+              <a:lnSpc>
+                <a:spcPct val="150000"/>
+              </a:lnSpc>
+            </a:pPr>
+            <a:r>
+              <a:rPr lang="en-US" altLang="zh-CN" dirty="0"/>
+              <a:t>key</a:t>
+            </a:r>
+            <a:r>
+              <a:rPr lang="zh-CN" altLang="en-US" dirty="0"/>
+              <a:t>设置路径：微信商户平台</a:t>
+            </a:r>
+            <a:r>
+              <a:rPr lang="en-US" altLang="zh-CN" dirty="0"/>
+              <a:t>(pay.weixin.qq.com)--&gt;</a:t>
+            </a:r>
+            <a:r>
+              <a:rPr lang="zh-CN" altLang="en-US" dirty="0"/>
+              <a:t>账户设置</a:t>
+            </a:r>
+            <a:r>
+              <a:rPr lang="en-US" altLang="zh-CN" dirty="0"/>
+              <a:t>--&gt;API</a:t>
+            </a:r>
+            <a:r>
+              <a:rPr lang="zh-CN" altLang="en-US" dirty="0"/>
+              <a:t>安全</a:t>
+            </a:r>
+            <a:r>
+              <a:rPr lang="en-US" altLang="zh-CN" dirty="0"/>
+              <a:t>--&gt;</a:t>
+            </a:r>
+            <a:r>
+              <a:rPr lang="zh-CN" altLang="en-US" dirty="0"/>
+              <a:t>密钥设置</a:t>
+            </a:r>
+          </a:p>
+        </p:txBody>
+      </p:sp>
     </p:spTree>
     <p:extLst>
       <p:ext uri="{BB962C8B-B14F-4D97-AF65-F5344CB8AC3E}">
-        <p14:creationId xmlns:p14="http://schemas.microsoft.com/office/powerpoint/2010/main" val="1067076184"/>
+        <p14:creationId xmlns:p14="http://schemas.microsoft.com/office/powerpoint/2010/main" val="233366731"/>
       </p:ext>
     </p:extLst>
   </p:cSld>
@@ -12966,151 +14607,254 @@
             <p:ph sz="quarter" idx="13"/>
           </p:nvPr>
         </p:nvSpPr>
-        <p:spPr/>
+        <p:spPr>
+          <a:xfrm>
+            <a:off x="1054099" y="543636"/>
+            <a:ext cx="5375275" cy="685800"/>
+          </a:xfrm>
+        </p:spPr>
         <p:txBody>
           <a:bodyPr/>
           <a:lstStyle/>
           <a:p>
             <a:r>
               <a:rPr lang="zh-CN" altLang="en-US" b="0" dirty="0"/>
-              <a:t>第二讲</a:t>
+              <a:t>需要注意的问题</a:t>
             </a:r>
           </a:p>
         </p:txBody>
       </p:sp>
       <p:sp>
         <p:nvSpPr>
-          <p:cNvPr id="5" name="文本框 4"/>
-          <p:cNvSpPr txBox="1"/>
+          <p:cNvPr id="3" name="矩形 2">
+            <a:extLst>
+              <a:ext uri="{FF2B5EF4-FFF2-40B4-BE49-F238E27FC236}">
+                <a16:creationId xmlns:a16="http://schemas.microsoft.com/office/drawing/2014/main" id="{CCC04232-B730-4515-ADED-5B4522AEF604}"/>
+              </a:ext>
+            </a:extLst>
+          </p:cNvPr>
+          <p:cNvSpPr/>
           <p:nvPr/>
         </p:nvSpPr>
         <p:spPr>
           <a:xfrm>
-            <a:off x="4058444" y="2343152"/>
-            <a:ext cx="5385594" cy="2062103"/>
+            <a:off x="1037404" y="1627263"/>
+            <a:ext cx="10783940" cy="879087"/>
           </a:xfrm>
           <a:prstGeom prst="rect">
             <a:avLst/>
           </a:prstGeom>
-          <a:noFill/>
         </p:spPr>
         <p:txBody>
-          <a:bodyPr wrap="square" rtlCol="0">
+          <a:bodyPr wrap="square">
             <a:spAutoFit/>
           </a:bodyPr>
           <a:lstStyle/>
           <a:p>
-            <a:pPr marL="514350" indent="-514350">
+            <a:pPr marL="285750" indent="-285750">
               <a:lnSpc>
-                <a:spcPct val="200000"/>
+                <a:spcPct val="150000"/>
               </a:lnSpc>
-              <a:buFont typeface="+mj-ea"/>
-              <a:buAutoNum type="ea1JpnChsDbPeriod"/>
+              <a:buFont typeface="Arial" panose="020B0604020202020204" pitchFamily="34" charset="0"/>
+              <a:buChar char="•"/>
             </a:pPr>
             <a:r>
-              <a:rPr lang="zh-CN" altLang="en-US" sz="2000" dirty="0">
-                <a:solidFill>
-                  <a:schemeClr val="tx1">
-                    <a:lumMod val="65000"/>
-                    <a:lumOff val="35000"/>
-                  </a:schemeClr>
-                </a:solidFill>
+              <a:rPr lang="zh-CN" altLang="en-US" dirty="0">
                 <a:latin typeface="微软雅黑" panose="020B0503020204020204" pitchFamily="34" charset="-122"/>
                 <a:ea typeface="微软雅黑" panose="020B0503020204020204" pitchFamily="34" charset="-122"/>
               </a:rPr>
-              <a:t>微信支付分类与流程</a:t>
-            </a:r>
-            <a:endParaRPr lang="en-US" altLang="zh-CN" sz="2000" dirty="0">
-              <a:solidFill>
-                <a:schemeClr val="tx1">
-                  <a:lumMod val="65000"/>
-                  <a:lumOff val="35000"/>
-                </a:schemeClr>
-              </a:solidFill>
-              <a:latin typeface="微软雅黑" panose="020B0503020204020204" pitchFamily="34" charset="-122"/>
-              <a:ea typeface="微软雅黑" panose="020B0503020204020204" pitchFamily="34" charset="-122"/>
-            </a:endParaRPr>
-          </a:p>
-          <a:p>
-            <a:pPr marL="514350" indent="-514350">
-              <a:lnSpc>
-                <a:spcPct val="200000"/>
-              </a:lnSpc>
-              <a:buFont typeface="+mj-ea"/>
-              <a:buAutoNum type="ea1JpnChsDbPeriod"/>
-            </a:pPr>
-            <a:r>
-              <a:rPr lang="en-US" altLang="zh-CN" sz="2400" dirty="0" err="1">
-                <a:solidFill>
-                  <a:schemeClr val="accent6">
-                    <a:lumMod val="75000"/>
-                  </a:schemeClr>
-                </a:solidFill>
+              <a:t>下载的微信支付</a:t>
+            </a:r>
+            <a:r>
+              <a:rPr lang="en-US" altLang="zh-CN" dirty="0">
                 <a:latin typeface="微软雅黑" panose="020B0503020204020204" pitchFamily="34" charset="-122"/>
                 <a:ea typeface="微软雅黑" panose="020B0503020204020204" pitchFamily="34" charset="-122"/>
               </a:rPr>
-              <a:t>Oauth</a:t>
-            </a:r>
-            <a:r>
-              <a:rPr lang="zh-CN" altLang="en-US" sz="2400" dirty="0">
-                <a:solidFill>
-                  <a:schemeClr val="accent6">
-                    <a:lumMod val="75000"/>
-                  </a:schemeClr>
-                </a:solidFill>
+              <a:t>SDK</a:t>
+            </a:r>
+            <a:r>
+              <a:rPr lang="zh-CN" altLang="en-US" dirty="0">
                 <a:latin typeface="微软雅黑" panose="020B0503020204020204" pitchFamily="34" charset="-122"/>
                 <a:ea typeface="微软雅黑" panose="020B0503020204020204" pitchFamily="34" charset="-122"/>
               </a:rPr>
-              <a:t>协议基础</a:t>
-            </a:r>
-            <a:endParaRPr lang="en-US" altLang="zh-CN" sz="2400" dirty="0">
-              <a:solidFill>
-                <a:schemeClr val="accent6">
-                  <a:lumMod val="75000"/>
-                </a:schemeClr>
-              </a:solidFill>
-              <a:latin typeface="微软雅黑" panose="020B0503020204020204" pitchFamily="34" charset="-122"/>
-              <a:ea typeface="微软雅黑" panose="020B0503020204020204" pitchFamily="34" charset="-122"/>
-            </a:endParaRPr>
-          </a:p>
-          <a:p>
-            <a:pPr marL="514350" indent="-514350">
-              <a:lnSpc>
-                <a:spcPct val="200000"/>
-              </a:lnSpc>
-              <a:buFont typeface="+mj-ea"/>
-              <a:buAutoNum type="ea1JpnChsDbPeriod"/>
-            </a:pPr>
-            <a:r>
-              <a:rPr lang="zh-CN" altLang="en-US" sz="2000" dirty="0">
-                <a:solidFill>
-                  <a:schemeClr val="tx1">
-                    <a:lumMod val="65000"/>
-                    <a:lumOff val="35000"/>
-                  </a:schemeClr>
-                </a:solidFill>
+              <a:t>代码中，</a:t>
+            </a:r>
+            <a:r>
+              <a:rPr lang="en-US" altLang="zh-CN" dirty="0">
                 <a:latin typeface="微软雅黑" panose="020B0503020204020204" pitchFamily="34" charset="-122"/>
                 <a:ea typeface="微软雅黑" panose="020B0503020204020204" pitchFamily="34" charset="-122"/>
               </a:rPr>
-              <a:t>微信网页授权</a:t>
-            </a:r>
-            <a:endParaRPr lang="en-US" altLang="zh-CN" sz="2000" dirty="0">
-              <a:solidFill>
-                <a:schemeClr val="tx1">
-                  <a:lumMod val="65000"/>
-                  <a:lumOff val="35000"/>
-                </a:schemeClr>
-              </a:solidFill>
-              <a:latin typeface="微软雅黑" panose="020B0503020204020204" pitchFamily="34" charset="-122"/>
+              <a:t>lib/</a:t>
+            </a:r>
+            <a:r>
+              <a:rPr lang="en-US" altLang="zh-CN" dirty="0" err="1">
+                <a:latin typeface="微软雅黑" panose="020B0503020204020204" pitchFamily="34" charset="-122"/>
+                <a:ea typeface="微软雅黑" panose="020B0503020204020204" pitchFamily="34" charset="-122"/>
+              </a:rPr>
+              <a:t>WxApi.php</a:t>
+            </a:r>
+            <a:r>
+              <a:rPr lang="en-US" altLang="zh-CN" dirty="0">
+                <a:latin typeface="微软雅黑" panose="020B0503020204020204" pitchFamily="34" charset="-122"/>
+                <a:ea typeface="微软雅黑" panose="020B0503020204020204" pitchFamily="34" charset="-122"/>
+              </a:rPr>
+              <a:t> </a:t>
+            </a:r>
+            <a:r>
+              <a:rPr lang="zh-CN" altLang="en-US" dirty="0">
+                <a:latin typeface="微软雅黑" panose="020B0503020204020204" pitchFamily="34" charset="-122"/>
+                <a:ea typeface="微软雅黑" panose="020B0503020204020204" pitchFamily="34" charset="-122"/>
+              </a:rPr>
+              <a:t>中的方法 </a:t>
+            </a:r>
+            <a:r>
+              <a:rPr lang="en-US" altLang="zh-CN" dirty="0">
+                <a:latin typeface="微软雅黑" panose="020B0503020204020204" pitchFamily="34" charset="-122"/>
+                <a:ea typeface="微软雅黑" panose="020B0503020204020204" pitchFamily="34" charset="-122"/>
+              </a:rPr>
+              <a:t>notify </a:t>
+            </a:r>
+            <a:r>
+              <a:rPr lang="zh-CN" altLang="en-US" dirty="0">
+                <a:latin typeface="微软雅黑" panose="020B0503020204020204" pitchFamily="34" charset="-122"/>
+                <a:ea typeface="微软雅黑" panose="020B0503020204020204" pitchFamily="34" charset="-122"/>
+              </a:rPr>
+              <a:t>存在问题，在</a:t>
+            </a:r>
+            <a:r>
+              <a:rPr lang="en-US" altLang="zh-CN" dirty="0">
+                <a:latin typeface="微软雅黑" panose="020B0503020204020204" pitchFamily="34" charset="-122"/>
+                <a:ea typeface="微软雅黑" panose="020B0503020204020204" pitchFamily="34" charset="-122"/>
+              </a:rPr>
+              <a:t>PHP5.6+</a:t>
+            </a:r>
+            <a:r>
+              <a:rPr lang="zh-CN" altLang="en-US" dirty="0">
+                <a:latin typeface="微软雅黑" panose="020B0503020204020204" pitchFamily="34" charset="-122"/>
+                <a:ea typeface="微软雅黑" panose="020B0503020204020204" pitchFamily="34" charset="-122"/>
+              </a:rPr>
+              <a:t>版本中，需要使用</a:t>
+            </a:r>
+            <a:r>
+              <a:rPr lang="en-US" altLang="zh-CN" dirty="0" err="1">
+                <a:latin typeface="Calibri" panose="020F0502020204030204" pitchFamily="34" charset="0"/>
+                <a:ea typeface="微软雅黑" panose="020B0503020204020204" pitchFamily="34" charset="-122"/>
+                <a:cs typeface="Calibri" panose="020F0502020204030204" pitchFamily="34" charset="0"/>
+              </a:rPr>
+              <a:t>file_get_contents</a:t>
+            </a:r>
+            <a:r>
+              <a:rPr lang="en-US" altLang="zh-CN" dirty="0">
+                <a:latin typeface="Calibri" panose="020F0502020204030204" pitchFamily="34" charset="0"/>
+                <a:ea typeface="微软雅黑" panose="020B0503020204020204" pitchFamily="34" charset="-122"/>
+                <a:cs typeface="Calibri" panose="020F0502020204030204" pitchFamily="34" charset="0"/>
+              </a:rPr>
+              <a:t>(‘</a:t>
+            </a:r>
+            <a:r>
+              <a:rPr lang="en-US" altLang="zh-CN" dirty="0" err="1">
+                <a:latin typeface="Calibri" panose="020F0502020204030204" pitchFamily="34" charset="0"/>
+                <a:ea typeface="微软雅黑" panose="020B0503020204020204" pitchFamily="34" charset="-122"/>
+                <a:cs typeface="Calibri" panose="020F0502020204030204" pitchFamily="34" charset="0"/>
+              </a:rPr>
+              <a:t>php</a:t>
+            </a:r>
+            <a:r>
+              <a:rPr lang="en-US" altLang="zh-CN" dirty="0">
+                <a:latin typeface="Calibri" panose="020F0502020204030204" pitchFamily="34" charset="0"/>
+                <a:ea typeface="微软雅黑" panose="020B0503020204020204" pitchFamily="34" charset="-122"/>
+                <a:cs typeface="Calibri" panose="020F0502020204030204" pitchFamily="34" charset="0"/>
+              </a:rPr>
+              <a:t>://</a:t>
+            </a:r>
+            <a:r>
+              <a:rPr lang="en-US" altLang="zh-CN" dirty="0" err="1">
+                <a:latin typeface="Calibri" panose="020F0502020204030204" pitchFamily="34" charset="0"/>
+                <a:ea typeface="微软雅黑" panose="020B0503020204020204" pitchFamily="34" charset="-122"/>
+                <a:cs typeface="Calibri" panose="020F0502020204030204" pitchFamily="34" charset="0"/>
+              </a:rPr>
+              <a:t>input’,‘r</a:t>
+            </a:r>
+            <a:r>
+              <a:rPr lang="en-US" altLang="zh-CN" dirty="0">
+                <a:latin typeface="Calibri" panose="020F0502020204030204" pitchFamily="34" charset="0"/>
+                <a:ea typeface="微软雅黑" panose="020B0503020204020204" pitchFamily="34" charset="-122"/>
+                <a:cs typeface="Calibri" panose="020F0502020204030204" pitchFamily="34" charset="0"/>
+              </a:rPr>
+              <a:t>’);</a:t>
+            </a:r>
+            <a:r>
+              <a:rPr lang="zh-CN" altLang="en-US" dirty="0">
+                <a:latin typeface="Calibri" panose="020F0502020204030204" pitchFamily="34" charset="0"/>
+                <a:ea typeface="微软雅黑" panose="020B0503020204020204" pitchFamily="34" charset="-122"/>
+                <a:cs typeface="Calibri" panose="020F0502020204030204" pitchFamily="34" charset="0"/>
+              </a:rPr>
+              <a:t>获取</a:t>
+            </a:r>
+            <a:r>
+              <a:rPr lang="en-US" altLang="zh-CN" dirty="0">
+                <a:latin typeface="Calibri" panose="020F0502020204030204" pitchFamily="34" charset="0"/>
+                <a:ea typeface="微软雅黑" panose="020B0503020204020204" pitchFamily="34" charset="-122"/>
+                <a:cs typeface="Calibri" panose="020F0502020204030204" pitchFamily="34" charset="0"/>
+              </a:rPr>
+              <a:t>POST</a:t>
+            </a:r>
+            <a:r>
+              <a:rPr lang="zh-CN" altLang="en-US" dirty="0">
+                <a:latin typeface="Calibri" panose="020F0502020204030204" pitchFamily="34" charset="0"/>
+                <a:ea typeface="微软雅黑" panose="020B0503020204020204" pitchFamily="34" charset="-122"/>
+                <a:cs typeface="Calibri" panose="020F0502020204030204" pitchFamily="34" charset="0"/>
+              </a:rPr>
+              <a:t>数据。</a:t>
+            </a:r>
+            <a:endParaRPr lang="en-US" altLang="zh-CN" dirty="0">
+              <a:latin typeface="Calibri" panose="020F0502020204030204" pitchFamily="34" charset="0"/>
               <a:ea typeface="微软雅黑" panose="020B0503020204020204" pitchFamily="34" charset="-122"/>
+              <a:cs typeface="Calibri" panose="020F0502020204030204" pitchFamily="34" charset="0"/>
             </a:endParaRPr>
           </a:p>
         </p:txBody>
       </p:sp>
+      <p:pic>
+        <p:nvPicPr>
+          <p:cNvPr id="5" name="图片 4">
+            <a:extLst>
+              <a:ext uri="{FF2B5EF4-FFF2-40B4-BE49-F238E27FC236}">
+                <a16:creationId xmlns:a16="http://schemas.microsoft.com/office/drawing/2014/main" id="{930B6B99-7791-40B4-AB69-E4B352FC53A8}"/>
+              </a:ext>
+            </a:extLst>
+          </p:cNvPr>
+          <p:cNvPicPr>
+            <a:picLocks noChangeAspect="1"/>
+          </p:cNvPicPr>
+          <p:nvPr/>
+        </p:nvPicPr>
+        <p:blipFill>
+          <a:blip r:embed="rId2">
+            <a:extLst>
+              <a:ext uri="{28A0092B-C50C-407E-A947-70E740481C1C}">
+                <a14:useLocalDpi xmlns:a14="http://schemas.microsoft.com/office/drawing/2010/main" val="0"/>
+              </a:ext>
+            </a:extLst>
+          </a:blip>
+          <a:stretch>
+            <a:fillRect/>
+          </a:stretch>
+        </p:blipFill>
+        <p:spPr>
+          <a:xfrm>
+            <a:off x="2332294" y="2844308"/>
+            <a:ext cx="7380810" cy="3903900"/>
+          </a:xfrm>
+          <a:prstGeom prst="rect">
+            <a:avLst/>
+          </a:prstGeom>
+        </p:spPr>
+      </p:pic>
     </p:spTree>
     <p:extLst>
       <p:ext uri="{BB962C8B-B14F-4D97-AF65-F5344CB8AC3E}">
-        <p14:creationId xmlns:p14="http://schemas.microsoft.com/office/powerpoint/2010/main" val="2999457395"/>
+        <p14:creationId xmlns:p14="http://schemas.microsoft.com/office/powerpoint/2010/main" val="1066709556"/>
       </p:ext>
     </p:extLst>
   </p:cSld>
@@ -13154,122 +14898,144 @@
           <a:p>
             <a:r>
               <a:rPr lang="zh-CN" altLang="en-US" b="0" dirty="0"/>
-              <a:t>什么是</a:t>
-            </a:r>
-            <a:r>
-              <a:rPr lang="en-US" altLang="zh-CN" b="0" dirty="0" err="1"/>
-              <a:t>Oauth</a:t>
-            </a:r>
-            <a:r>
-              <a:rPr lang="zh-CN" altLang="en-US" b="0" dirty="0"/>
-              <a:t>协议</a:t>
+              <a:t>第二讲</a:t>
             </a:r>
           </a:p>
         </p:txBody>
       </p:sp>
       <p:sp>
         <p:nvSpPr>
-          <p:cNvPr id="3" name="矩形 2">
-            <a:extLst>
-              <a:ext uri="{FF2B5EF4-FFF2-40B4-BE49-F238E27FC236}">
-                <a16:creationId xmlns:a16="http://schemas.microsoft.com/office/drawing/2014/main" id="{CB4C7B03-B8C9-4B0F-9AFF-DF6BEBAB55B5}"/>
-              </a:ext>
-            </a:extLst>
-          </p:cNvPr>
-          <p:cNvSpPr/>
+          <p:cNvPr id="5" name="文本框 4"/>
+          <p:cNvSpPr txBox="1"/>
           <p:nvPr/>
         </p:nvSpPr>
         <p:spPr>
           <a:xfrm>
-            <a:off x="1054099" y="1629300"/>
-            <a:ext cx="8257049" cy="1754326"/>
+            <a:off x="4058444" y="2343152"/>
+            <a:ext cx="5385594" cy="2062103"/>
           </a:xfrm>
           <a:prstGeom prst="rect">
             <a:avLst/>
           </a:prstGeom>
+          <a:noFill/>
         </p:spPr>
         <p:txBody>
-          <a:bodyPr wrap="square">
+          <a:bodyPr wrap="square" rtlCol="0">
             <a:spAutoFit/>
           </a:bodyPr>
           <a:lstStyle/>
           <a:p>
-            <a:pPr marL="285750" indent="-285750">
+            <a:pPr marL="514350" indent="-514350">
               <a:lnSpc>
-                <a:spcPct val="150000"/>
+                <a:spcPct val="200000"/>
               </a:lnSpc>
-              <a:buFont typeface="Arial" panose="020B0604020202020204" pitchFamily="34" charset="0"/>
-              <a:buChar char="•"/>
+              <a:buFont typeface="+mj-ea"/>
+              <a:buAutoNum type="ea1JpnChsDbPeriod"/>
             </a:pPr>
             <a:r>
-              <a:rPr lang="en-US" altLang="zh-CN" dirty="0">
+              <a:rPr lang="zh-CN" altLang="en-US" sz="2000" dirty="0">
+                <a:solidFill>
+                  <a:schemeClr val="tx1">
+                    <a:lumMod val="65000"/>
+                    <a:lumOff val="35000"/>
+                  </a:schemeClr>
+                </a:solidFill>
                 <a:latin typeface="微软雅黑" panose="020B0503020204020204" pitchFamily="34" charset="-122"/>
                 <a:ea typeface="微软雅黑" panose="020B0503020204020204" pitchFamily="34" charset="-122"/>
               </a:rPr>
-              <a:t>OAuth</a:t>
-            </a:r>
-            <a:r>
-              <a:rPr lang="zh-CN" altLang="en-US" dirty="0">
-                <a:latin typeface="微软雅黑" panose="020B0503020204020204" pitchFamily="34" charset="-122"/>
-                <a:ea typeface="微软雅黑" panose="020B0503020204020204" pitchFamily="34" charset="-122"/>
-              </a:rPr>
-              <a:t>（</a:t>
-            </a:r>
-            <a:r>
-              <a:rPr lang="en-US" altLang="zh-CN" dirty="0">
-                <a:latin typeface="微软雅黑" panose="020B0503020204020204" pitchFamily="34" charset="-122"/>
-                <a:ea typeface="微软雅黑" panose="020B0503020204020204" pitchFamily="34" charset="-122"/>
-              </a:rPr>
-              <a:t>Open Authorization</a:t>
-            </a:r>
-            <a:r>
-              <a:rPr lang="zh-CN" altLang="en-US" dirty="0">
-                <a:latin typeface="微软雅黑" panose="020B0503020204020204" pitchFamily="34" charset="-122"/>
-                <a:ea typeface="微软雅黑" panose="020B0503020204020204" pitchFamily="34" charset="-122"/>
-              </a:rPr>
-              <a:t>，开放授权）是为用户资源的授权定义了一个安全、开放及简单的标准，第三方无需知道用户的账号及密码，就可获取到用户的授权信息，并且这是安全的。</a:t>
-            </a:r>
-            <a:endParaRPr lang="en-US" altLang="zh-CN" dirty="0">
+              <a:t>微信支付分类与流程</a:t>
+            </a:r>
+            <a:endParaRPr lang="en-US" altLang="zh-CN" sz="2000" dirty="0">
+              <a:solidFill>
+                <a:schemeClr val="tx1">
+                  <a:lumMod val="65000"/>
+                  <a:lumOff val="35000"/>
+                </a:schemeClr>
+              </a:solidFill>
               <a:latin typeface="微软雅黑" panose="020B0503020204020204" pitchFamily="34" charset="-122"/>
               <a:ea typeface="微软雅黑" panose="020B0503020204020204" pitchFamily="34" charset="-122"/>
             </a:endParaRPr>
           </a:p>
           <a:p>
-            <a:pPr marL="285750" indent="-285750">
+            <a:pPr marL="514350" indent="-514350">
               <a:lnSpc>
-                <a:spcPct val="150000"/>
+                <a:spcPct val="200000"/>
               </a:lnSpc>
-              <a:buFont typeface="Arial" panose="020B0604020202020204" pitchFamily="34" charset="0"/>
-              <a:buChar char="•"/>
+              <a:buFont typeface="+mj-ea"/>
+              <a:buAutoNum type="ea1JpnChsDbPeriod"/>
             </a:pPr>
             <a:r>
-              <a:rPr lang="zh-CN" altLang="en-US" dirty="0">
+              <a:rPr lang="en-US" altLang="zh-CN" sz="2400" dirty="0" err="1">
+                <a:solidFill>
+                  <a:schemeClr val="accent6">
+                    <a:lumMod val="75000"/>
+                  </a:schemeClr>
+                </a:solidFill>
                 <a:latin typeface="微软雅黑" panose="020B0503020204020204" pitchFamily="34" charset="-122"/>
                 <a:ea typeface="微软雅黑" panose="020B0503020204020204" pitchFamily="34" charset="-122"/>
               </a:rPr>
-              <a:t>目前的版本是</a:t>
-            </a:r>
-            <a:r>
-              <a:rPr lang="en-US" altLang="zh-CN" dirty="0">
+              <a:t>Oauth</a:t>
+            </a:r>
+            <a:r>
+              <a:rPr lang="zh-CN" altLang="en-US" sz="2400" dirty="0">
+                <a:solidFill>
+                  <a:schemeClr val="accent6">
+                    <a:lumMod val="75000"/>
+                  </a:schemeClr>
+                </a:solidFill>
                 <a:latin typeface="微软雅黑" panose="020B0503020204020204" pitchFamily="34" charset="-122"/>
                 <a:ea typeface="微软雅黑" panose="020B0503020204020204" pitchFamily="34" charset="-122"/>
               </a:rPr>
-              <a:t>2.0</a:t>
-            </a:r>
-            <a:r>
-              <a:rPr lang="zh-CN" altLang="en-US" dirty="0">
+              <a:t>协议基础</a:t>
+            </a:r>
+            <a:endParaRPr lang="en-US" altLang="zh-CN" sz="2400" dirty="0">
+              <a:solidFill>
+                <a:schemeClr val="accent6">
+                  <a:lumMod val="75000"/>
+                </a:schemeClr>
+              </a:solidFill>
+              <a:latin typeface="微软雅黑" panose="020B0503020204020204" pitchFamily="34" charset="-122"/>
+              <a:ea typeface="微软雅黑" panose="020B0503020204020204" pitchFamily="34" charset="-122"/>
+            </a:endParaRPr>
+          </a:p>
+          <a:p>
+            <a:pPr marL="514350" indent="-514350">
+              <a:lnSpc>
+                <a:spcPct val="200000"/>
+              </a:lnSpc>
+              <a:buFont typeface="+mj-ea"/>
+              <a:buAutoNum type="ea1JpnChsDbPeriod"/>
+            </a:pPr>
+            <a:r>
+              <a:rPr lang="zh-CN" altLang="en-US" sz="2000" dirty="0">
+                <a:solidFill>
+                  <a:schemeClr val="tx1">
+                    <a:lumMod val="65000"/>
+                    <a:lumOff val="35000"/>
+                  </a:schemeClr>
+                </a:solidFill>
                 <a:latin typeface="微软雅黑" panose="020B0503020204020204" pitchFamily="34" charset="-122"/>
                 <a:ea typeface="微软雅黑" panose="020B0503020204020204" pitchFamily="34" charset="-122"/>
               </a:rPr>
-              <a:t>。</a:t>
-            </a:r>
+              <a:t>微信网页授权</a:t>
+            </a:r>
+            <a:endParaRPr lang="en-US" altLang="zh-CN" sz="2000" dirty="0">
+              <a:solidFill>
+                <a:schemeClr val="tx1">
+                  <a:lumMod val="65000"/>
+                  <a:lumOff val="35000"/>
+                </a:schemeClr>
+              </a:solidFill>
+              <a:latin typeface="微软雅黑" panose="020B0503020204020204" pitchFamily="34" charset="-122"/>
+              <a:ea typeface="微软雅黑" panose="020B0503020204020204" pitchFamily="34" charset="-122"/>
+            </a:endParaRPr>
           </a:p>
         </p:txBody>
       </p:sp>
     </p:spTree>
     <p:extLst>
       <p:ext uri="{BB962C8B-B14F-4D97-AF65-F5344CB8AC3E}">
-        <p14:creationId xmlns:p14="http://schemas.microsoft.com/office/powerpoint/2010/main" val="2699412093"/>
+        <p14:creationId xmlns:p14="http://schemas.microsoft.com/office/powerpoint/2010/main" val="2999457395"/>
       </p:ext>
     </p:extLst>
   </p:cSld>
@@ -13306,6 +15072,165 @@
             <p:ph sz="quarter" idx="13"/>
           </p:nvPr>
         </p:nvSpPr>
+        <p:spPr/>
+        <p:txBody>
+          <a:bodyPr/>
+          <a:lstStyle/>
+          <a:p>
+            <a:r>
+              <a:rPr lang="zh-CN" altLang="en-US" b="0" dirty="0"/>
+              <a:t>什么是</a:t>
+            </a:r>
+            <a:r>
+              <a:rPr lang="en-US" altLang="zh-CN" b="0" dirty="0" err="1"/>
+              <a:t>Oauth</a:t>
+            </a:r>
+            <a:r>
+              <a:rPr lang="zh-CN" altLang="en-US" b="0" dirty="0"/>
+              <a:t>协议</a:t>
+            </a:r>
+          </a:p>
+        </p:txBody>
+      </p:sp>
+      <p:sp>
+        <p:nvSpPr>
+          <p:cNvPr id="3" name="矩形 2">
+            <a:extLst>
+              <a:ext uri="{FF2B5EF4-FFF2-40B4-BE49-F238E27FC236}">
+                <a16:creationId xmlns:a16="http://schemas.microsoft.com/office/drawing/2014/main" id="{CB4C7B03-B8C9-4B0F-9AFF-DF6BEBAB55B5}"/>
+              </a:ext>
+            </a:extLst>
+          </p:cNvPr>
+          <p:cNvSpPr/>
+          <p:nvPr/>
+        </p:nvSpPr>
+        <p:spPr>
+          <a:xfrm>
+            <a:off x="1054099" y="1629300"/>
+            <a:ext cx="8257049" cy="1754326"/>
+          </a:xfrm>
+          <a:prstGeom prst="rect">
+            <a:avLst/>
+          </a:prstGeom>
+        </p:spPr>
+        <p:txBody>
+          <a:bodyPr wrap="square">
+            <a:spAutoFit/>
+          </a:bodyPr>
+          <a:lstStyle/>
+          <a:p>
+            <a:pPr marL="285750" indent="-285750">
+              <a:lnSpc>
+                <a:spcPct val="150000"/>
+              </a:lnSpc>
+              <a:buFont typeface="Arial" panose="020B0604020202020204" pitchFamily="34" charset="0"/>
+              <a:buChar char="•"/>
+            </a:pPr>
+            <a:r>
+              <a:rPr lang="en-US" altLang="zh-CN" dirty="0">
+                <a:latin typeface="微软雅黑" panose="020B0503020204020204" pitchFamily="34" charset="-122"/>
+                <a:ea typeface="微软雅黑" panose="020B0503020204020204" pitchFamily="34" charset="-122"/>
+              </a:rPr>
+              <a:t>OAuth</a:t>
+            </a:r>
+            <a:r>
+              <a:rPr lang="zh-CN" altLang="en-US" dirty="0">
+                <a:latin typeface="微软雅黑" panose="020B0503020204020204" pitchFamily="34" charset="-122"/>
+                <a:ea typeface="微软雅黑" panose="020B0503020204020204" pitchFamily="34" charset="-122"/>
+              </a:rPr>
+              <a:t>（</a:t>
+            </a:r>
+            <a:r>
+              <a:rPr lang="en-US" altLang="zh-CN" dirty="0">
+                <a:latin typeface="微软雅黑" panose="020B0503020204020204" pitchFamily="34" charset="-122"/>
+                <a:ea typeface="微软雅黑" panose="020B0503020204020204" pitchFamily="34" charset="-122"/>
+              </a:rPr>
+              <a:t>Open Authorization</a:t>
+            </a:r>
+            <a:r>
+              <a:rPr lang="zh-CN" altLang="en-US" dirty="0">
+                <a:latin typeface="微软雅黑" panose="020B0503020204020204" pitchFamily="34" charset="-122"/>
+                <a:ea typeface="微软雅黑" panose="020B0503020204020204" pitchFamily="34" charset="-122"/>
+              </a:rPr>
+              <a:t>，开放授权）是为用户资源的授权定义了一个安全、开放及简单的标准，第三方无需知道用户的账号及密码，就可获取到用户的授权信息，并且这是安全的。</a:t>
+            </a:r>
+            <a:endParaRPr lang="en-US" altLang="zh-CN" dirty="0">
+              <a:latin typeface="微软雅黑" panose="020B0503020204020204" pitchFamily="34" charset="-122"/>
+              <a:ea typeface="微软雅黑" panose="020B0503020204020204" pitchFamily="34" charset="-122"/>
+            </a:endParaRPr>
+          </a:p>
+          <a:p>
+            <a:pPr marL="285750" indent="-285750">
+              <a:lnSpc>
+                <a:spcPct val="150000"/>
+              </a:lnSpc>
+              <a:buFont typeface="Arial" panose="020B0604020202020204" pitchFamily="34" charset="0"/>
+              <a:buChar char="•"/>
+            </a:pPr>
+            <a:r>
+              <a:rPr lang="zh-CN" altLang="en-US" dirty="0">
+                <a:latin typeface="微软雅黑" panose="020B0503020204020204" pitchFamily="34" charset="-122"/>
+                <a:ea typeface="微软雅黑" panose="020B0503020204020204" pitchFamily="34" charset="-122"/>
+              </a:rPr>
+              <a:t>目前的版本是</a:t>
+            </a:r>
+            <a:r>
+              <a:rPr lang="en-US" altLang="zh-CN" dirty="0">
+                <a:latin typeface="微软雅黑" panose="020B0503020204020204" pitchFamily="34" charset="-122"/>
+                <a:ea typeface="微软雅黑" panose="020B0503020204020204" pitchFamily="34" charset="-122"/>
+              </a:rPr>
+              <a:t>2.0</a:t>
+            </a:r>
+            <a:r>
+              <a:rPr lang="zh-CN" altLang="en-US" dirty="0">
+                <a:latin typeface="微软雅黑" panose="020B0503020204020204" pitchFamily="34" charset="-122"/>
+                <a:ea typeface="微软雅黑" panose="020B0503020204020204" pitchFamily="34" charset="-122"/>
+              </a:rPr>
+              <a:t>。</a:t>
+            </a:r>
+          </a:p>
+        </p:txBody>
+      </p:sp>
+    </p:spTree>
+    <p:extLst>
+      <p:ext uri="{BB962C8B-B14F-4D97-AF65-F5344CB8AC3E}">
+        <p14:creationId xmlns:p14="http://schemas.microsoft.com/office/powerpoint/2010/main" val="2699412093"/>
+      </p:ext>
+    </p:extLst>
+  </p:cSld>
+  <p:clrMapOvr>
+    <a:masterClrMapping/>
+  </p:clrMapOvr>
+</p:sld>
+</file>
+
+<file path=ppt/slides/slide15.xml><?xml version="1.0" encoding="utf-8"?>
+<p:sld xmlns:a="http://schemas.openxmlformats.org/drawingml/2006/main" xmlns:r="http://schemas.openxmlformats.org/officeDocument/2006/relationships" xmlns:p="http://schemas.openxmlformats.org/presentationml/2006/main">
+  <p:cSld>
+    <p:spTree>
+      <p:nvGrpSpPr>
+        <p:cNvPr id="1" name=""/>
+        <p:cNvGrpSpPr/>
+        <p:nvPr/>
+      </p:nvGrpSpPr>
+      <p:grpSpPr>
+        <a:xfrm>
+          <a:off x="0" y="0"/>
+          <a:ext cx="0" cy="0"/>
+          <a:chOff x="0" y="0"/>
+          <a:chExt cx="0" cy="0"/>
+        </a:xfrm>
+      </p:grpSpPr>
+      <p:sp>
+        <p:nvSpPr>
+          <p:cNvPr id="2" name="内容占位符 1"/>
+          <p:cNvSpPr>
+            <a:spLocks noGrp="1"/>
+          </p:cNvSpPr>
+          <p:nvPr>
+            <p:ph sz="quarter" idx="13"/>
+          </p:nvPr>
+        </p:nvSpPr>
         <p:spPr>
           <a:xfrm>
             <a:off x="1054099" y="543636"/>
@@ -13340,7 +15265,7 @@
 </p:sld>
 </file>
 
-<file path=ppt/slides/slide15.xml><?xml version="1.0" encoding="utf-8"?>
+<file path=ppt/slides/slide16.xml><?xml version="1.0" encoding="utf-8"?>
 <p:sld xmlns:a="http://schemas.openxmlformats.org/drawingml/2006/main" xmlns:r="http://schemas.openxmlformats.org/officeDocument/2006/relationships" xmlns:p="http://schemas.openxmlformats.org/presentationml/2006/main">
   <p:cSld>
     <p:spTree>
@@ -13388,63 +15313,6 @@
     <p:extLst>
       <p:ext uri="{BB962C8B-B14F-4D97-AF65-F5344CB8AC3E}">
         <p14:creationId xmlns:p14="http://schemas.microsoft.com/office/powerpoint/2010/main" val="3481064266"/>
-      </p:ext>
-    </p:extLst>
-  </p:cSld>
-  <p:clrMapOvr>
-    <a:masterClrMapping/>
-  </p:clrMapOvr>
-</p:sld>
-</file>
-
-<file path=ppt/slides/slide16.xml><?xml version="1.0" encoding="utf-8"?>
-<p:sld xmlns:a="http://schemas.openxmlformats.org/drawingml/2006/main" xmlns:r="http://schemas.openxmlformats.org/officeDocument/2006/relationships" xmlns:p="http://schemas.openxmlformats.org/presentationml/2006/main">
-  <p:cSld>
-    <p:spTree>
-      <p:nvGrpSpPr>
-        <p:cNvPr id="1" name=""/>
-        <p:cNvGrpSpPr/>
-        <p:nvPr/>
-      </p:nvGrpSpPr>
-      <p:grpSpPr>
-        <a:xfrm>
-          <a:off x="0" y="0"/>
-          <a:ext cx="0" cy="0"/>
-          <a:chOff x="0" y="0"/>
-          <a:chExt cx="0" cy="0"/>
-        </a:xfrm>
-      </p:grpSpPr>
-      <p:sp>
-        <p:nvSpPr>
-          <p:cNvPr id="2" name="内容占位符 1"/>
-          <p:cNvSpPr>
-            <a:spLocks noGrp="1"/>
-          </p:cNvSpPr>
-          <p:nvPr>
-            <p:ph sz="quarter" idx="13"/>
-          </p:nvPr>
-        </p:nvSpPr>
-        <p:spPr>
-          <a:xfrm>
-            <a:off x="1054100" y="543636"/>
-            <a:ext cx="5818188" cy="685800"/>
-          </a:xfrm>
-        </p:spPr>
-        <p:txBody>
-          <a:bodyPr/>
-          <a:lstStyle/>
-          <a:p>
-            <a:r>
-              <a:rPr lang="zh-CN" altLang="en-US" b="0" dirty="0"/>
-              <a:t>实际应用</a:t>
-            </a:r>
-          </a:p>
-        </p:txBody>
-      </p:sp>
-    </p:spTree>
-    <p:extLst>
-      <p:ext uri="{BB962C8B-B14F-4D97-AF65-F5344CB8AC3E}">
-        <p14:creationId xmlns:p14="http://schemas.microsoft.com/office/powerpoint/2010/main" val="2902273865"/>
       </p:ext>
     </p:extLst>
   </p:cSld>
@@ -13484,7 +15352,7 @@
         <p:spPr>
           <a:xfrm>
             <a:off x="1054100" y="543636"/>
-            <a:ext cx="7304088" cy="685800"/>
+            <a:ext cx="5818188" cy="685800"/>
           </a:xfrm>
         </p:spPr>
         <p:txBody>
@@ -13493,145 +15361,15 @@
           <a:p>
             <a:r>
               <a:rPr lang="zh-CN" altLang="en-US" b="0" dirty="0"/>
-              <a:t>第三讲</a:t>
-            </a:r>
-          </a:p>
-        </p:txBody>
-      </p:sp>
-      <p:sp>
-        <p:nvSpPr>
-          <p:cNvPr id="4" name="文本框 3"/>
-          <p:cNvSpPr txBox="1"/>
-          <p:nvPr/>
-        </p:nvSpPr>
-        <p:spPr>
-          <a:xfrm>
-            <a:off x="4058444" y="2343152"/>
-            <a:ext cx="5385594" cy="2062103"/>
-          </a:xfrm>
-          <a:prstGeom prst="rect">
-            <a:avLst/>
-          </a:prstGeom>
-          <a:noFill/>
-        </p:spPr>
-        <p:txBody>
-          <a:bodyPr wrap="square" rtlCol="0">
-            <a:spAutoFit/>
-          </a:bodyPr>
-          <a:lstStyle/>
-          <a:p>
-            <a:pPr marL="514350" indent="-514350">
-              <a:lnSpc>
-                <a:spcPct val="200000"/>
-              </a:lnSpc>
-              <a:buFont typeface="+mj-ea"/>
-              <a:buAutoNum type="ea1JpnChsDbPeriod"/>
-            </a:pPr>
-            <a:r>
-              <a:rPr lang="zh-CN" altLang="en-US" sz="2000" dirty="0">
-                <a:solidFill>
-                  <a:schemeClr val="tx1">
-                    <a:lumMod val="65000"/>
-                    <a:lumOff val="35000"/>
-                  </a:schemeClr>
-                </a:solidFill>
-                <a:latin typeface="微软雅黑" panose="020B0503020204020204" pitchFamily="34" charset="-122"/>
-                <a:ea typeface="微软雅黑" panose="020B0503020204020204" pitchFamily="34" charset="-122"/>
-              </a:rPr>
-              <a:t>微信支付分类与流程</a:t>
-            </a:r>
-            <a:endParaRPr lang="en-US" altLang="zh-CN" sz="2000" dirty="0">
-              <a:solidFill>
-                <a:schemeClr val="tx1">
-                  <a:lumMod val="65000"/>
-                  <a:lumOff val="35000"/>
-                </a:schemeClr>
-              </a:solidFill>
-              <a:latin typeface="微软雅黑" panose="020B0503020204020204" pitchFamily="34" charset="-122"/>
-              <a:ea typeface="微软雅黑" panose="020B0503020204020204" pitchFamily="34" charset="-122"/>
-            </a:endParaRPr>
-          </a:p>
-          <a:p>
-            <a:pPr marL="514350" indent="-514350">
-              <a:lnSpc>
-                <a:spcPct val="200000"/>
-              </a:lnSpc>
-              <a:buFont typeface="+mj-ea"/>
-              <a:buAutoNum type="ea1JpnChsDbPeriod"/>
-            </a:pPr>
-            <a:r>
-              <a:rPr lang="en-US" altLang="zh-CN" sz="2000" dirty="0" err="1">
-                <a:solidFill>
-                  <a:schemeClr val="tx1">
-                    <a:lumMod val="65000"/>
-                    <a:lumOff val="35000"/>
-                  </a:schemeClr>
-                </a:solidFill>
-                <a:latin typeface="微软雅黑" panose="020B0503020204020204" pitchFamily="34" charset="-122"/>
-                <a:ea typeface="微软雅黑" panose="020B0503020204020204" pitchFamily="34" charset="-122"/>
-              </a:rPr>
-              <a:t>Oauth</a:t>
-            </a:r>
-            <a:r>
-              <a:rPr lang="zh-CN" altLang="en-US" sz="2000" dirty="0">
-                <a:solidFill>
-                  <a:schemeClr val="tx1">
-                    <a:lumMod val="65000"/>
-                    <a:lumOff val="35000"/>
-                  </a:schemeClr>
-                </a:solidFill>
-                <a:latin typeface="微软雅黑" panose="020B0503020204020204" pitchFamily="34" charset="-122"/>
-                <a:ea typeface="微软雅黑" panose="020B0503020204020204" pitchFamily="34" charset="-122"/>
-              </a:rPr>
-              <a:t>协议基础</a:t>
-            </a:r>
-            <a:endParaRPr lang="en-US" altLang="zh-CN" sz="2000" dirty="0">
-              <a:solidFill>
-                <a:schemeClr val="tx1">
-                  <a:lumMod val="65000"/>
-                  <a:lumOff val="35000"/>
-                </a:schemeClr>
-              </a:solidFill>
-              <a:latin typeface="微软雅黑" panose="020B0503020204020204" pitchFamily="34" charset="-122"/>
-              <a:ea typeface="微软雅黑" panose="020B0503020204020204" pitchFamily="34" charset="-122"/>
-            </a:endParaRPr>
-          </a:p>
-          <a:p>
-            <a:pPr marL="514350" indent="-514350">
-              <a:lnSpc>
-                <a:spcPct val="200000"/>
-              </a:lnSpc>
-              <a:buFont typeface="+mj-ea"/>
-              <a:buAutoNum type="ea1JpnChsDbPeriod"/>
-            </a:pPr>
-            <a:r>
-              <a:rPr lang="zh-CN" altLang="en-US" sz="2400" dirty="0">
-                <a:solidFill>
-                  <a:schemeClr val="accent6">
-                    <a:lumMod val="75000"/>
-                  </a:schemeClr>
-                </a:solidFill>
-                <a:latin typeface="微软雅黑" panose="020B0503020204020204" pitchFamily="34" charset="-122"/>
-                <a:ea typeface="微软雅黑" panose="020B0503020204020204" pitchFamily="34" charset="-122"/>
-              </a:rPr>
-              <a:t>微信网页授权</a:t>
-            </a:r>
-            <a:endParaRPr lang="en-US" altLang="zh-CN" sz="2400" dirty="0">
-              <a:solidFill>
-                <a:schemeClr val="accent6">
-                  <a:lumMod val="75000"/>
-                </a:schemeClr>
-              </a:solidFill>
-              <a:latin typeface="微软雅黑" panose="020B0503020204020204" pitchFamily="34" charset="-122"/>
-              <a:ea typeface="微软雅黑" panose="020B0503020204020204" pitchFamily="34" charset="-122"/>
-            </a:endParaRPr>
+              <a:t>实际应用</a:t>
+            </a:r>
           </a:p>
         </p:txBody>
       </p:sp>
     </p:spTree>
     <p:extLst>
       <p:ext uri="{BB962C8B-B14F-4D97-AF65-F5344CB8AC3E}">
-        <p14:creationId xmlns:p14="http://schemas.microsoft.com/office/powerpoint/2010/main" val="1928010297"/>
+        <p14:creationId xmlns:p14="http://schemas.microsoft.com/office/powerpoint/2010/main" val="2902273865"/>
       </p:ext>
     </p:extLst>
   </p:cSld>
@@ -13668,307 +15406,157 @@
             <p:ph sz="quarter" idx="13"/>
           </p:nvPr>
         </p:nvSpPr>
-        <p:spPr/>
+        <p:spPr>
+          <a:xfrm>
+            <a:off x="1054100" y="543636"/>
+            <a:ext cx="7304088" cy="685800"/>
+          </a:xfrm>
+        </p:spPr>
         <p:txBody>
           <a:bodyPr/>
           <a:lstStyle/>
           <a:p>
             <a:r>
               <a:rPr lang="zh-CN" altLang="en-US" b="0" dirty="0"/>
-              <a:t>如何配置</a:t>
+              <a:t>第三讲</a:t>
             </a:r>
           </a:p>
         </p:txBody>
       </p:sp>
       <p:sp>
         <p:nvSpPr>
-          <p:cNvPr id="3" name="矩形 2">
-            <a:extLst>
-              <a:ext uri="{FF2B5EF4-FFF2-40B4-BE49-F238E27FC236}">
-                <a16:creationId xmlns:a16="http://schemas.microsoft.com/office/drawing/2014/main" id="{F07CD539-CB08-4949-B223-2C4F27D3CBFD}"/>
-              </a:ext>
-            </a:extLst>
-          </p:cNvPr>
-          <p:cNvSpPr/>
+          <p:cNvPr id="4" name="文本框 3"/>
+          <p:cNvSpPr txBox="1"/>
           <p:nvPr/>
         </p:nvSpPr>
         <p:spPr>
           <a:xfrm>
-            <a:off x="1054100" y="1741353"/>
-            <a:ext cx="10048568" cy="3416320"/>
+            <a:off x="4058444" y="2343152"/>
+            <a:ext cx="5385594" cy="2062103"/>
           </a:xfrm>
           <a:prstGeom prst="rect">
             <a:avLst/>
           </a:prstGeom>
+          <a:noFill/>
         </p:spPr>
         <p:txBody>
-          <a:bodyPr wrap="square">
+          <a:bodyPr wrap="square" rtlCol="0">
             <a:spAutoFit/>
           </a:bodyPr>
           <a:lstStyle/>
           <a:p>
-            <a:pPr marL="285750" indent="-285750">
+            <a:pPr marL="514350" indent="-514350">
               <a:lnSpc>
-                <a:spcPct val="150000"/>
+                <a:spcPct val="200000"/>
               </a:lnSpc>
-              <a:buFont typeface="Arial" panose="020B0604020202020204" pitchFamily="34" charset="0"/>
-              <a:buChar char="•"/>
+              <a:buFont typeface="+mj-ea"/>
+              <a:buAutoNum type="ea1JpnChsDbPeriod"/>
             </a:pPr>
             <a:r>
-              <a:rPr lang="en-US" altLang="zh-CN" dirty="0">
+              <a:rPr lang="zh-CN" altLang="en-US" sz="2000" dirty="0">
+                <a:solidFill>
+                  <a:schemeClr val="tx1">
+                    <a:lumMod val="65000"/>
+                    <a:lumOff val="35000"/>
+                  </a:schemeClr>
+                </a:solidFill>
                 <a:latin typeface="微软雅黑" panose="020B0503020204020204" pitchFamily="34" charset="-122"/>
                 <a:ea typeface="微软雅黑" panose="020B0503020204020204" pitchFamily="34" charset="-122"/>
               </a:rPr>
-              <a:t>1</a:t>
-            </a:r>
-            <a:r>
-              <a:rPr lang="zh-CN" altLang="en-US" dirty="0">
-                <a:latin typeface="微软雅黑" panose="020B0503020204020204" pitchFamily="34" charset="-122"/>
-                <a:ea typeface="微软雅黑" panose="020B0503020204020204" pitchFamily="34" charset="-122"/>
-              </a:rPr>
-              <a:t>、在微信公众号请求用户网页授权之前，开发者需要先到公众平台官网中的“开发 </a:t>
-            </a:r>
-            <a:r>
-              <a:rPr lang="en-US" altLang="zh-CN" dirty="0">
-                <a:latin typeface="微软雅黑" panose="020B0503020204020204" pitchFamily="34" charset="-122"/>
-                <a:ea typeface="微软雅黑" panose="020B0503020204020204" pitchFamily="34" charset="-122"/>
-              </a:rPr>
-              <a:t>- </a:t>
-            </a:r>
-            <a:r>
-              <a:rPr lang="zh-CN" altLang="en-US" dirty="0">
-                <a:latin typeface="微软雅黑" panose="020B0503020204020204" pitchFamily="34" charset="-122"/>
-                <a:ea typeface="微软雅黑" panose="020B0503020204020204" pitchFamily="34" charset="-122"/>
-              </a:rPr>
-              <a:t>接口权限 </a:t>
-            </a:r>
-            <a:r>
-              <a:rPr lang="en-US" altLang="zh-CN" dirty="0">
-                <a:latin typeface="微软雅黑" panose="020B0503020204020204" pitchFamily="34" charset="-122"/>
-                <a:ea typeface="微软雅黑" panose="020B0503020204020204" pitchFamily="34" charset="-122"/>
-              </a:rPr>
-              <a:t>- </a:t>
-            </a:r>
-            <a:r>
-              <a:rPr lang="zh-CN" altLang="en-US" dirty="0">
-                <a:latin typeface="微软雅黑" panose="020B0503020204020204" pitchFamily="34" charset="-122"/>
-                <a:ea typeface="微软雅黑" panose="020B0503020204020204" pitchFamily="34" charset="-122"/>
-              </a:rPr>
-              <a:t>网页服务 </a:t>
-            </a:r>
-            <a:r>
-              <a:rPr lang="en-US" altLang="zh-CN" dirty="0">
-                <a:latin typeface="微软雅黑" panose="020B0503020204020204" pitchFamily="34" charset="-122"/>
-                <a:ea typeface="微软雅黑" panose="020B0503020204020204" pitchFamily="34" charset="-122"/>
-              </a:rPr>
-              <a:t>- </a:t>
-            </a:r>
-            <a:r>
-              <a:rPr lang="zh-CN" altLang="en-US" dirty="0">
-                <a:latin typeface="微软雅黑" panose="020B0503020204020204" pitchFamily="34" charset="-122"/>
-                <a:ea typeface="微软雅黑" panose="020B0503020204020204" pitchFamily="34" charset="-122"/>
-              </a:rPr>
-              <a:t>网页帐号 </a:t>
-            </a:r>
-            <a:r>
-              <a:rPr lang="en-US" altLang="zh-CN" dirty="0">
-                <a:latin typeface="微软雅黑" panose="020B0503020204020204" pitchFamily="34" charset="-122"/>
-                <a:ea typeface="微软雅黑" panose="020B0503020204020204" pitchFamily="34" charset="-122"/>
-              </a:rPr>
-              <a:t>- </a:t>
-            </a:r>
-            <a:r>
-              <a:rPr lang="zh-CN" altLang="en-US" dirty="0">
-                <a:latin typeface="微软雅黑" panose="020B0503020204020204" pitchFamily="34" charset="-122"/>
-                <a:ea typeface="微软雅黑" panose="020B0503020204020204" pitchFamily="34" charset="-122"/>
-              </a:rPr>
-              <a:t>网页授权获取用户基本信息”的配置选项中，修改授权回调域名。请注意，这里填写的是域名（是一个字符串），而不是</a:t>
-            </a:r>
-            <a:r>
-              <a:rPr lang="en-US" altLang="zh-CN" dirty="0">
-                <a:latin typeface="微软雅黑" panose="020B0503020204020204" pitchFamily="34" charset="-122"/>
-                <a:ea typeface="微软雅黑" panose="020B0503020204020204" pitchFamily="34" charset="-122"/>
-              </a:rPr>
-              <a:t>URL</a:t>
-            </a:r>
-            <a:r>
-              <a:rPr lang="zh-CN" altLang="en-US" dirty="0">
-                <a:latin typeface="微软雅黑" panose="020B0503020204020204" pitchFamily="34" charset="-122"/>
-                <a:ea typeface="微软雅黑" panose="020B0503020204020204" pitchFamily="34" charset="-122"/>
-              </a:rPr>
-              <a:t>，因此请勿加 </a:t>
-            </a:r>
-            <a:r>
-              <a:rPr lang="en-US" altLang="zh-CN" dirty="0">
-                <a:latin typeface="微软雅黑" panose="020B0503020204020204" pitchFamily="34" charset="-122"/>
-                <a:ea typeface="微软雅黑" panose="020B0503020204020204" pitchFamily="34" charset="-122"/>
-              </a:rPr>
-              <a:t>http:// </a:t>
-            </a:r>
-            <a:r>
-              <a:rPr lang="zh-CN" altLang="en-US" dirty="0">
-                <a:latin typeface="微软雅黑" panose="020B0503020204020204" pitchFamily="34" charset="-122"/>
-                <a:ea typeface="微软雅黑" panose="020B0503020204020204" pitchFamily="34" charset="-122"/>
-              </a:rPr>
-              <a:t>等协议头。</a:t>
-            </a:r>
-            <a:endParaRPr lang="en-US" altLang="zh-CN" dirty="0">
+              <a:t>微信支付分类与流程</a:t>
+            </a:r>
+            <a:endParaRPr lang="en-US" altLang="zh-CN" sz="2000" dirty="0">
+              <a:solidFill>
+                <a:schemeClr val="tx1">
+                  <a:lumMod val="65000"/>
+                  <a:lumOff val="35000"/>
+                </a:schemeClr>
+              </a:solidFill>
               <a:latin typeface="微软雅黑" panose="020B0503020204020204" pitchFamily="34" charset="-122"/>
               <a:ea typeface="微软雅黑" panose="020B0503020204020204" pitchFamily="34" charset="-122"/>
             </a:endParaRPr>
           </a:p>
           <a:p>
-            <a:pPr>
+            <a:pPr marL="514350" indent="-514350">
               <a:lnSpc>
-                <a:spcPct val="150000"/>
+                <a:spcPct val="200000"/>
               </a:lnSpc>
+              <a:buFont typeface="+mj-ea"/>
+              <a:buAutoNum type="ea1JpnChsDbPeriod"/>
             </a:pPr>
-            <a:endParaRPr lang="zh-CN" altLang="en-US" dirty="0">
+            <a:r>
+              <a:rPr lang="en-US" altLang="zh-CN" sz="2000" dirty="0" err="1">
+                <a:solidFill>
+                  <a:schemeClr val="tx1">
+                    <a:lumMod val="65000"/>
+                    <a:lumOff val="35000"/>
+                  </a:schemeClr>
+                </a:solidFill>
+                <a:latin typeface="微软雅黑" panose="020B0503020204020204" pitchFamily="34" charset="-122"/>
+                <a:ea typeface="微软雅黑" panose="020B0503020204020204" pitchFamily="34" charset="-122"/>
+              </a:rPr>
+              <a:t>Oauth</a:t>
+            </a:r>
+            <a:r>
+              <a:rPr lang="zh-CN" altLang="en-US" sz="2000" dirty="0">
+                <a:solidFill>
+                  <a:schemeClr val="tx1">
+                    <a:lumMod val="65000"/>
+                    <a:lumOff val="35000"/>
+                  </a:schemeClr>
+                </a:solidFill>
+                <a:latin typeface="微软雅黑" panose="020B0503020204020204" pitchFamily="34" charset="-122"/>
+                <a:ea typeface="微软雅黑" panose="020B0503020204020204" pitchFamily="34" charset="-122"/>
+              </a:rPr>
+              <a:t>协议基础</a:t>
+            </a:r>
+            <a:endParaRPr lang="en-US" altLang="zh-CN" sz="2000" dirty="0">
+              <a:solidFill>
+                <a:schemeClr val="tx1">
+                  <a:lumMod val="65000"/>
+                  <a:lumOff val="35000"/>
+                </a:schemeClr>
+              </a:solidFill>
               <a:latin typeface="微软雅黑" panose="020B0503020204020204" pitchFamily="34" charset="-122"/>
               <a:ea typeface="微软雅黑" panose="020B0503020204020204" pitchFamily="34" charset="-122"/>
             </a:endParaRPr>
           </a:p>
           <a:p>
-            <a:pPr marL="285750" indent="-285750">
+            <a:pPr marL="514350" indent="-514350">
               <a:lnSpc>
-                <a:spcPct val="150000"/>
+                <a:spcPct val="200000"/>
               </a:lnSpc>
-              <a:buFont typeface="Arial" panose="020B0604020202020204" pitchFamily="34" charset="0"/>
-              <a:buChar char="•"/>
+              <a:buFont typeface="+mj-ea"/>
+              <a:buAutoNum type="ea1JpnChsDbPeriod"/>
             </a:pPr>
             <a:r>
-              <a:rPr lang="en-US" altLang="zh-CN" dirty="0">
+              <a:rPr lang="zh-CN" altLang="en-US" sz="2400" dirty="0">
+                <a:solidFill>
+                  <a:schemeClr val="accent6">
+                    <a:lumMod val="75000"/>
+                  </a:schemeClr>
+                </a:solidFill>
                 <a:latin typeface="微软雅黑" panose="020B0503020204020204" pitchFamily="34" charset="-122"/>
                 <a:ea typeface="微软雅黑" panose="020B0503020204020204" pitchFamily="34" charset="-122"/>
               </a:rPr>
-              <a:t>2</a:t>
-            </a:r>
-            <a:r>
-              <a:rPr lang="zh-CN" altLang="en-US" dirty="0">
-                <a:latin typeface="微软雅黑" panose="020B0503020204020204" pitchFamily="34" charset="-122"/>
-                <a:ea typeface="微软雅黑" panose="020B0503020204020204" pitchFamily="34" charset="-122"/>
-              </a:rPr>
-              <a:t>、授权回调域名配置规范为全域名，比如需要网页授权的域名为：</a:t>
-            </a:r>
-            <a:r>
-              <a:rPr lang="en-US" altLang="zh-CN" dirty="0">
-                <a:latin typeface="微软雅黑" panose="020B0503020204020204" pitchFamily="34" charset="-122"/>
-                <a:ea typeface="微软雅黑" panose="020B0503020204020204" pitchFamily="34" charset="-122"/>
-              </a:rPr>
-              <a:t>www.qq.com</a:t>
-            </a:r>
-            <a:r>
-              <a:rPr lang="zh-CN" altLang="en-US" dirty="0">
-                <a:latin typeface="微软雅黑" panose="020B0503020204020204" pitchFamily="34" charset="-122"/>
-                <a:ea typeface="微软雅黑" panose="020B0503020204020204" pitchFamily="34" charset="-122"/>
-              </a:rPr>
-              <a:t>，配置以后此域名下面的页面</a:t>
-            </a:r>
-            <a:r>
-              <a:rPr lang="en-US" altLang="zh-CN" dirty="0">
-                <a:latin typeface="微软雅黑" panose="020B0503020204020204" pitchFamily="34" charset="-122"/>
-                <a:ea typeface="微软雅黑" panose="020B0503020204020204" pitchFamily="34" charset="-122"/>
-              </a:rPr>
-              <a:t>http://www.qq.com/music.html </a:t>
-            </a:r>
-            <a:r>
-              <a:rPr lang="zh-CN" altLang="en-US" dirty="0">
-                <a:latin typeface="微软雅黑" panose="020B0503020204020204" pitchFamily="34" charset="-122"/>
-                <a:ea typeface="微软雅黑" panose="020B0503020204020204" pitchFamily="34" charset="-122"/>
-              </a:rPr>
-              <a:t>、 </a:t>
-            </a:r>
-            <a:r>
-              <a:rPr lang="en-US" altLang="zh-CN" dirty="0">
-                <a:latin typeface="微软雅黑" panose="020B0503020204020204" pitchFamily="34" charset="-122"/>
-                <a:ea typeface="微软雅黑" panose="020B0503020204020204" pitchFamily="34" charset="-122"/>
-              </a:rPr>
-              <a:t>http://www.qq.com/login.html </a:t>
-            </a:r>
-            <a:r>
-              <a:rPr lang="zh-CN" altLang="en-US" dirty="0">
-                <a:latin typeface="微软雅黑" panose="020B0503020204020204" pitchFamily="34" charset="-122"/>
-                <a:ea typeface="微软雅黑" panose="020B0503020204020204" pitchFamily="34" charset="-122"/>
-              </a:rPr>
-              <a:t>都可以进行</a:t>
-            </a:r>
-            <a:r>
-              <a:rPr lang="en-US" altLang="zh-CN" dirty="0">
-                <a:latin typeface="微软雅黑" panose="020B0503020204020204" pitchFamily="34" charset="-122"/>
-                <a:ea typeface="微软雅黑" panose="020B0503020204020204" pitchFamily="34" charset="-122"/>
-              </a:rPr>
-              <a:t>OAuth2.0</a:t>
-            </a:r>
-            <a:r>
-              <a:rPr lang="zh-CN" altLang="en-US" dirty="0">
-                <a:latin typeface="微软雅黑" panose="020B0503020204020204" pitchFamily="34" charset="-122"/>
-                <a:ea typeface="微软雅黑" panose="020B0503020204020204" pitchFamily="34" charset="-122"/>
-              </a:rPr>
-              <a:t>鉴权。但</a:t>
-            </a:r>
-            <a:r>
-              <a:rPr lang="en-US" altLang="zh-CN" dirty="0">
-                <a:latin typeface="微软雅黑" panose="020B0503020204020204" pitchFamily="34" charset="-122"/>
-                <a:ea typeface="微软雅黑" panose="020B0503020204020204" pitchFamily="34" charset="-122"/>
-              </a:rPr>
-              <a:t>http://pay.qq.com </a:t>
-            </a:r>
-            <a:r>
-              <a:rPr lang="zh-CN" altLang="en-US" dirty="0">
-                <a:latin typeface="微软雅黑" panose="020B0503020204020204" pitchFamily="34" charset="-122"/>
-                <a:ea typeface="微软雅黑" panose="020B0503020204020204" pitchFamily="34" charset="-122"/>
-              </a:rPr>
-              <a:t>、 </a:t>
-            </a:r>
-            <a:r>
-              <a:rPr lang="en-US" altLang="zh-CN" dirty="0">
-                <a:latin typeface="微软雅黑" panose="020B0503020204020204" pitchFamily="34" charset="-122"/>
-                <a:ea typeface="微软雅黑" panose="020B0503020204020204" pitchFamily="34" charset="-122"/>
-              </a:rPr>
-              <a:t>http://music.qq.com </a:t>
-            </a:r>
-            <a:r>
-              <a:rPr lang="zh-CN" altLang="en-US" dirty="0">
-                <a:latin typeface="微软雅黑" panose="020B0503020204020204" pitchFamily="34" charset="-122"/>
-                <a:ea typeface="微软雅黑" panose="020B0503020204020204" pitchFamily="34" charset="-122"/>
-              </a:rPr>
-              <a:t>、 </a:t>
-            </a:r>
-            <a:r>
-              <a:rPr lang="en-US" altLang="zh-CN" dirty="0">
-                <a:latin typeface="微软雅黑" panose="020B0503020204020204" pitchFamily="34" charset="-122"/>
-                <a:ea typeface="微软雅黑" panose="020B0503020204020204" pitchFamily="34" charset="-122"/>
-              </a:rPr>
-              <a:t>http://qq.com</a:t>
-            </a:r>
-            <a:r>
-              <a:rPr lang="zh-CN" altLang="en-US" dirty="0">
-                <a:latin typeface="微软雅黑" panose="020B0503020204020204" pitchFamily="34" charset="-122"/>
-                <a:ea typeface="微软雅黑" panose="020B0503020204020204" pitchFamily="34" charset="-122"/>
-              </a:rPr>
-              <a:t>无法进行</a:t>
-            </a:r>
-            <a:r>
-              <a:rPr lang="en-US" altLang="zh-CN" dirty="0">
-                <a:latin typeface="微软雅黑" panose="020B0503020204020204" pitchFamily="34" charset="-122"/>
-                <a:ea typeface="微软雅黑" panose="020B0503020204020204" pitchFamily="34" charset="-122"/>
-              </a:rPr>
-              <a:t>OAuth2.0</a:t>
-            </a:r>
-            <a:r>
-              <a:rPr lang="zh-CN" altLang="en-US" dirty="0">
-                <a:latin typeface="微软雅黑" panose="020B0503020204020204" pitchFamily="34" charset="-122"/>
-                <a:ea typeface="微软雅黑" panose="020B0503020204020204" pitchFamily="34" charset="-122"/>
-              </a:rPr>
-              <a:t>鉴权 。</a:t>
-            </a:r>
+              <a:t>微信网页授权</a:t>
+            </a:r>
+            <a:endParaRPr lang="en-US" altLang="zh-CN" sz="2400" dirty="0">
+              <a:solidFill>
+                <a:schemeClr val="accent6">
+                  <a:lumMod val="75000"/>
+                </a:schemeClr>
+              </a:solidFill>
+              <a:latin typeface="微软雅黑" panose="020B0503020204020204" pitchFamily="34" charset="-122"/>
+              <a:ea typeface="微软雅黑" panose="020B0503020204020204" pitchFamily="34" charset="-122"/>
+            </a:endParaRPr>
           </a:p>
         </p:txBody>
       </p:sp>
     </p:spTree>
     <p:extLst>
       <p:ext uri="{BB962C8B-B14F-4D97-AF65-F5344CB8AC3E}">
-        <p14:creationId xmlns:p14="http://schemas.microsoft.com/office/powerpoint/2010/main" val="1256594085"/>
+        <p14:creationId xmlns:p14="http://schemas.microsoft.com/office/powerpoint/2010/main" val="1928010297"/>
       </p:ext>
     </p:extLst>
   </p:cSld>
@@ -14005,19 +15593,14 @@
             <p:ph sz="quarter" idx="13"/>
           </p:nvPr>
         </p:nvSpPr>
-        <p:spPr>
-          <a:xfrm>
-            <a:off x="1054099" y="543636"/>
-            <a:ext cx="7432676" cy="685800"/>
-          </a:xfrm>
-        </p:spPr>
+        <p:spPr/>
         <p:txBody>
           <a:bodyPr/>
           <a:lstStyle/>
           <a:p>
             <a:r>
               <a:rPr lang="zh-CN" altLang="en-US" b="0" dirty="0"/>
-              <a:t>微信授权类型说明</a:t>
+              <a:t>如何配置</a:t>
             </a:r>
           </a:p>
         </p:txBody>
@@ -14027,7 +15610,7 @@
           <p:cNvPr id="3" name="矩形 2">
             <a:extLst>
               <a:ext uri="{FF2B5EF4-FFF2-40B4-BE49-F238E27FC236}">
-                <a16:creationId xmlns:a16="http://schemas.microsoft.com/office/drawing/2014/main" id="{C4A6E60F-D9F3-49EB-8588-B38A2CBB42A5}"/>
+                <a16:creationId xmlns:a16="http://schemas.microsoft.com/office/drawing/2014/main" id="{F07CD539-CB08-4949-B223-2C4F27D3CBFD}"/>
               </a:ext>
             </a:extLst>
           </p:cNvPr>
@@ -14036,8 +15619,8 @@
         </p:nvSpPr>
         <p:spPr>
           <a:xfrm>
-            <a:off x="1054098" y="1592173"/>
-            <a:ext cx="10311992" cy="3000821"/>
+            <a:off x="1054100" y="1741353"/>
+            <a:ext cx="10048568" cy="3416320"/>
           </a:xfrm>
           <a:prstGeom prst="rect">
             <a:avLst/>
@@ -14068,50 +15651,107 @@
                 <a:latin typeface="微软雅黑" panose="020B0503020204020204" pitchFamily="34" charset="-122"/>
                 <a:ea typeface="微软雅黑" panose="020B0503020204020204" pitchFamily="34" charset="-122"/>
               </a:rPr>
-              <a:t>、以</a:t>
-            </a:r>
-            <a:r>
-              <a:rPr lang="en-US" altLang="zh-CN" dirty="0" err="1">
+              <a:t>、在微信公众号请求用户网页授权之前，开发者需要先到公众平台官网中的“开发 </a:t>
+            </a:r>
+            <a:r>
+              <a:rPr lang="en-US" altLang="zh-CN" dirty="0">
                 <a:latin typeface="微软雅黑" panose="020B0503020204020204" pitchFamily="34" charset="-122"/>
                 <a:ea typeface="微软雅黑" panose="020B0503020204020204" pitchFamily="34" charset="-122"/>
               </a:rPr>
-              <a:t>snsapi_base</a:t>
+              <a:t>- </a:t>
             </a:r>
             <a:r>
               <a:rPr lang="zh-CN" altLang="en-US" dirty="0">
                 <a:latin typeface="微软雅黑" panose="020B0503020204020204" pitchFamily="34" charset="-122"/>
                 <a:ea typeface="微软雅黑" panose="020B0503020204020204" pitchFamily="34" charset="-122"/>
               </a:rPr>
-              <a:t>为</a:t>
+              <a:t>接口权限 </a:t>
             </a:r>
             <a:r>
               <a:rPr lang="en-US" altLang="zh-CN" dirty="0">
                 <a:latin typeface="微软雅黑" panose="020B0503020204020204" pitchFamily="34" charset="-122"/>
                 <a:ea typeface="微软雅黑" panose="020B0503020204020204" pitchFamily="34" charset="-122"/>
               </a:rPr>
-              <a:t>scope</a:t>
+              <a:t>- </a:t>
             </a:r>
             <a:r>
               <a:rPr lang="zh-CN" altLang="en-US" dirty="0">
                 <a:latin typeface="微软雅黑" panose="020B0503020204020204" pitchFamily="34" charset="-122"/>
                 <a:ea typeface="微软雅黑" panose="020B0503020204020204" pitchFamily="34" charset="-122"/>
               </a:rPr>
-              <a:t>发起的网页授权，是用来获取进入页面的用户的</a:t>
-            </a:r>
-            <a:r>
-              <a:rPr lang="en-US" altLang="zh-CN" dirty="0" err="1">
+              <a:t>网页服务 </a:t>
+            </a:r>
+            <a:r>
+              <a:rPr lang="en-US" altLang="zh-CN" dirty="0">
                 <a:latin typeface="微软雅黑" panose="020B0503020204020204" pitchFamily="34" charset="-122"/>
                 <a:ea typeface="微软雅黑" panose="020B0503020204020204" pitchFamily="34" charset="-122"/>
               </a:rPr>
-              <a:t>openid</a:t>
+              <a:t>- </a:t>
             </a:r>
             <a:r>
               <a:rPr lang="zh-CN" altLang="en-US" dirty="0">
                 <a:latin typeface="微软雅黑" panose="020B0503020204020204" pitchFamily="34" charset="-122"/>
                 <a:ea typeface="微软雅黑" panose="020B0503020204020204" pitchFamily="34" charset="-122"/>
               </a:rPr>
-              <a:t>的，并且是静默授权并自动跳转到回调页的。用户感知的就是直接进入了回调页（往往是业务页面）</a:t>
-            </a:r>
+              <a:t>网页帐号 </a:t>
+            </a:r>
+            <a:r>
+              <a:rPr lang="en-US" altLang="zh-CN" dirty="0">
+                <a:latin typeface="微软雅黑" panose="020B0503020204020204" pitchFamily="34" charset="-122"/>
+                <a:ea typeface="微软雅黑" panose="020B0503020204020204" pitchFamily="34" charset="-122"/>
+              </a:rPr>
+              <a:t>- </a:t>
+            </a:r>
+            <a:r>
+              <a:rPr lang="zh-CN" altLang="en-US" dirty="0">
+                <a:latin typeface="微软雅黑" panose="020B0503020204020204" pitchFamily="34" charset="-122"/>
+                <a:ea typeface="微软雅黑" panose="020B0503020204020204" pitchFamily="34" charset="-122"/>
+              </a:rPr>
+              <a:t>网页授权获取用户基本信息”的配置选项中，修改授权回调域名。请注意，这里填写的是域名（是一个字符串），而不是</a:t>
+            </a:r>
+            <a:r>
+              <a:rPr lang="en-US" altLang="zh-CN" dirty="0">
+                <a:latin typeface="微软雅黑" panose="020B0503020204020204" pitchFamily="34" charset="-122"/>
+                <a:ea typeface="微软雅黑" panose="020B0503020204020204" pitchFamily="34" charset="-122"/>
+              </a:rPr>
+              <a:t>URL</a:t>
+            </a:r>
+            <a:r>
+              <a:rPr lang="zh-CN" altLang="en-US" dirty="0">
+                <a:latin typeface="微软雅黑" panose="020B0503020204020204" pitchFamily="34" charset="-122"/>
+                <a:ea typeface="微软雅黑" panose="020B0503020204020204" pitchFamily="34" charset="-122"/>
+              </a:rPr>
+              <a:t>，因此请勿加 </a:t>
+            </a:r>
+            <a:r>
+              <a:rPr lang="en-US" altLang="zh-CN" dirty="0">
+                <a:latin typeface="微软雅黑" panose="020B0503020204020204" pitchFamily="34" charset="-122"/>
+                <a:ea typeface="微软雅黑" panose="020B0503020204020204" pitchFamily="34" charset="-122"/>
+              </a:rPr>
+              <a:t>http:// </a:t>
+            </a:r>
+            <a:r>
+              <a:rPr lang="zh-CN" altLang="en-US" dirty="0">
+                <a:latin typeface="微软雅黑" panose="020B0503020204020204" pitchFamily="34" charset="-122"/>
+                <a:ea typeface="微软雅黑" panose="020B0503020204020204" pitchFamily="34" charset="-122"/>
+              </a:rPr>
+              <a:t>等协议头。</a:t>
+            </a:r>
+            <a:endParaRPr lang="en-US" altLang="zh-CN" dirty="0">
+              <a:latin typeface="微软雅黑" panose="020B0503020204020204" pitchFamily="34" charset="-122"/>
+              <a:ea typeface="微软雅黑" panose="020B0503020204020204" pitchFamily="34" charset="-122"/>
+            </a:endParaRPr>
+          </a:p>
+          <a:p>
+            <a:pPr>
+              <a:lnSpc>
+                <a:spcPct val="150000"/>
+              </a:lnSpc>
+            </a:pPr>
+            <a:endParaRPr lang="zh-CN" altLang="en-US" dirty="0">
+              <a:latin typeface="微软雅黑" panose="020B0503020204020204" pitchFamily="34" charset="-122"/>
+              <a:ea typeface="微软雅黑" panose="020B0503020204020204" pitchFamily="34" charset="-122"/>
+            </a:endParaRPr>
           </a:p>
           <a:p>
             <a:pPr marL="285750" indent="-285750">
@@ -14133,86 +15773,119 @@
                 <a:latin typeface="微软雅黑" panose="020B0503020204020204" pitchFamily="34" charset="-122"/>
                 <a:ea typeface="微软雅黑" panose="020B0503020204020204" pitchFamily="34" charset="-122"/>
               </a:rPr>
-              <a:t>、以</a:t>
-            </a:r>
-            <a:r>
-              <a:rPr lang="en-US" altLang="zh-CN" dirty="0" err="1">
+              <a:t>、授权回调域名配置规范为全域名，比如需要网页授权的域名为：</a:t>
+            </a:r>
+            <a:r>
+              <a:rPr lang="en-US" altLang="zh-CN" dirty="0">
                 <a:latin typeface="微软雅黑" panose="020B0503020204020204" pitchFamily="34" charset="-122"/>
                 <a:ea typeface="微软雅黑" panose="020B0503020204020204" pitchFamily="34" charset="-122"/>
               </a:rPr>
-              <a:t>snsapi_userinfo</a:t>
+              <a:t>www.qq.com</a:t>
             </a:r>
             <a:r>
               <a:rPr lang="zh-CN" altLang="en-US" dirty="0">
                 <a:latin typeface="微软雅黑" panose="020B0503020204020204" pitchFamily="34" charset="-122"/>
                 <a:ea typeface="微软雅黑" panose="020B0503020204020204" pitchFamily="34" charset="-122"/>
               </a:rPr>
-              <a:t>为</a:t>
+              <a:t>，配置以后此域名下面的页面</a:t>
             </a:r>
             <a:r>
               <a:rPr lang="en-US" altLang="zh-CN" dirty="0">
                 <a:latin typeface="微软雅黑" panose="020B0503020204020204" pitchFamily="34" charset="-122"/>
                 <a:ea typeface="微软雅黑" panose="020B0503020204020204" pitchFamily="34" charset="-122"/>
               </a:rPr>
-              <a:t>scope</a:t>
+              <a:t>http://www.qq.com/music.html </a:t>
             </a:r>
             <a:r>
               <a:rPr lang="zh-CN" altLang="en-US" dirty="0">
                 <a:latin typeface="微软雅黑" panose="020B0503020204020204" pitchFamily="34" charset="-122"/>
                 <a:ea typeface="微软雅黑" panose="020B0503020204020204" pitchFamily="34" charset="-122"/>
               </a:rPr>
-              <a:t>发起的网页授权，是用来获取用户的基本信息的。但这种授权需要用户手动同意，并且由于用户同意过，所以无须关注，就可在授权后获取该用户的基本信息。 </a:t>
-            </a:r>
-          </a:p>
-          <a:p>
-            <a:pPr marL="285750" indent="-285750">
-              <a:lnSpc>
-                <a:spcPct val="150000"/>
-              </a:lnSpc>
-              <a:buFont typeface="Arial" panose="020B0604020202020204" pitchFamily="34" charset="0"/>
-              <a:buChar char="•"/>
-            </a:pPr>
+              <a:t>、 </a:t>
+            </a:r>
             <a:r>
               <a:rPr lang="en-US" altLang="zh-CN" dirty="0">
                 <a:latin typeface="微软雅黑" panose="020B0503020204020204" pitchFamily="34" charset="-122"/>
                 <a:ea typeface="微软雅黑" panose="020B0503020204020204" pitchFamily="34" charset="-122"/>
               </a:rPr>
-              <a:t>3</a:t>
+              <a:t>http://www.qq.com/login.html </a:t>
             </a:r>
             <a:r>
               <a:rPr lang="zh-CN" altLang="en-US" dirty="0">
                 <a:latin typeface="微软雅黑" panose="020B0503020204020204" pitchFamily="34" charset="-122"/>
                 <a:ea typeface="微软雅黑" panose="020B0503020204020204" pitchFamily="34" charset="-122"/>
               </a:rPr>
-              <a:t>、用户管理类接口中的“获取用户基本信息接口”，是在用户和公众号产生消息交互或关注后事件推送后，才能根据用户</a:t>
+              <a:t>都可以进行</a:t>
             </a:r>
             <a:r>
               <a:rPr lang="en-US" altLang="zh-CN" dirty="0">
                 <a:latin typeface="微软雅黑" panose="020B0503020204020204" pitchFamily="34" charset="-122"/>
                 <a:ea typeface="微软雅黑" panose="020B0503020204020204" pitchFamily="34" charset="-122"/>
               </a:rPr>
-              <a:t>OpenID</a:t>
+              <a:t>OAuth2.0</a:t>
             </a:r>
             <a:r>
               <a:rPr lang="zh-CN" altLang="en-US" dirty="0">
                 <a:latin typeface="微软雅黑" panose="020B0503020204020204" pitchFamily="34" charset="-122"/>
                 <a:ea typeface="微软雅黑" panose="020B0503020204020204" pitchFamily="34" charset="-122"/>
               </a:rPr>
-              <a:t>来获取用户基本信息。这个接口，包括其他微信接口，都是需要该用户（即</a:t>
-            </a:r>
-            <a:r>
-              <a:rPr lang="en-US" altLang="zh-CN" dirty="0" err="1">
+              <a:t>鉴权。但</a:t>
+            </a:r>
+            <a:r>
+              <a:rPr lang="en-US" altLang="zh-CN" dirty="0">
                 <a:latin typeface="微软雅黑" panose="020B0503020204020204" pitchFamily="34" charset="-122"/>
                 <a:ea typeface="微软雅黑" panose="020B0503020204020204" pitchFamily="34" charset="-122"/>
               </a:rPr>
-              <a:t>openid</a:t>
+              <a:t>http://pay.qq.com </a:t>
             </a:r>
             <a:r>
               <a:rPr lang="zh-CN" altLang="en-US" dirty="0">
                 <a:latin typeface="微软雅黑" panose="020B0503020204020204" pitchFamily="34" charset="-122"/>
                 <a:ea typeface="微软雅黑" panose="020B0503020204020204" pitchFamily="34" charset="-122"/>
               </a:rPr>
-              <a:t>）关注了公众号后，才能调用成功的。 </a:t>
+              <a:t>、 </a:t>
+            </a:r>
+            <a:r>
+              <a:rPr lang="en-US" altLang="zh-CN" dirty="0">
+                <a:latin typeface="微软雅黑" panose="020B0503020204020204" pitchFamily="34" charset="-122"/>
+                <a:ea typeface="微软雅黑" panose="020B0503020204020204" pitchFamily="34" charset="-122"/>
+              </a:rPr>
+              <a:t>http://music.qq.com </a:t>
+            </a:r>
+            <a:r>
+              <a:rPr lang="zh-CN" altLang="en-US" dirty="0">
+                <a:latin typeface="微软雅黑" panose="020B0503020204020204" pitchFamily="34" charset="-122"/>
+                <a:ea typeface="微软雅黑" panose="020B0503020204020204" pitchFamily="34" charset="-122"/>
+              </a:rPr>
+              <a:t>、 </a:t>
+            </a:r>
+            <a:r>
+              <a:rPr lang="en-US" altLang="zh-CN" dirty="0">
+                <a:latin typeface="微软雅黑" panose="020B0503020204020204" pitchFamily="34" charset="-122"/>
+                <a:ea typeface="微软雅黑" panose="020B0503020204020204" pitchFamily="34" charset="-122"/>
+              </a:rPr>
+              <a:t>http://qq.com</a:t>
+            </a:r>
+            <a:r>
+              <a:rPr lang="zh-CN" altLang="en-US" dirty="0">
+                <a:latin typeface="微软雅黑" panose="020B0503020204020204" pitchFamily="34" charset="-122"/>
+                <a:ea typeface="微软雅黑" panose="020B0503020204020204" pitchFamily="34" charset="-122"/>
+              </a:rPr>
+              <a:t>无法进行</a:t>
+            </a:r>
+            <a:r>
+              <a:rPr lang="en-US" altLang="zh-CN" dirty="0">
+                <a:latin typeface="微软雅黑" panose="020B0503020204020204" pitchFamily="34" charset="-122"/>
+                <a:ea typeface="微软雅黑" panose="020B0503020204020204" pitchFamily="34" charset="-122"/>
+              </a:rPr>
+              <a:t>OAuth2.0</a:t>
+            </a:r>
+            <a:r>
+              <a:rPr lang="zh-CN" altLang="en-US" dirty="0">
+                <a:latin typeface="微软雅黑" panose="020B0503020204020204" pitchFamily="34" charset="-122"/>
+                <a:ea typeface="微软雅黑" panose="020B0503020204020204" pitchFamily="34" charset="-122"/>
+              </a:rPr>
+              <a:t>鉴权 。</a:t>
             </a:r>
           </a:p>
         </p:txBody>
@@ -14220,7 +15893,7 @@
     </p:spTree>
     <p:extLst>
       <p:ext uri="{BB962C8B-B14F-4D97-AF65-F5344CB8AC3E}">
-        <p14:creationId xmlns:p14="http://schemas.microsoft.com/office/powerpoint/2010/main" val="449583257"/>
+        <p14:creationId xmlns:p14="http://schemas.microsoft.com/office/powerpoint/2010/main" val="1256594085"/>
       </p:ext>
     </p:extLst>
   </p:cSld>
@@ -14441,14 +16114,214 @@
             <p:ph sz="quarter" idx="13"/>
           </p:nvPr>
         </p:nvSpPr>
-        <p:spPr/>
+        <p:spPr>
+          <a:xfrm>
+            <a:off x="1054099" y="543636"/>
+            <a:ext cx="7432676" cy="685800"/>
+          </a:xfrm>
+        </p:spPr>
         <p:txBody>
           <a:bodyPr/>
           <a:lstStyle/>
           <a:p>
             <a:r>
               <a:rPr lang="zh-CN" altLang="en-US" b="0" dirty="0"/>
-              <a:t>微信授权处理流程</a:t>
+              <a:t>微信授权类型说明</a:t>
+            </a:r>
+          </a:p>
+        </p:txBody>
+      </p:sp>
+      <p:sp>
+        <p:nvSpPr>
+          <p:cNvPr id="3" name="矩形 2">
+            <a:extLst>
+              <a:ext uri="{FF2B5EF4-FFF2-40B4-BE49-F238E27FC236}">
+                <a16:creationId xmlns:a16="http://schemas.microsoft.com/office/drawing/2014/main" id="{C4A6E60F-D9F3-49EB-8588-B38A2CBB42A5}"/>
+              </a:ext>
+            </a:extLst>
+          </p:cNvPr>
+          <p:cNvSpPr/>
+          <p:nvPr/>
+        </p:nvSpPr>
+        <p:spPr>
+          <a:xfrm>
+            <a:off x="1054098" y="1592173"/>
+            <a:ext cx="10311992" cy="3000821"/>
+          </a:xfrm>
+          <a:prstGeom prst="rect">
+            <a:avLst/>
+          </a:prstGeom>
+        </p:spPr>
+        <p:txBody>
+          <a:bodyPr wrap="square">
+            <a:spAutoFit/>
+          </a:bodyPr>
+          <a:lstStyle/>
+          <a:p>
+            <a:pPr marL="285750" indent="-285750">
+              <a:lnSpc>
+                <a:spcPct val="150000"/>
+              </a:lnSpc>
+              <a:buFont typeface="Arial" panose="020B0604020202020204" pitchFamily="34" charset="0"/>
+              <a:buChar char="•"/>
+            </a:pPr>
+            <a:r>
+              <a:rPr lang="en-US" altLang="zh-CN" dirty="0">
+                <a:latin typeface="微软雅黑" panose="020B0503020204020204" pitchFamily="34" charset="-122"/>
+                <a:ea typeface="微软雅黑" panose="020B0503020204020204" pitchFamily="34" charset="-122"/>
+              </a:rPr>
+              <a:t>1</a:t>
+            </a:r>
+            <a:r>
+              <a:rPr lang="zh-CN" altLang="en-US" dirty="0">
+                <a:latin typeface="微软雅黑" panose="020B0503020204020204" pitchFamily="34" charset="-122"/>
+                <a:ea typeface="微软雅黑" panose="020B0503020204020204" pitchFamily="34" charset="-122"/>
+              </a:rPr>
+              <a:t>、以</a:t>
+            </a:r>
+            <a:r>
+              <a:rPr lang="en-US" altLang="zh-CN" dirty="0" err="1">
+                <a:latin typeface="微软雅黑" panose="020B0503020204020204" pitchFamily="34" charset="-122"/>
+                <a:ea typeface="微软雅黑" panose="020B0503020204020204" pitchFamily="34" charset="-122"/>
+              </a:rPr>
+              <a:t>snsapi_base</a:t>
+            </a:r>
+            <a:r>
+              <a:rPr lang="zh-CN" altLang="en-US" dirty="0">
+                <a:latin typeface="微软雅黑" panose="020B0503020204020204" pitchFamily="34" charset="-122"/>
+                <a:ea typeface="微软雅黑" panose="020B0503020204020204" pitchFamily="34" charset="-122"/>
+              </a:rPr>
+              <a:t>为</a:t>
+            </a:r>
+            <a:r>
+              <a:rPr lang="en-US" altLang="zh-CN" dirty="0">
+                <a:latin typeface="微软雅黑" panose="020B0503020204020204" pitchFamily="34" charset="-122"/>
+                <a:ea typeface="微软雅黑" panose="020B0503020204020204" pitchFamily="34" charset="-122"/>
+              </a:rPr>
+              <a:t>scope</a:t>
+            </a:r>
+            <a:r>
+              <a:rPr lang="zh-CN" altLang="en-US" dirty="0">
+                <a:latin typeface="微软雅黑" panose="020B0503020204020204" pitchFamily="34" charset="-122"/>
+                <a:ea typeface="微软雅黑" panose="020B0503020204020204" pitchFamily="34" charset="-122"/>
+              </a:rPr>
+              <a:t>发起的网页授权，是用来获取进入页面的用户的</a:t>
+            </a:r>
+            <a:r>
+              <a:rPr lang="en-US" altLang="zh-CN" dirty="0" err="1">
+                <a:latin typeface="微软雅黑" panose="020B0503020204020204" pitchFamily="34" charset="-122"/>
+                <a:ea typeface="微软雅黑" panose="020B0503020204020204" pitchFamily="34" charset="-122"/>
+              </a:rPr>
+              <a:t>openid</a:t>
+            </a:r>
+            <a:r>
+              <a:rPr lang="zh-CN" altLang="en-US" dirty="0">
+                <a:latin typeface="微软雅黑" panose="020B0503020204020204" pitchFamily="34" charset="-122"/>
+                <a:ea typeface="微软雅黑" panose="020B0503020204020204" pitchFamily="34" charset="-122"/>
+              </a:rPr>
+              <a:t>的，并且是静默授权并自动跳转到回调页的。用户感知的就是直接进入了回调页（往往是业务页面）</a:t>
+            </a:r>
+          </a:p>
+          <a:p>
+            <a:pPr marL="285750" indent="-285750">
+              <a:lnSpc>
+                <a:spcPct val="150000"/>
+              </a:lnSpc>
+              <a:buFont typeface="Arial" panose="020B0604020202020204" pitchFamily="34" charset="0"/>
+              <a:buChar char="•"/>
+            </a:pPr>
+            <a:r>
+              <a:rPr lang="en-US" altLang="zh-CN" dirty="0">
+                <a:latin typeface="微软雅黑" panose="020B0503020204020204" pitchFamily="34" charset="-122"/>
+                <a:ea typeface="微软雅黑" panose="020B0503020204020204" pitchFamily="34" charset="-122"/>
+              </a:rPr>
+              <a:t>2</a:t>
+            </a:r>
+            <a:r>
+              <a:rPr lang="zh-CN" altLang="en-US" dirty="0">
+                <a:latin typeface="微软雅黑" panose="020B0503020204020204" pitchFamily="34" charset="-122"/>
+                <a:ea typeface="微软雅黑" panose="020B0503020204020204" pitchFamily="34" charset="-122"/>
+              </a:rPr>
+              <a:t>、以</a:t>
+            </a:r>
+            <a:r>
+              <a:rPr lang="en-US" altLang="zh-CN" dirty="0" err="1">
+                <a:latin typeface="微软雅黑" panose="020B0503020204020204" pitchFamily="34" charset="-122"/>
+                <a:ea typeface="微软雅黑" panose="020B0503020204020204" pitchFamily="34" charset="-122"/>
+              </a:rPr>
+              <a:t>snsapi_userinfo</a:t>
+            </a:r>
+            <a:r>
+              <a:rPr lang="zh-CN" altLang="en-US" dirty="0">
+                <a:latin typeface="微软雅黑" panose="020B0503020204020204" pitchFamily="34" charset="-122"/>
+                <a:ea typeface="微软雅黑" panose="020B0503020204020204" pitchFamily="34" charset="-122"/>
+              </a:rPr>
+              <a:t>为</a:t>
+            </a:r>
+            <a:r>
+              <a:rPr lang="en-US" altLang="zh-CN" dirty="0">
+                <a:latin typeface="微软雅黑" panose="020B0503020204020204" pitchFamily="34" charset="-122"/>
+                <a:ea typeface="微软雅黑" panose="020B0503020204020204" pitchFamily="34" charset="-122"/>
+              </a:rPr>
+              <a:t>scope</a:t>
+            </a:r>
+            <a:r>
+              <a:rPr lang="zh-CN" altLang="en-US" dirty="0">
+                <a:latin typeface="微软雅黑" panose="020B0503020204020204" pitchFamily="34" charset="-122"/>
+                <a:ea typeface="微软雅黑" panose="020B0503020204020204" pitchFamily="34" charset="-122"/>
+              </a:rPr>
+              <a:t>发起的网页授权，是用来获取用户的基本信息的。但这种授权需要用户手动同意，并且由于用户同意过，所以无须关注，就可在授权后获取该用户的基本信息。 </a:t>
+            </a:r>
+          </a:p>
+          <a:p>
+            <a:pPr marL="285750" indent="-285750">
+              <a:lnSpc>
+                <a:spcPct val="150000"/>
+              </a:lnSpc>
+              <a:buFont typeface="Arial" panose="020B0604020202020204" pitchFamily="34" charset="0"/>
+              <a:buChar char="•"/>
+            </a:pPr>
+            <a:r>
+              <a:rPr lang="en-US" altLang="zh-CN" dirty="0">
+                <a:latin typeface="微软雅黑" panose="020B0503020204020204" pitchFamily="34" charset="-122"/>
+                <a:ea typeface="微软雅黑" panose="020B0503020204020204" pitchFamily="34" charset="-122"/>
+              </a:rPr>
+              <a:t>3</a:t>
+            </a:r>
+            <a:r>
+              <a:rPr lang="zh-CN" altLang="en-US" dirty="0">
+                <a:latin typeface="微软雅黑" panose="020B0503020204020204" pitchFamily="34" charset="-122"/>
+                <a:ea typeface="微软雅黑" panose="020B0503020204020204" pitchFamily="34" charset="-122"/>
+              </a:rPr>
+              <a:t>、用户管理类接口中的“获取用户基本信息接口”，是在用户和公众号产生消息交互或关注后事件推送后，才能根据用户</a:t>
+            </a:r>
+            <a:r>
+              <a:rPr lang="en-US" altLang="zh-CN" dirty="0">
+                <a:latin typeface="微软雅黑" panose="020B0503020204020204" pitchFamily="34" charset="-122"/>
+                <a:ea typeface="微软雅黑" panose="020B0503020204020204" pitchFamily="34" charset="-122"/>
+              </a:rPr>
+              <a:t>OpenID</a:t>
+            </a:r>
+            <a:r>
+              <a:rPr lang="zh-CN" altLang="en-US" dirty="0">
+                <a:latin typeface="微软雅黑" panose="020B0503020204020204" pitchFamily="34" charset="-122"/>
+                <a:ea typeface="微软雅黑" panose="020B0503020204020204" pitchFamily="34" charset="-122"/>
+              </a:rPr>
+              <a:t>来获取用户基本信息。这个接口，包括其他微信接口，都是需要该用户（即</a:t>
+            </a:r>
+            <a:r>
+              <a:rPr lang="en-US" altLang="zh-CN" dirty="0" err="1">
+                <a:latin typeface="微软雅黑" panose="020B0503020204020204" pitchFamily="34" charset="-122"/>
+                <a:ea typeface="微软雅黑" panose="020B0503020204020204" pitchFamily="34" charset="-122"/>
+              </a:rPr>
+              <a:t>openid</a:t>
+            </a:r>
+            <a:r>
+              <a:rPr lang="zh-CN" altLang="en-US" dirty="0">
+                <a:latin typeface="微软雅黑" panose="020B0503020204020204" pitchFamily="34" charset="-122"/>
+                <a:ea typeface="微软雅黑" panose="020B0503020204020204" pitchFamily="34" charset="-122"/>
+              </a:rPr>
+              <a:t>）关注了公众号后，才能调用成功的。 </a:t>
             </a:r>
           </a:p>
         </p:txBody>
@@ -14456,7 +16329,7 @@
     </p:spTree>
     <p:extLst>
       <p:ext uri="{BB962C8B-B14F-4D97-AF65-F5344CB8AC3E}">
-        <p14:creationId xmlns:p14="http://schemas.microsoft.com/office/powerpoint/2010/main" val="3923890876"/>
+        <p14:creationId xmlns:p14="http://schemas.microsoft.com/office/powerpoint/2010/main" val="449583257"/>
       </p:ext>
     </p:extLst>
   </p:cSld>
@@ -14493,27 +16366,861 @@
             <p:ph sz="quarter" idx="13"/>
           </p:nvPr>
         </p:nvSpPr>
-        <p:spPr>
-          <a:xfrm>
-            <a:off x="1054099" y="543636"/>
-            <a:ext cx="6003925" cy="685800"/>
-          </a:xfrm>
-        </p:spPr>
+        <p:spPr/>
         <p:txBody>
           <a:bodyPr/>
           <a:lstStyle/>
           <a:p>
             <a:r>
               <a:rPr lang="zh-CN" altLang="en-US" b="0" dirty="0"/>
-              <a:t>微信授权接口</a:t>
-            </a:r>
+              <a:t>微信授权处理流程</a:t>
+            </a:r>
+            <a:r>
+              <a:rPr lang="en-US" altLang="zh-CN" b="0" dirty="0"/>
+              <a:t>1</a:t>
+            </a:r>
+            <a:endParaRPr lang="zh-CN" altLang="en-US" b="0" dirty="0"/>
           </a:p>
         </p:txBody>
       </p:sp>
+      <p:sp>
+        <p:nvSpPr>
+          <p:cNvPr id="3" name="矩形 2">
+            <a:extLst>
+              <a:ext uri="{FF2B5EF4-FFF2-40B4-BE49-F238E27FC236}">
+                <a16:creationId xmlns:a16="http://schemas.microsoft.com/office/drawing/2014/main" id="{AD9D913D-70AF-44DF-A65D-00C6F2088677}"/>
+              </a:ext>
+            </a:extLst>
+          </p:cNvPr>
+          <p:cNvSpPr/>
+          <p:nvPr/>
+        </p:nvSpPr>
+        <p:spPr>
+          <a:xfrm>
+            <a:off x="1054100" y="1631844"/>
+            <a:ext cx="9136380" cy="923330"/>
+          </a:xfrm>
+          <a:prstGeom prst="rect">
+            <a:avLst/>
+          </a:prstGeom>
+        </p:spPr>
+        <p:txBody>
+          <a:bodyPr wrap="square">
+            <a:spAutoFit/>
+          </a:bodyPr>
+          <a:lstStyle/>
+          <a:p>
+            <a:r>
+              <a:rPr lang="zh-CN" altLang="en-US" b="1" dirty="0"/>
+              <a:t>第一步：用户同意授权，获取</a:t>
+            </a:r>
+            <a:r>
+              <a:rPr lang="en-US" altLang="zh-CN" b="1" dirty="0"/>
+              <a:t>code</a:t>
+            </a:r>
+          </a:p>
+          <a:p>
+            <a:pPr lvl="1"/>
+            <a:r>
+              <a:rPr lang="en-US" altLang="zh-CN" dirty="0"/>
+              <a:t>https://open.weixin.qq.com/connect/oauth2/authorize?appid=APPID&amp;redirect_uri=REDIRECT_URI&amp;response_type=code&amp;scope=SCOPE&amp;state=STATE#wechat_redirec</a:t>
+            </a:r>
+            <a:endParaRPr lang="zh-CN" altLang="en-US" dirty="0"/>
+          </a:p>
+        </p:txBody>
+      </p:sp>
+      <p:graphicFrame>
+        <p:nvGraphicFramePr>
+          <p:cNvPr id="4" name="表格 3">
+            <a:extLst>
+              <a:ext uri="{FF2B5EF4-FFF2-40B4-BE49-F238E27FC236}">
+                <a16:creationId xmlns:a16="http://schemas.microsoft.com/office/drawing/2014/main" id="{797CEBE4-A13B-4979-81B5-C5F041A9048D}"/>
+              </a:ext>
+            </a:extLst>
+          </p:cNvPr>
+          <p:cNvGraphicFramePr>
+            <a:graphicFrameLocks noGrp="1"/>
+          </p:cNvGraphicFramePr>
+          <p:nvPr>
+            <p:extLst>
+              <p:ext uri="{D42A27DB-BD31-4B8C-83A1-F6EECF244321}">
+                <p14:modId xmlns:p14="http://schemas.microsoft.com/office/powerpoint/2010/main" val="2029074053"/>
+              </p:ext>
+            </p:extLst>
+          </p:nvPr>
+        </p:nvGraphicFramePr>
+        <p:xfrm>
+          <a:off x="1054099" y="2772697"/>
+          <a:ext cx="10321824" cy="3525720"/>
+        </p:xfrm>
+        <a:graphic>
+          <a:graphicData uri="http://schemas.openxmlformats.org/drawingml/2006/table">
+            <a:tbl>
+              <a:tblPr/>
+              <a:tblGrid>
+                <a:gridCol w="1935343">
+                  <a:extLst>
+                    <a:ext uri="{9D8B030D-6E8A-4147-A177-3AD203B41FA5}">
+                      <a16:colId xmlns:a16="http://schemas.microsoft.com/office/drawing/2014/main" val="120709256"/>
+                    </a:ext>
+                  </a:extLst>
+                </a:gridCol>
+                <a:gridCol w="1935343">
+                  <a:extLst>
+                    <a:ext uri="{9D8B030D-6E8A-4147-A177-3AD203B41FA5}">
+                      <a16:colId xmlns:a16="http://schemas.microsoft.com/office/drawing/2014/main" val="2846663736"/>
+                    </a:ext>
+                  </a:extLst>
+                </a:gridCol>
+                <a:gridCol w="6451138">
+                  <a:extLst>
+                    <a:ext uri="{9D8B030D-6E8A-4147-A177-3AD203B41FA5}">
+                      <a16:colId xmlns:a16="http://schemas.microsoft.com/office/drawing/2014/main" val="4043902798"/>
+                    </a:ext>
+                  </a:extLst>
+                </a:gridCol>
+              </a:tblGrid>
+              <a:tr h="494526">
+                <a:tc>
+                  <a:txBody>
+                    <a:bodyPr/>
+                    <a:lstStyle/>
+                    <a:p>
+                      <a:pPr algn="ctr"/>
+                      <a:r>
+                        <a:rPr lang="zh-CN" altLang="en-US" sz="1600" b="1" dirty="0">
+                          <a:effectLst/>
+                        </a:rPr>
+                        <a:t>参数</a:t>
+                      </a:r>
+                    </a:p>
+                  </a:txBody>
+                  <a:tcPr marL="21435" marR="21435" marT="21435" marB="21435" anchor="ctr">
+                    <a:lnL>
+                      <a:noFill/>
+                    </a:lnL>
+                    <a:lnR>
+                      <a:noFill/>
+                    </a:lnR>
+                    <a:lnT>
+                      <a:noFill/>
+                    </a:lnT>
+                    <a:lnB>
+                      <a:noFill/>
+                    </a:lnB>
+                  </a:tcPr>
+                </a:tc>
+                <a:tc>
+                  <a:txBody>
+                    <a:bodyPr/>
+                    <a:lstStyle/>
+                    <a:p>
+                      <a:pPr algn="ctr"/>
+                      <a:r>
+                        <a:rPr lang="zh-CN" altLang="en-US" sz="1600" b="1" dirty="0">
+                          <a:effectLst/>
+                        </a:rPr>
+                        <a:t>是否必须</a:t>
+                      </a:r>
+                    </a:p>
+                  </a:txBody>
+                  <a:tcPr marL="21435" marR="21435" marT="21435" marB="21435" anchor="ctr">
+                    <a:lnL>
+                      <a:noFill/>
+                    </a:lnL>
+                    <a:lnR>
+                      <a:noFill/>
+                    </a:lnR>
+                    <a:lnT>
+                      <a:noFill/>
+                    </a:lnT>
+                    <a:lnB>
+                      <a:noFill/>
+                    </a:lnB>
+                  </a:tcPr>
+                </a:tc>
+                <a:tc>
+                  <a:txBody>
+                    <a:bodyPr/>
+                    <a:lstStyle/>
+                    <a:p>
+                      <a:pPr algn="ctr"/>
+                      <a:r>
+                        <a:rPr lang="zh-CN" altLang="en-US" sz="1600" b="1" dirty="0"/>
+                        <a:t>说明</a:t>
+                      </a:r>
+                    </a:p>
+                  </a:txBody>
+                  <a:tcPr marL="21435" marR="21435" marT="21435" marB="21435" anchor="ctr">
+                    <a:lnL>
+                      <a:noFill/>
+                    </a:lnL>
+                    <a:lnR>
+                      <a:noFill/>
+                    </a:lnR>
+                    <a:lnT>
+                      <a:noFill/>
+                    </a:lnT>
+                    <a:lnB>
+                      <a:noFill/>
+                    </a:lnB>
+                  </a:tcPr>
+                </a:tc>
+                <a:extLst>
+                  <a:ext uri="{0D108BD9-81ED-4DB2-BD59-A6C34878D82A}">
+                    <a16:rowId xmlns:a16="http://schemas.microsoft.com/office/drawing/2014/main" val="641542236"/>
+                  </a:ext>
+                </a:extLst>
+              </a:tr>
+              <a:tr h="174061">
+                <a:tc>
+                  <a:txBody>
+                    <a:bodyPr/>
+                    <a:lstStyle/>
+                    <a:p>
+                      <a:pPr algn="ctr"/>
+                      <a:r>
+                        <a:rPr lang="en-US" sz="1600"/>
+                        <a:t>appid</a:t>
+                      </a:r>
+                    </a:p>
+                  </a:txBody>
+                  <a:tcPr marL="21435" marR="21435" marT="21435" marB="21435" anchor="ctr">
+                    <a:lnL>
+                      <a:noFill/>
+                    </a:lnL>
+                    <a:lnR>
+                      <a:noFill/>
+                    </a:lnR>
+                    <a:lnT>
+                      <a:noFill/>
+                    </a:lnT>
+                    <a:lnB>
+                      <a:noFill/>
+                    </a:lnB>
+                  </a:tcPr>
+                </a:tc>
+                <a:tc>
+                  <a:txBody>
+                    <a:bodyPr/>
+                    <a:lstStyle/>
+                    <a:p>
+                      <a:pPr algn="ctr"/>
+                      <a:r>
+                        <a:rPr lang="zh-CN" altLang="en-US" sz="1600"/>
+                        <a:t>是</a:t>
+                      </a:r>
+                    </a:p>
+                  </a:txBody>
+                  <a:tcPr marL="21435" marR="21435" marT="21435" marB="21435" anchor="ctr">
+                    <a:lnL>
+                      <a:noFill/>
+                    </a:lnL>
+                    <a:lnR>
+                      <a:noFill/>
+                    </a:lnR>
+                    <a:lnT>
+                      <a:noFill/>
+                    </a:lnT>
+                    <a:lnB>
+                      <a:noFill/>
+                    </a:lnB>
+                  </a:tcPr>
+                </a:tc>
+                <a:tc>
+                  <a:txBody>
+                    <a:bodyPr/>
+                    <a:lstStyle/>
+                    <a:p>
+                      <a:pPr algn="ctr"/>
+                      <a:r>
+                        <a:rPr lang="zh-CN" altLang="en-US" sz="1600" dirty="0"/>
+                        <a:t>公众号的唯一标识</a:t>
+                      </a:r>
+                    </a:p>
+                  </a:txBody>
+                  <a:tcPr marL="21435" marR="21435" marT="21435" marB="21435" anchor="ctr">
+                    <a:lnL>
+                      <a:noFill/>
+                    </a:lnL>
+                    <a:lnR>
+                      <a:noFill/>
+                    </a:lnR>
+                    <a:lnT>
+                      <a:noFill/>
+                    </a:lnT>
+                    <a:lnB>
+                      <a:noFill/>
+                    </a:lnB>
+                  </a:tcPr>
+                </a:tc>
+                <a:extLst>
+                  <a:ext uri="{0D108BD9-81ED-4DB2-BD59-A6C34878D82A}">
+                    <a16:rowId xmlns:a16="http://schemas.microsoft.com/office/drawing/2014/main" val="1382198099"/>
+                  </a:ext>
+                </a:extLst>
+              </a:tr>
+              <a:tr h="448980">
+                <a:tc>
+                  <a:txBody>
+                    <a:bodyPr/>
+                    <a:lstStyle/>
+                    <a:p>
+                      <a:pPr algn="ctr"/>
+                      <a:r>
+                        <a:rPr lang="en-US" sz="1600"/>
+                        <a:t>redirect_uri</a:t>
+                      </a:r>
+                    </a:p>
+                  </a:txBody>
+                  <a:tcPr marL="21435" marR="21435" marT="21435" marB="21435" anchor="ctr">
+                    <a:lnL>
+                      <a:noFill/>
+                    </a:lnL>
+                    <a:lnR>
+                      <a:noFill/>
+                    </a:lnR>
+                    <a:lnT>
+                      <a:noFill/>
+                    </a:lnT>
+                    <a:lnB>
+                      <a:noFill/>
+                    </a:lnB>
+                  </a:tcPr>
+                </a:tc>
+                <a:tc>
+                  <a:txBody>
+                    <a:bodyPr/>
+                    <a:lstStyle/>
+                    <a:p>
+                      <a:pPr algn="ctr"/>
+                      <a:r>
+                        <a:rPr lang="zh-CN" altLang="en-US" sz="1600" dirty="0"/>
+                        <a:t>是</a:t>
+                      </a:r>
+                    </a:p>
+                  </a:txBody>
+                  <a:tcPr marL="21435" marR="21435" marT="21435" marB="21435" anchor="ctr">
+                    <a:lnL>
+                      <a:noFill/>
+                    </a:lnL>
+                    <a:lnR>
+                      <a:noFill/>
+                    </a:lnR>
+                    <a:lnT>
+                      <a:noFill/>
+                    </a:lnT>
+                    <a:lnB>
+                      <a:noFill/>
+                    </a:lnB>
+                  </a:tcPr>
+                </a:tc>
+                <a:tc>
+                  <a:txBody>
+                    <a:bodyPr/>
+                    <a:lstStyle/>
+                    <a:p>
+                      <a:pPr algn="ctr"/>
+                      <a:r>
+                        <a:rPr lang="zh-CN" altLang="en-US" sz="1600"/>
+                        <a:t>授权后重定向的回调链接地址，</a:t>
+                      </a:r>
+                      <a:r>
+                        <a:rPr lang="zh-CN" altLang="en-US" sz="1600">
+                          <a:solidFill>
+                            <a:srgbClr val="FF0000"/>
+                          </a:solidFill>
+                          <a:effectLst/>
+                        </a:rPr>
+                        <a:t>请使用</a:t>
+                      </a:r>
+                      <a:r>
+                        <a:rPr lang="en-US" altLang="zh-CN" sz="1600">
+                          <a:solidFill>
+                            <a:srgbClr val="FF0000"/>
+                          </a:solidFill>
+                          <a:effectLst/>
+                          <a:hlinkClick r:id="rId2"/>
+                        </a:rPr>
+                        <a:t>urlEncode</a:t>
+                      </a:r>
+                      <a:r>
+                        <a:rPr lang="zh-CN" altLang="en-US" sz="1600">
+                          <a:solidFill>
+                            <a:srgbClr val="FF0000"/>
+                          </a:solidFill>
+                          <a:effectLst/>
+                        </a:rPr>
+                        <a:t>对链接进行处理</a:t>
+                      </a:r>
+                      <a:endParaRPr lang="zh-CN" altLang="en-US" sz="1600"/>
+                    </a:p>
+                  </a:txBody>
+                  <a:tcPr marL="21435" marR="21435" marT="21435" marB="21435" anchor="ctr">
+                    <a:lnL>
+                      <a:noFill/>
+                    </a:lnL>
+                    <a:lnR>
+                      <a:noFill/>
+                    </a:lnR>
+                    <a:lnT>
+                      <a:noFill/>
+                    </a:lnT>
+                    <a:lnB>
+                      <a:noFill/>
+                    </a:lnB>
+                  </a:tcPr>
+                </a:tc>
+                <a:extLst>
+                  <a:ext uri="{0D108BD9-81ED-4DB2-BD59-A6C34878D82A}">
+                    <a16:rowId xmlns:a16="http://schemas.microsoft.com/office/drawing/2014/main" val="2815869463"/>
+                  </a:ext>
+                </a:extLst>
+              </a:tr>
+              <a:tr h="309641">
+                <a:tc>
+                  <a:txBody>
+                    <a:bodyPr/>
+                    <a:lstStyle/>
+                    <a:p>
+                      <a:pPr algn="ctr"/>
+                      <a:r>
+                        <a:rPr lang="en-US" sz="1600"/>
+                        <a:t>response_type</a:t>
+                      </a:r>
+                    </a:p>
+                  </a:txBody>
+                  <a:tcPr marL="21435" marR="21435" marT="21435" marB="21435" anchor="ctr">
+                    <a:lnL>
+                      <a:noFill/>
+                    </a:lnL>
+                    <a:lnR>
+                      <a:noFill/>
+                    </a:lnR>
+                    <a:lnT>
+                      <a:noFill/>
+                    </a:lnT>
+                    <a:lnB>
+                      <a:noFill/>
+                    </a:lnB>
+                  </a:tcPr>
+                </a:tc>
+                <a:tc>
+                  <a:txBody>
+                    <a:bodyPr/>
+                    <a:lstStyle/>
+                    <a:p>
+                      <a:pPr algn="ctr"/>
+                      <a:r>
+                        <a:rPr lang="zh-CN" altLang="en-US" sz="1600"/>
+                        <a:t>是</a:t>
+                      </a:r>
+                    </a:p>
+                  </a:txBody>
+                  <a:tcPr marL="21435" marR="21435" marT="21435" marB="21435" anchor="ctr">
+                    <a:lnL>
+                      <a:noFill/>
+                    </a:lnL>
+                    <a:lnR>
+                      <a:noFill/>
+                    </a:lnR>
+                    <a:lnT>
+                      <a:noFill/>
+                    </a:lnT>
+                    <a:lnB>
+                      <a:noFill/>
+                    </a:lnB>
+                  </a:tcPr>
+                </a:tc>
+                <a:tc>
+                  <a:txBody>
+                    <a:bodyPr/>
+                    <a:lstStyle/>
+                    <a:p>
+                      <a:pPr algn="ctr"/>
+                      <a:r>
+                        <a:rPr lang="zh-CN" altLang="en-US" sz="1600"/>
+                        <a:t>返回类型，请填写</a:t>
+                      </a:r>
+                      <a:r>
+                        <a:rPr lang="en-US" altLang="zh-CN" sz="1600"/>
+                        <a:t>code</a:t>
+                      </a:r>
+                    </a:p>
+                  </a:txBody>
+                  <a:tcPr marL="21435" marR="21435" marT="21435" marB="21435" anchor="ctr">
+                    <a:lnL>
+                      <a:noFill/>
+                    </a:lnL>
+                    <a:lnR>
+                      <a:noFill/>
+                    </a:lnR>
+                    <a:lnT>
+                      <a:noFill/>
+                    </a:lnT>
+                    <a:lnB>
+                      <a:noFill/>
+                    </a:lnB>
+                  </a:tcPr>
+                </a:tc>
+                <a:extLst>
+                  <a:ext uri="{0D108BD9-81ED-4DB2-BD59-A6C34878D82A}">
+                    <a16:rowId xmlns:a16="http://schemas.microsoft.com/office/drawing/2014/main" val="3185704407"/>
+                  </a:ext>
+                </a:extLst>
+              </a:tr>
+              <a:tr h="1145672">
+                <a:tc>
+                  <a:txBody>
+                    <a:bodyPr/>
+                    <a:lstStyle/>
+                    <a:p>
+                      <a:pPr algn="ctr"/>
+                      <a:r>
+                        <a:rPr lang="en-US" sz="1600"/>
+                        <a:t>scope</a:t>
+                      </a:r>
+                    </a:p>
+                  </a:txBody>
+                  <a:tcPr marL="21435" marR="21435" marT="21435" marB="21435" anchor="ctr">
+                    <a:lnL>
+                      <a:noFill/>
+                    </a:lnL>
+                    <a:lnR>
+                      <a:noFill/>
+                    </a:lnR>
+                    <a:lnT>
+                      <a:noFill/>
+                    </a:lnT>
+                    <a:lnB>
+                      <a:noFill/>
+                    </a:lnB>
+                  </a:tcPr>
+                </a:tc>
+                <a:tc>
+                  <a:txBody>
+                    <a:bodyPr/>
+                    <a:lstStyle/>
+                    <a:p>
+                      <a:pPr algn="ctr"/>
+                      <a:r>
+                        <a:rPr lang="zh-CN" altLang="en-US" sz="1600"/>
+                        <a:t>是</a:t>
+                      </a:r>
+                    </a:p>
+                  </a:txBody>
+                  <a:tcPr marL="21435" marR="21435" marT="21435" marB="21435" anchor="ctr">
+                    <a:lnL>
+                      <a:noFill/>
+                    </a:lnL>
+                    <a:lnR>
+                      <a:noFill/>
+                    </a:lnR>
+                    <a:lnT>
+                      <a:noFill/>
+                    </a:lnT>
+                    <a:lnB>
+                      <a:noFill/>
+                    </a:lnB>
+                  </a:tcPr>
+                </a:tc>
+                <a:tc>
+                  <a:txBody>
+                    <a:bodyPr/>
+                    <a:lstStyle/>
+                    <a:p>
+                      <a:pPr algn="ctr"/>
+                      <a:r>
+                        <a:rPr lang="zh-CN" altLang="en-US" sz="1600" dirty="0"/>
+                        <a:t>应用授权作用域，</a:t>
+                      </a:r>
+                      <a:r>
+                        <a:rPr lang="en-US" altLang="zh-CN" sz="1600" dirty="0" err="1"/>
+                        <a:t>snsapi_base</a:t>
+                      </a:r>
+                      <a:r>
+                        <a:rPr lang="en-US" altLang="zh-CN" sz="1600" dirty="0"/>
+                        <a:t> </a:t>
+                      </a:r>
+                      <a:r>
+                        <a:rPr lang="zh-CN" altLang="en-US" sz="1600" dirty="0"/>
+                        <a:t>（不弹出授权页面，直接跳转，只能获取用户</a:t>
+                      </a:r>
+                      <a:r>
+                        <a:rPr lang="en-US" altLang="zh-CN" sz="1600" dirty="0" err="1"/>
+                        <a:t>openid</a:t>
+                      </a:r>
+                      <a:r>
+                        <a:rPr lang="zh-CN" altLang="en-US" sz="1600" dirty="0"/>
+                        <a:t>），</a:t>
+                      </a:r>
+                      <a:r>
+                        <a:rPr lang="en-US" altLang="zh-CN" sz="1600" dirty="0" err="1"/>
+                        <a:t>snsapi_userinfo</a:t>
+                      </a:r>
+                      <a:r>
+                        <a:rPr lang="en-US" altLang="zh-CN" sz="1600" dirty="0"/>
+                        <a:t> </a:t>
+                      </a:r>
+                      <a:r>
+                        <a:rPr lang="zh-CN" altLang="en-US" sz="1600" dirty="0"/>
+                        <a:t>（弹出授权页面，可通过</a:t>
+                      </a:r>
+                      <a:r>
+                        <a:rPr lang="en-US" altLang="zh-CN" sz="1600" dirty="0" err="1"/>
+                        <a:t>openid</a:t>
+                      </a:r>
+                      <a:r>
+                        <a:rPr lang="zh-CN" altLang="en-US" sz="1600" dirty="0"/>
+                        <a:t>拿到昵称、性别、所在地。并且，</a:t>
+                      </a:r>
+                      <a:r>
+                        <a:rPr lang="zh-CN" altLang="en-US" sz="1600" b="1" dirty="0"/>
+                        <a:t>即使在未关注的情况下，只要用户授权，也能获取其信息</a:t>
+                      </a:r>
+                      <a:r>
+                        <a:rPr lang="zh-CN" altLang="en-US" sz="1600" dirty="0"/>
+                        <a:t>）</a:t>
+                      </a:r>
+                    </a:p>
+                  </a:txBody>
+                  <a:tcPr marL="21435" marR="21435" marT="21435" marB="21435" anchor="ctr">
+                    <a:lnL>
+                      <a:noFill/>
+                    </a:lnL>
+                    <a:lnR>
+                      <a:noFill/>
+                    </a:lnR>
+                    <a:lnT>
+                      <a:noFill/>
+                    </a:lnT>
+                    <a:lnB>
+                      <a:noFill/>
+                    </a:lnB>
+                  </a:tcPr>
+                </a:tc>
+                <a:extLst>
+                  <a:ext uri="{0D108BD9-81ED-4DB2-BD59-A6C34878D82A}">
+                    <a16:rowId xmlns:a16="http://schemas.microsoft.com/office/drawing/2014/main" val="4153357888"/>
+                  </a:ext>
+                </a:extLst>
+              </a:tr>
+              <a:tr h="448980">
+                <a:tc>
+                  <a:txBody>
+                    <a:bodyPr/>
+                    <a:lstStyle/>
+                    <a:p>
+                      <a:pPr algn="ctr"/>
+                      <a:r>
+                        <a:rPr lang="en-US" sz="1600"/>
+                        <a:t>state</a:t>
+                      </a:r>
+                    </a:p>
+                  </a:txBody>
+                  <a:tcPr marL="21435" marR="21435" marT="21435" marB="21435" anchor="ctr">
+                    <a:lnL>
+                      <a:noFill/>
+                    </a:lnL>
+                    <a:lnR>
+                      <a:noFill/>
+                    </a:lnR>
+                    <a:lnT>
+                      <a:noFill/>
+                    </a:lnT>
+                    <a:lnB>
+                      <a:noFill/>
+                    </a:lnB>
+                  </a:tcPr>
+                </a:tc>
+                <a:tc>
+                  <a:txBody>
+                    <a:bodyPr/>
+                    <a:lstStyle/>
+                    <a:p>
+                      <a:pPr algn="ctr"/>
+                      <a:r>
+                        <a:rPr lang="zh-CN" altLang="en-US" sz="1600"/>
+                        <a:t>否</a:t>
+                      </a:r>
+                    </a:p>
+                  </a:txBody>
+                  <a:tcPr marL="21435" marR="21435" marT="21435" marB="21435" anchor="ctr">
+                    <a:lnL>
+                      <a:noFill/>
+                    </a:lnL>
+                    <a:lnR>
+                      <a:noFill/>
+                    </a:lnR>
+                    <a:lnT>
+                      <a:noFill/>
+                    </a:lnT>
+                    <a:lnB>
+                      <a:noFill/>
+                    </a:lnB>
+                  </a:tcPr>
+                </a:tc>
+                <a:tc>
+                  <a:txBody>
+                    <a:bodyPr/>
+                    <a:lstStyle/>
+                    <a:p>
+                      <a:pPr algn="ctr"/>
+                      <a:r>
+                        <a:rPr lang="zh-CN" altLang="en-US" sz="1600"/>
+                        <a:t>重定向后会带上</a:t>
+                      </a:r>
+                      <a:r>
+                        <a:rPr lang="en-US" altLang="zh-CN" sz="1600"/>
+                        <a:t>state</a:t>
+                      </a:r>
+                      <a:r>
+                        <a:rPr lang="zh-CN" altLang="en-US" sz="1600"/>
+                        <a:t>参数，开发者可以填写</a:t>
+                      </a:r>
+                      <a:r>
+                        <a:rPr lang="en-US" altLang="zh-CN" sz="1600"/>
+                        <a:t>a-zA-Z0-9</a:t>
+                      </a:r>
+                      <a:r>
+                        <a:rPr lang="zh-CN" altLang="en-US" sz="1600"/>
+                        <a:t>的参数值，最多</a:t>
+                      </a:r>
+                      <a:r>
+                        <a:rPr lang="en-US" altLang="zh-CN" sz="1600"/>
+                        <a:t>128</a:t>
+                      </a:r>
+                      <a:r>
+                        <a:rPr lang="zh-CN" altLang="en-US" sz="1600"/>
+                        <a:t>字节</a:t>
+                      </a:r>
+                    </a:p>
+                  </a:txBody>
+                  <a:tcPr marL="21435" marR="21435" marT="21435" marB="21435" anchor="ctr">
+                    <a:lnL>
+                      <a:noFill/>
+                    </a:lnL>
+                    <a:lnR>
+                      <a:noFill/>
+                    </a:lnR>
+                    <a:lnT>
+                      <a:noFill/>
+                    </a:lnT>
+                    <a:lnB>
+                      <a:noFill/>
+                    </a:lnB>
+                  </a:tcPr>
+                </a:tc>
+                <a:extLst>
+                  <a:ext uri="{0D108BD9-81ED-4DB2-BD59-A6C34878D82A}">
+                    <a16:rowId xmlns:a16="http://schemas.microsoft.com/office/drawing/2014/main" val="2668316905"/>
+                  </a:ext>
+                </a:extLst>
+              </a:tr>
+              <a:tr h="309641">
+                <a:tc>
+                  <a:txBody>
+                    <a:bodyPr/>
+                    <a:lstStyle/>
+                    <a:p>
+                      <a:pPr algn="ctr"/>
+                      <a:r>
+                        <a:rPr lang="en-US" sz="1600"/>
+                        <a:t>#wechat_redirect</a:t>
+                      </a:r>
+                    </a:p>
+                  </a:txBody>
+                  <a:tcPr marL="21435" marR="21435" marT="21435" marB="21435" anchor="ctr">
+                    <a:lnL>
+                      <a:noFill/>
+                    </a:lnL>
+                    <a:lnR>
+                      <a:noFill/>
+                    </a:lnR>
+                    <a:lnT>
+                      <a:noFill/>
+                    </a:lnT>
+                    <a:lnB>
+                      <a:noFill/>
+                    </a:lnB>
+                  </a:tcPr>
+                </a:tc>
+                <a:tc>
+                  <a:txBody>
+                    <a:bodyPr/>
+                    <a:lstStyle/>
+                    <a:p>
+                      <a:pPr algn="ctr"/>
+                      <a:r>
+                        <a:rPr lang="zh-CN" altLang="en-US" sz="1600"/>
+                        <a:t>是</a:t>
+                      </a:r>
+                    </a:p>
+                  </a:txBody>
+                  <a:tcPr marL="21435" marR="21435" marT="21435" marB="21435" anchor="ctr">
+                    <a:lnL>
+                      <a:noFill/>
+                    </a:lnL>
+                    <a:lnR>
+                      <a:noFill/>
+                    </a:lnR>
+                    <a:lnT>
+                      <a:noFill/>
+                    </a:lnT>
+                    <a:lnB>
+                      <a:noFill/>
+                    </a:lnB>
+                  </a:tcPr>
+                </a:tc>
+                <a:tc>
+                  <a:txBody>
+                    <a:bodyPr/>
+                    <a:lstStyle/>
+                    <a:p>
+                      <a:pPr algn="ctr"/>
+                      <a:r>
+                        <a:rPr lang="zh-CN" altLang="en-US" sz="1600" dirty="0"/>
+                        <a:t>无论直接打开还是做页面</a:t>
+                      </a:r>
+                      <a:r>
+                        <a:rPr lang="en-US" altLang="zh-CN" sz="1600" dirty="0"/>
+                        <a:t>302</a:t>
+                      </a:r>
+                      <a:r>
+                        <a:rPr lang="zh-CN" altLang="en-US" sz="1600" dirty="0"/>
+                        <a:t>重定向时候，必须带此参数</a:t>
+                      </a:r>
+                    </a:p>
+                  </a:txBody>
+                  <a:tcPr marL="21435" marR="21435" marT="21435" marB="21435" anchor="ctr">
+                    <a:lnL>
+                      <a:noFill/>
+                    </a:lnL>
+                    <a:lnR>
+                      <a:noFill/>
+                    </a:lnR>
+                    <a:lnT>
+                      <a:noFill/>
+                    </a:lnT>
+                    <a:lnB>
+                      <a:noFill/>
+                    </a:lnB>
+                  </a:tcPr>
+                </a:tc>
+                <a:extLst>
+                  <a:ext uri="{0D108BD9-81ED-4DB2-BD59-A6C34878D82A}">
+                    <a16:rowId xmlns:a16="http://schemas.microsoft.com/office/drawing/2014/main" val="3177629419"/>
+                  </a:ext>
+                </a:extLst>
+              </a:tr>
+            </a:tbl>
+          </a:graphicData>
+        </a:graphic>
+      </p:graphicFrame>
     </p:spTree>
     <p:extLst>
       <p:ext uri="{BB962C8B-B14F-4D97-AF65-F5344CB8AC3E}">
-        <p14:creationId xmlns:p14="http://schemas.microsoft.com/office/powerpoint/2010/main" val="3631587936"/>
+        <p14:creationId xmlns:p14="http://schemas.microsoft.com/office/powerpoint/2010/main" val="3923890876"/>
       </p:ext>
     </p:extLst>
   </p:cSld>
@@ -14562,15 +17269,819 @@
           <a:p>
             <a:r>
               <a:rPr lang="zh-CN" altLang="en-US" b="0" dirty="0"/>
-              <a:t>微信授权接口</a:t>
-            </a:r>
+              <a:t>微信授权处理流程</a:t>
+            </a:r>
+            <a:r>
+              <a:rPr lang="en-US" altLang="zh-CN" b="0" dirty="0"/>
+              <a:t>2</a:t>
+            </a:r>
+            <a:endParaRPr lang="zh-CN" altLang="en-US" b="0" dirty="0"/>
           </a:p>
         </p:txBody>
       </p:sp>
+      <p:sp>
+        <p:nvSpPr>
+          <p:cNvPr id="3" name="矩形 2">
+            <a:extLst>
+              <a:ext uri="{FF2B5EF4-FFF2-40B4-BE49-F238E27FC236}">
+                <a16:creationId xmlns:a16="http://schemas.microsoft.com/office/drawing/2014/main" id="{4589DC6A-B345-497F-9686-73DB83ABC5F2}"/>
+              </a:ext>
+            </a:extLst>
+          </p:cNvPr>
+          <p:cNvSpPr/>
+          <p:nvPr/>
+        </p:nvSpPr>
+        <p:spPr>
+          <a:xfrm>
+            <a:off x="1054099" y="1671172"/>
+            <a:ext cx="9869540" cy="2308324"/>
+          </a:xfrm>
+          <a:prstGeom prst="rect">
+            <a:avLst/>
+          </a:prstGeom>
+        </p:spPr>
+        <p:txBody>
+          <a:bodyPr wrap="square">
+            <a:spAutoFit/>
+          </a:bodyPr>
+          <a:lstStyle/>
+          <a:p>
+            <a:r>
+              <a:rPr lang="zh-CN" altLang="en-US" b="1" dirty="0"/>
+              <a:t>第二步：通过</a:t>
+            </a:r>
+            <a:r>
+              <a:rPr lang="en-US" altLang="zh-CN" b="1" dirty="0"/>
+              <a:t>code</a:t>
+            </a:r>
+            <a:r>
+              <a:rPr lang="zh-CN" altLang="en-US" b="1" dirty="0"/>
+              <a:t>换取网页授权</a:t>
+            </a:r>
+            <a:r>
+              <a:rPr lang="en-US" altLang="zh-CN" b="1" dirty="0" err="1"/>
+              <a:t>access_token</a:t>
+            </a:r>
+            <a:endParaRPr lang="en-US" altLang="zh-CN" b="1" dirty="0"/>
+          </a:p>
+          <a:p>
+            <a:pPr lvl="1"/>
+            <a:r>
+              <a:rPr lang="en-US" altLang="zh-CN" dirty="0"/>
+              <a:t> https://api.weixin.qq.com/sns/oauth2/access_token?appid=APPID&amp;secret=SECRET&amp;code=CODE&amp;grant_type=authorization_code </a:t>
+            </a:r>
+          </a:p>
+          <a:p>
+            <a:pPr lvl="1"/>
+            <a:endParaRPr lang="en-US" altLang="zh-CN" dirty="0"/>
+          </a:p>
+          <a:p>
+            <a:r>
+              <a:rPr lang="zh-CN" altLang="en-US" dirty="0">
+                <a:solidFill>
+                  <a:schemeClr val="accent6">
+                    <a:lumMod val="75000"/>
+                  </a:schemeClr>
+                </a:solidFill>
+                <a:latin typeface="+mn-ea"/>
+              </a:rPr>
+              <a:t>注意：这里通过</a:t>
+            </a:r>
+            <a:r>
+              <a:rPr lang="en-US" altLang="zh-CN" dirty="0">
+                <a:solidFill>
+                  <a:schemeClr val="accent6">
+                    <a:lumMod val="75000"/>
+                  </a:schemeClr>
+                </a:solidFill>
+                <a:latin typeface="+mn-ea"/>
+              </a:rPr>
+              <a:t>code</a:t>
+            </a:r>
+            <a:r>
+              <a:rPr lang="zh-CN" altLang="en-US" dirty="0">
+                <a:solidFill>
+                  <a:schemeClr val="accent6">
+                    <a:lumMod val="75000"/>
+                  </a:schemeClr>
+                </a:solidFill>
+                <a:latin typeface="+mn-ea"/>
+              </a:rPr>
+              <a:t>换取的是一个特殊的网页授权</a:t>
+            </a:r>
+            <a:r>
+              <a:rPr lang="en-US" altLang="zh-CN" dirty="0" err="1">
+                <a:solidFill>
+                  <a:schemeClr val="accent6">
+                    <a:lumMod val="75000"/>
+                  </a:schemeClr>
+                </a:solidFill>
+                <a:latin typeface="+mn-ea"/>
+              </a:rPr>
+              <a:t>access_token</a:t>
+            </a:r>
+            <a:r>
+              <a:rPr lang="en-US" altLang="zh-CN" dirty="0">
+                <a:solidFill>
+                  <a:schemeClr val="accent6">
+                    <a:lumMod val="75000"/>
+                  </a:schemeClr>
+                </a:solidFill>
+                <a:latin typeface="+mn-ea"/>
+              </a:rPr>
+              <a:t>,</a:t>
+            </a:r>
+            <a:r>
+              <a:rPr lang="zh-CN" altLang="en-US" dirty="0">
+                <a:solidFill>
+                  <a:schemeClr val="accent6">
+                    <a:lumMod val="75000"/>
+                  </a:schemeClr>
+                </a:solidFill>
+                <a:latin typeface="+mn-ea"/>
+              </a:rPr>
+              <a:t>与基础支持中的</a:t>
+            </a:r>
+            <a:r>
+              <a:rPr lang="en-US" altLang="zh-CN" dirty="0" err="1">
+                <a:solidFill>
+                  <a:schemeClr val="accent6">
+                    <a:lumMod val="75000"/>
+                  </a:schemeClr>
+                </a:solidFill>
+                <a:latin typeface="+mn-ea"/>
+              </a:rPr>
+              <a:t>access_token</a:t>
+            </a:r>
+            <a:r>
+              <a:rPr lang="zh-CN" altLang="en-US" dirty="0">
+                <a:solidFill>
+                  <a:schemeClr val="accent6">
+                    <a:lumMod val="75000"/>
+                  </a:schemeClr>
+                </a:solidFill>
+                <a:latin typeface="+mn-ea"/>
+              </a:rPr>
+              <a:t>（该</a:t>
+            </a:r>
+            <a:r>
+              <a:rPr lang="en-US" altLang="zh-CN" dirty="0" err="1">
+                <a:solidFill>
+                  <a:schemeClr val="accent6">
+                    <a:lumMod val="75000"/>
+                  </a:schemeClr>
+                </a:solidFill>
+                <a:latin typeface="+mn-ea"/>
+              </a:rPr>
+              <a:t>access_token</a:t>
+            </a:r>
+            <a:r>
+              <a:rPr lang="zh-CN" altLang="en-US" dirty="0">
+                <a:solidFill>
+                  <a:schemeClr val="accent6">
+                    <a:lumMod val="75000"/>
+                  </a:schemeClr>
+                </a:solidFill>
+                <a:latin typeface="+mn-ea"/>
+              </a:rPr>
+              <a:t>用于调用其他接口）不同。公众号可通过下述接口来获取网页授权</a:t>
+            </a:r>
+            <a:r>
+              <a:rPr lang="en-US" altLang="zh-CN" dirty="0" err="1">
+                <a:solidFill>
+                  <a:schemeClr val="accent6">
+                    <a:lumMod val="75000"/>
+                  </a:schemeClr>
+                </a:solidFill>
+                <a:latin typeface="+mn-ea"/>
+              </a:rPr>
+              <a:t>access_token</a:t>
+            </a:r>
+            <a:r>
+              <a:rPr lang="zh-CN" altLang="en-US" dirty="0">
+                <a:solidFill>
+                  <a:schemeClr val="accent6">
+                    <a:lumMod val="75000"/>
+                  </a:schemeClr>
+                </a:solidFill>
+                <a:latin typeface="+mn-ea"/>
+              </a:rPr>
+              <a:t>。如果网页授权的作用域为</a:t>
+            </a:r>
+            <a:r>
+              <a:rPr lang="en-US" altLang="zh-CN" dirty="0" err="1">
+                <a:solidFill>
+                  <a:schemeClr val="accent6">
+                    <a:lumMod val="75000"/>
+                  </a:schemeClr>
+                </a:solidFill>
+                <a:latin typeface="+mn-ea"/>
+              </a:rPr>
+              <a:t>snsapi_base</a:t>
+            </a:r>
+            <a:r>
+              <a:rPr lang="zh-CN" altLang="en-US" dirty="0">
+                <a:solidFill>
+                  <a:schemeClr val="accent6">
+                    <a:lumMod val="75000"/>
+                  </a:schemeClr>
+                </a:solidFill>
+                <a:latin typeface="+mn-ea"/>
+              </a:rPr>
+              <a:t>，则本步骤中获取到网页授权</a:t>
+            </a:r>
+            <a:r>
+              <a:rPr lang="en-US" altLang="zh-CN" dirty="0" err="1">
+                <a:solidFill>
+                  <a:schemeClr val="accent6">
+                    <a:lumMod val="75000"/>
+                  </a:schemeClr>
+                </a:solidFill>
+                <a:latin typeface="+mn-ea"/>
+              </a:rPr>
+              <a:t>access_token</a:t>
+            </a:r>
+            <a:r>
+              <a:rPr lang="zh-CN" altLang="en-US" dirty="0">
+                <a:solidFill>
+                  <a:schemeClr val="accent6">
+                    <a:lumMod val="75000"/>
+                  </a:schemeClr>
+                </a:solidFill>
+                <a:latin typeface="+mn-ea"/>
+              </a:rPr>
+              <a:t>的同时，也获取到了</a:t>
+            </a:r>
+            <a:r>
+              <a:rPr lang="en-US" altLang="zh-CN" dirty="0" err="1">
+                <a:solidFill>
+                  <a:schemeClr val="accent6">
+                    <a:lumMod val="75000"/>
+                  </a:schemeClr>
+                </a:solidFill>
+                <a:latin typeface="+mn-ea"/>
+              </a:rPr>
+              <a:t>openid</a:t>
+            </a:r>
+            <a:r>
+              <a:rPr lang="zh-CN" altLang="en-US" dirty="0">
+                <a:solidFill>
+                  <a:schemeClr val="accent6">
+                    <a:lumMod val="75000"/>
+                  </a:schemeClr>
+                </a:solidFill>
+                <a:latin typeface="+mn-ea"/>
+              </a:rPr>
+              <a:t>，</a:t>
+            </a:r>
+            <a:r>
+              <a:rPr lang="en-US" altLang="zh-CN" dirty="0" err="1">
+                <a:solidFill>
+                  <a:schemeClr val="accent6">
+                    <a:lumMod val="75000"/>
+                  </a:schemeClr>
+                </a:solidFill>
+                <a:latin typeface="+mn-ea"/>
+              </a:rPr>
+              <a:t>snsapi_base</a:t>
+            </a:r>
+            <a:r>
+              <a:rPr lang="zh-CN" altLang="en-US" dirty="0">
+                <a:solidFill>
+                  <a:schemeClr val="accent6">
+                    <a:lumMod val="75000"/>
+                  </a:schemeClr>
+                </a:solidFill>
+                <a:latin typeface="+mn-ea"/>
+              </a:rPr>
+              <a:t>式的网页授权流程即到此为止。</a:t>
+            </a:r>
+          </a:p>
+        </p:txBody>
+      </p:sp>
+      <p:graphicFrame>
+        <p:nvGraphicFramePr>
+          <p:cNvPr id="4" name="表格 3">
+            <a:extLst>
+              <a:ext uri="{FF2B5EF4-FFF2-40B4-BE49-F238E27FC236}">
+                <a16:creationId xmlns:a16="http://schemas.microsoft.com/office/drawing/2014/main" id="{A6AC4337-17D8-4EC5-AA15-3847B926FB09}"/>
+              </a:ext>
+            </a:extLst>
+          </p:cNvPr>
+          <p:cNvGraphicFramePr>
+            <a:graphicFrameLocks noGrp="1"/>
+          </p:cNvGraphicFramePr>
+          <p:nvPr>
+            <p:extLst>
+              <p:ext uri="{D42A27DB-BD31-4B8C-83A1-F6EECF244321}">
+                <p14:modId xmlns:p14="http://schemas.microsoft.com/office/powerpoint/2010/main" val="486500649"/>
+              </p:ext>
+            </p:extLst>
+          </p:nvPr>
+        </p:nvGraphicFramePr>
+        <p:xfrm>
+          <a:off x="1054099" y="4417948"/>
+          <a:ext cx="7667114" cy="1676400"/>
+        </p:xfrm>
+        <a:graphic>
+          <a:graphicData uri="http://schemas.openxmlformats.org/drawingml/2006/table">
+            <a:tbl>
+              <a:tblPr/>
+              <a:tblGrid>
+                <a:gridCol w="1437584">
+                  <a:extLst>
+                    <a:ext uri="{9D8B030D-6E8A-4147-A177-3AD203B41FA5}">
+                      <a16:colId xmlns:a16="http://schemas.microsoft.com/office/drawing/2014/main" val="2681978697"/>
+                    </a:ext>
+                  </a:extLst>
+                </a:gridCol>
+                <a:gridCol w="1437584">
+                  <a:extLst>
+                    <a:ext uri="{9D8B030D-6E8A-4147-A177-3AD203B41FA5}">
+                      <a16:colId xmlns:a16="http://schemas.microsoft.com/office/drawing/2014/main" val="3041299238"/>
+                    </a:ext>
+                  </a:extLst>
+                </a:gridCol>
+                <a:gridCol w="4791946">
+                  <a:extLst>
+                    <a:ext uri="{9D8B030D-6E8A-4147-A177-3AD203B41FA5}">
+                      <a16:colId xmlns:a16="http://schemas.microsoft.com/office/drawing/2014/main" val="975808291"/>
+                    </a:ext>
+                  </a:extLst>
+                </a:gridCol>
+              </a:tblGrid>
+              <a:tr h="0">
+                <a:tc>
+                  <a:txBody>
+                    <a:bodyPr/>
+                    <a:lstStyle/>
+                    <a:p>
+                      <a:pPr algn="ctr"/>
+                      <a:r>
+                        <a:rPr lang="zh-CN" altLang="en-US" b="1" dirty="0">
+                          <a:effectLst/>
+                        </a:rPr>
+                        <a:t>参数</a:t>
+                      </a:r>
+                    </a:p>
+                  </a:txBody>
+                  <a:tcPr marL="30480" marR="30480" marT="30480" marB="30480" anchor="ctr">
+                    <a:lnL>
+                      <a:noFill/>
+                    </a:lnL>
+                    <a:lnR>
+                      <a:noFill/>
+                    </a:lnR>
+                    <a:lnT>
+                      <a:noFill/>
+                    </a:lnT>
+                    <a:lnB>
+                      <a:noFill/>
+                    </a:lnB>
+                  </a:tcPr>
+                </a:tc>
+                <a:tc>
+                  <a:txBody>
+                    <a:bodyPr/>
+                    <a:lstStyle/>
+                    <a:p>
+                      <a:pPr algn="ctr"/>
+                      <a:r>
+                        <a:rPr lang="zh-CN" altLang="en-US" b="1" dirty="0">
+                          <a:effectLst/>
+                        </a:rPr>
+                        <a:t>是否必须</a:t>
+                      </a:r>
+                    </a:p>
+                  </a:txBody>
+                  <a:tcPr marL="30480" marR="30480" marT="30480" marB="30480" anchor="ctr">
+                    <a:lnL>
+                      <a:noFill/>
+                    </a:lnL>
+                    <a:lnR>
+                      <a:noFill/>
+                    </a:lnR>
+                    <a:lnT>
+                      <a:noFill/>
+                    </a:lnT>
+                    <a:lnB>
+                      <a:noFill/>
+                    </a:lnB>
+                  </a:tcPr>
+                </a:tc>
+                <a:tc>
+                  <a:txBody>
+                    <a:bodyPr/>
+                    <a:lstStyle/>
+                    <a:p>
+                      <a:pPr algn="ctr"/>
+                      <a:r>
+                        <a:rPr lang="zh-CN" altLang="en-US" b="1" dirty="0"/>
+                        <a:t>说明</a:t>
+                      </a:r>
+                    </a:p>
+                  </a:txBody>
+                  <a:tcPr marL="30480" marR="30480" marT="30480" marB="30480" anchor="ctr">
+                    <a:lnL>
+                      <a:noFill/>
+                    </a:lnL>
+                    <a:lnR>
+                      <a:noFill/>
+                    </a:lnR>
+                    <a:lnT>
+                      <a:noFill/>
+                    </a:lnT>
+                    <a:lnB>
+                      <a:noFill/>
+                    </a:lnB>
+                  </a:tcPr>
+                </a:tc>
+                <a:extLst>
+                  <a:ext uri="{0D108BD9-81ED-4DB2-BD59-A6C34878D82A}">
+                    <a16:rowId xmlns:a16="http://schemas.microsoft.com/office/drawing/2014/main" val="2117879367"/>
+                  </a:ext>
+                </a:extLst>
+              </a:tr>
+              <a:tr h="0">
+                <a:tc>
+                  <a:txBody>
+                    <a:bodyPr/>
+                    <a:lstStyle/>
+                    <a:p>
+                      <a:pPr algn="ctr"/>
+                      <a:r>
+                        <a:rPr lang="en-US"/>
+                        <a:t>appid</a:t>
+                      </a:r>
+                    </a:p>
+                  </a:txBody>
+                  <a:tcPr marL="30480" marR="30480" marT="30480" marB="30480" anchor="ctr">
+                    <a:lnL>
+                      <a:noFill/>
+                    </a:lnL>
+                    <a:lnR>
+                      <a:noFill/>
+                    </a:lnR>
+                    <a:lnT>
+                      <a:noFill/>
+                    </a:lnT>
+                    <a:lnB>
+                      <a:noFill/>
+                    </a:lnB>
+                  </a:tcPr>
+                </a:tc>
+                <a:tc>
+                  <a:txBody>
+                    <a:bodyPr/>
+                    <a:lstStyle/>
+                    <a:p>
+                      <a:pPr algn="ctr"/>
+                      <a:r>
+                        <a:rPr lang="zh-CN" altLang="en-US"/>
+                        <a:t>是</a:t>
+                      </a:r>
+                    </a:p>
+                  </a:txBody>
+                  <a:tcPr marL="30480" marR="30480" marT="30480" marB="30480" anchor="ctr">
+                    <a:lnL>
+                      <a:noFill/>
+                    </a:lnL>
+                    <a:lnR>
+                      <a:noFill/>
+                    </a:lnR>
+                    <a:lnT>
+                      <a:noFill/>
+                    </a:lnT>
+                    <a:lnB>
+                      <a:noFill/>
+                    </a:lnB>
+                  </a:tcPr>
+                </a:tc>
+                <a:tc>
+                  <a:txBody>
+                    <a:bodyPr/>
+                    <a:lstStyle/>
+                    <a:p>
+                      <a:pPr algn="ctr"/>
+                      <a:r>
+                        <a:rPr lang="zh-CN" altLang="en-US"/>
+                        <a:t>公众号的唯一标识</a:t>
+                      </a:r>
+                    </a:p>
+                  </a:txBody>
+                  <a:tcPr marL="30480" marR="30480" marT="30480" marB="30480" anchor="ctr">
+                    <a:lnL>
+                      <a:noFill/>
+                    </a:lnL>
+                    <a:lnR>
+                      <a:noFill/>
+                    </a:lnR>
+                    <a:lnT>
+                      <a:noFill/>
+                    </a:lnT>
+                    <a:lnB>
+                      <a:noFill/>
+                    </a:lnB>
+                  </a:tcPr>
+                </a:tc>
+                <a:extLst>
+                  <a:ext uri="{0D108BD9-81ED-4DB2-BD59-A6C34878D82A}">
+                    <a16:rowId xmlns:a16="http://schemas.microsoft.com/office/drawing/2014/main" val="2890914311"/>
+                  </a:ext>
+                </a:extLst>
+              </a:tr>
+              <a:tr h="0">
+                <a:tc>
+                  <a:txBody>
+                    <a:bodyPr/>
+                    <a:lstStyle/>
+                    <a:p>
+                      <a:pPr algn="ctr"/>
+                      <a:r>
+                        <a:rPr lang="en-US"/>
+                        <a:t>secret</a:t>
+                      </a:r>
+                    </a:p>
+                  </a:txBody>
+                  <a:tcPr marL="30480" marR="30480" marT="30480" marB="30480" anchor="ctr">
+                    <a:lnL>
+                      <a:noFill/>
+                    </a:lnL>
+                    <a:lnR>
+                      <a:noFill/>
+                    </a:lnR>
+                    <a:lnT>
+                      <a:noFill/>
+                    </a:lnT>
+                    <a:lnB>
+                      <a:noFill/>
+                    </a:lnB>
+                  </a:tcPr>
+                </a:tc>
+                <a:tc>
+                  <a:txBody>
+                    <a:bodyPr/>
+                    <a:lstStyle/>
+                    <a:p>
+                      <a:pPr algn="ctr"/>
+                      <a:r>
+                        <a:rPr lang="zh-CN" altLang="en-US"/>
+                        <a:t>是</a:t>
+                      </a:r>
+                    </a:p>
+                  </a:txBody>
+                  <a:tcPr marL="30480" marR="30480" marT="30480" marB="30480" anchor="ctr">
+                    <a:lnL>
+                      <a:noFill/>
+                    </a:lnL>
+                    <a:lnR>
+                      <a:noFill/>
+                    </a:lnR>
+                    <a:lnT>
+                      <a:noFill/>
+                    </a:lnT>
+                    <a:lnB>
+                      <a:noFill/>
+                    </a:lnB>
+                  </a:tcPr>
+                </a:tc>
+                <a:tc>
+                  <a:txBody>
+                    <a:bodyPr/>
+                    <a:lstStyle/>
+                    <a:p>
+                      <a:pPr algn="ctr"/>
+                      <a:r>
+                        <a:rPr lang="zh-CN" altLang="en-US"/>
+                        <a:t>公众号的</a:t>
+                      </a:r>
+                      <a:r>
+                        <a:rPr lang="en-US"/>
+                        <a:t>appsecret</a:t>
+                      </a:r>
+                    </a:p>
+                  </a:txBody>
+                  <a:tcPr marL="30480" marR="30480" marT="30480" marB="30480" anchor="ctr">
+                    <a:lnL>
+                      <a:noFill/>
+                    </a:lnL>
+                    <a:lnR>
+                      <a:noFill/>
+                    </a:lnR>
+                    <a:lnT>
+                      <a:noFill/>
+                    </a:lnT>
+                    <a:lnB>
+                      <a:noFill/>
+                    </a:lnB>
+                  </a:tcPr>
+                </a:tc>
+                <a:extLst>
+                  <a:ext uri="{0D108BD9-81ED-4DB2-BD59-A6C34878D82A}">
+                    <a16:rowId xmlns:a16="http://schemas.microsoft.com/office/drawing/2014/main" val="3545410022"/>
+                  </a:ext>
+                </a:extLst>
+              </a:tr>
+              <a:tr h="0">
+                <a:tc>
+                  <a:txBody>
+                    <a:bodyPr/>
+                    <a:lstStyle/>
+                    <a:p>
+                      <a:pPr algn="ctr"/>
+                      <a:r>
+                        <a:rPr lang="en-US"/>
+                        <a:t>code</a:t>
+                      </a:r>
+                    </a:p>
+                  </a:txBody>
+                  <a:tcPr marL="30480" marR="30480" marT="30480" marB="30480" anchor="ctr">
+                    <a:lnL>
+                      <a:noFill/>
+                    </a:lnL>
+                    <a:lnR>
+                      <a:noFill/>
+                    </a:lnR>
+                    <a:lnT>
+                      <a:noFill/>
+                    </a:lnT>
+                    <a:lnB>
+                      <a:noFill/>
+                    </a:lnB>
+                  </a:tcPr>
+                </a:tc>
+                <a:tc>
+                  <a:txBody>
+                    <a:bodyPr/>
+                    <a:lstStyle/>
+                    <a:p>
+                      <a:pPr algn="ctr"/>
+                      <a:r>
+                        <a:rPr lang="zh-CN" altLang="en-US"/>
+                        <a:t>是</a:t>
+                      </a:r>
+                    </a:p>
+                  </a:txBody>
+                  <a:tcPr marL="30480" marR="30480" marT="30480" marB="30480" anchor="ctr">
+                    <a:lnL>
+                      <a:noFill/>
+                    </a:lnL>
+                    <a:lnR>
+                      <a:noFill/>
+                    </a:lnR>
+                    <a:lnT>
+                      <a:noFill/>
+                    </a:lnT>
+                    <a:lnB>
+                      <a:noFill/>
+                    </a:lnB>
+                  </a:tcPr>
+                </a:tc>
+                <a:tc>
+                  <a:txBody>
+                    <a:bodyPr/>
+                    <a:lstStyle/>
+                    <a:p>
+                      <a:pPr algn="ctr"/>
+                      <a:r>
+                        <a:rPr lang="zh-CN" altLang="en-US"/>
+                        <a:t>填写第一步获取的</a:t>
+                      </a:r>
+                      <a:r>
+                        <a:rPr lang="en-US" altLang="zh-CN"/>
+                        <a:t>code</a:t>
+                      </a:r>
+                      <a:r>
+                        <a:rPr lang="zh-CN" altLang="en-US"/>
+                        <a:t>参数</a:t>
+                      </a:r>
+                    </a:p>
+                  </a:txBody>
+                  <a:tcPr marL="30480" marR="30480" marT="30480" marB="30480" anchor="ctr">
+                    <a:lnL>
+                      <a:noFill/>
+                    </a:lnL>
+                    <a:lnR>
+                      <a:noFill/>
+                    </a:lnR>
+                    <a:lnT>
+                      <a:noFill/>
+                    </a:lnT>
+                    <a:lnB>
+                      <a:noFill/>
+                    </a:lnB>
+                  </a:tcPr>
+                </a:tc>
+                <a:extLst>
+                  <a:ext uri="{0D108BD9-81ED-4DB2-BD59-A6C34878D82A}">
+                    <a16:rowId xmlns:a16="http://schemas.microsoft.com/office/drawing/2014/main" val="777935065"/>
+                  </a:ext>
+                </a:extLst>
+              </a:tr>
+              <a:tr h="0">
+                <a:tc>
+                  <a:txBody>
+                    <a:bodyPr/>
+                    <a:lstStyle/>
+                    <a:p>
+                      <a:pPr algn="ctr"/>
+                      <a:r>
+                        <a:rPr lang="en-US"/>
+                        <a:t>grant_type</a:t>
+                      </a:r>
+                    </a:p>
+                  </a:txBody>
+                  <a:tcPr marL="30480" marR="30480" marT="30480" marB="30480" anchor="ctr">
+                    <a:lnL>
+                      <a:noFill/>
+                    </a:lnL>
+                    <a:lnR>
+                      <a:noFill/>
+                    </a:lnR>
+                    <a:lnT>
+                      <a:noFill/>
+                    </a:lnT>
+                    <a:lnB>
+                      <a:noFill/>
+                    </a:lnB>
+                  </a:tcPr>
+                </a:tc>
+                <a:tc>
+                  <a:txBody>
+                    <a:bodyPr/>
+                    <a:lstStyle/>
+                    <a:p>
+                      <a:pPr algn="ctr"/>
+                      <a:r>
+                        <a:rPr lang="zh-CN" altLang="en-US"/>
+                        <a:t>是</a:t>
+                      </a:r>
+                    </a:p>
+                  </a:txBody>
+                  <a:tcPr marL="30480" marR="30480" marT="30480" marB="30480" anchor="ctr">
+                    <a:lnL>
+                      <a:noFill/>
+                    </a:lnL>
+                    <a:lnR>
+                      <a:noFill/>
+                    </a:lnR>
+                    <a:lnT>
+                      <a:noFill/>
+                    </a:lnT>
+                    <a:lnB>
+                      <a:noFill/>
+                    </a:lnB>
+                  </a:tcPr>
+                </a:tc>
+                <a:tc>
+                  <a:txBody>
+                    <a:bodyPr/>
+                    <a:lstStyle/>
+                    <a:p>
+                      <a:pPr algn="ctr"/>
+                      <a:r>
+                        <a:rPr lang="zh-CN" altLang="en-US" dirty="0"/>
+                        <a:t>填写为</a:t>
+                      </a:r>
+                      <a:r>
+                        <a:rPr lang="en-US" dirty="0" err="1"/>
+                        <a:t>authorization_code</a:t>
+                      </a:r>
+                      <a:r>
+                        <a:rPr lang="en-US" dirty="0"/>
+                        <a:t>   </a:t>
+                      </a:r>
+                    </a:p>
+                  </a:txBody>
+                  <a:tcPr marL="30480" marR="30480" marT="30480" marB="30480" anchor="ctr">
+                    <a:lnL>
+                      <a:noFill/>
+                    </a:lnL>
+                    <a:lnR>
+                      <a:noFill/>
+                    </a:lnR>
+                    <a:lnT>
+                      <a:noFill/>
+                    </a:lnT>
+                    <a:lnB>
+                      <a:noFill/>
+                    </a:lnB>
+                  </a:tcPr>
+                </a:tc>
+                <a:extLst>
+                  <a:ext uri="{0D108BD9-81ED-4DB2-BD59-A6C34878D82A}">
+                    <a16:rowId xmlns:a16="http://schemas.microsoft.com/office/drawing/2014/main" val="1460922833"/>
+                  </a:ext>
+                </a:extLst>
+              </a:tr>
+            </a:tbl>
+          </a:graphicData>
+        </a:graphic>
+      </p:graphicFrame>
     </p:spTree>
     <p:extLst>
       <p:ext uri="{BB962C8B-B14F-4D97-AF65-F5344CB8AC3E}">
-        <p14:creationId xmlns:p14="http://schemas.microsoft.com/office/powerpoint/2010/main" val="395657153"/>
+        <p14:creationId xmlns:p14="http://schemas.microsoft.com/office/powerpoint/2010/main" val="3631587936"/>
       </p:ext>
     </p:extLst>
   </p:cSld>
@@ -14619,7 +18130,2026 @@
           <a:p>
             <a:r>
               <a:rPr lang="zh-CN" altLang="en-US" b="0" dirty="0"/>
-              <a:t>微信授权接口</a:t>
+              <a:t>微信授权处理流程</a:t>
+            </a:r>
+            <a:r>
+              <a:rPr lang="en-US" altLang="zh-CN" b="0" dirty="0"/>
+              <a:t>2</a:t>
+            </a:r>
+            <a:endParaRPr lang="zh-CN" altLang="en-US" b="0" dirty="0"/>
+          </a:p>
+        </p:txBody>
+      </p:sp>
+      <p:sp>
+        <p:nvSpPr>
+          <p:cNvPr id="3" name="矩形 2">
+            <a:extLst>
+              <a:ext uri="{FF2B5EF4-FFF2-40B4-BE49-F238E27FC236}">
+                <a16:creationId xmlns:a16="http://schemas.microsoft.com/office/drawing/2014/main" id="{4589DC6A-B345-497F-9686-73DB83ABC5F2}"/>
+              </a:ext>
+            </a:extLst>
+          </p:cNvPr>
+          <p:cNvSpPr/>
+          <p:nvPr/>
+        </p:nvSpPr>
+        <p:spPr>
+          <a:xfrm>
+            <a:off x="1054099" y="1671172"/>
+            <a:ext cx="9869540" cy="2308324"/>
+          </a:xfrm>
+          <a:prstGeom prst="rect">
+            <a:avLst/>
+          </a:prstGeom>
+        </p:spPr>
+        <p:txBody>
+          <a:bodyPr wrap="square">
+            <a:spAutoFit/>
+          </a:bodyPr>
+          <a:lstStyle/>
+          <a:p>
+            <a:r>
+              <a:rPr lang="zh-CN" altLang="en-US" b="1" dirty="0"/>
+              <a:t>第二步：通过</a:t>
+            </a:r>
+            <a:r>
+              <a:rPr lang="en-US" altLang="zh-CN" b="1" dirty="0"/>
+              <a:t>code</a:t>
+            </a:r>
+            <a:r>
+              <a:rPr lang="zh-CN" altLang="en-US" b="1" dirty="0"/>
+              <a:t>换取网页授权</a:t>
+            </a:r>
+            <a:r>
+              <a:rPr lang="en-US" altLang="zh-CN" b="1" dirty="0" err="1"/>
+              <a:t>access_token</a:t>
+            </a:r>
+            <a:endParaRPr lang="en-US" altLang="zh-CN" b="1" dirty="0"/>
+          </a:p>
+          <a:p>
+            <a:pPr lvl="1"/>
+            <a:r>
+              <a:rPr lang="en-US" altLang="zh-CN" dirty="0"/>
+              <a:t> https://api.weixin.qq.com/sns/oauth2/access_token?appid=APPID&amp;secret=SECRET&amp;code=CODE&amp;grant_type=authorization_code </a:t>
+            </a:r>
+          </a:p>
+          <a:p>
+            <a:pPr lvl="1"/>
+            <a:endParaRPr lang="en-US" altLang="zh-CN" dirty="0"/>
+          </a:p>
+          <a:p>
+            <a:r>
+              <a:rPr lang="zh-CN" altLang="en-US" dirty="0">
+                <a:solidFill>
+                  <a:schemeClr val="accent6">
+                    <a:lumMod val="75000"/>
+                  </a:schemeClr>
+                </a:solidFill>
+                <a:latin typeface="+mn-ea"/>
+              </a:rPr>
+              <a:t>注意：这里通过</a:t>
+            </a:r>
+            <a:r>
+              <a:rPr lang="en-US" altLang="zh-CN" dirty="0">
+                <a:solidFill>
+                  <a:schemeClr val="accent6">
+                    <a:lumMod val="75000"/>
+                  </a:schemeClr>
+                </a:solidFill>
+                <a:latin typeface="+mn-ea"/>
+              </a:rPr>
+              <a:t>code</a:t>
+            </a:r>
+            <a:r>
+              <a:rPr lang="zh-CN" altLang="en-US" dirty="0">
+                <a:solidFill>
+                  <a:schemeClr val="accent6">
+                    <a:lumMod val="75000"/>
+                  </a:schemeClr>
+                </a:solidFill>
+                <a:latin typeface="+mn-ea"/>
+              </a:rPr>
+              <a:t>换取的是一个特殊的网页授权</a:t>
+            </a:r>
+            <a:r>
+              <a:rPr lang="en-US" altLang="zh-CN" dirty="0" err="1">
+                <a:solidFill>
+                  <a:schemeClr val="accent6">
+                    <a:lumMod val="75000"/>
+                  </a:schemeClr>
+                </a:solidFill>
+                <a:latin typeface="+mn-ea"/>
+              </a:rPr>
+              <a:t>access_token</a:t>
+            </a:r>
+            <a:r>
+              <a:rPr lang="en-US" altLang="zh-CN" dirty="0">
+                <a:solidFill>
+                  <a:schemeClr val="accent6">
+                    <a:lumMod val="75000"/>
+                  </a:schemeClr>
+                </a:solidFill>
+                <a:latin typeface="+mn-ea"/>
+              </a:rPr>
+              <a:t>,</a:t>
+            </a:r>
+            <a:r>
+              <a:rPr lang="zh-CN" altLang="en-US" dirty="0">
+                <a:solidFill>
+                  <a:schemeClr val="accent6">
+                    <a:lumMod val="75000"/>
+                  </a:schemeClr>
+                </a:solidFill>
+                <a:latin typeface="+mn-ea"/>
+              </a:rPr>
+              <a:t>与基础支持中的</a:t>
+            </a:r>
+            <a:r>
+              <a:rPr lang="en-US" altLang="zh-CN" dirty="0" err="1">
+                <a:solidFill>
+                  <a:schemeClr val="accent6">
+                    <a:lumMod val="75000"/>
+                  </a:schemeClr>
+                </a:solidFill>
+                <a:latin typeface="+mn-ea"/>
+              </a:rPr>
+              <a:t>access_token</a:t>
+            </a:r>
+            <a:r>
+              <a:rPr lang="zh-CN" altLang="en-US" dirty="0">
+                <a:solidFill>
+                  <a:schemeClr val="accent6">
+                    <a:lumMod val="75000"/>
+                  </a:schemeClr>
+                </a:solidFill>
+                <a:latin typeface="+mn-ea"/>
+              </a:rPr>
+              <a:t>（该</a:t>
+            </a:r>
+            <a:r>
+              <a:rPr lang="en-US" altLang="zh-CN" dirty="0" err="1">
+                <a:solidFill>
+                  <a:schemeClr val="accent6">
+                    <a:lumMod val="75000"/>
+                  </a:schemeClr>
+                </a:solidFill>
+                <a:latin typeface="+mn-ea"/>
+              </a:rPr>
+              <a:t>access_token</a:t>
+            </a:r>
+            <a:r>
+              <a:rPr lang="zh-CN" altLang="en-US" dirty="0">
+                <a:solidFill>
+                  <a:schemeClr val="accent6">
+                    <a:lumMod val="75000"/>
+                  </a:schemeClr>
+                </a:solidFill>
+                <a:latin typeface="+mn-ea"/>
+              </a:rPr>
+              <a:t>用于调用其他接口）不同。公众号可通过下述接口来获取网页授权</a:t>
+            </a:r>
+            <a:r>
+              <a:rPr lang="en-US" altLang="zh-CN" dirty="0" err="1">
+                <a:solidFill>
+                  <a:schemeClr val="accent6">
+                    <a:lumMod val="75000"/>
+                  </a:schemeClr>
+                </a:solidFill>
+                <a:latin typeface="+mn-ea"/>
+              </a:rPr>
+              <a:t>access_token</a:t>
+            </a:r>
+            <a:r>
+              <a:rPr lang="zh-CN" altLang="en-US" dirty="0">
+                <a:solidFill>
+                  <a:schemeClr val="accent6">
+                    <a:lumMod val="75000"/>
+                  </a:schemeClr>
+                </a:solidFill>
+                <a:latin typeface="+mn-ea"/>
+              </a:rPr>
+              <a:t>。如果网页授权的作用域为</a:t>
+            </a:r>
+            <a:r>
+              <a:rPr lang="en-US" altLang="zh-CN" dirty="0" err="1">
+                <a:solidFill>
+                  <a:schemeClr val="accent6">
+                    <a:lumMod val="75000"/>
+                  </a:schemeClr>
+                </a:solidFill>
+                <a:latin typeface="+mn-ea"/>
+              </a:rPr>
+              <a:t>snsapi_base</a:t>
+            </a:r>
+            <a:r>
+              <a:rPr lang="zh-CN" altLang="en-US" dirty="0">
+                <a:solidFill>
+                  <a:schemeClr val="accent6">
+                    <a:lumMod val="75000"/>
+                  </a:schemeClr>
+                </a:solidFill>
+                <a:latin typeface="+mn-ea"/>
+              </a:rPr>
+              <a:t>，则本步骤中获取到网页授权</a:t>
+            </a:r>
+            <a:r>
+              <a:rPr lang="en-US" altLang="zh-CN" dirty="0" err="1">
+                <a:solidFill>
+                  <a:schemeClr val="accent6">
+                    <a:lumMod val="75000"/>
+                  </a:schemeClr>
+                </a:solidFill>
+                <a:latin typeface="+mn-ea"/>
+              </a:rPr>
+              <a:t>access_token</a:t>
+            </a:r>
+            <a:r>
+              <a:rPr lang="zh-CN" altLang="en-US" dirty="0">
+                <a:solidFill>
+                  <a:schemeClr val="accent6">
+                    <a:lumMod val="75000"/>
+                  </a:schemeClr>
+                </a:solidFill>
+                <a:latin typeface="+mn-ea"/>
+              </a:rPr>
+              <a:t>的同时，也获取到了</a:t>
+            </a:r>
+            <a:r>
+              <a:rPr lang="en-US" altLang="zh-CN" dirty="0" err="1">
+                <a:solidFill>
+                  <a:schemeClr val="accent6">
+                    <a:lumMod val="75000"/>
+                  </a:schemeClr>
+                </a:solidFill>
+                <a:latin typeface="+mn-ea"/>
+              </a:rPr>
+              <a:t>openid</a:t>
+            </a:r>
+            <a:r>
+              <a:rPr lang="zh-CN" altLang="en-US" dirty="0">
+                <a:solidFill>
+                  <a:schemeClr val="accent6">
+                    <a:lumMod val="75000"/>
+                  </a:schemeClr>
+                </a:solidFill>
+                <a:latin typeface="+mn-ea"/>
+              </a:rPr>
+              <a:t>，</a:t>
+            </a:r>
+            <a:r>
+              <a:rPr lang="en-US" altLang="zh-CN" dirty="0" err="1">
+                <a:solidFill>
+                  <a:schemeClr val="accent6">
+                    <a:lumMod val="75000"/>
+                  </a:schemeClr>
+                </a:solidFill>
+                <a:latin typeface="+mn-ea"/>
+              </a:rPr>
+              <a:t>snsapi_base</a:t>
+            </a:r>
+            <a:r>
+              <a:rPr lang="zh-CN" altLang="en-US" dirty="0">
+                <a:solidFill>
+                  <a:schemeClr val="accent6">
+                    <a:lumMod val="75000"/>
+                  </a:schemeClr>
+                </a:solidFill>
+                <a:latin typeface="+mn-ea"/>
+              </a:rPr>
+              <a:t>式的网页授权流程即到此为止。</a:t>
+            </a:r>
+          </a:p>
+        </p:txBody>
+      </p:sp>
+      <p:graphicFrame>
+        <p:nvGraphicFramePr>
+          <p:cNvPr id="4" name="表格 3">
+            <a:extLst>
+              <a:ext uri="{FF2B5EF4-FFF2-40B4-BE49-F238E27FC236}">
+                <a16:creationId xmlns:a16="http://schemas.microsoft.com/office/drawing/2014/main" id="{A6AC4337-17D8-4EC5-AA15-3847B926FB09}"/>
+              </a:ext>
+            </a:extLst>
+          </p:cNvPr>
+          <p:cNvGraphicFramePr>
+            <a:graphicFrameLocks noGrp="1"/>
+          </p:cNvGraphicFramePr>
+          <p:nvPr/>
+        </p:nvGraphicFramePr>
+        <p:xfrm>
+          <a:off x="1054099" y="4417948"/>
+          <a:ext cx="7667114" cy="1676400"/>
+        </p:xfrm>
+        <a:graphic>
+          <a:graphicData uri="http://schemas.openxmlformats.org/drawingml/2006/table">
+            <a:tbl>
+              <a:tblPr/>
+              <a:tblGrid>
+                <a:gridCol w="1437584">
+                  <a:extLst>
+                    <a:ext uri="{9D8B030D-6E8A-4147-A177-3AD203B41FA5}">
+                      <a16:colId xmlns:a16="http://schemas.microsoft.com/office/drawing/2014/main" val="2681978697"/>
+                    </a:ext>
+                  </a:extLst>
+                </a:gridCol>
+                <a:gridCol w="1437584">
+                  <a:extLst>
+                    <a:ext uri="{9D8B030D-6E8A-4147-A177-3AD203B41FA5}">
+                      <a16:colId xmlns:a16="http://schemas.microsoft.com/office/drawing/2014/main" val="3041299238"/>
+                    </a:ext>
+                  </a:extLst>
+                </a:gridCol>
+                <a:gridCol w="4791946">
+                  <a:extLst>
+                    <a:ext uri="{9D8B030D-6E8A-4147-A177-3AD203B41FA5}">
+                      <a16:colId xmlns:a16="http://schemas.microsoft.com/office/drawing/2014/main" val="975808291"/>
+                    </a:ext>
+                  </a:extLst>
+                </a:gridCol>
+              </a:tblGrid>
+              <a:tr h="0">
+                <a:tc>
+                  <a:txBody>
+                    <a:bodyPr/>
+                    <a:lstStyle/>
+                    <a:p>
+                      <a:pPr algn="ctr"/>
+                      <a:r>
+                        <a:rPr lang="zh-CN" altLang="en-US" b="1" dirty="0">
+                          <a:effectLst/>
+                        </a:rPr>
+                        <a:t>参数</a:t>
+                      </a:r>
+                    </a:p>
+                  </a:txBody>
+                  <a:tcPr marL="30480" marR="30480" marT="30480" marB="30480" anchor="ctr">
+                    <a:lnL>
+                      <a:noFill/>
+                    </a:lnL>
+                    <a:lnR>
+                      <a:noFill/>
+                    </a:lnR>
+                    <a:lnT>
+                      <a:noFill/>
+                    </a:lnT>
+                    <a:lnB>
+                      <a:noFill/>
+                    </a:lnB>
+                  </a:tcPr>
+                </a:tc>
+                <a:tc>
+                  <a:txBody>
+                    <a:bodyPr/>
+                    <a:lstStyle/>
+                    <a:p>
+                      <a:pPr algn="ctr"/>
+                      <a:r>
+                        <a:rPr lang="zh-CN" altLang="en-US" b="1" dirty="0">
+                          <a:effectLst/>
+                        </a:rPr>
+                        <a:t>是否必须</a:t>
+                      </a:r>
+                    </a:p>
+                  </a:txBody>
+                  <a:tcPr marL="30480" marR="30480" marT="30480" marB="30480" anchor="ctr">
+                    <a:lnL>
+                      <a:noFill/>
+                    </a:lnL>
+                    <a:lnR>
+                      <a:noFill/>
+                    </a:lnR>
+                    <a:lnT>
+                      <a:noFill/>
+                    </a:lnT>
+                    <a:lnB>
+                      <a:noFill/>
+                    </a:lnB>
+                  </a:tcPr>
+                </a:tc>
+                <a:tc>
+                  <a:txBody>
+                    <a:bodyPr/>
+                    <a:lstStyle/>
+                    <a:p>
+                      <a:pPr algn="ctr"/>
+                      <a:r>
+                        <a:rPr lang="zh-CN" altLang="en-US" b="1" dirty="0"/>
+                        <a:t>说明</a:t>
+                      </a:r>
+                    </a:p>
+                  </a:txBody>
+                  <a:tcPr marL="30480" marR="30480" marT="30480" marB="30480" anchor="ctr">
+                    <a:lnL>
+                      <a:noFill/>
+                    </a:lnL>
+                    <a:lnR>
+                      <a:noFill/>
+                    </a:lnR>
+                    <a:lnT>
+                      <a:noFill/>
+                    </a:lnT>
+                    <a:lnB>
+                      <a:noFill/>
+                    </a:lnB>
+                  </a:tcPr>
+                </a:tc>
+                <a:extLst>
+                  <a:ext uri="{0D108BD9-81ED-4DB2-BD59-A6C34878D82A}">
+                    <a16:rowId xmlns:a16="http://schemas.microsoft.com/office/drawing/2014/main" val="2117879367"/>
+                  </a:ext>
+                </a:extLst>
+              </a:tr>
+              <a:tr h="0">
+                <a:tc>
+                  <a:txBody>
+                    <a:bodyPr/>
+                    <a:lstStyle/>
+                    <a:p>
+                      <a:pPr algn="ctr"/>
+                      <a:r>
+                        <a:rPr lang="en-US"/>
+                        <a:t>appid</a:t>
+                      </a:r>
+                    </a:p>
+                  </a:txBody>
+                  <a:tcPr marL="30480" marR="30480" marT="30480" marB="30480" anchor="ctr">
+                    <a:lnL>
+                      <a:noFill/>
+                    </a:lnL>
+                    <a:lnR>
+                      <a:noFill/>
+                    </a:lnR>
+                    <a:lnT>
+                      <a:noFill/>
+                    </a:lnT>
+                    <a:lnB>
+                      <a:noFill/>
+                    </a:lnB>
+                  </a:tcPr>
+                </a:tc>
+                <a:tc>
+                  <a:txBody>
+                    <a:bodyPr/>
+                    <a:lstStyle/>
+                    <a:p>
+                      <a:pPr algn="ctr"/>
+                      <a:r>
+                        <a:rPr lang="zh-CN" altLang="en-US"/>
+                        <a:t>是</a:t>
+                      </a:r>
+                    </a:p>
+                  </a:txBody>
+                  <a:tcPr marL="30480" marR="30480" marT="30480" marB="30480" anchor="ctr">
+                    <a:lnL>
+                      <a:noFill/>
+                    </a:lnL>
+                    <a:lnR>
+                      <a:noFill/>
+                    </a:lnR>
+                    <a:lnT>
+                      <a:noFill/>
+                    </a:lnT>
+                    <a:lnB>
+                      <a:noFill/>
+                    </a:lnB>
+                  </a:tcPr>
+                </a:tc>
+                <a:tc>
+                  <a:txBody>
+                    <a:bodyPr/>
+                    <a:lstStyle/>
+                    <a:p>
+                      <a:pPr algn="ctr"/>
+                      <a:r>
+                        <a:rPr lang="zh-CN" altLang="en-US"/>
+                        <a:t>公众号的唯一标识</a:t>
+                      </a:r>
+                    </a:p>
+                  </a:txBody>
+                  <a:tcPr marL="30480" marR="30480" marT="30480" marB="30480" anchor="ctr">
+                    <a:lnL>
+                      <a:noFill/>
+                    </a:lnL>
+                    <a:lnR>
+                      <a:noFill/>
+                    </a:lnR>
+                    <a:lnT>
+                      <a:noFill/>
+                    </a:lnT>
+                    <a:lnB>
+                      <a:noFill/>
+                    </a:lnB>
+                  </a:tcPr>
+                </a:tc>
+                <a:extLst>
+                  <a:ext uri="{0D108BD9-81ED-4DB2-BD59-A6C34878D82A}">
+                    <a16:rowId xmlns:a16="http://schemas.microsoft.com/office/drawing/2014/main" val="2890914311"/>
+                  </a:ext>
+                </a:extLst>
+              </a:tr>
+              <a:tr h="0">
+                <a:tc>
+                  <a:txBody>
+                    <a:bodyPr/>
+                    <a:lstStyle/>
+                    <a:p>
+                      <a:pPr algn="ctr"/>
+                      <a:r>
+                        <a:rPr lang="en-US"/>
+                        <a:t>secret</a:t>
+                      </a:r>
+                    </a:p>
+                  </a:txBody>
+                  <a:tcPr marL="30480" marR="30480" marT="30480" marB="30480" anchor="ctr">
+                    <a:lnL>
+                      <a:noFill/>
+                    </a:lnL>
+                    <a:lnR>
+                      <a:noFill/>
+                    </a:lnR>
+                    <a:lnT>
+                      <a:noFill/>
+                    </a:lnT>
+                    <a:lnB>
+                      <a:noFill/>
+                    </a:lnB>
+                  </a:tcPr>
+                </a:tc>
+                <a:tc>
+                  <a:txBody>
+                    <a:bodyPr/>
+                    <a:lstStyle/>
+                    <a:p>
+                      <a:pPr algn="ctr"/>
+                      <a:r>
+                        <a:rPr lang="zh-CN" altLang="en-US"/>
+                        <a:t>是</a:t>
+                      </a:r>
+                    </a:p>
+                  </a:txBody>
+                  <a:tcPr marL="30480" marR="30480" marT="30480" marB="30480" anchor="ctr">
+                    <a:lnL>
+                      <a:noFill/>
+                    </a:lnL>
+                    <a:lnR>
+                      <a:noFill/>
+                    </a:lnR>
+                    <a:lnT>
+                      <a:noFill/>
+                    </a:lnT>
+                    <a:lnB>
+                      <a:noFill/>
+                    </a:lnB>
+                  </a:tcPr>
+                </a:tc>
+                <a:tc>
+                  <a:txBody>
+                    <a:bodyPr/>
+                    <a:lstStyle/>
+                    <a:p>
+                      <a:pPr algn="ctr"/>
+                      <a:r>
+                        <a:rPr lang="zh-CN" altLang="en-US"/>
+                        <a:t>公众号的</a:t>
+                      </a:r>
+                      <a:r>
+                        <a:rPr lang="en-US"/>
+                        <a:t>appsecret</a:t>
+                      </a:r>
+                    </a:p>
+                  </a:txBody>
+                  <a:tcPr marL="30480" marR="30480" marT="30480" marB="30480" anchor="ctr">
+                    <a:lnL>
+                      <a:noFill/>
+                    </a:lnL>
+                    <a:lnR>
+                      <a:noFill/>
+                    </a:lnR>
+                    <a:lnT>
+                      <a:noFill/>
+                    </a:lnT>
+                    <a:lnB>
+                      <a:noFill/>
+                    </a:lnB>
+                  </a:tcPr>
+                </a:tc>
+                <a:extLst>
+                  <a:ext uri="{0D108BD9-81ED-4DB2-BD59-A6C34878D82A}">
+                    <a16:rowId xmlns:a16="http://schemas.microsoft.com/office/drawing/2014/main" val="3545410022"/>
+                  </a:ext>
+                </a:extLst>
+              </a:tr>
+              <a:tr h="0">
+                <a:tc>
+                  <a:txBody>
+                    <a:bodyPr/>
+                    <a:lstStyle/>
+                    <a:p>
+                      <a:pPr algn="ctr"/>
+                      <a:r>
+                        <a:rPr lang="en-US"/>
+                        <a:t>code</a:t>
+                      </a:r>
+                    </a:p>
+                  </a:txBody>
+                  <a:tcPr marL="30480" marR="30480" marT="30480" marB="30480" anchor="ctr">
+                    <a:lnL>
+                      <a:noFill/>
+                    </a:lnL>
+                    <a:lnR>
+                      <a:noFill/>
+                    </a:lnR>
+                    <a:lnT>
+                      <a:noFill/>
+                    </a:lnT>
+                    <a:lnB>
+                      <a:noFill/>
+                    </a:lnB>
+                  </a:tcPr>
+                </a:tc>
+                <a:tc>
+                  <a:txBody>
+                    <a:bodyPr/>
+                    <a:lstStyle/>
+                    <a:p>
+                      <a:pPr algn="ctr"/>
+                      <a:r>
+                        <a:rPr lang="zh-CN" altLang="en-US"/>
+                        <a:t>是</a:t>
+                      </a:r>
+                    </a:p>
+                  </a:txBody>
+                  <a:tcPr marL="30480" marR="30480" marT="30480" marB="30480" anchor="ctr">
+                    <a:lnL>
+                      <a:noFill/>
+                    </a:lnL>
+                    <a:lnR>
+                      <a:noFill/>
+                    </a:lnR>
+                    <a:lnT>
+                      <a:noFill/>
+                    </a:lnT>
+                    <a:lnB>
+                      <a:noFill/>
+                    </a:lnB>
+                  </a:tcPr>
+                </a:tc>
+                <a:tc>
+                  <a:txBody>
+                    <a:bodyPr/>
+                    <a:lstStyle/>
+                    <a:p>
+                      <a:pPr algn="ctr"/>
+                      <a:r>
+                        <a:rPr lang="zh-CN" altLang="en-US"/>
+                        <a:t>填写第一步获取的</a:t>
+                      </a:r>
+                      <a:r>
+                        <a:rPr lang="en-US" altLang="zh-CN"/>
+                        <a:t>code</a:t>
+                      </a:r>
+                      <a:r>
+                        <a:rPr lang="zh-CN" altLang="en-US"/>
+                        <a:t>参数</a:t>
+                      </a:r>
+                    </a:p>
+                  </a:txBody>
+                  <a:tcPr marL="30480" marR="30480" marT="30480" marB="30480" anchor="ctr">
+                    <a:lnL>
+                      <a:noFill/>
+                    </a:lnL>
+                    <a:lnR>
+                      <a:noFill/>
+                    </a:lnR>
+                    <a:lnT>
+                      <a:noFill/>
+                    </a:lnT>
+                    <a:lnB>
+                      <a:noFill/>
+                    </a:lnB>
+                  </a:tcPr>
+                </a:tc>
+                <a:extLst>
+                  <a:ext uri="{0D108BD9-81ED-4DB2-BD59-A6C34878D82A}">
+                    <a16:rowId xmlns:a16="http://schemas.microsoft.com/office/drawing/2014/main" val="777935065"/>
+                  </a:ext>
+                </a:extLst>
+              </a:tr>
+              <a:tr h="0">
+                <a:tc>
+                  <a:txBody>
+                    <a:bodyPr/>
+                    <a:lstStyle/>
+                    <a:p>
+                      <a:pPr algn="ctr"/>
+                      <a:r>
+                        <a:rPr lang="en-US"/>
+                        <a:t>grant_type</a:t>
+                      </a:r>
+                    </a:p>
+                  </a:txBody>
+                  <a:tcPr marL="30480" marR="30480" marT="30480" marB="30480" anchor="ctr">
+                    <a:lnL>
+                      <a:noFill/>
+                    </a:lnL>
+                    <a:lnR>
+                      <a:noFill/>
+                    </a:lnR>
+                    <a:lnT>
+                      <a:noFill/>
+                    </a:lnT>
+                    <a:lnB>
+                      <a:noFill/>
+                    </a:lnB>
+                  </a:tcPr>
+                </a:tc>
+                <a:tc>
+                  <a:txBody>
+                    <a:bodyPr/>
+                    <a:lstStyle/>
+                    <a:p>
+                      <a:pPr algn="ctr"/>
+                      <a:r>
+                        <a:rPr lang="zh-CN" altLang="en-US"/>
+                        <a:t>是</a:t>
+                      </a:r>
+                    </a:p>
+                  </a:txBody>
+                  <a:tcPr marL="30480" marR="30480" marT="30480" marB="30480" anchor="ctr">
+                    <a:lnL>
+                      <a:noFill/>
+                    </a:lnL>
+                    <a:lnR>
+                      <a:noFill/>
+                    </a:lnR>
+                    <a:lnT>
+                      <a:noFill/>
+                    </a:lnT>
+                    <a:lnB>
+                      <a:noFill/>
+                    </a:lnB>
+                  </a:tcPr>
+                </a:tc>
+                <a:tc>
+                  <a:txBody>
+                    <a:bodyPr/>
+                    <a:lstStyle/>
+                    <a:p>
+                      <a:pPr algn="ctr"/>
+                      <a:r>
+                        <a:rPr lang="zh-CN" altLang="en-US" dirty="0"/>
+                        <a:t>填写为</a:t>
+                      </a:r>
+                      <a:r>
+                        <a:rPr lang="en-US" dirty="0" err="1"/>
+                        <a:t>authorization_code</a:t>
+                      </a:r>
+                      <a:r>
+                        <a:rPr lang="en-US" dirty="0"/>
+                        <a:t>   </a:t>
+                      </a:r>
+                    </a:p>
+                  </a:txBody>
+                  <a:tcPr marL="30480" marR="30480" marT="30480" marB="30480" anchor="ctr">
+                    <a:lnL>
+                      <a:noFill/>
+                    </a:lnL>
+                    <a:lnR>
+                      <a:noFill/>
+                    </a:lnR>
+                    <a:lnT>
+                      <a:noFill/>
+                    </a:lnT>
+                    <a:lnB>
+                      <a:noFill/>
+                    </a:lnB>
+                  </a:tcPr>
+                </a:tc>
+                <a:extLst>
+                  <a:ext uri="{0D108BD9-81ED-4DB2-BD59-A6C34878D82A}">
+                    <a16:rowId xmlns:a16="http://schemas.microsoft.com/office/drawing/2014/main" val="1460922833"/>
+                  </a:ext>
+                </a:extLst>
+              </a:tr>
+            </a:tbl>
+          </a:graphicData>
+        </a:graphic>
+      </p:graphicFrame>
+    </p:spTree>
+    <p:extLst>
+      <p:ext uri="{BB962C8B-B14F-4D97-AF65-F5344CB8AC3E}">
+        <p14:creationId xmlns:p14="http://schemas.microsoft.com/office/powerpoint/2010/main" val="3940968577"/>
+      </p:ext>
+    </p:extLst>
+  </p:cSld>
+  <p:clrMapOvr>
+    <a:masterClrMapping/>
+  </p:clrMapOvr>
+</p:sld>
+</file>
+
+<file path=ppt/slides/slide24.xml><?xml version="1.0" encoding="utf-8"?>
+<p:sld xmlns:a="http://schemas.openxmlformats.org/drawingml/2006/main" xmlns:r="http://schemas.openxmlformats.org/officeDocument/2006/relationships" xmlns:p="http://schemas.openxmlformats.org/presentationml/2006/main">
+  <p:cSld>
+    <p:spTree>
+      <p:nvGrpSpPr>
+        <p:cNvPr id="1" name=""/>
+        <p:cNvGrpSpPr/>
+        <p:nvPr/>
+      </p:nvGrpSpPr>
+      <p:grpSpPr>
+        <a:xfrm>
+          <a:off x="0" y="0"/>
+          <a:ext cx="0" cy="0"/>
+          <a:chOff x="0" y="0"/>
+          <a:chExt cx="0" cy="0"/>
+        </a:xfrm>
+      </p:grpSpPr>
+      <p:sp>
+        <p:nvSpPr>
+          <p:cNvPr id="2" name="内容占位符 1"/>
+          <p:cNvSpPr>
+            <a:spLocks noGrp="1"/>
+          </p:cNvSpPr>
+          <p:nvPr>
+            <p:ph sz="quarter" idx="13"/>
+          </p:nvPr>
+        </p:nvSpPr>
+        <p:spPr>
+          <a:xfrm>
+            <a:off x="1054099" y="543636"/>
+            <a:ext cx="7637617" cy="685800"/>
+          </a:xfrm>
+        </p:spPr>
+        <p:txBody>
+          <a:bodyPr/>
+          <a:lstStyle/>
+          <a:p>
+            <a:r>
+              <a:rPr lang="zh-CN" altLang="en-US" b="0" dirty="0"/>
+              <a:t>获取网页</a:t>
+            </a:r>
+            <a:r>
+              <a:rPr lang="en-US" altLang="zh-CN" b="0" dirty="0" err="1"/>
+              <a:t>access_token</a:t>
+            </a:r>
+            <a:r>
+              <a:rPr lang="zh-CN" altLang="en-US" b="0" dirty="0"/>
+              <a:t>返回值</a:t>
+            </a:r>
+          </a:p>
+        </p:txBody>
+      </p:sp>
+      <p:sp>
+        <p:nvSpPr>
+          <p:cNvPr id="3" name="矩形 2">
+            <a:extLst>
+              <a:ext uri="{FF2B5EF4-FFF2-40B4-BE49-F238E27FC236}">
+                <a16:creationId xmlns:a16="http://schemas.microsoft.com/office/drawing/2014/main" id="{D3C2E6F3-1CC1-4ED4-AD83-129B3BA3F927}"/>
+              </a:ext>
+            </a:extLst>
+          </p:cNvPr>
+          <p:cNvSpPr/>
+          <p:nvPr/>
+        </p:nvSpPr>
+        <p:spPr>
+          <a:xfrm>
+            <a:off x="1337187" y="1677613"/>
+            <a:ext cx="6096000" cy="3139321"/>
+          </a:xfrm>
+          <a:prstGeom prst="rect">
+            <a:avLst/>
+          </a:prstGeom>
+        </p:spPr>
+        <p:txBody>
+          <a:bodyPr>
+            <a:spAutoFit/>
+          </a:bodyPr>
+          <a:lstStyle/>
+          <a:p>
+            <a:pPr marL="285750" indent="-285750">
+              <a:buFont typeface="Arial" panose="020B0604020202020204" pitchFamily="34" charset="0"/>
+              <a:buChar char="•"/>
+            </a:pPr>
+            <a:r>
+              <a:rPr lang="zh-CN" altLang="en-US" dirty="0"/>
+              <a:t>正确：</a:t>
+            </a:r>
+            <a:endParaRPr lang="en-US" altLang="zh-CN" dirty="0"/>
+          </a:p>
+          <a:p>
+            <a:pPr lvl="1"/>
+            <a:r>
+              <a:rPr lang="en-US" altLang="zh-CN" dirty="0"/>
+              <a:t>{ </a:t>
+            </a:r>
+          </a:p>
+          <a:p>
+            <a:pPr lvl="1"/>
+            <a:r>
+              <a:rPr lang="en-US" altLang="zh-CN" dirty="0"/>
+              <a:t> "</a:t>
+            </a:r>
+            <a:r>
+              <a:rPr lang="en-US" altLang="zh-CN" dirty="0" err="1"/>
+              <a:t>access_token":"ACCESS_TOKEN</a:t>
+            </a:r>
+            <a:r>
+              <a:rPr lang="en-US" altLang="zh-CN" dirty="0"/>
+              <a:t>",    </a:t>
+            </a:r>
+          </a:p>
+          <a:p>
+            <a:pPr lvl="1"/>
+            <a:r>
+              <a:rPr lang="en-US" altLang="zh-CN" dirty="0"/>
+              <a:t> "expires_in":7200,    </a:t>
+            </a:r>
+          </a:p>
+          <a:p>
+            <a:pPr lvl="1"/>
+            <a:r>
+              <a:rPr lang="en-US" altLang="zh-CN" dirty="0"/>
+              <a:t> "</a:t>
+            </a:r>
+            <a:r>
+              <a:rPr lang="en-US" altLang="zh-CN" dirty="0" err="1"/>
+              <a:t>refresh_token":"REFRESH_TOKEN</a:t>
+            </a:r>
+            <a:r>
+              <a:rPr lang="en-US" altLang="zh-CN" dirty="0"/>
+              <a:t>",    </a:t>
+            </a:r>
+          </a:p>
+          <a:p>
+            <a:pPr lvl="1"/>
+            <a:r>
+              <a:rPr lang="en-US" altLang="zh-CN" dirty="0"/>
+              <a:t> "</a:t>
+            </a:r>
+            <a:r>
+              <a:rPr lang="en-US" altLang="zh-CN" dirty="0" err="1"/>
+              <a:t>openid</a:t>
+            </a:r>
+            <a:r>
+              <a:rPr lang="en-US" altLang="zh-CN" dirty="0"/>
+              <a:t>":"OPENID",    </a:t>
+            </a:r>
+          </a:p>
+          <a:p>
+            <a:pPr lvl="1"/>
+            <a:r>
+              <a:rPr lang="en-US" altLang="zh-CN" dirty="0"/>
+              <a:t> "</a:t>
+            </a:r>
+            <a:r>
+              <a:rPr lang="en-US" altLang="zh-CN" dirty="0" err="1"/>
+              <a:t>scope":"SCOPE</a:t>
+            </a:r>
+            <a:r>
+              <a:rPr lang="en-US" altLang="zh-CN" dirty="0"/>
+              <a:t>" </a:t>
+            </a:r>
+          </a:p>
+          <a:p>
+            <a:pPr lvl="1"/>
+            <a:r>
+              <a:rPr lang="en-US" altLang="zh-CN" dirty="0"/>
+              <a:t>}</a:t>
+            </a:r>
+          </a:p>
+          <a:p>
+            <a:r>
+              <a:rPr lang="en-US" altLang="zh-CN" dirty="0"/>
+              <a:t> </a:t>
+            </a:r>
+          </a:p>
+          <a:p>
+            <a:pPr marL="285750" indent="-285750">
+              <a:buFont typeface="Arial" panose="020B0604020202020204" pitchFamily="34" charset="0"/>
+              <a:buChar char="•"/>
+            </a:pPr>
+            <a:r>
+              <a:rPr lang="zh-CN" altLang="en-US" dirty="0"/>
+              <a:t>错误：</a:t>
+            </a:r>
+            <a:endParaRPr lang="en-US" altLang="zh-CN" dirty="0"/>
+          </a:p>
+          <a:p>
+            <a:pPr lvl="1"/>
+            <a:r>
+              <a:rPr lang="en-US" altLang="zh-CN" dirty="0"/>
+              <a:t>{"errcode":40029,"errmsg":"invalid code"} </a:t>
+            </a:r>
+          </a:p>
+        </p:txBody>
+      </p:sp>
+    </p:spTree>
+    <p:extLst>
+      <p:ext uri="{BB962C8B-B14F-4D97-AF65-F5344CB8AC3E}">
+        <p14:creationId xmlns:p14="http://schemas.microsoft.com/office/powerpoint/2010/main" val="395657153"/>
+      </p:ext>
+    </p:extLst>
+  </p:cSld>
+  <p:clrMapOvr>
+    <a:masterClrMapping/>
+  </p:clrMapOvr>
+</p:sld>
+</file>
+
+<file path=ppt/slides/slide25.xml><?xml version="1.0" encoding="utf-8"?>
+<p:sld xmlns:a="http://schemas.openxmlformats.org/drawingml/2006/main" xmlns:r="http://schemas.openxmlformats.org/officeDocument/2006/relationships" xmlns:p="http://schemas.openxmlformats.org/presentationml/2006/main">
+  <p:cSld>
+    <p:spTree>
+      <p:nvGrpSpPr>
+        <p:cNvPr id="1" name=""/>
+        <p:cNvGrpSpPr/>
+        <p:nvPr/>
+      </p:nvGrpSpPr>
+      <p:grpSpPr>
+        <a:xfrm>
+          <a:off x="0" y="0"/>
+          <a:ext cx="0" cy="0"/>
+          <a:chOff x="0" y="0"/>
+          <a:chExt cx="0" cy="0"/>
+        </a:xfrm>
+      </p:grpSpPr>
+      <p:sp>
+        <p:nvSpPr>
+          <p:cNvPr id="2" name="内容占位符 1"/>
+          <p:cNvSpPr>
+            <a:spLocks noGrp="1"/>
+          </p:cNvSpPr>
+          <p:nvPr>
+            <p:ph sz="quarter" idx="13"/>
+          </p:nvPr>
+        </p:nvSpPr>
+        <p:spPr>
+          <a:xfrm>
+            <a:off x="1054099" y="543636"/>
+            <a:ext cx="6003925" cy="685800"/>
+          </a:xfrm>
+        </p:spPr>
+        <p:txBody>
+          <a:bodyPr/>
+          <a:lstStyle/>
+          <a:p>
+            <a:r>
+              <a:rPr lang="zh-CN" altLang="en-US" b="0" dirty="0"/>
+              <a:t>微信授权处理流程</a:t>
+            </a:r>
+            <a:r>
+              <a:rPr lang="en-US" altLang="zh-CN" b="0" dirty="0"/>
+              <a:t>3</a:t>
+            </a:r>
+            <a:endParaRPr lang="zh-CN" altLang="en-US" b="0" dirty="0"/>
+          </a:p>
+        </p:txBody>
+      </p:sp>
+      <p:sp>
+        <p:nvSpPr>
+          <p:cNvPr id="3" name="矩形 2">
+            <a:extLst>
+              <a:ext uri="{FF2B5EF4-FFF2-40B4-BE49-F238E27FC236}">
+                <a16:creationId xmlns:a16="http://schemas.microsoft.com/office/drawing/2014/main" id="{4589DC6A-B345-497F-9686-73DB83ABC5F2}"/>
+              </a:ext>
+            </a:extLst>
+          </p:cNvPr>
+          <p:cNvSpPr/>
+          <p:nvPr/>
+        </p:nvSpPr>
+        <p:spPr>
+          <a:xfrm>
+            <a:off x="1054099" y="1671172"/>
+            <a:ext cx="9869540" cy="1477328"/>
+          </a:xfrm>
+          <a:prstGeom prst="rect">
+            <a:avLst/>
+          </a:prstGeom>
+        </p:spPr>
+        <p:txBody>
+          <a:bodyPr wrap="square">
+            <a:spAutoFit/>
+          </a:bodyPr>
+          <a:lstStyle/>
+          <a:p>
+            <a:r>
+              <a:rPr lang="zh-CN" altLang="en-US" b="1" dirty="0"/>
+              <a:t>第三步：刷新</a:t>
+            </a:r>
+            <a:r>
+              <a:rPr lang="en-US" altLang="zh-CN" b="1" dirty="0" err="1"/>
+              <a:t>access_token</a:t>
+            </a:r>
+            <a:r>
+              <a:rPr lang="zh-CN" altLang="en-US" b="1" dirty="0"/>
+              <a:t>（如果需要）</a:t>
+            </a:r>
+            <a:endParaRPr lang="en-US" altLang="zh-CN" b="1" dirty="0"/>
+          </a:p>
+          <a:p>
+            <a:pPr lvl="1"/>
+            <a:r>
+              <a:rPr lang="en-US" altLang="zh-CN" dirty="0"/>
+              <a:t> https://api.weixin.qq.com/sns/oauth2/refresh_token?appid=APPID&amp;grant_type=refresh_token&amp;refresh_token=REFRESH_TOKEN </a:t>
+            </a:r>
+          </a:p>
+          <a:p>
+            <a:r>
+              <a:rPr lang="zh-CN" altLang="en-US" dirty="0">
+                <a:solidFill>
+                  <a:schemeClr val="accent6">
+                    <a:lumMod val="75000"/>
+                  </a:schemeClr>
+                </a:solidFill>
+                <a:latin typeface="+mn-ea"/>
+              </a:rPr>
+              <a:t>由于</a:t>
+            </a:r>
+            <a:r>
+              <a:rPr lang="en-US" altLang="zh-CN" dirty="0" err="1">
+                <a:solidFill>
+                  <a:schemeClr val="accent6">
+                    <a:lumMod val="75000"/>
+                  </a:schemeClr>
+                </a:solidFill>
+                <a:latin typeface="+mn-ea"/>
+              </a:rPr>
+              <a:t>access_token</a:t>
+            </a:r>
+            <a:r>
+              <a:rPr lang="zh-CN" altLang="en-US" dirty="0">
+                <a:solidFill>
+                  <a:schemeClr val="accent6">
+                    <a:lumMod val="75000"/>
+                  </a:schemeClr>
+                </a:solidFill>
+                <a:latin typeface="+mn-ea"/>
+              </a:rPr>
+              <a:t>拥有较短的有效期，当</a:t>
+            </a:r>
+            <a:r>
+              <a:rPr lang="en-US" altLang="zh-CN" dirty="0" err="1">
+                <a:solidFill>
+                  <a:schemeClr val="accent6">
+                    <a:lumMod val="75000"/>
+                  </a:schemeClr>
+                </a:solidFill>
+                <a:latin typeface="+mn-ea"/>
+              </a:rPr>
+              <a:t>access_token</a:t>
+            </a:r>
+            <a:r>
+              <a:rPr lang="zh-CN" altLang="en-US" dirty="0">
+                <a:solidFill>
+                  <a:schemeClr val="accent6">
+                    <a:lumMod val="75000"/>
+                  </a:schemeClr>
+                </a:solidFill>
+                <a:latin typeface="+mn-ea"/>
+              </a:rPr>
+              <a:t>超时后，可以使用</a:t>
+            </a:r>
+            <a:r>
+              <a:rPr lang="en-US" altLang="zh-CN" dirty="0" err="1">
+                <a:solidFill>
+                  <a:schemeClr val="accent6">
+                    <a:lumMod val="75000"/>
+                  </a:schemeClr>
+                </a:solidFill>
+                <a:latin typeface="+mn-ea"/>
+              </a:rPr>
+              <a:t>refresh_token</a:t>
+            </a:r>
+            <a:r>
+              <a:rPr lang="zh-CN" altLang="en-US" dirty="0">
+                <a:solidFill>
+                  <a:schemeClr val="accent6">
+                    <a:lumMod val="75000"/>
+                  </a:schemeClr>
+                </a:solidFill>
+                <a:latin typeface="+mn-ea"/>
+              </a:rPr>
+              <a:t>进行刷新，</a:t>
+            </a:r>
+            <a:r>
+              <a:rPr lang="en-US" altLang="zh-CN" dirty="0" err="1">
+                <a:solidFill>
+                  <a:schemeClr val="accent6">
+                    <a:lumMod val="75000"/>
+                  </a:schemeClr>
+                </a:solidFill>
+                <a:latin typeface="+mn-ea"/>
+              </a:rPr>
+              <a:t>refresh_token</a:t>
+            </a:r>
+            <a:r>
+              <a:rPr lang="zh-CN" altLang="en-US" dirty="0">
+                <a:solidFill>
+                  <a:schemeClr val="accent6">
+                    <a:lumMod val="75000"/>
+                  </a:schemeClr>
+                </a:solidFill>
+                <a:latin typeface="+mn-ea"/>
+              </a:rPr>
+              <a:t>有效期为</a:t>
+            </a:r>
+            <a:r>
+              <a:rPr lang="en-US" altLang="zh-CN" dirty="0">
+                <a:solidFill>
+                  <a:schemeClr val="accent6">
+                    <a:lumMod val="75000"/>
+                  </a:schemeClr>
+                </a:solidFill>
+                <a:latin typeface="+mn-ea"/>
+              </a:rPr>
+              <a:t>30</a:t>
+            </a:r>
+            <a:r>
+              <a:rPr lang="zh-CN" altLang="en-US" dirty="0">
+                <a:solidFill>
+                  <a:schemeClr val="accent6">
+                    <a:lumMod val="75000"/>
+                  </a:schemeClr>
+                </a:solidFill>
+                <a:latin typeface="+mn-ea"/>
+              </a:rPr>
+              <a:t>天，当</a:t>
+            </a:r>
+            <a:r>
+              <a:rPr lang="en-US" altLang="zh-CN" dirty="0" err="1">
+                <a:solidFill>
+                  <a:schemeClr val="accent6">
+                    <a:lumMod val="75000"/>
+                  </a:schemeClr>
+                </a:solidFill>
+                <a:latin typeface="+mn-ea"/>
+              </a:rPr>
+              <a:t>refresh_token</a:t>
+            </a:r>
+            <a:r>
+              <a:rPr lang="zh-CN" altLang="en-US" dirty="0">
+                <a:solidFill>
+                  <a:schemeClr val="accent6">
+                    <a:lumMod val="75000"/>
+                  </a:schemeClr>
+                </a:solidFill>
+                <a:latin typeface="+mn-ea"/>
+              </a:rPr>
+              <a:t>失效之后，需要用户重新授权。</a:t>
+            </a:r>
+          </a:p>
+        </p:txBody>
+      </p:sp>
+      <p:graphicFrame>
+        <p:nvGraphicFramePr>
+          <p:cNvPr id="5" name="表格 4">
+            <a:extLst>
+              <a:ext uri="{FF2B5EF4-FFF2-40B4-BE49-F238E27FC236}">
+                <a16:creationId xmlns:a16="http://schemas.microsoft.com/office/drawing/2014/main" id="{6D27A513-4AE2-4429-8D68-02EA7F9AB849}"/>
+              </a:ext>
+            </a:extLst>
+          </p:cNvPr>
+          <p:cNvGraphicFramePr>
+            <a:graphicFrameLocks noGrp="1"/>
+          </p:cNvGraphicFramePr>
+          <p:nvPr>
+            <p:extLst>
+              <p:ext uri="{D42A27DB-BD31-4B8C-83A1-F6EECF244321}">
+                <p14:modId xmlns:p14="http://schemas.microsoft.com/office/powerpoint/2010/main" val="2624779691"/>
+              </p:ext>
+            </p:extLst>
+          </p:nvPr>
+        </p:nvGraphicFramePr>
+        <p:xfrm>
+          <a:off x="1238865" y="4049964"/>
+          <a:ext cx="8023121" cy="1741236"/>
+        </p:xfrm>
+        <a:graphic>
+          <a:graphicData uri="http://schemas.openxmlformats.org/drawingml/2006/table">
+            <a:tbl>
+              <a:tblPr/>
+              <a:tblGrid>
+                <a:gridCol w="1504335">
+                  <a:extLst>
+                    <a:ext uri="{9D8B030D-6E8A-4147-A177-3AD203B41FA5}">
+                      <a16:colId xmlns:a16="http://schemas.microsoft.com/office/drawing/2014/main" val="2534381082"/>
+                    </a:ext>
+                  </a:extLst>
+                </a:gridCol>
+                <a:gridCol w="1504335">
+                  <a:extLst>
+                    <a:ext uri="{9D8B030D-6E8A-4147-A177-3AD203B41FA5}">
+                      <a16:colId xmlns:a16="http://schemas.microsoft.com/office/drawing/2014/main" val="977812659"/>
+                    </a:ext>
+                  </a:extLst>
+                </a:gridCol>
+                <a:gridCol w="5014451">
+                  <a:extLst>
+                    <a:ext uri="{9D8B030D-6E8A-4147-A177-3AD203B41FA5}">
+                      <a16:colId xmlns:a16="http://schemas.microsoft.com/office/drawing/2014/main" val="2189582003"/>
+                    </a:ext>
+                  </a:extLst>
+                </a:gridCol>
+              </a:tblGrid>
+              <a:tr h="435309">
+                <a:tc>
+                  <a:txBody>
+                    <a:bodyPr/>
+                    <a:lstStyle/>
+                    <a:p>
+                      <a:pPr algn="ctr"/>
+                      <a:r>
+                        <a:rPr lang="zh-CN" altLang="en-US" b="1" dirty="0">
+                          <a:effectLst/>
+                        </a:rPr>
+                        <a:t>参数</a:t>
+                      </a:r>
+                    </a:p>
+                  </a:txBody>
+                  <a:tcPr marL="30480" marR="30480" marT="30480" marB="30480" anchor="ctr">
+                    <a:lnL>
+                      <a:noFill/>
+                    </a:lnL>
+                    <a:lnR>
+                      <a:noFill/>
+                    </a:lnR>
+                    <a:lnT>
+                      <a:noFill/>
+                    </a:lnT>
+                    <a:lnB>
+                      <a:noFill/>
+                    </a:lnB>
+                  </a:tcPr>
+                </a:tc>
+                <a:tc>
+                  <a:txBody>
+                    <a:bodyPr/>
+                    <a:lstStyle/>
+                    <a:p>
+                      <a:pPr algn="ctr"/>
+                      <a:r>
+                        <a:rPr lang="zh-CN" altLang="en-US" b="1" dirty="0">
+                          <a:effectLst/>
+                        </a:rPr>
+                        <a:t>是否必须</a:t>
+                      </a:r>
+                    </a:p>
+                  </a:txBody>
+                  <a:tcPr marL="30480" marR="30480" marT="30480" marB="30480" anchor="ctr">
+                    <a:lnL>
+                      <a:noFill/>
+                    </a:lnL>
+                    <a:lnR>
+                      <a:noFill/>
+                    </a:lnR>
+                    <a:lnT>
+                      <a:noFill/>
+                    </a:lnT>
+                    <a:lnB>
+                      <a:noFill/>
+                    </a:lnB>
+                  </a:tcPr>
+                </a:tc>
+                <a:tc>
+                  <a:txBody>
+                    <a:bodyPr/>
+                    <a:lstStyle/>
+                    <a:p>
+                      <a:pPr algn="ctr"/>
+                      <a:r>
+                        <a:rPr lang="zh-CN" altLang="en-US" b="1" dirty="0"/>
+                        <a:t>说明</a:t>
+                      </a:r>
+                    </a:p>
+                  </a:txBody>
+                  <a:tcPr marL="30480" marR="30480" marT="30480" marB="30480" anchor="ctr">
+                    <a:lnL>
+                      <a:noFill/>
+                    </a:lnL>
+                    <a:lnR>
+                      <a:noFill/>
+                    </a:lnR>
+                    <a:lnT>
+                      <a:noFill/>
+                    </a:lnT>
+                    <a:lnB>
+                      <a:noFill/>
+                    </a:lnB>
+                  </a:tcPr>
+                </a:tc>
+                <a:extLst>
+                  <a:ext uri="{0D108BD9-81ED-4DB2-BD59-A6C34878D82A}">
+                    <a16:rowId xmlns:a16="http://schemas.microsoft.com/office/drawing/2014/main" val="1812244688"/>
+                  </a:ext>
+                </a:extLst>
+              </a:tr>
+              <a:tr h="435309">
+                <a:tc>
+                  <a:txBody>
+                    <a:bodyPr/>
+                    <a:lstStyle/>
+                    <a:p>
+                      <a:pPr algn="ctr"/>
+                      <a:r>
+                        <a:rPr lang="en-US" dirty="0" err="1"/>
+                        <a:t>appid</a:t>
+                      </a:r>
+                      <a:endParaRPr lang="en-US" dirty="0"/>
+                    </a:p>
+                  </a:txBody>
+                  <a:tcPr marL="30480" marR="30480" marT="30480" marB="30480" anchor="ctr">
+                    <a:lnL>
+                      <a:noFill/>
+                    </a:lnL>
+                    <a:lnR>
+                      <a:noFill/>
+                    </a:lnR>
+                    <a:lnT>
+                      <a:noFill/>
+                    </a:lnT>
+                    <a:lnB>
+                      <a:noFill/>
+                    </a:lnB>
+                  </a:tcPr>
+                </a:tc>
+                <a:tc>
+                  <a:txBody>
+                    <a:bodyPr/>
+                    <a:lstStyle/>
+                    <a:p>
+                      <a:pPr algn="ctr"/>
+                      <a:r>
+                        <a:rPr lang="zh-CN" altLang="en-US"/>
+                        <a:t>是</a:t>
+                      </a:r>
+                    </a:p>
+                  </a:txBody>
+                  <a:tcPr marL="30480" marR="30480" marT="30480" marB="30480" anchor="ctr">
+                    <a:lnL>
+                      <a:noFill/>
+                    </a:lnL>
+                    <a:lnR>
+                      <a:noFill/>
+                    </a:lnR>
+                    <a:lnT>
+                      <a:noFill/>
+                    </a:lnT>
+                    <a:lnB>
+                      <a:noFill/>
+                    </a:lnB>
+                  </a:tcPr>
+                </a:tc>
+                <a:tc>
+                  <a:txBody>
+                    <a:bodyPr/>
+                    <a:lstStyle/>
+                    <a:p>
+                      <a:pPr algn="ctr"/>
+                      <a:r>
+                        <a:rPr lang="zh-CN" altLang="en-US"/>
+                        <a:t>公众号的唯一标识</a:t>
+                      </a:r>
+                    </a:p>
+                  </a:txBody>
+                  <a:tcPr marL="30480" marR="30480" marT="30480" marB="30480" anchor="ctr">
+                    <a:lnL>
+                      <a:noFill/>
+                    </a:lnL>
+                    <a:lnR>
+                      <a:noFill/>
+                    </a:lnR>
+                    <a:lnT>
+                      <a:noFill/>
+                    </a:lnT>
+                    <a:lnB>
+                      <a:noFill/>
+                    </a:lnB>
+                  </a:tcPr>
+                </a:tc>
+                <a:extLst>
+                  <a:ext uri="{0D108BD9-81ED-4DB2-BD59-A6C34878D82A}">
+                    <a16:rowId xmlns:a16="http://schemas.microsoft.com/office/drawing/2014/main" val="746731895"/>
+                  </a:ext>
+                </a:extLst>
+              </a:tr>
+              <a:tr h="435309">
+                <a:tc>
+                  <a:txBody>
+                    <a:bodyPr/>
+                    <a:lstStyle/>
+                    <a:p>
+                      <a:pPr algn="ctr"/>
+                      <a:r>
+                        <a:rPr lang="en-US" dirty="0" err="1"/>
+                        <a:t>grant_type</a:t>
+                      </a:r>
+                      <a:endParaRPr lang="en-US" dirty="0"/>
+                    </a:p>
+                  </a:txBody>
+                  <a:tcPr marL="30480" marR="30480" marT="30480" marB="30480" anchor="ctr">
+                    <a:lnL>
+                      <a:noFill/>
+                    </a:lnL>
+                    <a:lnR>
+                      <a:noFill/>
+                    </a:lnR>
+                    <a:lnT>
+                      <a:noFill/>
+                    </a:lnT>
+                    <a:lnB>
+                      <a:noFill/>
+                    </a:lnB>
+                  </a:tcPr>
+                </a:tc>
+                <a:tc>
+                  <a:txBody>
+                    <a:bodyPr/>
+                    <a:lstStyle/>
+                    <a:p>
+                      <a:pPr algn="ctr"/>
+                      <a:r>
+                        <a:rPr lang="zh-CN" altLang="en-US" dirty="0"/>
+                        <a:t>是</a:t>
+                      </a:r>
+                    </a:p>
+                  </a:txBody>
+                  <a:tcPr marL="30480" marR="30480" marT="30480" marB="30480" anchor="ctr">
+                    <a:lnL>
+                      <a:noFill/>
+                    </a:lnL>
+                    <a:lnR>
+                      <a:noFill/>
+                    </a:lnR>
+                    <a:lnT>
+                      <a:noFill/>
+                    </a:lnT>
+                    <a:lnB>
+                      <a:noFill/>
+                    </a:lnB>
+                  </a:tcPr>
+                </a:tc>
+                <a:tc>
+                  <a:txBody>
+                    <a:bodyPr/>
+                    <a:lstStyle/>
+                    <a:p>
+                      <a:pPr algn="ctr"/>
+                      <a:r>
+                        <a:rPr lang="zh-CN" altLang="en-US"/>
+                        <a:t>填写为</a:t>
+                      </a:r>
+                      <a:r>
+                        <a:rPr lang="en-US"/>
+                        <a:t>refresh_token</a:t>
+                      </a:r>
+                    </a:p>
+                  </a:txBody>
+                  <a:tcPr marL="30480" marR="30480" marT="30480" marB="30480" anchor="ctr">
+                    <a:lnL>
+                      <a:noFill/>
+                    </a:lnL>
+                    <a:lnR>
+                      <a:noFill/>
+                    </a:lnR>
+                    <a:lnT>
+                      <a:noFill/>
+                    </a:lnT>
+                    <a:lnB>
+                      <a:noFill/>
+                    </a:lnB>
+                  </a:tcPr>
+                </a:tc>
+                <a:extLst>
+                  <a:ext uri="{0D108BD9-81ED-4DB2-BD59-A6C34878D82A}">
+                    <a16:rowId xmlns:a16="http://schemas.microsoft.com/office/drawing/2014/main" val="2916138158"/>
+                  </a:ext>
+                </a:extLst>
+              </a:tr>
+              <a:tr h="435309">
+                <a:tc>
+                  <a:txBody>
+                    <a:bodyPr/>
+                    <a:lstStyle/>
+                    <a:p>
+                      <a:pPr algn="ctr"/>
+                      <a:r>
+                        <a:rPr lang="en-US" dirty="0" err="1"/>
+                        <a:t>refresh_token</a:t>
+                      </a:r>
+                      <a:endParaRPr lang="en-US" dirty="0"/>
+                    </a:p>
+                  </a:txBody>
+                  <a:tcPr marL="30480" marR="30480" marT="30480" marB="30480" anchor="ctr">
+                    <a:lnL>
+                      <a:noFill/>
+                    </a:lnL>
+                    <a:lnR>
+                      <a:noFill/>
+                    </a:lnR>
+                    <a:lnT>
+                      <a:noFill/>
+                    </a:lnT>
+                    <a:lnB>
+                      <a:noFill/>
+                    </a:lnB>
+                  </a:tcPr>
+                </a:tc>
+                <a:tc>
+                  <a:txBody>
+                    <a:bodyPr/>
+                    <a:lstStyle/>
+                    <a:p>
+                      <a:pPr algn="ctr"/>
+                      <a:r>
+                        <a:rPr lang="zh-CN" altLang="en-US" dirty="0"/>
+                        <a:t>是</a:t>
+                      </a:r>
+                    </a:p>
+                  </a:txBody>
+                  <a:tcPr marL="30480" marR="30480" marT="30480" marB="30480" anchor="ctr">
+                    <a:lnL>
+                      <a:noFill/>
+                    </a:lnL>
+                    <a:lnR>
+                      <a:noFill/>
+                    </a:lnR>
+                    <a:lnT>
+                      <a:noFill/>
+                    </a:lnT>
+                    <a:lnB>
+                      <a:noFill/>
+                    </a:lnB>
+                  </a:tcPr>
+                </a:tc>
+                <a:tc>
+                  <a:txBody>
+                    <a:bodyPr/>
+                    <a:lstStyle/>
+                    <a:p>
+                      <a:pPr algn="ctr"/>
+                      <a:r>
+                        <a:rPr lang="zh-CN" altLang="en-US" dirty="0"/>
+                        <a:t>填写通过</a:t>
+                      </a:r>
+                      <a:r>
+                        <a:rPr lang="en-US" dirty="0" err="1"/>
+                        <a:t>access_token</a:t>
+                      </a:r>
+                      <a:r>
+                        <a:rPr lang="zh-CN" altLang="en-US" dirty="0"/>
+                        <a:t>获取到的</a:t>
+                      </a:r>
+                      <a:r>
+                        <a:rPr lang="en-US" dirty="0" err="1"/>
+                        <a:t>refresh_token</a:t>
+                      </a:r>
+                      <a:r>
+                        <a:rPr lang="zh-CN" altLang="en-US" dirty="0"/>
+                        <a:t>参数  </a:t>
+                      </a:r>
+                    </a:p>
+                  </a:txBody>
+                  <a:tcPr marL="30480" marR="30480" marT="30480" marB="30480" anchor="ctr">
+                    <a:lnL>
+                      <a:noFill/>
+                    </a:lnL>
+                    <a:lnR>
+                      <a:noFill/>
+                    </a:lnR>
+                    <a:lnT>
+                      <a:noFill/>
+                    </a:lnT>
+                    <a:lnB>
+                      <a:noFill/>
+                    </a:lnB>
+                  </a:tcPr>
+                </a:tc>
+                <a:extLst>
+                  <a:ext uri="{0D108BD9-81ED-4DB2-BD59-A6C34878D82A}">
+                    <a16:rowId xmlns:a16="http://schemas.microsoft.com/office/drawing/2014/main" val="1884971182"/>
+                  </a:ext>
+                </a:extLst>
+              </a:tr>
+            </a:tbl>
+          </a:graphicData>
+        </a:graphic>
+      </p:graphicFrame>
+    </p:spTree>
+    <p:extLst>
+      <p:ext uri="{BB962C8B-B14F-4D97-AF65-F5344CB8AC3E}">
+        <p14:creationId xmlns:p14="http://schemas.microsoft.com/office/powerpoint/2010/main" val="1803739911"/>
+      </p:ext>
+    </p:extLst>
+  </p:cSld>
+  <p:clrMapOvr>
+    <a:masterClrMapping/>
+  </p:clrMapOvr>
+</p:sld>
+</file>
+
+<file path=ppt/slides/slide26.xml><?xml version="1.0" encoding="utf-8"?>
+<p:sld xmlns:a="http://schemas.openxmlformats.org/drawingml/2006/main" xmlns:r="http://schemas.openxmlformats.org/officeDocument/2006/relationships" xmlns:p="http://schemas.openxmlformats.org/presentationml/2006/main">
+  <p:cSld>
+    <p:spTree>
+      <p:nvGrpSpPr>
+        <p:cNvPr id="1" name=""/>
+        <p:cNvGrpSpPr/>
+        <p:nvPr/>
+      </p:nvGrpSpPr>
+      <p:grpSpPr>
+        <a:xfrm>
+          <a:off x="0" y="0"/>
+          <a:ext cx="0" cy="0"/>
+          <a:chOff x="0" y="0"/>
+          <a:chExt cx="0" cy="0"/>
+        </a:xfrm>
+      </p:grpSpPr>
+      <p:sp>
+        <p:nvSpPr>
+          <p:cNvPr id="2" name="内容占位符 1"/>
+          <p:cNvSpPr>
+            <a:spLocks noGrp="1"/>
+          </p:cNvSpPr>
+          <p:nvPr>
+            <p:ph sz="quarter" idx="13"/>
+          </p:nvPr>
+        </p:nvSpPr>
+        <p:spPr>
+          <a:xfrm>
+            <a:off x="1054099" y="543636"/>
+            <a:ext cx="6003925" cy="685800"/>
+          </a:xfrm>
+        </p:spPr>
+        <p:txBody>
+          <a:bodyPr/>
+          <a:lstStyle/>
+          <a:p>
+            <a:r>
+              <a:rPr lang="zh-CN" altLang="en-US" b="0" dirty="0"/>
+              <a:t>微信授权处理流程</a:t>
+            </a:r>
+            <a:r>
+              <a:rPr lang="en-US" altLang="zh-CN" b="0" dirty="0"/>
+              <a:t>4</a:t>
+            </a:r>
+            <a:endParaRPr lang="zh-CN" altLang="en-US" b="0" dirty="0"/>
+          </a:p>
+        </p:txBody>
+      </p:sp>
+      <p:sp>
+        <p:nvSpPr>
+          <p:cNvPr id="3" name="矩形 2">
+            <a:extLst>
+              <a:ext uri="{FF2B5EF4-FFF2-40B4-BE49-F238E27FC236}">
+                <a16:creationId xmlns:a16="http://schemas.microsoft.com/office/drawing/2014/main" id="{F18F8A05-9F8A-4381-800E-BB01A7C802BD}"/>
+              </a:ext>
+            </a:extLst>
+          </p:cNvPr>
+          <p:cNvSpPr/>
+          <p:nvPr/>
+        </p:nvSpPr>
+        <p:spPr>
+          <a:xfrm>
+            <a:off x="1054099" y="1739998"/>
+            <a:ext cx="10217605" cy="646331"/>
+          </a:xfrm>
+          <a:prstGeom prst="rect">
+            <a:avLst/>
+          </a:prstGeom>
+        </p:spPr>
+        <p:txBody>
+          <a:bodyPr wrap="none">
+            <a:spAutoFit/>
+          </a:bodyPr>
+          <a:lstStyle/>
+          <a:p>
+            <a:r>
+              <a:rPr lang="zh-CN" altLang="en-US" b="1" dirty="0"/>
+              <a:t>第四步：拉取用户信息</a:t>
+            </a:r>
+            <a:r>
+              <a:rPr lang="en-US" altLang="zh-CN" b="1" dirty="0"/>
+              <a:t>(</a:t>
+            </a:r>
+            <a:r>
+              <a:rPr lang="zh-CN" altLang="en-US" b="1" dirty="0"/>
+              <a:t>需</a:t>
+            </a:r>
+            <a:r>
+              <a:rPr lang="en-US" altLang="zh-CN" b="1" dirty="0"/>
+              <a:t>scope</a:t>
+            </a:r>
+            <a:r>
+              <a:rPr lang="zh-CN" altLang="en-US" b="1" dirty="0"/>
+              <a:t>为 </a:t>
+            </a:r>
+            <a:r>
+              <a:rPr lang="en-US" altLang="zh-CN" b="1" dirty="0" err="1"/>
+              <a:t>snsapi_userinfo</a:t>
+            </a:r>
+            <a:r>
+              <a:rPr lang="en-US" altLang="zh-CN" b="1" dirty="0"/>
+              <a:t>)</a:t>
+            </a:r>
+          </a:p>
+          <a:p>
+            <a:pPr lvl="1"/>
+            <a:r>
+              <a:rPr lang="en-US" altLang="zh-CN" dirty="0"/>
+              <a:t>https://api.weixin.qq.com/sns/userinfo?access_token=ACCESS_TOKEN&amp;openid=OPENID&amp;lang=zh_CN </a:t>
+            </a:r>
+            <a:endParaRPr lang="zh-CN" altLang="en-US" dirty="0"/>
+          </a:p>
+        </p:txBody>
+      </p:sp>
+      <p:sp>
+        <p:nvSpPr>
+          <p:cNvPr id="4" name="矩形 3">
+            <a:extLst>
+              <a:ext uri="{FF2B5EF4-FFF2-40B4-BE49-F238E27FC236}">
+                <a16:creationId xmlns:a16="http://schemas.microsoft.com/office/drawing/2014/main" id="{643F0D1F-E11D-498E-81BF-9EA6207F40BD}"/>
+              </a:ext>
+            </a:extLst>
+          </p:cNvPr>
+          <p:cNvSpPr/>
+          <p:nvPr/>
+        </p:nvSpPr>
+        <p:spPr>
+          <a:xfrm>
+            <a:off x="1054099" y="2535222"/>
+            <a:ext cx="6096000" cy="4247317"/>
+          </a:xfrm>
+          <a:prstGeom prst="rect">
+            <a:avLst/>
+          </a:prstGeom>
+        </p:spPr>
+        <p:txBody>
+          <a:bodyPr>
+            <a:spAutoFit/>
+          </a:bodyPr>
+          <a:lstStyle/>
+          <a:p>
+            <a:pPr marL="285750" indent="-285750">
+              <a:buFont typeface="Arial" panose="020B0604020202020204" pitchFamily="34" charset="0"/>
+              <a:buChar char="•"/>
+            </a:pPr>
+            <a:r>
+              <a:rPr lang="zh-CN" altLang="en-US" dirty="0"/>
+              <a:t>正确时返回的</a:t>
+            </a:r>
+            <a:r>
+              <a:rPr lang="en-US" altLang="zh-CN" dirty="0"/>
+              <a:t>JSON</a:t>
+            </a:r>
+            <a:r>
+              <a:rPr lang="zh-CN" altLang="en-US" dirty="0"/>
+              <a:t>数据包如下：</a:t>
+            </a:r>
+          </a:p>
+          <a:p>
+            <a:pPr lvl="1"/>
+            <a:r>
+              <a:rPr lang="en-US" altLang="zh-CN" dirty="0"/>
+              <a:t>{    "</a:t>
+            </a:r>
+            <a:r>
+              <a:rPr lang="en-US" altLang="zh-CN" dirty="0" err="1"/>
+              <a:t>openid</a:t>
+            </a:r>
+            <a:r>
+              <a:rPr lang="en-US" altLang="zh-CN" dirty="0"/>
+              <a:t>":" OPENID",  </a:t>
+            </a:r>
+          </a:p>
+          <a:p>
+            <a:pPr lvl="1"/>
+            <a:r>
+              <a:rPr lang="en-US" altLang="zh-CN" dirty="0"/>
+              <a:t> " nickname": NICKNAME,   </a:t>
+            </a:r>
+          </a:p>
+          <a:p>
+            <a:pPr lvl="1"/>
+            <a:r>
+              <a:rPr lang="en-US" altLang="zh-CN" dirty="0"/>
+              <a:t> "sex":"1",   </a:t>
+            </a:r>
+          </a:p>
+          <a:p>
+            <a:pPr lvl="1"/>
+            <a:r>
+              <a:rPr lang="en-US" altLang="zh-CN" dirty="0"/>
+              <a:t> "</a:t>
+            </a:r>
+            <a:r>
+              <a:rPr lang="en-US" altLang="zh-CN" dirty="0" err="1"/>
+              <a:t>province":"PROVINCE</a:t>
+            </a:r>
+            <a:r>
+              <a:rPr lang="en-US" altLang="zh-CN" dirty="0"/>
+              <a:t>"   </a:t>
+            </a:r>
+          </a:p>
+          <a:p>
+            <a:pPr lvl="1"/>
+            <a:r>
+              <a:rPr lang="en-US" altLang="zh-CN" dirty="0"/>
+              <a:t> "</a:t>
+            </a:r>
+            <a:r>
+              <a:rPr lang="en-US" altLang="zh-CN" dirty="0" err="1"/>
+              <a:t>city":"CITY</a:t>
+            </a:r>
+            <a:r>
+              <a:rPr lang="en-US" altLang="zh-CN" dirty="0"/>
+              <a:t>",   </a:t>
+            </a:r>
+          </a:p>
+          <a:p>
+            <a:pPr lvl="1"/>
+            <a:r>
+              <a:rPr lang="en-US" altLang="zh-CN" dirty="0"/>
+              <a:t> "</a:t>
+            </a:r>
+            <a:r>
+              <a:rPr lang="en-US" altLang="zh-CN" dirty="0" err="1"/>
+              <a:t>country":"COUNTRY</a:t>
+            </a:r>
+            <a:r>
+              <a:rPr lang="en-US" altLang="zh-CN" dirty="0"/>
+              <a:t>",    </a:t>
+            </a:r>
+          </a:p>
+          <a:p>
+            <a:pPr lvl="1"/>
+            <a:r>
+              <a:rPr lang="en-US" altLang="zh-CN" dirty="0"/>
+              <a:t> "</a:t>
+            </a:r>
+            <a:r>
+              <a:rPr lang="en-US" altLang="zh-CN" dirty="0" err="1"/>
+              <a:t>headimgurl</a:t>
+            </a:r>
+            <a:r>
+              <a:rPr lang="en-US" altLang="zh-CN" dirty="0"/>
+              <a:t>":    "http://wx.qlogo.cn/</a:t>
+            </a:r>
+            <a:r>
+              <a:rPr lang="en-US" altLang="zh-CN" dirty="0" err="1"/>
+              <a:t>mmopen</a:t>
+            </a:r>
+            <a:r>
+              <a:rPr lang="en-US" altLang="zh-CN" dirty="0"/>
+              <a:t>/g3MonUZtNHkdmzicIlibx6iaFqAc56vxLSUfpb6n5WKSYVY0ChQKkiaJSgQ1dZuTOgvLLrhJbERQQ</a:t>
+            </a:r>
+          </a:p>
+          <a:p>
+            <a:pPr lvl="1"/>
+            <a:r>
+              <a:rPr lang="en-US" altLang="zh-CN" dirty="0"/>
+              <a:t>4eMsv84eavHiaiceqxibJxCfHe/46",  </a:t>
+            </a:r>
+          </a:p>
+          <a:p>
+            <a:pPr lvl="1"/>
+            <a:r>
+              <a:rPr lang="en-US" altLang="zh-CN" dirty="0"/>
+              <a:t>"privilege":[ "PRIVILEGE1" "PRIVILEGE2"     ],    </a:t>
+            </a:r>
+          </a:p>
+          <a:p>
+            <a:pPr lvl="1"/>
+            <a:r>
+              <a:rPr lang="en-US" altLang="zh-CN" dirty="0"/>
+              <a:t> "unionid": "o6_bmasdasdsad6_2sgVt7hMZOPfL" </a:t>
+            </a:r>
+          </a:p>
+          <a:p>
+            <a:pPr lvl="1"/>
+            <a:r>
+              <a:rPr lang="en-US" altLang="zh-CN" dirty="0"/>
+              <a:t>} </a:t>
+            </a:r>
+          </a:p>
+          <a:p>
+            <a:pPr marL="285750" indent="-285750">
+              <a:buFont typeface="Arial" panose="020B0604020202020204" pitchFamily="34" charset="0"/>
+              <a:buChar char="•"/>
+            </a:pPr>
+            <a:r>
+              <a:rPr lang="zh-CN" altLang="en-US" dirty="0"/>
+              <a:t>错误：</a:t>
+            </a:r>
+            <a:r>
+              <a:rPr lang="en-US" altLang="zh-CN" dirty="0"/>
+              <a:t>{"errcode":40003,"errmsg":" invalid </a:t>
+            </a:r>
+            <a:r>
+              <a:rPr lang="en-US" altLang="zh-CN" dirty="0" err="1"/>
+              <a:t>openid</a:t>
+            </a:r>
+            <a:r>
+              <a:rPr lang="en-US" altLang="zh-CN" dirty="0"/>
+              <a:t> "} </a:t>
             </a:r>
           </a:p>
         </p:txBody>
@@ -14637,7 +20167,819 @@
 </p:sld>
 </file>
 
-<file path=ppt/slides/slide24.xml><?xml version="1.0" encoding="utf-8"?>
+<file path=ppt/slides/slide27.xml><?xml version="1.0" encoding="utf-8"?>
+<p:sld xmlns:a="http://schemas.openxmlformats.org/drawingml/2006/main" xmlns:r="http://schemas.openxmlformats.org/officeDocument/2006/relationships" xmlns:p="http://schemas.openxmlformats.org/presentationml/2006/main">
+  <p:cSld>
+    <p:spTree>
+      <p:nvGrpSpPr>
+        <p:cNvPr id="1" name=""/>
+        <p:cNvGrpSpPr/>
+        <p:nvPr/>
+      </p:nvGrpSpPr>
+      <p:grpSpPr>
+        <a:xfrm>
+          <a:off x="0" y="0"/>
+          <a:ext cx="0" cy="0"/>
+          <a:chOff x="0" y="0"/>
+          <a:chExt cx="0" cy="0"/>
+        </a:xfrm>
+      </p:grpSpPr>
+      <p:sp>
+        <p:nvSpPr>
+          <p:cNvPr id="2" name="内容占位符 1"/>
+          <p:cNvSpPr>
+            <a:spLocks noGrp="1"/>
+          </p:cNvSpPr>
+          <p:nvPr>
+            <p:ph sz="quarter" idx="13"/>
+          </p:nvPr>
+        </p:nvSpPr>
+        <p:spPr>
+          <a:xfrm>
+            <a:off x="1054099" y="543636"/>
+            <a:ext cx="6003925" cy="685800"/>
+          </a:xfrm>
+        </p:spPr>
+        <p:txBody>
+          <a:bodyPr/>
+          <a:lstStyle/>
+          <a:p>
+            <a:r>
+              <a:rPr lang="zh-CN" altLang="en-US" b="0" dirty="0"/>
+              <a:t>返回信息参数说明</a:t>
+            </a:r>
+          </a:p>
+        </p:txBody>
+      </p:sp>
+      <p:graphicFrame>
+        <p:nvGraphicFramePr>
+          <p:cNvPr id="3" name="表格 2">
+            <a:extLst>
+              <a:ext uri="{FF2B5EF4-FFF2-40B4-BE49-F238E27FC236}">
+                <a16:creationId xmlns:a16="http://schemas.microsoft.com/office/drawing/2014/main" id="{0D764349-C16C-4AF4-958A-77816D97E97D}"/>
+              </a:ext>
+            </a:extLst>
+          </p:cNvPr>
+          <p:cNvGraphicFramePr>
+            <a:graphicFrameLocks noGrp="1"/>
+          </p:cNvGraphicFramePr>
+          <p:nvPr>
+            <p:extLst>
+              <p:ext uri="{D42A27DB-BD31-4B8C-83A1-F6EECF244321}">
+                <p14:modId xmlns:p14="http://schemas.microsoft.com/office/powerpoint/2010/main" val="290345328"/>
+              </p:ext>
+            </p:extLst>
+          </p:nvPr>
+        </p:nvGraphicFramePr>
+        <p:xfrm>
+          <a:off x="1297858" y="1668308"/>
+          <a:ext cx="9281652" cy="4899641"/>
+        </p:xfrm>
+        <a:graphic>
+          <a:graphicData uri="http://schemas.openxmlformats.org/drawingml/2006/table">
+            <a:tbl>
+              <a:tblPr/>
+              <a:tblGrid>
+                <a:gridCol w="2163097">
+                  <a:extLst>
+                    <a:ext uri="{9D8B030D-6E8A-4147-A177-3AD203B41FA5}">
+                      <a16:colId xmlns:a16="http://schemas.microsoft.com/office/drawing/2014/main" val="3257530638"/>
+                    </a:ext>
+                  </a:extLst>
+                </a:gridCol>
+                <a:gridCol w="7118555">
+                  <a:extLst>
+                    <a:ext uri="{9D8B030D-6E8A-4147-A177-3AD203B41FA5}">
+                      <a16:colId xmlns:a16="http://schemas.microsoft.com/office/drawing/2014/main" val="887369704"/>
+                    </a:ext>
+                  </a:extLst>
+                </a:gridCol>
+              </a:tblGrid>
+              <a:tr h="315921">
+                <a:tc>
+                  <a:txBody>
+                    <a:bodyPr/>
+                    <a:lstStyle/>
+                    <a:p>
+                      <a:r>
+                        <a:rPr lang="zh-CN" altLang="en-US" sz="1600" b="1">
+                          <a:effectLst/>
+                        </a:rPr>
+                        <a:t>参数</a:t>
+                      </a:r>
+                    </a:p>
+                  </a:txBody>
+                  <a:tcPr marL="23908" marR="23908" marT="23908" marB="23908" anchor="ctr">
+                    <a:lnL>
+                      <a:noFill/>
+                    </a:lnL>
+                    <a:lnR>
+                      <a:noFill/>
+                    </a:lnR>
+                    <a:lnT>
+                      <a:noFill/>
+                    </a:lnT>
+                    <a:lnB>
+                      <a:noFill/>
+                    </a:lnB>
+                  </a:tcPr>
+                </a:tc>
+                <a:tc>
+                  <a:txBody>
+                    <a:bodyPr/>
+                    <a:lstStyle/>
+                    <a:p>
+                      <a:r>
+                        <a:rPr lang="zh-CN" altLang="en-US" sz="1600" b="1" dirty="0">
+                          <a:effectLst/>
+                        </a:rPr>
+                        <a:t>描述</a:t>
+                      </a:r>
+                    </a:p>
+                  </a:txBody>
+                  <a:tcPr marL="23908" marR="23908" marT="23908" marB="23908" anchor="ctr">
+                    <a:lnL>
+                      <a:noFill/>
+                    </a:lnL>
+                    <a:lnR>
+                      <a:noFill/>
+                    </a:lnR>
+                    <a:lnT>
+                      <a:noFill/>
+                    </a:lnT>
+                    <a:lnB>
+                      <a:noFill/>
+                    </a:lnB>
+                  </a:tcPr>
+                </a:tc>
+                <a:extLst>
+                  <a:ext uri="{0D108BD9-81ED-4DB2-BD59-A6C34878D82A}">
+                    <a16:rowId xmlns:a16="http://schemas.microsoft.com/office/drawing/2014/main" val="2442408306"/>
+                  </a:ext>
+                </a:extLst>
+              </a:tr>
+              <a:tr h="315921">
+                <a:tc>
+                  <a:txBody>
+                    <a:bodyPr/>
+                    <a:lstStyle/>
+                    <a:p>
+                      <a:r>
+                        <a:rPr lang="en-US" sz="1600" dirty="0" err="1"/>
+                        <a:t>openid</a:t>
+                      </a:r>
+                      <a:endParaRPr lang="en-US" sz="1600" dirty="0"/>
+                    </a:p>
+                  </a:txBody>
+                  <a:tcPr marL="23908" marR="23908" marT="23908" marB="23908" anchor="ctr">
+                    <a:lnL>
+                      <a:noFill/>
+                    </a:lnL>
+                    <a:lnR>
+                      <a:noFill/>
+                    </a:lnR>
+                    <a:lnT>
+                      <a:noFill/>
+                    </a:lnT>
+                    <a:lnB>
+                      <a:noFill/>
+                    </a:lnB>
+                  </a:tcPr>
+                </a:tc>
+                <a:tc>
+                  <a:txBody>
+                    <a:bodyPr/>
+                    <a:lstStyle/>
+                    <a:p>
+                      <a:r>
+                        <a:rPr lang="zh-CN" altLang="en-US" sz="1600"/>
+                        <a:t>用户的唯一标识</a:t>
+                      </a:r>
+                    </a:p>
+                  </a:txBody>
+                  <a:tcPr marL="23908" marR="23908" marT="23908" marB="23908" anchor="ctr">
+                    <a:lnL>
+                      <a:noFill/>
+                    </a:lnL>
+                    <a:lnR>
+                      <a:noFill/>
+                    </a:lnR>
+                    <a:lnT>
+                      <a:noFill/>
+                    </a:lnT>
+                    <a:lnB>
+                      <a:noFill/>
+                    </a:lnB>
+                  </a:tcPr>
+                </a:tc>
+                <a:extLst>
+                  <a:ext uri="{0D108BD9-81ED-4DB2-BD59-A6C34878D82A}">
+                    <a16:rowId xmlns:a16="http://schemas.microsoft.com/office/drawing/2014/main" val="1534267315"/>
+                  </a:ext>
+                </a:extLst>
+              </a:tr>
+              <a:tr h="315921">
+                <a:tc>
+                  <a:txBody>
+                    <a:bodyPr/>
+                    <a:lstStyle/>
+                    <a:p>
+                      <a:r>
+                        <a:rPr lang="en-US" sz="1600"/>
+                        <a:t>nickname</a:t>
+                      </a:r>
+                    </a:p>
+                  </a:txBody>
+                  <a:tcPr marL="23908" marR="23908" marT="23908" marB="23908" anchor="ctr">
+                    <a:lnL>
+                      <a:noFill/>
+                    </a:lnL>
+                    <a:lnR>
+                      <a:noFill/>
+                    </a:lnR>
+                    <a:lnT>
+                      <a:noFill/>
+                    </a:lnT>
+                    <a:lnB>
+                      <a:noFill/>
+                    </a:lnB>
+                  </a:tcPr>
+                </a:tc>
+                <a:tc>
+                  <a:txBody>
+                    <a:bodyPr/>
+                    <a:lstStyle/>
+                    <a:p>
+                      <a:r>
+                        <a:rPr lang="zh-CN" altLang="en-US" sz="1600"/>
+                        <a:t>用户昵称</a:t>
+                      </a:r>
+                    </a:p>
+                  </a:txBody>
+                  <a:tcPr marL="23908" marR="23908" marT="23908" marB="23908" anchor="ctr">
+                    <a:lnL>
+                      <a:noFill/>
+                    </a:lnL>
+                    <a:lnR>
+                      <a:noFill/>
+                    </a:lnR>
+                    <a:lnT>
+                      <a:noFill/>
+                    </a:lnT>
+                    <a:lnB>
+                      <a:noFill/>
+                    </a:lnB>
+                  </a:tcPr>
+                </a:tc>
+                <a:extLst>
+                  <a:ext uri="{0D108BD9-81ED-4DB2-BD59-A6C34878D82A}">
+                    <a16:rowId xmlns:a16="http://schemas.microsoft.com/office/drawing/2014/main" val="3579703653"/>
+                  </a:ext>
+                </a:extLst>
+              </a:tr>
+              <a:tr h="517951">
+                <a:tc>
+                  <a:txBody>
+                    <a:bodyPr/>
+                    <a:lstStyle/>
+                    <a:p>
+                      <a:r>
+                        <a:rPr lang="en-US" sz="1600"/>
+                        <a:t>sex</a:t>
+                      </a:r>
+                    </a:p>
+                  </a:txBody>
+                  <a:tcPr marL="23908" marR="23908" marT="23908" marB="23908" anchor="ctr">
+                    <a:lnL>
+                      <a:noFill/>
+                    </a:lnL>
+                    <a:lnR>
+                      <a:noFill/>
+                    </a:lnR>
+                    <a:lnT>
+                      <a:noFill/>
+                    </a:lnT>
+                    <a:lnB>
+                      <a:noFill/>
+                    </a:lnB>
+                  </a:tcPr>
+                </a:tc>
+                <a:tc>
+                  <a:txBody>
+                    <a:bodyPr/>
+                    <a:lstStyle/>
+                    <a:p>
+                      <a:r>
+                        <a:rPr lang="zh-CN" altLang="en-US" sz="1600" dirty="0"/>
+                        <a:t>用户的性别，值为</a:t>
+                      </a:r>
+                      <a:r>
+                        <a:rPr lang="en-US" altLang="zh-CN" sz="1600" dirty="0"/>
+                        <a:t>1</a:t>
+                      </a:r>
+                      <a:r>
+                        <a:rPr lang="zh-CN" altLang="en-US" sz="1600" dirty="0"/>
+                        <a:t>时是男性，值为</a:t>
+                      </a:r>
+                      <a:r>
+                        <a:rPr lang="en-US" altLang="zh-CN" sz="1600" dirty="0"/>
+                        <a:t>2</a:t>
+                      </a:r>
+                      <a:r>
+                        <a:rPr lang="zh-CN" altLang="en-US" sz="1600" dirty="0"/>
+                        <a:t>时是女性，值为</a:t>
+                      </a:r>
+                      <a:r>
+                        <a:rPr lang="en-US" altLang="zh-CN" sz="1600" dirty="0"/>
+                        <a:t>0</a:t>
+                      </a:r>
+                      <a:r>
+                        <a:rPr lang="zh-CN" altLang="en-US" sz="1600" dirty="0"/>
+                        <a:t>时是未知</a:t>
+                      </a:r>
+                    </a:p>
+                  </a:txBody>
+                  <a:tcPr marL="23908" marR="23908" marT="23908" marB="23908" anchor="ctr">
+                    <a:lnL>
+                      <a:noFill/>
+                    </a:lnL>
+                    <a:lnR>
+                      <a:noFill/>
+                    </a:lnR>
+                    <a:lnT>
+                      <a:noFill/>
+                    </a:lnT>
+                    <a:lnB>
+                      <a:noFill/>
+                    </a:lnB>
+                  </a:tcPr>
+                </a:tc>
+                <a:extLst>
+                  <a:ext uri="{0D108BD9-81ED-4DB2-BD59-A6C34878D82A}">
+                    <a16:rowId xmlns:a16="http://schemas.microsoft.com/office/drawing/2014/main" val="1896744817"/>
+                  </a:ext>
+                </a:extLst>
+              </a:tr>
+              <a:tr h="315921">
+                <a:tc>
+                  <a:txBody>
+                    <a:bodyPr/>
+                    <a:lstStyle/>
+                    <a:p>
+                      <a:r>
+                        <a:rPr lang="en-US" sz="1600"/>
+                        <a:t>province</a:t>
+                      </a:r>
+                    </a:p>
+                  </a:txBody>
+                  <a:tcPr marL="23908" marR="23908" marT="23908" marB="23908" anchor="ctr">
+                    <a:lnL>
+                      <a:noFill/>
+                    </a:lnL>
+                    <a:lnR>
+                      <a:noFill/>
+                    </a:lnR>
+                    <a:lnT>
+                      <a:noFill/>
+                    </a:lnT>
+                    <a:lnB>
+                      <a:noFill/>
+                    </a:lnB>
+                  </a:tcPr>
+                </a:tc>
+                <a:tc>
+                  <a:txBody>
+                    <a:bodyPr/>
+                    <a:lstStyle/>
+                    <a:p>
+                      <a:r>
+                        <a:rPr lang="zh-CN" altLang="en-US" sz="1600" dirty="0"/>
+                        <a:t>用户个人资料填写的省份</a:t>
+                      </a:r>
+                    </a:p>
+                  </a:txBody>
+                  <a:tcPr marL="23908" marR="23908" marT="23908" marB="23908" anchor="ctr">
+                    <a:lnL>
+                      <a:noFill/>
+                    </a:lnL>
+                    <a:lnR>
+                      <a:noFill/>
+                    </a:lnR>
+                    <a:lnT>
+                      <a:noFill/>
+                    </a:lnT>
+                    <a:lnB>
+                      <a:noFill/>
+                    </a:lnB>
+                  </a:tcPr>
+                </a:tc>
+                <a:extLst>
+                  <a:ext uri="{0D108BD9-81ED-4DB2-BD59-A6C34878D82A}">
+                    <a16:rowId xmlns:a16="http://schemas.microsoft.com/office/drawing/2014/main" val="10271470"/>
+                  </a:ext>
+                </a:extLst>
+              </a:tr>
+              <a:tr h="315921">
+                <a:tc>
+                  <a:txBody>
+                    <a:bodyPr/>
+                    <a:lstStyle/>
+                    <a:p>
+                      <a:r>
+                        <a:rPr lang="en-US" sz="1600"/>
+                        <a:t>city</a:t>
+                      </a:r>
+                    </a:p>
+                  </a:txBody>
+                  <a:tcPr marL="23908" marR="23908" marT="23908" marB="23908" anchor="ctr">
+                    <a:lnL>
+                      <a:noFill/>
+                    </a:lnL>
+                    <a:lnR>
+                      <a:noFill/>
+                    </a:lnR>
+                    <a:lnT>
+                      <a:noFill/>
+                    </a:lnT>
+                    <a:lnB>
+                      <a:noFill/>
+                    </a:lnB>
+                  </a:tcPr>
+                </a:tc>
+                <a:tc>
+                  <a:txBody>
+                    <a:bodyPr/>
+                    <a:lstStyle/>
+                    <a:p>
+                      <a:r>
+                        <a:rPr lang="zh-CN" altLang="en-US" sz="1600"/>
+                        <a:t>普通用户个人资料填写的城市</a:t>
+                      </a:r>
+                    </a:p>
+                  </a:txBody>
+                  <a:tcPr marL="23908" marR="23908" marT="23908" marB="23908" anchor="ctr">
+                    <a:lnL>
+                      <a:noFill/>
+                    </a:lnL>
+                    <a:lnR>
+                      <a:noFill/>
+                    </a:lnR>
+                    <a:lnT>
+                      <a:noFill/>
+                    </a:lnT>
+                    <a:lnB>
+                      <a:noFill/>
+                    </a:lnB>
+                  </a:tcPr>
+                </a:tc>
+                <a:extLst>
+                  <a:ext uri="{0D108BD9-81ED-4DB2-BD59-A6C34878D82A}">
+                    <a16:rowId xmlns:a16="http://schemas.microsoft.com/office/drawing/2014/main" val="1062120937"/>
+                  </a:ext>
+                </a:extLst>
+              </a:tr>
+              <a:tr h="315921">
+                <a:tc>
+                  <a:txBody>
+                    <a:bodyPr/>
+                    <a:lstStyle/>
+                    <a:p>
+                      <a:r>
+                        <a:rPr lang="en-US" sz="1600"/>
+                        <a:t>country</a:t>
+                      </a:r>
+                    </a:p>
+                  </a:txBody>
+                  <a:tcPr marL="23908" marR="23908" marT="23908" marB="23908" anchor="ctr">
+                    <a:lnL>
+                      <a:noFill/>
+                    </a:lnL>
+                    <a:lnR>
+                      <a:noFill/>
+                    </a:lnR>
+                    <a:lnT>
+                      <a:noFill/>
+                    </a:lnT>
+                    <a:lnB>
+                      <a:noFill/>
+                    </a:lnB>
+                  </a:tcPr>
+                </a:tc>
+                <a:tc>
+                  <a:txBody>
+                    <a:bodyPr/>
+                    <a:lstStyle/>
+                    <a:p>
+                      <a:r>
+                        <a:rPr lang="zh-CN" altLang="en-US" sz="1600"/>
+                        <a:t>国家，如中国为</a:t>
+                      </a:r>
+                      <a:r>
+                        <a:rPr lang="en-US" altLang="zh-CN" sz="1600"/>
+                        <a:t>CN</a:t>
+                      </a:r>
+                    </a:p>
+                  </a:txBody>
+                  <a:tcPr marL="23908" marR="23908" marT="23908" marB="23908" anchor="ctr">
+                    <a:lnL>
+                      <a:noFill/>
+                    </a:lnL>
+                    <a:lnR>
+                      <a:noFill/>
+                    </a:lnR>
+                    <a:lnT>
+                      <a:noFill/>
+                    </a:lnT>
+                    <a:lnB>
+                      <a:noFill/>
+                    </a:lnB>
+                  </a:tcPr>
+                </a:tc>
+                <a:extLst>
+                  <a:ext uri="{0D108BD9-81ED-4DB2-BD59-A6C34878D82A}">
+                    <a16:rowId xmlns:a16="http://schemas.microsoft.com/office/drawing/2014/main" val="174404404"/>
+                  </a:ext>
+                </a:extLst>
+              </a:tr>
+              <a:tr h="1450262">
+                <a:tc>
+                  <a:txBody>
+                    <a:bodyPr/>
+                    <a:lstStyle/>
+                    <a:p>
+                      <a:r>
+                        <a:rPr lang="en-US" sz="1600" dirty="0" err="1"/>
+                        <a:t>headimgurl</a:t>
+                      </a:r>
+                      <a:endParaRPr lang="en-US" sz="1600" dirty="0"/>
+                    </a:p>
+                  </a:txBody>
+                  <a:tcPr marL="23908" marR="23908" marT="23908" marB="23908" anchor="ctr">
+                    <a:lnL>
+                      <a:noFill/>
+                    </a:lnL>
+                    <a:lnR>
+                      <a:noFill/>
+                    </a:lnR>
+                    <a:lnT>
+                      <a:noFill/>
+                    </a:lnT>
+                    <a:lnB>
+                      <a:noFill/>
+                    </a:lnB>
+                  </a:tcPr>
+                </a:tc>
+                <a:tc>
+                  <a:txBody>
+                    <a:bodyPr/>
+                    <a:lstStyle/>
+                    <a:p>
+                      <a:r>
+                        <a:rPr lang="zh-CN" altLang="en-US" sz="1600"/>
+                        <a:t>用户头像，最后一个数值代表正方形头像大小（有</a:t>
+                      </a:r>
+                      <a:r>
+                        <a:rPr lang="en-US" altLang="zh-CN" sz="1600"/>
+                        <a:t>0</a:t>
+                      </a:r>
+                      <a:r>
+                        <a:rPr lang="zh-CN" altLang="en-US" sz="1600"/>
+                        <a:t>、</a:t>
+                      </a:r>
+                      <a:r>
+                        <a:rPr lang="en-US" altLang="zh-CN" sz="1600"/>
+                        <a:t>46</a:t>
+                      </a:r>
+                      <a:r>
+                        <a:rPr lang="zh-CN" altLang="en-US" sz="1600"/>
+                        <a:t>、</a:t>
+                      </a:r>
+                      <a:r>
+                        <a:rPr lang="en-US" altLang="zh-CN" sz="1600"/>
+                        <a:t>64</a:t>
+                      </a:r>
+                      <a:r>
+                        <a:rPr lang="zh-CN" altLang="en-US" sz="1600"/>
+                        <a:t>、</a:t>
+                      </a:r>
+                      <a:r>
+                        <a:rPr lang="en-US" altLang="zh-CN" sz="1600"/>
+                        <a:t>96</a:t>
+                      </a:r>
+                      <a:r>
+                        <a:rPr lang="zh-CN" altLang="en-US" sz="1600"/>
+                        <a:t>、</a:t>
+                      </a:r>
+                      <a:r>
+                        <a:rPr lang="en-US" altLang="zh-CN" sz="1600"/>
+                        <a:t>132</a:t>
+                      </a:r>
+                      <a:r>
+                        <a:rPr lang="zh-CN" altLang="en-US" sz="1600"/>
+                        <a:t>数值可选，</a:t>
+                      </a:r>
+                      <a:r>
+                        <a:rPr lang="en-US" altLang="zh-CN" sz="1600"/>
+                        <a:t>0</a:t>
+                      </a:r>
+                      <a:r>
+                        <a:rPr lang="zh-CN" altLang="en-US" sz="1600"/>
+                        <a:t>代表</a:t>
+                      </a:r>
+                      <a:r>
+                        <a:rPr lang="en-US" altLang="zh-CN" sz="1600"/>
+                        <a:t>640*640</a:t>
+                      </a:r>
+                      <a:r>
+                        <a:rPr lang="zh-CN" altLang="en-US" sz="1600"/>
+                        <a:t>正方形头像），用户没有头像时该项为空。若用户更换头像，原有头像</a:t>
+                      </a:r>
+                      <a:r>
+                        <a:rPr lang="en-US" altLang="zh-CN" sz="1600"/>
+                        <a:t>URL</a:t>
+                      </a:r>
+                      <a:r>
+                        <a:rPr lang="zh-CN" altLang="en-US" sz="1600"/>
+                        <a:t>将失效。</a:t>
+                      </a:r>
+                    </a:p>
+                  </a:txBody>
+                  <a:tcPr marL="23908" marR="23908" marT="23908" marB="23908" anchor="ctr">
+                    <a:lnL>
+                      <a:noFill/>
+                    </a:lnL>
+                    <a:lnR>
+                      <a:noFill/>
+                    </a:lnR>
+                    <a:lnT>
+                      <a:noFill/>
+                    </a:lnT>
+                    <a:lnB>
+                      <a:noFill/>
+                    </a:lnB>
+                  </a:tcPr>
+                </a:tc>
+                <a:extLst>
+                  <a:ext uri="{0D108BD9-81ED-4DB2-BD59-A6C34878D82A}">
+                    <a16:rowId xmlns:a16="http://schemas.microsoft.com/office/drawing/2014/main" val="2465690025"/>
+                  </a:ext>
+                </a:extLst>
+              </a:tr>
+              <a:tr h="517951">
+                <a:tc>
+                  <a:txBody>
+                    <a:bodyPr/>
+                    <a:lstStyle/>
+                    <a:p>
+                      <a:r>
+                        <a:rPr lang="en-US" sz="1600"/>
+                        <a:t>privilege</a:t>
+                      </a:r>
+                    </a:p>
+                  </a:txBody>
+                  <a:tcPr marL="23908" marR="23908" marT="23908" marB="23908" anchor="ctr">
+                    <a:lnL>
+                      <a:noFill/>
+                    </a:lnL>
+                    <a:lnR>
+                      <a:noFill/>
+                    </a:lnR>
+                    <a:lnT>
+                      <a:noFill/>
+                    </a:lnT>
+                    <a:lnB>
+                      <a:noFill/>
+                    </a:lnB>
+                  </a:tcPr>
+                </a:tc>
+                <a:tc>
+                  <a:txBody>
+                    <a:bodyPr/>
+                    <a:lstStyle/>
+                    <a:p>
+                      <a:r>
+                        <a:rPr lang="zh-CN" altLang="en-US" sz="1600"/>
+                        <a:t>用户特权信息，</a:t>
+                      </a:r>
+                      <a:r>
+                        <a:rPr lang="en-US" altLang="zh-CN" sz="1600"/>
+                        <a:t>json </a:t>
+                      </a:r>
+                      <a:r>
+                        <a:rPr lang="zh-CN" altLang="en-US" sz="1600"/>
+                        <a:t>数组，如微信沃卡用户为（</a:t>
+                      </a:r>
+                      <a:r>
+                        <a:rPr lang="en-US" altLang="zh-CN" sz="1600"/>
+                        <a:t>chinaunicom</a:t>
+                      </a:r>
+                      <a:r>
+                        <a:rPr lang="zh-CN" altLang="en-US" sz="1600"/>
+                        <a:t>）</a:t>
+                      </a:r>
+                    </a:p>
+                  </a:txBody>
+                  <a:tcPr marL="23908" marR="23908" marT="23908" marB="23908" anchor="ctr">
+                    <a:lnL>
+                      <a:noFill/>
+                    </a:lnL>
+                    <a:lnR>
+                      <a:noFill/>
+                    </a:lnR>
+                    <a:lnT>
+                      <a:noFill/>
+                    </a:lnT>
+                    <a:lnB>
+                      <a:noFill/>
+                    </a:lnB>
+                  </a:tcPr>
+                </a:tc>
+                <a:extLst>
+                  <a:ext uri="{0D108BD9-81ED-4DB2-BD59-A6C34878D82A}">
+                    <a16:rowId xmlns:a16="http://schemas.microsoft.com/office/drawing/2014/main" val="2380048220"/>
+                  </a:ext>
+                </a:extLst>
+              </a:tr>
+              <a:tr h="517951">
+                <a:tc>
+                  <a:txBody>
+                    <a:bodyPr/>
+                    <a:lstStyle/>
+                    <a:p>
+                      <a:r>
+                        <a:rPr lang="en-US" sz="1600"/>
+                        <a:t>unionid</a:t>
+                      </a:r>
+                    </a:p>
+                  </a:txBody>
+                  <a:tcPr marL="23908" marR="23908" marT="23908" marB="23908" anchor="ctr">
+                    <a:lnL>
+                      <a:noFill/>
+                    </a:lnL>
+                    <a:lnR>
+                      <a:noFill/>
+                    </a:lnR>
+                    <a:lnT>
+                      <a:noFill/>
+                    </a:lnT>
+                    <a:lnB>
+                      <a:noFill/>
+                    </a:lnB>
+                  </a:tcPr>
+                </a:tc>
+                <a:tc>
+                  <a:txBody>
+                    <a:bodyPr/>
+                    <a:lstStyle/>
+                    <a:p>
+                      <a:pPr latinLnBrk="1"/>
+                      <a:r>
+                        <a:rPr lang="zh-CN" altLang="en-US" sz="1600" dirty="0">
+                          <a:effectLst/>
+                        </a:rPr>
+                        <a:t>只有在用户将公众号绑定到微信开放平台帐号后，才会出现该字段。</a:t>
+                      </a:r>
+                    </a:p>
+                  </a:txBody>
+                  <a:tcPr marL="23908" marR="23908" marT="23908" marB="23908" anchor="ctr">
+                    <a:lnL>
+                      <a:noFill/>
+                    </a:lnL>
+                    <a:lnR>
+                      <a:noFill/>
+                    </a:lnR>
+                    <a:lnT>
+                      <a:noFill/>
+                    </a:lnT>
+                    <a:lnB>
+                      <a:noFill/>
+                    </a:lnB>
+                  </a:tcPr>
+                </a:tc>
+                <a:extLst>
+                  <a:ext uri="{0D108BD9-81ED-4DB2-BD59-A6C34878D82A}">
+                    <a16:rowId xmlns:a16="http://schemas.microsoft.com/office/drawing/2014/main" val="3286102591"/>
+                  </a:ext>
+                </a:extLst>
+              </a:tr>
+            </a:tbl>
+          </a:graphicData>
+        </a:graphic>
+      </p:graphicFrame>
+    </p:spTree>
+    <p:extLst>
+      <p:ext uri="{BB962C8B-B14F-4D97-AF65-F5344CB8AC3E}">
+        <p14:creationId xmlns:p14="http://schemas.microsoft.com/office/powerpoint/2010/main" val="4272671080"/>
+      </p:ext>
+    </p:extLst>
+  </p:cSld>
+  <p:clrMapOvr>
+    <a:masterClrMapping/>
+  </p:clrMapOvr>
+</p:sld>
+</file>
+
+<file path=ppt/slides/slide28.xml><?xml version="1.0" encoding="utf-8"?>
 <p:sld xmlns:a="http://schemas.openxmlformats.org/drawingml/2006/main" xmlns:r="http://schemas.openxmlformats.org/officeDocument/2006/relationships" xmlns:p="http://schemas.openxmlformats.org/presentationml/2006/main">
   <p:cSld>
     <p:spTree>
@@ -15820,6 +22162,42 @@
           </a:p>
         </p:txBody>
       </p:sp>
+      <p:pic>
+        <p:nvPicPr>
+          <p:cNvPr id="4" name="图片 3">
+            <a:extLst>
+              <a:ext uri="{FF2B5EF4-FFF2-40B4-BE49-F238E27FC236}">
+                <a16:creationId xmlns:a16="http://schemas.microsoft.com/office/drawing/2014/main" id="{A1F2E09E-2FEE-4A6C-8428-B5D57068381E}"/>
+              </a:ext>
+            </a:extLst>
+          </p:cNvPr>
+          <p:cNvPicPr>
+            <a:picLocks noChangeAspect="1"/>
+          </p:cNvPicPr>
+          <p:nvPr/>
+        </p:nvPicPr>
+        <p:blipFill>
+          <a:blip r:embed="rId2">
+            <a:extLst>
+              <a:ext uri="{28A0092B-C50C-407E-A947-70E740481C1C}">
+                <a14:useLocalDpi xmlns:a14="http://schemas.microsoft.com/office/drawing/2010/main" val="0"/>
+              </a:ext>
+            </a:extLst>
+          </a:blip>
+          <a:stretch>
+            <a:fillRect/>
+          </a:stretch>
+        </p:blipFill>
+        <p:spPr>
+          <a:xfrm>
+            <a:off x="1887794" y="1593915"/>
+            <a:ext cx="7500861" cy="5175594"/>
+          </a:xfrm>
+          <a:prstGeom prst="rect">
+            <a:avLst/>
+          </a:prstGeom>
+        </p:spPr>
+      </p:pic>
     </p:spTree>
     <p:extLst>
       <p:ext uri="{BB962C8B-B14F-4D97-AF65-F5344CB8AC3E}">
@@ -16073,18 +22451,688 @@
             <p:ph sz="quarter" idx="13"/>
           </p:nvPr>
         </p:nvSpPr>
-        <p:spPr/>
+        <p:spPr>
+          <a:xfrm>
+            <a:off x="1054099" y="543636"/>
+            <a:ext cx="5975965" cy="685800"/>
+          </a:xfrm>
+        </p:spPr>
         <p:txBody>
           <a:bodyPr/>
           <a:lstStyle/>
           <a:p>
             <a:r>
+              <a:rPr lang="zh-CN" altLang="en-US" b="0" dirty="0"/>
+              <a:t>扫码支付流程</a:t>
+            </a:r>
+            <a:r>
               <a:rPr lang="en-US" altLang="zh-CN" b="0" dirty="0"/>
-              <a:t>H5</a:t>
+              <a:t>(</a:t>
             </a:r>
             <a:r>
               <a:rPr lang="zh-CN" altLang="en-US" b="0" dirty="0"/>
-              <a:t>支付</a:t>
+              <a:t>模式一</a:t>
+            </a:r>
+            <a:r>
+              <a:rPr lang="en-US" altLang="zh-CN" b="0" dirty="0"/>
+              <a:t>)</a:t>
+            </a:r>
+            <a:endParaRPr lang="zh-CN" altLang="en-US" b="0" dirty="0"/>
+          </a:p>
+        </p:txBody>
+      </p:sp>
+      <p:sp>
+        <p:nvSpPr>
+          <p:cNvPr id="3" name="矩形 2">
+            <a:extLst>
+              <a:ext uri="{FF2B5EF4-FFF2-40B4-BE49-F238E27FC236}">
+                <a16:creationId xmlns:a16="http://schemas.microsoft.com/office/drawing/2014/main" id="{3A91B2A8-AD21-4D27-B344-136DED2849F7}"/>
+              </a:ext>
+            </a:extLst>
+          </p:cNvPr>
+          <p:cNvSpPr/>
+          <p:nvPr/>
+        </p:nvSpPr>
+        <p:spPr>
+          <a:xfrm>
+            <a:off x="1054099" y="1578607"/>
+            <a:ext cx="10449642" cy="4988673"/>
+          </a:xfrm>
+          <a:prstGeom prst="rect">
+            <a:avLst/>
+          </a:prstGeom>
+        </p:spPr>
+        <p:txBody>
+          <a:bodyPr wrap="square">
+            <a:spAutoFit/>
+          </a:bodyPr>
+          <a:lstStyle/>
+          <a:p>
+            <a:pPr marL="285750" indent="-285750">
+              <a:lnSpc>
+                <a:spcPts val="2400"/>
+              </a:lnSpc>
+              <a:buFont typeface="Arial" panose="020B0604020202020204" pitchFamily="34" charset="0"/>
+              <a:buChar char="•"/>
+            </a:pPr>
+            <a:r>
+              <a:rPr lang="zh-CN" altLang="en-US" sz="1600" dirty="0">
+                <a:latin typeface="微软雅黑" panose="020B0503020204020204" pitchFamily="34" charset="-122"/>
+                <a:ea typeface="微软雅黑" panose="020B0503020204020204" pitchFamily="34" charset="-122"/>
+              </a:rPr>
+              <a:t>（</a:t>
+            </a:r>
+            <a:r>
+              <a:rPr lang="en-US" altLang="zh-CN" sz="1600" dirty="0">
+                <a:latin typeface="微软雅黑" panose="020B0503020204020204" pitchFamily="34" charset="-122"/>
+                <a:ea typeface="微软雅黑" panose="020B0503020204020204" pitchFamily="34" charset="-122"/>
+              </a:rPr>
+              <a:t>1</a:t>
+            </a:r>
+            <a:r>
+              <a:rPr lang="zh-CN" altLang="en-US" sz="1600" dirty="0">
+                <a:latin typeface="微软雅黑" panose="020B0503020204020204" pitchFamily="34" charset="-122"/>
+                <a:ea typeface="微软雅黑" panose="020B0503020204020204" pitchFamily="34" charset="-122"/>
+              </a:rPr>
+              <a:t>）商户后台系统根据微信支付规定格式生成二维码（规则见下文），展示给用户扫码。</a:t>
+            </a:r>
+          </a:p>
+          <a:p>
+            <a:pPr marL="285750" indent="-285750">
+              <a:lnSpc>
+                <a:spcPts val="2400"/>
+              </a:lnSpc>
+              <a:buFont typeface="Arial" panose="020B0604020202020204" pitchFamily="34" charset="0"/>
+              <a:buChar char="•"/>
+            </a:pPr>
+            <a:r>
+              <a:rPr lang="zh-CN" altLang="en-US" sz="1600" dirty="0">
+                <a:latin typeface="微软雅黑" panose="020B0503020204020204" pitchFamily="34" charset="-122"/>
+                <a:ea typeface="微软雅黑" panose="020B0503020204020204" pitchFamily="34" charset="-122"/>
+              </a:rPr>
+              <a:t>（</a:t>
+            </a:r>
+            <a:r>
+              <a:rPr lang="en-US" altLang="zh-CN" sz="1600" dirty="0">
+                <a:latin typeface="微软雅黑" panose="020B0503020204020204" pitchFamily="34" charset="-122"/>
+                <a:ea typeface="微软雅黑" panose="020B0503020204020204" pitchFamily="34" charset="-122"/>
+              </a:rPr>
+              <a:t>2</a:t>
+            </a:r>
+            <a:r>
+              <a:rPr lang="zh-CN" altLang="en-US" sz="1600" dirty="0">
+                <a:latin typeface="微软雅黑" panose="020B0503020204020204" pitchFamily="34" charset="-122"/>
+                <a:ea typeface="微软雅黑" panose="020B0503020204020204" pitchFamily="34" charset="-122"/>
+              </a:rPr>
+              <a:t>）用户打开微信“扫一扫”扫描二维码，微信客户端将扫码内容发送到微信支付系统。</a:t>
+            </a:r>
+          </a:p>
+          <a:p>
+            <a:pPr marL="285750" indent="-285750">
+              <a:lnSpc>
+                <a:spcPts val="2400"/>
+              </a:lnSpc>
+              <a:buFont typeface="Arial" panose="020B0604020202020204" pitchFamily="34" charset="0"/>
+              <a:buChar char="•"/>
+            </a:pPr>
+            <a:r>
+              <a:rPr lang="zh-CN" altLang="en-US" sz="1600" dirty="0">
+                <a:latin typeface="微软雅黑" panose="020B0503020204020204" pitchFamily="34" charset="-122"/>
+                <a:ea typeface="微软雅黑" panose="020B0503020204020204" pitchFamily="34" charset="-122"/>
+              </a:rPr>
+              <a:t>（</a:t>
+            </a:r>
+            <a:r>
+              <a:rPr lang="en-US" altLang="zh-CN" sz="1600" dirty="0">
+                <a:latin typeface="微软雅黑" panose="020B0503020204020204" pitchFamily="34" charset="-122"/>
+                <a:ea typeface="微软雅黑" panose="020B0503020204020204" pitchFamily="34" charset="-122"/>
+              </a:rPr>
+              <a:t>3</a:t>
+            </a:r>
+            <a:r>
+              <a:rPr lang="zh-CN" altLang="en-US" sz="1600" dirty="0">
+                <a:latin typeface="微软雅黑" panose="020B0503020204020204" pitchFamily="34" charset="-122"/>
+                <a:ea typeface="微软雅黑" panose="020B0503020204020204" pitchFamily="34" charset="-122"/>
+              </a:rPr>
+              <a:t>）微信支付系统收到客户端请求，发起对商户后台系统支付回调</a:t>
+            </a:r>
+            <a:r>
+              <a:rPr lang="en-US" altLang="zh-CN" sz="1600" dirty="0">
+                <a:latin typeface="微软雅黑" panose="020B0503020204020204" pitchFamily="34" charset="-122"/>
+                <a:ea typeface="微软雅黑" panose="020B0503020204020204" pitchFamily="34" charset="-122"/>
+              </a:rPr>
+              <a:t>URL</a:t>
+            </a:r>
+            <a:r>
+              <a:rPr lang="zh-CN" altLang="en-US" sz="1600" dirty="0">
+                <a:latin typeface="微软雅黑" panose="020B0503020204020204" pitchFamily="34" charset="-122"/>
+                <a:ea typeface="微软雅黑" panose="020B0503020204020204" pitchFamily="34" charset="-122"/>
+              </a:rPr>
+              <a:t>的调用。调用请求将带</a:t>
+            </a:r>
+            <a:r>
+              <a:rPr lang="en-US" altLang="zh-CN" sz="1600" dirty="0">
+                <a:latin typeface="微软雅黑" panose="020B0503020204020204" pitchFamily="34" charset="-122"/>
+                <a:ea typeface="微软雅黑" panose="020B0503020204020204" pitchFamily="34" charset="-122"/>
+              </a:rPr>
+              <a:t>productid</a:t>
+            </a:r>
+            <a:r>
+              <a:rPr lang="zh-CN" altLang="en-US" sz="1600" dirty="0">
+                <a:latin typeface="微软雅黑" panose="020B0503020204020204" pitchFamily="34" charset="-122"/>
+                <a:ea typeface="微软雅黑" panose="020B0503020204020204" pitchFamily="34" charset="-122"/>
+              </a:rPr>
+              <a:t>和用户的</a:t>
+            </a:r>
+            <a:r>
+              <a:rPr lang="en-US" altLang="zh-CN" sz="1600" dirty="0" err="1">
+                <a:latin typeface="微软雅黑" panose="020B0503020204020204" pitchFamily="34" charset="-122"/>
+                <a:ea typeface="微软雅黑" panose="020B0503020204020204" pitchFamily="34" charset="-122"/>
+              </a:rPr>
+              <a:t>openid</a:t>
+            </a:r>
+            <a:r>
+              <a:rPr lang="zh-CN" altLang="en-US" sz="1600" dirty="0">
+                <a:latin typeface="微软雅黑" panose="020B0503020204020204" pitchFamily="34" charset="-122"/>
+                <a:ea typeface="微软雅黑" panose="020B0503020204020204" pitchFamily="34" charset="-122"/>
+              </a:rPr>
+              <a:t>等参数，并要求商户系统返回交数据包</a:t>
+            </a:r>
+            <a:r>
+              <a:rPr lang="en-US" altLang="zh-CN" sz="1600" dirty="0">
+                <a:latin typeface="微软雅黑" panose="020B0503020204020204" pitchFamily="34" charset="-122"/>
+                <a:ea typeface="微软雅黑" panose="020B0503020204020204" pitchFamily="34" charset="-122"/>
+              </a:rPr>
+              <a:t>,</a:t>
+            </a:r>
+            <a:r>
+              <a:rPr lang="zh-CN" altLang="en-US" sz="1600" dirty="0">
+                <a:latin typeface="微软雅黑" panose="020B0503020204020204" pitchFamily="34" charset="-122"/>
+                <a:ea typeface="微软雅黑" panose="020B0503020204020204" pitchFamily="34" charset="-122"/>
+              </a:rPr>
+              <a:t>详细请见</a:t>
+            </a:r>
+            <a:r>
+              <a:rPr lang="en-US" altLang="zh-CN" sz="1600" dirty="0">
+                <a:latin typeface="微软雅黑" panose="020B0503020204020204" pitchFamily="34" charset="-122"/>
+                <a:ea typeface="微软雅黑" panose="020B0503020204020204" pitchFamily="34" charset="-122"/>
+              </a:rPr>
+              <a:t>"</a:t>
+            </a:r>
+            <a:r>
+              <a:rPr lang="zh-CN" altLang="en-US" sz="1600" dirty="0">
+                <a:latin typeface="微软雅黑" panose="020B0503020204020204" pitchFamily="34" charset="-122"/>
+                <a:ea typeface="微软雅黑" panose="020B0503020204020204" pitchFamily="34" charset="-122"/>
+              </a:rPr>
+              <a:t>本节</a:t>
+            </a:r>
+            <a:r>
+              <a:rPr lang="en-US" altLang="zh-CN" sz="1600" dirty="0">
+                <a:latin typeface="微软雅黑" panose="020B0503020204020204" pitchFamily="34" charset="-122"/>
+                <a:ea typeface="微软雅黑" panose="020B0503020204020204" pitchFamily="34" charset="-122"/>
+              </a:rPr>
+              <a:t>3.1</a:t>
+            </a:r>
+            <a:r>
+              <a:rPr lang="zh-CN" altLang="en-US" sz="1600" dirty="0">
+                <a:latin typeface="微软雅黑" panose="020B0503020204020204" pitchFamily="34" charset="-122"/>
+                <a:ea typeface="微软雅黑" panose="020B0503020204020204" pitchFamily="34" charset="-122"/>
+              </a:rPr>
+              <a:t>回调数据输入参数</a:t>
+            </a:r>
+            <a:r>
+              <a:rPr lang="en-US" altLang="zh-CN" sz="1600" dirty="0">
+                <a:latin typeface="微软雅黑" panose="020B0503020204020204" pitchFamily="34" charset="-122"/>
+                <a:ea typeface="微软雅黑" panose="020B0503020204020204" pitchFamily="34" charset="-122"/>
+              </a:rPr>
+              <a:t>"</a:t>
+            </a:r>
+          </a:p>
+          <a:p>
+            <a:pPr marL="285750" indent="-285750">
+              <a:lnSpc>
+                <a:spcPts val="2400"/>
+              </a:lnSpc>
+              <a:buFont typeface="Arial" panose="020B0604020202020204" pitchFamily="34" charset="0"/>
+              <a:buChar char="•"/>
+            </a:pPr>
+            <a:r>
+              <a:rPr lang="zh-CN" altLang="en-US" sz="1600" dirty="0">
+                <a:latin typeface="微软雅黑" panose="020B0503020204020204" pitchFamily="34" charset="-122"/>
+                <a:ea typeface="微软雅黑" panose="020B0503020204020204" pitchFamily="34" charset="-122"/>
+              </a:rPr>
+              <a:t>（</a:t>
+            </a:r>
+            <a:r>
+              <a:rPr lang="en-US" altLang="zh-CN" sz="1600" dirty="0">
+                <a:latin typeface="微软雅黑" panose="020B0503020204020204" pitchFamily="34" charset="-122"/>
+                <a:ea typeface="微软雅黑" panose="020B0503020204020204" pitchFamily="34" charset="-122"/>
+              </a:rPr>
+              <a:t>4</a:t>
+            </a:r>
+            <a:r>
+              <a:rPr lang="zh-CN" altLang="en-US" sz="1600" dirty="0">
+                <a:latin typeface="微软雅黑" panose="020B0503020204020204" pitchFamily="34" charset="-122"/>
+                <a:ea typeface="微软雅黑" panose="020B0503020204020204" pitchFamily="34" charset="-122"/>
+              </a:rPr>
+              <a:t>）商户后台系统收到微信支付系统的回调请求，根据</a:t>
+            </a:r>
+            <a:r>
+              <a:rPr lang="en-US" altLang="zh-CN" sz="1600" dirty="0">
+                <a:latin typeface="微软雅黑" panose="020B0503020204020204" pitchFamily="34" charset="-122"/>
+                <a:ea typeface="微软雅黑" panose="020B0503020204020204" pitchFamily="34" charset="-122"/>
+              </a:rPr>
+              <a:t>productid</a:t>
+            </a:r>
+            <a:r>
+              <a:rPr lang="zh-CN" altLang="en-US" sz="1600" dirty="0">
+                <a:latin typeface="微软雅黑" panose="020B0503020204020204" pitchFamily="34" charset="-122"/>
+                <a:ea typeface="微软雅黑" panose="020B0503020204020204" pitchFamily="34" charset="-122"/>
+              </a:rPr>
+              <a:t>生成商户系统的订单。</a:t>
+            </a:r>
+          </a:p>
+          <a:p>
+            <a:pPr marL="285750" indent="-285750">
+              <a:lnSpc>
+                <a:spcPts val="2400"/>
+              </a:lnSpc>
+              <a:buFont typeface="Arial" panose="020B0604020202020204" pitchFamily="34" charset="0"/>
+              <a:buChar char="•"/>
+            </a:pPr>
+            <a:r>
+              <a:rPr lang="zh-CN" altLang="en-US" sz="1600" dirty="0">
+                <a:latin typeface="微软雅黑" panose="020B0503020204020204" pitchFamily="34" charset="-122"/>
+                <a:ea typeface="微软雅黑" panose="020B0503020204020204" pitchFamily="34" charset="-122"/>
+              </a:rPr>
+              <a:t>（</a:t>
+            </a:r>
+            <a:r>
+              <a:rPr lang="en-US" altLang="zh-CN" sz="1600" dirty="0">
+                <a:latin typeface="微软雅黑" panose="020B0503020204020204" pitchFamily="34" charset="-122"/>
+                <a:ea typeface="微软雅黑" panose="020B0503020204020204" pitchFamily="34" charset="-122"/>
+              </a:rPr>
+              <a:t>5</a:t>
+            </a:r>
+            <a:r>
+              <a:rPr lang="zh-CN" altLang="en-US" sz="1600" dirty="0">
+                <a:latin typeface="微软雅黑" panose="020B0503020204020204" pitchFamily="34" charset="-122"/>
+                <a:ea typeface="微软雅黑" panose="020B0503020204020204" pitchFamily="34" charset="-122"/>
+              </a:rPr>
+              <a:t>）商户系统调用微信支付</a:t>
+            </a:r>
+            <a:r>
+              <a:rPr lang="en-US" altLang="zh-CN" sz="1600" dirty="0">
+                <a:latin typeface="微软雅黑" panose="020B0503020204020204" pitchFamily="34" charset="-122"/>
+                <a:ea typeface="微软雅黑" panose="020B0503020204020204" pitchFamily="34" charset="-122"/>
+              </a:rPr>
+              <a:t>【</a:t>
+            </a:r>
+            <a:r>
+              <a:rPr lang="zh-CN" altLang="en-US" sz="1600" dirty="0">
+                <a:latin typeface="微软雅黑" panose="020B0503020204020204" pitchFamily="34" charset="-122"/>
+                <a:ea typeface="微软雅黑" panose="020B0503020204020204" pitchFamily="34" charset="-122"/>
+              </a:rPr>
+              <a:t>统一下单</a:t>
+            </a:r>
+            <a:r>
+              <a:rPr lang="en-US" altLang="zh-CN" sz="1600" dirty="0">
+                <a:latin typeface="微软雅黑" panose="020B0503020204020204" pitchFamily="34" charset="-122"/>
+                <a:ea typeface="微软雅黑" panose="020B0503020204020204" pitchFamily="34" charset="-122"/>
+              </a:rPr>
+              <a:t>API】</a:t>
+            </a:r>
+            <a:r>
+              <a:rPr lang="zh-CN" altLang="en-US" sz="1600" dirty="0">
+                <a:latin typeface="微软雅黑" panose="020B0503020204020204" pitchFamily="34" charset="-122"/>
+                <a:ea typeface="微软雅黑" panose="020B0503020204020204" pitchFamily="34" charset="-122"/>
+              </a:rPr>
+              <a:t>请求下单，获取交易会话标识（</a:t>
+            </a:r>
+            <a:r>
+              <a:rPr lang="en-US" altLang="zh-CN" sz="1600" dirty="0" err="1">
+                <a:latin typeface="微软雅黑" panose="020B0503020204020204" pitchFamily="34" charset="-122"/>
+                <a:ea typeface="微软雅黑" panose="020B0503020204020204" pitchFamily="34" charset="-122"/>
+              </a:rPr>
+              <a:t>prepay_id</a:t>
+            </a:r>
+            <a:r>
+              <a:rPr lang="zh-CN" altLang="en-US" sz="1600" dirty="0">
+                <a:latin typeface="微软雅黑" panose="020B0503020204020204" pitchFamily="34" charset="-122"/>
+                <a:ea typeface="微软雅黑" panose="020B0503020204020204" pitchFamily="34" charset="-122"/>
+              </a:rPr>
+              <a:t>）</a:t>
+            </a:r>
+          </a:p>
+          <a:p>
+            <a:pPr marL="285750" indent="-285750">
+              <a:lnSpc>
+                <a:spcPts val="2400"/>
+              </a:lnSpc>
+              <a:buFont typeface="Arial" panose="020B0604020202020204" pitchFamily="34" charset="0"/>
+              <a:buChar char="•"/>
+            </a:pPr>
+            <a:r>
+              <a:rPr lang="zh-CN" altLang="en-US" sz="1600" dirty="0">
+                <a:latin typeface="微软雅黑" panose="020B0503020204020204" pitchFamily="34" charset="-122"/>
+                <a:ea typeface="微软雅黑" panose="020B0503020204020204" pitchFamily="34" charset="-122"/>
+              </a:rPr>
+              <a:t>（</a:t>
+            </a:r>
+            <a:r>
+              <a:rPr lang="en-US" altLang="zh-CN" sz="1600" dirty="0">
+                <a:latin typeface="微软雅黑" panose="020B0503020204020204" pitchFamily="34" charset="-122"/>
+                <a:ea typeface="微软雅黑" panose="020B0503020204020204" pitchFamily="34" charset="-122"/>
+              </a:rPr>
+              <a:t>6</a:t>
+            </a:r>
+            <a:r>
+              <a:rPr lang="zh-CN" altLang="en-US" sz="1600" dirty="0">
+                <a:latin typeface="微软雅黑" panose="020B0503020204020204" pitchFamily="34" charset="-122"/>
+                <a:ea typeface="微软雅黑" panose="020B0503020204020204" pitchFamily="34" charset="-122"/>
+              </a:rPr>
+              <a:t>）微信支付系统根据商户系统的请求生成预支付交易，并返回交易会话标识（</a:t>
+            </a:r>
+            <a:r>
+              <a:rPr lang="en-US" altLang="zh-CN" sz="1600" dirty="0" err="1">
+                <a:latin typeface="微软雅黑" panose="020B0503020204020204" pitchFamily="34" charset="-122"/>
+                <a:ea typeface="微软雅黑" panose="020B0503020204020204" pitchFamily="34" charset="-122"/>
+              </a:rPr>
+              <a:t>prepay_id</a:t>
+            </a:r>
+            <a:r>
+              <a:rPr lang="zh-CN" altLang="en-US" sz="1600" dirty="0">
+                <a:latin typeface="微软雅黑" panose="020B0503020204020204" pitchFamily="34" charset="-122"/>
+                <a:ea typeface="微软雅黑" panose="020B0503020204020204" pitchFamily="34" charset="-122"/>
+              </a:rPr>
+              <a:t>）。</a:t>
+            </a:r>
+          </a:p>
+          <a:p>
+            <a:pPr marL="285750" indent="-285750">
+              <a:lnSpc>
+                <a:spcPts val="2400"/>
+              </a:lnSpc>
+              <a:buFont typeface="Arial" panose="020B0604020202020204" pitchFamily="34" charset="0"/>
+              <a:buChar char="•"/>
+            </a:pPr>
+            <a:r>
+              <a:rPr lang="zh-CN" altLang="en-US" sz="1600" dirty="0">
+                <a:latin typeface="微软雅黑" panose="020B0503020204020204" pitchFamily="34" charset="-122"/>
+                <a:ea typeface="微软雅黑" panose="020B0503020204020204" pitchFamily="34" charset="-122"/>
+              </a:rPr>
+              <a:t>（</a:t>
+            </a:r>
+            <a:r>
+              <a:rPr lang="en-US" altLang="zh-CN" sz="1600" dirty="0">
+                <a:latin typeface="微软雅黑" panose="020B0503020204020204" pitchFamily="34" charset="-122"/>
+                <a:ea typeface="微软雅黑" panose="020B0503020204020204" pitchFamily="34" charset="-122"/>
+              </a:rPr>
+              <a:t>7</a:t>
+            </a:r>
+            <a:r>
+              <a:rPr lang="zh-CN" altLang="en-US" sz="1600" dirty="0">
+                <a:latin typeface="微软雅黑" panose="020B0503020204020204" pitchFamily="34" charset="-122"/>
+                <a:ea typeface="微软雅黑" panose="020B0503020204020204" pitchFamily="34" charset="-122"/>
+              </a:rPr>
+              <a:t>）商户后台系统得到交易会话标识</a:t>
+            </a:r>
+            <a:r>
+              <a:rPr lang="en-US" altLang="zh-CN" sz="1600" dirty="0" err="1">
+                <a:latin typeface="微软雅黑" panose="020B0503020204020204" pitchFamily="34" charset="-122"/>
+                <a:ea typeface="微软雅黑" panose="020B0503020204020204" pitchFamily="34" charset="-122"/>
+              </a:rPr>
+              <a:t>prepay_id</a:t>
+            </a:r>
+            <a:r>
+              <a:rPr lang="zh-CN" altLang="en-US" sz="1600" dirty="0">
+                <a:latin typeface="微软雅黑" panose="020B0503020204020204" pitchFamily="34" charset="-122"/>
+                <a:ea typeface="微软雅黑" panose="020B0503020204020204" pitchFamily="34" charset="-122"/>
+              </a:rPr>
+              <a:t>（</a:t>
+            </a:r>
+            <a:r>
+              <a:rPr lang="en-US" altLang="zh-CN" sz="1600" dirty="0">
+                <a:latin typeface="微软雅黑" panose="020B0503020204020204" pitchFamily="34" charset="-122"/>
+                <a:ea typeface="微软雅黑" panose="020B0503020204020204" pitchFamily="34" charset="-122"/>
+              </a:rPr>
+              <a:t>2</a:t>
+            </a:r>
+            <a:r>
+              <a:rPr lang="zh-CN" altLang="en-US" sz="1600" dirty="0">
+                <a:latin typeface="微软雅黑" panose="020B0503020204020204" pitchFamily="34" charset="-122"/>
+                <a:ea typeface="微软雅黑" panose="020B0503020204020204" pitchFamily="34" charset="-122"/>
+              </a:rPr>
+              <a:t>小时内有效）。</a:t>
+            </a:r>
+          </a:p>
+          <a:p>
+            <a:pPr marL="285750" indent="-285750">
+              <a:lnSpc>
+                <a:spcPts val="2400"/>
+              </a:lnSpc>
+              <a:buFont typeface="Arial" panose="020B0604020202020204" pitchFamily="34" charset="0"/>
+              <a:buChar char="•"/>
+            </a:pPr>
+            <a:r>
+              <a:rPr lang="zh-CN" altLang="en-US" sz="1600" dirty="0">
+                <a:latin typeface="微软雅黑" panose="020B0503020204020204" pitchFamily="34" charset="-122"/>
+                <a:ea typeface="微软雅黑" panose="020B0503020204020204" pitchFamily="34" charset="-122"/>
+              </a:rPr>
+              <a:t>（</a:t>
+            </a:r>
+            <a:r>
+              <a:rPr lang="en-US" altLang="zh-CN" sz="1600" dirty="0">
+                <a:latin typeface="微软雅黑" panose="020B0503020204020204" pitchFamily="34" charset="-122"/>
+                <a:ea typeface="微软雅黑" panose="020B0503020204020204" pitchFamily="34" charset="-122"/>
+              </a:rPr>
+              <a:t>8</a:t>
+            </a:r>
+            <a:r>
+              <a:rPr lang="zh-CN" altLang="en-US" sz="1600" dirty="0">
+                <a:latin typeface="微软雅黑" panose="020B0503020204020204" pitchFamily="34" charset="-122"/>
+                <a:ea typeface="微软雅黑" panose="020B0503020204020204" pitchFamily="34" charset="-122"/>
+              </a:rPr>
+              <a:t>）商户后台系统将</a:t>
+            </a:r>
+            <a:r>
+              <a:rPr lang="en-US" altLang="zh-CN" sz="1600" dirty="0" err="1">
+                <a:latin typeface="微软雅黑" panose="020B0503020204020204" pitchFamily="34" charset="-122"/>
+                <a:ea typeface="微软雅黑" panose="020B0503020204020204" pitchFamily="34" charset="-122"/>
+              </a:rPr>
+              <a:t>prepay_id</a:t>
+            </a:r>
+            <a:r>
+              <a:rPr lang="zh-CN" altLang="en-US" sz="1600" dirty="0">
+                <a:latin typeface="微软雅黑" panose="020B0503020204020204" pitchFamily="34" charset="-122"/>
+                <a:ea typeface="微软雅黑" panose="020B0503020204020204" pitchFamily="34" charset="-122"/>
+              </a:rPr>
+              <a:t>返回给微信支付系统。返回数据见</a:t>
+            </a:r>
+            <a:r>
+              <a:rPr lang="en-US" altLang="zh-CN" sz="1600" dirty="0">
+                <a:latin typeface="微软雅黑" panose="020B0503020204020204" pitchFamily="34" charset="-122"/>
+                <a:ea typeface="微软雅黑" panose="020B0503020204020204" pitchFamily="34" charset="-122"/>
+              </a:rPr>
+              <a:t>"</a:t>
+            </a:r>
+            <a:r>
+              <a:rPr lang="zh-CN" altLang="en-US" sz="1600" dirty="0">
+                <a:latin typeface="微软雅黑" panose="020B0503020204020204" pitchFamily="34" charset="-122"/>
+                <a:ea typeface="微软雅黑" panose="020B0503020204020204" pitchFamily="34" charset="-122"/>
+              </a:rPr>
+              <a:t>本节</a:t>
+            </a:r>
+            <a:r>
+              <a:rPr lang="en-US" altLang="zh-CN" sz="1600" dirty="0">
+                <a:latin typeface="微软雅黑" panose="020B0503020204020204" pitchFamily="34" charset="-122"/>
+                <a:ea typeface="微软雅黑" panose="020B0503020204020204" pitchFamily="34" charset="-122"/>
+              </a:rPr>
+              <a:t>3.2</a:t>
+            </a:r>
+            <a:r>
+              <a:rPr lang="zh-CN" altLang="en-US" sz="1600" dirty="0">
+                <a:latin typeface="微软雅黑" panose="020B0503020204020204" pitchFamily="34" charset="-122"/>
+                <a:ea typeface="微软雅黑" panose="020B0503020204020204" pitchFamily="34" charset="-122"/>
+              </a:rPr>
+              <a:t>回调数据输出参数</a:t>
+            </a:r>
+            <a:r>
+              <a:rPr lang="en-US" altLang="zh-CN" sz="1600" dirty="0">
+                <a:latin typeface="微软雅黑" panose="020B0503020204020204" pitchFamily="34" charset="-122"/>
+                <a:ea typeface="微软雅黑" panose="020B0503020204020204" pitchFamily="34" charset="-122"/>
+              </a:rPr>
+              <a:t>"</a:t>
+            </a:r>
+          </a:p>
+          <a:p>
+            <a:pPr marL="285750" indent="-285750">
+              <a:lnSpc>
+                <a:spcPts val="2400"/>
+              </a:lnSpc>
+              <a:buFont typeface="Arial" panose="020B0604020202020204" pitchFamily="34" charset="0"/>
+              <a:buChar char="•"/>
+            </a:pPr>
+            <a:r>
+              <a:rPr lang="zh-CN" altLang="en-US" sz="1600" dirty="0">
+                <a:latin typeface="微软雅黑" panose="020B0503020204020204" pitchFamily="34" charset="-122"/>
+                <a:ea typeface="微软雅黑" panose="020B0503020204020204" pitchFamily="34" charset="-122"/>
+              </a:rPr>
+              <a:t>（</a:t>
+            </a:r>
+            <a:r>
+              <a:rPr lang="en-US" altLang="zh-CN" sz="1600" dirty="0">
+                <a:latin typeface="微软雅黑" panose="020B0503020204020204" pitchFamily="34" charset="-122"/>
+                <a:ea typeface="微软雅黑" panose="020B0503020204020204" pitchFamily="34" charset="-122"/>
+              </a:rPr>
+              <a:t>9</a:t>
+            </a:r>
+            <a:r>
+              <a:rPr lang="zh-CN" altLang="en-US" sz="1600" dirty="0">
+                <a:latin typeface="微软雅黑" panose="020B0503020204020204" pitchFamily="34" charset="-122"/>
+                <a:ea typeface="微软雅黑" panose="020B0503020204020204" pitchFamily="34" charset="-122"/>
+              </a:rPr>
+              <a:t>）微信支付系统根据交易会话标识，发起用户端授权支付流程。</a:t>
+            </a:r>
+          </a:p>
+          <a:p>
+            <a:pPr marL="285750" indent="-285750">
+              <a:lnSpc>
+                <a:spcPts val="2400"/>
+              </a:lnSpc>
+              <a:buFont typeface="Arial" panose="020B0604020202020204" pitchFamily="34" charset="0"/>
+              <a:buChar char="•"/>
+            </a:pPr>
+            <a:r>
+              <a:rPr lang="zh-CN" altLang="en-US" sz="1600" dirty="0">
+                <a:latin typeface="微软雅黑" panose="020B0503020204020204" pitchFamily="34" charset="-122"/>
+                <a:ea typeface="微软雅黑" panose="020B0503020204020204" pitchFamily="34" charset="-122"/>
+              </a:rPr>
+              <a:t>（</a:t>
+            </a:r>
+            <a:r>
+              <a:rPr lang="en-US" altLang="zh-CN" sz="1600" dirty="0">
+                <a:latin typeface="微软雅黑" panose="020B0503020204020204" pitchFamily="34" charset="-122"/>
+                <a:ea typeface="微软雅黑" panose="020B0503020204020204" pitchFamily="34" charset="-122"/>
+              </a:rPr>
+              <a:t>10</a:t>
+            </a:r>
+            <a:r>
+              <a:rPr lang="zh-CN" altLang="en-US" sz="1600" dirty="0">
+                <a:latin typeface="微软雅黑" panose="020B0503020204020204" pitchFamily="34" charset="-122"/>
+                <a:ea typeface="微软雅黑" panose="020B0503020204020204" pitchFamily="34" charset="-122"/>
+              </a:rPr>
+              <a:t>）用户在微信客户端输入密码，确认支付后，微信客户端提交支付授权。</a:t>
+            </a:r>
+          </a:p>
+          <a:p>
+            <a:pPr marL="285750" indent="-285750">
+              <a:lnSpc>
+                <a:spcPts val="2400"/>
+              </a:lnSpc>
+              <a:buFont typeface="Arial" panose="020B0604020202020204" pitchFamily="34" charset="0"/>
+              <a:buChar char="•"/>
+            </a:pPr>
+            <a:r>
+              <a:rPr lang="zh-CN" altLang="en-US" sz="1600" dirty="0">
+                <a:latin typeface="微软雅黑" panose="020B0503020204020204" pitchFamily="34" charset="-122"/>
+                <a:ea typeface="微软雅黑" panose="020B0503020204020204" pitchFamily="34" charset="-122"/>
+              </a:rPr>
+              <a:t>（</a:t>
+            </a:r>
+            <a:r>
+              <a:rPr lang="en-US" altLang="zh-CN" sz="1600" dirty="0">
+                <a:latin typeface="微软雅黑" panose="020B0503020204020204" pitchFamily="34" charset="-122"/>
+                <a:ea typeface="微软雅黑" panose="020B0503020204020204" pitchFamily="34" charset="-122"/>
+              </a:rPr>
+              <a:t>11</a:t>
+            </a:r>
+            <a:r>
+              <a:rPr lang="zh-CN" altLang="en-US" sz="1600" dirty="0">
+                <a:latin typeface="微软雅黑" panose="020B0503020204020204" pitchFamily="34" charset="-122"/>
+                <a:ea typeface="微软雅黑" panose="020B0503020204020204" pitchFamily="34" charset="-122"/>
+              </a:rPr>
+              <a:t>）微信支付系统验证后扣款，完成支付交易。</a:t>
+            </a:r>
+          </a:p>
+          <a:p>
+            <a:pPr marL="285750" indent="-285750">
+              <a:lnSpc>
+                <a:spcPts val="2400"/>
+              </a:lnSpc>
+              <a:buFont typeface="Arial" panose="020B0604020202020204" pitchFamily="34" charset="0"/>
+              <a:buChar char="•"/>
+            </a:pPr>
+            <a:r>
+              <a:rPr lang="zh-CN" altLang="en-US" sz="1600" dirty="0">
+                <a:latin typeface="微软雅黑" panose="020B0503020204020204" pitchFamily="34" charset="-122"/>
+                <a:ea typeface="微软雅黑" panose="020B0503020204020204" pitchFamily="34" charset="-122"/>
+              </a:rPr>
+              <a:t>（</a:t>
+            </a:r>
+            <a:r>
+              <a:rPr lang="en-US" altLang="zh-CN" sz="1600" dirty="0">
+                <a:latin typeface="微软雅黑" panose="020B0503020204020204" pitchFamily="34" charset="-122"/>
+                <a:ea typeface="微软雅黑" panose="020B0503020204020204" pitchFamily="34" charset="-122"/>
+              </a:rPr>
+              <a:t>12</a:t>
+            </a:r>
+            <a:r>
+              <a:rPr lang="zh-CN" altLang="en-US" sz="1600" dirty="0">
+                <a:latin typeface="微软雅黑" panose="020B0503020204020204" pitchFamily="34" charset="-122"/>
+                <a:ea typeface="微软雅黑" panose="020B0503020204020204" pitchFamily="34" charset="-122"/>
+              </a:rPr>
+              <a:t>）微信支付系统完成支付交易后给微信客户端返回交易结果，并将交易结果通过短信、微信消息提示用户。微信客户端展示支付交易结果页面。</a:t>
+            </a:r>
+          </a:p>
+          <a:p>
+            <a:pPr marL="285750" indent="-285750">
+              <a:lnSpc>
+                <a:spcPts val="2400"/>
+              </a:lnSpc>
+              <a:buFont typeface="Arial" panose="020B0604020202020204" pitchFamily="34" charset="0"/>
+              <a:buChar char="•"/>
+            </a:pPr>
+            <a:r>
+              <a:rPr lang="zh-CN" altLang="en-US" sz="1600" dirty="0">
+                <a:latin typeface="微软雅黑" panose="020B0503020204020204" pitchFamily="34" charset="-122"/>
+                <a:ea typeface="微软雅黑" panose="020B0503020204020204" pitchFamily="34" charset="-122"/>
+              </a:rPr>
+              <a:t>（</a:t>
+            </a:r>
+            <a:r>
+              <a:rPr lang="en-US" altLang="zh-CN" sz="1600" dirty="0">
+                <a:latin typeface="微软雅黑" panose="020B0503020204020204" pitchFamily="34" charset="-122"/>
+                <a:ea typeface="微软雅黑" panose="020B0503020204020204" pitchFamily="34" charset="-122"/>
+              </a:rPr>
+              <a:t>13</a:t>
+            </a:r>
+            <a:r>
+              <a:rPr lang="zh-CN" altLang="en-US" sz="1600" dirty="0">
+                <a:latin typeface="微软雅黑" panose="020B0503020204020204" pitchFamily="34" charset="-122"/>
+                <a:ea typeface="微软雅黑" panose="020B0503020204020204" pitchFamily="34" charset="-122"/>
+              </a:rPr>
+              <a:t>）微信支付系统通过发送异步消息通知商户后台系统支付结果。商户后台系统需回复接收情况，通知微信后台系统不再发送该单的支付通知。</a:t>
             </a:r>
           </a:p>
         </p:txBody>

--- a/课程ppt/第11讲 微信支付与Oauth授权.pptx
+++ b/课程ppt/第11讲 微信支付与Oauth授权.pptx
@@ -9,10 +9,10 @@
     <p:sldMasterId id="2147483691" r:id="rId5"/>
   </p:sldMasterIdLst>
   <p:notesMasterIdLst>
-    <p:notesMasterId r:id="rId34"/>
+    <p:notesMasterId r:id="rId35"/>
   </p:notesMasterIdLst>
   <p:handoutMasterIdLst>
-    <p:handoutMasterId r:id="rId35"/>
+    <p:handoutMasterId r:id="rId36"/>
   </p:handoutMasterIdLst>
   <p:sldIdLst>
     <p:sldId id="257" r:id="rId6"/>
@@ -29,25 +29,26 @@
     <p:sldId id="490" r:id="rId17"/>
     <p:sldId id="460" r:id="rId18"/>
     <p:sldId id="480" r:id="rId19"/>
-    <p:sldId id="440" r:id="rId20"/>
-    <p:sldId id="439" r:id="rId21"/>
-    <p:sldId id="456" r:id="rId22"/>
-    <p:sldId id="452" r:id="rId23"/>
-    <p:sldId id="473" r:id="rId24"/>
-    <p:sldId id="477" r:id="rId25"/>
-    <p:sldId id="472" r:id="rId26"/>
-    <p:sldId id="469" r:id="rId27"/>
-    <p:sldId id="491" r:id="rId28"/>
-    <p:sldId id="487" r:id="rId29"/>
-    <p:sldId id="492" r:id="rId30"/>
-    <p:sldId id="488" r:id="rId31"/>
-    <p:sldId id="493" r:id="rId32"/>
-    <p:sldId id="311" r:id="rId33"/>
+    <p:sldId id="494" r:id="rId20"/>
+    <p:sldId id="440" r:id="rId21"/>
+    <p:sldId id="495" r:id="rId22"/>
+    <p:sldId id="439" r:id="rId23"/>
+    <p:sldId id="452" r:id="rId24"/>
+    <p:sldId id="473" r:id="rId25"/>
+    <p:sldId id="477" r:id="rId26"/>
+    <p:sldId id="472" r:id="rId27"/>
+    <p:sldId id="469" r:id="rId28"/>
+    <p:sldId id="491" r:id="rId29"/>
+    <p:sldId id="487" r:id="rId30"/>
+    <p:sldId id="492" r:id="rId31"/>
+    <p:sldId id="488" r:id="rId32"/>
+    <p:sldId id="493" r:id="rId33"/>
+    <p:sldId id="311" r:id="rId34"/>
   </p:sldIdLst>
   <p:sldSz cx="12192000" cy="6858000"/>
   <p:notesSz cx="6858000" cy="9144000"/>
   <p:custDataLst>
-    <p:tags r:id="rId36"/>
+    <p:tags r:id="rId37"/>
   </p:custDataLst>
   <p:defaultTextStyle>
     <a:defPPr>
@@ -278,7 +279,7 @@
           <a:p>
             <a:fld id="{2B71C804-97F5-4B36-A7AC-EEEC7F44F6C2}" type="datetimeFigureOut">
               <a:rPr lang="zh-CN" altLang="en-US" smtClean="0"/>
-              <a:t>2017/9/5</a:t>
+              <a:t>2017/9/6</a:t>
             </a:fld>
             <a:endParaRPr lang="zh-CN" altLang="en-US"/>
           </a:p>
@@ -444,7 +445,7 @@
           <a:p>
             <a:fld id="{0568D9C6-D8DC-4CC3-8480-E0C4DBA1CC07}" type="datetimeFigureOut">
               <a:rPr lang="zh-CN" altLang="en-US" smtClean="0"/>
-              <a:t>2017/9/5</a:t>
+              <a:t>2017/9/6</a:t>
             </a:fld>
             <a:endParaRPr lang="zh-CN" altLang="en-US"/>
           </a:p>
@@ -955,7 +956,7 @@
                 <a:ea typeface="宋体" charset="-122"/>
               </a:rPr>
               <a:pPr algn="r" eaLnBrk="1" hangingPunct="1"/>
-              <a:t>28</a:t>
+              <a:t>29</a:t>
             </a:fld>
             <a:endParaRPr lang="zh-CN" altLang="en-US" sz="1200">
               <a:latin typeface="Calibri" pitchFamily="34" charset="0"/>
@@ -1057,7 +1058,7 @@
           <a:p>
             <a:fld id="{DB9D664F-4C68-42D2-B189-678958EFAFDA}" type="datetime1">
               <a:rPr lang="zh-CN" altLang="en-US" smtClean="0"/>
-              <a:t>2017/9/5</a:t>
+              <a:t>2017/9/6</a:t>
             </a:fld>
             <a:endParaRPr lang="zh-CN" altLang="en-US"/>
           </a:p>
@@ -2039,7 +2040,7 @@
           <a:p>
             <a:fld id="{ED5513C8-E3A4-4D78-B249-887659A958FF}" type="datetime1">
               <a:rPr lang="en-US" altLang="zh-CN" smtClean="0"/>
-              <a:t>9/5/2017</a:t>
+              <a:t>9/6/2017</a:t>
             </a:fld>
             <a:endParaRPr lang="en-US"/>
           </a:p>
@@ -2217,7 +2218,7 @@
           <a:p>
             <a:fld id="{EBEDA52C-3EEE-4289-818C-901C0A7814FE}" type="datetime1">
               <a:rPr lang="en-US" altLang="zh-CN" smtClean="0"/>
-              <a:t>9/5/2017</a:t>
+              <a:t>9/6/2017</a:t>
             </a:fld>
             <a:endParaRPr lang="en-US"/>
           </a:p>
@@ -2471,7 +2472,7 @@
           <a:p>
             <a:fld id="{09EF5D7F-EA15-485C-85DD-8FDC010A62D4}" type="datetime1">
               <a:rPr lang="en-US" altLang="zh-CN" smtClean="0"/>
-              <a:t>9/5/2017</a:t>
+              <a:t>9/6/2017</a:t>
             </a:fld>
             <a:endParaRPr lang="en-US"/>
           </a:p>
@@ -2711,7 +2712,7 @@
           <a:p>
             <a:fld id="{9541C2B2-0BAB-4CD4-83EE-25F1A7138896}" type="datetime1">
               <a:rPr lang="en-US" altLang="zh-CN" smtClean="0"/>
-              <a:t>9/5/2017</a:t>
+              <a:t>9/6/2017</a:t>
             </a:fld>
             <a:endParaRPr lang="en-US"/>
           </a:p>
@@ -3086,7 +3087,7 @@
           <a:p>
             <a:fld id="{7DEA23E7-D0FC-41DC-8745-BE6FC447B182}" type="datetime1">
               <a:rPr lang="en-US" altLang="zh-CN" smtClean="0"/>
-              <a:t>9/5/2017</a:t>
+              <a:t>9/6/2017</a:t>
             </a:fld>
             <a:endParaRPr lang="en-US"/>
           </a:p>
@@ -3871,7 +3872,7 @@
           <a:p>
             <a:fld id="{5DEA8378-5F33-490B-8120-8DE6B7EE2781}" type="datetime1">
               <a:rPr lang="en-US" altLang="zh-CN" smtClean="0"/>
-              <a:t>9/5/2017</a:t>
+              <a:t>9/6/2017</a:t>
             </a:fld>
             <a:endParaRPr lang="en-US"/>
           </a:p>
@@ -4125,7 +4126,7 @@
           <a:p>
             <a:fld id="{38DD30CF-78A7-4C73-91B4-38D3E3317745}" type="datetime1">
               <a:rPr lang="en-US" altLang="zh-CN" smtClean="0"/>
-              <a:t>9/5/2017</a:t>
+              <a:t>9/6/2017</a:t>
             </a:fld>
             <a:endParaRPr lang="en-US"/>
           </a:p>
@@ -4228,7 +4229,7 @@
           <a:p>
             <a:fld id="{A1BE0A72-8501-4974-A7B7-5BD248ABBAFC}" type="datetime1">
               <a:rPr lang="zh-CN" altLang="en-US" smtClean="0"/>
-              <a:t>2017/9/5</a:t>
+              <a:t>2017/9/6</a:t>
             </a:fld>
             <a:endParaRPr lang="zh-CN" altLang="en-US"/>
           </a:p>
@@ -4489,7 +4490,7 @@
           <a:p>
             <a:fld id="{0B7E01DD-16D0-4DBA-9C1A-51468BA0B73A}" type="datetime1">
               <a:rPr lang="en-US" altLang="zh-CN" smtClean="0"/>
-              <a:t>9/5/2017</a:t>
+              <a:t>9/6/2017</a:t>
             </a:fld>
             <a:endParaRPr lang="en-US"/>
           </a:p>
@@ -4667,7 +4668,7 @@
           <a:p>
             <a:fld id="{B587E63F-0E62-4A50-901F-E071D77F7634}" type="datetime1">
               <a:rPr lang="en-US" altLang="zh-CN" smtClean="0"/>
-              <a:t>9/5/2017</a:t>
+              <a:t>9/6/2017</a:t>
             </a:fld>
             <a:endParaRPr lang="en-US"/>
           </a:p>
@@ -4855,7 +4856,7 @@
           <a:p>
             <a:fld id="{BD8521E8-9297-400B-AD8C-0A4D05699D33}" type="datetime1">
               <a:rPr lang="en-US" altLang="zh-CN" smtClean="0"/>
-              <a:t>9/5/2017</a:t>
+              <a:t>9/6/2017</a:t>
             </a:fld>
             <a:endParaRPr lang="en-US"/>
           </a:p>
@@ -5086,7 +5087,7 @@
           <a:p>
             <a:fld id="{ED5513C8-E3A4-4D78-B249-887659A958FF}" type="datetime1">
               <a:rPr lang="en-US" altLang="zh-CN" smtClean="0"/>
-              <a:t>9/5/2017</a:t>
+              <a:t>9/6/2017</a:t>
             </a:fld>
             <a:endParaRPr lang="en-US"/>
           </a:p>
@@ -5264,7 +5265,7 @@
           <a:p>
             <a:fld id="{EBEDA52C-3EEE-4289-818C-901C0A7814FE}" type="datetime1">
               <a:rPr lang="en-US" altLang="zh-CN" smtClean="0"/>
-              <a:t>9/5/2017</a:t>
+              <a:t>9/6/2017</a:t>
             </a:fld>
             <a:endParaRPr lang="en-US"/>
           </a:p>
@@ -5518,7 +5519,7 @@
           <a:p>
             <a:fld id="{09EF5D7F-EA15-485C-85DD-8FDC010A62D4}" type="datetime1">
               <a:rPr lang="en-US" altLang="zh-CN" smtClean="0"/>
-              <a:t>9/5/2017</a:t>
+              <a:t>9/6/2017</a:t>
             </a:fld>
             <a:endParaRPr lang="en-US"/>
           </a:p>
@@ -5758,7 +5759,7 @@
           <a:p>
             <a:fld id="{9541C2B2-0BAB-4CD4-83EE-25F1A7138896}" type="datetime1">
               <a:rPr lang="en-US" altLang="zh-CN" smtClean="0"/>
-              <a:t>9/5/2017</a:t>
+              <a:t>9/6/2017</a:t>
             </a:fld>
             <a:endParaRPr lang="en-US"/>
           </a:p>
@@ -6133,7 +6134,7 @@
           <a:p>
             <a:fld id="{7DEA23E7-D0FC-41DC-8745-BE6FC447B182}" type="datetime1">
               <a:rPr lang="en-US" altLang="zh-CN" smtClean="0"/>
-              <a:t>9/5/2017</a:t>
+              <a:t>9/6/2017</a:t>
             </a:fld>
             <a:endParaRPr lang="en-US"/>
           </a:p>
@@ -6918,7 +6919,7 @@
           <a:p>
             <a:fld id="{A1BE0A72-8501-4974-A7B7-5BD248ABBAFC}" type="datetime1">
               <a:rPr lang="zh-CN" altLang="en-US" smtClean="0"/>
-              <a:t>2017/9/5</a:t>
+              <a:t>2017/9/6</a:t>
             </a:fld>
             <a:endParaRPr lang="zh-CN" altLang="en-US"/>
           </a:p>
@@ -6971,7 +6972,7 @@
           <a:p>
             <a:fld id="{5DEA8378-5F33-490B-8120-8DE6B7EE2781}" type="datetime1">
               <a:rPr lang="en-US" altLang="zh-CN" smtClean="0"/>
-              <a:t>9/5/2017</a:t>
+              <a:t>9/6/2017</a:t>
             </a:fld>
             <a:endParaRPr lang="en-US"/>
           </a:p>
@@ -7225,7 +7226,7 @@
           <a:p>
             <a:fld id="{38DD30CF-78A7-4C73-91B4-38D3E3317745}" type="datetime1">
               <a:rPr lang="en-US" altLang="zh-CN" smtClean="0"/>
-              <a:t>9/5/2017</a:t>
+              <a:t>9/6/2017</a:t>
             </a:fld>
             <a:endParaRPr lang="en-US"/>
           </a:p>
@@ -7490,7 +7491,7 @@
           <a:p>
             <a:fld id="{0B7E01DD-16D0-4DBA-9C1A-51468BA0B73A}" type="datetime1">
               <a:rPr lang="en-US" altLang="zh-CN" smtClean="0"/>
-              <a:t>9/5/2017</a:t>
+              <a:t>9/6/2017</a:t>
             </a:fld>
             <a:endParaRPr lang="en-US"/>
           </a:p>
@@ -7668,7 +7669,7 @@
           <a:p>
             <a:fld id="{B587E63F-0E62-4A50-901F-E071D77F7634}" type="datetime1">
               <a:rPr lang="en-US" altLang="zh-CN" smtClean="0"/>
-              <a:t>9/5/2017</a:t>
+              <a:t>9/6/2017</a:t>
             </a:fld>
             <a:endParaRPr lang="en-US"/>
           </a:p>
@@ -7856,7 +7857,7 @@
           <a:p>
             <a:fld id="{BD8521E8-9297-400B-AD8C-0A4D05699D33}" type="datetime1">
               <a:rPr lang="en-US" altLang="zh-CN" smtClean="0"/>
-              <a:t>9/5/2017</a:t>
+              <a:t>9/6/2017</a:t>
             </a:fld>
             <a:endParaRPr lang="en-US"/>
           </a:p>
@@ -7959,7 +7960,7 @@
           <a:p>
             <a:fld id="{EF452D9C-F9EB-4417-9C3A-C876C2AF9415}" type="datetime1">
               <a:rPr lang="zh-CN" altLang="en-US" smtClean="0"/>
-              <a:t>2017/9/5</a:t>
+              <a:t>2017/9/6</a:t>
             </a:fld>
             <a:endParaRPr lang="zh-CN" altLang="en-US"/>
           </a:p>
@@ -8145,7 +8146,7 @@
           <a:p>
             <a:fld id="{2F2E9289-9B4C-49AE-BDDA-70D6EDC89D17}" type="datetime1">
               <a:rPr lang="zh-CN" altLang="en-US" smtClean="0"/>
-              <a:t>2017/9/5</a:t>
+              <a:t>2017/9/6</a:t>
             </a:fld>
             <a:endParaRPr lang="zh-CN" altLang="en-US"/>
           </a:p>
@@ -8315,7 +8316,7 @@
           <a:p>
             <a:fld id="{2F2E9289-9B4C-49AE-BDDA-70D6EDC89D17}" type="datetime1">
               <a:rPr lang="zh-CN" altLang="en-US" smtClean="0"/>
-              <a:t>2017/9/5</a:t>
+              <a:t>2017/9/6</a:t>
             </a:fld>
             <a:endParaRPr lang="zh-CN" altLang="en-US"/>
           </a:p>
@@ -8551,7 +8552,7 @@
           <a:p>
             <a:fld id="{8C5BA751-A251-47D6-8494-C134D9EBED5F}" type="datetime1">
               <a:rPr lang="zh-CN" altLang="en-US" smtClean="0"/>
-              <a:t>2017/9/5</a:t>
+              <a:t>2017/9/6</a:t>
             </a:fld>
             <a:endParaRPr lang="zh-CN" altLang="en-US"/>
           </a:p>
@@ -8907,7 +8908,7 @@
           <a:p>
             <a:fld id="{C46E2078-F302-4651-A2A2-2FC6C4E1A3F1}" type="datetime1">
               <a:rPr lang="zh-CN" altLang="en-US" smtClean="0"/>
-              <a:t>2017/9/5</a:t>
+              <a:t>2017/9/6</a:t>
             </a:fld>
             <a:endParaRPr lang="zh-CN" altLang="en-US"/>
           </a:p>
@@ -9029,7 +9030,7 @@
               <a:pPr>
                 <a:defRPr/>
               </a:pPr>
-              <a:t>2017/9/5</a:t>
+              <a:t>2017/9/6</a:t>
             </a:fld>
             <a:endParaRPr lang="zh-CN" altLang="en-US"/>
           </a:p>
@@ -9177,7 +9178,7 @@
           <a:p>
             <a:fld id="{A1BE0A72-8501-4974-A7B7-5BD248ABBAFC}" type="datetime1">
               <a:rPr lang="zh-CN" altLang="en-US" smtClean="0"/>
-              <a:t>2017/9/5</a:t>
+              <a:t>2017/9/6</a:t>
             </a:fld>
             <a:endParaRPr lang="zh-CN" altLang="en-US"/>
           </a:p>
@@ -9691,7 +9692,7 @@
           <a:p>
             <a:fld id="{A1BE0A72-8501-4974-A7B7-5BD248ABBAFC}" type="datetime1">
               <a:rPr lang="zh-CN" altLang="en-US" smtClean="0"/>
-              <a:t>2017/9/5</a:t>
+              <a:t>2017/9/6</a:t>
             </a:fld>
             <a:endParaRPr lang="zh-CN" altLang="en-US"/>
           </a:p>
@@ -10297,7 +10298,7 @@
           <a:p>
             <a:fld id="{7A78726F-0AD2-4A20-BC72-263D2D3F3A2F}" type="datetime1">
               <a:rPr lang="en-US" altLang="zh-CN" smtClean="0"/>
-              <a:t>9/5/2017</a:t>
+              <a:t>9/6/2017</a:t>
             </a:fld>
             <a:endParaRPr lang="en-US"/>
           </a:p>
@@ -11278,7 +11279,7 @@
           <a:p>
             <a:fld id="{A1BE0A72-8501-4974-A7B7-5BD248ABBAFC}" type="datetime1">
               <a:rPr lang="zh-CN" altLang="en-US" smtClean="0"/>
-              <a:t>2017/9/5</a:t>
+              <a:t>2017/9/6</a:t>
             </a:fld>
             <a:endParaRPr lang="zh-CN" altLang="en-US"/>
           </a:p>
@@ -11884,7 +11885,7 @@
           <a:p>
             <a:fld id="{7A78726F-0AD2-4A20-BC72-263D2D3F3A2F}" type="datetime1">
               <a:rPr lang="en-US" altLang="zh-CN" smtClean="0"/>
-              <a:t>9/5/2017</a:t>
+              <a:t>9/6/2017</a:t>
             </a:fld>
             <a:endParaRPr lang="en-US"/>
           </a:p>
@@ -15107,7 +15108,7 @@
         <p:spPr>
           <a:xfrm>
             <a:off x="1054099" y="1629300"/>
-            <a:ext cx="8257049" cy="1754326"/>
+            <a:ext cx="9908869" cy="1338828"/>
           </a:xfrm>
           <a:prstGeom prst="rect">
             <a:avLst/>
@@ -15242,12 +15243,380 @@
           <a:lstStyle/>
           <a:p>
             <a:r>
-              <a:rPr lang="en-US" altLang="zh-CN" b="0" dirty="0" err="1"/>
-              <a:t>Oauth</a:t>
-            </a:r>
-            <a:r>
               <a:rPr lang="zh-CN" altLang="en-US" b="0" dirty="0"/>
-              <a:t>优点</a:t>
+              <a:t>应用场景</a:t>
+            </a:r>
+          </a:p>
+        </p:txBody>
+      </p:sp>
+      <p:sp>
+        <p:nvSpPr>
+          <p:cNvPr id="4" name="矩形 3">
+            <a:extLst>
+              <a:ext uri="{FF2B5EF4-FFF2-40B4-BE49-F238E27FC236}">
+                <a16:creationId xmlns:a16="http://schemas.microsoft.com/office/drawing/2014/main" id="{1F3B1BAA-77C0-498C-A5D5-B0BBEC194F7A}"/>
+              </a:ext>
+            </a:extLst>
+          </p:cNvPr>
+          <p:cNvSpPr/>
+          <p:nvPr/>
+        </p:nvSpPr>
+        <p:spPr>
+          <a:xfrm>
+            <a:off x="1150373" y="1748299"/>
+            <a:ext cx="9930582" cy="3618939"/>
+          </a:xfrm>
+          <a:prstGeom prst="rect">
+            <a:avLst/>
+          </a:prstGeom>
+        </p:spPr>
+        <p:txBody>
+          <a:bodyPr wrap="square">
+            <a:spAutoFit/>
+          </a:bodyPr>
+          <a:lstStyle/>
+          <a:p>
+            <a:pPr marL="285750" indent="-285750">
+              <a:lnSpc>
+                <a:spcPts val="2500"/>
+              </a:lnSpc>
+              <a:buFont typeface="Arial" panose="020B0604020202020204" pitchFamily="34" charset="0"/>
+              <a:buChar char="•"/>
+            </a:pPr>
+            <a:r>
+              <a:rPr lang="en-US" altLang="zh-CN" dirty="0">
+                <a:ea typeface="微软雅黑" panose="020B0503020204020204" pitchFamily="34" charset="-122"/>
+              </a:rPr>
+              <a:t>OAuth</a:t>
+            </a:r>
+            <a:r>
+              <a:rPr lang="zh-CN" altLang="en-US" dirty="0">
+                <a:ea typeface="微软雅黑" panose="020B0503020204020204" pitchFamily="34" charset="-122"/>
+              </a:rPr>
+              <a:t>的出现是为了解决这样一个问题：</a:t>
+            </a:r>
+          </a:p>
+          <a:p>
+            <a:pPr lvl="1">
+              <a:lnSpc>
+                <a:spcPts val="2500"/>
+              </a:lnSpc>
+            </a:pPr>
+            <a:r>
+              <a:rPr lang="zh-CN" altLang="en-US" dirty="0">
+                <a:ea typeface="微软雅黑" panose="020B0503020204020204" pitchFamily="34" charset="-122"/>
+              </a:rPr>
+              <a:t>场景：</a:t>
+            </a:r>
+          </a:p>
+          <a:p>
+            <a:pPr lvl="1">
+              <a:lnSpc>
+                <a:spcPts val="2500"/>
+              </a:lnSpc>
+            </a:pPr>
+            <a:r>
+              <a:rPr lang="en-US" altLang="zh-CN" dirty="0">
+                <a:ea typeface="微软雅黑" panose="020B0503020204020204" pitchFamily="34" charset="-122"/>
+              </a:rPr>
+              <a:t>1</a:t>
+            </a:r>
+            <a:r>
+              <a:rPr lang="zh-CN" altLang="en-US" dirty="0">
+                <a:ea typeface="微软雅黑" panose="020B0503020204020204" pitchFamily="34" charset="-122"/>
+              </a:rPr>
+              <a:t>，你有一个</a:t>
+            </a:r>
+            <a:r>
+              <a:rPr lang="en-US" altLang="zh-CN" dirty="0">
+                <a:ea typeface="微软雅黑" panose="020B0503020204020204" pitchFamily="34" charset="-122"/>
+              </a:rPr>
+              <a:t>Flickr</a:t>
+            </a:r>
+            <a:r>
+              <a:rPr lang="zh-CN" altLang="en-US" dirty="0">
+                <a:ea typeface="微软雅黑" panose="020B0503020204020204" pitchFamily="34" charset="-122"/>
+              </a:rPr>
+              <a:t>帐号，在上面有很多照片；</a:t>
+            </a:r>
+            <a:br>
+              <a:rPr lang="zh-CN" altLang="en-US" dirty="0">
+                <a:ea typeface="微软雅黑" panose="020B0503020204020204" pitchFamily="34" charset="-122"/>
+              </a:rPr>
+            </a:br>
+            <a:r>
+              <a:rPr lang="en-US" altLang="zh-CN" dirty="0">
+                <a:ea typeface="微软雅黑" panose="020B0503020204020204" pitchFamily="34" charset="-122"/>
+              </a:rPr>
+              <a:t>2</a:t>
+            </a:r>
+            <a:r>
+              <a:rPr lang="zh-CN" altLang="en-US" dirty="0">
+                <a:ea typeface="微软雅黑" panose="020B0503020204020204" pitchFamily="34" charset="-122"/>
+              </a:rPr>
+              <a:t>，你需要使用某照片打印网站打印</a:t>
+            </a:r>
+            <a:r>
+              <a:rPr lang="en-US" altLang="zh-CN" dirty="0">
+                <a:ea typeface="微软雅黑" panose="020B0503020204020204" pitchFamily="34" charset="-122"/>
+              </a:rPr>
+              <a:t>Flickr</a:t>
+            </a:r>
+            <a:r>
+              <a:rPr lang="zh-CN" altLang="en-US" dirty="0">
+                <a:ea typeface="微软雅黑" panose="020B0503020204020204" pitchFamily="34" charset="-122"/>
+              </a:rPr>
+              <a:t>上面的照片，你可以：</a:t>
+            </a:r>
+            <a:br>
+              <a:rPr lang="zh-CN" altLang="en-US" dirty="0">
+                <a:ea typeface="微软雅黑" panose="020B0503020204020204" pitchFamily="34" charset="-122"/>
+              </a:rPr>
+            </a:br>
+            <a:r>
+              <a:rPr lang="en-US" altLang="zh-CN" dirty="0">
+                <a:ea typeface="微软雅黑" panose="020B0503020204020204" pitchFamily="34" charset="-122"/>
+              </a:rPr>
+              <a:t>2.1</a:t>
+            </a:r>
+            <a:r>
+              <a:rPr lang="zh-CN" altLang="en-US" dirty="0">
+                <a:ea typeface="微软雅黑" panose="020B0503020204020204" pitchFamily="34" charset="-122"/>
+              </a:rPr>
+              <a:t>，从</a:t>
+            </a:r>
+            <a:r>
+              <a:rPr lang="en-US" altLang="zh-CN" dirty="0">
+                <a:ea typeface="微软雅黑" panose="020B0503020204020204" pitchFamily="34" charset="-122"/>
+              </a:rPr>
+              <a:t>Flickr</a:t>
+            </a:r>
+            <a:r>
+              <a:rPr lang="zh-CN" altLang="en-US" dirty="0">
+                <a:ea typeface="微软雅黑" panose="020B0503020204020204" pitchFamily="34" charset="-122"/>
+              </a:rPr>
+              <a:t>下载照片到本地，然后从电脑里上传照片到打印网站；</a:t>
+            </a:r>
+            <a:br>
+              <a:rPr lang="zh-CN" altLang="en-US" dirty="0">
+                <a:ea typeface="微软雅黑" panose="020B0503020204020204" pitchFamily="34" charset="-122"/>
+              </a:rPr>
+            </a:br>
+            <a:r>
+              <a:rPr lang="en-US" altLang="zh-CN" dirty="0">
+                <a:ea typeface="微软雅黑" panose="020B0503020204020204" pitchFamily="34" charset="-122"/>
+              </a:rPr>
+              <a:t>2.2</a:t>
+            </a:r>
+            <a:r>
+              <a:rPr lang="zh-CN" altLang="en-US" dirty="0">
+                <a:ea typeface="微软雅黑" panose="020B0503020204020204" pitchFamily="34" charset="-122"/>
+              </a:rPr>
+              <a:t>，在照片打印网站输入</a:t>
+            </a:r>
+            <a:r>
+              <a:rPr lang="en-US" altLang="zh-CN" dirty="0">
+                <a:ea typeface="微软雅黑" panose="020B0503020204020204" pitchFamily="34" charset="-122"/>
+              </a:rPr>
+              <a:t>Flickr</a:t>
+            </a:r>
+            <a:r>
+              <a:rPr lang="zh-CN" altLang="en-US" dirty="0">
+                <a:ea typeface="微软雅黑" panose="020B0503020204020204" pitchFamily="34" charset="-122"/>
+              </a:rPr>
+              <a:t>的帐号密码，直接让网站去</a:t>
+            </a:r>
+            <a:r>
+              <a:rPr lang="en-US" altLang="zh-CN" dirty="0">
+                <a:ea typeface="微软雅黑" panose="020B0503020204020204" pitchFamily="34" charset="-122"/>
+              </a:rPr>
+              <a:t>Flickr</a:t>
+            </a:r>
+            <a:r>
+              <a:rPr lang="zh-CN" altLang="en-US" dirty="0">
+                <a:ea typeface="微软雅黑" panose="020B0503020204020204" pitchFamily="34" charset="-122"/>
+              </a:rPr>
+              <a:t>读照片；</a:t>
+            </a:r>
+            <a:endParaRPr lang="en-US" altLang="zh-CN" dirty="0">
+              <a:ea typeface="微软雅黑" panose="020B0503020204020204" pitchFamily="34" charset="-122"/>
+            </a:endParaRPr>
+          </a:p>
+          <a:p>
+            <a:pPr lvl="1">
+              <a:lnSpc>
+                <a:spcPts val="2500"/>
+              </a:lnSpc>
+            </a:pPr>
+            <a:r>
+              <a:rPr lang="zh-CN" altLang="en-US" dirty="0">
+                <a:solidFill>
+                  <a:schemeClr val="accent6">
+                    <a:lumMod val="75000"/>
+                  </a:schemeClr>
+                </a:solidFill>
+                <a:ea typeface="微软雅黑" panose="020B0503020204020204" pitchFamily="34" charset="-122"/>
+              </a:rPr>
+              <a:t>问题：把</a:t>
+            </a:r>
+            <a:r>
+              <a:rPr lang="en-US" altLang="zh-CN" dirty="0">
+                <a:solidFill>
+                  <a:schemeClr val="accent6">
+                    <a:lumMod val="75000"/>
+                  </a:schemeClr>
+                </a:solidFill>
+                <a:ea typeface="微软雅黑" panose="020B0503020204020204" pitchFamily="34" charset="-122"/>
+              </a:rPr>
+              <a:t>Flickr</a:t>
+            </a:r>
+            <a:r>
+              <a:rPr lang="zh-CN" altLang="en-US" dirty="0">
+                <a:solidFill>
+                  <a:schemeClr val="accent6">
+                    <a:lumMod val="75000"/>
+                  </a:schemeClr>
+                </a:solidFill>
+                <a:ea typeface="微软雅黑" panose="020B0503020204020204" pitchFamily="34" charset="-122"/>
+              </a:rPr>
+              <a:t>帐号密码透露给了第三方。</a:t>
+            </a:r>
+          </a:p>
+          <a:p>
+            <a:pPr marL="285750" indent="-285750">
+              <a:lnSpc>
+                <a:spcPts val="2500"/>
+              </a:lnSpc>
+              <a:buFont typeface="Arial" panose="020B0604020202020204" pitchFamily="34" charset="0"/>
+              <a:buChar char="•"/>
+            </a:pPr>
+            <a:r>
+              <a:rPr lang="zh-CN" altLang="en-US" dirty="0">
+                <a:ea typeface="微软雅黑" panose="020B0503020204020204" pitchFamily="34" charset="-122"/>
+              </a:rPr>
+              <a:t>解决方案：</a:t>
+            </a:r>
+            <a:endParaRPr lang="en-US" altLang="zh-CN" dirty="0">
+              <a:ea typeface="微软雅黑" panose="020B0503020204020204" pitchFamily="34" charset="-122"/>
+            </a:endParaRPr>
+          </a:p>
+          <a:p>
+            <a:pPr lvl="1">
+              <a:lnSpc>
+                <a:spcPts val="2500"/>
+              </a:lnSpc>
+            </a:pPr>
+            <a:r>
+              <a:rPr lang="en-US" altLang="zh-CN" b="1" dirty="0">
+                <a:ea typeface="微软雅黑" panose="020B0503020204020204" pitchFamily="34" charset="-122"/>
+              </a:rPr>
+              <a:t>OAuth</a:t>
+            </a:r>
+            <a:r>
+              <a:rPr lang="zh-CN" altLang="en-US" b="1" dirty="0">
+                <a:ea typeface="微软雅黑" panose="020B0503020204020204" pitchFamily="34" charset="-122"/>
+              </a:rPr>
+              <a:t>是让第三方应用不需要用户名密码读取用户数据的一个认证过程。</a:t>
+            </a:r>
+            <a:endParaRPr lang="zh-CN" altLang="en-US" dirty="0">
+              <a:ea typeface="微软雅黑" panose="020B0503020204020204" pitchFamily="34" charset="-122"/>
+            </a:endParaRPr>
+          </a:p>
+          <a:p>
+            <a:pPr lvl="1">
+              <a:lnSpc>
+                <a:spcPts val="2500"/>
+              </a:lnSpc>
+            </a:pPr>
+            <a:r>
+              <a:rPr lang="zh-CN" altLang="en-US" dirty="0">
+                <a:ea typeface="微软雅黑" panose="020B0503020204020204" pitchFamily="34" charset="-122"/>
+              </a:rPr>
+              <a:t>上面的场景中，</a:t>
+            </a:r>
+            <a:r>
+              <a:rPr lang="en-US" altLang="zh-CN" dirty="0">
+                <a:ea typeface="微软雅黑" panose="020B0503020204020204" pitchFamily="34" charset="-122"/>
+              </a:rPr>
+              <a:t>Flickr</a:t>
+            </a:r>
+            <a:r>
+              <a:rPr lang="zh-CN" altLang="en-US" dirty="0">
+                <a:ea typeface="微软雅黑" panose="020B0503020204020204" pitchFamily="34" charset="-122"/>
+              </a:rPr>
+              <a:t>有</a:t>
+            </a:r>
+            <a:r>
+              <a:rPr lang="en-US" altLang="zh-CN" dirty="0">
+                <a:ea typeface="微软雅黑" panose="020B0503020204020204" pitchFamily="34" charset="-122"/>
+              </a:rPr>
+              <a:t>API</a:t>
+            </a:r>
+            <a:r>
+              <a:rPr lang="zh-CN" altLang="en-US" dirty="0">
+                <a:ea typeface="微软雅黑" panose="020B0503020204020204" pitchFamily="34" charset="-122"/>
+              </a:rPr>
+              <a:t>支持</a:t>
+            </a:r>
+            <a:r>
+              <a:rPr lang="en-US" altLang="zh-CN" dirty="0">
+                <a:ea typeface="微软雅黑" panose="020B0503020204020204" pitchFamily="34" charset="-122"/>
+              </a:rPr>
+              <a:t>OAuth</a:t>
+            </a:r>
+            <a:r>
+              <a:rPr lang="zh-CN" altLang="en-US" dirty="0">
+                <a:ea typeface="微软雅黑" panose="020B0503020204020204" pitchFamily="34" charset="-122"/>
+              </a:rPr>
+              <a:t>，那么打印网站需要根据</a:t>
+            </a:r>
+            <a:r>
+              <a:rPr lang="en-US" altLang="zh-CN" dirty="0">
+                <a:ea typeface="微软雅黑" panose="020B0503020204020204" pitchFamily="34" charset="-122"/>
+              </a:rPr>
+              <a:t>API</a:t>
+            </a:r>
+            <a:r>
+              <a:rPr lang="zh-CN" altLang="en-US" dirty="0">
+                <a:ea typeface="微软雅黑" panose="020B0503020204020204" pitchFamily="34" charset="-122"/>
+              </a:rPr>
+              <a:t>注册应用，打印网站可以要求用户授权访问</a:t>
+            </a:r>
+            <a:r>
+              <a:rPr lang="en-US" altLang="zh-CN" dirty="0">
+                <a:ea typeface="微软雅黑" panose="020B0503020204020204" pitchFamily="34" charset="-122"/>
+              </a:rPr>
+              <a:t>Flickr</a:t>
+            </a:r>
+            <a:r>
+              <a:rPr lang="zh-CN" altLang="en-US" dirty="0">
+                <a:ea typeface="微软雅黑" panose="020B0503020204020204" pitchFamily="34" charset="-122"/>
+              </a:rPr>
+              <a:t>照片，而不是提供</a:t>
+            </a:r>
+            <a:r>
+              <a:rPr lang="en-US" altLang="zh-CN" dirty="0">
+                <a:ea typeface="微软雅黑" panose="020B0503020204020204" pitchFamily="34" charset="-122"/>
+              </a:rPr>
+              <a:t>Flickr</a:t>
+            </a:r>
+            <a:r>
+              <a:rPr lang="zh-CN" altLang="en-US" dirty="0">
+                <a:ea typeface="微软雅黑" panose="020B0503020204020204" pitchFamily="34" charset="-122"/>
+              </a:rPr>
+              <a:t>的帐号密码。这个授权过程就是</a:t>
+            </a:r>
+            <a:r>
+              <a:rPr lang="en-US" altLang="zh-CN" dirty="0">
+                <a:ea typeface="微软雅黑" panose="020B0503020204020204" pitchFamily="34" charset="-122"/>
+              </a:rPr>
+              <a:t>OAuth</a:t>
+            </a:r>
+            <a:r>
+              <a:rPr lang="zh-CN" altLang="en-US" dirty="0">
+                <a:ea typeface="微软雅黑" panose="020B0503020204020204" pitchFamily="34" charset="-122"/>
+              </a:rPr>
+              <a:t>的作用。</a:t>
             </a:r>
           </a:p>
         </p:txBody>
@@ -15255,7 +15624,7 @@
     </p:spTree>
     <p:extLst>
       <p:ext uri="{BB962C8B-B14F-4D97-AF65-F5344CB8AC3E}">
-        <p14:creationId xmlns:p14="http://schemas.microsoft.com/office/powerpoint/2010/main" val="3020456092"/>
+        <p14:creationId xmlns:p14="http://schemas.microsoft.com/office/powerpoint/2010/main" val="3536621535"/>
       </p:ext>
     </p:extLst>
   </p:cSld>
@@ -15284,18 +15653,18 @@
       </p:grpSpPr>
       <p:sp>
         <p:nvSpPr>
-          <p:cNvPr id="3" name="内容占位符 2"/>
+          <p:cNvPr id="2" name="内容占位符 1"/>
           <p:cNvSpPr>
             <a:spLocks noGrp="1"/>
           </p:cNvSpPr>
           <p:nvPr>
-            <p:ph sz="quarter" idx="15"/>
+            <p:ph sz="quarter" idx="13"/>
           </p:nvPr>
         </p:nvSpPr>
         <p:spPr>
           <a:xfrm>
-            <a:off x="917621" y="516340"/>
-            <a:ext cx="7011941" cy="685800"/>
+            <a:off x="1054099" y="543636"/>
+            <a:ext cx="7032626" cy="685800"/>
           </a:xfrm>
         </p:spPr>
         <p:txBody>
@@ -15303,8 +15672,286 @@
           <a:lstStyle/>
           <a:p>
             <a:r>
+              <a:rPr lang="en-US" altLang="zh-CN" b="0" dirty="0" err="1"/>
+              <a:t>Oauth</a:t>
+            </a:r>
+            <a:r>
               <a:rPr lang="zh-CN" altLang="en-US" b="0" dirty="0"/>
-              <a:t>基本处理流程</a:t>
+              <a:t>的思路</a:t>
+            </a:r>
+          </a:p>
+        </p:txBody>
+      </p:sp>
+      <p:sp>
+        <p:nvSpPr>
+          <p:cNvPr id="3" name="矩形 2">
+            <a:extLst>
+              <a:ext uri="{FF2B5EF4-FFF2-40B4-BE49-F238E27FC236}">
+                <a16:creationId xmlns:a16="http://schemas.microsoft.com/office/drawing/2014/main" id="{D126E1C9-41AB-4575-ADB5-B6DDD8583E97}"/>
+              </a:ext>
+            </a:extLst>
+          </p:cNvPr>
+          <p:cNvSpPr/>
+          <p:nvPr/>
+        </p:nvSpPr>
+        <p:spPr>
+          <a:xfrm>
+            <a:off x="1054099" y="1783226"/>
+            <a:ext cx="10233333" cy="2537874"/>
+          </a:xfrm>
+          <a:prstGeom prst="rect">
+            <a:avLst/>
+          </a:prstGeom>
+        </p:spPr>
+        <p:txBody>
+          <a:bodyPr wrap="square">
+            <a:spAutoFit/>
+          </a:bodyPr>
+          <a:lstStyle/>
+          <a:p>
+            <a:pPr marL="285750" indent="-285750">
+              <a:lnSpc>
+                <a:spcPct val="150000"/>
+              </a:lnSpc>
+              <a:buFont typeface="Arial" panose="020B0604020202020204" pitchFamily="34" charset="0"/>
+              <a:buChar char="•"/>
+            </a:pPr>
+            <a:r>
+              <a:rPr lang="en-US" altLang="zh-CN" dirty="0">
+                <a:ea typeface="微软雅黑" panose="020B0503020204020204" pitchFamily="34" charset="-122"/>
+              </a:rPr>
+              <a:t>OAuth</a:t>
+            </a:r>
+            <a:r>
+              <a:rPr lang="zh-CN" altLang="en-US" dirty="0">
+                <a:ea typeface="微软雅黑" panose="020B0503020204020204" pitchFamily="34" charset="-122"/>
+              </a:rPr>
+              <a:t>在</a:t>
+            </a:r>
+            <a:r>
+              <a:rPr lang="en-US" altLang="zh-CN" dirty="0">
+                <a:ea typeface="微软雅黑" panose="020B0503020204020204" pitchFamily="34" charset="-122"/>
+              </a:rPr>
+              <a:t>"</a:t>
+            </a:r>
+            <a:r>
+              <a:rPr lang="zh-CN" altLang="en-US" dirty="0">
+                <a:ea typeface="微软雅黑" panose="020B0503020204020204" pitchFamily="34" charset="-122"/>
+              </a:rPr>
+              <a:t>客户端</a:t>
+            </a:r>
+            <a:r>
+              <a:rPr lang="en-US" altLang="zh-CN" dirty="0">
+                <a:ea typeface="微软雅黑" panose="020B0503020204020204" pitchFamily="34" charset="-122"/>
+              </a:rPr>
+              <a:t>"</a:t>
+            </a:r>
+            <a:r>
+              <a:rPr lang="zh-CN" altLang="en-US" dirty="0">
+                <a:ea typeface="微软雅黑" panose="020B0503020204020204" pitchFamily="34" charset="-122"/>
+              </a:rPr>
+              <a:t>与</a:t>
+            </a:r>
+            <a:r>
+              <a:rPr lang="en-US" altLang="zh-CN" dirty="0">
+                <a:ea typeface="微软雅黑" panose="020B0503020204020204" pitchFamily="34" charset="-122"/>
+              </a:rPr>
+              <a:t>"</a:t>
+            </a:r>
+            <a:r>
+              <a:rPr lang="zh-CN" altLang="en-US" dirty="0">
+                <a:ea typeface="微软雅黑" panose="020B0503020204020204" pitchFamily="34" charset="-122"/>
+              </a:rPr>
+              <a:t>服务提供商</a:t>
+            </a:r>
+            <a:r>
+              <a:rPr lang="en-US" altLang="zh-CN" dirty="0">
+                <a:ea typeface="微软雅黑" panose="020B0503020204020204" pitchFamily="34" charset="-122"/>
+              </a:rPr>
+              <a:t>"</a:t>
+            </a:r>
+            <a:r>
+              <a:rPr lang="zh-CN" altLang="en-US" dirty="0">
+                <a:ea typeface="微软雅黑" panose="020B0503020204020204" pitchFamily="34" charset="-122"/>
+              </a:rPr>
+              <a:t>之间，设置了一个授权层（</a:t>
+            </a:r>
+            <a:r>
+              <a:rPr lang="en-US" altLang="zh-CN" dirty="0">
+                <a:ea typeface="微软雅黑" panose="020B0503020204020204" pitchFamily="34" charset="-122"/>
+              </a:rPr>
+              <a:t>authorization layer</a:t>
+            </a:r>
+            <a:r>
+              <a:rPr lang="zh-CN" altLang="en-US" dirty="0">
+                <a:ea typeface="微软雅黑" panose="020B0503020204020204" pitchFamily="34" charset="-122"/>
+              </a:rPr>
+              <a:t>）。</a:t>
+            </a:r>
+            <a:r>
+              <a:rPr lang="en-US" altLang="zh-CN" dirty="0">
+                <a:ea typeface="微软雅黑" panose="020B0503020204020204" pitchFamily="34" charset="-122"/>
+              </a:rPr>
+              <a:t>"</a:t>
+            </a:r>
+            <a:r>
+              <a:rPr lang="zh-CN" altLang="en-US" dirty="0">
+                <a:ea typeface="微软雅黑" panose="020B0503020204020204" pitchFamily="34" charset="-122"/>
+              </a:rPr>
+              <a:t>客户端</a:t>
+            </a:r>
+            <a:r>
+              <a:rPr lang="en-US" altLang="zh-CN" dirty="0">
+                <a:ea typeface="微软雅黑" panose="020B0503020204020204" pitchFamily="34" charset="-122"/>
+              </a:rPr>
+              <a:t>"</a:t>
+            </a:r>
+            <a:r>
+              <a:rPr lang="zh-CN" altLang="en-US" dirty="0">
+                <a:ea typeface="微软雅黑" panose="020B0503020204020204" pitchFamily="34" charset="-122"/>
+              </a:rPr>
+              <a:t>不能直接登录</a:t>
+            </a:r>
+            <a:r>
+              <a:rPr lang="en-US" altLang="zh-CN" dirty="0">
+                <a:ea typeface="微软雅黑" panose="020B0503020204020204" pitchFamily="34" charset="-122"/>
+              </a:rPr>
+              <a:t>"</a:t>
+            </a:r>
+            <a:r>
+              <a:rPr lang="zh-CN" altLang="en-US" dirty="0">
+                <a:ea typeface="微软雅黑" panose="020B0503020204020204" pitchFamily="34" charset="-122"/>
+              </a:rPr>
+              <a:t>服务提供商</a:t>
+            </a:r>
+            <a:r>
+              <a:rPr lang="en-US" altLang="zh-CN" dirty="0">
+                <a:ea typeface="微软雅黑" panose="020B0503020204020204" pitchFamily="34" charset="-122"/>
+              </a:rPr>
+              <a:t>"</a:t>
+            </a:r>
+            <a:r>
+              <a:rPr lang="zh-CN" altLang="en-US" dirty="0">
+                <a:ea typeface="微软雅黑" panose="020B0503020204020204" pitchFamily="34" charset="-122"/>
+              </a:rPr>
+              <a:t>，只能登录授权层，以此将用户与客户端区分开来。</a:t>
+            </a:r>
+            <a:r>
+              <a:rPr lang="en-US" altLang="zh-CN" dirty="0">
+                <a:ea typeface="微软雅黑" panose="020B0503020204020204" pitchFamily="34" charset="-122"/>
+              </a:rPr>
+              <a:t>"</a:t>
+            </a:r>
+            <a:r>
+              <a:rPr lang="zh-CN" altLang="en-US" dirty="0">
+                <a:ea typeface="微软雅黑" panose="020B0503020204020204" pitchFamily="34" charset="-122"/>
+              </a:rPr>
+              <a:t>客户端</a:t>
+            </a:r>
+            <a:r>
+              <a:rPr lang="en-US" altLang="zh-CN" dirty="0">
+                <a:ea typeface="微软雅黑" panose="020B0503020204020204" pitchFamily="34" charset="-122"/>
+              </a:rPr>
+              <a:t>"</a:t>
+            </a:r>
+            <a:r>
+              <a:rPr lang="zh-CN" altLang="en-US" dirty="0">
+                <a:ea typeface="微软雅黑" panose="020B0503020204020204" pitchFamily="34" charset="-122"/>
+              </a:rPr>
+              <a:t>登录授权层所用的令牌（</a:t>
+            </a:r>
+            <a:r>
+              <a:rPr lang="en-US" altLang="zh-CN" dirty="0">
+                <a:ea typeface="微软雅黑" panose="020B0503020204020204" pitchFamily="34" charset="-122"/>
+              </a:rPr>
+              <a:t>token</a:t>
+            </a:r>
+            <a:r>
+              <a:rPr lang="zh-CN" altLang="en-US" dirty="0">
+                <a:ea typeface="微软雅黑" panose="020B0503020204020204" pitchFamily="34" charset="-122"/>
+              </a:rPr>
+              <a:t>），与用户的密码不同。用户可以在登录的时候，指定授权层令牌的权限范围和有效期。</a:t>
+            </a:r>
+          </a:p>
+          <a:p>
+            <a:pPr marL="285750" indent="-285750">
+              <a:lnSpc>
+                <a:spcPct val="150000"/>
+              </a:lnSpc>
+              <a:buFont typeface="Arial" panose="020B0604020202020204" pitchFamily="34" charset="0"/>
+              <a:buChar char="•"/>
+            </a:pPr>
+            <a:r>
+              <a:rPr lang="en-US" altLang="zh-CN" dirty="0">
+                <a:ea typeface="微软雅黑" panose="020B0503020204020204" pitchFamily="34" charset="-122"/>
+              </a:rPr>
+              <a:t>"</a:t>
+            </a:r>
+            <a:r>
+              <a:rPr lang="zh-CN" altLang="en-US" dirty="0">
+                <a:ea typeface="微软雅黑" panose="020B0503020204020204" pitchFamily="34" charset="-122"/>
+              </a:rPr>
+              <a:t>客户端</a:t>
+            </a:r>
+            <a:r>
+              <a:rPr lang="en-US" altLang="zh-CN" dirty="0">
+                <a:ea typeface="微软雅黑" panose="020B0503020204020204" pitchFamily="34" charset="-122"/>
+              </a:rPr>
+              <a:t>"</a:t>
+            </a:r>
+            <a:r>
+              <a:rPr lang="zh-CN" altLang="en-US" dirty="0">
+                <a:ea typeface="微软雅黑" panose="020B0503020204020204" pitchFamily="34" charset="-122"/>
+              </a:rPr>
+              <a:t>登录授权层以后，</a:t>
+            </a:r>
+            <a:r>
+              <a:rPr lang="en-US" altLang="zh-CN" dirty="0">
+                <a:ea typeface="微软雅黑" panose="020B0503020204020204" pitchFamily="34" charset="-122"/>
+              </a:rPr>
+              <a:t>"</a:t>
+            </a:r>
+            <a:r>
+              <a:rPr lang="zh-CN" altLang="en-US" dirty="0">
+                <a:ea typeface="微软雅黑" panose="020B0503020204020204" pitchFamily="34" charset="-122"/>
+              </a:rPr>
+              <a:t>服务提供商</a:t>
+            </a:r>
+            <a:r>
+              <a:rPr lang="en-US" altLang="zh-CN" dirty="0">
+                <a:ea typeface="微软雅黑" panose="020B0503020204020204" pitchFamily="34" charset="-122"/>
+              </a:rPr>
+              <a:t>"</a:t>
+            </a:r>
+            <a:r>
+              <a:rPr lang="zh-CN" altLang="en-US" dirty="0">
+                <a:ea typeface="微软雅黑" panose="020B0503020204020204" pitchFamily="34" charset="-122"/>
+              </a:rPr>
+              <a:t>根据令牌的权限范围和有效期，向</a:t>
+            </a:r>
+            <a:r>
+              <a:rPr lang="en-US" altLang="zh-CN" dirty="0">
+                <a:ea typeface="微软雅黑" panose="020B0503020204020204" pitchFamily="34" charset="-122"/>
+              </a:rPr>
+              <a:t>"</a:t>
+            </a:r>
+            <a:r>
+              <a:rPr lang="zh-CN" altLang="en-US" dirty="0">
+                <a:ea typeface="微软雅黑" panose="020B0503020204020204" pitchFamily="34" charset="-122"/>
+              </a:rPr>
+              <a:t>客户端</a:t>
+            </a:r>
+            <a:r>
+              <a:rPr lang="en-US" altLang="zh-CN" dirty="0">
+                <a:ea typeface="微软雅黑" panose="020B0503020204020204" pitchFamily="34" charset="-122"/>
+              </a:rPr>
+              <a:t>"</a:t>
+            </a:r>
+            <a:r>
+              <a:rPr lang="zh-CN" altLang="en-US" dirty="0">
+                <a:ea typeface="微软雅黑" panose="020B0503020204020204" pitchFamily="34" charset="-122"/>
+              </a:rPr>
+              <a:t>开放用户储存的资料。</a:t>
             </a:r>
           </a:p>
         </p:txBody>
@@ -15312,7 +15959,7 @@
     </p:spTree>
     <p:extLst>
       <p:ext uri="{BB962C8B-B14F-4D97-AF65-F5344CB8AC3E}">
-        <p14:creationId xmlns:p14="http://schemas.microsoft.com/office/powerpoint/2010/main" val="3481064266"/>
+        <p14:creationId xmlns:p14="http://schemas.microsoft.com/office/powerpoint/2010/main" val="3020456092"/>
       </p:ext>
     </p:extLst>
   </p:cSld>
@@ -15351,8 +15998,8 @@
         </p:nvSpPr>
         <p:spPr>
           <a:xfrm>
-            <a:off x="1054100" y="543636"/>
-            <a:ext cx="5818188" cy="685800"/>
+            <a:off x="1054099" y="543636"/>
+            <a:ext cx="7032626" cy="685800"/>
           </a:xfrm>
         </p:spPr>
         <p:txBody>
@@ -15360,8 +16007,74 @@
           <a:lstStyle/>
           <a:p>
             <a:r>
+              <a:rPr lang="en-US" altLang="zh-CN" b="0" dirty="0" err="1"/>
+              <a:t>Oauth</a:t>
+            </a:r>
+            <a:r>
               <a:rPr lang="zh-CN" altLang="en-US" b="0" dirty="0"/>
-              <a:t>实际应用</a:t>
+              <a:t>优点</a:t>
+            </a:r>
+          </a:p>
+        </p:txBody>
+      </p:sp>
+      <p:sp>
+        <p:nvSpPr>
+          <p:cNvPr id="3" name="文本框 2">
+            <a:extLst>
+              <a:ext uri="{FF2B5EF4-FFF2-40B4-BE49-F238E27FC236}">
+                <a16:creationId xmlns:a16="http://schemas.microsoft.com/office/drawing/2014/main" id="{781B4598-E9CD-4614-BD5E-6F83ABCFC684}"/>
+              </a:ext>
+            </a:extLst>
+          </p:cNvPr>
+          <p:cNvSpPr txBox="1"/>
+          <p:nvPr/>
+        </p:nvSpPr>
+        <p:spPr>
+          <a:xfrm>
+            <a:off x="1248697" y="1986116"/>
+            <a:ext cx="9065342" cy="1338828"/>
+          </a:xfrm>
+          <a:prstGeom prst="rect">
+            <a:avLst/>
+          </a:prstGeom>
+          <a:noFill/>
+        </p:spPr>
+        <p:txBody>
+          <a:bodyPr wrap="square" rtlCol="0">
+            <a:spAutoFit/>
+          </a:bodyPr>
+          <a:lstStyle/>
+          <a:p>
+            <a:pPr marL="285750" indent="-285750">
+              <a:lnSpc>
+                <a:spcPct val="150000"/>
+              </a:lnSpc>
+              <a:buFont typeface="Arial" panose="020B0604020202020204" pitchFamily="34" charset="0"/>
+              <a:buChar char="•"/>
+            </a:pPr>
+            <a:r>
+              <a:rPr lang="zh-CN" altLang="en-US" dirty="0">
+                <a:ea typeface="微软雅黑" panose="020B0503020204020204" pitchFamily="34" charset="-122"/>
+              </a:rPr>
+              <a:t>安全性更高，用户仅需对需要的操作授权，同时不用提供账号密码。</a:t>
+            </a:r>
+            <a:endParaRPr lang="en-US" altLang="zh-CN" dirty="0">
+              <a:ea typeface="微软雅黑" panose="020B0503020204020204" pitchFamily="34" charset="-122"/>
+            </a:endParaRPr>
+          </a:p>
+          <a:p>
+            <a:pPr marL="285750" indent="-285750">
+              <a:lnSpc>
+                <a:spcPct val="150000"/>
+              </a:lnSpc>
+              <a:buFont typeface="Arial" panose="020B0604020202020204" pitchFamily="34" charset="0"/>
+              <a:buChar char="•"/>
+            </a:pPr>
+            <a:r>
+              <a:rPr lang="zh-CN" altLang="en-US" dirty="0">
+                <a:ea typeface="微软雅黑" panose="020B0503020204020204" pitchFamily="34" charset="-122"/>
+              </a:rPr>
+              <a:t>不需要针对不同的网站注册多个账号，使用授权就可以实现一个账号通过授权的方式登录不同的网站。</a:t>
             </a:r>
           </a:p>
         </p:txBody>
@@ -15369,7 +16082,7 @@
     </p:spTree>
     <p:extLst>
       <p:ext uri="{BB962C8B-B14F-4D97-AF65-F5344CB8AC3E}">
-        <p14:creationId xmlns:p14="http://schemas.microsoft.com/office/powerpoint/2010/main" val="2902273865"/>
+        <p14:creationId xmlns:p14="http://schemas.microsoft.com/office/powerpoint/2010/main" val="4254126377"/>
       </p:ext>
     </p:extLst>
   </p:cSld>
@@ -15398,18 +16111,18 @@
       </p:grpSpPr>
       <p:sp>
         <p:nvSpPr>
-          <p:cNvPr id="2" name="内容占位符 1"/>
+          <p:cNvPr id="3" name="内容占位符 2"/>
           <p:cNvSpPr>
             <a:spLocks noGrp="1"/>
           </p:cNvSpPr>
           <p:nvPr>
-            <p:ph sz="quarter" idx="13"/>
+            <p:ph sz="quarter" idx="15"/>
           </p:nvPr>
         </p:nvSpPr>
         <p:spPr>
           <a:xfrm>
-            <a:off x="1054100" y="543636"/>
-            <a:ext cx="7304088" cy="685800"/>
+            <a:off x="917621" y="516340"/>
+            <a:ext cx="7011941" cy="685800"/>
           </a:xfrm>
         </p:spPr>
         <p:txBody>
@@ -15418,145 +16131,51 @@
           <a:p>
             <a:r>
               <a:rPr lang="zh-CN" altLang="en-US" b="0" dirty="0"/>
-              <a:t>第三讲</a:t>
+              <a:t>基本处理流程</a:t>
             </a:r>
           </a:p>
         </p:txBody>
       </p:sp>
-      <p:sp>
-        <p:nvSpPr>
-          <p:cNvPr id="4" name="文本框 3"/>
-          <p:cNvSpPr txBox="1"/>
+      <p:pic>
+        <p:nvPicPr>
+          <p:cNvPr id="6" name="图片 5">
+            <a:extLst>
+              <a:ext uri="{FF2B5EF4-FFF2-40B4-BE49-F238E27FC236}">
+                <a16:creationId xmlns:a16="http://schemas.microsoft.com/office/drawing/2014/main" id="{C4DEEE5B-9A09-47BD-81D7-1D3D91D5E86C}"/>
+              </a:ext>
+            </a:extLst>
+          </p:cNvPr>
+          <p:cNvPicPr>
+            <a:picLocks noChangeAspect="1"/>
+          </p:cNvPicPr>
           <p:nvPr/>
-        </p:nvSpPr>
+        </p:nvPicPr>
+        <p:blipFill>
+          <a:blip r:embed="rId2">
+            <a:extLst>
+              <a:ext uri="{28A0092B-C50C-407E-A947-70E740481C1C}">
+                <a14:useLocalDpi xmlns:a14="http://schemas.microsoft.com/office/drawing/2010/main" val="0"/>
+              </a:ext>
+            </a:extLst>
+          </a:blip>
+          <a:stretch>
+            <a:fillRect/>
+          </a:stretch>
+        </p:blipFill>
         <p:spPr>
           <a:xfrm>
-            <a:off x="4058444" y="2343152"/>
-            <a:ext cx="5385594" cy="2062103"/>
+            <a:off x="1048609" y="1585943"/>
+            <a:ext cx="10199493" cy="5115834"/>
           </a:xfrm>
           <a:prstGeom prst="rect">
             <a:avLst/>
           </a:prstGeom>
-          <a:noFill/>
         </p:spPr>
-        <p:txBody>
-          <a:bodyPr wrap="square" rtlCol="0">
-            <a:spAutoFit/>
-          </a:bodyPr>
-          <a:lstStyle/>
-          <a:p>
-            <a:pPr marL="514350" indent="-514350">
-              <a:lnSpc>
-                <a:spcPct val="200000"/>
-              </a:lnSpc>
-              <a:buFont typeface="+mj-ea"/>
-              <a:buAutoNum type="ea1JpnChsDbPeriod"/>
-            </a:pPr>
-            <a:r>
-              <a:rPr lang="zh-CN" altLang="en-US" sz="2000" dirty="0">
-                <a:solidFill>
-                  <a:schemeClr val="tx1">
-                    <a:lumMod val="65000"/>
-                    <a:lumOff val="35000"/>
-                  </a:schemeClr>
-                </a:solidFill>
-                <a:latin typeface="微软雅黑" panose="020B0503020204020204" pitchFamily="34" charset="-122"/>
-                <a:ea typeface="微软雅黑" panose="020B0503020204020204" pitchFamily="34" charset="-122"/>
-              </a:rPr>
-              <a:t>微信支付分类与流程</a:t>
-            </a:r>
-            <a:endParaRPr lang="en-US" altLang="zh-CN" sz="2000" dirty="0">
-              <a:solidFill>
-                <a:schemeClr val="tx1">
-                  <a:lumMod val="65000"/>
-                  <a:lumOff val="35000"/>
-                </a:schemeClr>
-              </a:solidFill>
-              <a:latin typeface="微软雅黑" panose="020B0503020204020204" pitchFamily="34" charset="-122"/>
-              <a:ea typeface="微软雅黑" panose="020B0503020204020204" pitchFamily="34" charset="-122"/>
-            </a:endParaRPr>
-          </a:p>
-          <a:p>
-            <a:pPr marL="514350" indent="-514350">
-              <a:lnSpc>
-                <a:spcPct val="200000"/>
-              </a:lnSpc>
-              <a:buFont typeface="+mj-ea"/>
-              <a:buAutoNum type="ea1JpnChsDbPeriod"/>
-            </a:pPr>
-            <a:r>
-              <a:rPr lang="en-US" altLang="zh-CN" sz="2000" dirty="0" err="1">
-                <a:solidFill>
-                  <a:schemeClr val="tx1">
-                    <a:lumMod val="65000"/>
-                    <a:lumOff val="35000"/>
-                  </a:schemeClr>
-                </a:solidFill>
-                <a:latin typeface="微软雅黑" panose="020B0503020204020204" pitchFamily="34" charset="-122"/>
-                <a:ea typeface="微软雅黑" panose="020B0503020204020204" pitchFamily="34" charset="-122"/>
-              </a:rPr>
-              <a:t>Oauth</a:t>
-            </a:r>
-            <a:r>
-              <a:rPr lang="zh-CN" altLang="en-US" sz="2000" dirty="0">
-                <a:solidFill>
-                  <a:schemeClr val="tx1">
-                    <a:lumMod val="65000"/>
-                    <a:lumOff val="35000"/>
-                  </a:schemeClr>
-                </a:solidFill>
-                <a:latin typeface="微软雅黑" panose="020B0503020204020204" pitchFamily="34" charset="-122"/>
-                <a:ea typeface="微软雅黑" panose="020B0503020204020204" pitchFamily="34" charset="-122"/>
-              </a:rPr>
-              <a:t>协议基础</a:t>
-            </a:r>
-            <a:endParaRPr lang="en-US" altLang="zh-CN" sz="2000" dirty="0">
-              <a:solidFill>
-                <a:schemeClr val="tx1">
-                  <a:lumMod val="65000"/>
-                  <a:lumOff val="35000"/>
-                </a:schemeClr>
-              </a:solidFill>
-              <a:latin typeface="微软雅黑" panose="020B0503020204020204" pitchFamily="34" charset="-122"/>
-              <a:ea typeface="微软雅黑" panose="020B0503020204020204" pitchFamily="34" charset="-122"/>
-            </a:endParaRPr>
-          </a:p>
-          <a:p>
-            <a:pPr marL="514350" indent="-514350">
-              <a:lnSpc>
-                <a:spcPct val="200000"/>
-              </a:lnSpc>
-              <a:buFont typeface="+mj-ea"/>
-              <a:buAutoNum type="ea1JpnChsDbPeriod"/>
-            </a:pPr>
-            <a:r>
-              <a:rPr lang="zh-CN" altLang="en-US" sz="2400" dirty="0">
-                <a:solidFill>
-                  <a:schemeClr val="accent6">
-                    <a:lumMod val="75000"/>
-                  </a:schemeClr>
-                </a:solidFill>
-                <a:latin typeface="微软雅黑" panose="020B0503020204020204" pitchFamily="34" charset="-122"/>
-                <a:ea typeface="微软雅黑" panose="020B0503020204020204" pitchFamily="34" charset="-122"/>
-              </a:rPr>
-              <a:t>微信网页授权</a:t>
-            </a:r>
-            <a:endParaRPr lang="en-US" altLang="zh-CN" sz="2400" dirty="0">
-              <a:solidFill>
-                <a:schemeClr val="accent6">
-                  <a:lumMod val="75000"/>
-                </a:schemeClr>
-              </a:solidFill>
-              <a:latin typeface="微软雅黑" panose="020B0503020204020204" pitchFamily="34" charset="-122"/>
-              <a:ea typeface="微软雅黑" panose="020B0503020204020204" pitchFamily="34" charset="-122"/>
-            </a:endParaRPr>
-          </a:p>
-        </p:txBody>
-      </p:sp>
+      </p:pic>
     </p:spTree>
     <p:extLst>
       <p:ext uri="{BB962C8B-B14F-4D97-AF65-F5344CB8AC3E}">
-        <p14:creationId xmlns:p14="http://schemas.microsoft.com/office/powerpoint/2010/main" val="1928010297"/>
+        <p14:creationId xmlns:p14="http://schemas.microsoft.com/office/powerpoint/2010/main" val="3481064266"/>
       </p:ext>
     </p:extLst>
   </p:cSld>
@@ -15593,307 +16212,157 @@
             <p:ph sz="quarter" idx="13"/>
           </p:nvPr>
         </p:nvSpPr>
-        <p:spPr/>
+        <p:spPr>
+          <a:xfrm>
+            <a:off x="1054100" y="543636"/>
+            <a:ext cx="7304088" cy="685800"/>
+          </a:xfrm>
+        </p:spPr>
         <p:txBody>
           <a:bodyPr/>
           <a:lstStyle/>
           <a:p>
             <a:r>
               <a:rPr lang="zh-CN" altLang="en-US" b="0" dirty="0"/>
-              <a:t>如何配置</a:t>
+              <a:t>第三讲</a:t>
             </a:r>
           </a:p>
         </p:txBody>
       </p:sp>
       <p:sp>
         <p:nvSpPr>
-          <p:cNvPr id="3" name="矩形 2">
-            <a:extLst>
-              <a:ext uri="{FF2B5EF4-FFF2-40B4-BE49-F238E27FC236}">
-                <a16:creationId xmlns:a16="http://schemas.microsoft.com/office/drawing/2014/main" id="{F07CD539-CB08-4949-B223-2C4F27D3CBFD}"/>
-              </a:ext>
-            </a:extLst>
-          </p:cNvPr>
-          <p:cNvSpPr/>
+          <p:cNvPr id="4" name="文本框 3"/>
+          <p:cNvSpPr txBox="1"/>
           <p:nvPr/>
         </p:nvSpPr>
         <p:spPr>
           <a:xfrm>
-            <a:off x="1054100" y="1741353"/>
-            <a:ext cx="10048568" cy="3416320"/>
+            <a:off x="4058444" y="2343152"/>
+            <a:ext cx="5385594" cy="2062103"/>
           </a:xfrm>
           <a:prstGeom prst="rect">
             <a:avLst/>
           </a:prstGeom>
+          <a:noFill/>
         </p:spPr>
         <p:txBody>
-          <a:bodyPr wrap="square">
+          <a:bodyPr wrap="square" rtlCol="0">
             <a:spAutoFit/>
           </a:bodyPr>
           <a:lstStyle/>
           <a:p>
-            <a:pPr marL="285750" indent="-285750">
+            <a:pPr marL="514350" indent="-514350">
               <a:lnSpc>
-                <a:spcPct val="150000"/>
+                <a:spcPct val="200000"/>
               </a:lnSpc>
-              <a:buFont typeface="Arial" panose="020B0604020202020204" pitchFamily="34" charset="0"/>
-              <a:buChar char="•"/>
+              <a:buFont typeface="+mj-ea"/>
+              <a:buAutoNum type="ea1JpnChsDbPeriod"/>
             </a:pPr>
             <a:r>
-              <a:rPr lang="en-US" altLang="zh-CN" dirty="0">
+              <a:rPr lang="zh-CN" altLang="en-US" sz="2000" dirty="0">
+                <a:solidFill>
+                  <a:schemeClr val="tx1">
+                    <a:lumMod val="65000"/>
+                    <a:lumOff val="35000"/>
+                  </a:schemeClr>
+                </a:solidFill>
                 <a:latin typeface="微软雅黑" panose="020B0503020204020204" pitchFamily="34" charset="-122"/>
                 <a:ea typeface="微软雅黑" panose="020B0503020204020204" pitchFamily="34" charset="-122"/>
               </a:rPr>
-              <a:t>1</a:t>
-            </a:r>
-            <a:r>
-              <a:rPr lang="zh-CN" altLang="en-US" dirty="0">
-                <a:latin typeface="微软雅黑" panose="020B0503020204020204" pitchFamily="34" charset="-122"/>
-                <a:ea typeface="微软雅黑" panose="020B0503020204020204" pitchFamily="34" charset="-122"/>
-              </a:rPr>
-              <a:t>、在微信公众号请求用户网页授权之前，开发者需要先到公众平台官网中的“开发 </a:t>
-            </a:r>
-            <a:r>
-              <a:rPr lang="en-US" altLang="zh-CN" dirty="0">
-                <a:latin typeface="微软雅黑" panose="020B0503020204020204" pitchFamily="34" charset="-122"/>
-                <a:ea typeface="微软雅黑" panose="020B0503020204020204" pitchFamily="34" charset="-122"/>
-              </a:rPr>
-              <a:t>- </a:t>
-            </a:r>
-            <a:r>
-              <a:rPr lang="zh-CN" altLang="en-US" dirty="0">
-                <a:latin typeface="微软雅黑" panose="020B0503020204020204" pitchFamily="34" charset="-122"/>
-                <a:ea typeface="微软雅黑" panose="020B0503020204020204" pitchFamily="34" charset="-122"/>
-              </a:rPr>
-              <a:t>接口权限 </a:t>
-            </a:r>
-            <a:r>
-              <a:rPr lang="en-US" altLang="zh-CN" dirty="0">
-                <a:latin typeface="微软雅黑" panose="020B0503020204020204" pitchFamily="34" charset="-122"/>
-                <a:ea typeface="微软雅黑" panose="020B0503020204020204" pitchFamily="34" charset="-122"/>
-              </a:rPr>
-              <a:t>- </a:t>
-            </a:r>
-            <a:r>
-              <a:rPr lang="zh-CN" altLang="en-US" dirty="0">
-                <a:latin typeface="微软雅黑" panose="020B0503020204020204" pitchFamily="34" charset="-122"/>
-                <a:ea typeface="微软雅黑" panose="020B0503020204020204" pitchFamily="34" charset="-122"/>
-              </a:rPr>
-              <a:t>网页服务 </a:t>
-            </a:r>
-            <a:r>
-              <a:rPr lang="en-US" altLang="zh-CN" dirty="0">
-                <a:latin typeface="微软雅黑" panose="020B0503020204020204" pitchFamily="34" charset="-122"/>
-                <a:ea typeface="微软雅黑" panose="020B0503020204020204" pitchFamily="34" charset="-122"/>
-              </a:rPr>
-              <a:t>- </a:t>
-            </a:r>
-            <a:r>
-              <a:rPr lang="zh-CN" altLang="en-US" dirty="0">
-                <a:latin typeface="微软雅黑" panose="020B0503020204020204" pitchFamily="34" charset="-122"/>
-                <a:ea typeface="微软雅黑" panose="020B0503020204020204" pitchFamily="34" charset="-122"/>
-              </a:rPr>
-              <a:t>网页帐号 </a:t>
-            </a:r>
-            <a:r>
-              <a:rPr lang="en-US" altLang="zh-CN" dirty="0">
-                <a:latin typeface="微软雅黑" panose="020B0503020204020204" pitchFamily="34" charset="-122"/>
-                <a:ea typeface="微软雅黑" panose="020B0503020204020204" pitchFamily="34" charset="-122"/>
-              </a:rPr>
-              <a:t>- </a:t>
-            </a:r>
-            <a:r>
-              <a:rPr lang="zh-CN" altLang="en-US" dirty="0">
-                <a:latin typeface="微软雅黑" panose="020B0503020204020204" pitchFamily="34" charset="-122"/>
-                <a:ea typeface="微软雅黑" panose="020B0503020204020204" pitchFamily="34" charset="-122"/>
-              </a:rPr>
-              <a:t>网页授权获取用户基本信息”的配置选项中，修改授权回调域名。请注意，这里填写的是域名（是一个字符串），而不是</a:t>
-            </a:r>
-            <a:r>
-              <a:rPr lang="en-US" altLang="zh-CN" dirty="0">
-                <a:latin typeface="微软雅黑" panose="020B0503020204020204" pitchFamily="34" charset="-122"/>
-                <a:ea typeface="微软雅黑" panose="020B0503020204020204" pitchFamily="34" charset="-122"/>
-              </a:rPr>
-              <a:t>URL</a:t>
-            </a:r>
-            <a:r>
-              <a:rPr lang="zh-CN" altLang="en-US" dirty="0">
-                <a:latin typeface="微软雅黑" panose="020B0503020204020204" pitchFamily="34" charset="-122"/>
-                <a:ea typeface="微软雅黑" panose="020B0503020204020204" pitchFamily="34" charset="-122"/>
-              </a:rPr>
-              <a:t>，因此请勿加 </a:t>
-            </a:r>
-            <a:r>
-              <a:rPr lang="en-US" altLang="zh-CN" dirty="0">
-                <a:latin typeface="微软雅黑" panose="020B0503020204020204" pitchFamily="34" charset="-122"/>
-                <a:ea typeface="微软雅黑" panose="020B0503020204020204" pitchFamily="34" charset="-122"/>
-              </a:rPr>
-              <a:t>http:// </a:t>
-            </a:r>
-            <a:r>
-              <a:rPr lang="zh-CN" altLang="en-US" dirty="0">
-                <a:latin typeface="微软雅黑" panose="020B0503020204020204" pitchFamily="34" charset="-122"/>
-                <a:ea typeface="微软雅黑" panose="020B0503020204020204" pitchFamily="34" charset="-122"/>
-              </a:rPr>
-              <a:t>等协议头。</a:t>
-            </a:r>
-            <a:endParaRPr lang="en-US" altLang="zh-CN" dirty="0">
+              <a:t>微信支付分类与流程</a:t>
+            </a:r>
+            <a:endParaRPr lang="en-US" altLang="zh-CN" sz="2000" dirty="0">
+              <a:solidFill>
+                <a:schemeClr val="tx1">
+                  <a:lumMod val="65000"/>
+                  <a:lumOff val="35000"/>
+                </a:schemeClr>
+              </a:solidFill>
               <a:latin typeface="微软雅黑" panose="020B0503020204020204" pitchFamily="34" charset="-122"/>
               <a:ea typeface="微软雅黑" panose="020B0503020204020204" pitchFamily="34" charset="-122"/>
             </a:endParaRPr>
           </a:p>
           <a:p>
-            <a:pPr>
+            <a:pPr marL="514350" indent="-514350">
               <a:lnSpc>
-                <a:spcPct val="150000"/>
+                <a:spcPct val="200000"/>
               </a:lnSpc>
+              <a:buFont typeface="+mj-ea"/>
+              <a:buAutoNum type="ea1JpnChsDbPeriod"/>
             </a:pPr>
-            <a:endParaRPr lang="zh-CN" altLang="en-US" dirty="0">
+            <a:r>
+              <a:rPr lang="en-US" altLang="zh-CN" sz="2000" dirty="0" err="1">
+                <a:solidFill>
+                  <a:schemeClr val="tx1">
+                    <a:lumMod val="65000"/>
+                    <a:lumOff val="35000"/>
+                  </a:schemeClr>
+                </a:solidFill>
+                <a:latin typeface="微软雅黑" panose="020B0503020204020204" pitchFamily="34" charset="-122"/>
+                <a:ea typeface="微软雅黑" panose="020B0503020204020204" pitchFamily="34" charset="-122"/>
+              </a:rPr>
+              <a:t>Oauth</a:t>
+            </a:r>
+            <a:r>
+              <a:rPr lang="zh-CN" altLang="en-US" sz="2000" dirty="0">
+                <a:solidFill>
+                  <a:schemeClr val="tx1">
+                    <a:lumMod val="65000"/>
+                    <a:lumOff val="35000"/>
+                  </a:schemeClr>
+                </a:solidFill>
+                <a:latin typeface="微软雅黑" panose="020B0503020204020204" pitchFamily="34" charset="-122"/>
+                <a:ea typeface="微软雅黑" panose="020B0503020204020204" pitchFamily="34" charset="-122"/>
+              </a:rPr>
+              <a:t>协议基础</a:t>
+            </a:r>
+            <a:endParaRPr lang="en-US" altLang="zh-CN" sz="2000" dirty="0">
+              <a:solidFill>
+                <a:schemeClr val="tx1">
+                  <a:lumMod val="65000"/>
+                  <a:lumOff val="35000"/>
+                </a:schemeClr>
+              </a:solidFill>
               <a:latin typeface="微软雅黑" panose="020B0503020204020204" pitchFamily="34" charset="-122"/>
               <a:ea typeface="微软雅黑" panose="020B0503020204020204" pitchFamily="34" charset="-122"/>
             </a:endParaRPr>
           </a:p>
           <a:p>
-            <a:pPr marL="285750" indent="-285750">
+            <a:pPr marL="514350" indent="-514350">
               <a:lnSpc>
-                <a:spcPct val="150000"/>
+                <a:spcPct val="200000"/>
               </a:lnSpc>
-              <a:buFont typeface="Arial" panose="020B0604020202020204" pitchFamily="34" charset="0"/>
-              <a:buChar char="•"/>
+              <a:buFont typeface="+mj-ea"/>
+              <a:buAutoNum type="ea1JpnChsDbPeriod"/>
             </a:pPr>
             <a:r>
-              <a:rPr lang="en-US" altLang="zh-CN" dirty="0">
+              <a:rPr lang="zh-CN" altLang="en-US" sz="2400" dirty="0">
+                <a:solidFill>
+                  <a:schemeClr val="accent6">
+                    <a:lumMod val="75000"/>
+                  </a:schemeClr>
+                </a:solidFill>
                 <a:latin typeface="微软雅黑" panose="020B0503020204020204" pitchFamily="34" charset="-122"/>
                 <a:ea typeface="微软雅黑" panose="020B0503020204020204" pitchFamily="34" charset="-122"/>
               </a:rPr>
-              <a:t>2</a:t>
-            </a:r>
-            <a:r>
-              <a:rPr lang="zh-CN" altLang="en-US" dirty="0">
-                <a:latin typeface="微软雅黑" panose="020B0503020204020204" pitchFamily="34" charset="-122"/>
-                <a:ea typeface="微软雅黑" panose="020B0503020204020204" pitchFamily="34" charset="-122"/>
-              </a:rPr>
-              <a:t>、授权回调域名配置规范为全域名，比如需要网页授权的域名为：</a:t>
-            </a:r>
-            <a:r>
-              <a:rPr lang="en-US" altLang="zh-CN" dirty="0">
-                <a:latin typeface="微软雅黑" panose="020B0503020204020204" pitchFamily="34" charset="-122"/>
-                <a:ea typeface="微软雅黑" panose="020B0503020204020204" pitchFamily="34" charset="-122"/>
-              </a:rPr>
-              <a:t>www.qq.com</a:t>
-            </a:r>
-            <a:r>
-              <a:rPr lang="zh-CN" altLang="en-US" dirty="0">
-                <a:latin typeface="微软雅黑" panose="020B0503020204020204" pitchFamily="34" charset="-122"/>
-                <a:ea typeface="微软雅黑" panose="020B0503020204020204" pitchFamily="34" charset="-122"/>
-              </a:rPr>
-              <a:t>，配置以后此域名下面的页面</a:t>
-            </a:r>
-            <a:r>
-              <a:rPr lang="en-US" altLang="zh-CN" dirty="0">
-                <a:latin typeface="微软雅黑" panose="020B0503020204020204" pitchFamily="34" charset="-122"/>
-                <a:ea typeface="微软雅黑" panose="020B0503020204020204" pitchFamily="34" charset="-122"/>
-              </a:rPr>
-              <a:t>http://www.qq.com/music.html </a:t>
-            </a:r>
-            <a:r>
-              <a:rPr lang="zh-CN" altLang="en-US" dirty="0">
-                <a:latin typeface="微软雅黑" panose="020B0503020204020204" pitchFamily="34" charset="-122"/>
-                <a:ea typeface="微软雅黑" panose="020B0503020204020204" pitchFamily="34" charset="-122"/>
-              </a:rPr>
-              <a:t>、 </a:t>
-            </a:r>
-            <a:r>
-              <a:rPr lang="en-US" altLang="zh-CN" dirty="0">
-                <a:latin typeface="微软雅黑" panose="020B0503020204020204" pitchFamily="34" charset="-122"/>
-                <a:ea typeface="微软雅黑" panose="020B0503020204020204" pitchFamily="34" charset="-122"/>
-              </a:rPr>
-              <a:t>http://www.qq.com/login.html </a:t>
-            </a:r>
-            <a:r>
-              <a:rPr lang="zh-CN" altLang="en-US" dirty="0">
-                <a:latin typeface="微软雅黑" panose="020B0503020204020204" pitchFamily="34" charset="-122"/>
-                <a:ea typeface="微软雅黑" panose="020B0503020204020204" pitchFamily="34" charset="-122"/>
-              </a:rPr>
-              <a:t>都可以进行</a:t>
-            </a:r>
-            <a:r>
-              <a:rPr lang="en-US" altLang="zh-CN" dirty="0">
-                <a:latin typeface="微软雅黑" panose="020B0503020204020204" pitchFamily="34" charset="-122"/>
-                <a:ea typeface="微软雅黑" panose="020B0503020204020204" pitchFamily="34" charset="-122"/>
-              </a:rPr>
-              <a:t>OAuth2.0</a:t>
-            </a:r>
-            <a:r>
-              <a:rPr lang="zh-CN" altLang="en-US" dirty="0">
-                <a:latin typeface="微软雅黑" panose="020B0503020204020204" pitchFamily="34" charset="-122"/>
-                <a:ea typeface="微软雅黑" panose="020B0503020204020204" pitchFamily="34" charset="-122"/>
-              </a:rPr>
-              <a:t>鉴权。但</a:t>
-            </a:r>
-            <a:r>
-              <a:rPr lang="en-US" altLang="zh-CN" dirty="0">
-                <a:latin typeface="微软雅黑" panose="020B0503020204020204" pitchFamily="34" charset="-122"/>
-                <a:ea typeface="微软雅黑" panose="020B0503020204020204" pitchFamily="34" charset="-122"/>
-              </a:rPr>
-              <a:t>http://pay.qq.com </a:t>
-            </a:r>
-            <a:r>
-              <a:rPr lang="zh-CN" altLang="en-US" dirty="0">
-                <a:latin typeface="微软雅黑" panose="020B0503020204020204" pitchFamily="34" charset="-122"/>
-                <a:ea typeface="微软雅黑" panose="020B0503020204020204" pitchFamily="34" charset="-122"/>
-              </a:rPr>
-              <a:t>、 </a:t>
-            </a:r>
-            <a:r>
-              <a:rPr lang="en-US" altLang="zh-CN" dirty="0">
-                <a:latin typeface="微软雅黑" panose="020B0503020204020204" pitchFamily="34" charset="-122"/>
-                <a:ea typeface="微软雅黑" panose="020B0503020204020204" pitchFamily="34" charset="-122"/>
-              </a:rPr>
-              <a:t>http://music.qq.com </a:t>
-            </a:r>
-            <a:r>
-              <a:rPr lang="zh-CN" altLang="en-US" dirty="0">
-                <a:latin typeface="微软雅黑" panose="020B0503020204020204" pitchFamily="34" charset="-122"/>
-                <a:ea typeface="微软雅黑" panose="020B0503020204020204" pitchFamily="34" charset="-122"/>
-              </a:rPr>
-              <a:t>、 </a:t>
-            </a:r>
-            <a:r>
-              <a:rPr lang="en-US" altLang="zh-CN" dirty="0">
-                <a:latin typeface="微软雅黑" panose="020B0503020204020204" pitchFamily="34" charset="-122"/>
-                <a:ea typeface="微软雅黑" panose="020B0503020204020204" pitchFamily="34" charset="-122"/>
-              </a:rPr>
-              <a:t>http://qq.com</a:t>
-            </a:r>
-            <a:r>
-              <a:rPr lang="zh-CN" altLang="en-US" dirty="0">
-                <a:latin typeface="微软雅黑" panose="020B0503020204020204" pitchFamily="34" charset="-122"/>
-                <a:ea typeface="微软雅黑" panose="020B0503020204020204" pitchFamily="34" charset="-122"/>
-              </a:rPr>
-              <a:t>无法进行</a:t>
-            </a:r>
-            <a:r>
-              <a:rPr lang="en-US" altLang="zh-CN" dirty="0">
-                <a:latin typeface="微软雅黑" panose="020B0503020204020204" pitchFamily="34" charset="-122"/>
-                <a:ea typeface="微软雅黑" panose="020B0503020204020204" pitchFamily="34" charset="-122"/>
-              </a:rPr>
-              <a:t>OAuth2.0</a:t>
-            </a:r>
-            <a:r>
-              <a:rPr lang="zh-CN" altLang="en-US" dirty="0">
-                <a:latin typeface="微软雅黑" panose="020B0503020204020204" pitchFamily="34" charset="-122"/>
-                <a:ea typeface="微软雅黑" panose="020B0503020204020204" pitchFamily="34" charset="-122"/>
-              </a:rPr>
-              <a:t>鉴权 。</a:t>
-            </a:r>
+              <a:t>微信网页授权</a:t>
+            </a:r>
+            <a:endParaRPr lang="en-US" altLang="zh-CN" sz="2400" dirty="0">
+              <a:solidFill>
+                <a:schemeClr val="accent6">
+                  <a:lumMod val="75000"/>
+                </a:schemeClr>
+              </a:solidFill>
+              <a:latin typeface="微软雅黑" panose="020B0503020204020204" pitchFamily="34" charset="-122"/>
+              <a:ea typeface="微软雅黑" panose="020B0503020204020204" pitchFamily="34" charset="-122"/>
+            </a:endParaRPr>
           </a:p>
         </p:txBody>
       </p:sp>
     </p:spTree>
     <p:extLst>
       <p:ext uri="{BB962C8B-B14F-4D97-AF65-F5344CB8AC3E}">
-        <p14:creationId xmlns:p14="http://schemas.microsoft.com/office/powerpoint/2010/main" val="1256594085"/>
+        <p14:creationId xmlns:p14="http://schemas.microsoft.com/office/powerpoint/2010/main" val="1928010297"/>
       </p:ext>
     </p:extLst>
   </p:cSld>
@@ -16114,6 +16583,343 @@
             <p:ph sz="quarter" idx="13"/>
           </p:nvPr>
         </p:nvSpPr>
+        <p:spPr/>
+        <p:txBody>
+          <a:bodyPr/>
+          <a:lstStyle/>
+          <a:p>
+            <a:r>
+              <a:rPr lang="zh-CN" altLang="en-US" b="0" dirty="0"/>
+              <a:t>如何配置</a:t>
+            </a:r>
+          </a:p>
+        </p:txBody>
+      </p:sp>
+      <p:sp>
+        <p:nvSpPr>
+          <p:cNvPr id="3" name="矩形 2">
+            <a:extLst>
+              <a:ext uri="{FF2B5EF4-FFF2-40B4-BE49-F238E27FC236}">
+                <a16:creationId xmlns:a16="http://schemas.microsoft.com/office/drawing/2014/main" id="{F07CD539-CB08-4949-B223-2C4F27D3CBFD}"/>
+              </a:ext>
+            </a:extLst>
+          </p:cNvPr>
+          <p:cNvSpPr/>
+          <p:nvPr/>
+        </p:nvSpPr>
+        <p:spPr>
+          <a:xfrm>
+            <a:off x="1054100" y="1741353"/>
+            <a:ext cx="10048568" cy="3416320"/>
+          </a:xfrm>
+          <a:prstGeom prst="rect">
+            <a:avLst/>
+          </a:prstGeom>
+        </p:spPr>
+        <p:txBody>
+          <a:bodyPr wrap="square">
+            <a:spAutoFit/>
+          </a:bodyPr>
+          <a:lstStyle/>
+          <a:p>
+            <a:pPr marL="285750" indent="-285750">
+              <a:lnSpc>
+                <a:spcPct val="150000"/>
+              </a:lnSpc>
+              <a:buFont typeface="Arial" panose="020B0604020202020204" pitchFamily="34" charset="0"/>
+              <a:buChar char="•"/>
+            </a:pPr>
+            <a:r>
+              <a:rPr lang="en-US" altLang="zh-CN" dirty="0">
+                <a:latin typeface="微软雅黑" panose="020B0503020204020204" pitchFamily="34" charset="-122"/>
+                <a:ea typeface="微软雅黑" panose="020B0503020204020204" pitchFamily="34" charset="-122"/>
+              </a:rPr>
+              <a:t>1</a:t>
+            </a:r>
+            <a:r>
+              <a:rPr lang="zh-CN" altLang="en-US" dirty="0">
+                <a:latin typeface="微软雅黑" panose="020B0503020204020204" pitchFamily="34" charset="-122"/>
+                <a:ea typeface="微软雅黑" panose="020B0503020204020204" pitchFamily="34" charset="-122"/>
+              </a:rPr>
+              <a:t>、在微信公众号请求用户网页授权之前，开发者需要先到公众平台官网中的“开发 </a:t>
+            </a:r>
+            <a:r>
+              <a:rPr lang="en-US" altLang="zh-CN" dirty="0">
+                <a:latin typeface="微软雅黑" panose="020B0503020204020204" pitchFamily="34" charset="-122"/>
+                <a:ea typeface="微软雅黑" panose="020B0503020204020204" pitchFamily="34" charset="-122"/>
+              </a:rPr>
+              <a:t>- </a:t>
+            </a:r>
+            <a:r>
+              <a:rPr lang="zh-CN" altLang="en-US" dirty="0">
+                <a:latin typeface="微软雅黑" panose="020B0503020204020204" pitchFamily="34" charset="-122"/>
+                <a:ea typeface="微软雅黑" panose="020B0503020204020204" pitchFamily="34" charset="-122"/>
+              </a:rPr>
+              <a:t>接口权限 </a:t>
+            </a:r>
+            <a:r>
+              <a:rPr lang="en-US" altLang="zh-CN" dirty="0">
+                <a:latin typeface="微软雅黑" panose="020B0503020204020204" pitchFamily="34" charset="-122"/>
+                <a:ea typeface="微软雅黑" panose="020B0503020204020204" pitchFamily="34" charset="-122"/>
+              </a:rPr>
+              <a:t>- </a:t>
+            </a:r>
+            <a:r>
+              <a:rPr lang="zh-CN" altLang="en-US" dirty="0">
+                <a:latin typeface="微软雅黑" panose="020B0503020204020204" pitchFamily="34" charset="-122"/>
+                <a:ea typeface="微软雅黑" panose="020B0503020204020204" pitchFamily="34" charset="-122"/>
+              </a:rPr>
+              <a:t>网页服务 </a:t>
+            </a:r>
+            <a:r>
+              <a:rPr lang="en-US" altLang="zh-CN" dirty="0">
+                <a:latin typeface="微软雅黑" panose="020B0503020204020204" pitchFamily="34" charset="-122"/>
+                <a:ea typeface="微软雅黑" panose="020B0503020204020204" pitchFamily="34" charset="-122"/>
+              </a:rPr>
+              <a:t>- </a:t>
+            </a:r>
+            <a:r>
+              <a:rPr lang="zh-CN" altLang="en-US" dirty="0">
+                <a:latin typeface="微软雅黑" panose="020B0503020204020204" pitchFamily="34" charset="-122"/>
+                <a:ea typeface="微软雅黑" panose="020B0503020204020204" pitchFamily="34" charset="-122"/>
+              </a:rPr>
+              <a:t>网页帐号 </a:t>
+            </a:r>
+            <a:r>
+              <a:rPr lang="en-US" altLang="zh-CN" dirty="0">
+                <a:latin typeface="微软雅黑" panose="020B0503020204020204" pitchFamily="34" charset="-122"/>
+                <a:ea typeface="微软雅黑" panose="020B0503020204020204" pitchFamily="34" charset="-122"/>
+              </a:rPr>
+              <a:t>- </a:t>
+            </a:r>
+            <a:r>
+              <a:rPr lang="zh-CN" altLang="en-US" dirty="0">
+                <a:latin typeface="微软雅黑" panose="020B0503020204020204" pitchFamily="34" charset="-122"/>
+                <a:ea typeface="微软雅黑" panose="020B0503020204020204" pitchFamily="34" charset="-122"/>
+              </a:rPr>
+              <a:t>网页授权获取用户基本信息”的配置选项中，修改授权回调域名。请注意，这里填写的是域名（是一个字符串），而不是</a:t>
+            </a:r>
+            <a:r>
+              <a:rPr lang="en-US" altLang="zh-CN" dirty="0">
+                <a:latin typeface="微软雅黑" panose="020B0503020204020204" pitchFamily="34" charset="-122"/>
+                <a:ea typeface="微软雅黑" panose="020B0503020204020204" pitchFamily="34" charset="-122"/>
+              </a:rPr>
+              <a:t>URL</a:t>
+            </a:r>
+            <a:r>
+              <a:rPr lang="zh-CN" altLang="en-US" dirty="0">
+                <a:latin typeface="微软雅黑" panose="020B0503020204020204" pitchFamily="34" charset="-122"/>
+                <a:ea typeface="微软雅黑" panose="020B0503020204020204" pitchFamily="34" charset="-122"/>
+              </a:rPr>
+              <a:t>，因此请勿加 </a:t>
+            </a:r>
+            <a:r>
+              <a:rPr lang="en-US" altLang="zh-CN" dirty="0">
+                <a:latin typeface="微软雅黑" panose="020B0503020204020204" pitchFamily="34" charset="-122"/>
+                <a:ea typeface="微软雅黑" panose="020B0503020204020204" pitchFamily="34" charset="-122"/>
+              </a:rPr>
+              <a:t>http:// </a:t>
+            </a:r>
+            <a:r>
+              <a:rPr lang="zh-CN" altLang="en-US" dirty="0">
+                <a:latin typeface="微软雅黑" panose="020B0503020204020204" pitchFamily="34" charset="-122"/>
+                <a:ea typeface="微软雅黑" panose="020B0503020204020204" pitchFamily="34" charset="-122"/>
+              </a:rPr>
+              <a:t>等协议头。</a:t>
+            </a:r>
+            <a:endParaRPr lang="en-US" altLang="zh-CN" dirty="0">
+              <a:latin typeface="微软雅黑" panose="020B0503020204020204" pitchFamily="34" charset="-122"/>
+              <a:ea typeface="微软雅黑" panose="020B0503020204020204" pitchFamily="34" charset="-122"/>
+            </a:endParaRPr>
+          </a:p>
+          <a:p>
+            <a:pPr>
+              <a:lnSpc>
+                <a:spcPct val="150000"/>
+              </a:lnSpc>
+            </a:pPr>
+            <a:endParaRPr lang="zh-CN" altLang="en-US" dirty="0">
+              <a:latin typeface="微软雅黑" panose="020B0503020204020204" pitchFamily="34" charset="-122"/>
+              <a:ea typeface="微软雅黑" panose="020B0503020204020204" pitchFamily="34" charset="-122"/>
+            </a:endParaRPr>
+          </a:p>
+          <a:p>
+            <a:pPr marL="285750" indent="-285750">
+              <a:lnSpc>
+                <a:spcPct val="150000"/>
+              </a:lnSpc>
+              <a:buFont typeface="Arial" panose="020B0604020202020204" pitchFamily="34" charset="0"/>
+              <a:buChar char="•"/>
+            </a:pPr>
+            <a:r>
+              <a:rPr lang="en-US" altLang="zh-CN" dirty="0">
+                <a:latin typeface="微软雅黑" panose="020B0503020204020204" pitchFamily="34" charset="-122"/>
+                <a:ea typeface="微软雅黑" panose="020B0503020204020204" pitchFamily="34" charset="-122"/>
+              </a:rPr>
+              <a:t>2</a:t>
+            </a:r>
+            <a:r>
+              <a:rPr lang="zh-CN" altLang="en-US" dirty="0">
+                <a:latin typeface="微软雅黑" panose="020B0503020204020204" pitchFamily="34" charset="-122"/>
+                <a:ea typeface="微软雅黑" panose="020B0503020204020204" pitchFamily="34" charset="-122"/>
+              </a:rPr>
+              <a:t>、授权回调域名配置规范为全域名，比如需要网页授权的域名为：</a:t>
+            </a:r>
+            <a:r>
+              <a:rPr lang="en-US" altLang="zh-CN" dirty="0">
+                <a:latin typeface="微软雅黑" panose="020B0503020204020204" pitchFamily="34" charset="-122"/>
+                <a:ea typeface="微软雅黑" panose="020B0503020204020204" pitchFamily="34" charset="-122"/>
+              </a:rPr>
+              <a:t>www.qq.com</a:t>
+            </a:r>
+            <a:r>
+              <a:rPr lang="zh-CN" altLang="en-US" dirty="0">
+                <a:latin typeface="微软雅黑" panose="020B0503020204020204" pitchFamily="34" charset="-122"/>
+                <a:ea typeface="微软雅黑" panose="020B0503020204020204" pitchFamily="34" charset="-122"/>
+              </a:rPr>
+              <a:t>，配置以后此域名下面的页面</a:t>
+            </a:r>
+            <a:r>
+              <a:rPr lang="en-US" altLang="zh-CN" dirty="0">
+                <a:latin typeface="微软雅黑" panose="020B0503020204020204" pitchFamily="34" charset="-122"/>
+                <a:ea typeface="微软雅黑" panose="020B0503020204020204" pitchFamily="34" charset="-122"/>
+              </a:rPr>
+              <a:t>http://www.qq.com/music.html </a:t>
+            </a:r>
+            <a:r>
+              <a:rPr lang="zh-CN" altLang="en-US" dirty="0">
+                <a:latin typeface="微软雅黑" panose="020B0503020204020204" pitchFamily="34" charset="-122"/>
+                <a:ea typeface="微软雅黑" panose="020B0503020204020204" pitchFamily="34" charset="-122"/>
+              </a:rPr>
+              <a:t>、 </a:t>
+            </a:r>
+            <a:r>
+              <a:rPr lang="en-US" altLang="zh-CN" dirty="0">
+                <a:latin typeface="微软雅黑" panose="020B0503020204020204" pitchFamily="34" charset="-122"/>
+                <a:ea typeface="微软雅黑" panose="020B0503020204020204" pitchFamily="34" charset="-122"/>
+              </a:rPr>
+              <a:t>http://www.qq.com/login.html </a:t>
+            </a:r>
+            <a:r>
+              <a:rPr lang="zh-CN" altLang="en-US" dirty="0">
+                <a:latin typeface="微软雅黑" panose="020B0503020204020204" pitchFamily="34" charset="-122"/>
+                <a:ea typeface="微软雅黑" panose="020B0503020204020204" pitchFamily="34" charset="-122"/>
+              </a:rPr>
+              <a:t>都可以进行</a:t>
+            </a:r>
+            <a:r>
+              <a:rPr lang="en-US" altLang="zh-CN" dirty="0">
+                <a:latin typeface="微软雅黑" panose="020B0503020204020204" pitchFamily="34" charset="-122"/>
+                <a:ea typeface="微软雅黑" panose="020B0503020204020204" pitchFamily="34" charset="-122"/>
+              </a:rPr>
+              <a:t>OAuth2.0</a:t>
+            </a:r>
+            <a:r>
+              <a:rPr lang="zh-CN" altLang="en-US" dirty="0">
+                <a:latin typeface="微软雅黑" panose="020B0503020204020204" pitchFamily="34" charset="-122"/>
+                <a:ea typeface="微软雅黑" panose="020B0503020204020204" pitchFamily="34" charset="-122"/>
+              </a:rPr>
+              <a:t>鉴权。但</a:t>
+            </a:r>
+            <a:r>
+              <a:rPr lang="en-US" altLang="zh-CN" dirty="0">
+                <a:latin typeface="微软雅黑" panose="020B0503020204020204" pitchFamily="34" charset="-122"/>
+                <a:ea typeface="微软雅黑" panose="020B0503020204020204" pitchFamily="34" charset="-122"/>
+              </a:rPr>
+              <a:t>http://pay.qq.com </a:t>
+            </a:r>
+            <a:r>
+              <a:rPr lang="zh-CN" altLang="en-US" dirty="0">
+                <a:latin typeface="微软雅黑" panose="020B0503020204020204" pitchFamily="34" charset="-122"/>
+                <a:ea typeface="微软雅黑" panose="020B0503020204020204" pitchFamily="34" charset="-122"/>
+              </a:rPr>
+              <a:t>、 </a:t>
+            </a:r>
+            <a:r>
+              <a:rPr lang="en-US" altLang="zh-CN" dirty="0">
+                <a:latin typeface="微软雅黑" panose="020B0503020204020204" pitchFamily="34" charset="-122"/>
+                <a:ea typeface="微软雅黑" panose="020B0503020204020204" pitchFamily="34" charset="-122"/>
+              </a:rPr>
+              <a:t>http://music.qq.com </a:t>
+            </a:r>
+            <a:r>
+              <a:rPr lang="zh-CN" altLang="en-US" dirty="0">
+                <a:latin typeface="微软雅黑" panose="020B0503020204020204" pitchFamily="34" charset="-122"/>
+                <a:ea typeface="微软雅黑" panose="020B0503020204020204" pitchFamily="34" charset="-122"/>
+              </a:rPr>
+              <a:t>、 </a:t>
+            </a:r>
+            <a:r>
+              <a:rPr lang="en-US" altLang="zh-CN" dirty="0">
+                <a:latin typeface="微软雅黑" panose="020B0503020204020204" pitchFamily="34" charset="-122"/>
+                <a:ea typeface="微软雅黑" panose="020B0503020204020204" pitchFamily="34" charset="-122"/>
+              </a:rPr>
+              <a:t>http://qq.com</a:t>
+            </a:r>
+            <a:r>
+              <a:rPr lang="zh-CN" altLang="en-US" dirty="0">
+                <a:latin typeface="微软雅黑" panose="020B0503020204020204" pitchFamily="34" charset="-122"/>
+                <a:ea typeface="微软雅黑" panose="020B0503020204020204" pitchFamily="34" charset="-122"/>
+              </a:rPr>
+              <a:t>无法进行</a:t>
+            </a:r>
+            <a:r>
+              <a:rPr lang="en-US" altLang="zh-CN" dirty="0">
+                <a:latin typeface="微软雅黑" panose="020B0503020204020204" pitchFamily="34" charset="-122"/>
+                <a:ea typeface="微软雅黑" panose="020B0503020204020204" pitchFamily="34" charset="-122"/>
+              </a:rPr>
+              <a:t>OAuth2.0</a:t>
+            </a:r>
+            <a:r>
+              <a:rPr lang="zh-CN" altLang="en-US" dirty="0">
+                <a:latin typeface="微软雅黑" panose="020B0503020204020204" pitchFamily="34" charset="-122"/>
+                <a:ea typeface="微软雅黑" panose="020B0503020204020204" pitchFamily="34" charset="-122"/>
+              </a:rPr>
+              <a:t>鉴权 。</a:t>
+            </a:r>
+          </a:p>
+        </p:txBody>
+      </p:sp>
+    </p:spTree>
+    <p:extLst>
+      <p:ext uri="{BB962C8B-B14F-4D97-AF65-F5344CB8AC3E}">
+        <p14:creationId xmlns:p14="http://schemas.microsoft.com/office/powerpoint/2010/main" val="1256594085"/>
+      </p:ext>
+    </p:extLst>
+  </p:cSld>
+  <p:clrMapOvr>
+    <a:masterClrMapping/>
+  </p:clrMapOvr>
+</p:sld>
+</file>
+
+<file path=ppt/slides/slide21.xml><?xml version="1.0" encoding="utf-8"?>
+<p:sld xmlns:a="http://schemas.openxmlformats.org/drawingml/2006/main" xmlns:r="http://schemas.openxmlformats.org/officeDocument/2006/relationships" xmlns:p="http://schemas.openxmlformats.org/presentationml/2006/main">
+  <p:cSld>
+    <p:spTree>
+      <p:nvGrpSpPr>
+        <p:cNvPr id="1" name=""/>
+        <p:cNvGrpSpPr/>
+        <p:nvPr/>
+      </p:nvGrpSpPr>
+      <p:grpSpPr>
+        <a:xfrm>
+          <a:off x="0" y="0"/>
+          <a:ext cx="0" cy="0"/>
+          <a:chOff x="0" y="0"/>
+          <a:chExt cx="0" cy="0"/>
+        </a:xfrm>
+      </p:grpSpPr>
+      <p:sp>
+        <p:nvSpPr>
+          <p:cNvPr id="2" name="内容占位符 1"/>
+          <p:cNvSpPr>
+            <a:spLocks noGrp="1"/>
+          </p:cNvSpPr>
+          <p:nvPr>
+            <p:ph sz="quarter" idx="13"/>
+          </p:nvPr>
+        </p:nvSpPr>
         <p:spPr>
           <a:xfrm>
             <a:off x="1054099" y="543636"/>
@@ -16339,7 +17145,7 @@
 </p:sld>
 </file>
 
-<file path=ppt/slides/slide21.xml><?xml version="1.0" encoding="utf-8"?>
+<file path=ppt/slides/slide22.xml><?xml version="1.0" encoding="utf-8"?>
 <p:sld xmlns:a="http://schemas.openxmlformats.org/drawingml/2006/main" xmlns:r="http://schemas.openxmlformats.org/officeDocument/2006/relationships" xmlns:p="http://schemas.openxmlformats.org/presentationml/2006/main">
   <p:cSld>
     <p:spTree>
@@ -17230,7 +18036,7 @@
 </p:sld>
 </file>
 
-<file path=ppt/slides/slide22.xml><?xml version="1.0" encoding="utf-8"?>
+<file path=ppt/slides/slide23.xml><?xml version="1.0" encoding="utf-8"?>
 <p:sld xmlns:a="http://schemas.openxmlformats.org/drawingml/2006/main" xmlns:r="http://schemas.openxmlformats.org/officeDocument/2006/relationships" xmlns:p="http://schemas.openxmlformats.org/presentationml/2006/main">
   <p:cSld>
     <p:spTree>
@@ -18091,7 +18897,7 @@
 </p:sld>
 </file>
 
-<file path=ppt/slides/slide23.xml><?xml version="1.0" encoding="utf-8"?>
+<file path=ppt/slides/slide24.xml><?xml version="1.0" encoding="utf-8"?>
 <p:sld xmlns:a="http://schemas.openxmlformats.org/drawingml/2006/main" xmlns:r="http://schemas.openxmlformats.org/officeDocument/2006/relationships" xmlns:p="http://schemas.openxmlformats.org/presentationml/2006/main">
   <p:cSld>
     <p:spTree>
@@ -18946,7 +19752,7 @@
 </p:sld>
 </file>
 
-<file path=ppt/slides/slide24.xml><?xml version="1.0" encoding="utf-8"?>
+<file path=ppt/slides/slide25.xml><?xml version="1.0" encoding="utf-8"?>
 <p:sld xmlns:a="http://schemas.openxmlformats.org/drawingml/2006/main" xmlns:r="http://schemas.openxmlformats.org/officeDocument/2006/relationships" xmlns:p="http://schemas.openxmlformats.org/presentationml/2006/main">
   <p:cSld>
     <p:spTree>
@@ -19155,7 +19961,7 @@
 </p:sld>
 </file>
 
-<file path=ppt/slides/slide25.xml><?xml version="1.0" encoding="utf-8"?>
+<file path=ppt/slides/slide26.xml><?xml version="1.0" encoding="utf-8"?>
 <p:sld xmlns:a="http://schemas.openxmlformats.org/drawingml/2006/main" xmlns:r="http://schemas.openxmlformats.org/officeDocument/2006/relationships" xmlns:p="http://schemas.openxmlformats.org/presentationml/2006/main">
   <p:cSld>
     <p:spTree>
@@ -19846,7 +20652,7 @@
 </p:sld>
 </file>
 
-<file path=ppt/slides/slide26.xml><?xml version="1.0" encoding="utf-8"?>
+<file path=ppt/slides/slide27.xml><?xml version="1.0" encoding="utf-8"?>
 <p:sld xmlns:a="http://schemas.openxmlformats.org/drawingml/2006/main" xmlns:r="http://schemas.openxmlformats.org/officeDocument/2006/relationships" xmlns:p="http://schemas.openxmlformats.org/presentationml/2006/main">
   <p:cSld>
     <p:spTree>
@@ -20167,7 +20973,7 @@
 </p:sld>
 </file>
 
-<file path=ppt/slides/slide27.xml><?xml version="1.0" encoding="utf-8"?>
+<file path=ppt/slides/slide28.xml><?xml version="1.0" encoding="utf-8"?>
 <p:sld xmlns:a="http://schemas.openxmlformats.org/drawingml/2006/main" xmlns:r="http://schemas.openxmlformats.org/officeDocument/2006/relationships" xmlns:p="http://schemas.openxmlformats.org/presentationml/2006/main">
   <p:cSld>
     <p:spTree>
@@ -20979,7 +21785,7 @@
 </p:sld>
 </file>
 
-<file path=ppt/slides/slide28.xml><?xml version="1.0" encoding="utf-8"?>
+<file path=ppt/slides/slide29.xml><?xml version="1.0" encoding="utf-8"?>
 <p:sld xmlns:a="http://schemas.openxmlformats.org/drawingml/2006/main" xmlns:r="http://schemas.openxmlformats.org/officeDocument/2006/relationships" xmlns:p="http://schemas.openxmlformats.org/presentationml/2006/main">
   <p:cSld>
     <p:spTree>
@@ -21715,6 +22521,133 @@
             <a:r>
               <a:rPr lang="zh-CN" altLang="en-US" b="0" dirty="0"/>
               <a:t>课程概要</a:t>
+            </a:r>
+          </a:p>
+        </p:txBody>
+      </p:sp>
+      <p:sp>
+        <p:nvSpPr>
+          <p:cNvPr id="3" name="文本框 2">
+            <a:extLst>
+              <a:ext uri="{FF2B5EF4-FFF2-40B4-BE49-F238E27FC236}">
+                <a16:creationId xmlns:a16="http://schemas.microsoft.com/office/drawing/2014/main" id="{99E0C404-8513-450C-9319-95AB092B094F}"/>
+              </a:ext>
+            </a:extLst>
+          </p:cNvPr>
+          <p:cNvSpPr txBox="1"/>
+          <p:nvPr/>
+        </p:nvSpPr>
+        <p:spPr>
+          <a:xfrm>
+            <a:off x="1238865" y="1858297"/>
+            <a:ext cx="9861754" cy="1884618"/>
+          </a:xfrm>
+          <a:prstGeom prst="rect">
+            <a:avLst/>
+          </a:prstGeom>
+          <a:noFill/>
+        </p:spPr>
+        <p:txBody>
+          <a:bodyPr wrap="square" rtlCol="0">
+            <a:spAutoFit/>
+          </a:bodyPr>
+          <a:lstStyle/>
+          <a:p>
+            <a:pPr marL="285750" indent="-285750">
+              <a:lnSpc>
+                <a:spcPct val="150000"/>
+              </a:lnSpc>
+              <a:buFont typeface="Arial" panose="020B0604020202020204" pitchFamily="34" charset="0"/>
+              <a:buChar char="•"/>
+            </a:pPr>
+            <a:r>
+              <a:rPr lang="zh-CN" altLang="en-US" sz="2000" dirty="0">
+                <a:latin typeface="微软雅黑" panose="020B0503020204020204" pitchFamily="34" charset="-122"/>
+                <a:ea typeface="微软雅黑" panose="020B0503020204020204" pitchFamily="34" charset="-122"/>
+              </a:rPr>
+              <a:t>本次课程先简单讲解一下微信支付，同时以扫码支付为例进行支付流程的解释说明，由于条件限制，无法进行示例演示。</a:t>
+            </a:r>
+            <a:endParaRPr lang="en-US" altLang="zh-CN" sz="2000" dirty="0">
+              <a:latin typeface="微软雅黑" panose="020B0503020204020204" pitchFamily="34" charset="-122"/>
+              <a:ea typeface="微软雅黑" panose="020B0503020204020204" pitchFamily="34" charset="-122"/>
+            </a:endParaRPr>
+          </a:p>
+          <a:p>
+            <a:pPr marL="285750" indent="-285750">
+              <a:lnSpc>
+                <a:spcPct val="150000"/>
+              </a:lnSpc>
+              <a:buFont typeface="Arial" panose="020B0604020202020204" pitchFamily="34" charset="0"/>
+              <a:buChar char="•"/>
+            </a:pPr>
+            <a:r>
+              <a:rPr lang="zh-CN" altLang="en-US" sz="2000" dirty="0">
+                <a:latin typeface="微软雅黑" panose="020B0503020204020204" pitchFamily="34" charset="-122"/>
+                <a:ea typeface="微软雅黑" panose="020B0503020204020204" pitchFamily="34" charset="-122"/>
+              </a:rPr>
+              <a:t>然后是</a:t>
+            </a:r>
+            <a:r>
+              <a:rPr lang="en-US" altLang="zh-CN" sz="2000" dirty="0" err="1">
+                <a:latin typeface="微软雅黑" panose="020B0503020204020204" pitchFamily="34" charset="-122"/>
+                <a:ea typeface="微软雅黑" panose="020B0503020204020204" pitchFamily="34" charset="-122"/>
+              </a:rPr>
+              <a:t>Oauth</a:t>
+            </a:r>
+            <a:r>
+              <a:rPr lang="zh-CN" altLang="en-US" sz="2000" dirty="0">
+                <a:latin typeface="微软雅黑" panose="020B0503020204020204" pitchFamily="34" charset="-122"/>
+                <a:ea typeface="微软雅黑" panose="020B0503020204020204" pitchFamily="34" charset="-122"/>
+              </a:rPr>
+              <a:t>入门，简单了解</a:t>
+            </a:r>
+            <a:r>
+              <a:rPr lang="en-US" altLang="zh-CN" sz="2000" dirty="0" err="1">
+                <a:latin typeface="微软雅黑" panose="020B0503020204020204" pitchFamily="34" charset="-122"/>
+                <a:ea typeface="微软雅黑" panose="020B0503020204020204" pitchFamily="34" charset="-122"/>
+              </a:rPr>
+              <a:t>Oauth</a:t>
+            </a:r>
+            <a:r>
+              <a:rPr lang="zh-CN" altLang="en-US" sz="2000" dirty="0">
+                <a:latin typeface="微软雅黑" panose="020B0503020204020204" pitchFamily="34" charset="-122"/>
+                <a:ea typeface="微软雅黑" panose="020B0503020204020204" pitchFamily="34" charset="-122"/>
+              </a:rPr>
+              <a:t>。</a:t>
+            </a:r>
+            <a:endParaRPr lang="en-US" altLang="zh-CN" sz="2000" dirty="0">
+              <a:latin typeface="微软雅黑" panose="020B0503020204020204" pitchFamily="34" charset="-122"/>
+              <a:ea typeface="微软雅黑" panose="020B0503020204020204" pitchFamily="34" charset="-122"/>
+            </a:endParaRPr>
+          </a:p>
+          <a:p>
+            <a:pPr marL="285750" indent="-285750">
+              <a:lnSpc>
+                <a:spcPct val="150000"/>
+              </a:lnSpc>
+              <a:buFont typeface="Arial" panose="020B0604020202020204" pitchFamily="34" charset="0"/>
+              <a:buChar char="•"/>
+            </a:pPr>
+            <a:r>
+              <a:rPr lang="zh-CN" altLang="en-US" sz="2000" dirty="0">
+                <a:latin typeface="微软雅黑" panose="020B0503020204020204" pitchFamily="34" charset="-122"/>
+                <a:ea typeface="微软雅黑" panose="020B0503020204020204" pitchFamily="34" charset="-122"/>
+              </a:rPr>
+              <a:t>微信网页授权是</a:t>
+            </a:r>
+            <a:r>
+              <a:rPr lang="en-US" altLang="zh-CN" sz="2000" dirty="0">
+                <a:latin typeface="微软雅黑" panose="020B0503020204020204" pitchFamily="34" charset="-122"/>
+                <a:ea typeface="微软雅黑" panose="020B0503020204020204" pitchFamily="34" charset="-122"/>
+              </a:rPr>
+              <a:t>Oauth2.0</a:t>
+            </a:r>
+            <a:r>
+              <a:rPr lang="zh-CN" altLang="en-US" sz="2000" dirty="0">
+                <a:latin typeface="微软雅黑" panose="020B0503020204020204" pitchFamily="34" charset="-122"/>
+                <a:ea typeface="微软雅黑" panose="020B0503020204020204" pitchFamily="34" charset="-122"/>
+              </a:rPr>
+              <a:t>协议的具体实现，实现微信网页授权获取用户基本信息。</a:t>
             </a:r>
           </a:p>
         </p:txBody>
